--- a/Session4/Session4_Slides.pptx
+++ b/Session4/Session4_Slides.pptx
@@ -53,7 +53,6 @@
     <p:sldId id="298" r:id="rId50"/>
     <p:sldId id="299" r:id="rId51"/>
     <p:sldId id="300" r:id="rId52"/>
-    <p:sldId id="301" r:id="rId53"/>
   </p:sldIdLst>
   <p:sldSz cx="13004800" cy="9753600"/>
   <p:notesSz cx="6858000" cy="9144000"/>
@@ -381,7 +380,7 @@
       </p:grpSpPr>
       <p:sp>
         <p:nvSpPr>
-          <p:cNvPr id="177" name="Shape 177"/>
+          <p:cNvPr id="188" name="Shape 188"/>
           <p:cNvSpPr/>
           <p:nvPr>
             <p:ph type="sldImg"/>
@@ -406,7 +405,7 @@
       </p:sp>
       <p:sp>
         <p:nvSpPr>
-          <p:cNvPr id="178" name="Shape 178"/>
+          <p:cNvPr id="189" name="Shape 189"/>
           <p:cNvSpPr/>
           <p:nvPr>
             <p:ph type="body" sz="quarter" idx="1"/>
@@ -2423,6 +2422,372 @@
 </p:sldLayout>
 </file>
 
+<file path=ppt/slideLayouts/slideLayout18.xml><?xml version="1.0" encoding="utf-8"?>
+<p:sldLayout xmlns:a="http://schemas.openxmlformats.org/drawingml/2006/main" xmlns:r="http://schemas.openxmlformats.org/officeDocument/2006/relationships" xmlns:p="http://schemas.openxmlformats.org/presentationml/2006/main" type="tx" showMasterSp="1" showMasterPhAnim="1">
+  <p:cSld name="Title &amp; Bullets">
+    <p:bg>
+      <p:bgPr>
+        <a:solidFill>
+          <a:srgbClr val="222222"/>
+        </a:solidFill>
+      </p:bgPr>
+    </p:bg>
+    <p:spTree>
+      <p:nvGrpSpPr>
+        <p:cNvPr id="1" name=""/>
+        <p:cNvGrpSpPr/>
+        <p:nvPr/>
+      </p:nvGrpSpPr>
+      <p:grpSpPr>
+        <a:xfrm>
+          <a:off x="0" y="0"/>
+          <a:ext cx="0" cy="0"/>
+          <a:chOff x="0" y="0"/>
+          <a:chExt cx="0" cy="0"/>
+        </a:xfrm>
+      </p:grpSpPr>
+      <p:sp>
+        <p:nvSpPr>
+          <p:cNvPr id="178" name="Shape 178"/>
+          <p:cNvSpPr/>
+          <p:nvPr/>
+        </p:nvSpPr>
+        <p:spPr>
+          <a:xfrm flipV="1">
+            <a:off x="406400" y="993160"/>
+            <a:ext cx="12192000" cy="263"/>
+          </a:xfrm>
+          <a:prstGeom prst="line">
+            <a:avLst/>
+          </a:prstGeom>
+          <a:ln w="25400">
+            <a:solidFill>
+              <a:srgbClr val="A6AAA9"/>
+            </a:solidFill>
+            <a:miter lim="400000"/>
+          </a:ln>
+        </p:spPr>
+        <p:txBody>
+          <a:bodyPr lIns="50800" tIns="50800" rIns="50800" bIns="50800" anchor="ctr"/>
+          <a:lstStyle/>
+          <a:p>
+            <a:pPr defTabSz="457200">
+              <a:spcBef>
+                <a:spcPts val="0"/>
+              </a:spcBef>
+              <a:defRPr sz="1200">
+                <a:solidFill>
+                  <a:srgbClr val="000000"/>
+                </a:solidFill>
+                <a:latin typeface="+mn-lt"/>
+                <a:ea typeface="+mn-ea"/>
+                <a:cs typeface="+mn-cs"/>
+                <a:sym typeface="Helvetica"/>
+              </a:defRPr>
+            </a:pPr>
+          </a:p>
+        </p:txBody>
+      </p:sp>
+      <p:sp>
+        <p:nvSpPr>
+          <p:cNvPr id="179" name="Shape 179"/>
+          <p:cNvSpPr/>
+          <p:nvPr>
+            <p:ph type="body" sz="quarter" idx="13"/>
+          </p:nvPr>
+        </p:nvSpPr>
+        <p:spPr>
+          <a:xfrm>
+            <a:off x="406400" y="457200"/>
+            <a:ext cx="11176000" cy="457200"/>
+          </a:xfrm>
+          <a:prstGeom prst="rect">
+            <a:avLst/>
+          </a:prstGeom>
+        </p:spPr>
+        <p:txBody>
+          <a:bodyPr lIns="50800" tIns="50800" rIns="50800" bIns="50800" anchor="b">
+            <a:spAutoFit/>
+          </a:bodyPr>
+          <a:lstStyle>
+            <a:lvl1pPr marL="0" indent="0" defTabSz="457200">
+              <a:lnSpc>
+                <a:spcPct val="80000"/>
+              </a:lnSpc>
+              <a:spcBef>
+                <a:spcPts val="0"/>
+              </a:spcBef>
+              <a:buSzTx/>
+              <a:buFontTx/>
+              <a:buNone/>
+              <a:defRPr cap="all" spc="120" sz="2400">
+                <a:solidFill>
+                  <a:srgbClr val="838787"/>
+                </a:solidFill>
+                <a:latin typeface="DIN Alternate"/>
+                <a:ea typeface="DIN Alternate"/>
+                <a:cs typeface="DIN Alternate"/>
+                <a:sym typeface="DIN Alternate"/>
+              </a:defRPr>
+            </a:lvl1pPr>
+          </a:lstStyle>
+          <a:p>
+            <a:pPr/>
+            <a:r>
+              <a:t>Text</a:t>
+            </a:r>
+          </a:p>
+        </p:txBody>
+      </p:sp>
+      <p:sp>
+        <p:nvSpPr>
+          <p:cNvPr id="180" name="Shape 180"/>
+          <p:cNvSpPr/>
+          <p:nvPr>
+            <p:ph type="title"/>
+          </p:nvPr>
+        </p:nvSpPr>
+        <p:spPr>
+          <a:xfrm>
+            <a:off x="406400" y="1536700"/>
+            <a:ext cx="12192000" cy="723900"/>
+          </a:xfrm>
+          <a:prstGeom prst="rect">
+            <a:avLst/>
+          </a:prstGeom>
+        </p:spPr>
+        <p:txBody>
+          <a:bodyPr lIns="50800" tIns="50800" rIns="50800" bIns="50800" anchor="t"/>
+          <a:lstStyle>
+            <a:lvl1pPr algn="l" defTabSz="584200">
+              <a:lnSpc>
+                <a:spcPct val="80000"/>
+              </a:lnSpc>
+              <a:spcBef>
+                <a:spcPts val="2800"/>
+              </a:spcBef>
+              <a:defRPr cap="all" sz="6000">
+                <a:solidFill>
+                  <a:schemeClr val="accent1"/>
+                </a:solidFill>
+                <a:latin typeface="DIN Condensed"/>
+                <a:ea typeface="DIN Condensed"/>
+                <a:cs typeface="DIN Condensed"/>
+                <a:sym typeface="DIN Condensed"/>
+              </a:defRPr>
+            </a:lvl1pPr>
+          </a:lstStyle>
+          <a:p>
+            <a:pPr/>
+            <a:r>
+              <a:t>Title Text</a:t>
+            </a:r>
+          </a:p>
+        </p:txBody>
+      </p:sp>
+      <p:sp>
+        <p:nvSpPr>
+          <p:cNvPr id="181" name="Shape 181"/>
+          <p:cNvSpPr/>
+          <p:nvPr>
+            <p:ph type="body" idx="1"/>
+          </p:nvPr>
+        </p:nvSpPr>
+        <p:spPr>
+          <a:xfrm>
+            <a:off x="406400" y="2743200"/>
+            <a:ext cx="12192000" cy="6108700"/>
+          </a:xfrm>
+          <a:prstGeom prst="rect">
+            <a:avLst/>
+          </a:prstGeom>
+        </p:spPr>
+        <p:txBody>
+          <a:bodyPr lIns="50800" tIns="50800" rIns="50800" bIns="50800"/>
+          <a:lstStyle>
+            <a:lvl1pPr marL="444500" indent="-444500" defTabSz="584200">
+              <a:spcBef>
+                <a:spcPts val="2800"/>
+              </a:spcBef>
+              <a:buClr>
+                <a:schemeClr val="accent1"/>
+              </a:buClr>
+              <a:buSzPct val="104999"/>
+              <a:buFont typeface="Avenir Next"/>
+              <a:buChar char="▸"/>
+              <a:defRPr sz="3400">
+                <a:solidFill>
+                  <a:srgbClr val="838787"/>
+                </a:solidFill>
+                <a:latin typeface="Avenir Next Medium"/>
+                <a:ea typeface="Avenir Next Medium"/>
+                <a:cs typeface="Avenir Next Medium"/>
+                <a:sym typeface="Avenir Next Medium"/>
+              </a:defRPr>
+            </a:lvl1pPr>
+            <a:lvl2pPr marL="889000" indent="-444500" defTabSz="584200">
+              <a:spcBef>
+                <a:spcPts val="2800"/>
+              </a:spcBef>
+              <a:buClr>
+                <a:schemeClr val="accent1"/>
+              </a:buClr>
+              <a:buSzPct val="104999"/>
+              <a:buFont typeface="Avenir Next"/>
+              <a:buChar char="▸"/>
+              <a:defRPr sz="3400">
+                <a:solidFill>
+                  <a:srgbClr val="838787"/>
+                </a:solidFill>
+                <a:latin typeface="Avenir Next Medium"/>
+                <a:ea typeface="Avenir Next Medium"/>
+                <a:cs typeface="Avenir Next Medium"/>
+                <a:sym typeface="Avenir Next Medium"/>
+              </a:defRPr>
+            </a:lvl2pPr>
+            <a:lvl3pPr indent="-444500" defTabSz="584200">
+              <a:spcBef>
+                <a:spcPts val="2800"/>
+              </a:spcBef>
+              <a:buClr>
+                <a:schemeClr val="accent1"/>
+              </a:buClr>
+              <a:buSzPct val="104999"/>
+              <a:buFont typeface="Avenir Next"/>
+              <a:buChar char="▸"/>
+              <a:defRPr sz="3400">
+                <a:solidFill>
+                  <a:srgbClr val="838787"/>
+                </a:solidFill>
+                <a:latin typeface="Avenir Next Medium"/>
+                <a:ea typeface="Avenir Next Medium"/>
+                <a:cs typeface="Avenir Next Medium"/>
+                <a:sym typeface="Avenir Next Medium"/>
+              </a:defRPr>
+            </a:lvl3pPr>
+            <a:lvl4pPr marL="1778000" indent="-444500" defTabSz="584200">
+              <a:spcBef>
+                <a:spcPts val="2800"/>
+              </a:spcBef>
+              <a:buClr>
+                <a:schemeClr val="accent1"/>
+              </a:buClr>
+              <a:buSzPct val="104999"/>
+              <a:buFont typeface="Avenir Next"/>
+              <a:buChar char="▸"/>
+              <a:defRPr sz="3400">
+                <a:solidFill>
+                  <a:srgbClr val="838787"/>
+                </a:solidFill>
+                <a:latin typeface="Avenir Next Medium"/>
+                <a:ea typeface="Avenir Next Medium"/>
+                <a:cs typeface="Avenir Next Medium"/>
+                <a:sym typeface="Avenir Next Medium"/>
+              </a:defRPr>
+            </a:lvl4pPr>
+            <a:lvl5pPr marL="2222500" indent="-444500" defTabSz="584200">
+              <a:spcBef>
+                <a:spcPts val="2800"/>
+              </a:spcBef>
+              <a:buClr>
+                <a:schemeClr val="accent1"/>
+              </a:buClr>
+              <a:buSzPct val="104999"/>
+              <a:buFont typeface="Avenir Next"/>
+              <a:buChar char="▸"/>
+              <a:defRPr sz="3400">
+                <a:solidFill>
+                  <a:srgbClr val="838787"/>
+                </a:solidFill>
+                <a:latin typeface="Avenir Next Medium"/>
+                <a:ea typeface="Avenir Next Medium"/>
+                <a:cs typeface="Avenir Next Medium"/>
+                <a:sym typeface="Avenir Next Medium"/>
+              </a:defRPr>
+            </a:lvl5pPr>
+          </a:lstStyle>
+          <a:p>
+            <a:pPr/>
+            <a:r>
+              <a:t>Body Level One</a:t>
+            </a:r>
+          </a:p>
+          <a:p>
+            <a:pPr lvl="1"/>
+            <a:r>
+              <a:t>Body Level Two</a:t>
+            </a:r>
+          </a:p>
+          <a:p>
+            <a:pPr lvl="2"/>
+            <a:r>
+              <a:t>Body Level Three</a:t>
+            </a:r>
+          </a:p>
+          <a:p>
+            <a:pPr lvl="3"/>
+            <a:r>
+              <a:t>Body Level Four</a:t>
+            </a:r>
+          </a:p>
+          <a:p>
+            <a:pPr lvl="4"/>
+            <a:r>
+              <a:t>Body Level Five</a:t>
+            </a:r>
+          </a:p>
+        </p:txBody>
+      </p:sp>
+      <p:sp>
+        <p:nvSpPr>
+          <p:cNvPr id="182" name="Shape 182"/>
+          <p:cNvSpPr/>
+          <p:nvPr>
+            <p:ph type="sldNum" sz="quarter" idx="2"/>
+          </p:nvPr>
+        </p:nvSpPr>
+        <p:spPr>
+          <a:xfrm>
+            <a:off x="12186622" y="431800"/>
+            <a:ext cx="406897" cy="457200"/>
+          </a:xfrm>
+          <a:prstGeom prst="rect">
+            <a:avLst/>
+          </a:prstGeom>
+        </p:spPr>
+        <p:txBody>
+          <a:bodyPr lIns="50800" tIns="50800" rIns="50800" bIns="50800" anchor="t"/>
+          <a:lstStyle>
+            <a:lvl1pPr defTabSz="584200">
+              <a:lnSpc>
+                <a:spcPct val="80000"/>
+              </a:lnSpc>
+              <a:defRPr sz="2400">
+                <a:solidFill>
+                  <a:srgbClr val="838787"/>
+                </a:solidFill>
+                <a:latin typeface="DIN Alternate"/>
+                <a:ea typeface="DIN Alternate"/>
+                <a:cs typeface="DIN Alternate"/>
+                <a:sym typeface="DIN Alternate"/>
+              </a:defRPr>
+            </a:lvl1pPr>
+          </a:lstStyle>
+          <a:p>
+            <a:pPr/>
+            <a:fld id="{86CB4B4D-7CA3-9044-876B-883B54F8677D}" type="slidenum"/>
+          </a:p>
+        </p:txBody>
+      </p:sp>
+    </p:spTree>
+  </p:cSld>
+  <p:clrMapOvr>
+    <a:masterClrMapping/>
+  </p:clrMapOvr>
+  <p:transition xmlns:p14="http://schemas.microsoft.com/office/powerpoint/2010/main" spd="med" advClick="1"/>
+</p:sldLayout>
+</file>
+
 <file path=ppt/slideLayouts/slideLayout2.xml><?xml version="1.0" encoding="utf-8"?>
 <p:sldLayout xmlns:a="http://schemas.openxmlformats.org/drawingml/2006/main" xmlns:r="http://schemas.openxmlformats.org/officeDocument/2006/relationships" xmlns:p="http://schemas.openxmlformats.org/presentationml/2006/main" type="tx" showMasterSp="1" showMasterPhAnim="1">
   <p:cSld name="Photo - Horizontal">
@@ -5105,6 +5470,7 @@
     <p:sldLayoutId id="2147483663" r:id="rId16"/>
     <p:sldLayoutId id="2147483664" r:id="rId17"/>
     <p:sldLayoutId id="2147483665" r:id="rId18"/>
+    <p:sldLayoutId id="2147483666" r:id="rId19"/>
   </p:sldLayoutIdLst>
   <p:transition xmlns:p14="http://schemas.microsoft.com/office/powerpoint/2010/main" spd="med" advClick="1"/>
   <p:txStyles>
@@ -5920,7 +6286,7 @@
       </p:grpSpPr>
       <p:sp>
         <p:nvSpPr>
-          <p:cNvPr id="180" name="Shape 180"/>
+          <p:cNvPr id="191" name="Shape 191"/>
           <p:cNvSpPr/>
           <p:nvPr>
             <p:ph type="ctrTitle"/>
@@ -5944,7 +6310,7 @@
       </p:sp>
       <p:sp>
         <p:nvSpPr>
-          <p:cNvPr id="181" name="Shape 181"/>
+          <p:cNvPr id="192" name="Shape 192"/>
           <p:cNvSpPr/>
           <p:nvPr>
             <p:ph type="subTitle" sz="quarter" idx="1"/>
@@ -5994,181 +6360,136 @@
       </p:grpSpPr>
       <p:sp>
         <p:nvSpPr>
-          <p:cNvPr id="214" name="Shape 214"/>
-          <p:cNvSpPr/>
+          <p:cNvPr id="219" name="Shape 219"/>
+          <p:cNvSpPr/>
+          <p:nvPr>
+            <p:ph type="title" idx="4294967295"/>
+          </p:nvPr>
+        </p:nvSpPr>
+        <p:spPr>
+          <a:xfrm>
+            <a:off x="524933" y="1062566"/>
+            <a:ext cx="12192001" cy="1169261"/>
+          </a:xfrm>
+          <a:prstGeom prst="rect">
+            <a:avLst/>
+          </a:prstGeom>
+        </p:spPr>
+        <p:txBody>
+          <a:bodyPr lIns="50800" tIns="50800" rIns="50800" bIns="50800" anchor="t"/>
+          <a:lstStyle>
+            <a:lvl1pPr algn="l" defTabSz="403097">
+              <a:lnSpc>
+                <a:spcPct val="80000"/>
+              </a:lnSpc>
+              <a:spcBef>
+                <a:spcPts val="1900"/>
+              </a:spcBef>
+              <a:defRPr cap="all" sz="8200">
+                <a:solidFill>
+                  <a:schemeClr val="accent1"/>
+                </a:solidFill>
+                <a:latin typeface="DIN Condensed"/>
+                <a:ea typeface="DIN Condensed"/>
+                <a:cs typeface="DIN Condensed"/>
+                <a:sym typeface="DIN Condensed"/>
+              </a:defRPr>
+            </a:lvl1pPr>
+          </a:lstStyle>
+          <a:p>
+            <a:pPr/>
+            <a:r>
+              <a:t>Fix #2: Log()</a:t>
+            </a:r>
+          </a:p>
+        </p:txBody>
+      </p:sp>
+      <p:sp>
+        <p:nvSpPr>
+          <p:cNvPr id="220" name="Shape 220"/>
+          <p:cNvSpPr/>
+          <p:nvPr>
+            <p:ph type="body" idx="4294967295"/>
+          </p:nvPr>
+        </p:nvSpPr>
+        <p:spPr>
+          <a:xfrm>
+            <a:off x="524933" y="2389518"/>
+            <a:ext cx="12192001" cy="6059357"/>
+          </a:xfrm>
+          <a:prstGeom prst="rect">
+            <a:avLst/>
+          </a:prstGeom>
+        </p:spPr>
+        <p:txBody>
+          <a:bodyPr lIns="50800" tIns="50800" rIns="50800" bIns="50800"/>
+          <a:lstStyle/>
+          <a:p>
+            <a:pPr marL="550656" indent="-550656" defTabSz="455674">
+              <a:spcBef>
+                <a:spcPts val="2100"/>
+              </a:spcBef>
+              <a:buSzPct val="40000"/>
+              <a:buFontTx/>
+              <a:buBlip>
+                <a:blip r:embed="rId2"/>
+              </a:buBlip>
+              <a:defRPr sz="4900">
+                <a:solidFill>
+                  <a:srgbClr val="838787"/>
+                </a:solidFill>
+                <a:latin typeface="Avenir Next Medium"/>
+                <a:ea typeface="Avenir Next Medium"/>
+                <a:cs typeface="Avenir Next Medium"/>
+                <a:sym typeface="Avenir Next Medium"/>
+              </a:defRPr>
+            </a:pPr>
+            <a:r>
+              <a:t>Evens out </a:t>
+            </a:r>
+            <a:r>
+              <a:rPr>
+                <a:solidFill>
+                  <a:schemeClr val="accent3"/>
+                </a:solidFill>
+              </a:rPr>
+              <a:t>scale</a:t>
+            </a:r>
+            <a:r>
+              <a:t> between 0-1 and rest</a:t>
+            </a:r>
+          </a:p>
+        </p:txBody>
+      </p:sp>
+      <p:pic>
+        <p:nvPicPr>
+          <p:cNvPr id="221" name="pasted-image.gif"/>
+          <p:cNvPicPr>
+            <a:picLocks noChangeAspect="1"/>
+          </p:cNvPicPr>
           <p:nvPr/>
-        </p:nvSpPr>
-        <p:spPr>
-          <a:xfrm>
-            <a:off x="5806185" y="1310414"/>
-            <a:ext cx="2050797" cy="1117604"/>
-          </a:xfrm>
-          <a:prstGeom prst="rect">
-            <a:avLst/>
-          </a:prstGeom>
-          <a:solidFill>
-            <a:srgbClr val="000000"/>
-          </a:solidFill>
+        </p:nvPicPr>
+        <p:blipFill>
+          <a:blip r:embed="rId3">
+            <a:extLst/>
+          </a:blip>
+          <a:stretch>
+            <a:fillRect/>
+          </a:stretch>
+        </p:blipFill>
+        <p:spPr>
+          <a:xfrm>
+            <a:off x="1083733" y="3415863"/>
+            <a:ext cx="7996702" cy="6059357"/>
+          </a:xfrm>
+          <a:prstGeom prst="rect">
+            <a:avLst/>
+          </a:prstGeom>
           <a:ln w="12700">
             <a:miter lim="400000"/>
           </a:ln>
-          <a:extLst>
-            <a:ext uri="{C572A759-6A51-4108-AA02-DFA0A04FC94B}">
-              <ma14:wrappingTextBoxFlag xmlns:ma14="http://schemas.microsoft.com/office/mac/drawingml/2011/main" val="1"/>
-            </a:ext>
-          </a:extLst>
-        </p:spPr>
-        <p:txBody>
-          <a:bodyPr wrap="none" lIns="50800" tIns="50800" rIns="50800" bIns="50800" anchor="ctr">
-            <a:spAutoFit/>
-          </a:bodyPr>
-          <a:lstStyle>
-            <a:lvl1pPr>
-              <a:defRPr sz="8000">
-                <a:solidFill>
-                  <a:srgbClr val="A7A7A7"/>
-                </a:solidFill>
-              </a:defRPr>
-            </a:lvl1pPr>
-          </a:lstStyle>
-          <a:p>
-            <a:pPr/>
-            <a:r>
-              <a:t>P(A|B)</a:t>
-            </a:r>
-          </a:p>
-        </p:txBody>
-      </p:sp>
-      <p:sp>
-        <p:nvSpPr>
-          <p:cNvPr id="215" name="Shape 215"/>
-          <p:cNvSpPr/>
-          <p:nvPr/>
-        </p:nvSpPr>
-        <p:spPr>
-          <a:xfrm>
-            <a:off x="4086300" y="2733741"/>
-            <a:ext cx="5490568" cy="5823216"/>
-          </a:xfrm>
-          <a:prstGeom prst="ellipse">
-            <a:avLst/>
-          </a:prstGeom>
-          <a:solidFill>
-            <a:schemeClr val="accent1">
-              <a:satOff val="-7685"/>
-              <a:lumOff val="-10588"/>
-            </a:schemeClr>
-          </a:solidFill>
-          <a:ln w="12700">
-            <a:miter lim="400000"/>
-          </a:ln>
-        </p:spPr>
-        <p:txBody>
-          <a:bodyPr lIns="50800" tIns="50800" rIns="50800" bIns="50800" anchor="ctr"/>
-          <a:lstStyle/>
-          <a:p>
-            <a:pPr>
-              <a:defRPr>
-                <a:solidFill>
-                  <a:srgbClr val="838787"/>
-                </a:solidFill>
-              </a:defRPr>
-            </a:pPr>
-          </a:p>
-        </p:txBody>
-      </p:sp>
-      <p:sp>
-        <p:nvSpPr>
-          <p:cNvPr id="216" name="Shape 216"/>
-          <p:cNvSpPr/>
-          <p:nvPr/>
-        </p:nvSpPr>
-        <p:spPr>
-          <a:xfrm>
-            <a:off x="4086426" y="3279642"/>
-            <a:ext cx="2289982" cy="4731545"/>
-          </a:xfrm>
-          <a:custGeom>
-            <a:avLst/>
-            <a:gdLst/>
-            <a:ahLst/>
-            <a:cxnLst>
-              <a:cxn ang="0">
-                <a:pos x="wd2" y="hd2"/>
-              </a:cxn>
-              <a:cxn ang="5400000">
-                <a:pos x="wd2" y="hd2"/>
-              </a:cxn>
-              <a:cxn ang="10800000">
-                <a:pos x="wd2" y="hd2"/>
-              </a:cxn>
-              <a:cxn ang="16200000">
-                <a:pos x="wd2" y="hd2"/>
-              </a:cxn>
-            </a:cxnLst>
-            <a:rect l="0" t="0" r="r" b="b"/>
-            <a:pathLst>
-              <a:path w="17503" h="21600" fill="norm" stroke="1" extrusionOk="0">
-                <a:moveTo>
-                  <a:pt x="8751" y="0"/>
-                </a:moveTo>
-                <a:cubicBezTo>
-                  <a:pt x="7839" y="416"/>
-                  <a:pt x="6966" y="881"/>
-                  <a:pt x="6145" y="1401"/>
-                </a:cubicBezTo>
-                <a:cubicBezTo>
-                  <a:pt x="-2049" y="6591"/>
-                  <a:pt x="-2049" y="15007"/>
-                  <a:pt x="6145" y="20198"/>
-                </a:cubicBezTo>
-                <a:cubicBezTo>
-                  <a:pt x="6966" y="20718"/>
-                  <a:pt x="7838" y="21184"/>
-                  <a:pt x="8751" y="21600"/>
-                </a:cubicBezTo>
-                <a:cubicBezTo>
-                  <a:pt x="9664" y="21184"/>
-                  <a:pt x="10536" y="20718"/>
-                  <a:pt x="11357" y="20198"/>
-                </a:cubicBezTo>
-                <a:cubicBezTo>
-                  <a:pt x="19551" y="15007"/>
-                  <a:pt x="19551" y="6591"/>
-                  <a:pt x="11357" y="1401"/>
-                </a:cubicBezTo>
-                <a:cubicBezTo>
-                  <a:pt x="10536" y="881"/>
-                  <a:pt x="9663" y="416"/>
-                  <a:pt x="8751" y="0"/>
-                </a:cubicBezTo>
-                <a:close/>
-              </a:path>
-            </a:pathLst>
-          </a:custGeom>
-          <a:solidFill>
-            <a:schemeClr val="accent6">
-              <a:lumOff val="-8980"/>
-            </a:schemeClr>
-          </a:solidFill>
-          <a:ln w="12700">
-            <a:miter lim="400000"/>
-          </a:ln>
-        </p:spPr>
-        <p:txBody>
-          <a:bodyPr lIns="50800" tIns="50800" rIns="50800" bIns="50800" anchor="ctr"/>
-          <a:lstStyle/>
-          <a:p>
-            <a:pPr>
-              <a:defRPr>
-                <a:solidFill>
-                  <a:srgbClr val="838787"/>
-                </a:solidFill>
-              </a:defRPr>
-            </a:pPr>
-          </a:p>
-        </p:txBody>
-      </p:sp>
+        </p:spPr>
+      </p:pic>
     </p:spTree>
   </p:cSld>
   <p:clrMapOvr>
@@ -6197,177 +6518,86 @@
       </p:grpSpPr>
       <p:sp>
         <p:nvSpPr>
-          <p:cNvPr id="218" name="Shape 218"/>
-          <p:cNvSpPr/>
+          <p:cNvPr id="223" name="Shape 223"/>
+          <p:cNvSpPr/>
+          <p:nvPr>
+            <p:ph type="subTitle" sz="quarter" idx="1"/>
+          </p:nvPr>
+        </p:nvSpPr>
+        <p:spPr>
+          <a:prstGeom prst="rect">
+            <a:avLst/>
+          </a:prstGeom>
+        </p:spPr>
+        <p:txBody>
+          <a:bodyPr/>
+          <a:lstStyle/>
+          <a:p>
+            <a:pPr/>
+          </a:p>
+        </p:txBody>
+      </p:sp>
+      <p:pic>
+        <p:nvPicPr>
+          <p:cNvPr id="224" name="pasted-image.png"/>
+          <p:cNvPicPr>
+            <a:picLocks noChangeAspect="1"/>
+          </p:cNvPicPr>
           <p:nvPr/>
-        </p:nvSpPr>
-        <p:spPr>
-          <a:xfrm>
-            <a:off x="3747633" y="2676856"/>
-            <a:ext cx="5490568" cy="5823216"/>
-          </a:xfrm>
-          <a:prstGeom prst="ellipse">
-            <a:avLst/>
-          </a:prstGeom>
-          <a:solidFill>
-            <a:schemeClr val="accent1">
-              <a:satOff val="-7685"/>
-              <a:lumOff val="-10588"/>
-            </a:schemeClr>
-          </a:solidFill>
+        </p:nvPicPr>
+        <p:blipFill>
+          <a:blip r:embed="rId2">
+            <a:extLst/>
+          </a:blip>
+          <a:srcRect l="2575" t="0" r="2575" b="0"/>
+          <a:stretch>
+            <a:fillRect/>
+          </a:stretch>
+        </p:blipFill>
+        <p:spPr>
+          <a:xfrm>
+            <a:off x="-7938" y="3089764"/>
+            <a:ext cx="13020619" cy="4257714"/>
+          </a:xfrm>
+          <a:prstGeom prst="rect">
+            <a:avLst/>
+          </a:prstGeom>
           <a:ln w="12700">
             <a:miter lim="400000"/>
           </a:ln>
         </p:spPr>
-        <p:txBody>
-          <a:bodyPr lIns="50800" tIns="50800" rIns="50800" bIns="50800" anchor="ctr"/>
-          <a:lstStyle/>
-          <a:p>
-            <a:pPr>
-              <a:defRPr>
-                <a:solidFill>
-                  <a:srgbClr val="838787"/>
-                </a:solidFill>
-              </a:defRPr>
-            </a:pPr>
-          </a:p>
-        </p:txBody>
-      </p:sp>
-      <p:sp>
-        <p:nvSpPr>
-          <p:cNvPr id="219" name="Shape 219"/>
-          <p:cNvSpPr/>
-          <p:nvPr/>
-        </p:nvSpPr>
-        <p:spPr>
-          <a:xfrm>
-            <a:off x="3747759" y="3222757"/>
-            <a:ext cx="2289982" cy="4731545"/>
-          </a:xfrm>
-          <a:custGeom>
-            <a:avLst/>
-            <a:gdLst/>
-            <a:ahLst/>
-            <a:cxnLst>
-              <a:cxn ang="0">
-                <a:pos x="wd2" y="hd2"/>
-              </a:cxn>
-              <a:cxn ang="5400000">
-                <a:pos x="wd2" y="hd2"/>
-              </a:cxn>
-              <a:cxn ang="10800000">
-                <a:pos x="wd2" y="hd2"/>
-              </a:cxn>
-              <a:cxn ang="16200000">
-                <a:pos x="wd2" y="hd2"/>
-              </a:cxn>
-            </a:cxnLst>
-            <a:rect l="0" t="0" r="r" b="b"/>
-            <a:pathLst>
-              <a:path w="17503" h="21600" fill="norm" stroke="1" extrusionOk="0">
-                <a:moveTo>
-                  <a:pt x="8751" y="0"/>
-                </a:moveTo>
-                <a:cubicBezTo>
-                  <a:pt x="7839" y="416"/>
-                  <a:pt x="6966" y="881"/>
-                  <a:pt x="6145" y="1401"/>
-                </a:cubicBezTo>
-                <a:cubicBezTo>
-                  <a:pt x="-2049" y="6591"/>
-                  <a:pt x="-2049" y="15007"/>
-                  <a:pt x="6145" y="20198"/>
-                </a:cubicBezTo>
-                <a:cubicBezTo>
-                  <a:pt x="6966" y="20718"/>
-                  <a:pt x="7838" y="21184"/>
-                  <a:pt x="8751" y="21600"/>
-                </a:cubicBezTo>
-                <a:cubicBezTo>
-                  <a:pt x="9664" y="21184"/>
-                  <a:pt x="10536" y="20718"/>
-                  <a:pt x="11357" y="20198"/>
-                </a:cubicBezTo>
-                <a:cubicBezTo>
-                  <a:pt x="19551" y="15007"/>
-                  <a:pt x="19551" y="6591"/>
-                  <a:pt x="11357" y="1401"/>
-                </a:cubicBezTo>
-                <a:cubicBezTo>
-                  <a:pt x="10536" y="881"/>
-                  <a:pt x="9663" y="416"/>
-                  <a:pt x="8751" y="0"/>
-                </a:cubicBezTo>
-                <a:close/>
-              </a:path>
-            </a:pathLst>
-          </a:custGeom>
-          <a:solidFill>
-            <a:schemeClr val="accent6">
-              <a:lumOff val="-8980"/>
-            </a:schemeClr>
-          </a:solidFill>
-          <a:ln w="12700">
-            <a:miter lim="400000"/>
-          </a:ln>
-        </p:spPr>
-        <p:txBody>
-          <a:bodyPr lIns="50800" tIns="50800" rIns="50800" bIns="50800" anchor="ctr"/>
-          <a:lstStyle/>
-          <a:p>
-            <a:pPr>
-              <a:defRPr>
-                <a:solidFill>
-                  <a:srgbClr val="838787"/>
-                </a:solidFill>
-              </a:defRPr>
-            </a:pPr>
-          </a:p>
-        </p:txBody>
-      </p:sp>
-      <p:sp>
-        <p:nvSpPr>
-          <p:cNvPr id="220" name="Shape 220"/>
-          <p:cNvSpPr/>
-          <p:nvPr/>
-        </p:nvSpPr>
-        <p:spPr>
-          <a:xfrm>
-            <a:off x="2241719" y="1253528"/>
-            <a:ext cx="9664325" cy="1117605"/>
-          </a:xfrm>
-          <a:prstGeom prst="rect">
-            <a:avLst/>
-          </a:prstGeom>
-          <a:solidFill>
-            <a:srgbClr val="000000"/>
-          </a:solidFill>
-          <a:ln w="12700">
-            <a:miter lim="400000"/>
-          </a:ln>
-          <a:extLst>
-            <a:ext uri="{C572A759-6A51-4108-AA02-DFA0A04FC94B}">
-              <ma14:wrappingTextBoxFlag xmlns:ma14="http://schemas.microsoft.com/office/mac/drawingml/2011/main" val="1"/>
-            </a:ext>
-          </a:extLst>
-        </p:spPr>
-        <p:txBody>
-          <a:bodyPr lIns="50800" tIns="50800" rIns="50800" bIns="50800" anchor="ctr">
-            <a:spAutoFit/>
-          </a:bodyPr>
+      </p:pic>
+      <p:sp>
+        <p:nvSpPr>
+          <p:cNvPr id="225" name="Shape 225"/>
+          <p:cNvSpPr/>
+          <p:nvPr>
+            <p:ph type="ctrTitle"/>
+          </p:nvPr>
+        </p:nvSpPr>
+        <p:spPr>
+          <a:xfrm>
+            <a:off x="406400" y="1536700"/>
+            <a:ext cx="12192000" cy="1169261"/>
+          </a:xfrm>
+          <a:prstGeom prst="rect">
+            <a:avLst/>
+          </a:prstGeom>
+        </p:spPr>
+        <p:txBody>
+          <a:bodyPr/>
           <a:lstStyle>
-            <a:lvl1pPr>
-              <a:defRPr sz="8000">
-                <a:solidFill>
-                  <a:srgbClr val="A7A7A7"/>
-                </a:solidFill>
-              </a:defRPr>
+            <a:lvl1pPr defTabSz="403097">
+              <a:spcBef>
+                <a:spcPts val="1900"/>
+              </a:spcBef>
+              <a:defRPr sz="8200"/>
             </a:lvl1pPr>
           </a:lstStyle>
           <a:p>
             <a:pPr/>
             <a:r>
-              <a:t>What fraction of B is also A?</a:t>
+              <a:t>Log-Odds</a:t>
             </a:r>
           </a:p>
         </p:txBody>
@@ -6400,151 +6630,64 @@
       </p:grpSpPr>
       <p:sp>
         <p:nvSpPr>
-          <p:cNvPr id="222" name="Shape 222"/>
+          <p:cNvPr id="227" name="Shape 227"/>
+          <p:cNvSpPr/>
+          <p:nvPr>
+            <p:ph type="title" idx="4294967295"/>
+          </p:nvPr>
+        </p:nvSpPr>
+        <p:spPr>
+          <a:xfrm>
+            <a:off x="524933" y="1062566"/>
+            <a:ext cx="12192001" cy="1169261"/>
+          </a:xfrm>
+          <a:prstGeom prst="rect">
+            <a:avLst/>
+          </a:prstGeom>
+        </p:spPr>
+        <p:txBody>
+          <a:bodyPr lIns="50800" tIns="50800" rIns="50800" bIns="50800" anchor="t"/>
+          <a:lstStyle>
+            <a:lvl1pPr algn="l" defTabSz="403097">
+              <a:lnSpc>
+                <a:spcPct val="80000"/>
+              </a:lnSpc>
+              <a:spcBef>
+                <a:spcPts val="1900"/>
+              </a:spcBef>
+              <a:defRPr cap="all" sz="8200">
+                <a:solidFill>
+                  <a:schemeClr val="accent1"/>
+                </a:solidFill>
+                <a:latin typeface="DIN Condensed"/>
+                <a:ea typeface="DIN Condensed"/>
+                <a:cs typeface="DIN Condensed"/>
+                <a:sym typeface="DIN Condensed"/>
+              </a:defRPr>
+            </a:lvl1pPr>
+          </a:lstStyle>
+          <a:p>
+            <a:pPr/>
+            <a:r>
+              <a:t>Fix #2: Log()</a:t>
+            </a:r>
+          </a:p>
+        </p:txBody>
+      </p:sp>
+      <p:sp>
+        <p:nvSpPr>
+          <p:cNvPr id="228" name="Shape 228"/>
           <p:cNvSpPr/>
           <p:nvPr/>
         </p:nvSpPr>
         <p:spPr>
           <a:xfrm>
-            <a:off x="3696833" y="2071025"/>
-            <a:ext cx="5490568" cy="5823216"/>
-          </a:xfrm>
-          <a:prstGeom prst="ellipse">
-            <a:avLst/>
-          </a:prstGeom>
-          <a:solidFill>
-            <a:schemeClr val="accent1">
-              <a:satOff val="-7685"/>
-              <a:lumOff val="-10588"/>
-            </a:schemeClr>
-          </a:solidFill>
-          <a:ln w="12700">
-            <a:miter lim="400000"/>
-          </a:ln>
-        </p:spPr>
-        <p:txBody>
-          <a:bodyPr lIns="50800" tIns="50800" rIns="50800" bIns="50800" anchor="ctr"/>
-          <a:lstStyle/>
-          <a:p>
-            <a:pPr>
-              <a:defRPr>
-                <a:solidFill>
-                  <a:srgbClr val="838787"/>
-                </a:solidFill>
-              </a:defRPr>
-            </a:pPr>
-          </a:p>
-        </p:txBody>
-      </p:sp>
-      <p:sp>
-        <p:nvSpPr>
-          <p:cNvPr id="223" name="Shape 223"/>
-          <p:cNvSpPr/>
-          <p:nvPr/>
-        </p:nvSpPr>
-        <p:spPr>
-          <a:xfrm>
-            <a:off x="3696959" y="2616926"/>
-            <a:ext cx="2289982" cy="4731545"/>
-          </a:xfrm>
-          <a:custGeom>
-            <a:avLst/>
-            <a:gdLst/>
-            <a:ahLst/>
-            <a:cxnLst>
-              <a:cxn ang="0">
-                <a:pos x="wd2" y="hd2"/>
-              </a:cxn>
-              <a:cxn ang="5400000">
-                <a:pos x="wd2" y="hd2"/>
-              </a:cxn>
-              <a:cxn ang="10800000">
-                <a:pos x="wd2" y="hd2"/>
-              </a:cxn>
-              <a:cxn ang="16200000">
-                <a:pos x="wd2" y="hd2"/>
-              </a:cxn>
-            </a:cxnLst>
-            <a:rect l="0" t="0" r="r" b="b"/>
-            <a:pathLst>
-              <a:path w="17503" h="21600" fill="norm" stroke="1" extrusionOk="0">
-                <a:moveTo>
-                  <a:pt x="8751" y="0"/>
-                </a:moveTo>
-                <a:cubicBezTo>
-                  <a:pt x="7839" y="416"/>
-                  <a:pt x="6966" y="881"/>
-                  <a:pt x="6145" y="1401"/>
-                </a:cubicBezTo>
-                <a:cubicBezTo>
-                  <a:pt x="-2049" y="6591"/>
-                  <a:pt x="-2049" y="15007"/>
-                  <a:pt x="6145" y="20198"/>
-                </a:cubicBezTo>
-                <a:cubicBezTo>
-                  <a:pt x="6966" y="20718"/>
-                  <a:pt x="7838" y="21184"/>
-                  <a:pt x="8751" y="21600"/>
-                </a:cubicBezTo>
-                <a:cubicBezTo>
-                  <a:pt x="9664" y="21184"/>
-                  <a:pt x="10536" y="20718"/>
-                  <a:pt x="11357" y="20198"/>
-                </a:cubicBezTo>
-                <a:cubicBezTo>
-                  <a:pt x="19551" y="15007"/>
-                  <a:pt x="19551" y="6591"/>
-                  <a:pt x="11357" y="1401"/>
-                </a:cubicBezTo>
-                <a:cubicBezTo>
-                  <a:pt x="10536" y="881"/>
-                  <a:pt x="9663" y="416"/>
-                  <a:pt x="8751" y="0"/>
-                </a:cubicBezTo>
-                <a:close/>
-              </a:path>
-            </a:pathLst>
-          </a:custGeom>
-          <a:solidFill>
-            <a:schemeClr val="accent6">
-              <a:lumOff val="-8980"/>
-            </a:schemeClr>
-          </a:solidFill>
-          <a:ln w="12700">
-            <a:miter lim="400000"/>
-          </a:ln>
-        </p:spPr>
-        <p:txBody>
-          <a:bodyPr lIns="50800" tIns="50800" rIns="50800" bIns="50800" anchor="ctr"/>
-          <a:lstStyle/>
-          <a:p>
-            <a:pPr>
-              <a:defRPr>
-                <a:solidFill>
-                  <a:srgbClr val="838787"/>
-                </a:solidFill>
-              </a:defRPr>
-            </a:pPr>
-          </a:p>
-        </p:txBody>
-      </p:sp>
-      <p:sp>
-        <p:nvSpPr>
-          <p:cNvPr id="224" name="Shape 224"/>
-          <p:cNvSpPr/>
-          <p:nvPr/>
-        </p:nvSpPr>
-        <p:spPr>
-          <a:xfrm>
-            <a:off x="2190919" y="647698"/>
-            <a:ext cx="9664325" cy="1117604"/>
-          </a:xfrm>
-          <a:prstGeom prst="rect">
-            <a:avLst/>
-          </a:prstGeom>
-          <a:solidFill>
-            <a:srgbClr val="000000"/>
-          </a:solidFill>
+            <a:off x="657871" y="3841750"/>
+            <a:ext cx="7506524" cy="2070101"/>
+          </a:xfrm>
+          <a:prstGeom prst="rect">
+            <a:avLst/>
+          </a:prstGeom>
           <a:ln w="12700">
             <a:miter lim="400000"/>
           </a:ln>
@@ -6555,69 +6698,54 @@
           </a:extLst>
         </p:spPr>
         <p:txBody>
-          <a:bodyPr lIns="50800" tIns="50800" rIns="50800" bIns="50800" anchor="ctr">
+          <a:bodyPr wrap="none" lIns="50800" tIns="50800" rIns="50800" bIns="50800" anchor="ctr">
             <a:spAutoFit/>
           </a:bodyPr>
-          <a:lstStyle>
-            <a:lvl1pPr>
-              <a:defRPr sz="8000">
+          <a:lstStyle/>
+          <a:p>
+            <a:pPr marL="550656" indent="-550656" defTabSz="455674">
+              <a:spcBef>
+                <a:spcPts val="2100"/>
+              </a:spcBef>
+              <a:buSzPct val="40000"/>
+              <a:buBlip>
+                <a:blip r:embed="rId2"/>
+              </a:buBlip>
+              <a:defRPr sz="4900">
                 <a:solidFill>
-                  <a:srgbClr val="A7A7A7"/>
+                  <a:srgbClr val="838787"/>
                 </a:solidFill>
-              </a:defRPr>
-            </a:lvl1pPr>
-          </a:lstStyle>
-          <a:p>
-            <a:pPr/>
-            <a:r>
-              <a:t>What fraction of B is also A?</a:t>
-            </a:r>
-          </a:p>
-        </p:txBody>
-      </p:sp>
-      <p:sp>
-        <p:nvSpPr>
-          <p:cNvPr id="225" name="Shape 225"/>
-          <p:cNvSpPr/>
-          <p:nvPr/>
-        </p:nvSpPr>
-        <p:spPr>
-          <a:xfrm>
-            <a:off x="2190919" y="7988298"/>
-            <a:ext cx="9664325" cy="1117604"/>
-          </a:xfrm>
-          <a:prstGeom prst="rect">
-            <a:avLst/>
-          </a:prstGeom>
-          <a:solidFill>
-            <a:srgbClr val="000000"/>
-          </a:solidFill>
-          <a:ln w="12700">
-            <a:miter lim="400000"/>
-          </a:ln>
-          <a:extLst>
-            <a:ext uri="{C572A759-6A51-4108-AA02-DFA0A04FC94B}">
-              <ma14:wrappingTextBoxFlag xmlns:ma14="http://schemas.microsoft.com/office/mac/drawingml/2011/main" val="1"/>
-            </a:ext>
-          </a:extLst>
-        </p:spPr>
-        <p:txBody>
-          <a:bodyPr lIns="50800" tIns="50800" rIns="50800" bIns="50800" anchor="ctr">
-            <a:spAutoFit/>
-          </a:bodyPr>
-          <a:lstStyle>
-            <a:lvl1pPr>
-              <a:defRPr sz="8000">
+                <a:latin typeface="Avenir Next Medium"/>
+                <a:ea typeface="Avenir Next Medium"/>
+                <a:cs typeface="Avenir Next Medium"/>
+                <a:sym typeface="Avenir Next Medium"/>
+              </a:defRPr>
+            </a:pPr>
+            <a:r>
+              <a:t>Win = log(4) = 1.39 </a:t>
+            </a:r>
+          </a:p>
+          <a:p>
+            <a:pPr marL="550656" indent="-550656" defTabSz="455674">
+              <a:spcBef>
+                <a:spcPts val="2100"/>
+              </a:spcBef>
+              <a:buSzPct val="40000"/>
+              <a:buBlip>
+                <a:blip r:embed="rId2"/>
+              </a:buBlip>
+              <a:defRPr sz="4900">
                 <a:solidFill>
-                  <a:srgbClr val="A7A7A7"/>
+                  <a:srgbClr val="838787"/>
                 </a:solidFill>
-              </a:defRPr>
-            </a:lvl1pPr>
-          </a:lstStyle>
-          <a:p>
-            <a:pPr/>
-            <a:r>
-              <a:t>(Note: Relative to size of B!)</a:t>
+                <a:latin typeface="Avenir Next Medium"/>
+                <a:ea typeface="Avenir Next Medium"/>
+                <a:cs typeface="Avenir Next Medium"/>
+                <a:sym typeface="Avenir Next Medium"/>
+              </a:defRPr>
+            </a:pPr>
+            <a:r>
+              <a:t>Lose = log(0.25) = -1.39</a:t>
             </a:r>
           </a:p>
         </p:txBody>
@@ -6637,7 +6765,7 @@
     <p:bg>
       <p:bgPr>
         <a:solidFill>
-          <a:srgbClr val="000000"/>
+          <a:srgbClr val="D2DADD"/>
         </a:solidFill>
       </p:bgPr>
     </p:bg>
@@ -6655,295 +6783,35 @@
           <a:chExt cx="0" cy="0"/>
         </a:xfrm>
       </p:grpSpPr>
-      <p:sp>
-        <p:nvSpPr>
-          <p:cNvPr id="227" name="Shape 227"/>
-          <p:cNvSpPr/>
-          <p:nvPr>
-            <p:ph type="title"/>
-          </p:nvPr>
-        </p:nvSpPr>
-        <p:spPr>
-          <a:xfrm>
-            <a:off x="2909630" y="8229599"/>
-            <a:ext cx="7185540" cy="1960664"/>
-          </a:xfrm>
-          <a:prstGeom prst="rect">
-            <a:avLst/>
-          </a:prstGeom>
-        </p:spPr>
-        <p:txBody>
-          <a:bodyPr/>
-          <a:lstStyle>
-            <a:lvl1pPr defTabSz="519937">
-              <a:defRPr sz="10680">
-                <a:solidFill>
-                  <a:srgbClr val="A7A7A7"/>
-                </a:solidFill>
-              </a:defRPr>
-            </a:lvl1pPr>
-          </a:lstStyle>
-          <a:p>
-            <a:pPr/>
-            <a:r>
-              <a:t>Bayes’ Theorem</a:t>
-            </a:r>
-          </a:p>
-        </p:txBody>
-      </p:sp>
-      <p:sp>
-        <p:nvSpPr>
-          <p:cNvPr id="228" name="Shape 228"/>
-          <p:cNvSpPr/>
+      <p:pic>
+        <p:nvPicPr>
+          <p:cNvPr id="230" name="pasted-image.png"/>
+          <p:cNvPicPr>
+            <a:picLocks noChangeAspect="1"/>
+          </p:cNvPicPr>
           <p:nvPr/>
-        </p:nvSpPr>
-        <p:spPr>
-          <a:xfrm>
-            <a:off x="2100697" y="1965192"/>
-            <a:ext cx="5490568" cy="5823216"/>
-          </a:xfrm>
-          <a:prstGeom prst="ellipse">
-            <a:avLst/>
-          </a:prstGeom>
-          <a:solidFill>
-            <a:schemeClr val="accent5"/>
-          </a:solidFill>
+        </p:nvPicPr>
+        <p:blipFill>
+          <a:blip r:embed="rId2">
+            <a:extLst/>
+          </a:blip>
+          <a:stretch>
+            <a:fillRect/>
+          </a:stretch>
+        </p:blipFill>
+        <p:spPr>
+          <a:xfrm>
+            <a:off x="-82352" y="1700675"/>
+            <a:ext cx="13169422" cy="6041473"/>
+          </a:xfrm>
+          <a:prstGeom prst="rect">
+            <a:avLst/>
+          </a:prstGeom>
           <a:ln w="12700">
             <a:miter lim="400000"/>
           </a:ln>
         </p:spPr>
-        <p:txBody>
-          <a:bodyPr lIns="50800" tIns="50800" rIns="50800" bIns="50800" anchor="ctr"/>
-          <a:lstStyle/>
-          <a:p>
-            <a:pPr>
-              <a:defRPr>
-                <a:solidFill>
-                  <a:srgbClr val="838787"/>
-                </a:solidFill>
-              </a:defRPr>
-            </a:pPr>
-          </a:p>
-        </p:txBody>
-      </p:sp>
-      <p:sp>
-        <p:nvSpPr>
-          <p:cNvPr id="229" name="Shape 229"/>
-          <p:cNvSpPr/>
-          <p:nvPr/>
-        </p:nvSpPr>
-        <p:spPr>
-          <a:xfrm>
-            <a:off x="3102271" y="717747"/>
-            <a:ext cx="7138925" cy="1117604"/>
-          </a:xfrm>
-          <a:prstGeom prst="rect">
-            <a:avLst/>
-          </a:prstGeom>
-          <a:solidFill>
-            <a:srgbClr val="000000"/>
-          </a:solidFill>
-          <a:ln w="12700">
-            <a:miter lim="400000"/>
-          </a:ln>
-          <a:extLst>
-            <a:ext uri="{C572A759-6A51-4108-AA02-DFA0A04FC94B}">
-              <ma14:wrappingTextBoxFlag xmlns:ma14="http://schemas.microsoft.com/office/mac/drawingml/2011/main" val="1"/>
-            </a:ext>
-          </a:extLst>
-        </p:spPr>
-        <p:txBody>
-          <a:bodyPr wrap="none" lIns="50800" tIns="50800" rIns="50800" bIns="50800" anchor="ctr">
-            <a:spAutoFit/>
-          </a:bodyPr>
-          <a:lstStyle/>
-          <a:p>
-            <a:pPr>
-              <a:defRPr sz="8000">
-                <a:solidFill>
-                  <a:schemeClr val="accent5"/>
-                </a:solidFill>
-              </a:defRPr>
-            </a:pPr>
-            <a:r>
-              <a:rPr>
-                <a:solidFill>
-                  <a:srgbClr val="A7A7A7"/>
-                </a:solidFill>
-              </a:rPr>
-              <a:t>P(A|B) =</a:t>
-            </a:r>
-            <a:r>
-              <a:t> </a:t>
-            </a:r>
-            <a:r>
-              <a:rPr>
-                <a:solidFill>
-                  <a:schemeClr val="accent6">
-                    <a:lumOff val="-8980"/>
-                  </a:schemeClr>
-                </a:solidFill>
-              </a:rPr>
-              <a:t>P(A&amp;B)</a:t>
-            </a:r>
-            <a:r>
-              <a:t> </a:t>
-            </a:r>
-            <a:r>
-              <a:rPr>
-                <a:solidFill>
-                  <a:srgbClr val="A7A7A7"/>
-                </a:solidFill>
-              </a:rPr>
-              <a:t>/</a:t>
-            </a:r>
-            <a:r>
-              <a:t> </a:t>
-            </a:r>
-            <a:r>
-              <a:rPr>
-                <a:solidFill>
-                  <a:schemeClr val="accent1">
-                    <a:satOff val="-7685"/>
-                    <a:lumOff val="-10588"/>
-                  </a:schemeClr>
-                </a:solidFill>
-              </a:rPr>
-              <a:t>P(B)</a:t>
-            </a:r>
-          </a:p>
-        </p:txBody>
-      </p:sp>
-      <p:sp>
-        <p:nvSpPr>
-          <p:cNvPr id="230" name="Shape 230"/>
-          <p:cNvSpPr/>
-          <p:nvPr/>
-        </p:nvSpPr>
-        <p:spPr>
-          <a:xfrm>
-            <a:off x="5301097" y="1965192"/>
-            <a:ext cx="5490568" cy="5823216"/>
-          </a:xfrm>
-          <a:prstGeom prst="ellipse">
-            <a:avLst/>
-          </a:prstGeom>
-          <a:solidFill>
-            <a:schemeClr val="accent1">
-              <a:satOff val="-7685"/>
-              <a:lumOff val="-10588"/>
-            </a:schemeClr>
-          </a:solidFill>
-          <a:ln w="12700">
-            <a:miter lim="400000"/>
-          </a:ln>
-        </p:spPr>
-        <p:txBody>
-          <a:bodyPr lIns="50800" tIns="50800" rIns="50800" bIns="50800" anchor="ctr"/>
-          <a:lstStyle/>
-          <a:p>
-            <a:pPr>
-              <a:defRPr>
-                <a:solidFill>
-                  <a:srgbClr val="838787"/>
-                </a:solidFill>
-              </a:defRPr>
-            </a:pPr>
-          </a:p>
-        </p:txBody>
-      </p:sp>
-      <p:sp>
-        <p:nvSpPr>
-          <p:cNvPr id="231" name="Shape 231"/>
-          <p:cNvSpPr/>
-          <p:nvPr/>
-        </p:nvSpPr>
-        <p:spPr>
-          <a:xfrm>
-            <a:off x="5301223" y="2511093"/>
-            <a:ext cx="2289982" cy="4731545"/>
-          </a:xfrm>
-          <a:custGeom>
-            <a:avLst/>
-            <a:gdLst/>
-            <a:ahLst/>
-            <a:cxnLst>
-              <a:cxn ang="0">
-                <a:pos x="wd2" y="hd2"/>
-              </a:cxn>
-              <a:cxn ang="5400000">
-                <a:pos x="wd2" y="hd2"/>
-              </a:cxn>
-              <a:cxn ang="10800000">
-                <a:pos x="wd2" y="hd2"/>
-              </a:cxn>
-              <a:cxn ang="16200000">
-                <a:pos x="wd2" y="hd2"/>
-              </a:cxn>
-            </a:cxnLst>
-            <a:rect l="0" t="0" r="r" b="b"/>
-            <a:pathLst>
-              <a:path w="17503" h="21600" fill="norm" stroke="1" extrusionOk="0">
-                <a:moveTo>
-                  <a:pt x="8751" y="0"/>
-                </a:moveTo>
-                <a:cubicBezTo>
-                  <a:pt x="7839" y="416"/>
-                  <a:pt x="6966" y="881"/>
-                  <a:pt x="6145" y="1401"/>
-                </a:cubicBezTo>
-                <a:cubicBezTo>
-                  <a:pt x="-2049" y="6591"/>
-                  <a:pt x="-2049" y="15007"/>
-                  <a:pt x="6145" y="20198"/>
-                </a:cubicBezTo>
-                <a:cubicBezTo>
-                  <a:pt x="6966" y="20718"/>
-                  <a:pt x="7838" y="21184"/>
-                  <a:pt x="8751" y="21600"/>
-                </a:cubicBezTo>
-                <a:cubicBezTo>
-                  <a:pt x="9664" y="21184"/>
-                  <a:pt x="10536" y="20718"/>
-                  <a:pt x="11357" y="20198"/>
-                </a:cubicBezTo>
-                <a:cubicBezTo>
-                  <a:pt x="19551" y="15007"/>
-                  <a:pt x="19551" y="6591"/>
-                  <a:pt x="11357" y="1401"/>
-                </a:cubicBezTo>
-                <a:cubicBezTo>
-                  <a:pt x="10536" y="881"/>
-                  <a:pt x="9663" y="416"/>
-                  <a:pt x="8751" y="0"/>
-                </a:cubicBezTo>
-                <a:close/>
-              </a:path>
-            </a:pathLst>
-          </a:custGeom>
-          <a:solidFill>
-            <a:schemeClr val="accent6">
-              <a:lumOff val="-8980"/>
-            </a:schemeClr>
-          </a:solidFill>
-          <a:ln w="12700">
-            <a:miter lim="400000"/>
-          </a:ln>
-        </p:spPr>
-        <p:txBody>
-          <a:bodyPr lIns="50800" tIns="50800" rIns="50800" bIns="50800" anchor="ctr"/>
-          <a:lstStyle/>
-          <a:p>
-            <a:pPr>
-              <a:defRPr>
-                <a:solidFill>
-                  <a:srgbClr val="838787"/>
-                </a:solidFill>
-              </a:defRPr>
-            </a:pPr>
-          </a:p>
-        </p:txBody>
-      </p:sp>
+      </p:pic>
     </p:spTree>
   </p:cSld>
   <p:clrMapOvr>
@@ -6956,13 +6824,6 @@
 <file path=ppt/slides/slide14.xml><?xml version="1.0" encoding="utf-8"?>
 <p:sld xmlns:a="http://schemas.openxmlformats.org/drawingml/2006/main" xmlns:r="http://schemas.openxmlformats.org/officeDocument/2006/relationships" xmlns:p="http://schemas.openxmlformats.org/presentationml/2006/main" showMasterSp="1" showMasterPhAnim="1">
   <p:cSld>
-    <p:bg>
-      <p:bgPr>
-        <a:solidFill>
-          <a:srgbClr val="000000"/>
-        </a:solidFill>
-      </p:bgPr>
-    </p:bg>
     <p:spTree>
       <p:nvGrpSpPr>
         <p:cNvPr id="1" name=""/>
@@ -6979,7 +6840,7 @@
       </p:grpSpPr>
       <p:sp>
         <p:nvSpPr>
-          <p:cNvPr id="233" name="Shape 233"/>
+          <p:cNvPr id="232" name="Shape 232"/>
           <p:cNvSpPr/>
           <p:nvPr>
             <p:ph type="title"/>
@@ -6987,8 +6848,8 @@
         </p:nvSpPr>
         <p:spPr>
           <a:xfrm>
-            <a:off x="2909630" y="8229599"/>
-            <a:ext cx="7185540" cy="1960664"/>
+            <a:off x="406400" y="1536700"/>
+            <a:ext cx="12192000" cy="1169261"/>
           </a:xfrm>
           <a:prstGeom prst="rect">
             <a:avLst/>
@@ -6997,275 +6858,106 @@
         <p:txBody>
           <a:bodyPr/>
           <a:lstStyle>
-            <a:lvl1pPr defTabSz="519937">
-              <a:defRPr sz="10680">
-                <a:solidFill>
-                  <a:srgbClr val="A7A7A7"/>
-                </a:solidFill>
-              </a:defRPr>
+            <a:lvl1pPr defTabSz="403097">
+              <a:spcBef>
+                <a:spcPts val="1900"/>
+              </a:spcBef>
+              <a:defRPr sz="8200"/>
             </a:lvl1pPr>
           </a:lstStyle>
           <a:p>
             <a:pPr/>
             <a:r>
-              <a:t>Bayes’ Theorem</a:t>
-            </a:r>
-          </a:p>
-        </p:txBody>
-      </p:sp>
-      <p:sp>
-        <p:nvSpPr>
-          <p:cNvPr id="234" name="Shape 234"/>
-          <p:cNvSpPr/>
+              <a:t>Sigmoid function</a:t>
+            </a:r>
+          </a:p>
+        </p:txBody>
+      </p:sp>
+      <p:sp>
+        <p:nvSpPr>
+          <p:cNvPr id="233" name="Shape 233"/>
+          <p:cNvSpPr/>
+          <p:nvPr>
+            <p:ph type="body" sz="quarter" idx="1"/>
+          </p:nvPr>
+        </p:nvSpPr>
+        <p:spPr>
+          <a:xfrm>
+            <a:off x="406400" y="3236536"/>
+            <a:ext cx="12192000" cy="1169261"/>
+          </a:xfrm>
+          <a:prstGeom prst="rect">
+            <a:avLst/>
+          </a:prstGeom>
+        </p:spPr>
+        <p:txBody>
+          <a:bodyPr anchor="t"/>
+          <a:lstStyle/>
+          <a:p>
+            <a:pPr marL="550656" indent="-550656" defTabSz="455674">
+              <a:lnSpc>
+                <a:spcPct val="100000"/>
+              </a:lnSpc>
+              <a:spcBef>
+                <a:spcPts val="2100"/>
+              </a:spcBef>
+              <a:buSzPct val="40000"/>
+              <a:buBlip>
+                <a:blip r:embed="rId2"/>
+              </a:buBlip>
+              <a:defRPr cap="none" spc="0" sz="4900">
+                <a:latin typeface="Avenir Next Medium"/>
+                <a:ea typeface="Avenir Next Medium"/>
+                <a:cs typeface="Avenir Next Medium"/>
+                <a:sym typeface="Avenir Next Medium"/>
+              </a:defRPr>
+            </a:pPr>
+            <a:r>
+              <a:rPr>
+                <a:solidFill>
+                  <a:schemeClr val="accent3"/>
+                </a:solidFill>
+              </a:rPr>
+              <a:t>Translates</a:t>
+            </a:r>
+            <a:r>
+              <a:t> log-odds back to </a:t>
+            </a:r>
+            <a:r>
+              <a:t>probability</a:t>
+            </a:r>
+          </a:p>
+        </p:txBody>
+      </p:sp>
+      <p:pic>
+        <p:nvPicPr>
+          <p:cNvPr id="234" name="pasted-image.png"/>
+          <p:cNvPicPr>
+            <a:picLocks noChangeAspect="1"/>
+          </p:cNvPicPr>
           <p:nvPr/>
-        </p:nvSpPr>
-        <p:spPr>
-          <a:xfrm>
-            <a:off x="2100697" y="1965192"/>
-            <a:ext cx="5490568" cy="5823216"/>
-          </a:xfrm>
-          <a:prstGeom prst="ellipse">
-            <a:avLst/>
-          </a:prstGeom>
-          <a:solidFill>
-            <a:schemeClr val="accent5"/>
-          </a:solidFill>
+        </p:nvPicPr>
+        <p:blipFill>
+          <a:blip r:embed="rId3">
+            <a:extLst/>
+          </a:blip>
+          <a:stretch>
+            <a:fillRect/>
+          </a:stretch>
+        </p:blipFill>
+        <p:spPr>
+          <a:xfrm>
+            <a:off x="506941" y="4369990"/>
+            <a:ext cx="10795001" cy="5067301"/>
+          </a:xfrm>
+          <a:prstGeom prst="rect">
+            <a:avLst/>
+          </a:prstGeom>
           <a:ln w="12700">
             <a:miter lim="400000"/>
           </a:ln>
         </p:spPr>
-        <p:txBody>
-          <a:bodyPr lIns="50800" tIns="50800" rIns="50800" bIns="50800" anchor="ctr"/>
-          <a:lstStyle/>
-          <a:p>
-            <a:pPr>
-              <a:defRPr>
-                <a:solidFill>
-                  <a:srgbClr val="838787"/>
-                </a:solidFill>
-              </a:defRPr>
-            </a:pPr>
-          </a:p>
-        </p:txBody>
-      </p:sp>
-      <p:sp>
-        <p:nvSpPr>
-          <p:cNvPr id="235" name="Shape 235"/>
-          <p:cNvSpPr/>
-          <p:nvPr/>
-        </p:nvSpPr>
-        <p:spPr>
-          <a:xfrm>
-            <a:off x="3102271" y="717747"/>
-            <a:ext cx="8153909" cy="1117604"/>
-          </a:xfrm>
-          <a:prstGeom prst="rect">
-            <a:avLst/>
-          </a:prstGeom>
-          <a:solidFill>
-            <a:srgbClr val="000000"/>
-          </a:solidFill>
-          <a:ln w="12700">
-            <a:miter lim="400000"/>
-          </a:ln>
-          <a:extLst>
-            <a:ext uri="{C572A759-6A51-4108-AA02-DFA0A04FC94B}">
-              <ma14:wrappingTextBoxFlag xmlns:ma14="http://schemas.microsoft.com/office/mac/drawingml/2011/main" val="1"/>
-            </a:ext>
-          </a:extLst>
-        </p:spPr>
-        <p:txBody>
-          <a:bodyPr wrap="none" lIns="50800" tIns="50800" rIns="50800" bIns="50800" anchor="ctr">
-            <a:spAutoFit/>
-          </a:bodyPr>
-          <a:lstStyle/>
-          <a:p>
-            <a:pPr>
-              <a:defRPr sz="8000">
-                <a:solidFill>
-                  <a:schemeClr val="accent5"/>
-                </a:solidFill>
-              </a:defRPr>
-            </a:pPr>
-            <a:r>
-              <a:rPr>
-                <a:solidFill>
-                  <a:srgbClr val="A7A7A7"/>
-                </a:solidFill>
-              </a:rPr>
-              <a:t>P(A|B) =</a:t>
-            </a:r>
-            <a:r>
-              <a:t> </a:t>
-            </a:r>
-            <a:r>
-              <a:rPr>
-                <a:solidFill>
-                  <a:schemeClr val="accent6">
-                    <a:lumOff val="-8980"/>
-                  </a:schemeClr>
-                </a:solidFill>
-              </a:rPr>
-              <a:t>P(B|A)P(A)</a:t>
-            </a:r>
-            <a:r>
-              <a:t> </a:t>
-            </a:r>
-            <a:r>
-              <a:rPr>
-                <a:solidFill>
-                  <a:srgbClr val="A7A7A7"/>
-                </a:solidFill>
-              </a:rPr>
-              <a:t>/</a:t>
-            </a:r>
-            <a:r>
-              <a:t> </a:t>
-            </a:r>
-            <a:r>
-              <a:rPr>
-                <a:solidFill>
-                  <a:schemeClr val="accent1">
-                    <a:satOff val="-7685"/>
-                    <a:lumOff val="-10588"/>
-                  </a:schemeClr>
-                </a:solidFill>
-              </a:rPr>
-              <a:t>P(B)</a:t>
-            </a:r>
-          </a:p>
-        </p:txBody>
-      </p:sp>
-      <p:sp>
-        <p:nvSpPr>
-          <p:cNvPr id="236" name="Shape 236"/>
-          <p:cNvSpPr/>
-          <p:nvPr/>
-        </p:nvSpPr>
-        <p:spPr>
-          <a:xfrm>
-            <a:off x="5301097" y="1965192"/>
-            <a:ext cx="5490568" cy="5823216"/>
-          </a:xfrm>
-          <a:prstGeom prst="ellipse">
-            <a:avLst/>
-          </a:prstGeom>
-          <a:solidFill>
-            <a:schemeClr val="accent1">
-              <a:satOff val="-7685"/>
-              <a:lumOff val="-10588"/>
-            </a:schemeClr>
-          </a:solidFill>
-          <a:ln w="12700">
-            <a:miter lim="400000"/>
-          </a:ln>
-        </p:spPr>
-        <p:txBody>
-          <a:bodyPr lIns="50800" tIns="50800" rIns="50800" bIns="50800" anchor="ctr"/>
-          <a:lstStyle/>
-          <a:p>
-            <a:pPr>
-              <a:defRPr>
-                <a:solidFill>
-                  <a:srgbClr val="838787"/>
-                </a:solidFill>
-              </a:defRPr>
-            </a:pPr>
-          </a:p>
-        </p:txBody>
-      </p:sp>
-      <p:sp>
-        <p:nvSpPr>
-          <p:cNvPr id="237" name="Shape 237"/>
-          <p:cNvSpPr/>
-          <p:nvPr/>
-        </p:nvSpPr>
-        <p:spPr>
-          <a:xfrm>
-            <a:off x="5301223" y="2511093"/>
-            <a:ext cx="2289982" cy="4731545"/>
-          </a:xfrm>
-          <a:custGeom>
-            <a:avLst/>
-            <a:gdLst/>
-            <a:ahLst/>
-            <a:cxnLst>
-              <a:cxn ang="0">
-                <a:pos x="wd2" y="hd2"/>
-              </a:cxn>
-              <a:cxn ang="5400000">
-                <a:pos x="wd2" y="hd2"/>
-              </a:cxn>
-              <a:cxn ang="10800000">
-                <a:pos x="wd2" y="hd2"/>
-              </a:cxn>
-              <a:cxn ang="16200000">
-                <a:pos x="wd2" y="hd2"/>
-              </a:cxn>
-            </a:cxnLst>
-            <a:rect l="0" t="0" r="r" b="b"/>
-            <a:pathLst>
-              <a:path w="17503" h="21600" fill="norm" stroke="1" extrusionOk="0">
-                <a:moveTo>
-                  <a:pt x="8751" y="0"/>
-                </a:moveTo>
-                <a:cubicBezTo>
-                  <a:pt x="7839" y="416"/>
-                  <a:pt x="6966" y="881"/>
-                  <a:pt x="6145" y="1401"/>
-                </a:cubicBezTo>
-                <a:cubicBezTo>
-                  <a:pt x="-2049" y="6591"/>
-                  <a:pt x="-2049" y="15007"/>
-                  <a:pt x="6145" y="20198"/>
-                </a:cubicBezTo>
-                <a:cubicBezTo>
-                  <a:pt x="6966" y="20718"/>
-                  <a:pt x="7838" y="21184"/>
-                  <a:pt x="8751" y="21600"/>
-                </a:cubicBezTo>
-                <a:cubicBezTo>
-                  <a:pt x="9664" y="21184"/>
-                  <a:pt x="10536" y="20718"/>
-                  <a:pt x="11357" y="20198"/>
-                </a:cubicBezTo>
-                <a:cubicBezTo>
-                  <a:pt x="19551" y="15007"/>
-                  <a:pt x="19551" y="6591"/>
-                  <a:pt x="11357" y="1401"/>
-                </a:cubicBezTo>
-                <a:cubicBezTo>
-                  <a:pt x="10536" y="881"/>
-                  <a:pt x="9663" y="416"/>
-                  <a:pt x="8751" y="0"/>
-                </a:cubicBezTo>
-                <a:close/>
-              </a:path>
-            </a:pathLst>
-          </a:custGeom>
-          <a:solidFill>
-            <a:schemeClr val="accent6">
-              <a:lumOff val="-8980"/>
-            </a:schemeClr>
-          </a:solidFill>
-          <a:ln w="12700">
-            <a:miter lim="400000"/>
-          </a:ln>
-        </p:spPr>
-        <p:txBody>
-          <a:bodyPr lIns="50800" tIns="50800" rIns="50800" bIns="50800" anchor="ctr"/>
-          <a:lstStyle/>
-          <a:p>
-            <a:pPr>
-              <a:defRPr>
-                <a:solidFill>
-                  <a:srgbClr val="838787"/>
-                </a:solidFill>
-              </a:defRPr>
-            </a:pPr>
-          </a:p>
-        </p:txBody>
-      </p:sp>
+      </p:pic>
     </p:spTree>
   </p:cSld>
   <p:clrMapOvr>
@@ -7278,16 +6970,6 @@
 <file path=ppt/slides/slide15.xml><?xml version="1.0" encoding="utf-8"?>
 <p:sld xmlns:a="http://schemas.openxmlformats.org/drawingml/2006/main" xmlns:r="http://schemas.openxmlformats.org/officeDocument/2006/relationships" xmlns:p="http://schemas.openxmlformats.org/presentationml/2006/main" showMasterSp="1" showMasterPhAnim="1">
   <p:cSld>
-    <p:bg>
-      <p:bgPr>
-        <a:solidFill>
-          <a:schemeClr val="accent1">
-            <a:satOff val="-7685"/>
-            <a:lumOff val="-10588"/>
-          </a:schemeClr>
-        </a:solidFill>
-      </p:bgPr>
-    </p:bg>
     <p:spTree>
       <p:nvGrpSpPr>
         <p:cNvPr id="1" name=""/>
@@ -7304,55 +6986,68 @@
       </p:grpSpPr>
       <p:sp>
         <p:nvSpPr>
-          <p:cNvPr id="239" name="Shape 239"/>
-          <p:cNvSpPr/>
+          <p:cNvPr id="236" name="Shape 236"/>
+          <p:cNvSpPr/>
+          <p:nvPr>
+            <p:ph type="ctrTitle"/>
+          </p:nvPr>
+        </p:nvSpPr>
+        <p:spPr>
+          <a:prstGeom prst="rect">
+            <a:avLst/>
+          </a:prstGeom>
+        </p:spPr>
+        <p:txBody>
+          <a:bodyPr/>
+          <a:lstStyle/>
+          <a:p>
+            <a:pPr defTabSz="455675">
+              <a:defRPr sz="13259"/>
+            </a:pPr>
+          </a:p>
+        </p:txBody>
+      </p:sp>
+      <p:sp>
+        <p:nvSpPr>
+          <p:cNvPr id="237" name="Shape 237"/>
+          <p:cNvSpPr/>
+          <p:nvPr>
+            <p:ph type="subTitle" sz="quarter" idx="1"/>
+          </p:nvPr>
+        </p:nvSpPr>
+        <p:spPr>
+          <a:prstGeom prst="rect">
+            <a:avLst/>
+          </a:prstGeom>
+        </p:spPr>
+        <p:txBody>
+          <a:bodyPr/>
+          <a:lstStyle/>
+          <a:p>
+            <a:pPr/>
+          </a:p>
+        </p:txBody>
+      </p:sp>
+      <p:pic>
+        <p:nvPicPr>
+          <p:cNvPr id="238" name="pasted-image.jpeg"/>
+          <p:cNvPicPr>
+            <a:picLocks noChangeAspect="1"/>
+          </p:cNvPicPr>
           <p:nvPr/>
-        </p:nvSpPr>
-        <p:spPr>
-          <a:xfrm>
-            <a:off x="-8467" y="-25400"/>
-            <a:ext cx="4468549" cy="9804400"/>
-          </a:xfrm>
-          <a:prstGeom prst="rect">
-            <a:avLst/>
-          </a:prstGeom>
-          <a:solidFill>
-            <a:schemeClr val="accent6">
-              <a:lumOff val="-8980"/>
-            </a:schemeClr>
-          </a:solidFill>
-          <a:ln w="25400">
-            <a:solidFill>
-              <a:schemeClr val="accent1"/>
-            </a:solidFill>
-          </a:ln>
-        </p:spPr>
-        <p:txBody>
-          <a:bodyPr lIns="50800" tIns="50800" rIns="50800" bIns="50800" anchor="ctr"/>
-          <a:lstStyle/>
-          <a:p>
-            <a:pPr>
-              <a:defRPr>
-                <a:solidFill>
-                  <a:schemeClr val="accent6">
-                    <a:lumOff val="-8980"/>
-                  </a:schemeClr>
-                </a:solidFill>
-              </a:defRPr>
-            </a:pPr>
-          </a:p>
-        </p:txBody>
-      </p:sp>
-      <p:sp>
-        <p:nvSpPr>
-          <p:cNvPr id="240" name="Shape 240"/>
-          <p:cNvSpPr/>
-          <p:nvPr/>
-        </p:nvSpPr>
-        <p:spPr>
-          <a:xfrm>
-            <a:off x="1068837" y="4317998"/>
-            <a:ext cx="2313941" cy="1117604"/>
+        </p:nvPicPr>
+        <p:blipFill>
+          <a:blip r:embed="rId2">
+            <a:extLst/>
+          </a:blip>
+          <a:stretch>
+            <a:fillRect/>
+          </a:stretch>
+        </p:blipFill>
+        <p:spPr>
+          <a:xfrm>
+            <a:off x="215900" y="1282700"/>
+            <a:ext cx="12573000" cy="7188200"/>
           </a:xfrm>
           <a:prstGeom prst="rect">
             <a:avLst/>
@@ -7360,77 +7055,8 @@
           <a:ln w="12700">
             <a:miter lim="400000"/>
           </a:ln>
-          <a:extLst>
-            <a:ext uri="{C572A759-6A51-4108-AA02-DFA0A04FC94B}">
-              <ma14:wrappingTextBoxFlag xmlns:ma14="http://schemas.microsoft.com/office/mac/drawingml/2011/main" val="1"/>
-            </a:ext>
-          </a:extLst>
-        </p:spPr>
-        <p:txBody>
-          <a:bodyPr wrap="none" lIns="50800" tIns="50800" rIns="50800" bIns="50800" anchor="ctr">
-            <a:spAutoFit/>
-          </a:bodyPr>
-          <a:lstStyle>
-            <a:lvl1pPr>
-              <a:defRPr sz="8000">
-                <a:solidFill>
-                  <a:srgbClr val="FFFFFF"/>
-                </a:solidFill>
-              </a:defRPr>
-            </a:lvl1pPr>
-          </a:lstStyle>
-          <a:p>
-            <a:pPr/>
-            <a:r>
-              <a:t>P(A&amp;B)</a:t>
-            </a:r>
-          </a:p>
-        </p:txBody>
-      </p:sp>
-      <p:sp>
-        <p:nvSpPr>
-          <p:cNvPr id="241" name="Shape 241"/>
-          <p:cNvSpPr/>
-          <p:nvPr/>
-        </p:nvSpPr>
-        <p:spPr>
-          <a:xfrm>
-            <a:off x="8251867" y="4317998"/>
-            <a:ext cx="1411733" cy="1117604"/>
-          </a:xfrm>
-          <a:prstGeom prst="rect">
-            <a:avLst/>
-          </a:prstGeom>
-          <a:ln w="12700">
-            <a:miter lim="400000"/>
-          </a:ln>
-          <a:extLst>
-            <a:ext uri="{C572A759-6A51-4108-AA02-DFA0A04FC94B}">
-              <ma14:wrappingTextBoxFlag xmlns:ma14="http://schemas.microsoft.com/office/mac/drawingml/2011/main" val="1"/>
-            </a:ext>
-          </a:extLst>
-        </p:spPr>
-        <p:txBody>
-          <a:bodyPr wrap="none" lIns="50800" tIns="50800" rIns="50800" bIns="50800" anchor="ctr">
-            <a:spAutoFit/>
-          </a:bodyPr>
-          <a:lstStyle>
-            <a:lvl1pPr>
-              <a:defRPr sz="8000">
-                <a:solidFill>
-                  <a:srgbClr val="FFFFFF"/>
-                </a:solidFill>
-              </a:defRPr>
-            </a:lvl1pPr>
-          </a:lstStyle>
-          <a:p>
-            <a:pPr/>
-            <a:r>
-              <a:t>P(B)</a:t>
-            </a:r>
-          </a:p>
-        </p:txBody>
-      </p:sp>
+        </p:spPr>
+      </p:pic>
     </p:spTree>
   </p:cSld>
   <p:clrMapOvr>
@@ -7459,7 +7085,7 @@
       </p:grpSpPr>
       <p:sp>
         <p:nvSpPr>
-          <p:cNvPr id="243" name="Shape 243"/>
+          <p:cNvPr id="240" name="Shape 240"/>
           <p:cNvSpPr/>
           <p:nvPr>
             <p:ph type="title"/>
@@ -7467,8 +7093,8 @@
         </p:nvSpPr>
         <p:spPr>
           <a:xfrm>
-            <a:off x="2785235" y="3970866"/>
-            <a:ext cx="7434330" cy="2567187"/>
+            <a:off x="406400" y="1536700"/>
+            <a:ext cx="12192000" cy="1169261"/>
           </a:xfrm>
           <a:prstGeom prst="rect">
             <a:avLst/>
@@ -7476,11 +7102,133 @@
         </p:spPr>
         <p:txBody>
           <a:bodyPr/>
+          <a:lstStyle>
+            <a:lvl1pPr defTabSz="403097">
+              <a:spcBef>
+                <a:spcPts val="1900"/>
+              </a:spcBef>
+              <a:defRPr sz="8200"/>
+            </a:lvl1pPr>
+          </a:lstStyle>
+          <a:p>
+            <a:pPr/>
+            <a:r>
+              <a:t>Logistic Regression</a:t>
+            </a:r>
+          </a:p>
+        </p:txBody>
+      </p:sp>
+      <p:sp>
+        <p:nvSpPr>
+          <p:cNvPr id="241" name="Shape 241"/>
+          <p:cNvSpPr/>
+          <p:nvPr>
+            <p:ph type="body" idx="1"/>
+          </p:nvPr>
+        </p:nvSpPr>
+        <p:spPr>
+          <a:xfrm>
+            <a:off x="406400" y="4237533"/>
+            <a:ext cx="12192000" cy="4536481"/>
+          </a:xfrm>
+          <a:prstGeom prst="rect">
+            <a:avLst/>
+          </a:prstGeom>
+        </p:spPr>
+        <p:txBody>
+          <a:bodyPr anchor="t"/>
           <a:lstStyle/>
           <a:p>
-            <a:pPr/>
-            <a:r>
-              <a:t>Exercises</a:t>
+            <a:pPr marL="550656" indent="-550656" defTabSz="455674">
+              <a:lnSpc>
+                <a:spcPct val="100000"/>
+              </a:lnSpc>
+              <a:spcBef>
+                <a:spcPts val="2100"/>
+              </a:spcBef>
+              <a:buSzPct val="40000"/>
+              <a:buBlip>
+                <a:blip r:embed="rId2"/>
+              </a:buBlip>
+              <a:defRPr cap="none" spc="0" sz="4900">
+                <a:solidFill>
+                  <a:srgbClr val="A7A7A7"/>
+                </a:solidFill>
+                <a:latin typeface="Avenir Next Medium"/>
+                <a:ea typeface="Avenir Next Medium"/>
+                <a:cs typeface="Avenir Next Medium"/>
+                <a:sym typeface="Avenir Next Medium"/>
+              </a:defRPr>
+            </a:pPr>
+            <a:r>
+              <a:t>Output is probability</a:t>
+            </a:r>
+          </a:p>
+          <a:p>
+            <a:pPr marL="550656" indent="-550656" defTabSz="455674">
+              <a:lnSpc>
+                <a:spcPct val="100000"/>
+              </a:lnSpc>
+              <a:spcBef>
+                <a:spcPts val="2100"/>
+              </a:spcBef>
+              <a:buSzPct val="40000"/>
+              <a:buBlip>
+                <a:blip r:embed="rId2"/>
+              </a:buBlip>
+              <a:defRPr cap="none" spc="0" sz="4900">
+                <a:latin typeface="Avenir Next Medium"/>
+                <a:ea typeface="Avenir Next Medium"/>
+                <a:cs typeface="Avenir Next Medium"/>
+                <a:sym typeface="Avenir Next Medium"/>
+              </a:defRPr>
+            </a:pPr>
+            <a:r>
+              <a:rPr>
+                <a:solidFill>
+                  <a:srgbClr val="A7A7A7"/>
+                </a:solidFill>
+              </a:rPr>
+              <a:t>Probability -&gt; classification using a </a:t>
+            </a:r>
+            <a:r>
+              <a:rPr>
+                <a:solidFill>
+                  <a:schemeClr val="accent3"/>
+                </a:solidFill>
+              </a:rPr>
+              <a:t>discrimination threshold</a:t>
+            </a:r>
+            <a:endParaRPr>
+              <a:solidFill>
+                <a:schemeClr val="accent3"/>
+              </a:solidFill>
+            </a:endParaRPr>
+          </a:p>
+          <a:p>
+            <a:pPr marL="550656" indent="-550656" defTabSz="455674">
+              <a:lnSpc>
+                <a:spcPct val="100000"/>
+              </a:lnSpc>
+              <a:spcBef>
+                <a:spcPts val="2100"/>
+              </a:spcBef>
+              <a:buSzPct val="40000"/>
+              <a:buBlip>
+                <a:blip r:embed="rId2"/>
+              </a:buBlip>
+              <a:defRPr cap="none" spc="0" sz="4900">
+                <a:solidFill>
+                  <a:srgbClr val="A7A7A7"/>
+                </a:solidFill>
+                <a:latin typeface="Avenir Next Medium"/>
+                <a:ea typeface="Avenir Next Medium"/>
+                <a:cs typeface="Avenir Next Medium"/>
+                <a:sym typeface="Avenir Next Medium"/>
+              </a:defRPr>
+            </a:pPr>
+            <a:r>
+              <a:t>Default threshold: 0.5</a:t>
             </a:r>
           </a:p>
         </p:txBody>
@@ -7513,7 +7261,30 @@
       </p:grpSpPr>
       <p:sp>
         <p:nvSpPr>
-          <p:cNvPr id="245" name="Shape 245"/>
+          <p:cNvPr id="243" name="Shape 243"/>
+          <p:cNvSpPr/>
+          <p:nvPr>
+            <p:ph type="ctrTitle"/>
+          </p:nvPr>
+        </p:nvSpPr>
+        <p:spPr>
+          <a:prstGeom prst="rect">
+            <a:avLst/>
+          </a:prstGeom>
+        </p:spPr>
+        <p:txBody>
+          <a:bodyPr/>
+          <a:lstStyle/>
+          <a:p>
+            <a:pPr defTabSz="455675">
+              <a:defRPr sz="13259"/>
+            </a:pPr>
+          </a:p>
+        </p:txBody>
+      </p:sp>
+      <p:sp>
+        <p:nvSpPr>
+          <p:cNvPr id="244" name="Shape 244"/>
           <p:cNvSpPr/>
           <p:nvPr>
             <p:ph type="subTitle" sz="quarter" idx="1"/>
@@ -7534,7 +7305,7 @@
       </p:sp>
       <p:pic>
         <p:nvPicPr>
-          <p:cNvPr id="246" name="Screen Shot 2019-09-17 at 2.08.41 PM.png"/>
+          <p:cNvPr id="245" name="pasted-image.jpeg"/>
           <p:cNvPicPr>
             <a:picLocks noChangeAspect="1"/>
           </p:cNvPicPr>
@@ -7550,8 +7321,8 @@
         </p:blipFill>
         <p:spPr>
           <a:xfrm>
-            <a:off x="42399" y="1086246"/>
-            <a:ext cx="13004801" cy="6911493"/>
+            <a:off x="215900" y="1282700"/>
+            <a:ext cx="12573000" cy="7188200"/>
           </a:xfrm>
           <a:prstGeom prst="rect">
             <a:avLst/>
@@ -7561,6 +7332,44 @@
           </a:ln>
         </p:spPr>
       </p:pic>
+      <p:sp>
+        <p:nvSpPr>
+          <p:cNvPr id="246" name="Shape 246"/>
+          <p:cNvSpPr/>
+          <p:nvPr/>
+        </p:nvSpPr>
+        <p:spPr>
+          <a:xfrm>
+            <a:off x="2082800" y="4206975"/>
+            <a:ext cx="10509665" cy="1"/>
+          </a:xfrm>
+          <a:prstGeom prst="line">
+            <a:avLst/>
+          </a:prstGeom>
+          <a:ln w="76200">
+            <a:solidFill>
+              <a:schemeClr val="accent5"/>
+            </a:solidFill>
+            <a:custDash>
+              <a:ds d="200000" sp="200000"/>
+            </a:custDash>
+            <a:miter lim="400000"/>
+          </a:ln>
+        </p:spPr>
+        <p:txBody>
+          <a:bodyPr lIns="45718" tIns="45718" rIns="45718" bIns="45718"/>
+          <a:lstStyle/>
+          <a:p>
+            <a:pPr>
+              <a:defRPr>
+                <a:solidFill>
+                  <a:srgbClr val="838787"/>
+                </a:solidFill>
+              </a:defRPr>
+            </a:pPr>
+          </a:p>
+        </p:txBody>
+      </p:sp>
     </p:spTree>
   </p:cSld>
   <p:clrMapOvr>
@@ -7591,12 +7400,66 @@
         <p:nvSpPr>
           <p:cNvPr id="248" name="Shape 248"/>
           <p:cNvSpPr/>
+          <p:nvPr>
+            <p:ph type="ctrTitle"/>
+          </p:nvPr>
+        </p:nvSpPr>
+        <p:spPr>
+          <a:prstGeom prst="rect">
+            <a:avLst/>
+          </a:prstGeom>
+        </p:spPr>
+        <p:txBody>
+          <a:bodyPr/>
+          <a:lstStyle/>
+          <a:p>
+            <a:pPr defTabSz="455675">
+              <a:defRPr sz="13259"/>
+            </a:pPr>
+          </a:p>
+        </p:txBody>
+      </p:sp>
+      <p:sp>
+        <p:nvSpPr>
+          <p:cNvPr id="249" name="Shape 249"/>
+          <p:cNvSpPr/>
+          <p:nvPr>
+            <p:ph type="subTitle" sz="quarter" idx="1"/>
+          </p:nvPr>
+        </p:nvSpPr>
+        <p:spPr>
+          <a:prstGeom prst="rect">
+            <a:avLst/>
+          </a:prstGeom>
+        </p:spPr>
+        <p:txBody>
+          <a:bodyPr/>
+          <a:lstStyle/>
+          <a:p>
+            <a:pPr/>
+          </a:p>
+        </p:txBody>
+      </p:sp>
+      <p:pic>
+        <p:nvPicPr>
+          <p:cNvPr id="250" name="pasted-image.png"/>
+          <p:cNvPicPr>
+            <a:picLocks noChangeAspect="1"/>
+          </p:cNvPicPr>
           <p:nvPr/>
-        </p:nvSpPr>
-        <p:spPr>
-          <a:xfrm>
-            <a:off x="1098888" y="4381498"/>
-            <a:ext cx="12906758" cy="990604"/>
+        </p:nvPicPr>
+        <p:blipFill>
+          <a:blip r:embed="rId2">
+            <a:extLst/>
+          </a:blip>
+          <a:stretch>
+            <a:fillRect/>
+          </a:stretch>
+        </p:blipFill>
+        <p:spPr>
+          <a:xfrm>
+            <a:off x="4233" y="1659261"/>
+            <a:ext cx="12996334" cy="6435078"/>
           </a:xfrm>
           <a:prstGeom prst="rect">
             <a:avLst/>
@@ -7604,44 +7467,8 @@
           <a:ln w="12700">
             <a:miter lim="400000"/>
           </a:ln>
-          <a:extLst>
-            <a:ext uri="{C572A759-6A51-4108-AA02-DFA0A04FC94B}">
-              <ma14:wrappingTextBoxFlag xmlns:ma14="http://schemas.microsoft.com/office/mac/drawingml/2011/main" val="1"/>
-            </a:ext>
-          </a:extLst>
-        </p:spPr>
-        <p:txBody>
-          <a:bodyPr lIns="50800" tIns="50800" rIns="50800" bIns="50800" anchor="ctr">
-            <a:spAutoFit/>
-          </a:bodyPr>
-          <a:lstStyle>
-            <a:lvl1pPr>
-              <a:defRPr sz="7000">
-                <a:solidFill>
-                  <a:srgbClr val="A7A7A7"/>
-                </a:solidFill>
-              </a:defRPr>
-            </a:lvl1pPr>
-          </a:lstStyle>
-          <a:p>
-            <a:pPr>
-              <a:defRPr>
-                <a:solidFill>
-                  <a:schemeClr val="accent5"/>
-                </a:solidFill>
-              </a:defRPr>
-            </a:pPr>
-            <a:r>
-              <a:rPr>
-                <a:solidFill>
-                  <a:srgbClr val="A7A7A7"/>
-                </a:solidFill>
-              </a:rPr>
-              <a:t>P(BC|+test) = P(BC &amp; +test) / P(+test)</a:t>
-            </a:r>
-          </a:p>
-        </p:txBody>
-      </p:sp>
+        </p:spPr>
+      </p:pic>
     </p:spTree>
   </p:cSld>
   <p:clrMapOvr>
@@ -7670,7 +7497,7 @@
       </p:grpSpPr>
       <p:sp>
         <p:nvSpPr>
-          <p:cNvPr id="250" name="Shape 250"/>
+          <p:cNvPr id="252" name="Shape 252"/>
           <p:cNvSpPr/>
           <p:nvPr>
             <p:ph type="ctrTitle"/>
@@ -7693,7 +7520,7 @@
       </p:sp>
       <p:sp>
         <p:nvSpPr>
-          <p:cNvPr id="251" name="Shape 251"/>
+          <p:cNvPr id="253" name="Shape 253"/>
           <p:cNvSpPr/>
           <p:nvPr>
             <p:ph type="subTitle" sz="quarter" idx="1"/>
@@ -7714,7 +7541,7 @@
       </p:sp>
       <p:pic>
         <p:nvPicPr>
-          <p:cNvPr id="252" name="Screen Shot 2019-09-17 at 2.08.31 PM.png"/>
+          <p:cNvPr id="254" name="pasted-image.png"/>
           <p:cNvPicPr>
             <a:picLocks noChangeAspect="1"/>
           </p:cNvPicPr>
@@ -7724,15 +7551,14 @@
           <a:blip r:embed="rId2">
             <a:extLst/>
           </a:blip>
-          <a:srcRect l="0" t="12876" r="0" b="0"/>
           <a:stretch>
             <a:fillRect/>
           </a:stretch>
         </p:blipFill>
         <p:spPr>
           <a:xfrm>
-            <a:off x="48617" y="1662906"/>
-            <a:ext cx="12907434" cy="7012044"/>
+            <a:off x="-2117" y="535890"/>
+            <a:ext cx="13009035" cy="8681820"/>
           </a:xfrm>
           <a:prstGeom prst="rect">
             <a:avLst/>
@@ -7770,7 +7596,7 @@
       </p:grpSpPr>
       <p:sp>
         <p:nvSpPr>
-          <p:cNvPr id="183" name="Shape 183"/>
+          <p:cNvPr id="194" name="Shape 194"/>
           <p:cNvSpPr/>
           <p:nvPr>
             <p:ph type="title"/>
@@ -7778,8 +7604,8 @@
         </p:nvSpPr>
         <p:spPr>
           <a:xfrm>
-            <a:off x="1703557" y="4126140"/>
-            <a:ext cx="9413404" cy="3602707"/>
+            <a:off x="2253592" y="2939153"/>
+            <a:ext cx="9818416" cy="4654227"/>
           </a:xfrm>
           <a:prstGeom prst="rect">
             <a:avLst/>
@@ -7787,15 +7613,11 @@
         </p:spPr>
         <p:txBody>
           <a:bodyPr/>
-          <a:lstStyle>
-            <a:lvl1pPr defTabSz="496570">
-              <a:defRPr sz="14450"/>
-            </a:lvl1pPr>
-          </a:lstStyle>
+          <a:lstStyle/>
           <a:p>
             <a:pPr/>
             <a:r>
-              <a:t>Bayes Theorem</a:t>
+              <a:t>Logistic Regression</a:t>
             </a:r>
           </a:p>
         </p:txBody>
@@ -7828,13 +7650,17 @@
       </p:grpSpPr>
       <p:sp>
         <p:nvSpPr>
-          <p:cNvPr id="254" name="Shape 254"/>
+          <p:cNvPr id="256" name="Shape 256"/>
           <p:cNvSpPr/>
           <p:nvPr>
-            <p:ph type="subTitle" sz="quarter" idx="1"/>
+            <p:ph type="title"/>
           </p:nvPr>
         </p:nvSpPr>
         <p:spPr>
+          <a:xfrm>
+            <a:off x="2802101" y="4038600"/>
+            <a:ext cx="7400598" cy="4521200"/>
+          </a:xfrm>
           <a:prstGeom prst="rect">
             <a:avLst/>
           </a:prstGeom>
@@ -7844,38 +7670,12 @@
           <a:lstStyle/>
           <a:p>
             <a:pPr/>
-          </a:p>
-        </p:txBody>
-      </p:sp>
-      <p:pic>
-        <p:nvPicPr>
-          <p:cNvPr id="255" name="pasted-image.png"/>
-          <p:cNvPicPr>
-            <a:picLocks noChangeAspect="1"/>
-          </p:cNvPicPr>
-          <p:nvPr/>
-        </p:nvPicPr>
-        <p:blipFill>
-          <a:blip r:embed="rId2">
-            <a:extLst/>
-          </a:blip>
-          <a:stretch>
-            <a:fillRect/>
-          </a:stretch>
-        </p:blipFill>
-        <p:spPr>
-          <a:xfrm>
-            <a:off x="-12700" y="1193800"/>
-            <a:ext cx="13004800" cy="6830108"/>
-          </a:xfrm>
-          <a:prstGeom prst="rect">
-            <a:avLst/>
-          </a:prstGeom>
-          <a:ln w="12700">
-            <a:miter lim="400000"/>
-          </a:ln>
-        </p:spPr>
-      </p:pic>
+            <a:r>
+              <a:t>Exercises</a:t>
+            </a:r>
+          </a:p>
+        </p:txBody>
+      </p:sp>
     </p:spTree>
   </p:cSld>
   <p:clrMapOvr>
@@ -7904,13 +7704,52 @@
       </p:grpSpPr>
       <p:sp>
         <p:nvSpPr>
-          <p:cNvPr id="257" name="Shape 257"/>
+          <p:cNvPr id="258" name="Shape 258"/>
           <p:cNvSpPr/>
           <p:nvPr>
-            <p:ph type="ctrTitle"/>
+            <p:ph type="title"/>
           </p:nvPr>
         </p:nvSpPr>
         <p:spPr>
+          <a:xfrm>
+            <a:off x="406400" y="1536700"/>
+            <a:ext cx="12192000" cy="1169260"/>
+          </a:xfrm>
+          <a:prstGeom prst="rect">
+            <a:avLst/>
+          </a:prstGeom>
+        </p:spPr>
+        <p:txBody>
+          <a:bodyPr/>
+          <a:lstStyle>
+            <a:lvl1pPr defTabSz="403097">
+              <a:spcBef>
+                <a:spcPts val="1900"/>
+              </a:spcBef>
+              <a:defRPr sz="8280"/>
+            </a:lvl1pPr>
+          </a:lstStyle>
+          <a:p>
+            <a:pPr/>
+            <a:r>
+              <a:t>ROC Curve</a:t>
+            </a:r>
+          </a:p>
+        </p:txBody>
+      </p:sp>
+      <p:sp>
+        <p:nvSpPr>
+          <p:cNvPr id="259" name="Shape 259"/>
+          <p:cNvSpPr/>
+          <p:nvPr>
+            <p:ph type="body" idx="1"/>
+          </p:nvPr>
+        </p:nvSpPr>
+        <p:spPr>
+          <a:xfrm>
+            <a:off x="406400" y="1927435"/>
+            <a:ext cx="12192000" cy="6465997"/>
+          </a:xfrm>
           <a:prstGeom prst="rect">
             <a:avLst/>
           </a:prstGeom>
@@ -7919,62 +7758,46 @@
           <a:bodyPr/>
           <a:lstStyle/>
           <a:p>
-            <a:pPr defTabSz="455675">
-              <a:defRPr sz="13259"/>
+            <a:pPr marL="705970" indent="-705970">
+              <a:buClrTx/>
+              <a:buSzPct val="40000"/>
+              <a:buFontTx/>
+              <a:buBlip>
+                <a:blip r:embed="rId2"/>
+              </a:buBlip>
+              <a:defRPr sz="6400"/>
             </a:pPr>
           </a:p>
-        </p:txBody>
-      </p:sp>
-      <p:sp>
-        <p:nvSpPr>
-          <p:cNvPr id="258" name="Shape 258"/>
-          <p:cNvSpPr/>
-          <p:nvPr>
-            <p:ph type="subTitle" sz="quarter" idx="1"/>
-          </p:nvPr>
-        </p:nvSpPr>
-        <p:spPr>
-          <a:prstGeom prst="rect">
-            <a:avLst/>
-          </a:prstGeom>
-        </p:spPr>
-        <p:txBody>
-          <a:bodyPr/>
-          <a:lstStyle/>
-          <a:p>
-            <a:pPr/>
-          </a:p>
-        </p:txBody>
-      </p:sp>
-      <p:pic>
-        <p:nvPicPr>
-          <p:cNvPr id="259" name="pasted-image.jpeg"/>
-          <p:cNvPicPr>
-            <a:picLocks noChangeAspect="1"/>
-          </p:cNvPicPr>
-          <p:nvPr/>
-        </p:nvPicPr>
-        <p:blipFill>
-          <a:blip r:embed="rId2">
-            <a:extLst/>
-          </a:blip>
-          <a:stretch>
-            <a:fillRect/>
-          </a:stretch>
-        </p:blipFill>
-        <p:spPr>
-          <a:xfrm>
-            <a:off x="-2117" y="189"/>
-            <a:ext cx="13009034" cy="9753222"/>
-          </a:xfrm>
-          <a:prstGeom prst="rect">
-            <a:avLst/>
-          </a:prstGeom>
-          <a:ln w="12700">
-            <a:miter lim="400000"/>
-          </a:ln>
-        </p:spPr>
-      </p:pic>
+          <a:p>
+            <a:pPr marL="705970" indent="-705970">
+              <a:buClrTx/>
+              <a:buSzPct val="40000"/>
+              <a:buFontTx/>
+              <a:buBlip>
+                <a:blip r:embed="rId2"/>
+              </a:buBlip>
+              <a:defRPr sz="6400"/>
+            </a:pPr>
+            <a:r>
+              <a:t>Short for “Receiver operating characteristic” </a:t>
+            </a:r>
+          </a:p>
+          <a:p>
+            <a:pPr marL="705970" indent="-705970">
+              <a:buClrTx/>
+              <a:buSzPct val="40000"/>
+              <a:buFontTx/>
+              <a:buBlip>
+                <a:blip r:embed="rId2"/>
+              </a:buBlip>
+              <a:defRPr sz="6400"/>
+            </a:pPr>
+            <a:r>
+              <a:t>Shows effect of changing probability threshold </a:t>
+            </a:r>
+          </a:p>
+        </p:txBody>
+      </p:sp>
     </p:spTree>
   </p:cSld>
   <p:clrMapOvr>
@@ -8001,30 +7824,9 @@
           <a:chExt cx="0" cy="0"/>
         </a:xfrm>
       </p:grpSpPr>
-      <p:sp>
-        <p:nvSpPr>
-          <p:cNvPr id="261" name="Shape 261"/>
-          <p:cNvSpPr/>
-          <p:nvPr>
-            <p:ph type="subTitle" sz="quarter" idx="1"/>
-          </p:nvPr>
-        </p:nvSpPr>
-        <p:spPr>
-          <a:prstGeom prst="rect">
-            <a:avLst/>
-          </a:prstGeom>
-        </p:spPr>
-        <p:txBody>
-          <a:bodyPr/>
-          <a:lstStyle/>
-          <a:p>
-            <a:pPr/>
-          </a:p>
-        </p:txBody>
-      </p:sp>
       <p:pic>
         <p:nvPicPr>
-          <p:cNvPr id="262" name="pasted-image.png"/>
+          <p:cNvPr id="261" name="pasted-image.png"/>
           <p:cNvPicPr>
             <a:picLocks noChangeAspect="1"/>
           </p:cNvPicPr>
@@ -8040,8 +7842,8 @@
         </p:blipFill>
         <p:spPr>
           <a:xfrm>
-            <a:off x="-3479" y="2263519"/>
-            <a:ext cx="13011951" cy="5226558"/>
+            <a:off x="357214" y="-44847"/>
+            <a:ext cx="12290372" cy="9843294"/>
           </a:xfrm>
           <a:prstGeom prst="rect">
             <a:avLst/>
@@ -8077,34 +7879,9 @@
           <a:chExt cx="0" cy="0"/>
         </a:xfrm>
       </p:grpSpPr>
-      <p:pic>
-        <p:nvPicPr>
-          <p:cNvPr id="264" name="pasted-image.jpeg"/>
-          <p:cNvPicPr>
-            <a:picLocks noChangeAspect="1"/>
-          </p:cNvPicPr>
-          <p:nvPr>
-            <p:ph type="pic" idx="13"/>
-          </p:nvPr>
-        </p:nvPicPr>
-        <p:blipFill>
-          <a:blip r:embed="rId2">
-            <a:extLst/>
-          </a:blip>
-          <a:srcRect l="31250" t="0" r="31250" b="0"/>
-          <a:stretch>
-            <a:fillRect/>
-          </a:stretch>
-        </p:blipFill>
-        <p:spPr>
-          <a:prstGeom prst="rect">
-            <a:avLst/>
-          </a:prstGeom>
-        </p:spPr>
-      </p:pic>
-      <p:sp>
-        <p:nvSpPr>
-          <p:cNvPr id="265" name="Shape 265"/>
+      <p:sp>
+        <p:nvSpPr>
+          <p:cNvPr id="263" name="Shape 263"/>
           <p:cNvSpPr/>
           <p:nvPr>
             <p:ph type="title"/>
@@ -8112,8 +7889,8 @@
         </p:nvSpPr>
         <p:spPr>
           <a:xfrm>
-            <a:off x="5803900" y="6426200"/>
-            <a:ext cx="6910255" cy="2705100"/>
+            <a:off x="406400" y="1536700"/>
+            <a:ext cx="12192000" cy="1169260"/>
           </a:xfrm>
           <a:prstGeom prst="rect">
             <a:avLst/>
@@ -8122,14 +7899,78 @@
         <p:txBody>
           <a:bodyPr/>
           <a:lstStyle>
-            <a:lvl1pPr defTabSz="350520">
-              <a:defRPr sz="10200"/>
+            <a:lvl1pPr defTabSz="403097">
+              <a:spcBef>
+                <a:spcPts val="1900"/>
+              </a:spcBef>
+              <a:defRPr sz="8280"/>
             </a:lvl1pPr>
           </a:lstStyle>
           <a:p>
             <a:pPr/>
             <a:r>
-              <a:t>Detecting Spam</a:t>
+              <a:t>ROC Curve</a:t>
+            </a:r>
+          </a:p>
+        </p:txBody>
+      </p:sp>
+      <p:sp>
+        <p:nvSpPr>
+          <p:cNvPr id="264" name="Shape 264"/>
+          <p:cNvSpPr/>
+          <p:nvPr>
+            <p:ph type="body" idx="1"/>
+          </p:nvPr>
+        </p:nvSpPr>
+        <p:spPr>
+          <a:xfrm>
+            <a:off x="406400" y="1927435"/>
+            <a:ext cx="12699074" cy="6465997"/>
+          </a:xfrm>
+          <a:prstGeom prst="rect">
+            <a:avLst/>
+          </a:prstGeom>
+        </p:spPr>
+        <p:txBody>
+          <a:bodyPr/>
+          <a:lstStyle/>
+          <a:p>
+            <a:pPr marL="705970" indent="-705970">
+              <a:buClrTx/>
+              <a:buSzPct val="40000"/>
+              <a:buFontTx/>
+              <a:buBlip>
+                <a:blip r:embed="rId2"/>
+              </a:buBlip>
+              <a:defRPr sz="6400"/>
+            </a:pPr>
+          </a:p>
+          <a:p>
+            <a:pPr marL="705970" indent="-705970">
+              <a:buClrTx/>
+              <a:buSzPct val="40000"/>
+              <a:buFontTx/>
+              <a:buBlip>
+                <a:blip r:embed="rId2"/>
+              </a:buBlip>
+              <a:defRPr sz="6400"/>
+            </a:pPr>
+            <a:r>
+              <a:t>Tradeoff between True Positive Rate and False Positive Rate</a:t>
+            </a:r>
+          </a:p>
+          <a:p>
+            <a:pPr marL="705970" indent="-705970">
+              <a:buClrTx/>
+              <a:buSzPct val="40000"/>
+              <a:buFontTx/>
+              <a:buBlip>
+                <a:blip r:embed="rId2"/>
+              </a:buBlip>
+              <a:defRPr sz="6400"/>
+            </a:pPr>
+            <a:r>
+              <a:t>Neutral on class? Choose closest point to top-left corner.</a:t>
             </a:r>
           </a:p>
         </p:txBody>
@@ -8162,7 +8003,7 @@
       </p:grpSpPr>
       <p:sp>
         <p:nvSpPr>
-          <p:cNvPr id="267" name="Shape 267"/>
+          <p:cNvPr id="266" name="Shape 266"/>
           <p:cNvSpPr/>
           <p:nvPr>
             <p:ph type="title"/>
@@ -8170,8 +8011,8 @@
         </p:nvSpPr>
         <p:spPr>
           <a:xfrm>
-            <a:off x="437364" y="1151465"/>
-            <a:ext cx="8498732" cy="1960665"/>
+            <a:off x="406400" y="1536700"/>
+            <a:ext cx="12192000" cy="1169260"/>
           </a:xfrm>
           <a:prstGeom prst="rect">
             <a:avLst/>
@@ -8180,90 +8021,78 @@
         <p:txBody>
           <a:bodyPr/>
           <a:lstStyle>
-            <a:lvl1pPr defTabSz="391414">
-              <a:defRPr sz="8040"/>
+            <a:lvl1pPr defTabSz="403097">
+              <a:spcBef>
+                <a:spcPts val="1900"/>
+              </a:spcBef>
+              <a:defRPr sz="8280"/>
             </a:lvl1pPr>
           </a:lstStyle>
           <a:p>
             <a:pPr/>
             <a:r>
-              <a:t>Catching an unfair coin</a:t>
-            </a:r>
-          </a:p>
-        </p:txBody>
-      </p:sp>
-      <p:sp>
-        <p:nvSpPr>
-          <p:cNvPr id="268" name="Shape 268"/>
+              <a:t>Area Under the curve</a:t>
+            </a:r>
+          </a:p>
+        </p:txBody>
+      </p:sp>
+      <p:sp>
+        <p:nvSpPr>
+          <p:cNvPr id="267" name="Shape 267"/>
           <p:cNvSpPr/>
           <p:nvPr>
-            <p:ph type="body" idx="4294967295"/>
+            <p:ph type="body" idx="1"/>
           </p:nvPr>
         </p:nvSpPr>
         <p:spPr>
           <a:xfrm>
-            <a:off x="406400" y="3839863"/>
-            <a:ext cx="12192000" cy="6311307"/>
-          </a:xfrm>
-          <a:prstGeom prst="rect">
-            <a:avLst/>
-          </a:prstGeom>
-        </p:spPr>
-        <p:txBody>
-          <a:bodyPr lIns="50800" tIns="50800" rIns="50800" bIns="50800"/>
+            <a:off x="406400" y="2570901"/>
+            <a:ext cx="12192000" cy="6465998"/>
+          </a:xfrm>
+          <a:prstGeom prst="rect">
+            <a:avLst/>
+          </a:prstGeom>
+        </p:spPr>
+        <p:txBody>
+          <a:bodyPr/>
           <a:lstStyle/>
           <a:p>
-            <a:pPr marL="677731" indent="-677731" defTabSz="560830">
-              <a:spcBef>
-                <a:spcPts val="2600"/>
-              </a:spcBef>
-              <a:buClr>
-                <a:srgbClr val="39A3D5"/>
-              </a:buClr>
+            <a:pPr marL="705970" indent="-705970">
+              <a:buClrTx/>
               <a:buSzPct val="40000"/>
-              <a:buFont typeface="Avenir Next"/>
+              <a:buFontTx/>
               <a:buBlip>
                 <a:blip r:embed="rId2"/>
               </a:buBlip>
-              <a:defRPr sz="5800">
-                <a:solidFill>
-                  <a:srgbClr val="838787"/>
-                </a:solidFill>
-                <a:latin typeface="Avenir Next Medium"/>
-                <a:ea typeface="Avenir Next Medium"/>
-                <a:cs typeface="Avenir Next Medium"/>
-                <a:sym typeface="Avenir Next Medium"/>
-              </a:defRPr>
+              <a:defRPr sz="6400"/>
             </a:pPr>
-            <a:r>
-              <a:t>One fair coin (50% heads, 50% tails)</a:t>
-            </a:r>
-          </a:p>
-          <a:p>
-            <a:pPr marL="677731" indent="-677731" defTabSz="560830">
-              <a:spcBef>
-                <a:spcPts val="2600"/>
-              </a:spcBef>
-              <a:buClr>
-                <a:srgbClr val="39A3D5"/>
-              </a:buClr>
+          </a:p>
+          <a:p>
+            <a:pPr marL="705970" indent="-705970">
+              <a:buClrTx/>
               <a:buSzPct val="40000"/>
-              <a:buFont typeface="Avenir Next"/>
+              <a:buFontTx/>
               <a:buBlip>
                 <a:blip r:embed="rId2"/>
               </a:buBlip>
-              <a:defRPr sz="5800">
-                <a:solidFill>
-                  <a:srgbClr val="838787"/>
-                </a:solidFill>
-                <a:latin typeface="Avenir Next Medium"/>
-                <a:ea typeface="Avenir Next Medium"/>
-                <a:cs typeface="Avenir Next Medium"/>
-                <a:sym typeface="Avenir Next Medium"/>
-              </a:defRPr>
+              <a:defRPr sz="6400"/>
             </a:pPr>
             <a:r>
-              <a:t>One unfair coin (90% heads, 10% tails)</a:t>
+              <a:t>Total AUC is a measure of classifier power</a:t>
+            </a:r>
+          </a:p>
+          <a:p>
+            <a:pPr marL="705970" indent="-705970">
+              <a:buClrTx/>
+              <a:buSzPct val="40000"/>
+              <a:buFontTx/>
+              <a:buBlip>
+                <a:blip r:embed="rId2"/>
+              </a:buBlip>
+              <a:defRPr sz="6400"/>
+            </a:pPr>
+            <a:r>
+              <a:t>1.0 is perfect, 0.5 is as bad as random chance</a:t>
             </a:r>
           </a:p>
         </p:txBody>
@@ -8280,13 +8109,6 @@
 <file path=ppt/slides/slide25.xml><?xml version="1.0" encoding="utf-8"?>
 <p:sld xmlns:a="http://schemas.openxmlformats.org/drawingml/2006/main" xmlns:r="http://schemas.openxmlformats.org/officeDocument/2006/relationships" xmlns:p="http://schemas.openxmlformats.org/presentationml/2006/main" showMasterSp="1" showMasterPhAnim="1">
   <p:cSld>
-    <p:bg>
-      <p:bgPr>
-        <a:solidFill>
-          <a:srgbClr val="000000"/>
-        </a:solidFill>
-      </p:bgPr>
-    </p:bg>
     <p:spTree>
       <p:nvGrpSpPr>
         <p:cNvPr id="1" name=""/>
@@ -8301,262 +8123,35 @@
           <a:chExt cx="0" cy="0"/>
         </a:xfrm>
       </p:grpSpPr>
-      <p:sp>
-        <p:nvSpPr>
-          <p:cNvPr id="270" name="Shape 270"/>
-          <p:cNvSpPr/>
+      <p:pic>
+        <p:nvPicPr>
+          <p:cNvPr id="269" name="pasted-image.png"/>
+          <p:cNvPicPr>
+            <a:picLocks noChangeAspect="1"/>
+          </p:cNvPicPr>
           <p:nvPr/>
-        </p:nvSpPr>
-        <p:spPr>
-          <a:xfrm>
-            <a:off x="2100697" y="1965192"/>
-            <a:ext cx="5490568" cy="5823216"/>
-          </a:xfrm>
-          <a:prstGeom prst="ellipse">
-            <a:avLst/>
-          </a:prstGeom>
-          <a:solidFill>
-            <a:schemeClr val="accent5"/>
-          </a:solidFill>
+        </p:nvPicPr>
+        <p:blipFill>
+          <a:blip r:embed="rId2">
+            <a:extLst/>
+          </a:blip>
+          <a:stretch>
+            <a:fillRect/>
+          </a:stretch>
+        </p:blipFill>
+        <p:spPr>
+          <a:xfrm>
+            <a:off x="357214" y="-44847"/>
+            <a:ext cx="12290372" cy="9843294"/>
+          </a:xfrm>
+          <a:prstGeom prst="rect">
+            <a:avLst/>
+          </a:prstGeom>
           <a:ln w="12700">
             <a:miter lim="400000"/>
           </a:ln>
         </p:spPr>
-        <p:txBody>
-          <a:bodyPr lIns="50800" tIns="50800" rIns="50800" bIns="50800" anchor="ctr"/>
-          <a:lstStyle/>
-          <a:p>
-            <a:pPr>
-              <a:defRPr>
-                <a:solidFill>
-                  <a:srgbClr val="838787"/>
-                </a:solidFill>
-              </a:defRPr>
-            </a:pPr>
-          </a:p>
-        </p:txBody>
-      </p:sp>
-      <p:sp>
-        <p:nvSpPr>
-          <p:cNvPr id="271" name="Shape 271"/>
-          <p:cNvSpPr/>
-          <p:nvPr/>
-        </p:nvSpPr>
-        <p:spPr>
-          <a:xfrm>
-            <a:off x="3286844" y="717747"/>
-            <a:ext cx="2842261" cy="1117604"/>
-          </a:xfrm>
-          <a:prstGeom prst="rect">
-            <a:avLst/>
-          </a:prstGeom>
-          <a:solidFill>
-            <a:srgbClr val="000000"/>
-          </a:solidFill>
-          <a:ln w="12700">
-            <a:miter lim="400000"/>
-          </a:ln>
-          <a:extLst>
-            <a:ext uri="{C572A759-6A51-4108-AA02-DFA0A04FC94B}">
-              <ma14:wrappingTextBoxFlag xmlns:ma14="http://schemas.microsoft.com/office/mac/drawingml/2011/main" val="1"/>
-            </a:ext>
-          </a:extLst>
-        </p:spPr>
-        <p:txBody>
-          <a:bodyPr wrap="none" lIns="50800" tIns="50800" rIns="50800" bIns="50800" anchor="ctr">
-            <a:spAutoFit/>
-          </a:bodyPr>
-          <a:lstStyle>
-            <a:lvl1pPr>
-              <a:defRPr sz="8000">
-                <a:solidFill>
-                  <a:srgbClr val="A7A7A7"/>
-                </a:solidFill>
-              </a:defRPr>
-            </a:lvl1pPr>
-          </a:lstStyle>
-          <a:p>
-            <a:pPr/>
-            <a:r>
-              <a:t>P(unfair)</a:t>
-            </a:r>
-          </a:p>
-        </p:txBody>
-      </p:sp>
-      <p:sp>
-        <p:nvSpPr>
-          <p:cNvPr id="272" name="Shape 272"/>
-          <p:cNvSpPr/>
-          <p:nvPr/>
-        </p:nvSpPr>
-        <p:spPr>
-          <a:xfrm>
-            <a:off x="5301097" y="1965192"/>
-            <a:ext cx="5490568" cy="5823216"/>
-          </a:xfrm>
-          <a:prstGeom prst="ellipse">
-            <a:avLst/>
-          </a:prstGeom>
-          <a:solidFill>
-            <a:schemeClr val="accent1">
-              <a:satOff val="-7685"/>
-              <a:lumOff val="-10588"/>
-            </a:schemeClr>
-          </a:solidFill>
-          <a:ln w="12700">
-            <a:miter lim="400000"/>
-          </a:ln>
-        </p:spPr>
-        <p:txBody>
-          <a:bodyPr lIns="50800" tIns="50800" rIns="50800" bIns="50800" anchor="ctr"/>
-          <a:lstStyle/>
-          <a:p>
-            <a:pPr>
-              <a:defRPr>
-                <a:solidFill>
-                  <a:srgbClr val="838787"/>
-                </a:solidFill>
-              </a:defRPr>
-            </a:pPr>
-          </a:p>
-        </p:txBody>
-      </p:sp>
-      <p:sp>
-        <p:nvSpPr>
-          <p:cNvPr id="273" name="Shape 273"/>
-          <p:cNvSpPr/>
-          <p:nvPr/>
-        </p:nvSpPr>
-        <p:spPr>
-          <a:xfrm>
-            <a:off x="5301223" y="2511093"/>
-            <a:ext cx="2289982" cy="4731545"/>
-          </a:xfrm>
-          <a:custGeom>
-            <a:avLst/>
-            <a:gdLst/>
-            <a:ahLst/>
-            <a:cxnLst>
-              <a:cxn ang="0">
-                <a:pos x="wd2" y="hd2"/>
-              </a:cxn>
-              <a:cxn ang="5400000">
-                <a:pos x="wd2" y="hd2"/>
-              </a:cxn>
-              <a:cxn ang="10800000">
-                <a:pos x="wd2" y="hd2"/>
-              </a:cxn>
-              <a:cxn ang="16200000">
-                <a:pos x="wd2" y="hd2"/>
-              </a:cxn>
-            </a:cxnLst>
-            <a:rect l="0" t="0" r="r" b="b"/>
-            <a:pathLst>
-              <a:path w="17503" h="21600" fill="norm" stroke="1" extrusionOk="0">
-                <a:moveTo>
-                  <a:pt x="8751" y="0"/>
-                </a:moveTo>
-                <a:cubicBezTo>
-                  <a:pt x="7839" y="416"/>
-                  <a:pt x="6966" y="881"/>
-                  <a:pt x="6145" y="1401"/>
-                </a:cubicBezTo>
-                <a:cubicBezTo>
-                  <a:pt x="-2049" y="6591"/>
-                  <a:pt x="-2049" y="15007"/>
-                  <a:pt x="6145" y="20198"/>
-                </a:cubicBezTo>
-                <a:cubicBezTo>
-                  <a:pt x="6966" y="20718"/>
-                  <a:pt x="7838" y="21184"/>
-                  <a:pt x="8751" y="21600"/>
-                </a:cubicBezTo>
-                <a:cubicBezTo>
-                  <a:pt x="9664" y="21184"/>
-                  <a:pt x="10536" y="20718"/>
-                  <a:pt x="11357" y="20198"/>
-                </a:cubicBezTo>
-                <a:cubicBezTo>
-                  <a:pt x="19551" y="15007"/>
-                  <a:pt x="19551" y="6591"/>
-                  <a:pt x="11357" y="1401"/>
-                </a:cubicBezTo>
-                <a:cubicBezTo>
-                  <a:pt x="10536" y="881"/>
-                  <a:pt x="9663" y="416"/>
-                  <a:pt x="8751" y="0"/>
-                </a:cubicBezTo>
-                <a:close/>
-              </a:path>
-            </a:pathLst>
-          </a:custGeom>
-          <a:solidFill>
-            <a:schemeClr val="accent6">
-              <a:lumOff val="-8980"/>
-            </a:schemeClr>
-          </a:solidFill>
-          <a:ln w="12700">
-            <a:miter lim="400000"/>
-          </a:ln>
-        </p:spPr>
-        <p:txBody>
-          <a:bodyPr lIns="50800" tIns="50800" rIns="50800" bIns="50800" anchor="ctr"/>
-          <a:lstStyle/>
-          <a:p>
-            <a:pPr>
-              <a:defRPr>
-                <a:solidFill>
-                  <a:srgbClr val="838787"/>
-                </a:solidFill>
-              </a:defRPr>
-            </a:pPr>
-          </a:p>
-        </p:txBody>
-      </p:sp>
-      <p:sp>
-        <p:nvSpPr>
-          <p:cNvPr id="274" name="Shape 274"/>
-          <p:cNvSpPr/>
-          <p:nvPr/>
-        </p:nvSpPr>
-        <p:spPr>
-          <a:xfrm>
-            <a:off x="6866381" y="717747"/>
-            <a:ext cx="2878837" cy="1117604"/>
-          </a:xfrm>
-          <a:prstGeom prst="rect">
-            <a:avLst/>
-          </a:prstGeom>
-          <a:ln w="12700">
-            <a:miter lim="400000"/>
-          </a:ln>
-          <a:extLst>
-            <a:ext uri="{C572A759-6A51-4108-AA02-DFA0A04FC94B}">
-              <ma14:wrappingTextBoxFlag xmlns:ma14="http://schemas.microsoft.com/office/mac/drawingml/2011/main" val="1"/>
-            </a:ext>
-          </a:extLst>
-        </p:spPr>
-        <p:txBody>
-          <a:bodyPr wrap="none" lIns="50800" tIns="50800" rIns="50800" bIns="50800" anchor="ctr">
-            <a:spAutoFit/>
-          </a:bodyPr>
-          <a:lstStyle>
-            <a:lvl1pPr>
-              <a:defRPr sz="8000">
-                <a:solidFill>
-                  <a:srgbClr val="A7A7A7"/>
-                </a:solidFill>
-              </a:defRPr>
-            </a:lvl1pPr>
-          </a:lstStyle>
-          <a:p>
-            <a:pPr/>
-            <a:r>
-              <a:t>P(heads)</a:t>
-            </a:r>
-          </a:p>
-        </p:txBody>
-      </p:sp>
+      </p:pic>
     </p:spTree>
   </p:cSld>
   <p:clrMapOvr>
@@ -8569,13 +8164,6 @@
 <file path=ppt/slides/slide26.xml><?xml version="1.0" encoding="utf-8"?>
 <p:sld xmlns:a="http://schemas.openxmlformats.org/drawingml/2006/main" xmlns:r="http://schemas.openxmlformats.org/officeDocument/2006/relationships" xmlns:p="http://schemas.openxmlformats.org/presentationml/2006/main" showMasterSp="1" showMasterPhAnim="1">
   <p:cSld>
-    <p:bg>
-      <p:bgPr>
-        <a:solidFill>
-          <a:srgbClr val="000000"/>
-        </a:solidFill>
-      </p:bgPr>
-    </p:bg>
     <p:spTree>
       <p:nvGrpSpPr>
         <p:cNvPr id="1" name=""/>
@@ -8592,249 +8180,97 @@
       </p:grpSpPr>
       <p:sp>
         <p:nvSpPr>
-          <p:cNvPr id="276" name="Shape 276"/>
-          <p:cNvSpPr/>
-          <p:nvPr/>
-        </p:nvSpPr>
-        <p:spPr>
-          <a:xfrm>
-            <a:off x="2156916" y="3506125"/>
-            <a:ext cx="5490568" cy="5823216"/>
-          </a:xfrm>
-          <a:prstGeom prst="ellipse">
-            <a:avLst/>
-          </a:prstGeom>
-          <a:solidFill>
-            <a:schemeClr val="accent5"/>
-          </a:solidFill>
-          <a:ln w="12700">
-            <a:miter lim="400000"/>
-          </a:ln>
-        </p:spPr>
-        <p:txBody>
-          <a:bodyPr lIns="50800" tIns="50800" rIns="50800" bIns="50800" anchor="ctr"/>
+          <p:cNvPr id="271" name="Shape 271"/>
+          <p:cNvSpPr/>
+          <p:nvPr>
+            <p:ph type="title"/>
+          </p:nvPr>
+        </p:nvSpPr>
+        <p:spPr>
+          <a:xfrm>
+            <a:off x="406400" y="1536700"/>
+            <a:ext cx="12192000" cy="1169260"/>
+          </a:xfrm>
+          <a:prstGeom prst="rect">
+            <a:avLst/>
+          </a:prstGeom>
+        </p:spPr>
+        <p:txBody>
+          <a:bodyPr/>
+          <a:lstStyle>
+            <a:lvl1pPr defTabSz="403097">
+              <a:spcBef>
+                <a:spcPts val="1900"/>
+              </a:spcBef>
+              <a:defRPr sz="8280"/>
+            </a:lvl1pPr>
+          </a:lstStyle>
+          <a:p>
+            <a:pPr/>
+            <a:r>
+              <a:t>RoC and class balance</a:t>
+            </a:r>
+          </a:p>
+        </p:txBody>
+      </p:sp>
+      <p:sp>
+        <p:nvSpPr>
+          <p:cNvPr id="272" name="Shape 272"/>
+          <p:cNvSpPr/>
+          <p:nvPr>
+            <p:ph type="body" idx="1"/>
+          </p:nvPr>
+        </p:nvSpPr>
+        <p:spPr>
+          <a:xfrm>
+            <a:off x="406400" y="2570901"/>
+            <a:ext cx="12192000" cy="6465998"/>
+          </a:xfrm>
+          <a:prstGeom prst="rect">
+            <a:avLst/>
+          </a:prstGeom>
+        </p:spPr>
+        <p:txBody>
+          <a:bodyPr/>
           <a:lstStyle/>
           <a:p>
-            <a:pPr>
-              <a:defRPr>
-                <a:solidFill>
-                  <a:srgbClr val="838787"/>
-                </a:solidFill>
-              </a:defRPr>
+            <a:pPr marL="705970" indent="-705970">
+              <a:buClrTx/>
+              <a:buSzPct val="40000"/>
+              <a:buFontTx/>
+              <a:buBlip>
+                <a:blip r:embed="rId2"/>
+              </a:buBlip>
+              <a:defRPr sz="6400"/>
             </a:pPr>
           </a:p>
-        </p:txBody>
-      </p:sp>
-      <p:sp>
-        <p:nvSpPr>
-          <p:cNvPr id="277" name="Shape 277"/>
-          <p:cNvSpPr/>
-          <p:nvPr/>
-        </p:nvSpPr>
-        <p:spPr>
-          <a:xfrm>
-            <a:off x="1019048" y="586514"/>
-            <a:ext cx="10393808" cy="2362204"/>
-          </a:xfrm>
-          <a:prstGeom prst="rect">
-            <a:avLst/>
-          </a:prstGeom>
-          <a:solidFill>
-            <a:srgbClr val="000000"/>
-          </a:solidFill>
-          <a:ln w="12700">
-            <a:miter lim="400000"/>
-          </a:ln>
-          <a:extLst>
-            <a:ext uri="{C572A759-6A51-4108-AA02-DFA0A04FC94B}">
-              <ma14:wrappingTextBoxFlag xmlns:ma14="http://schemas.microsoft.com/office/mac/drawingml/2011/main" val="1"/>
-            </a:ext>
-          </a:extLst>
-        </p:spPr>
-        <p:txBody>
-          <a:bodyPr wrap="none" lIns="50800" tIns="50800" rIns="50800" bIns="50800" anchor="ctr">
-            <a:spAutoFit/>
-          </a:bodyPr>
-          <a:lstStyle/>
-          <a:p>
-            <a:pPr>
-              <a:defRPr sz="7000">
-                <a:solidFill>
-                  <a:schemeClr val="accent5"/>
-                </a:solidFill>
-              </a:defRPr>
+          <a:p>
+            <a:pPr marL="705970" indent="-705970">
+              <a:buClrTx/>
+              <a:buSzPct val="40000"/>
+              <a:buFontTx/>
+              <a:buBlip>
+                <a:blip r:embed="rId2"/>
+              </a:buBlip>
+              <a:defRPr sz="6400"/>
             </a:pPr>
             <a:r>
-              <a:rPr>
-                <a:solidFill>
-                  <a:srgbClr val="A7A7A7"/>
-                </a:solidFill>
-              </a:rPr>
-              <a:t>P(unfair|heads) </a:t>
-            </a:r>
-            <a:endParaRPr>
-              <a:solidFill>
-                <a:srgbClr val="A7A7A7"/>
-              </a:solidFill>
-            </a:endParaRPr>
-          </a:p>
-          <a:p>
-            <a:pPr>
-              <a:defRPr sz="7000">
-                <a:solidFill>
-                  <a:schemeClr val="accent5"/>
-                </a:solidFill>
-              </a:defRPr>
+              <a:t>X-axis is sized relative to POSITIVE class</a:t>
+            </a:r>
+          </a:p>
+          <a:p>
+            <a:pPr marL="705970" indent="-705970">
+              <a:buClrTx/>
+              <a:buSzPct val="40000"/>
+              <a:buFontTx/>
+              <a:buBlip>
+                <a:blip r:embed="rId2"/>
+              </a:buBlip>
+              <a:defRPr sz="6400"/>
             </a:pPr>
             <a:r>
-              <a:rPr>
-                <a:solidFill>
-                  <a:srgbClr val="A7A7A7"/>
-                </a:solidFill>
-              </a:rPr>
-              <a:t>=</a:t>
-            </a:r>
-            <a:r>
-              <a:t> </a:t>
-            </a:r>
-            <a:r>
-              <a:rPr>
-                <a:solidFill>
-                  <a:srgbClr val="A7A7A7"/>
-                </a:solidFill>
-              </a:rPr>
-              <a:t>P(heads|unfair)P(unfair) / P(heads)</a:t>
-            </a:r>
-          </a:p>
-        </p:txBody>
-      </p:sp>
-      <p:sp>
-        <p:nvSpPr>
-          <p:cNvPr id="278" name="Shape 278"/>
-          <p:cNvSpPr/>
-          <p:nvPr/>
-        </p:nvSpPr>
-        <p:spPr>
-          <a:xfrm>
-            <a:off x="5357316" y="3506125"/>
-            <a:ext cx="5490568" cy="5823216"/>
-          </a:xfrm>
-          <a:prstGeom prst="ellipse">
-            <a:avLst/>
-          </a:prstGeom>
-          <a:solidFill>
-            <a:schemeClr val="accent1">
-              <a:satOff val="-7685"/>
-              <a:lumOff val="-10588"/>
-            </a:schemeClr>
-          </a:solidFill>
-          <a:ln w="12700">
-            <a:miter lim="400000"/>
-          </a:ln>
-        </p:spPr>
-        <p:txBody>
-          <a:bodyPr lIns="50800" tIns="50800" rIns="50800" bIns="50800" anchor="ctr"/>
-          <a:lstStyle/>
-          <a:p>
-            <a:pPr>
-              <a:defRPr>
-                <a:solidFill>
-                  <a:srgbClr val="838787"/>
-                </a:solidFill>
-              </a:defRPr>
-            </a:pPr>
-          </a:p>
-        </p:txBody>
-      </p:sp>
-      <p:sp>
-        <p:nvSpPr>
-          <p:cNvPr id="279" name="Shape 279"/>
-          <p:cNvSpPr/>
-          <p:nvPr/>
-        </p:nvSpPr>
-        <p:spPr>
-          <a:xfrm>
-            <a:off x="5357442" y="4052026"/>
-            <a:ext cx="2289982" cy="4731545"/>
-          </a:xfrm>
-          <a:custGeom>
-            <a:avLst/>
-            <a:gdLst/>
-            <a:ahLst/>
-            <a:cxnLst>
-              <a:cxn ang="0">
-                <a:pos x="wd2" y="hd2"/>
-              </a:cxn>
-              <a:cxn ang="5400000">
-                <a:pos x="wd2" y="hd2"/>
-              </a:cxn>
-              <a:cxn ang="10800000">
-                <a:pos x="wd2" y="hd2"/>
-              </a:cxn>
-              <a:cxn ang="16200000">
-                <a:pos x="wd2" y="hd2"/>
-              </a:cxn>
-            </a:cxnLst>
-            <a:rect l="0" t="0" r="r" b="b"/>
-            <a:pathLst>
-              <a:path w="17503" h="21600" fill="norm" stroke="1" extrusionOk="0">
-                <a:moveTo>
-                  <a:pt x="8751" y="0"/>
-                </a:moveTo>
-                <a:cubicBezTo>
-                  <a:pt x="7839" y="416"/>
-                  <a:pt x="6966" y="881"/>
-                  <a:pt x="6145" y="1401"/>
-                </a:cubicBezTo>
-                <a:cubicBezTo>
-                  <a:pt x="-2049" y="6591"/>
-                  <a:pt x="-2049" y="15007"/>
-                  <a:pt x="6145" y="20198"/>
-                </a:cubicBezTo>
-                <a:cubicBezTo>
-                  <a:pt x="6966" y="20718"/>
-                  <a:pt x="7838" y="21184"/>
-                  <a:pt x="8751" y="21600"/>
-                </a:cubicBezTo>
-                <a:cubicBezTo>
-                  <a:pt x="9664" y="21184"/>
-                  <a:pt x="10536" y="20718"/>
-                  <a:pt x="11357" y="20198"/>
-                </a:cubicBezTo>
-                <a:cubicBezTo>
-                  <a:pt x="19551" y="15007"/>
-                  <a:pt x="19551" y="6591"/>
-                  <a:pt x="11357" y="1401"/>
-                </a:cubicBezTo>
-                <a:cubicBezTo>
-                  <a:pt x="10536" y="881"/>
-                  <a:pt x="9663" y="416"/>
-                  <a:pt x="8751" y="0"/>
-                </a:cubicBezTo>
-                <a:close/>
-              </a:path>
-            </a:pathLst>
-          </a:custGeom>
-          <a:solidFill>
-            <a:schemeClr val="accent6">
-              <a:lumOff val="-8980"/>
-            </a:schemeClr>
-          </a:solidFill>
-          <a:ln w="12700">
-            <a:miter lim="400000"/>
-          </a:ln>
-        </p:spPr>
-        <p:txBody>
-          <a:bodyPr lIns="50800" tIns="50800" rIns="50800" bIns="50800" anchor="ctr"/>
-          <a:lstStyle/>
-          <a:p>
-            <a:pPr>
-              <a:defRPr>
-                <a:solidFill>
-                  <a:srgbClr val="838787"/>
-                </a:solidFill>
-              </a:defRPr>
-            </a:pPr>
+              <a:t>Y-axis is sized relative to NEGATIVE class</a:t>
+            </a:r>
           </a:p>
         </p:txBody>
       </p:sp>
@@ -8850,13 +8286,6 @@
 <file path=ppt/slides/slide27.xml><?xml version="1.0" encoding="utf-8"?>
 <p:sld xmlns:a="http://schemas.openxmlformats.org/drawingml/2006/main" xmlns:r="http://schemas.openxmlformats.org/officeDocument/2006/relationships" xmlns:p="http://schemas.openxmlformats.org/presentationml/2006/main" showMasterSp="1" showMasterPhAnim="1">
   <p:cSld>
-    <p:bg>
-      <p:bgPr>
-        <a:solidFill>
-          <a:srgbClr val="000000"/>
-        </a:solidFill>
-      </p:bgPr>
-    </p:bg>
     <p:spTree>
       <p:nvGrpSpPr>
         <p:cNvPr id="1" name=""/>
@@ -8871,257 +8300,35 @@
           <a:chExt cx="0" cy="0"/>
         </a:xfrm>
       </p:grpSpPr>
-      <p:sp>
-        <p:nvSpPr>
-          <p:cNvPr id="281" name="Shape 281"/>
-          <p:cNvSpPr/>
+      <p:pic>
+        <p:nvPicPr>
+          <p:cNvPr id="274" name="pasted-image.png"/>
+          <p:cNvPicPr>
+            <a:picLocks noChangeAspect="1"/>
+          </p:cNvPicPr>
           <p:nvPr/>
-        </p:nvSpPr>
-        <p:spPr>
-          <a:xfrm>
-            <a:off x="2156916" y="3506125"/>
-            <a:ext cx="5490568" cy="5823216"/>
-          </a:xfrm>
-          <a:prstGeom prst="ellipse">
-            <a:avLst/>
-          </a:prstGeom>
-          <a:solidFill>
-            <a:schemeClr val="accent5"/>
-          </a:solidFill>
+        </p:nvPicPr>
+        <p:blipFill>
+          <a:blip r:embed="rId2">
+            <a:extLst/>
+          </a:blip>
+          <a:stretch>
+            <a:fillRect/>
+          </a:stretch>
+        </p:blipFill>
+        <p:spPr>
+          <a:xfrm>
+            <a:off x="357214" y="-44847"/>
+            <a:ext cx="12290372" cy="9843294"/>
+          </a:xfrm>
+          <a:prstGeom prst="rect">
+            <a:avLst/>
+          </a:prstGeom>
           <a:ln w="12700">
             <a:miter lim="400000"/>
           </a:ln>
         </p:spPr>
-        <p:txBody>
-          <a:bodyPr lIns="50800" tIns="50800" rIns="50800" bIns="50800" anchor="ctr"/>
-          <a:lstStyle/>
-          <a:p>
-            <a:pPr>
-              <a:defRPr>
-                <a:solidFill>
-                  <a:srgbClr val="838787"/>
-                </a:solidFill>
-              </a:defRPr>
-            </a:pPr>
-          </a:p>
-        </p:txBody>
-      </p:sp>
-      <p:sp>
-        <p:nvSpPr>
-          <p:cNvPr id="282" name="Shape 282"/>
-          <p:cNvSpPr/>
-          <p:nvPr/>
-        </p:nvSpPr>
-        <p:spPr>
-          <a:xfrm>
-            <a:off x="1019048" y="586514"/>
-            <a:ext cx="10393808" cy="2362204"/>
-          </a:xfrm>
-          <a:prstGeom prst="rect">
-            <a:avLst/>
-          </a:prstGeom>
-          <a:solidFill>
-            <a:srgbClr val="000000"/>
-          </a:solidFill>
-          <a:ln w="12700">
-            <a:miter lim="400000"/>
-          </a:ln>
-          <a:extLst>
-            <a:ext uri="{C572A759-6A51-4108-AA02-DFA0A04FC94B}">
-              <ma14:wrappingTextBoxFlag xmlns:ma14="http://schemas.microsoft.com/office/mac/drawingml/2011/main" val="1"/>
-            </a:ext>
-          </a:extLst>
-        </p:spPr>
-        <p:txBody>
-          <a:bodyPr wrap="none" lIns="50800" tIns="50800" rIns="50800" bIns="50800" anchor="ctr">
-            <a:spAutoFit/>
-          </a:bodyPr>
-          <a:lstStyle/>
-          <a:p>
-            <a:pPr>
-              <a:defRPr sz="7000">
-                <a:solidFill>
-                  <a:schemeClr val="accent5"/>
-                </a:solidFill>
-              </a:defRPr>
-            </a:pPr>
-            <a:r>
-              <a:rPr>
-                <a:solidFill>
-                  <a:srgbClr val="A7A7A7"/>
-                </a:solidFill>
-              </a:rPr>
-              <a:t>P(unfair|heads) </a:t>
-            </a:r>
-            <a:endParaRPr>
-              <a:solidFill>
-                <a:srgbClr val="A7A7A7"/>
-              </a:solidFill>
-            </a:endParaRPr>
-          </a:p>
-          <a:p>
-            <a:pPr>
-              <a:defRPr sz="7000">
-                <a:solidFill>
-                  <a:schemeClr val="accent5"/>
-                </a:solidFill>
-              </a:defRPr>
-            </a:pPr>
-            <a:r>
-              <a:rPr>
-                <a:solidFill>
-                  <a:srgbClr val="A7A7A7"/>
-                </a:solidFill>
-              </a:rPr>
-              <a:t>=</a:t>
-            </a:r>
-            <a:r>
-              <a:t> </a:t>
-            </a:r>
-            <a:r>
-              <a:rPr>
-                <a:solidFill>
-                  <a:srgbClr val="A7A7A7"/>
-                </a:solidFill>
-              </a:rPr>
-              <a:t>P(heads|unfair)P(unfair)</a:t>
-            </a:r>
-            <a:r>
-              <a:t> / P(heads)</a:t>
-            </a:r>
-          </a:p>
-        </p:txBody>
-      </p:sp>
-      <p:sp>
-        <p:nvSpPr>
-          <p:cNvPr id="283" name="Shape 283"/>
-          <p:cNvSpPr/>
-          <p:nvPr/>
-        </p:nvSpPr>
-        <p:spPr>
-          <a:xfrm>
-            <a:off x="5357316" y="3506125"/>
-            <a:ext cx="5490568" cy="5823216"/>
-          </a:xfrm>
-          <a:prstGeom prst="ellipse">
-            <a:avLst/>
-          </a:prstGeom>
-          <a:solidFill>
-            <a:schemeClr val="accent1">
-              <a:satOff val="-7685"/>
-              <a:lumOff val="-10588"/>
-            </a:schemeClr>
-          </a:solidFill>
-          <a:ln w="12700">
-            <a:miter lim="400000"/>
-          </a:ln>
-        </p:spPr>
-        <p:txBody>
-          <a:bodyPr lIns="50800" tIns="50800" rIns="50800" bIns="50800" anchor="ctr"/>
-          <a:lstStyle/>
-          <a:p>
-            <a:pPr>
-              <a:defRPr>
-                <a:solidFill>
-                  <a:srgbClr val="838787"/>
-                </a:solidFill>
-              </a:defRPr>
-            </a:pPr>
-          </a:p>
-        </p:txBody>
-      </p:sp>
-      <p:sp>
-        <p:nvSpPr>
-          <p:cNvPr id="284" name="Shape 284"/>
-          <p:cNvSpPr/>
-          <p:nvPr/>
-        </p:nvSpPr>
-        <p:spPr>
-          <a:xfrm>
-            <a:off x="5357442" y="4052026"/>
-            <a:ext cx="2289982" cy="4731545"/>
-          </a:xfrm>
-          <a:custGeom>
-            <a:avLst/>
-            <a:gdLst/>
-            <a:ahLst/>
-            <a:cxnLst>
-              <a:cxn ang="0">
-                <a:pos x="wd2" y="hd2"/>
-              </a:cxn>
-              <a:cxn ang="5400000">
-                <a:pos x="wd2" y="hd2"/>
-              </a:cxn>
-              <a:cxn ang="10800000">
-                <a:pos x="wd2" y="hd2"/>
-              </a:cxn>
-              <a:cxn ang="16200000">
-                <a:pos x="wd2" y="hd2"/>
-              </a:cxn>
-            </a:cxnLst>
-            <a:rect l="0" t="0" r="r" b="b"/>
-            <a:pathLst>
-              <a:path w="17503" h="21600" fill="norm" stroke="1" extrusionOk="0">
-                <a:moveTo>
-                  <a:pt x="8751" y="0"/>
-                </a:moveTo>
-                <a:cubicBezTo>
-                  <a:pt x="7839" y="416"/>
-                  <a:pt x="6966" y="881"/>
-                  <a:pt x="6145" y="1401"/>
-                </a:cubicBezTo>
-                <a:cubicBezTo>
-                  <a:pt x="-2049" y="6591"/>
-                  <a:pt x="-2049" y="15007"/>
-                  <a:pt x="6145" y="20198"/>
-                </a:cubicBezTo>
-                <a:cubicBezTo>
-                  <a:pt x="6966" y="20718"/>
-                  <a:pt x="7838" y="21184"/>
-                  <a:pt x="8751" y="21600"/>
-                </a:cubicBezTo>
-                <a:cubicBezTo>
-                  <a:pt x="9664" y="21184"/>
-                  <a:pt x="10536" y="20718"/>
-                  <a:pt x="11357" y="20198"/>
-                </a:cubicBezTo>
-                <a:cubicBezTo>
-                  <a:pt x="19551" y="15007"/>
-                  <a:pt x="19551" y="6591"/>
-                  <a:pt x="11357" y="1401"/>
-                </a:cubicBezTo>
-                <a:cubicBezTo>
-                  <a:pt x="10536" y="881"/>
-                  <a:pt x="9663" y="416"/>
-                  <a:pt x="8751" y="0"/>
-                </a:cubicBezTo>
-                <a:close/>
-              </a:path>
-            </a:pathLst>
-          </a:custGeom>
-          <a:solidFill>
-            <a:schemeClr val="accent6">
-              <a:lumOff val="-8980"/>
-            </a:schemeClr>
-          </a:solidFill>
-          <a:ln w="12700">
-            <a:miter lim="400000"/>
-          </a:ln>
-        </p:spPr>
-        <p:txBody>
-          <a:bodyPr lIns="50800" tIns="50800" rIns="50800" bIns="50800" anchor="ctr"/>
-          <a:lstStyle/>
-          <a:p>
-            <a:pPr>
-              <a:defRPr>
-                <a:solidFill>
-                  <a:srgbClr val="838787"/>
-                </a:solidFill>
-              </a:defRPr>
-            </a:pPr>
-          </a:p>
-        </p:txBody>
-      </p:sp>
+      </p:pic>
     </p:spTree>
   </p:cSld>
   <p:clrMapOvr>
@@ -9134,13 +8341,6 @@
 <file path=ppt/slides/slide28.xml><?xml version="1.0" encoding="utf-8"?>
 <p:sld xmlns:a="http://schemas.openxmlformats.org/drawingml/2006/main" xmlns:r="http://schemas.openxmlformats.org/officeDocument/2006/relationships" xmlns:p="http://schemas.openxmlformats.org/presentationml/2006/main" showMasterSp="1" showMasterPhAnim="1">
   <p:cSld>
-    <p:bg>
-      <p:bgPr>
-        <a:solidFill>
-          <a:srgbClr val="000000"/>
-        </a:solidFill>
-      </p:bgPr>
-    </p:bg>
     <p:spTree>
       <p:nvGrpSpPr>
         <p:cNvPr id="1" name=""/>
@@ -9157,252 +8357,106 @@
       </p:grpSpPr>
       <p:sp>
         <p:nvSpPr>
-          <p:cNvPr id="286" name="Shape 286"/>
-          <p:cNvSpPr/>
-          <p:nvPr/>
-        </p:nvSpPr>
-        <p:spPr>
-          <a:xfrm>
-            <a:off x="2156916" y="3506125"/>
-            <a:ext cx="5490568" cy="5823216"/>
-          </a:xfrm>
-          <a:prstGeom prst="ellipse">
-            <a:avLst/>
-          </a:prstGeom>
-          <a:solidFill>
-            <a:schemeClr val="accent5"/>
-          </a:solidFill>
-          <a:ln w="12700">
-            <a:miter lim="400000"/>
-          </a:ln>
-        </p:spPr>
-        <p:txBody>
-          <a:bodyPr lIns="50800" tIns="50800" rIns="50800" bIns="50800" anchor="ctr"/>
+          <p:cNvPr id="276" name="Shape 276"/>
+          <p:cNvSpPr/>
+          <p:nvPr>
+            <p:ph type="title"/>
+          </p:nvPr>
+        </p:nvSpPr>
+        <p:spPr>
+          <a:xfrm>
+            <a:off x="406400" y="1536700"/>
+            <a:ext cx="12192000" cy="1169260"/>
+          </a:xfrm>
+          <a:prstGeom prst="rect">
+            <a:avLst/>
+          </a:prstGeom>
+        </p:spPr>
+        <p:txBody>
+          <a:bodyPr/>
+          <a:lstStyle>
+            <a:lvl1pPr defTabSz="403097">
+              <a:spcBef>
+                <a:spcPts val="1900"/>
+              </a:spcBef>
+              <a:defRPr sz="8280"/>
+            </a:lvl1pPr>
+          </a:lstStyle>
+          <a:p>
+            <a:pPr/>
+            <a:r>
+              <a:t>Precision-Recall Curve</a:t>
+            </a:r>
+          </a:p>
+        </p:txBody>
+      </p:sp>
+      <p:sp>
+        <p:nvSpPr>
+          <p:cNvPr id="277" name="Shape 277"/>
+          <p:cNvSpPr/>
+          <p:nvPr>
+            <p:ph type="body" idx="1"/>
+          </p:nvPr>
+        </p:nvSpPr>
+        <p:spPr>
+          <a:xfrm>
+            <a:off x="406400" y="2570901"/>
+            <a:ext cx="12192000" cy="6465998"/>
+          </a:xfrm>
+          <a:prstGeom prst="rect">
+            <a:avLst/>
+          </a:prstGeom>
+        </p:spPr>
+        <p:txBody>
+          <a:bodyPr/>
           <a:lstStyle/>
           <a:p>
-            <a:pPr>
-              <a:defRPr>
-                <a:solidFill>
-                  <a:srgbClr val="838787"/>
-                </a:solidFill>
-              </a:defRPr>
+            <a:pPr marL="607134" indent="-607134" defTabSz="502412">
+              <a:spcBef>
+                <a:spcPts val="2400"/>
+              </a:spcBef>
+              <a:buClrTx/>
+              <a:buSzPct val="40000"/>
+              <a:buFontTx/>
+              <a:buBlip>
+                <a:blip r:embed="rId2"/>
+              </a:buBlip>
+              <a:defRPr sz="5504"/>
             </a:pPr>
           </a:p>
-        </p:txBody>
-      </p:sp>
-      <p:sp>
-        <p:nvSpPr>
-          <p:cNvPr id="287" name="Shape 287"/>
-          <p:cNvSpPr/>
-          <p:nvPr/>
-        </p:nvSpPr>
-        <p:spPr>
-          <a:xfrm>
-            <a:off x="1019048" y="586514"/>
-            <a:ext cx="10393808" cy="2362204"/>
-          </a:xfrm>
-          <a:prstGeom prst="rect">
-            <a:avLst/>
-          </a:prstGeom>
-          <a:solidFill>
-            <a:srgbClr val="000000"/>
-          </a:solidFill>
-          <a:ln w="12700">
-            <a:miter lim="400000"/>
-          </a:ln>
-          <a:extLst>
-            <a:ext uri="{C572A759-6A51-4108-AA02-DFA0A04FC94B}">
-              <ma14:wrappingTextBoxFlag xmlns:ma14="http://schemas.microsoft.com/office/mac/drawingml/2011/main" val="1"/>
-            </a:ext>
-          </a:extLst>
-        </p:spPr>
-        <p:txBody>
-          <a:bodyPr wrap="none" lIns="50800" tIns="50800" rIns="50800" bIns="50800" anchor="ctr">
-            <a:spAutoFit/>
-          </a:bodyPr>
-          <a:lstStyle/>
-          <a:p>
-            <a:pPr>
-              <a:defRPr sz="7000">
-                <a:solidFill>
-                  <a:schemeClr val="accent5"/>
-                </a:solidFill>
-              </a:defRPr>
+          <a:p>
+            <a:pPr marL="607134" indent="-607134" defTabSz="502412">
+              <a:spcBef>
+                <a:spcPts val="2400"/>
+              </a:spcBef>
+              <a:buClrTx/>
+              <a:buSzPct val="40000"/>
+              <a:buFontTx/>
+              <a:buBlip>
+                <a:blip r:embed="rId2"/>
+              </a:buBlip>
+              <a:defRPr sz="5504"/>
             </a:pPr>
             <a:r>
-              <a:rPr>
-                <a:solidFill>
-                  <a:srgbClr val="A7A7A7"/>
-                </a:solidFill>
-              </a:rPr>
-              <a:t>P(unfair|heads) </a:t>
-            </a:r>
-            <a:endParaRPr>
-              <a:solidFill>
-                <a:srgbClr val="A7A7A7"/>
-              </a:solidFill>
-            </a:endParaRPr>
-          </a:p>
-          <a:p>
-            <a:pPr>
-              <a:defRPr sz="7000">
-                <a:solidFill>
-                  <a:schemeClr val="accent5"/>
-                </a:solidFill>
-              </a:defRPr>
+              <a:t>Both axes are sized relative to POSITIVE class</a:t>
+            </a:r>
+          </a:p>
+          <a:p>
+            <a:pPr marL="607134" indent="-607134" defTabSz="502412">
+              <a:spcBef>
+                <a:spcPts val="2400"/>
+              </a:spcBef>
+              <a:buClrTx/>
+              <a:buSzPct val="40000"/>
+              <a:buFontTx/>
+              <a:buBlip>
+                <a:blip r:embed="rId2"/>
+              </a:buBlip>
+              <a:defRPr sz="5504"/>
             </a:pPr>
             <a:r>
-              <a:rPr>
-                <a:solidFill>
-                  <a:srgbClr val="A7A7A7"/>
-                </a:solidFill>
-              </a:rPr>
-              <a:t>=</a:t>
-            </a:r>
-            <a:r>
-              <a:t> </a:t>
-            </a:r>
-            <a:r>
-              <a:rPr>
-                <a:solidFill>
-                  <a:srgbClr val="A7A7A7"/>
-                </a:solidFill>
-              </a:rPr>
-              <a:t>P(heads|unfair)</a:t>
-            </a:r>
-            <a:r>
-              <a:t>P(unfair) / P(heads)</a:t>
-            </a:r>
-          </a:p>
-        </p:txBody>
-      </p:sp>
-      <p:sp>
-        <p:nvSpPr>
-          <p:cNvPr id="288" name="Shape 288"/>
-          <p:cNvSpPr/>
-          <p:nvPr/>
-        </p:nvSpPr>
-        <p:spPr>
-          <a:xfrm>
-            <a:off x="5357316" y="3506125"/>
-            <a:ext cx="5490568" cy="5823216"/>
-          </a:xfrm>
-          <a:prstGeom prst="ellipse">
-            <a:avLst/>
-          </a:prstGeom>
-          <a:solidFill>
-            <a:schemeClr val="accent1">
-              <a:satOff val="-7685"/>
-              <a:lumOff val="-10588"/>
-            </a:schemeClr>
-          </a:solidFill>
-          <a:ln w="12700">
-            <a:miter lim="400000"/>
-          </a:ln>
-        </p:spPr>
-        <p:txBody>
-          <a:bodyPr lIns="50800" tIns="50800" rIns="50800" bIns="50800" anchor="ctr"/>
-          <a:lstStyle/>
-          <a:p>
-            <a:pPr>
-              <a:defRPr>
-                <a:solidFill>
-                  <a:srgbClr val="838787"/>
-                </a:solidFill>
-              </a:defRPr>
-            </a:pPr>
-          </a:p>
-        </p:txBody>
-      </p:sp>
-      <p:sp>
-        <p:nvSpPr>
-          <p:cNvPr id="289" name="Shape 289"/>
-          <p:cNvSpPr/>
-          <p:nvPr/>
-        </p:nvSpPr>
-        <p:spPr>
-          <a:xfrm>
-            <a:off x="5357442" y="4052026"/>
-            <a:ext cx="2289982" cy="4731545"/>
-          </a:xfrm>
-          <a:custGeom>
-            <a:avLst/>
-            <a:gdLst/>
-            <a:ahLst/>
-            <a:cxnLst>
-              <a:cxn ang="0">
-                <a:pos x="wd2" y="hd2"/>
-              </a:cxn>
-              <a:cxn ang="5400000">
-                <a:pos x="wd2" y="hd2"/>
-              </a:cxn>
-              <a:cxn ang="10800000">
-                <a:pos x="wd2" y="hd2"/>
-              </a:cxn>
-              <a:cxn ang="16200000">
-                <a:pos x="wd2" y="hd2"/>
-              </a:cxn>
-            </a:cxnLst>
-            <a:rect l="0" t="0" r="r" b="b"/>
-            <a:pathLst>
-              <a:path w="17503" h="21600" fill="norm" stroke="1" extrusionOk="0">
-                <a:moveTo>
-                  <a:pt x="8751" y="0"/>
-                </a:moveTo>
-                <a:cubicBezTo>
-                  <a:pt x="7839" y="416"/>
-                  <a:pt x="6966" y="881"/>
-                  <a:pt x="6145" y="1401"/>
-                </a:cubicBezTo>
-                <a:cubicBezTo>
-                  <a:pt x="-2049" y="6591"/>
-                  <a:pt x="-2049" y="15007"/>
-                  <a:pt x="6145" y="20198"/>
-                </a:cubicBezTo>
-                <a:cubicBezTo>
-                  <a:pt x="6966" y="20718"/>
-                  <a:pt x="7838" y="21184"/>
-                  <a:pt x="8751" y="21600"/>
-                </a:cubicBezTo>
-                <a:cubicBezTo>
-                  <a:pt x="9664" y="21184"/>
-                  <a:pt x="10536" y="20718"/>
-                  <a:pt x="11357" y="20198"/>
-                </a:cubicBezTo>
-                <a:cubicBezTo>
-                  <a:pt x="19551" y="15007"/>
-                  <a:pt x="19551" y="6591"/>
-                  <a:pt x="11357" y="1401"/>
-                </a:cubicBezTo>
-                <a:cubicBezTo>
-                  <a:pt x="10536" y="881"/>
-                  <a:pt x="9663" y="416"/>
-                  <a:pt x="8751" y="0"/>
-                </a:cubicBezTo>
-                <a:close/>
-              </a:path>
-            </a:pathLst>
-          </a:custGeom>
-          <a:solidFill>
-            <a:schemeClr val="accent6">
-              <a:lumOff val="-8980"/>
-            </a:schemeClr>
-          </a:solidFill>
-          <a:ln w="12700">
-            <a:miter lim="400000"/>
-          </a:ln>
-        </p:spPr>
-        <p:txBody>
-          <a:bodyPr lIns="50800" tIns="50800" rIns="50800" bIns="50800" anchor="ctr"/>
-          <a:lstStyle/>
-          <a:p>
-            <a:pPr>
-              <a:defRPr>
-                <a:solidFill>
-                  <a:srgbClr val="838787"/>
-                </a:solidFill>
-              </a:defRPr>
-            </a:pPr>
+              <a:t>Shows how % correct of POSITIVE guesses goes down as threshold lowers</a:t>
+            </a:r>
           </a:p>
         </p:txBody>
       </p:sp>
@@ -9434,112 +8488,77 @@
       </p:grpSpPr>
       <p:sp>
         <p:nvSpPr>
-          <p:cNvPr id="291" name="Shape 291"/>
+          <p:cNvPr id="279" name="Shape 279"/>
           <p:cNvSpPr/>
           <p:nvPr>
-            <p:ph type="title"/>
+            <p:ph type="ctrTitle"/>
           </p:nvPr>
         </p:nvSpPr>
         <p:spPr>
-          <a:xfrm>
-            <a:off x="437364" y="1151465"/>
-            <a:ext cx="8498732" cy="1960665"/>
-          </a:xfrm>
           <a:prstGeom prst="rect">
             <a:avLst/>
           </a:prstGeom>
         </p:spPr>
         <p:txBody>
           <a:bodyPr/>
-          <a:lstStyle>
-            <a:lvl1pPr defTabSz="484886">
-              <a:defRPr sz="9960"/>
-            </a:lvl1pPr>
-          </a:lstStyle>
+          <a:lstStyle/>
+          <a:p>
+            <a:pPr defTabSz="455675">
+              <a:defRPr sz="13259"/>
+            </a:pPr>
+          </a:p>
+        </p:txBody>
+      </p:sp>
+      <p:sp>
+        <p:nvSpPr>
+          <p:cNvPr id="280" name="Shape 280"/>
+          <p:cNvSpPr/>
+          <p:nvPr>
+            <p:ph type="subTitle" sz="quarter" idx="1"/>
+          </p:nvPr>
+        </p:nvSpPr>
+        <p:spPr>
+          <a:prstGeom prst="rect">
+            <a:avLst/>
+          </a:prstGeom>
+        </p:spPr>
+        <p:txBody>
+          <a:bodyPr/>
+          <a:lstStyle/>
           <a:p>
             <a:pPr/>
-            <a:r>
-              <a:t>“Naive” Assumption</a:t>
-            </a:r>
-          </a:p>
-        </p:txBody>
-      </p:sp>
-      <p:sp>
-        <p:nvSpPr>
-          <p:cNvPr id="292" name="Shape 292"/>
-          <p:cNvSpPr/>
-          <p:nvPr>
-            <p:ph type="body" idx="4294967295"/>
-          </p:nvPr>
-        </p:nvSpPr>
-        <p:spPr>
-          <a:xfrm>
-            <a:off x="406400" y="3839863"/>
-            <a:ext cx="12192000" cy="6311307"/>
-          </a:xfrm>
-          <a:prstGeom prst="rect">
-            <a:avLst/>
-          </a:prstGeom>
-        </p:spPr>
-        <p:txBody>
-          <a:bodyPr lIns="50800" tIns="50800" rIns="50800" bIns="50800"/>
-          <a:lstStyle/>
-          <a:p>
-            <a:pPr marL="677731" indent="-677731" defTabSz="560830">
-              <a:spcBef>
-                <a:spcPts val="2600"/>
-              </a:spcBef>
-              <a:buClr>
-                <a:srgbClr val="39A3D5"/>
-              </a:buClr>
-              <a:buSzPct val="40000"/>
-              <a:buFont typeface="Avenir Next"/>
-              <a:buBlip>
-                <a:blip r:embed="rId2"/>
-              </a:buBlip>
-              <a:defRPr sz="5800">
-                <a:solidFill>
-                  <a:srgbClr val="838787"/>
-                </a:solidFill>
-                <a:latin typeface="Avenir Next Medium"/>
-                <a:ea typeface="Avenir Next Medium"/>
-                <a:cs typeface="Avenir Next Medium"/>
-                <a:sym typeface="Avenir Next Medium"/>
-              </a:defRPr>
-            </a:pPr>
-            <a:r>
-              <a:t>Assume features are independent</a:t>
-            </a:r>
-          </a:p>
-          <a:p>
-            <a:pPr marL="677731" indent="-677731" defTabSz="560830">
-              <a:spcBef>
-                <a:spcPts val="2600"/>
-              </a:spcBef>
-              <a:buClr>
-                <a:srgbClr val="39A3D5"/>
-              </a:buClr>
-              <a:buSzPct val="40000"/>
-              <a:buFont typeface="Avenir Next"/>
-              <a:buBlip>
-                <a:blip r:embed="rId2"/>
-              </a:buBlip>
-              <a:defRPr sz="5800">
-                <a:solidFill>
-                  <a:srgbClr val="838787"/>
-                </a:solidFill>
-                <a:latin typeface="Avenir Next Medium"/>
-                <a:ea typeface="Avenir Next Medium"/>
-                <a:cs typeface="Avenir Next Medium"/>
-                <a:sym typeface="Avenir Next Medium"/>
-              </a:defRPr>
-            </a:pPr>
-            <a:r>
-              <a:t>Can multiply probabilities of all features together</a:t>
-            </a:r>
-          </a:p>
-        </p:txBody>
-      </p:sp>
+          </a:p>
+        </p:txBody>
+      </p:sp>
+      <p:pic>
+        <p:nvPicPr>
+          <p:cNvPr id="281" name="pasted-image.png"/>
+          <p:cNvPicPr>
+            <a:picLocks noChangeAspect="1"/>
+          </p:cNvPicPr>
+          <p:nvPr/>
+        </p:nvPicPr>
+        <p:blipFill>
+          <a:blip r:embed="rId2">
+            <a:extLst/>
+          </a:blip>
+          <a:stretch>
+            <a:fillRect/>
+          </a:stretch>
+        </p:blipFill>
+        <p:spPr>
+          <a:xfrm>
+            <a:off x="0" y="0"/>
+            <a:ext cx="13004800" cy="9753600"/>
+          </a:xfrm>
+          <a:prstGeom prst="rect">
+            <a:avLst/>
+          </a:prstGeom>
+          <a:ln w="12700">
+            <a:miter lim="400000"/>
+          </a:ln>
+        </p:spPr>
+      </p:pic>
     </p:spTree>
   </p:cSld>
   <p:clrMapOvr>
@@ -9566,34 +8585,9 @@
           <a:chExt cx="0" cy="0"/>
         </a:xfrm>
       </p:grpSpPr>
-      <p:pic>
-        <p:nvPicPr>
-          <p:cNvPr id="185" name="pasted-image.gif"/>
-          <p:cNvPicPr>
-            <a:picLocks noChangeAspect="1"/>
-          </p:cNvPicPr>
-          <p:nvPr>
-            <p:ph type="pic" idx="13"/>
-          </p:nvPr>
-        </p:nvPicPr>
-        <p:blipFill>
-          <a:blip r:embed="rId2">
-            <a:extLst/>
-          </a:blip>
-          <a:srcRect l="19839" t="0" r="19839" b="0"/>
-          <a:stretch>
-            <a:fillRect/>
-          </a:stretch>
-        </p:blipFill>
-        <p:spPr>
-          <a:prstGeom prst="rect">
-            <a:avLst/>
-          </a:prstGeom>
-        </p:spPr>
-      </p:pic>
-      <p:sp>
-        <p:nvSpPr>
-          <p:cNvPr id="186" name="Shape 186"/>
+      <p:sp>
+        <p:nvSpPr>
+          <p:cNvPr id="196" name="Shape 196"/>
           <p:cNvSpPr/>
           <p:nvPr>
             <p:ph type="title"/>
@@ -9601,8 +8595,8 @@
         </p:nvSpPr>
         <p:spPr>
           <a:xfrm>
-            <a:off x="5892800" y="973666"/>
-            <a:ext cx="6705600" cy="2705101"/>
+            <a:off x="406400" y="1536700"/>
+            <a:ext cx="12192000" cy="1169261"/>
           </a:xfrm>
           <a:prstGeom prst="rect">
             <a:avLst/>
@@ -9611,50 +8605,24 @@
         <p:txBody>
           <a:bodyPr/>
           <a:lstStyle>
-            <a:lvl1pPr defTabSz="379729">
-              <a:defRPr sz="11049"/>
+            <a:lvl1pPr defTabSz="403097">
+              <a:spcBef>
+                <a:spcPts val="1900"/>
+              </a:spcBef>
+              <a:defRPr sz="8200"/>
             </a:lvl1pPr>
           </a:lstStyle>
           <a:p>
             <a:pPr/>
             <a:r>
-              <a:t>Thomas Bayes</a:t>
-            </a:r>
-          </a:p>
-        </p:txBody>
-      </p:sp>
-      <p:sp>
-        <p:nvSpPr>
-          <p:cNvPr id="187" name="Shape 187"/>
-          <p:cNvSpPr/>
-          <p:nvPr/>
-        </p:nvSpPr>
-        <p:spPr>
-          <a:xfrm>
-            <a:off x="5867400" y="5266266"/>
-            <a:ext cx="6969258" cy="1270001"/>
-          </a:xfrm>
-          <a:prstGeom prst="rect">
-            <a:avLst/>
-          </a:prstGeom>
-          <a:solidFill>
-            <a:srgbClr val="222222"/>
-          </a:solidFill>
-          <a:ln w="12700">
-            <a:miter lim="400000"/>
-          </a:ln>
-        </p:spPr>
-        <p:txBody>
-          <a:bodyPr lIns="50800" tIns="50800" rIns="50800" bIns="50800" anchor="ctr"/>
-          <a:lstStyle/>
-          <a:p>
-            <a:pPr/>
-          </a:p>
-        </p:txBody>
-      </p:sp>
-      <p:sp>
-        <p:nvSpPr>
-          <p:cNvPr id="188" name="Shape 188"/>
+              <a:t>Logistic Regression</a:t>
+            </a:r>
+          </a:p>
+        </p:txBody>
+      </p:sp>
+      <p:sp>
+        <p:nvSpPr>
+          <p:cNvPr id="197" name="Shape 197"/>
           <p:cNvSpPr/>
           <p:nvPr>
             <p:ph type="body" sz="half" idx="1"/>
@@ -9662,8 +8630,8 @@
         </p:nvSpPr>
         <p:spPr>
           <a:xfrm>
-            <a:off x="5892799" y="2846916"/>
-            <a:ext cx="6705602" cy="6108702"/>
+            <a:off x="406400" y="4186733"/>
+            <a:ext cx="12192000" cy="4152372"/>
           </a:xfrm>
           <a:prstGeom prst="rect">
             <a:avLst/>
@@ -9673,23 +8641,18 @@
           <a:bodyPr anchor="t"/>
           <a:lstStyle/>
           <a:p>
-            <a:pPr marL="435609" indent="-435609" defTabSz="572516">
+            <a:pPr marL="550656" indent="-550656" defTabSz="455674">
               <a:lnSpc>
                 <a:spcPct val="100000"/>
               </a:lnSpc>
               <a:spcBef>
-                <a:spcPts val="2700"/>
-              </a:spcBef>
-              <a:buClr>
-                <a:schemeClr val="accent1"/>
-              </a:buClr>
-              <a:buSzPct val="104999"/>
-              <a:buFont typeface="Avenir Next"/>
-              <a:buChar char="▸"/>
-              <a:defRPr cap="none" sz="4704">
-                <a:solidFill>
-                  <a:srgbClr val="838787"/>
-                </a:solidFill>
+                <a:spcPts val="2100"/>
+              </a:spcBef>
+              <a:buSzPct val="40000"/>
+              <a:buBlip>
+                <a:blip r:embed="rId2"/>
+              </a:buBlip>
+              <a:defRPr cap="none" spc="0" sz="4900">
                 <a:latin typeface="Avenir Next Medium"/>
                 <a:ea typeface="Avenir Next Medium"/>
                 <a:cs typeface="Avenir Next Medium"/>
@@ -9697,27 +8660,33 @@
               </a:defRPr>
             </a:pPr>
             <a:r>
-              <a:t>Presbyterian Minister in 1700s England</a:t>
-            </a:r>
-          </a:p>
-          <a:p>
-            <a:pPr marL="435609" indent="-435609" defTabSz="572516">
+              <a:rPr>
+                <a:solidFill>
+                  <a:schemeClr val="accent3"/>
+                </a:solidFill>
+              </a:rPr>
+              <a:t>Modify output</a:t>
+            </a:r>
+            <a:r>
+              <a:t> of l</a:t>
+            </a:r>
+            <a:r>
+              <a:t>inear model to be a probability</a:t>
+            </a:r>
+          </a:p>
+          <a:p>
+            <a:pPr marL="550656" indent="-550656" defTabSz="455674">
               <a:lnSpc>
                 <a:spcPct val="100000"/>
               </a:lnSpc>
               <a:spcBef>
-                <a:spcPts val="2700"/>
-              </a:spcBef>
-              <a:buClr>
-                <a:schemeClr val="accent1"/>
-              </a:buClr>
-              <a:buSzPct val="104999"/>
-              <a:buFont typeface="Avenir Next"/>
-              <a:buChar char="▸"/>
-              <a:defRPr cap="none" sz="4704">
-                <a:solidFill>
-                  <a:srgbClr val="838787"/>
-                </a:solidFill>
+                <a:spcPts val="2100"/>
+              </a:spcBef>
+              <a:buSzPct val="40000"/>
+              <a:buBlip>
+                <a:blip r:embed="rId2"/>
+              </a:buBlip>
+              <a:defRPr cap="none" spc="0" sz="4900">
                 <a:latin typeface="Avenir Next Medium"/>
                 <a:ea typeface="Avenir Next Medium"/>
                 <a:cs typeface="Avenir Next Medium"/>
@@ -9725,38 +8694,7 @@
               </a:defRPr>
             </a:pPr>
             <a:r>
-              <a:t>Bayes’ </a:t>
-            </a:r>
-            <a:r>
-              <a:t>Theorem found in his notes after death</a:t>
-            </a:r>
-          </a:p>
-          <a:p>
-            <a:pPr marL="435609" indent="-435609" defTabSz="572516">
-              <a:lnSpc>
-                <a:spcPct val="100000"/>
-              </a:lnSpc>
-              <a:spcBef>
-                <a:spcPts val="2700"/>
-              </a:spcBef>
-              <a:buClr>
-                <a:schemeClr val="accent1"/>
-              </a:buClr>
-              <a:buSzPct val="104999"/>
-              <a:buFont typeface="Avenir Next"/>
-              <a:buChar char="▸"/>
-              <a:defRPr cap="none" sz="4704">
-                <a:solidFill>
-                  <a:srgbClr val="838787"/>
-                </a:solidFill>
-                <a:latin typeface="Avenir Next Medium"/>
-                <a:ea typeface="Avenir Next Medium"/>
-                <a:cs typeface="Avenir Next Medium"/>
-                <a:sym typeface="Avenir Next Medium"/>
-              </a:defRPr>
-            </a:pPr>
-            <a:r>
-              <a:t>Not much else known!</a:t>
+              <a:t>Used for classification, despite name</a:t>
             </a:r>
           </a:p>
         </p:txBody>
@@ -9789,14 +8727,87 @@
       </p:grpSpPr>
       <p:sp>
         <p:nvSpPr>
-          <p:cNvPr id="294" name="Shape 294"/>
-          <p:cNvSpPr/>
+          <p:cNvPr id="283" name="Shape 283"/>
+          <p:cNvSpPr/>
+          <p:nvPr>
+            <p:ph type="ctrTitle"/>
+          </p:nvPr>
+        </p:nvSpPr>
+        <p:spPr>
+          <a:prstGeom prst="rect">
+            <a:avLst/>
+          </a:prstGeom>
+        </p:spPr>
+        <p:txBody>
+          <a:bodyPr/>
+          <a:lstStyle/>
+          <a:p>
+            <a:pPr defTabSz="455675">
+              <a:defRPr sz="13259"/>
+            </a:pPr>
+          </a:p>
+        </p:txBody>
+      </p:sp>
+      <p:sp>
+        <p:nvSpPr>
+          <p:cNvPr id="284" name="Shape 284"/>
+          <p:cNvSpPr/>
+          <p:nvPr>
+            <p:ph type="subTitle" sz="quarter" idx="1"/>
+          </p:nvPr>
+        </p:nvSpPr>
+        <p:spPr>
+          <a:prstGeom prst="rect">
+            <a:avLst/>
+          </a:prstGeom>
+        </p:spPr>
+        <p:txBody>
+          <a:bodyPr/>
+          <a:lstStyle/>
+          <a:p>
+            <a:pPr/>
+          </a:p>
+        </p:txBody>
+      </p:sp>
+      <p:pic>
+        <p:nvPicPr>
+          <p:cNvPr id="285" name="pasted-image.png"/>
+          <p:cNvPicPr>
+            <a:picLocks noChangeAspect="1"/>
+          </p:cNvPicPr>
           <p:nvPr/>
-        </p:nvSpPr>
-        <p:spPr>
-          <a:xfrm>
-            <a:off x="904917" y="4381498"/>
-            <a:ext cx="8888731" cy="990604"/>
+        </p:nvPicPr>
+        <p:blipFill>
+          <a:blip r:embed="rId2">
+            <a:extLst/>
+          </a:blip>
+          <a:stretch>
+            <a:fillRect/>
+          </a:stretch>
+        </p:blipFill>
+        <p:spPr>
+          <a:xfrm>
+            <a:off x="0" y="0"/>
+            <a:ext cx="13004800" cy="9753600"/>
+          </a:xfrm>
+          <a:prstGeom prst="rect">
+            <a:avLst/>
+          </a:prstGeom>
+          <a:ln w="12700">
+            <a:miter lim="400000"/>
+          </a:ln>
+        </p:spPr>
+      </p:pic>
+      <p:sp>
+        <p:nvSpPr>
+          <p:cNvPr id="286" name="Shape 286"/>
+          <p:cNvSpPr/>
+          <p:nvPr/>
+        </p:nvSpPr>
+        <p:spPr>
+          <a:xfrm>
+            <a:off x="7184898" y="9101665"/>
+            <a:ext cx="3244597" cy="609603"/>
           </a:xfrm>
           <a:prstGeom prst="rect">
             <a:avLst/>
@@ -9814,54 +8825,63 @@
           <a:bodyPr wrap="none" lIns="50800" tIns="50800" rIns="50800" bIns="50800" anchor="ctr">
             <a:spAutoFit/>
           </a:bodyPr>
-          <a:lstStyle/>
-          <a:p>
-            <a:pPr>
-              <a:defRPr sz="7000">
+          <a:lstStyle>
+            <a:lvl1pPr>
+              <a:defRPr sz="4000">
                 <a:solidFill>
                   <a:schemeClr val="accent5"/>
                 </a:solidFill>
               </a:defRPr>
-            </a:pPr>
-            <a:r>
-              <a:rPr>
+            </a:lvl1pPr>
+          </a:lstStyle>
+          <a:p>
+            <a:pPr/>
+            <a:r>
+              <a:t>TRUE POSITIVE RATE</a:t>
+            </a:r>
+          </a:p>
+        </p:txBody>
+      </p:sp>
+      <p:sp>
+        <p:nvSpPr>
+          <p:cNvPr id="287" name="Shape 287"/>
+          <p:cNvSpPr/>
+          <p:nvPr/>
+        </p:nvSpPr>
+        <p:spPr>
+          <a:xfrm>
+            <a:off x="267631" y="3471332"/>
+            <a:ext cx="6298185" cy="609603"/>
+          </a:xfrm>
+          <a:prstGeom prst="rect">
+            <a:avLst/>
+          </a:prstGeom>
+          <a:ln w="12700">
+            <a:miter lim="400000"/>
+          </a:ln>
+          <a:extLst>
+            <a:ext uri="{C572A759-6A51-4108-AA02-DFA0A04FC94B}">
+              <ma14:wrappingTextBoxFlag xmlns:ma14="http://schemas.microsoft.com/office/mac/drawingml/2011/main" val="1"/>
+            </a:ext>
+          </a:extLst>
+        </p:spPr>
+        <p:txBody>
+          <a:bodyPr wrap="none" lIns="50800" tIns="50800" rIns="50800" bIns="50800" anchor="ctr">
+            <a:spAutoFit/>
+          </a:bodyPr>
+          <a:lstStyle>
+            <a:lvl1pPr>
+              <a:defRPr sz="4000">
                 <a:solidFill>
-                  <a:srgbClr val="A7A7A7"/>
+                  <a:schemeClr val="accent5"/>
                 </a:solidFill>
-              </a:rPr>
-              <a:t>P(</a:t>
-            </a:r>
-            <a:r>
-              <a:rPr>
-                <a:solidFill>
-                  <a:schemeClr val="accent3"/>
-                </a:solidFill>
-              </a:rPr>
-              <a:t>fair</a:t>
-            </a:r>
-            <a:r>
-              <a:rPr>
-                <a:solidFill>
-                  <a:srgbClr val="A7A7A7"/>
-                </a:solidFill>
-              </a:rPr>
-              <a:t>|heads) • P(</a:t>
-            </a:r>
-            <a:r>
-              <a:rPr>
-                <a:solidFill>
-                  <a:schemeClr val="accent3"/>
-                </a:solidFill>
-              </a:rPr>
-              <a:t>fair</a:t>
-            </a:r>
-            <a:r>
-              <a:rPr>
-                <a:solidFill>
-                  <a:srgbClr val="A7A7A7"/>
-                </a:solidFill>
-              </a:rPr>
-              <a:t>|heads)…</a:t>
+              </a:defRPr>
+            </a:lvl1pPr>
+          </a:lstStyle>
+          <a:p>
+            <a:pPr/>
+            <a:r>
+              <a:t>SUCCESS RATE WITH POSITIVE GUESSES</a:t>
             </a:r>
           </a:p>
         </p:txBody>
@@ -9894,55 +8914,28 @@
       </p:grpSpPr>
       <p:sp>
         <p:nvSpPr>
-          <p:cNvPr id="296" name="Shape 296"/>
-          <p:cNvSpPr/>
-          <p:nvPr/>
-        </p:nvSpPr>
-        <p:spPr>
-          <a:xfrm>
-            <a:off x="1531450" y="4381498"/>
-            <a:ext cx="8558023" cy="990604"/>
-          </a:xfrm>
-          <a:prstGeom prst="rect">
-            <a:avLst/>
-          </a:prstGeom>
-          <a:ln w="12700">
-            <a:miter lim="400000"/>
-          </a:ln>
-          <a:extLst>
-            <a:ext uri="{C572A759-6A51-4108-AA02-DFA0A04FC94B}">
-              <ma14:wrappingTextBoxFlag xmlns:ma14="http://schemas.microsoft.com/office/mac/drawingml/2011/main" val="1"/>
-            </a:ext>
-          </a:extLst>
-        </p:spPr>
-        <p:txBody>
-          <a:bodyPr wrap="none" lIns="50800" tIns="50800" rIns="50800" bIns="50800" anchor="ctr">
-            <a:spAutoFit/>
-          </a:bodyPr>
-          <a:lstStyle>
-            <a:lvl1pPr>
-              <a:defRPr sz="7000">
-                <a:solidFill>
-                  <a:srgbClr val="A7A7A7"/>
-                </a:solidFill>
-              </a:defRPr>
-            </a:lvl1pPr>
-          </a:lstStyle>
-          <a:p>
-            <a:pPr>
-              <a:defRPr>
-                <a:solidFill>
-                  <a:schemeClr val="accent5"/>
-                </a:solidFill>
-              </a:defRPr>
-            </a:pPr>
-            <a:r>
-              <a:rPr>
-                <a:solidFill>
-                  <a:srgbClr val="A7A7A7"/>
-                </a:solidFill>
-              </a:rPr>
-              <a:t>1/2 • 1/2 • 1/2 • 1/2 = 0.0625</a:t>
+          <p:cNvPr id="289" name="Shape 289"/>
+          <p:cNvSpPr/>
+          <p:nvPr>
+            <p:ph type="title"/>
+          </p:nvPr>
+        </p:nvSpPr>
+        <p:spPr>
+          <a:xfrm>
+            <a:off x="2802101" y="4038600"/>
+            <a:ext cx="7400598" cy="4521200"/>
+          </a:xfrm>
+          <a:prstGeom prst="rect">
+            <a:avLst/>
+          </a:prstGeom>
+        </p:spPr>
+        <p:txBody>
+          <a:bodyPr/>
+          <a:lstStyle/>
+          <a:p>
+            <a:pPr/>
+            <a:r>
+              <a:t>Exercises</a:t>
             </a:r>
           </a:p>
         </p:txBody>
@@ -9975,69 +8968,30 @@
       </p:grpSpPr>
       <p:sp>
         <p:nvSpPr>
-          <p:cNvPr id="298" name="Shape 298"/>
-          <p:cNvSpPr/>
-          <p:nvPr/>
-        </p:nvSpPr>
-        <p:spPr>
-          <a:xfrm>
-            <a:off x="904917" y="4381498"/>
-            <a:ext cx="10272015" cy="990604"/>
-          </a:xfrm>
-          <a:prstGeom prst="rect">
-            <a:avLst/>
-          </a:prstGeom>
-          <a:ln w="12700">
-            <a:miter lim="400000"/>
-          </a:ln>
-          <a:extLst>
-            <a:ext uri="{C572A759-6A51-4108-AA02-DFA0A04FC94B}">
-              <ma14:wrappingTextBoxFlag xmlns:ma14="http://schemas.microsoft.com/office/mac/drawingml/2011/main" val="1"/>
-            </a:ext>
-          </a:extLst>
-        </p:spPr>
-        <p:txBody>
-          <a:bodyPr wrap="none" lIns="50800" tIns="50800" rIns="50800" bIns="50800" anchor="ctr">
-            <a:spAutoFit/>
-          </a:bodyPr>
-          <a:lstStyle/>
-          <a:p>
-            <a:pPr>
-              <a:defRPr sz="7000">
-                <a:solidFill>
-                  <a:schemeClr val="accent5"/>
-                </a:solidFill>
-              </a:defRPr>
-            </a:pPr>
-            <a:r>
-              <a:rPr>
-                <a:solidFill>
-                  <a:srgbClr val="A7A7A7"/>
-                </a:solidFill>
-              </a:rPr>
-              <a:t>P(</a:t>
-            </a:r>
-            <a:r>
-              <a:t>unfair</a:t>
-            </a:r>
-            <a:r>
-              <a:rPr>
-                <a:solidFill>
-                  <a:srgbClr val="A7A7A7"/>
-                </a:solidFill>
-              </a:rPr>
-              <a:t>|heads) • P(</a:t>
-            </a:r>
-            <a:r>
-              <a:t>unfair</a:t>
-            </a:r>
-            <a:r>
-              <a:rPr>
-                <a:solidFill>
-                  <a:srgbClr val="A7A7A7"/>
-                </a:solidFill>
-              </a:rPr>
-              <a:t>|heads)…</a:t>
+          <p:cNvPr id="291" name="Shape 291"/>
+          <p:cNvSpPr/>
+          <p:nvPr>
+            <p:ph type="title"/>
+          </p:nvPr>
+        </p:nvSpPr>
+        <p:spPr>
+          <a:xfrm>
+            <a:off x="2097385" y="3056466"/>
+            <a:ext cx="8810030" cy="4521201"/>
+          </a:xfrm>
+          <a:prstGeom prst="rect">
+            <a:avLst/>
+          </a:prstGeom>
+        </p:spPr>
+        <p:txBody>
+          <a:bodyPr/>
+          <a:lstStyle>
+            <a:lvl1pPr algn="ctr"/>
+          </a:lstStyle>
+          <a:p>
+            <a:pPr/>
+            <a:r>
+              <a:t>Imbalanced classes</a:t>
             </a:r>
           </a:p>
         </p:txBody>
@@ -10070,55 +9024,103 @@
       </p:grpSpPr>
       <p:sp>
         <p:nvSpPr>
-          <p:cNvPr id="300" name="Shape 300"/>
-          <p:cNvSpPr/>
-          <p:nvPr/>
-        </p:nvSpPr>
-        <p:spPr>
-          <a:xfrm>
-            <a:off x="1531450" y="4381498"/>
-            <a:ext cx="8430007" cy="990604"/>
-          </a:xfrm>
-          <a:prstGeom prst="rect">
-            <a:avLst/>
-          </a:prstGeom>
-          <a:ln w="12700">
-            <a:miter lim="400000"/>
-          </a:ln>
-          <a:extLst>
-            <a:ext uri="{C572A759-6A51-4108-AA02-DFA0A04FC94B}">
-              <ma14:wrappingTextBoxFlag xmlns:ma14="http://schemas.microsoft.com/office/mac/drawingml/2011/main" val="1"/>
-            </a:ext>
-          </a:extLst>
-        </p:spPr>
-        <p:txBody>
-          <a:bodyPr wrap="none" lIns="50800" tIns="50800" rIns="50800" bIns="50800" anchor="ctr">
-            <a:spAutoFit/>
-          </a:bodyPr>
+          <p:cNvPr id="293" name="Shape 293"/>
+          <p:cNvSpPr/>
+          <p:nvPr>
+            <p:ph type="title"/>
+          </p:nvPr>
+        </p:nvSpPr>
+        <p:spPr>
+          <a:xfrm>
+            <a:off x="406400" y="1536700"/>
+            <a:ext cx="12192000" cy="1169261"/>
+          </a:xfrm>
+          <a:prstGeom prst="rect">
+            <a:avLst/>
+          </a:prstGeom>
+        </p:spPr>
+        <p:txBody>
+          <a:bodyPr/>
           <a:lstStyle>
-            <a:lvl1pPr>
-              <a:defRPr sz="7000">
-                <a:solidFill>
-                  <a:srgbClr val="A7A7A7"/>
-                </a:solidFill>
-              </a:defRPr>
+            <a:lvl1pPr defTabSz="403097">
+              <a:spcBef>
+                <a:spcPts val="1900"/>
+              </a:spcBef>
+              <a:defRPr sz="8200"/>
             </a:lvl1pPr>
           </a:lstStyle>
           <a:p>
-            <a:pPr>
-              <a:defRPr>
-                <a:solidFill>
-                  <a:schemeClr val="accent5"/>
-                </a:solidFill>
+            <a:pPr/>
+            <a:r>
+              <a:t>problem #1</a:t>
+            </a:r>
+          </a:p>
+        </p:txBody>
+      </p:sp>
+      <p:sp>
+        <p:nvSpPr>
+          <p:cNvPr id="294" name="Shape 294"/>
+          <p:cNvSpPr/>
+          <p:nvPr>
+            <p:ph type="body" idx="1"/>
+          </p:nvPr>
+        </p:nvSpPr>
+        <p:spPr>
+          <a:xfrm>
+            <a:off x="406400" y="3953767"/>
+            <a:ext cx="12192000" cy="4793723"/>
+          </a:xfrm>
+          <a:prstGeom prst="rect">
+            <a:avLst/>
+          </a:prstGeom>
+        </p:spPr>
+        <p:txBody>
+          <a:bodyPr anchor="t"/>
+          <a:lstStyle/>
+          <a:p>
+            <a:pPr marL="663612" indent="-663612" defTabSz="549148">
+              <a:lnSpc>
+                <a:spcPct val="100000"/>
+              </a:lnSpc>
+              <a:spcBef>
+                <a:spcPts val="2600"/>
+              </a:spcBef>
+              <a:buSzPct val="40000"/>
+              <a:buBlip>
+                <a:blip r:embed="rId2"/>
+              </a:buBlip>
+              <a:defRPr cap="none" spc="0" sz="6000">
+                <a:latin typeface="Avenir Next Medium"/>
+                <a:ea typeface="Avenir Next Medium"/>
+                <a:cs typeface="Avenir Next Medium"/>
+                <a:sym typeface="Avenir Next Medium"/>
               </a:defRPr>
             </a:pPr>
             <a:r>
-              <a:rPr>
-                <a:solidFill>
-                  <a:srgbClr val="A7A7A7"/>
-                </a:solidFill>
-              </a:rPr>
-              <a:t>0.9 • 0.9 • 0.9 • 0.9 = 0.6561</a:t>
+              <a:t>Randomly selecting rows USUALLY class proportions</a:t>
+            </a:r>
+          </a:p>
+          <a:p>
+            <a:pPr marL="663612" indent="-663612" defTabSz="549148">
+              <a:lnSpc>
+                <a:spcPct val="100000"/>
+              </a:lnSpc>
+              <a:spcBef>
+                <a:spcPts val="2600"/>
+              </a:spcBef>
+              <a:buSzPct val="40000"/>
+              <a:buBlip>
+                <a:blip r:embed="rId2"/>
+              </a:buBlip>
+              <a:defRPr cap="none" spc="0" sz="6000">
+                <a:latin typeface="Avenir Next Medium"/>
+                <a:ea typeface="Avenir Next Medium"/>
+                <a:cs typeface="Avenir Next Medium"/>
+                <a:sym typeface="Avenir Next Medium"/>
+              </a:defRPr>
+            </a:pPr>
+            <a:r>
+              <a:t>However, when positive cases are sparse, LOTS of variance </a:t>
             </a:r>
           </a:p>
         </p:txBody>
@@ -10149,114 +9151,36 @@
           <a:chExt cx="0" cy="0"/>
         </a:xfrm>
       </p:grpSpPr>
-      <p:sp>
-        <p:nvSpPr>
-          <p:cNvPr id="302" name="Shape 302"/>
-          <p:cNvSpPr/>
-          <p:nvPr>
-            <p:ph type="title"/>
-          </p:nvPr>
-        </p:nvSpPr>
-        <p:spPr>
-          <a:xfrm>
-            <a:off x="437364" y="1151465"/>
-            <a:ext cx="8498732" cy="1960665"/>
-          </a:xfrm>
-          <a:prstGeom prst="rect">
-            <a:avLst/>
-          </a:prstGeom>
-        </p:spPr>
-        <p:txBody>
-          <a:bodyPr/>
-          <a:lstStyle>
-            <a:lvl1pPr defTabSz="391414">
-              <a:defRPr sz="8040"/>
-            </a:lvl1pPr>
-          </a:lstStyle>
-          <a:p>
-            <a:pPr/>
-            <a:r>
-              <a:t>Catching an unfair coin</a:t>
-            </a:r>
-          </a:p>
-        </p:txBody>
-      </p:sp>
-      <p:sp>
-        <p:nvSpPr>
-          <p:cNvPr id="303" name="Shape 303"/>
-          <p:cNvSpPr/>
-          <p:nvPr>
-            <p:ph type="body" idx="4294967295"/>
-          </p:nvPr>
-        </p:nvSpPr>
-        <p:spPr>
-          <a:xfrm>
-            <a:off x="406400" y="3839863"/>
-            <a:ext cx="12192000" cy="6311307"/>
-          </a:xfrm>
-          <a:prstGeom prst="rect">
-            <a:avLst/>
-          </a:prstGeom>
-        </p:spPr>
-        <p:txBody>
-          <a:bodyPr lIns="50800" tIns="50800" rIns="50800" bIns="50800"/>
-          <a:lstStyle/>
-          <a:p>
-            <a:pPr marL="677731" indent="-677731" defTabSz="560830">
-              <a:spcBef>
-                <a:spcPts val="2600"/>
-              </a:spcBef>
-              <a:buClr>
-                <a:srgbClr val="39A3D5"/>
-              </a:buClr>
-              <a:buSzPct val="40000"/>
-              <a:buFont typeface="Avenir Next"/>
-              <a:buBlip>
-                <a:blip r:embed="rId2"/>
-              </a:buBlip>
-              <a:defRPr sz="5800">
-                <a:solidFill>
-                  <a:srgbClr val="838787"/>
-                </a:solidFill>
-                <a:latin typeface="Avenir Next Medium"/>
-                <a:ea typeface="Avenir Next Medium"/>
-                <a:cs typeface="Avenir Next Medium"/>
-                <a:sym typeface="Avenir Next Medium"/>
-              </a:defRPr>
-            </a:pPr>
-            <a:r>
-              <a:t>Ten times more likely it’s unfair!</a:t>
-            </a:r>
-          </a:p>
-          <a:p>
-            <a:pPr marL="677731" indent="-677731" defTabSz="560830">
-              <a:spcBef>
-                <a:spcPts val="2600"/>
-              </a:spcBef>
-              <a:buClr>
-                <a:srgbClr val="39A3D5"/>
-              </a:buClr>
-              <a:buSzPct val="40000"/>
-              <a:buFont typeface="Avenir Next"/>
-              <a:buBlip>
-                <a:blip r:embed="rId2"/>
-              </a:buBlip>
-              <a:defRPr sz="5800">
-                <a:solidFill>
-                  <a:srgbClr val="838787"/>
-                </a:solidFill>
-                <a:latin typeface="Avenir Next Medium"/>
-                <a:ea typeface="Avenir Next Medium"/>
-                <a:cs typeface="Avenir Next Medium"/>
-                <a:sym typeface="Avenir Next Medium"/>
-              </a:defRPr>
-            </a:pPr>
-            <a:r>
-              <a:t>Confidence grows with more flips</a:t>
-            </a:r>
-          </a:p>
-        </p:txBody>
-      </p:sp>
+      <p:pic>
+        <p:nvPicPr>
+          <p:cNvPr id="296" name="pasted-image.gif"/>
+          <p:cNvPicPr>
+            <a:picLocks noChangeAspect="1"/>
+          </p:cNvPicPr>
+          <p:nvPr/>
+        </p:nvPicPr>
+        <p:blipFill>
+          <a:blip r:embed="rId2">
+            <a:extLst/>
+          </a:blip>
+          <a:srcRect l="0" t="0" r="0" b="10800"/>
+          <a:stretch>
+            <a:fillRect/>
+          </a:stretch>
+        </p:blipFill>
+        <p:spPr>
+          <a:xfrm>
+            <a:off x="-123098" y="1857176"/>
+            <a:ext cx="13541218" cy="6039367"/>
+          </a:xfrm>
+          <a:prstGeom prst="rect">
+            <a:avLst/>
+          </a:prstGeom>
+          <a:ln w="12700">
+            <a:miter lim="400000"/>
+          </a:ln>
+        </p:spPr>
+      </p:pic>
     </p:spTree>
   </p:cSld>
   <p:clrMapOvr>
@@ -10285,139 +9209,54 @@
       </p:grpSpPr>
       <p:sp>
         <p:nvSpPr>
-          <p:cNvPr id="305" name="Shape 305"/>
+          <p:cNvPr id="298" name="Shape 298"/>
           <p:cNvSpPr/>
           <p:nvPr>
-            <p:ph type="title"/>
+            <p:ph type="subTitle" sz="quarter" idx="1"/>
           </p:nvPr>
         </p:nvSpPr>
         <p:spPr>
-          <a:xfrm>
-            <a:off x="437364" y="1151465"/>
-            <a:ext cx="8498732" cy="1960665"/>
-          </a:xfrm>
           <a:prstGeom prst="rect">
             <a:avLst/>
           </a:prstGeom>
         </p:spPr>
         <p:txBody>
           <a:bodyPr/>
-          <a:lstStyle>
-            <a:lvl1pPr>
-              <a:defRPr sz="12000"/>
-            </a:lvl1pPr>
-          </a:lstStyle>
+          <a:lstStyle/>
           <a:p>
             <a:pPr/>
-            <a:r>
-              <a:t>Catching spam</a:t>
-            </a:r>
-          </a:p>
-        </p:txBody>
-      </p:sp>
-      <p:sp>
-        <p:nvSpPr>
-          <p:cNvPr id="306" name="Shape 306"/>
-          <p:cNvSpPr/>
-          <p:nvPr>
-            <p:ph type="body" idx="4294967295"/>
-          </p:nvPr>
-        </p:nvSpPr>
-        <p:spPr>
-          <a:xfrm>
-            <a:off x="406400" y="3433463"/>
-            <a:ext cx="12192000" cy="6311307"/>
-          </a:xfrm>
-          <a:prstGeom prst="rect">
-            <a:avLst/>
-          </a:prstGeom>
-        </p:spPr>
-        <p:txBody>
-          <a:bodyPr lIns="50800" tIns="50800" rIns="50800" bIns="50800"/>
-          <a:lstStyle/>
-          <a:p>
-            <a:pPr marL="650621" indent="-650621" defTabSz="538397">
-              <a:spcBef>
-                <a:spcPts val="2400"/>
-              </a:spcBef>
-              <a:buClr>
-                <a:srgbClr val="39A3D5"/>
-              </a:buClr>
-              <a:buSzPct val="40000"/>
-              <a:buFont typeface="Avenir Next"/>
-              <a:buBlip>
-                <a:blip r:embed="rId2"/>
-              </a:buBlip>
-              <a:defRPr sz="5568">
-                <a:solidFill>
-                  <a:srgbClr val="838787"/>
-                </a:solidFill>
-                <a:latin typeface="Avenir Next Medium"/>
-                <a:ea typeface="Avenir Next Medium"/>
-                <a:cs typeface="Avenir Next Medium"/>
-                <a:sym typeface="Avenir Next Medium"/>
-              </a:defRPr>
-            </a:pPr>
-            <a:r>
-              <a:t>Is email more likely generated by HAM or SPAM?</a:t>
-            </a:r>
-          </a:p>
-          <a:p>
-            <a:pPr marL="650621" indent="-650621" defTabSz="538397">
-              <a:spcBef>
-                <a:spcPts val="2400"/>
-              </a:spcBef>
-              <a:buClr>
-                <a:srgbClr val="39A3D5"/>
-              </a:buClr>
-              <a:buSzPct val="40000"/>
-              <a:buFont typeface="Avenir Next"/>
-              <a:buBlip>
-                <a:blip r:embed="rId2"/>
-              </a:buBlip>
-              <a:defRPr sz="5568">
-                <a:solidFill>
-                  <a:srgbClr val="838787"/>
-                </a:solidFill>
-                <a:latin typeface="Avenir Next Medium"/>
-                <a:ea typeface="Avenir Next Medium"/>
-                <a:cs typeface="Avenir Next Medium"/>
-                <a:sym typeface="Avenir Next Medium"/>
-              </a:defRPr>
-            </a:pPr>
-            <a:r>
-              <a:t>Frequency of words assuming HAM vs SPAM</a:t>
-            </a:r>
-          </a:p>
-          <a:p>
-            <a:pPr marL="650621" indent="-650621" defTabSz="538397">
-              <a:spcBef>
-                <a:spcPts val="2400"/>
-              </a:spcBef>
-              <a:buClr>
-                <a:srgbClr val="39A3D5"/>
-              </a:buClr>
-              <a:buSzPct val="40000"/>
-              <a:buFont typeface="Avenir Next"/>
-              <a:buBlip>
-                <a:blip r:embed="rId2"/>
-              </a:buBlip>
-              <a:defRPr sz="5568">
-                <a:solidFill>
-                  <a:srgbClr val="838787"/>
-                </a:solidFill>
-                <a:latin typeface="Avenir Next Medium"/>
-                <a:ea typeface="Avenir Next Medium"/>
-                <a:cs typeface="Avenir Next Medium"/>
-                <a:sym typeface="Avenir Next Medium"/>
-              </a:defRPr>
-            </a:pPr>
-            <a:r>
-              <a:t>approach known as “bag of words”</a:t>
-            </a:r>
-          </a:p>
-        </p:txBody>
-      </p:sp>
+          </a:p>
+        </p:txBody>
+      </p:sp>
+      <p:pic>
+        <p:nvPicPr>
+          <p:cNvPr id="299" name="pasted-image.gif"/>
+          <p:cNvPicPr>
+            <a:picLocks noChangeAspect="1"/>
+          </p:cNvPicPr>
+          <p:nvPr/>
+        </p:nvPicPr>
+        <p:blipFill>
+          <a:blip r:embed="rId2">
+            <a:extLst/>
+          </a:blip>
+          <a:stretch>
+            <a:fillRect/>
+          </a:stretch>
+        </p:blipFill>
+        <p:spPr>
+          <a:xfrm>
+            <a:off x="406399" y="-95116"/>
+            <a:ext cx="12192002" cy="9943832"/>
+          </a:xfrm>
+          <a:prstGeom prst="rect">
+            <a:avLst/>
+          </a:prstGeom>
+          <a:ln w="12700">
+            <a:miter lim="400000"/>
+          </a:ln>
+        </p:spPr>
+      </p:pic>
     </p:spTree>
   </p:cSld>
   <p:clrMapOvr>
@@ -10446,7 +9285,7 @@
       </p:grpSpPr>
       <p:sp>
         <p:nvSpPr>
-          <p:cNvPr id="308" name="Shape 308"/>
+          <p:cNvPr id="301" name="Shape 301"/>
           <p:cNvSpPr/>
           <p:nvPr>
             <p:ph type="title"/>
@@ -10454,8 +9293,8 @@
         </p:nvSpPr>
         <p:spPr>
           <a:xfrm>
-            <a:off x="437364" y="1151465"/>
-            <a:ext cx="8498732" cy="1960665"/>
+            <a:off x="406400" y="1536700"/>
+            <a:ext cx="12192000" cy="1169261"/>
           </a:xfrm>
           <a:prstGeom prst="rect">
             <a:avLst/>
@@ -10464,55 +9303,54 @@
         <p:txBody>
           <a:bodyPr/>
           <a:lstStyle>
-            <a:lvl1pPr>
-              <a:defRPr sz="12000"/>
+            <a:lvl1pPr defTabSz="403097">
+              <a:spcBef>
+                <a:spcPts val="1900"/>
+              </a:spcBef>
+              <a:defRPr sz="8200"/>
             </a:lvl1pPr>
           </a:lstStyle>
           <a:p>
             <a:pPr/>
             <a:r>
-              <a:t>Vectorizing</a:t>
-            </a:r>
-          </a:p>
-        </p:txBody>
-      </p:sp>
-      <p:sp>
-        <p:nvSpPr>
-          <p:cNvPr id="309" name="Shape 309"/>
+              <a:t>Problem #2</a:t>
+            </a:r>
+          </a:p>
+        </p:txBody>
+      </p:sp>
+      <p:sp>
+        <p:nvSpPr>
+          <p:cNvPr id="302" name="Shape 302"/>
           <p:cNvSpPr/>
           <p:nvPr>
-            <p:ph type="body" idx="4294967295"/>
+            <p:ph type="body" idx="1"/>
           </p:nvPr>
         </p:nvSpPr>
         <p:spPr>
           <a:xfrm>
-            <a:off x="406400" y="3755196"/>
-            <a:ext cx="12192000" cy="6311307"/>
-          </a:xfrm>
-          <a:prstGeom prst="rect">
-            <a:avLst/>
-          </a:prstGeom>
-        </p:spPr>
-        <p:txBody>
-          <a:bodyPr lIns="50800" tIns="50800" rIns="50800" bIns="50800"/>
+            <a:off x="406400" y="3953767"/>
+            <a:ext cx="12192000" cy="4793723"/>
+          </a:xfrm>
+          <a:prstGeom prst="rect">
+            <a:avLst/>
+          </a:prstGeom>
+        </p:spPr>
+        <p:txBody>
+          <a:bodyPr anchor="t"/>
           <a:lstStyle/>
           <a:p>
-            <a:pPr marL="677731" indent="-677731" defTabSz="560830">
+            <a:pPr marL="663612" indent="-663612" defTabSz="549148">
+              <a:lnSpc>
+                <a:spcPct val="100000"/>
+              </a:lnSpc>
               <a:spcBef>
                 <a:spcPts val="2600"/>
               </a:spcBef>
-              <a:buClr>
-                <a:srgbClr val="39A3D5"/>
-              </a:buClr>
               <a:buSzPct val="40000"/>
-              <a:buFont typeface="Avenir Next"/>
               <a:buBlip>
                 <a:blip r:embed="rId2"/>
               </a:buBlip>
-              <a:defRPr sz="5800">
-                <a:solidFill>
-                  <a:srgbClr val="838787"/>
-                </a:solidFill>
+              <a:defRPr cap="none" spc="0" sz="6000">
                 <a:latin typeface="Avenir Next Medium"/>
                 <a:ea typeface="Avenir Next Medium"/>
                 <a:cs typeface="Avenir Next Medium"/>
@@ -10520,26 +9358,22 @@
               </a:defRPr>
             </a:pPr>
             <a:r>
-              <a:t>Each vocab word is a feature</a:t>
-            </a:r>
-          </a:p>
-          <a:p>
-            <a:pPr marL="677731" indent="-677731" defTabSz="560830">
+              <a:t>Often have WAY more negative samples than positive</a:t>
+            </a:r>
+          </a:p>
+          <a:p>
+            <a:pPr marL="663612" indent="-663612" defTabSz="549148">
+              <a:lnSpc>
+                <a:spcPct val="100000"/>
+              </a:lnSpc>
               <a:spcBef>
                 <a:spcPts val="2600"/>
               </a:spcBef>
-              <a:buClr>
-                <a:srgbClr val="39A3D5"/>
-              </a:buClr>
               <a:buSzPct val="40000"/>
-              <a:buFont typeface="Avenir Next"/>
               <a:buBlip>
                 <a:blip r:embed="rId2"/>
               </a:buBlip>
-              <a:defRPr sz="5800">
-                <a:solidFill>
-                  <a:srgbClr val="838787"/>
-                </a:solidFill>
+              <a:defRPr cap="none" spc="0" sz="6000">
                 <a:latin typeface="Avenir Next Medium"/>
                 <a:ea typeface="Avenir Next Medium"/>
                 <a:cs typeface="Avenir Next Medium"/>
@@ -10547,7 +9381,7 @@
               </a:defRPr>
             </a:pPr>
             <a:r>
-              <a:t>An e-mail is represented as a tally of words</a:t>
+              <a:t>High “accuracy” if you always guess negative!</a:t>
             </a:r>
           </a:p>
         </p:txBody>
@@ -10564,13 +9398,6 @@
 <file path=ppt/slides/slide37.xml><?xml version="1.0" encoding="utf-8"?>
 <p:sld xmlns:a="http://schemas.openxmlformats.org/drawingml/2006/main" xmlns:r="http://schemas.openxmlformats.org/officeDocument/2006/relationships" xmlns:p="http://schemas.openxmlformats.org/presentationml/2006/main" showMasterSp="1" showMasterPhAnim="1">
   <p:cSld>
-    <p:bg>
-      <p:bgPr>
-        <a:solidFill>
-          <a:srgbClr val="000000"/>
-        </a:solidFill>
-      </p:bgPr>
-    </p:bg>
     <p:spTree>
       <p:nvGrpSpPr>
         <p:cNvPr id="1" name=""/>
@@ -10585,275 +9412,83 @@
           <a:chExt cx="0" cy="0"/>
         </a:xfrm>
       </p:grpSpPr>
-      <p:sp>
-        <p:nvSpPr>
-          <p:cNvPr id="311" name="Shape 311"/>
-          <p:cNvSpPr/>
-          <p:nvPr/>
-        </p:nvSpPr>
-        <p:spPr>
-          <a:xfrm>
-            <a:off x="2100697" y="1965192"/>
-            <a:ext cx="5490568" cy="5823216"/>
-          </a:xfrm>
-          <a:prstGeom prst="ellipse">
-            <a:avLst/>
-          </a:prstGeom>
-          <a:solidFill>
-            <a:schemeClr val="accent5"/>
-          </a:solidFill>
-          <a:ln w="12700">
-            <a:miter lim="400000"/>
-          </a:ln>
-        </p:spPr>
-        <p:txBody>
-          <a:bodyPr lIns="50800" tIns="50800" rIns="50800" bIns="50800" anchor="ctr"/>
-          <a:lstStyle/>
-          <a:p>
-            <a:pPr>
-              <a:defRPr>
-                <a:solidFill>
-                  <a:srgbClr val="838787"/>
-                </a:solidFill>
-              </a:defRPr>
-            </a:pPr>
-          </a:p>
-        </p:txBody>
-      </p:sp>
-      <p:sp>
-        <p:nvSpPr>
-          <p:cNvPr id="312" name="Shape 312"/>
-          <p:cNvSpPr/>
-          <p:nvPr/>
-        </p:nvSpPr>
-        <p:spPr>
-          <a:xfrm>
-            <a:off x="3286844" y="717747"/>
-            <a:ext cx="2745741" cy="1117604"/>
-          </a:xfrm>
-          <a:prstGeom prst="rect">
-            <a:avLst/>
-          </a:prstGeom>
-          <a:solidFill>
-            <a:srgbClr val="000000"/>
-          </a:solidFill>
-          <a:ln w="12700">
-            <a:miter lim="400000"/>
-          </a:ln>
-          <a:extLst>
-            <a:ext uri="{C572A759-6A51-4108-AA02-DFA0A04FC94B}">
-              <ma14:wrappingTextBoxFlag xmlns:ma14="http://schemas.microsoft.com/office/mac/drawingml/2011/main" val="1"/>
-            </a:ext>
-          </a:extLst>
-        </p:spPr>
-        <p:txBody>
-          <a:bodyPr wrap="none" lIns="50800" tIns="50800" rIns="50800" bIns="50800" anchor="ctr">
-            <a:spAutoFit/>
-          </a:bodyPr>
+      <p:pic>
+        <p:nvPicPr>
+          <p:cNvPr id="304" name="pasted-image.jpeg"/>
+          <p:cNvPicPr>
+            <a:picLocks noChangeAspect="1"/>
+          </p:cNvPicPr>
+          <p:nvPr>
+            <p:ph type="pic" idx="13"/>
+          </p:nvPr>
+        </p:nvPicPr>
+        <p:blipFill>
+          <a:blip r:embed="rId2">
+            <a:extLst/>
+          </a:blip>
+          <a:srcRect l="55649" t="0" r="12235" b="0"/>
+          <a:stretch>
+            <a:fillRect/>
+          </a:stretch>
+        </p:blipFill>
+        <p:spPr>
+          <a:xfrm>
+            <a:off x="0" y="0"/>
+            <a:ext cx="5486400" cy="9753600"/>
+          </a:xfrm>
+          <a:prstGeom prst="rect">
+            <a:avLst/>
+          </a:prstGeom>
+        </p:spPr>
+      </p:pic>
+      <p:sp>
+        <p:nvSpPr>
+          <p:cNvPr id="305" name="Shape 305"/>
+          <p:cNvSpPr/>
+          <p:nvPr>
+            <p:ph type="title"/>
+          </p:nvPr>
+        </p:nvSpPr>
+        <p:spPr>
+          <a:prstGeom prst="rect">
+            <a:avLst/>
+          </a:prstGeom>
+        </p:spPr>
+        <p:txBody>
+          <a:bodyPr/>
           <a:lstStyle>
-            <a:lvl1pPr>
-              <a:defRPr sz="8000">
-                <a:solidFill>
-                  <a:schemeClr val="accent5"/>
-                </a:solidFill>
-              </a:defRPr>
+            <a:lvl1pPr defTabSz="379729">
+              <a:defRPr sz="11049"/>
             </a:lvl1pPr>
           </a:lstStyle>
           <a:p>
             <a:pPr/>
             <a:r>
-              <a:t>P(SPAM)</a:t>
-            </a:r>
-          </a:p>
-        </p:txBody>
-      </p:sp>
-      <p:sp>
-        <p:nvSpPr>
-          <p:cNvPr id="313" name="Shape 313"/>
-          <p:cNvSpPr/>
-          <p:nvPr/>
-        </p:nvSpPr>
-        <p:spPr>
-          <a:xfrm>
-            <a:off x="5301097" y="1965192"/>
-            <a:ext cx="5490568" cy="5823216"/>
-          </a:xfrm>
-          <a:prstGeom prst="ellipse">
-            <a:avLst/>
-          </a:prstGeom>
-          <a:solidFill>
-            <a:schemeClr val="accent1">
-              <a:satOff val="-7685"/>
-              <a:lumOff val="-10588"/>
-            </a:schemeClr>
-          </a:solidFill>
-          <a:ln w="12700">
-            <a:miter lim="400000"/>
-          </a:ln>
-        </p:spPr>
-        <p:txBody>
-          <a:bodyPr lIns="50800" tIns="50800" rIns="50800" bIns="50800" anchor="ctr"/>
+              <a:t>Transactions</a:t>
+            </a:r>
+          </a:p>
+        </p:txBody>
+      </p:sp>
+      <p:sp>
+        <p:nvSpPr>
+          <p:cNvPr id="306" name="Shape 306"/>
+          <p:cNvSpPr/>
+          <p:nvPr>
+            <p:ph type="body" sz="quarter" idx="1"/>
+          </p:nvPr>
+        </p:nvSpPr>
+        <p:spPr>
+          <a:prstGeom prst="rect">
+            <a:avLst/>
+          </a:prstGeom>
+        </p:spPr>
+        <p:txBody>
+          <a:bodyPr/>
           <a:lstStyle/>
           <a:p>
-            <a:pPr>
-              <a:defRPr>
-                <a:solidFill>
-                  <a:srgbClr val="838787"/>
-                </a:solidFill>
-              </a:defRPr>
-            </a:pPr>
-          </a:p>
-        </p:txBody>
-      </p:sp>
-      <p:sp>
-        <p:nvSpPr>
-          <p:cNvPr id="314" name="Shape 314"/>
-          <p:cNvSpPr/>
-          <p:nvPr/>
-        </p:nvSpPr>
-        <p:spPr>
-          <a:xfrm>
-            <a:off x="5301223" y="2511093"/>
-            <a:ext cx="2289982" cy="4731545"/>
-          </a:xfrm>
-          <a:custGeom>
-            <a:avLst/>
-            <a:gdLst/>
-            <a:ahLst/>
-            <a:cxnLst>
-              <a:cxn ang="0">
-                <a:pos x="wd2" y="hd2"/>
-              </a:cxn>
-              <a:cxn ang="5400000">
-                <a:pos x="wd2" y="hd2"/>
-              </a:cxn>
-              <a:cxn ang="10800000">
-                <a:pos x="wd2" y="hd2"/>
-              </a:cxn>
-              <a:cxn ang="16200000">
-                <a:pos x="wd2" y="hd2"/>
-              </a:cxn>
-            </a:cxnLst>
-            <a:rect l="0" t="0" r="r" b="b"/>
-            <a:pathLst>
-              <a:path w="17503" h="21600" fill="norm" stroke="1" extrusionOk="0">
-                <a:moveTo>
-                  <a:pt x="8751" y="0"/>
-                </a:moveTo>
-                <a:cubicBezTo>
-                  <a:pt x="7839" y="416"/>
-                  <a:pt x="6966" y="881"/>
-                  <a:pt x="6145" y="1401"/>
-                </a:cubicBezTo>
-                <a:cubicBezTo>
-                  <a:pt x="-2049" y="6591"/>
-                  <a:pt x="-2049" y="15007"/>
-                  <a:pt x="6145" y="20198"/>
-                </a:cubicBezTo>
-                <a:cubicBezTo>
-                  <a:pt x="6966" y="20718"/>
-                  <a:pt x="7838" y="21184"/>
-                  <a:pt x="8751" y="21600"/>
-                </a:cubicBezTo>
-                <a:cubicBezTo>
-                  <a:pt x="9664" y="21184"/>
-                  <a:pt x="10536" y="20718"/>
-                  <a:pt x="11357" y="20198"/>
-                </a:cubicBezTo>
-                <a:cubicBezTo>
-                  <a:pt x="19551" y="15007"/>
-                  <a:pt x="19551" y="6591"/>
-                  <a:pt x="11357" y="1401"/>
-                </a:cubicBezTo>
-                <a:cubicBezTo>
-                  <a:pt x="10536" y="881"/>
-                  <a:pt x="9663" y="416"/>
-                  <a:pt x="8751" y="0"/>
-                </a:cubicBezTo>
-                <a:close/>
-              </a:path>
-            </a:pathLst>
-          </a:custGeom>
-          <a:solidFill>
-            <a:schemeClr val="accent6">
-              <a:lumOff val="-8980"/>
-            </a:schemeClr>
-          </a:solidFill>
-          <a:ln w="12700">
-            <a:miter lim="400000"/>
-          </a:ln>
-        </p:spPr>
-        <p:txBody>
-          <a:bodyPr lIns="50800" tIns="50800" rIns="50800" bIns="50800" anchor="ctr"/>
-          <a:lstStyle/>
-          <a:p>
-            <a:pPr>
-              <a:defRPr>
-                <a:solidFill>
-                  <a:srgbClr val="838787"/>
-                </a:solidFill>
-              </a:defRPr>
-            </a:pPr>
-          </a:p>
-        </p:txBody>
-      </p:sp>
-      <p:sp>
-        <p:nvSpPr>
-          <p:cNvPr id="315" name="Shape 315"/>
-          <p:cNvSpPr/>
-          <p:nvPr/>
-        </p:nvSpPr>
-        <p:spPr>
-          <a:xfrm>
-            <a:off x="6866381" y="717747"/>
-            <a:ext cx="2863597" cy="1117604"/>
-          </a:xfrm>
-          <a:prstGeom prst="rect">
-            <a:avLst/>
-          </a:prstGeom>
-          <a:ln w="12700">
-            <a:miter lim="400000"/>
-          </a:ln>
-          <a:extLst>
-            <a:ext uri="{C572A759-6A51-4108-AA02-DFA0A04FC94B}">
-              <ma14:wrappingTextBoxFlag xmlns:ma14="http://schemas.microsoft.com/office/mac/drawingml/2011/main" val="1"/>
-            </a:ext>
-          </a:extLst>
-        </p:spPr>
-        <p:txBody>
-          <a:bodyPr wrap="none" lIns="50800" tIns="50800" rIns="50800" bIns="50800" anchor="ctr">
-            <a:spAutoFit/>
-          </a:bodyPr>
-          <a:lstStyle>
-            <a:lvl1pPr>
-              <a:defRPr sz="8000">
-                <a:solidFill>
-                  <a:schemeClr val="accent1">
-                    <a:satOff val="-7685"/>
-                    <a:lumOff val="-10588"/>
-                  </a:schemeClr>
-                </a:solidFill>
-              </a:defRPr>
-            </a:lvl1pPr>
-          </a:lstStyle>
-          <a:p>
-            <a:pPr>
-              <a:defRPr>
-                <a:solidFill>
-                  <a:schemeClr val="accent5"/>
-                </a:solidFill>
-              </a:defRPr>
-            </a:pPr>
-            <a:r>
-              <a:rPr>
-                <a:solidFill>
-                  <a:schemeClr val="accent1">
-                    <a:satOff val="-7685"/>
-                    <a:lumOff val="-10588"/>
-                  </a:schemeClr>
-                </a:solidFill>
-              </a:rPr>
-              <a:t>P(“pills”)</a:t>
+            <a:pPr/>
+            <a:r>
+              <a:t>Fraudulent</a:t>
             </a:r>
           </a:p>
         </p:txBody>
@@ -10870,13 +9505,6 @@
 <file path=ppt/slides/slide38.xml><?xml version="1.0" encoding="utf-8"?>
 <p:sld xmlns:a="http://schemas.openxmlformats.org/drawingml/2006/main" xmlns:r="http://schemas.openxmlformats.org/officeDocument/2006/relationships" xmlns:p="http://schemas.openxmlformats.org/presentationml/2006/main" showMasterSp="1" showMasterPhAnim="1">
   <p:cSld>
-    <p:bg>
-      <p:bgPr>
-        <a:solidFill>
-          <a:srgbClr val="000000"/>
-        </a:solidFill>
-      </p:bgPr>
-    </p:bg>
     <p:spTree>
       <p:nvGrpSpPr>
         <p:cNvPr id="1" name=""/>
@@ -10891,289 +9519,35 @@
           <a:chExt cx="0" cy="0"/>
         </a:xfrm>
       </p:grpSpPr>
-      <p:sp>
-        <p:nvSpPr>
-          <p:cNvPr id="317" name="Shape 317"/>
-          <p:cNvSpPr/>
-          <p:nvPr>
-            <p:ph type="title"/>
-          </p:nvPr>
-        </p:nvSpPr>
-        <p:spPr>
-          <a:xfrm>
-            <a:off x="2909630" y="8229599"/>
-            <a:ext cx="7185540" cy="1960664"/>
-          </a:xfrm>
-          <a:prstGeom prst="rect">
-            <a:avLst/>
-          </a:prstGeom>
-        </p:spPr>
-        <p:txBody>
-          <a:bodyPr/>
-          <a:lstStyle>
-            <a:lvl1pPr defTabSz="519937">
-              <a:defRPr sz="10680">
-                <a:solidFill>
-                  <a:srgbClr val="A7A7A7"/>
-                </a:solidFill>
-              </a:defRPr>
-            </a:lvl1pPr>
-          </a:lstStyle>
-          <a:p>
-            <a:pPr/>
-            <a:r>
-              <a:t>Bayes’ Theorem</a:t>
-            </a:r>
-          </a:p>
-        </p:txBody>
-      </p:sp>
-      <p:sp>
-        <p:nvSpPr>
-          <p:cNvPr id="318" name="Shape 318"/>
-          <p:cNvSpPr/>
+      <p:pic>
+        <p:nvPicPr>
+          <p:cNvPr id="308" name="pasted-image.png"/>
+          <p:cNvPicPr>
+            <a:picLocks noChangeAspect="1"/>
+          </p:cNvPicPr>
           <p:nvPr/>
-        </p:nvSpPr>
-        <p:spPr>
-          <a:xfrm>
-            <a:off x="2100697" y="1965192"/>
-            <a:ext cx="5490568" cy="5823216"/>
-          </a:xfrm>
-          <a:prstGeom prst="ellipse">
-            <a:avLst/>
-          </a:prstGeom>
-          <a:solidFill>
-            <a:schemeClr val="accent5"/>
-          </a:solidFill>
+        </p:nvPicPr>
+        <p:blipFill>
+          <a:blip r:embed="rId2">
+            <a:extLst/>
+          </a:blip>
+          <a:stretch>
+            <a:fillRect/>
+          </a:stretch>
+        </p:blipFill>
+        <p:spPr>
+          <a:xfrm>
+            <a:off x="425450" y="1217083"/>
+            <a:ext cx="12153900" cy="7790963"/>
+          </a:xfrm>
+          <a:prstGeom prst="rect">
+            <a:avLst/>
+          </a:prstGeom>
           <a:ln w="12700">
             <a:miter lim="400000"/>
           </a:ln>
         </p:spPr>
-        <p:txBody>
-          <a:bodyPr lIns="50800" tIns="50800" rIns="50800" bIns="50800" anchor="ctr"/>
-          <a:lstStyle/>
-          <a:p>
-            <a:pPr>
-              <a:defRPr>
-                <a:solidFill>
-                  <a:srgbClr val="838787"/>
-                </a:solidFill>
-              </a:defRPr>
-            </a:pPr>
-          </a:p>
-        </p:txBody>
-      </p:sp>
-      <p:sp>
-        <p:nvSpPr>
-          <p:cNvPr id="319" name="Shape 319"/>
-          <p:cNvSpPr/>
-          <p:nvPr/>
-        </p:nvSpPr>
-        <p:spPr>
-          <a:xfrm>
-            <a:off x="663871" y="679647"/>
-            <a:ext cx="12109578" cy="990604"/>
-          </a:xfrm>
-          <a:prstGeom prst="rect">
-            <a:avLst/>
-          </a:prstGeom>
-          <a:solidFill>
-            <a:srgbClr val="000000"/>
-          </a:solidFill>
-          <a:ln w="12700">
-            <a:miter lim="400000"/>
-          </a:ln>
-          <a:extLst>
-            <a:ext uri="{C572A759-6A51-4108-AA02-DFA0A04FC94B}">
-              <ma14:wrappingTextBoxFlag xmlns:ma14="http://schemas.microsoft.com/office/mac/drawingml/2011/main" val="1"/>
-            </a:ext>
-          </a:extLst>
-        </p:spPr>
-        <p:txBody>
-          <a:bodyPr wrap="none" lIns="50800" tIns="50800" rIns="50800" bIns="50800" anchor="ctr">
-            <a:spAutoFit/>
-          </a:bodyPr>
-          <a:lstStyle/>
-          <a:p>
-            <a:pPr>
-              <a:defRPr sz="7000">
-                <a:solidFill>
-                  <a:schemeClr val="accent5"/>
-                </a:solidFill>
-              </a:defRPr>
-            </a:pPr>
-            <a:r>
-              <a:rPr>
-                <a:solidFill>
-                  <a:srgbClr val="A7A7A7"/>
-                </a:solidFill>
-              </a:rPr>
-              <a:t>P(SPAM|”pills”) =</a:t>
-            </a:r>
-            <a:r>
-              <a:t> </a:t>
-            </a:r>
-            <a:r>
-              <a:rPr>
-                <a:solidFill>
-                  <a:schemeClr val="accent6">
-                    <a:lumOff val="-8980"/>
-                  </a:schemeClr>
-                </a:solidFill>
-              </a:rPr>
-              <a:t>P(SPAM&amp;”pills”)</a:t>
-            </a:r>
-            <a:r>
-              <a:rPr>
-                <a:solidFill>
-                  <a:srgbClr val="A7A7A7"/>
-                </a:solidFill>
-              </a:rPr>
-              <a:t>/</a:t>
-            </a:r>
-            <a:r>
-              <a:rPr>
-                <a:solidFill>
-                  <a:schemeClr val="accent1">
-                    <a:satOff val="-7685"/>
-                    <a:lumOff val="-10588"/>
-                  </a:schemeClr>
-                </a:solidFill>
-              </a:rPr>
-              <a:t>P(“pills”)</a:t>
-            </a:r>
-          </a:p>
-        </p:txBody>
-      </p:sp>
-      <p:sp>
-        <p:nvSpPr>
-          <p:cNvPr id="320" name="Shape 320"/>
-          <p:cNvSpPr/>
-          <p:nvPr/>
-        </p:nvSpPr>
-        <p:spPr>
-          <a:xfrm>
-            <a:off x="5301097" y="1965192"/>
-            <a:ext cx="5490568" cy="5823216"/>
-          </a:xfrm>
-          <a:prstGeom prst="ellipse">
-            <a:avLst/>
-          </a:prstGeom>
-          <a:solidFill>
-            <a:schemeClr val="accent1">
-              <a:satOff val="-7685"/>
-              <a:lumOff val="-10588"/>
-            </a:schemeClr>
-          </a:solidFill>
-          <a:ln w="12700">
-            <a:miter lim="400000"/>
-          </a:ln>
-        </p:spPr>
-        <p:txBody>
-          <a:bodyPr lIns="50800" tIns="50800" rIns="50800" bIns="50800" anchor="ctr"/>
-          <a:lstStyle/>
-          <a:p>
-            <a:pPr>
-              <a:defRPr>
-                <a:solidFill>
-                  <a:srgbClr val="838787"/>
-                </a:solidFill>
-              </a:defRPr>
-            </a:pPr>
-          </a:p>
-        </p:txBody>
-      </p:sp>
-      <p:sp>
-        <p:nvSpPr>
-          <p:cNvPr id="321" name="Shape 321"/>
-          <p:cNvSpPr/>
-          <p:nvPr/>
-        </p:nvSpPr>
-        <p:spPr>
-          <a:xfrm>
-            <a:off x="5301223" y="2511093"/>
-            <a:ext cx="2289982" cy="4731545"/>
-          </a:xfrm>
-          <a:custGeom>
-            <a:avLst/>
-            <a:gdLst/>
-            <a:ahLst/>
-            <a:cxnLst>
-              <a:cxn ang="0">
-                <a:pos x="wd2" y="hd2"/>
-              </a:cxn>
-              <a:cxn ang="5400000">
-                <a:pos x="wd2" y="hd2"/>
-              </a:cxn>
-              <a:cxn ang="10800000">
-                <a:pos x="wd2" y="hd2"/>
-              </a:cxn>
-              <a:cxn ang="16200000">
-                <a:pos x="wd2" y="hd2"/>
-              </a:cxn>
-            </a:cxnLst>
-            <a:rect l="0" t="0" r="r" b="b"/>
-            <a:pathLst>
-              <a:path w="17503" h="21600" fill="norm" stroke="1" extrusionOk="0">
-                <a:moveTo>
-                  <a:pt x="8751" y="0"/>
-                </a:moveTo>
-                <a:cubicBezTo>
-                  <a:pt x="7839" y="416"/>
-                  <a:pt x="6966" y="881"/>
-                  <a:pt x="6145" y="1401"/>
-                </a:cubicBezTo>
-                <a:cubicBezTo>
-                  <a:pt x="-2049" y="6591"/>
-                  <a:pt x="-2049" y="15007"/>
-                  <a:pt x="6145" y="20198"/>
-                </a:cubicBezTo>
-                <a:cubicBezTo>
-                  <a:pt x="6966" y="20718"/>
-                  <a:pt x="7838" y="21184"/>
-                  <a:pt x="8751" y="21600"/>
-                </a:cubicBezTo>
-                <a:cubicBezTo>
-                  <a:pt x="9664" y="21184"/>
-                  <a:pt x="10536" y="20718"/>
-                  <a:pt x="11357" y="20198"/>
-                </a:cubicBezTo>
-                <a:cubicBezTo>
-                  <a:pt x="19551" y="15007"/>
-                  <a:pt x="19551" y="6591"/>
-                  <a:pt x="11357" y="1401"/>
-                </a:cubicBezTo>
-                <a:cubicBezTo>
-                  <a:pt x="10536" y="881"/>
-                  <a:pt x="9663" y="416"/>
-                  <a:pt x="8751" y="0"/>
-                </a:cubicBezTo>
-                <a:close/>
-              </a:path>
-            </a:pathLst>
-          </a:custGeom>
-          <a:solidFill>
-            <a:schemeClr val="accent6">
-              <a:lumOff val="-8980"/>
-            </a:schemeClr>
-          </a:solidFill>
-          <a:ln w="12700">
-            <a:miter lim="400000"/>
-          </a:ln>
-        </p:spPr>
-        <p:txBody>
-          <a:bodyPr lIns="50800" tIns="50800" rIns="50800" bIns="50800" anchor="ctr"/>
-          <a:lstStyle/>
-          <a:p>
-            <a:pPr>
-              <a:defRPr>
-                <a:solidFill>
-                  <a:srgbClr val="838787"/>
-                </a:solidFill>
-              </a:defRPr>
-            </a:pPr>
-          </a:p>
-        </p:txBody>
-      </p:sp>
+      </p:pic>
     </p:spTree>
   </p:cSld>
   <p:clrMapOvr>
@@ -11202,54 +9576,107 @@
       </p:grpSpPr>
       <p:sp>
         <p:nvSpPr>
-          <p:cNvPr id="323" name="Shape 323"/>
+          <p:cNvPr id="310" name="Shape 310"/>
           <p:cNvSpPr/>
           <p:nvPr>
-            <p:ph type="subTitle" sz="quarter" idx="1"/>
+            <p:ph type="title"/>
           </p:nvPr>
         </p:nvSpPr>
         <p:spPr>
+          <a:xfrm>
+            <a:off x="406400" y="1536700"/>
+            <a:ext cx="12192000" cy="1169261"/>
+          </a:xfrm>
           <a:prstGeom prst="rect">
             <a:avLst/>
           </a:prstGeom>
         </p:spPr>
         <p:txBody>
           <a:bodyPr/>
+          <a:lstStyle>
+            <a:lvl1pPr defTabSz="403097">
+              <a:spcBef>
+                <a:spcPts val="1900"/>
+              </a:spcBef>
+              <a:defRPr sz="8200"/>
+            </a:lvl1pPr>
+          </a:lstStyle>
+          <a:p>
+            <a:pPr/>
+            <a:r>
+              <a:t>Sensitivity</a:t>
+            </a:r>
+          </a:p>
+        </p:txBody>
+      </p:sp>
+      <p:sp>
+        <p:nvSpPr>
+          <p:cNvPr id="311" name="Shape 311"/>
+          <p:cNvSpPr/>
+          <p:nvPr>
+            <p:ph type="body" idx="1"/>
+          </p:nvPr>
+        </p:nvSpPr>
+        <p:spPr>
+          <a:xfrm>
+            <a:off x="406400" y="3953767"/>
+            <a:ext cx="12192000" cy="4793723"/>
+          </a:xfrm>
+          <a:prstGeom prst="rect">
+            <a:avLst/>
+          </a:prstGeom>
+        </p:spPr>
+        <p:txBody>
+          <a:bodyPr anchor="t"/>
           <a:lstStyle/>
           <a:p>
-            <a:pPr/>
-          </a:p>
-        </p:txBody>
-      </p:sp>
-      <p:pic>
-        <p:nvPicPr>
-          <p:cNvPr id="324" name="pasted-image.png"/>
-          <p:cNvPicPr>
-            <a:picLocks noChangeAspect="1"/>
-          </p:cNvPicPr>
-          <p:nvPr/>
-        </p:nvPicPr>
-        <p:blipFill>
-          <a:blip r:embed="rId2">
-            <a:extLst/>
-          </a:blip>
-          <a:stretch>
-            <a:fillRect/>
-          </a:stretch>
-        </p:blipFill>
-        <p:spPr>
-          <a:xfrm>
-            <a:off x="-1268773" y="1082954"/>
-            <a:ext cx="14296857" cy="6892646"/>
-          </a:xfrm>
-          <a:prstGeom prst="rect">
-            <a:avLst/>
-          </a:prstGeom>
-          <a:ln w="12700">
-            <a:miter lim="400000"/>
-          </a:ln>
-        </p:spPr>
-      </p:pic>
+            <a:pPr marL="663612" indent="-663612" defTabSz="549148">
+              <a:lnSpc>
+                <a:spcPct val="100000"/>
+              </a:lnSpc>
+              <a:spcBef>
+                <a:spcPts val="2600"/>
+              </a:spcBef>
+              <a:buSzPct val="40000"/>
+              <a:buBlip>
+                <a:blip r:embed="rId2"/>
+              </a:buBlip>
+              <a:defRPr cap="none" spc="0" sz="6000">
+                <a:latin typeface="Avenir Next Medium"/>
+                <a:ea typeface="Avenir Next Medium"/>
+                <a:cs typeface="Avenir Next Medium"/>
+                <a:sym typeface="Avenir Next Medium"/>
+              </a:defRPr>
+            </a:pPr>
+            <a:r>
+              <a:t>TP / TP + FN</a:t>
+            </a:r>
+          </a:p>
+          <a:p>
+            <a:pPr marL="663612" indent="-663612" defTabSz="549148">
+              <a:lnSpc>
+                <a:spcPct val="100000"/>
+              </a:lnSpc>
+              <a:spcBef>
+                <a:spcPts val="2600"/>
+              </a:spcBef>
+              <a:buSzPct val="40000"/>
+              <a:buBlip>
+                <a:blip r:embed="rId2"/>
+              </a:buBlip>
+              <a:defRPr cap="none" spc="0" sz="6000">
+                <a:latin typeface="Avenir Next Medium"/>
+                <a:ea typeface="Avenir Next Medium"/>
+                <a:cs typeface="Avenir Next Medium"/>
+                <a:sym typeface="Avenir Next Medium"/>
+              </a:defRPr>
+            </a:pPr>
+            <a:r>
+              <a:t>Focuses only on performance on TRUE samples</a:t>
+            </a:r>
+          </a:p>
+        </p:txBody>
+      </p:sp>
     </p:spTree>
   </p:cSld>
   <p:clrMapOvr>
@@ -11278,7 +9705,7 @@
       </p:grpSpPr>
       <p:sp>
         <p:nvSpPr>
-          <p:cNvPr id="190" name="Shape 190"/>
+          <p:cNvPr id="199" name="Shape 199"/>
           <p:cNvSpPr/>
           <p:nvPr>
             <p:ph type="title"/>
@@ -11286,8 +9713,8 @@
         </p:nvSpPr>
         <p:spPr>
           <a:xfrm>
-            <a:off x="2909630" y="1388532"/>
-            <a:ext cx="7185540" cy="1960664"/>
+            <a:off x="406400" y="1536700"/>
+            <a:ext cx="12192000" cy="1169261"/>
           </a:xfrm>
           <a:prstGeom prst="rect">
             <a:avLst/>
@@ -11296,65 +9723,85 @@
         <p:txBody>
           <a:bodyPr/>
           <a:lstStyle>
-            <a:lvl1pPr defTabSz="519937">
-              <a:defRPr sz="10680"/>
+            <a:lvl1pPr defTabSz="403097">
+              <a:spcBef>
+                <a:spcPts val="1900"/>
+              </a:spcBef>
+              <a:defRPr sz="8200"/>
             </a:lvl1pPr>
           </a:lstStyle>
           <a:p>
             <a:pPr/>
             <a:r>
-              <a:t>Bayes’ Theorem</a:t>
-            </a:r>
-          </a:p>
-        </p:txBody>
-      </p:sp>
-      <p:sp>
-        <p:nvSpPr>
-          <p:cNvPr id="191" name="Shape 191"/>
+              <a:t>Problems with Probability</a:t>
+            </a:r>
+          </a:p>
+        </p:txBody>
+      </p:sp>
+      <p:sp>
+        <p:nvSpPr>
+          <p:cNvPr id="200" name="Shape 200"/>
           <p:cNvSpPr/>
           <p:nvPr>
-            <p:ph type="body" idx="4294967295"/>
+            <p:ph type="body" sz="half" idx="1"/>
           </p:nvPr>
         </p:nvSpPr>
         <p:spPr>
           <a:xfrm>
-            <a:off x="406400" y="3839863"/>
-            <a:ext cx="12192000" cy="6311307"/>
-          </a:xfrm>
-          <a:prstGeom prst="rect">
-            <a:avLst/>
-          </a:prstGeom>
-        </p:spPr>
-        <p:txBody>
-          <a:bodyPr lIns="50800" tIns="50800" rIns="50800" bIns="50800"/>
-          <a:lstStyle>
-            <a:lvl1pPr marL="677731" indent="-677731" defTabSz="560830">
-              <a:spcBef>
-                <a:spcPts val="2600"/>
-              </a:spcBef>
-              <a:buClr>
-                <a:srgbClr val="39A3D5"/>
-              </a:buClr>
+            <a:off x="406400" y="4538100"/>
+            <a:ext cx="12192000" cy="2531601"/>
+          </a:xfrm>
+          <a:prstGeom prst="rect">
+            <a:avLst/>
+          </a:prstGeom>
+        </p:spPr>
+        <p:txBody>
+          <a:bodyPr anchor="t"/>
+          <a:lstStyle/>
+          <a:p>
+            <a:pPr marL="550656" indent="-550656" defTabSz="455674">
+              <a:lnSpc>
+                <a:spcPct val="100000"/>
+              </a:lnSpc>
+              <a:spcBef>
+                <a:spcPts val="2100"/>
+              </a:spcBef>
               <a:buSzPct val="40000"/>
-              <a:buFont typeface="Avenir Next"/>
               <a:buBlip>
                 <a:blip r:embed="rId2"/>
               </a:buBlip>
-              <a:defRPr sz="6100">
-                <a:solidFill>
-                  <a:srgbClr val="838787"/>
-                </a:solidFill>
+              <a:defRPr cap="none" spc="0" sz="4900">
                 <a:latin typeface="Avenir Next Medium"/>
                 <a:ea typeface="Avenir Next Medium"/>
                 <a:cs typeface="Avenir Next Medium"/>
                 <a:sym typeface="Avenir Next Medium"/>
               </a:defRPr>
-            </a:lvl1pPr>
-          </a:lstStyle>
-          <a:p>
-            <a:pPr/>
-            <a:r>
-              <a:t>How to evaluate evidence using probability theory</a:t>
+            </a:pPr>
+            <a:r>
+              <a:t>Positive values only</a:t>
+            </a:r>
+          </a:p>
+          <a:p>
+            <a:pPr marL="550656" indent="-550656" defTabSz="455674">
+              <a:lnSpc>
+                <a:spcPct val="100000"/>
+              </a:lnSpc>
+              <a:spcBef>
+                <a:spcPts val="2100"/>
+              </a:spcBef>
+              <a:buSzPct val="40000"/>
+              <a:buBlip>
+                <a:blip r:embed="rId2"/>
+              </a:buBlip>
+              <a:defRPr cap="none" spc="0" sz="4900">
+                <a:latin typeface="Avenir Next Medium"/>
+                <a:ea typeface="Avenir Next Medium"/>
+                <a:cs typeface="Avenir Next Medium"/>
+                <a:sym typeface="Avenir Next Medium"/>
+              </a:defRPr>
+            </a:pPr>
+            <a:r>
+              <a:t>Must fit between 0 and 1</a:t>
             </a:r>
           </a:p>
         </p:txBody>
@@ -11385,16 +9832,27 @@
           <a:chExt cx="0" cy="0"/>
         </a:xfrm>
       </p:grpSpPr>
-      <p:sp>
-        <p:nvSpPr>
-          <p:cNvPr id="326" name="Shape 326"/>
-          <p:cNvSpPr/>
+      <p:pic>
+        <p:nvPicPr>
+          <p:cNvPr id="313" name="resampling.png"/>
+          <p:cNvPicPr>
+            <a:picLocks noChangeAspect="1"/>
+          </p:cNvPicPr>
           <p:nvPr/>
-        </p:nvSpPr>
-        <p:spPr>
-          <a:xfrm>
-            <a:off x="386715" y="4381498"/>
-            <a:ext cx="12231371" cy="990604"/>
+        </p:nvPicPr>
+        <p:blipFill>
+          <a:blip r:embed="rId2">
+            <a:extLst/>
+          </a:blip>
+          <a:srcRect l="45323" t="0" r="0" b="0"/>
+          <a:stretch>
+            <a:fillRect/>
+          </a:stretch>
+        </p:blipFill>
+        <p:spPr>
+          <a:xfrm>
+            <a:off x="0" y="1225153"/>
+            <a:ext cx="13004942" cy="7303262"/>
           </a:xfrm>
           <a:prstGeom prst="rect">
             <a:avLst/>
@@ -11402,44 +9860,8 @@
           <a:ln w="12700">
             <a:miter lim="400000"/>
           </a:ln>
-          <a:extLst>
-            <a:ext uri="{C572A759-6A51-4108-AA02-DFA0A04FC94B}">
-              <ma14:wrappingTextBoxFlag xmlns:ma14="http://schemas.microsoft.com/office/mac/drawingml/2011/main" val="1"/>
-            </a:ext>
-          </a:extLst>
-        </p:spPr>
-        <p:txBody>
-          <a:bodyPr wrap="none" lIns="50800" tIns="50800" rIns="50800" bIns="50800" anchor="ctr">
-            <a:spAutoFit/>
-          </a:bodyPr>
-          <a:lstStyle>
-            <a:lvl1pPr>
-              <a:defRPr sz="7000">
-                <a:solidFill>
-                  <a:srgbClr val="A7A7A7"/>
-                </a:solidFill>
-              </a:defRPr>
-            </a:lvl1pPr>
-          </a:lstStyle>
-          <a:p>
-            <a:pPr>
-              <a:defRPr>
-                <a:solidFill>
-                  <a:schemeClr val="accent5"/>
-                </a:solidFill>
-              </a:defRPr>
-            </a:pPr>
-            <a:r>
-              <a:rPr>
-                <a:solidFill>
-                  <a:srgbClr val="A7A7A7"/>
-                </a:solidFill>
-              </a:rPr>
-              <a:t>P(SPAM|”prince”) • P(SPAM|”nigeria”) • …</a:t>
-            </a:r>
-          </a:p>
-        </p:txBody>
-      </p:sp>
+        </p:spPr>
+      </p:pic>
     </p:spTree>
   </p:cSld>
   <p:clrMapOvr>
@@ -11468,7 +9890,7 @@
       </p:grpSpPr>
       <p:sp>
         <p:nvSpPr>
-          <p:cNvPr id="328" name="Shape 328"/>
+          <p:cNvPr id="315" name="Shape 315"/>
           <p:cNvSpPr/>
           <p:nvPr>
             <p:ph type="title"/>
@@ -11476,8 +9898,8 @@
         </p:nvSpPr>
         <p:spPr>
           <a:xfrm>
-            <a:off x="2785235" y="3970866"/>
-            <a:ext cx="7434330" cy="2567187"/>
+            <a:off x="406400" y="1536700"/>
+            <a:ext cx="12192000" cy="1169261"/>
           </a:xfrm>
           <a:prstGeom prst="rect">
             <a:avLst/>
@@ -11485,11 +9907,86 @@
         </p:spPr>
         <p:txBody>
           <a:bodyPr/>
+          <a:lstStyle>
+            <a:lvl1pPr defTabSz="403097">
+              <a:spcBef>
+                <a:spcPts val="1900"/>
+              </a:spcBef>
+              <a:defRPr sz="8200"/>
+            </a:lvl1pPr>
+          </a:lstStyle>
+          <a:p>
+            <a:pPr/>
+            <a:r>
+              <a:t>Oversampling</a:t>
+            </a:r>
+          </a:p>
+        </p:txBody>
+      </p:sp>
+      <p:sp>
+        <p:nvSpPr>
+          <p:cNvPr id="316" name="Shape 316"/>
+          <p:cNvSpPr/>
+          <p:nvPr>
+            <p:ph type="body" idx="1"/>
+          </p:nvPr>
+        </p:nvSpPr>
+        <p:spPr>
+          <a:xfrm>
+            <a:off x="406400" y="3953767"/>
+            <a:ext cx="12192000" cy="4793723"/>
+          </a:xfrm>
+          <a:prstGeom prst="rect">
+            <a:avLst/>
+          </a:prstGeom>
+        </p:spPr>
+        <p:txBody>
+          <a:bodyPr anchor="t"/>
           <a:lstStyle/>
           <a:p>
-            <a:pPr/>
-            <a:r>
-              <a:t>Exercises</a:t>
+            <a:pPr marL="663612" indent="-663612" defTabSz="549148">
+              <a:lnSpc>
+                <a:spcPct val="100000"/>
+              </a:lnSpc>
+              <a:spcBef>
+                <a:spcPts val="2600"/>
+              </a:spcBef>
+              <a:buSzPct val="40000"/>
+              <a:buBlip>
+                <a:blip r:embed="rId2"/>
+              </a:buBlip>
+              <a:defRPr cap="none" spc="0" sz="6000">
+                <a:latin typeface="Avenir Next Medium"/>
+                <a:ea typeface="Avenir Next Medium"/>
+                <a:cs typeface="Avenir Next Medium"/>
+                <a:sym typeface="Avenir Next Medium"/>
+              </a:defRPr>
+            </a:pPr>
+            <a:r>
+              <a:t>Often have WAY more negative samples than positive</a:t>
+            </a:r>
+          </a:p>
+          <a:p>
+            <a:pPr marL="663612" indent="-663612" defTabSz="549148">
+              <a:lnSpc>
+                <a:spcPct val="100000"/>
+              </a:lnSpc>
+              <a:spcBef>
+                <a:spcPts val="2600"/>
+              </a:spcBef>
+              <a:buSzPct val="40000"/>
+              <a:buBlip>
+                <a:blip r:embed="rId2"/>
+              </a:buBlip>
+              <a:defRPr cap="none" spc="0" sz="6000">
+                <a:latin typeface="Avenir Next Medium"/>
+                <a:ea typeface="Avenir Next Medium"/>
+                <a:cs typeface="Avenir Next Medium"/>
+                <a:sym typeface="Avenir Next Medium"/>
+              </a:defRPr>
+            </a:pPr>
+            <a:r>
+              <a:t>High “accuracy” if you always guess negative!</a:t>
             </a:r>
           </a:p>
         </p:txBody>
@@ -11522,57 +10019,34 @@
       </p:grpSpPr>
       <p:pic>
         <p:nvPicPr>
-          <p:cNvPr id="330" name="pasted-image.jpeg"/>
+          <p:cNvPr id="318" name="resampling.png"/>
           <p:cNvPicPr>
             <a:picLocks noChangeAspect="1"/>
           </p:cNvPicPr>
-          <p:nvPr>
-            <p:ph type="pic" idx="13"/>
-          </p:nvPr>
+          <p:nvPr/>
         </p:nvPicPr>
         <p:blipFill>
           <a:blip r:embed="rId2">
             <a:extLst/>
           </a:blip>
-          <a:srcRect l="21875" t="0" r="21875" b="0"/>
+          <a:srcRect l="0" t="0" r="48145" b="0"/>
           <a:stretch>
             <a:fillRect/>
           </a:stretch>
         </p:blipFill>
         <p:spPr>
-          <a:prstGeom prst="rect">
-            <a:avLst/>
-          </a:prstGeom>
+          <a:xfrm>
+            <a:off x="-13451" y="1018626"/>
+            <a:ext cx="13031665" cy="7716472"/>
+          </a:xfrm>
+          <a:prstGeom prst="rect">
+            <a:avLst/>
+          </a:prstGeom>
+          <a:ln w="12700">
+            <a:miter lim="400000"/>
+          </a:ln>
         </p:spPr>
       </p:pic>
-      <p:sp>
-        <p:nvSpPr>
-          <p:cNvPr id="331" name="Shape 331"/>
-          <p:cNvSpPr/>
-          <p:nvPr>
-            <p:ph type="title"/>
-          </p:nvPr>
-        </p:nvSpPr>
-        <p:spPr>
-          <a:prstGeom prst="rect">
-            <a:avLst/>
-          </a:prstGeom>
-        </p:spPr>
-        <p:txBody>
-          <a:bodyPr/>
-          <a:lstStyle>
-            <a:lvl1pPr defTabSz="362204">
-              <a:defRPr sz="10540"/>
-            </a:lvl1pPr>
-          </a:lstStyle>
-          <a:p>
-            <a:pPr/>
-            <a:r>
-              <a:t>Creating a Bot</a:t>
-            </a:r>
-          </a:p>
-        </p:txBody>
-      </p:sp>
     </p:spTree>
   </p:cSld>
   <p:clrMapOvr>
@@ -11601,7 +10075,7 @@
       </p:grpSpPr>
       <p:sp>
         <p:nvSpPr>
-          <p:cNvPr id="333" name="Shape 333"/>
+          <p:cNvPr id="320" name="Shape 320"/>
           <p:cNvSpPr/>
           <p:nvPr>
             <p:ph type="title"/>
@@ -11629,23 +10103,23 @@
           <a:p>
             <a:pPr/>
             <a:r>
-              <a:t>Generating tweets</a:t>
-            </a:r>
-          </a:p>
-        </p:txBody>
-      </p:sp>
-      <p:sp>
-        <p:nvSpPr>
-          <p:cNvPr id="334" name="Shape 334"/>
+              <a:t>Undersampling</a:t>
+            </a:r>
+          </a:p>
+        </p:txBody>
+      </p:sp>
+      <p:sp>
+        <p:nvSpPr>
+          <p:cNvPr id="321" name="Shape 321"/>
           <p:cNvSpPr/>
           <p:nvPr>
-            <p:ph type="body" sz="half" idx="1"/>
+            <p:ph type="body" idx="1"/>
           </p:nvPr>
         </p:nvSpPr>
         <p:spPr>
           <a:xfrm>
-            <a:off x="406400" y="4538100"/>
-            <a:ext cx="12192000" cy="2531601"/>
+            <a:off x="406400" y="3953767"/>
+            <a:ext cx="12192000" cy="4793723"/>
           </a:xfrm>
           <a:prstGeom prst="rect">
             <a:avLst/>
@@ -11655,18 +10129,18 @@
           <a:bodyPr anchor="t"/>
           <a:lstStyle/>
           <a:p>
-            <a:pPr marL="550656" indent="-550656" defTabSz="455674">
+            <a:pPr marL="663612" indent="-663612" defTabSz="549148">
               <a:lnSpc>
                 <a:spcPct val="100000"/>
               </a:lnSpc>
               <a:spcBef>
-                <a:spcPts val="2100"/>
+                <a:spcPts val="2600"/>
               </a:spcBef>
               <a:buSzPct val="40000"/>
               <a:buBlip>
                 <a:blip r:embed="rId2"/>
               </a:buBlip>
-              <a:defRPr cap="none" spc="0" sz="4900">
+              <a:defRPr cap="none" spc="0" sz="6000">
                 <a:latin typeface="Avenir Next Medium"/>
                 <a:ea typeface="Avenir Next Medium"/>
                 <a:cs typeface="Avenir Next Medium"/>
@@ -11674,22 +10148,22 @@
               </a:defRPr>
             </a:pPr>
             <a:r>
-              <a:t>Our classifiers work “in reverse” as well!</a:t>
-            </a:r>
-          </a:p>
-          <a:p>
-            <a:pPr marL="550656" indent="-550656" defTabSz="455674">
+              <a:t>Avoid — loses data!</a:t>
+            </a:r>
+          </a:p>
+          <a:p>
+            <a:pPr marL="663612" indent="-663612" defTabSz="549148">
               <a:lnSpc>
                 <a:spcPct val="100000"/>
               </a:lnSpc>
               <a:spcBef>
-                <a:spcPts val="2100"/>
+                <a:spcPts val="2600"/>
               </a:spcBef>
               <a:buSzPct val="40000"/>
               <a:buBlip>
                 <a:blip r:embed="rId2"/>
               </a:buBlip>
-              <a:defRPr cap="none" spc="0" sz="4900">
+              <a:defRPr cap="none" spc="0" sz="6000">
                 <a:latin typeface="Avenir Next Medium"/>
                 <a:ea typeface="Avenir Next Medium"/>
                 <a:cs typeface="Avenir Next Medium"/>
@@ -11697,7 +10171,7 @@
               </a:defRPr>
             </a:pPr>
             <a:r>
-              <a:t>Choose words with historic frequency</a:t>
+              <a:t>Used when size is expensive, eg. Big Data or data that has to be cleaned manually</a:t>
             </a:r>
           </a:p>
         </p:txBody>
@@ -11730,7 +10204,7 @@
       </p:grpSpPr>
       <p:sp>
         <p:nvSpPr>
-          <p:cNvPr id="336" name="Shape 336"/>
+          <p:cNvPr id="323" name="Shape 323"/>
           <p:cNvSpPr/>
           <p:nvPr>
             <p:ph type="title"/>
@@ -11758,23 +10232,23 @@
           <a:p>
             <a:pPr/>
             <a:r>
-              <a:t>Random.choice()</a:t>
-            </a:r>
-          </a:p>
-        </p:txBody>
-      </p:sp>
-      <p:sp>
-        <p:nvSpPr>
-          <p:cNvPr id="337" name="Shape 337"/>
+              <a:t>Imbalance-learn</a:t>
+            </a:r>
+          </a:p>
+        </p:txBody>
+      </p:sp>
+      <p:sp>
+        <p:nvSpPr>
+          <p:cNvPr id="324" name="Shape 324"/>
           <p:cNvSpPr/>
           <p:nvPr>
-            <p:ph type="body" sz="half" idx="1"/>
+            <p:ph type="body" idx="1"/>
           </p:nvPr>
         </p:nvSpPr>
         <p:spPr>
           <a:xfrm>
-            <a:off x="406400" y="3708366"/>
-            <a:ext cx="12192000" cy="4142980"/>
+            <a:off x="406400" y="3953767"/>
+            <a:ext cx="12192000" cy="4793723"/>
           </a:xfrm>
           <a:prstGeom prst="rect">
             <a:avLst/>
@@ -11784,18 +10258,18 @@
           <a:bodyPr anchor="t"/>
           <a:lstStyle/>
           <a:p>
-            <a:pPr marL="550656" indent="-550656" defTabSz="455674">
+            <a:pPr marL="663612" indent="-663612" defTabSz="549148">
               <a:lnSpc>
                 <a:spcPct val="100000"/>
               </a:lnSpc>
               <a:spcBef>
-                <a:spcPts val="2100"/>
+                <a:spcPts val="2600"/>
               </a:spcBef>
               <a:buSzPct val="40000"/>
               <a:buBlip>
                 <a:blip r:embed="rId2"/>
               </a:buBlip>
-              <a:defRPr cap="none" spc="0" sz="4900">
+              <a:defRPr cap="none" spc="0" sz="6000">
                 <a:latin typeface="Avenir Next Medium"/>
                 <a:ea typeface="Avenir Next Medium"/>
                 <a:cs typeface="Avenir Next Medium"/>
@@ -11803,22 +10277,22 @@
               </a:defRPr>
             </a:pPr>
             <a:r>
-              <a:t>Choose randomly from any collection</a:t>
-            </a:r>
-          </a:p>
-          <a:p>
-            <a:pPr marL="550656" indent="-550656" defTabSz="455674">
+              <a:t>Fix imbalance in Pipeline</a:t>
+            </a:r>
+          </a:p>
+          <a:p>
+            <a:pPr marL="663612" indent="-663612" defTabSz="549148">
               <a:lnSpc>
                 <a:spcPct val="100000"/>
               </a:lnSpc>
               <a:spcBef>
-                <a:spcPts val="2100"/>
+                <a:spcPts val="2600"/>
               </a:spcBef>
               <a:buSzPct val="40000"/>
               <a:buBlip>
                 <a:blip r:embed="rId2"/>
               </a:buBlip>
-              <a:defRPr cap="none" spc="0" sz="4900">
+              <a:defRPr cap="none" spc="0" sz="6000">
                 <a:latin typeface="Avenir Next Medium"/>
                 <a:ea typeface="Avenir Next Medium"/>
                 <a:cs typeface="Avenir Next Medium"/>
@@ -11826,30 +10300,7 @@
               </a:defRPr>
             </a:pPr>
             <a:r>
-              <a:t>Parameter “weights” controls frequency</a:t>
-            </a:r>
-          </a:p>
-          <a:p>
-            <a:pPr marL="550656" indent="-550656" defTabSz="455674">
-              <a:lnSpc>
-                <a:spcPct val="100000"/>
-              </a:lnSpc>
-              <a:spcBef>
-                <a:spcPts val="2100"/>
-              </a:spcBef>
-              <a:buSzPct val="40000"/>
-              <a:buBlip>
-                <a:blip r:embed="rId2"/>
-              </a:buBlip>
-              <a:defRPr cap="none" spc="0" sz="4900">
-                <a:latin typeface="Avenir Next Medium"/>
-                <a:ea typeface="Avenir Next Medium"/>
-                <a:cs typeface="Avenir Next Medium"/>
-                <a:sym typeface="Avenir Next Medium"/>
-              </a:defRPr>
-            </a:pPr>
-            <a:r>
-              <a:t>Parameter “k” controls how many</a:t>
+              <a:t>Need to import make_pipeline() from imbalance-learn instead</a:t>
             </a:r>
           </a:p>
         </p:txBody>
@@ -11882,7 +10333,7 @@
       </p:grpSpPr>
       <p:sp>
         <p:nvSpPr>
-          <p:cNvPr id="339" name="Shape 339"/>
+          <p:cNvPr id="326" name="Shape 326"/>
           <p:cNvSpPr/>
           <p:nvPr>
             <p:ph type="title"/>
@@ -11910,23 +10361,23 @@
           <a:p>
             <a:pPr/>
             <a:r>
-              <a:t>Tweepy</a:t>
-            </a:r>
-          </a:p>
-        </p:txBody>
-      </p:sp>
-      <p:sp>
-        <p:nvSpPr>
-          <p:cNvPr id="340" name="Shape 340"/>
+              <a:t>Random Oversampler</a:t>
+            </a:r>
+          </a:p>
+        </p:txBody>
+      </p:sp>
+      <p:sp>
+        <p:nvSpPr>
+          <p:cNvPr id="327" name="Shape 327"/>
           <p:cNvSpPr/>
           <p:nvPr>
-            <p:ph type="body" sz="half" idx="1"/>
+            <p:ph type="body" idx="1"/>
           </p:nvPr>
         </p:nvSpPr>
         <p:spPr>
           <a:xfrm>
-            <a:off x="406400" y="3708366"/>
-            <a:ext cx="12192000" cy="4142980"/>
+            <a:off x="406400" y="3953767"/>
+            <a:ext cx="12192000" cy="4793723"/>
           </a:xfrm>
           <a:prstGeom prst="rect">
             <a:avLst/>
@@ -11936,18 +10387,18 @@
           <a:bodyPr anchor="t"/>
           <a:lstStyle/>
           <a:p>
-            <a:pPr marL="550656" indent="-550656" defTabSz="455674">
+            <a:pPr marL="663612" indent="-663612" defTabSz="549148">
               <a:lnSpc>
                 <a:spcPct val="100000"/>
               </a:lnSpc>
               <a:spcBef>
-                <a:spcPts val="2100"/>
+                <a:spcPts val="2600"/>
               </a:spcBef>
               <a:buSzPct val="40000"/>
               <a:buBlip>
                 <a:blip r:embed="rId2"/>
               </a:buBlip>
-              <a:defRPr cap="none" spc="0" sz="4900">
+              <a:defRPr cap="none" spc="0" sz="6000">
                 <a:latin typeface="Avenir Next Medium"/>
                 <a:ea typeface="Avenir Next Medium"/>
                 <a:cs typeface="Avenir Next Medium"/>
@@ -11955,22 +10406,22 @@
               </a:defRPr>
             </a:pPr>
             <a:r>
-              <a:t>Library that wraps around the Twitter API</a:t>
-            </a:r>
-          </a:p>
-          <a:p>
-            <a:pPr marL="550656" indent="-550656" defTabSz="455674">
+              <a:t>Adds random duplicates</a:t>
+            </a:r>
+          </a:p>
+          <a:p>
+            <a:pPr marL="663612" indent="-663612" defTabSz="549148">
               <a:lnSpc>
                 <a:spcPct val="100000"/>
               </a:lnSpc>
               <a:spcBef>
-                <a:spcPts val="2100"/>
+                <a:spcPts val="2600"/>
               </a:spcBef>
               <a:buSzPct val="40000"/>
               <a:buBlip>
                 <a:blip r:embed="rId2"/>
               </a:buBlip>
-              <a:defRPr cap="none" spc="0" sz="4900">
+              <a:defRPr cap="none" spc="0" sz="6000">
                 <a:latin typeface="Avenir Next Medium"/>
                 <a:ea typeface="Avenir Next Medium"/>
                 <a:cs typeface="Avenir Next Medium"/>
@@ -11978,7 +10429,7 @@
               </a:defRPr>
             </a:pPr>
             <a:r>
-              <a:t>Your account needs approval to use the Twitter API</a:t>
+              <a:t>from imblearn.over_sampling import RandomOverSampler</a:t>
             </a:r>
           </a:p>
         </p:txBody>
@@ -11992,7 +10443,7 @@
 </p:sld>
 </file>
 
-<file path=ppt/slides/slide46.xml><?xml version="1.0" encoding="utf-8"?>
+<file path=ppt/slides/slide5.xml><?xml version="1.0" encoding="utf-8"?>
 <p:sld xmlns:a="http://schemas.openxmlformats.org/drawingml/2006/main" xmlns:r="http://schemas.openxmlformats.org/officeDocument/2006/relationships" xmlns:p="http://schemas.openxmlformats.org/presentationml/2006/main" showMasterSp="1" showMasterPhAnim="1">
   <p:cSld>
     <p:spTree>
@@ -12011,7 +10462,7 @@
       </p:grpSpPr>
       <p:sp>
         <p:nvSpPr>
-          <p:cNvPr id="342" name="Shape 342"/>
+          <p:cNvPr id="202" name="Shape 202"/>
           <p:cNvSpPr/>
           <p:nvPr>
             <p:ph type="title"/>
@@ -12019,8 +10470,8 @@
         </p:nvSpPr>
         <p:spPr>
           <a:xfrm>
-            <a:off x="2802101" y="4038600"/>
-            <a:ext cx="7400598" cy="4521200"/>
+            <a:off x="406400" y="1536700"/>
+            <a:ext cx="12192000" cy="1169261"/>
           </a:xfrm>
           <a:prstGeom prst="rect">
             <a:avLst/>
@@ -12028,155 +10479,86 @@
         </p:spPr>
         <p:txBody>
           <a:bodyPr/>
-          <a:lstStyle/>
-          <a:p>
-            <a:pPr/>
-            <a:r>
-              <a:t>Exercises</a:t>
-            </a:r>
-          </a:p>
-        </p:txBody>
-      </p:sp>
-    </p:spTree>
-  </p:cSld>
-  <p:clrMapOvr>
-    <a:masterClrMapping/>
-  </p:clrMapOvr>
-  <p:transition xmlns:p14="http://schemas.microsoft.com/office/powerpoint/2010/main" spd="med" advClick="1"/>
-</p:sld>
-</file>
-
-<file path=ppt/slides/slide5.xml><?xml version="1.0" encoding="utf-8"?>
-<p:sld xmlns:a="http://schemas.openxmlformats.org/drawingml/2006/main" xmlns:r="http://schemas.openxmlformats.org/officeDocument/2006/relationships" xmlns:p="http://schemas.openxmlformats.org/presentationml/2006/main" showMasterSp="1" showMasterPhAnim="1">
-  <p:cSld>
-    <p:bg>
-      <p:bgPr>
-        <a:solidFill>
-          <a:srgbClr val="000000"/>
-        </a:solidFill>
-      </p:bgPr>
-    </p:bg>
-    <p:spTree>
-      <p:nvGrpSpPr>
-        <p:cNvPr id="1" name=""/>
-        <p:cNvGrpSpPr/>
-        <p:nvPr/>
-      </p:nvGrpSpPr>
-      <p:grpSpPr>
-        <a:xfrm>
-          <a:off x="0" y="0"/>
-          <a:ext cx="0" cy="0"/>
-          <a:chOff x="0" y="0"/>
-          <a:chExt cx="0" cy="0"/>
-        </a:xfrm>
-      </p:grpSpPr>
-      <p:sp>
-        <p:nvSpPr>
-          <p:cNvPr id="193" name="Shape 193"/>
-          <p:cNvSpPr/>
-          <p:nvPr/>
-        </p:nvSpPr>
-        <p:spPr>
-          <a:xfrm rot="5400000">
-            <a:off x="7409953" y="4436037"/>
-            <a:ext cx="8261220" cy="881526"/>
-          </a:xfrm>
-          <a:prstGeom prst="leftRightArrow">
-            <a:avLst>
-              <a:gd name="adj1" fmla="val 32559"/>
-              <a:gd name="adj2" fmla="val 61739"/>
-            </a:avLst>
-          </a:prstGeom>
-          <a:solidFill>
-            <a:schemeClr val="accent5"/>
-          </a:solidFill>
-          <a:ln w="12700">
-            <a:miter lim="400000"/>
-          </a:ln>
-        </p:spPr>
-        <p:txBody>
-          <a:bodyPr lIns="50800" tIns="50800" rIns="50800" bIns="50800" anchor="ctr"/>
-          <a:lstStyle/>
-          <a:p>
-            <a:pPr/>
-          </a:p>
-        </p:txBody>
-      </p:sp>
-      <p:sp>
-        <p:nvSpPr>
-          <p:cNvPr id="194" name="Shape 194"/>
-          <p:cNvSpPr/>
-          <p:nvPr/>
-        </p:nvSpPr>
-        <p:spPr>
-          <a:xfrm>
-            <a:off x="1618753" y="8229103"/>
-            <a:ext cx="8261220" cy="881527"/>
-          </a:xfrm>
-          <a:prstGeom prst="leftRightArrow">
-            <a:avLst>
-              <a:gd name="adj1" fmla="val 32559"/>
-              <a:gd name="adj2" fmla="val 61739"/>
-            </a:avLst>
-          </a:prstGeom>
-          <a:solidFill>
-            <a:schemeClr val="accent5"/>
-          </a:solidFill>
-          <a:ln w="12700">
-            <a:miter lim="400000"/>
-          </a:ln>
-        </p:spPr>
-        <p:txBody>
-          <a:bodyPr lIns="50800" tIns="50800" rIns="50800" bIns="50800" anchor="ctr"/>
-          <a:lstStyle/>
-          <a:p>
-            <a:pPr/>
-          </a:p>
-        </p:txBody>
-      </p:sp>
-      <p:sp>
-        <p:nvSpPr>
-          <p:cNvPr id="195" name="Shape 195"/>
-          <p:cNvSpPr/>
-          <p:nvPr/>
-        </p:nvSpPr>
-        <p:spPr>
-          <a:xfrm>
-            <a:off x="4254246" y="3826931"/>
-            <a:ext cx="4496309" cy="1117605"/>
-          </a:xfrm>
-          <a:prstGeom prst="rect">
-            <a:avLst/>
-          </a:prstGeom>
-          <a:solidFill>
-            <a:srgbClr val="000000"/>
-          </a:solidFill>
-          <a:ln w="12700">
-            <a:miter lim="400000"/>
-          </a:ln>
-          <a:extLst>
-            <a:ext uri="{C572A759-6A51-4108-AA02-DFA0A04FC94B}">
-              <ma14:wrappingTextBoxFlag xmlns:ma14="http://schemas.microsoft.com/office/mac/drawingml/2011/main" val="1"/>
-            </a:ext>
-          </a:extLst>
-        </p:spPr>
-        <p:txBody>
-          <a:bodyPr wrap="none" lIns="50800" tIns="50800" rIns="50800" bIns="50800" anchor="ctr">
-            <a:spAutoFit/>
-          </a:bodyPr>
           <a:lstStyle>
-            <a:lvl1pPr>
-              <a:defRPr sz="8000">
-                <a:solidFill>
-                  <a:schemeClr val="accent5"/>
-                </a:solidFill>
-              </a:defRPr>
+            <a:lvl1pPr defTabSz="391004">
+              <a:spcBef>
+                <a:spcPts val="1800"/>
+              </a:spcBef>
+              <a:defRPr sz="7954"/>
             </a:lvl1pPr>
           </a:lstStyle>
           <a:p>
             <a:pPr/>
             <a:r>
-              <a:t>Total Area: 1.0</a:t>
+              <a:t>Solution: Output something easier</a:t>
+            </a:r>
+          </a:p>
+        </p:txBody>
+      </p:sp>
+      <p:sp>
+        <p:nvSpPr>
+          <p:cNvPr id="203" name="Shape 203"/>
+          <p:cNvSpPr/>
+          <p:nvPr>
+            <p:ph type="body" sz="half" idx="1"/>
+          </p:nvPr>
+        </p:nvSpPr>
+        <p:spPr>
+          <a:xfrm>
+            <a:off x="406400" y="4538100"/>
+            <a:ext cx="12192000" cy="2531601"/>
+          </a:xfrm>
+          <a:prstGeom prst="rect">
+            <a:avLst/>
+          </a:prstGeom>
+        </p:spPr>
+        <p:txBody>
+          <a:bodyPr anchor="t"/>
+          <a:lstStyle/>
+          <a:p>
+            <a:pPr marL="550656" indent="-550656" defTabSz="455674">
+              <a:lnSpc>
+                <a:spcPct val="100000"/>
+              </a:lnSpc>
+              <a:spcBef>
+                <a:spcPts val="2100"/>
+              </a:spcBef>
+              <a:buSzPct val="40000"/>
+              <a:buBlip>
+                <a:blip r:embed="rId2"/>
+              </a:buBlip>
+              <a:defRPr cap="none" spc="0" sz="4900">
+                <a:latin typeface="Avenir Next Medium"/>
+                <a:ea typeface="Avenir Next Medium"/>
+                <a:cs typeface="Avenir Next Medium"/>
+                <a:sym typeface="Avenir Next Medium"/>
+              </a:defRPr>
+            </a:pPr>
+            <a:r>
+              <a:t>Output something more line-friendly</a:t>
+            </a:r>
+          </a:p>
+          <a:p>
+            <a:pPr marL="550656" indent="-550656" defTabSz="455674">
+              <a:lnSpc>
+                <a:spcPct val="100000"/>
+              </a:lnSpc>
+              <a:spcBef>
+                <a:spcPts val="2100"/>
+              </a:spcBef>
+              <a:buSzPct val="40000"/>
+              <a:buBlip>
+                <a:blip r:embed="rId2"/>
+              </a:buBlip>
+              <a:defRPr cap="none" spc="0" sz="4900">
+                <a:latin typeface="Avenir Next Medium"/>
+                <a:ea typeface="Avenir Next Medium"/>
+                <a:cs typeface="Avenir Next Medium"/>
+                <a:sym typeface="Avenir Next Medium"/>
+              </a:defRPr>
+            </a:pPr>
+            <a:r>
+              <a:t>Translate back to probability later</a:t>
             </a:r>
           </a:p>
         </p:txBody>
@@ -12209,88 +10591,54 @@
       </p:grpSpPr>
       <p:sp>
         <p:nvSpPr>
-          <p:cNvPr id="197" name="Shape 197"/>
-          <p:cNvSpPr/>
+          <p:cNvPr id="205" name="Shape 205"/>
+          <p:cNvSpPr/>
+          <p:nvPr>
+            <p:ph type="subTitle" sz="quarter" idx="1"/>
+          </p:nvPr>
+        </p:nvSpPr>
+        <p:spPr>
+          <a:prstGeom prst="rect">
+            <a:avLst/>
+          </a:prstGeom>
+        </p:spPr>
+        <p:txBody>
+          <a:bodyPr/>
+          <a:lstStyle/>
+          <a:p>
+            <a:pPr/>
+          </a:p>
+        </p:txBody>
+      </p:sp>
+      <p:pic>
+        <p:nvPicPr>
+          <p:cNvPr id="206" name="pasted-image.png"/>
+          <p:cNvPicPr>
+            <a:picLocks noChangeAspect="1"/>
+          </p:cNvPicPr>
           <p:nvPr/>
-        </p:nvSpPr>
-        <p:spPr>
-          <a:xfrm>
-            <a:off x="690033" y="2557859"/>
-            <a:ext cx="5490568" cy="5823216"/>
-          </a:xfrm>
-          <a:prstGeom prst="ellipse">
-            <a:avLst/>
-          </a:prstGeom>
-          <a:solidFill>
-            <a:schemeClr val="accent5"/>
-          </a:solidFill>
-          <a:ln>
-            <a:solidFill>
-              <a:srgbClr val="E3222D"/>
-            </a:solidFill>
-          </a:ln>
-        </p:spPr>
-        <p:txBody>
-          <a:bodyPr lIns="50800" tIns="50800" rIns="50800" bIns="50800" anchor="ctr"/>
-          <a:lstStyle/>
-          <a:p>
-            <a:pPr>
-              <a:defRPr>
-                <a:solidFill>
-                  <a:srgbClr val="838787"/>
-                </a:solidFill>
-              </a:defRPr>
-            </a:pPr>
-          </a:p>
-        </p:txBody>
-      </p:sp>
-      <p:sp>
-        <p:nvSpPr>
-          <p:cNvPr id="198" name="Shape 198"/>
-          <p:cNvSpPr/>
-          <p:nvPr/>
-        </p:nvSpPr>
-        <p:spPr>
-          <a:xfrm>
-            <a:off x="2815302" y="1354665"/>
-            <a:ext cx="1392429" cy="1117604"/>
-          </a:xfrm>
-          <a:prstGeom prst="rect">
-            <a:avLst/>
-          </a:prstGeom>
-          <a:solidFill>
-            <a:srgbClr val="000000"/>
-          </a:solidFill>
+        </p:nvPicPr>
+        <p:blipFill>
+          <a:blip r:embed="rId2">
+            <a:extLst/>
+          </a:blip>
+          <a:stretch>
+            <a:fillRect/>
+          </a:stretch>
+        </p:blipFill>
+        <p:spPr>
+          <a:xfrm>
+            <a:off x="309033" y="884766"/>
+            <a:ext cx="12386734" cy="7452600"/>
+          </a:xfrm>
+          <a:prstGeom prst="rect">
+            <a:avLst/>
+          </a:prstGeom>
           <a:ln w="12700">
             <a:miter lim="400000"/>
           </a:ln>
-          <a:extLst>
-            <a:ext uri="{C572A759-6A51-4108-AA02-DFA0A04FC94B}">
-              <ma14:wrappingTextBoxFlag xmlns:ma14="http://schemas.microsoft.com/office/mac/drawingml/2011/main" val="1"/>
-            </a:ext>
-          </a:extLst>
-        </p:spPr>
-        <p:txBody>
-          <a:bodyPr wrap="none" lIns="50800" tIns="50800" rIns="50800" bIns="50800" anchor="ctr">
-            <a:spAutoFit/>
-          </a:bodyPr>
-          <a:lstStyle>
-            <a:lvl1pPr>
-              <a:defRPr sz="8000">
-                <a:solidFill>
-                  <a:schemeClr val="accent5"/>
-                </a:solidFill>
-              </a:defRPr>
-            </a:lvl1pPr>
-          </a:lstStyle>
-          <a:p>
-            <a:pPr/>
-            <a:r>
-              <a:t>P(A)</a:t>
-            </a:r>
-          </a:p>
-        </p:txBody>
-      </p:sp>
+        </p:spPr>
+      </p:pic>
     </p:spTree>
   </p:cSld>
   <p:clrMapOvr>
@@ -12319,117 +10667,189 @@
       </p:grpSpPr>
       <p:sp>
         <p:nvSpPr>
-          <p:cNvPr id="200" name="Shape 200"/>
-          <p:cNvSpPr/>
-          <p:nvPr/>
-        </p:nvSpPr>
-        <p:spPr>
-          <a:xfrm>
-            <a:off x="690033" y="2557859"/>
-            <a:ext cx="5490568" cy="5823216"/>
-          </a:xfrm>
-          <a:prstGeom prst="ellipse">
-            <a:avLst/>
-          </a:prstGeom>
-          <a:solidFill>
-            <a:schemeClr val="accent5"/>
-          </a:solidFill>
-          <a:ln>
-            <a:solidFill>
-              <a:srgbClr val="E3222D"/>
-            </a:solidFill>
-          </a:ln>
-        </p:spPr>
-        <p:txBody>
-          <a:bodyPr lIns="50800" tIns="50800" rIns="50800" bIns="50800" anchor="ctr"/>
+          <p:cNvPr id="208" name="Shape 208"/>
+          <p:cNvSpPr/>
+          <p:nvPr>
+            <p:ph type="title" idx="4294967295"/>
+          </p:nvPr>
+        </p:nvSpPr>
+        <p:spPr>
+          <a:xfrm>
+            <a:off x="524933" y="1062566"/>
+            <a:ext cx="12192001" cy="1169261"/>
+          </a:xfrm>
+          <a:prstGeom prst="rect">
+            <a:avLst/>
+          </a:prstGeom>
+        </p:spPr>
+        <p:txBody>
+          <a:bodyPr lIns="50800" tIns="50800" rIns="50800" bIns="50800" anchor="t"/>
+          <a:lstStyle>
+            <a:lvl1pPr algn="l" defTabSz="403097">
+              <a:lnSpc>
+                <a:spcPct val="80000"/>
+              </a:lnSpc>
+              <a:spcBef>
+                <a:spcPts val="1900"/>
+              </a:spcBef>
+              <a:defRPr cap="all" sz="8200">
+                <a:solidFill>
+                  <a:schemeClr val="accent1"/>
+                </a:solidFill>
+                <a:latin typeface="DIN Condensed"/>
+                <a:ea typeface="DIN Condensed"/>
+                <a:cs typeface="DIN Condensed"/>
+                <a:sym typeface="DIN Condensed"/>
+              </a:defRPr>
+            </a:lvl1pPr>
+          </a:lstStyle>
+          <a:p>
+            <a:pPr/>
+            <a:r>
+              <a:t>Fix #1: Odds</a:t>
+            </a:r>
+          </a:p>
+        </p:txBody>
+      </p:sp>
+      <p:sp>
+        <p:nvSpPr>
+          <p:cNvPr id="209" name="Shape 209"/>
+          <p:cNvSpPr/>
+          <p:nvPr>
+            <p:ph type="body" idx="4294967295"/>
+          </p:nvPr>
+        </p:nvSpPr>
+        <p:spPr>
+          <a:xfrm>
+            <a:off x="524933" y="2880584"/>
+            <a:ext cx="12192001" cy="6059357"/>
+          </a:xfrm>
+          <a:prstGeom prst="rect">
+            <a:avLst/>
+          </a:prstGeom>
+        </p:spPr>
+        <p:txBody>
+          <a:bodyPr lIns="50800" tIns="50800" rIns="50800" bIns="50800"/>
           <a:lstStyle/>
           <a:p>
-            <a:pPr>
-              <a:defRPr>
+            <a:pPr marL="550656" indent="-550656" defTabSz="455674">
+              <a:spcBef>
+                <a:spcPts val="2100"/>
+              </a:spcBef>
+              <a:buSzPct val="40000"/>
+              <a:buFontTx/>
+              <a:buBlip>
+                <a:blip r:embed="rId2"/>
+              </a:buBlip>
+              <a:defRPr sz="4900">
                 <a:solidFill>
                   <a:srgbClr val="838787"/>
                 </a:solidFill>
+                <a:latin typeface="Avenir Next Medium"/>
+                <a:ea typeface="Avenir Next Medium"/>
+                <a:cs typeface="Avenir Next Medium"/>
+                <a:sym typeface="Avenir Next Medium"/>
               </a:defRPr>
             </a:pPr>
-          </a:p>
-        </p:txBody>
-      </p:sp>
-      <p:sp>
-        <p:nvSpPr>
-          <p:cNvPr id="201" name="Shape 201"/>
-          <p:cNvSpPr/>
-          <p:nvPr/>
-        </p:nvSpPr>
-        <p:spPr>
-          <a:xfrm>
-            <a:off x="2815302" y="1354665"/>
-            <a:ext cx="1392429" cy="1117604"/>
-          </a:xfrm>
-          <a:prstGeom prst="rect">
-            <a:avLst/>
-          </a:prstGeom>
-          <a:solidFill>
-            <a:srgbClr val="000000"/>
-          </a:solidFill>
-          <a:ln w="12700">
-            <a:miter lim="400000"/>
-          </a:ln>
-          <a:extLst>
-            <a:ext uri="{C572A759-6A51-4108-AA02-DFA0A04FC94B}">
-              <ma14:wrappingTextBoxFlag xmlns:ma14="http://schemas.microsoft.com/office/mac/drawingml/2011/main" val="1"/>
-            </a:ext>
-          </a:extLst>
-        </p:spPr>
-        <p:txBody>
-          <a:bodyPr wrap="none" lIns="50800" tIns="50800" rIns="50800" bIns="50800" anchor="ctr">
-            <a:spAutoFit/>
-          </a:bodyPr>
-          <a:lstStyle>
-            <a:lvl1pPr>
-              <a:defRPr sz="8000">
+            <a:r>
+              <a:t>Ratio of two probabilities</a:t>
+            </a:r>
+          </a:p>
+          <a:p>
+            <a:pPr marL="550656" indent="-550656" defTabSz="455674">
+              <a:spcBef>
+                <a:spcPts val="2100"/>
+              </a:spcBef>
+              <a:buSzPct val="40000"/>
+              <a:buFontTx/>
+              <a:buBlip>
+                <a:blip r:embed="rId2"/>
+              </a:buBlip>
+              <a:defRPr sz="4900">
                 <a:solidFill>
-                  <a:schemeClr val="accent5"/>
+                  <a:srgbClr val="838787"/>
                 </a:solidFill>
-              </a:defRPr>
-            </a:lvl1pPr>
-          </a:lstStyle>
-          <a:p>
-            <a:pPr/>
-            <a:r>
-              <a:t>P(A)</a:t>
-            </a:r>
-          </a:p>
-        </p:txBody>
-      </p:sp>
-      <p:pic>
-        <p:nvPicPr>
-          <p:cNvPr id="202" name="pasted-image.png"/>
-          <p:cNvPicPr>
-            <a:picLocks noChangeAspect="1"/>
-          </p:cNvPicPr>
-          <p:nvPr/>
-        </p:nvPicPr>
-        <p:blipFill>
-          <a:blip r:embed="rId2">
-            <a:extLst/>
-          </a:blip>
-          <a:stretch>
-            <a:fillRect/>
-          </a:stretch>
-        </p:blipFill>
-        <p:spPr>
-          <a:xfrm>
-            <a:off x="8735549" y="1793345"/>
-            <a:ext cx="2864961" cy="3093910"/>
-          </a:xfrm>
-          <a:prstGeom prst="rect">
-            <a:avLst/>
-          </a:prstGeom>
-          <a:ln w="12700">
-            <a:miter lim="400000"/>
-          </a:ln>
-        </p:spPr>
-      </p:pic>
+                <a:latin typeface="Avenir Next Medium"/>
+                <a:ea typeface="Avenir Next Medium"/>
+                <a:cs typeface="Avenir Next Medium"/>
+                <a:sym typeface="Avenir Next Medium"/>
+              </a:defRPr>
+            </a:pPr>
+            <a:r>
+              <a:t>e.g. P(Win) = 0.8, P(Lose) =0.2</a:t>
+            </a:r>
+          </a:p>
+          <a:p>
+            <a:pPr marL="550656" indent="-550656" defTabSz="455674">
+              <a:spcBef>
+                <a:spcPts val="2100"/>
+              </a:spcBef>
+              <a:buSzPct val="40000"/>
+              <a:buFontTx/>
+              <a:buBlip>
+                <a:blip r:embed="rId2"/>
+              </a:buBlip>
+              <a:defRPr sz="4900">
+                <a:solidFill>
+                  <a:srgbClr val="838787"/>
+                </a:solidFill>
+                <a:latin typeface="Avenir Next Medium"/>
+                <a:ea typeface="Avenir Next Medium"/>
+                <a:cs typeface="Avenir Next Medium"/>
+                <a:sym typeface="Avenir Next Medium"/>
+              </a:defRPr>
+            </a:pPr>
+          </a:p>
+          <a:p>
+            <a:pPr marL="550656" indent="-550656" defTabSz="455674">
+              <a:spcBef>
+                <a:spcPts val="2100"/>
+              </a:spcBef>
+              <a:buSzPct val="40000"/>
+              <a:buFontTx/>
+              <a:buBlip>
+                <a:blip r:embed="rId2"/>
+              </a:buBlip>
+              <a:defRPr sz="4900">
+                <a:solidFill>
+                  <a:srgbClr val="838787"/>
+                </a:solidFill>
+                <a:latin typeface="Avenir Next Medium"/>
+                <a:ea typeface="Avenir Next Medium"/>
+                <a:cs typeface="Avenir Next Medium"/>
+                <a:sym typeface="Avenir Next Medium"/>
+              </a:defRPr>
+            </a:pPr>
+            <a:r>
+              <a:t>Odds of winning = 0.8/0.2 = 4 </a:t>
+            </a:r>
+          </a:p>
+          <a:p>
+            <a:pPr marL="550656" indent="-550656" defTabSz="455674">
+              <a:spcBef>
+                <a:spcPts val="2100"/>
+              </a:spcBef>
+              <a:buSzPct val="40000"/>
+              <a:buFontTx/>
+              <a:buBlip>
+                <a:blip r:embed="rId2"/>
+              </a:buBlip>
+              <a:defRPr sz="4900">
+                <a:solidFill>
+                  <a:srgbClr val="838787"/>
+                </a:solidFill>
+                <a:latin typeface="Avenir Next Medium"/>
+                <a:ea typeface="Avenir Next Medium"/>
+                <a:cs typeface="Avenir Next Medium"/>
+                <a:sym typeface="Avenir Next Medium"/>
+              </a:defRPr>
+            </a:pPr>
+            <a:r>
+              <a:t>Odds of losing = 0.2/0.8 = 0.25</a:t>
+            </a:r>
+          </a:p>
+        </p:txBody>
+      </p:sp>
     </p:spTree>
   </p:cSld>
   <p:clrMapOvr>
@@ -12458,174 +10878,118 @@
       </p:grpSpPr>
       <p:sp>
         <p:nvSpPr>
-          <p:cNvPr id="204" name="Shape 204"/>
-          <p:cNvSpPr/>
+          <p:cNvPr id="211" name="Shape 211"/>
+          <p:cNvSpPr/>
+          <p:nvPr>
+            <p:ph type="ctrTitle"/>
+          </p:nvPr>
+        </p:nvSpPr>
+        <p:spPr>
+          <a:xfrm>
+            <a:off x="406400" y="1536700"/>
+            <a:ext cx="12192000" cy="1169261"/>
+          </a:xfrm>
+          <a:prstGeom prst="rect">
+            <a:avLst/>
+          </a:prstGeom>
+        </p:spPr>
+        <p:txBody>
+          <a:bodyPr/>
+          <a:lstStyle>
+            <a:lvl1pPr defTabSz="403097">
+              <a:spcBef>
+                <a:spcPts val="1900"/>
+              </a:spcBef>
+              <a:defRPr sz="8200"/>
+            </a:lvl1pPr>
+          </a:lstStyle>
+          <a:p>
+            <a:pPr/>
+            <a:r>
+              <a:t>Odds</a:t>
+            </a:r>
+          </a:p>
+        </p:txBody>
+      </p:sp>
+      <p:sp>
+        <p:nvSpPr>
+          <p:cNvPr id="212" name="Shape 212"/>
+          <p:cNvSpPr/>
+          <p:nvPr>
+            <p:ph type="subTitle" sz="quarter" idx="1"/>
+          </p:nvPr>
+        </p:nvSpPr>
+        <p:spPr>
+          <a:xfrm>
+            <a:off x="0" y="3557918"/>
+            <a:ext cx="12192000" cy="1304860"/>
+          </a:xfrm>
+          <a:prstGeom prst="rect">
+            <a:avLst/>
+          </a:prstGeom>
+        </p:spPr>
+        <p:txBody>
+          <a:bodyPr anchor="t"/>
+          <a:lstStyle>
+            <a:lvl1pPr marL="550656" indent="-550656" defTabSz="455674">
+              <a:lnSpc>
+                <a:spcPct val="100000"/>
+              </a:lnSpc>
+              <a:spcBef>
+                <a:spcPts val="2100"/>
+              </a:spcBef>
+              <a:buSzPct val="40000"/>
+              <a:buBlip>
+                <a:blip r:embed="rId2"/>
+              </a:buBlip>
+              <a:defRPr cap="none" sz="4900">
+                <a:solidFill>
+                  <a:srgbClr val="838787"/>
+                </a:solidFill>
+                <a:latin typeface="Avenir Next Medium"/>
+                <a:ea typeface="Avenir Next Medium"/>
+                <a:cs typeface="Avenir Next Medium"/>
+                <a:sym typeface="Avenir Next Medium"/>
+              </a:defRPr>
+            </a:lvl1pPr>
+          </a:lstStyle>
+          <a:p>
+            <a:pPr/>
+            <a:r>
+              <a:t>Only valid between 0 and 1</a:t>
+            </a:r>
+          </a:p>
+        </p:txBody>
+      </p:sp>
+      <p:pic>
+        <p:nvPicPr>
+          <p:cNvPr id="213" name="Screen Shot 2019-09-17 at 12.14.43 AM.png"/>
+          <p:cNvPicPr>
+            <a:picLocks noChangeAspect="1"/>
+          </p:cNvPicPr>
           <p:nvPr/>
-        </p:nvSpPr>
-        <p:spPr>
-          <a:xfrm>
-            <a:off x="690033" y="2557859"/>
-            <a:ext cx="5490568" cy="5823216"/>
-          </a:xfrm>
-          <a:prstGeom prst="ellipse">
-            <a:avLst/>
-          </a:prstGeom>
-          <a:solidFill>
-            <a:schemeClr val="accent5"/>
-          </a:solidFill>
+        </p:nvPicPr>
+        <p:blipFill>
+          <a:blip r:embed="rId3">
+            <a:extLst/>
+          </a:blip>
+          <a:stretch>
+            <a:fillRect/>
+          </a:stretch>
+        </p:blipFill>
+        <p:spPr>
+          <a:xfrm>
+            <a:off x="-1" y="2935591"/>
+            <a:ext cx="13004801" cy="5313681"/>
+          </a:xfrm>
+          <a:prstGeom prst="rect">
+            <a:avLst/>
+          </a:prstGeom>
           <a:ln w="12700">
             <a:miter lim="400000"/>
           </a:ln>
         </p:spPr>
-        <p:txBody>
-          <a:bodyPr lIns="50800" tIns="50800" rIns="50800" bIns="50800" anchor="ctr"/>
-          <a:lstStyle/>
-          <a:p>
-            <a:pPr>
-              <a:defRPr>
-                <a:solidFill>
-                  <a:srgbClr val="838787"/>
-                </a:solidFill>
-              </a:defRPr>
-            </a:pPr>
-          </a:p>
-        </p:txBody>
-      </p:sp>
-      <p:sp>
-        <p:nvSpPr>
-          <p:cNvPr id="205" name="Shape 205"/>
-          <p:cNvSpPr/>
-          <p:nvPr/>
-        </p:nvSpPr>
-        <p:spPr>
-          <a:xfrm>
-            <a:off x="2802602" y="1354665"/>
-            <a:ext cx="1392429" cy="1117604"/>
-          </a:xfrm>
-          <a:prstGeom prst="rect">
-            <a:avLst/>
-          </a:prstGeom>
-          <a:solidFill>
-            <a:srgbClr val="000000"/>
-          </a:solidFill>
-          <a:ln w="12700">
-            <a:miter lim="400000"/>
-          </a:ln>
-          <a:extLst>
-            <a:ext uri="{C572A759-6A51-4108-AA02-DFA0A04FC94B}">
-              <ma14:wrappingTextBoxFlag xmlns:ma14="http://schemas.microsoft.com/office/mac/drawingml/2011/main" val="1"/>
-            </a:ext>
-          </a:extLst>
-        </p:spPr>
-        <p:txBody>
-          <a:bodyPr wrap="none" lIns="50800" tIns="50800" rIns="50800" bIns="50800" anchor="ctr">
-            <a:spAutoFit/>
-          </a:bodyPr>
-          <a:lstStyle>
-            <a:lvl1pPr>
-              <a:defRPr sz="8000">
-                <a:solidFill>
-                  <a:schemeClr val="accent5"/>
-                </a:solidFill>
-              </a:defRPr>
-            </a:lvl1pPr>
-          </a:lstStyle>
-          <a:p>
-            <a:pPr/>
-            <a:r>
-              <a:t>P(A)</a:t>
-            </a:r>
-          </a:p>
-        </p:txBody>
-      </p:sp>
-      <p:sp>
-        <p:nvSpPr>
-          <p:cNvPr id="206" name="Shape 206"/>
-          <p:cNvSpPr/>
-          <p:nvPr/>
-        </p:nvSpPr>
-        <p:spPr>
-          <a:xfrm>
-            <a:off x="6921500" y="2564408"/>
-            <a:ext cx="5490568" cy="5823216"/>
-          </a:xfrm>
-          <a:prstGeom prst="ellipse">
-            <a:avLst/>
-          </a:prstGeom>
-          <a:solidFill>
-            <a:schemeClr val="accent1">
-              <a:satOff val="-7685"/>
-              <a:lumOff val="-10588"/>
-            </a:schemeClr>
-          </a:solidFill>
-          <a:ln w="12700">
-            <a:miter lim="400000"/>
-          </a:ln>
-        </p:spPr>
-        <p:txBody>
-          <a:bodyPr lIns="50800" tIns="50800" rIns="50800" bIns="50800" anchor="ctr"/>
-          <a:lstStyle/>
-          <a:p>
-            <a:pPr>
-              <a:defRPr>
-                <a:solidFill>
-                  <a:srgbClr val="838787"/>
-                </a:solidFill>
-              </a:defRPr>
-            </a:pPr>
-          </a:p>
-        </p:txBody>
-      </p:sp>
-      <p:sp>
-        <p:nvSpPr>
-          <p:cNvPr id="207" name="Shape 207"/>
-          <p:cNvSpPr/>
-          <p:nvPr/>
-        </p:nvSpPr>
-        <p:spPr>
-          <a:xfrm>
-            <a:off x="9008669" y="1361214"/>
-            <a:ext cx="1411733" cy="1117604"/>
-          </a:xfrm>
-          <a:prstGeom prst="rect">
-            <a:avLst/>
-          </a:prstGeom>
-          <a:solidFill>
-            <a:srgbClr val="000000"/>
-          </a:solidFill>
-          <a:ln w="12700">
-            <a:miter lim="400000"/>
-          </a:ln>
-          <a:extLst>
-            <a:ext uri="{C572A759-6A51-4108-AA02-DFA0A04FC94B}">
-              <ma14:wrappingTextBoxFlag xmlns:ma14="http://schemas.microsoft.com/office/mac/drawingml/2011/main" val="1"/>
-            </a:ext>
-          </a:extLst>
-        </p:spPr>
-        <p:txBody>
-          <a:bodyPr wrap="none" lIns="50800" tIns="50800" rIns="50800" bIns="50800" anchor="ctr">
-            <a:spAutoFit/>
-          </a:bodyPr>
-          <a:lstStyle>
-            <a:lvl1pPr>
-              <a:defRPr sz="8000">
-                <a:solidFill>
-                  <a:schemeClr val="accent1">
-                    <a:satOff val="-7685"/>
-                    <a:lumOff val="-10588"/>
-                  </a:schemeClr>
-                </a:solidFill>
-              </a:defRPr>
-            </a:lvl1pPr>
-          </a:lstStyle>
-          <a:p>
-            <a:pPr/>
-            <a:r>
-              <a:t>P(B)</a:t>
-            </a:r>
-          </a:p>
-        </p:txBody>
-      </p:sp>
+      </p:pic>
     </p:spTree>
   </p:cSld>
   <p:clrMapOvr>
@@ -12654,218 +11018,118 @@
       </p:grpSpPr>
       <p:sp>
         <p:nvSpPr>
-          <p:cNvPr id="209" name="Shape 209"/>
-          <p:cNvSpPr/>
+          <p:cNvPr id="215" name="Shape 215"/>
+          <p:cNvSpPr/>
+          <p:nvPr>
+            <p:ph type="ctrTitle"/>
+          </p:nvPr>
+        </p:nvSpPr>
+        <p:spPr>
+          <a:xfrm>
+            <a:off x="406400" y="1536700"/>
+            <a:ext cx="12192000" cy="1169261"/>
+          </a:xfrm>
+          <a:prstGeom prst="rect">
+            <a:avLst/>
+          </a:prstGeom>
+        </p:spPr>
+        <p:txBody>
+          <a:bodyPr/>
+          <a:lstStyle>
+            <a:lvl1pPr defTabSz="403097">
+              <a:spcBef>
+                <a:spcPts val="1900"/>
+              </a:spcBef>
+              <a:defRPr sz="8200"/>
+            </a:lvl1pPr>
+          </a:lstStyle>
+          <a:p>
+            <a:pPr/>
+            <a:r>
+              <a:t>Odds</a:t>
+            </a:r>
+          </a:p>
+        </p:txBody>
+      </p:sp>
+      <p:sp>
+        <p:nvSpPr>
+          <p:cNvPr id="216" name="Shape 216"/>
+          <p:cNvSpPr/>
+          <p:nvPr>
+            <p:ph type="subTitle" sz="quarter" idx="1"/>
+          </p:nvPr>
+        </p:nvSpPr>
+        <p:spPr>
+          <a:xfrm>
+            <a:off x="0" y="3557918"/>
+            <a:ext cx="12192000" cy="1304860"/>
+          </a:xfrm>
+          <a:prstGeom prst="rect">
+            <a:avLst/>
+          </a:prstGeom>
+        </p:spPr>
+        <p:txBody>
+          <a:bodyPr anchor="t"/>
+          <a:lstStyle>
+            <a:lvl1pPr marL="550656" indent="-550656" defTabSz="455674">
+              <a:lnSpc>
+                <a:spcPct val="100000"/>
+              </a:lnSpc>
+              <a:spcBef>
+                <a:spcPts val="2100"/>
+              </a:spcBef>
+              <a:buSzPct val="40000"/>
+              <a:buBlip>
+                <a:blip r:embed="rId2"/>
+              </a:buBlip>
+              <a:defRPr cap="none" sz="4900">
+                <a:solidFill>
+                  <a:srgbClr val="838787"/>
+                </a:solidFill>
+                <a:latin typeface="Avenir Next Medium"/>
+                <a:ea typeface="Avenir Next Medium"/>
+                <a:cs typeface="Avenir Next Medium"/>
+                <a:sym typeface="Avenir Next Medium"/>
+              </a:defRPr>
+            </a:lvl1pPr>
+          </a:lstStyle>
+          <a:p>
+            <a:pPr/>
+            <a:r>
+              <a:t>Only valid between 0 and 1</a:t>
+            </a:r>
+          </a:p>
+        </p:txBody>
+      </p:sp>
+      <p:pic>
+        <p:nvPicPr>
+          <p:cNvPr id="217" name="Screen Shot 2019-09-17 at 12.15.05 AM.png"/>
+          <p:cNvPicPr>
+            <a:picLocks noChangeAspect="1"/>
+          </p:cNvPicPr>
           <p:nvPr/>
-        </p:nvSpPr>
-        <p:spPr>
-          <a:xfrm>
-            <a:off x="2569633" y="2564408"/>
-            <a:ext cx="5490568" cy="5823216"/>
-          </a:xfrm>
-          <a:prstGeom prst="ellipse">
-            <a:avLst/>
-          </a:prstGeom>
-          <a:solidFill>
-            <a:schemeClr val="accent5"/>
-          </a:solidFill>
+        </p:nvPicPr>
+        <p:blipFill>
+          <a:blip r:embed="rId3">
+            <a:extLst/>
+          </a:blip>
+          <a:stretch>
+            <a:fillRect/>
+          </a:stretch>
+        </p:blipFill>
+        <p:spPr>
+          <a:xfrm>
+            <a:off x="-1" y="3133711"/>
+            <a:ext cx="13004801" cy="4968241"/>
+          </a:xfrm>
+          <a:prstGeom prst="rect">
+            <a:avLst/>
+          </a:prstGeom>
           <a:ln w="12700">
             <a:miter lim="400000"/>
           </a:ln>
         </p:spPr>
-        <p:txBody>
-          <a:bodyPr lIns="50800" tIns="50800" rIns="50800" bIns="50800" anchor="ctr"/>
-          <a:lstStyle/>
-          <a:p>
-            <a:pPr>
-              <a:defRPr>
-                <a:solidFill>
-                  <a:srgbClr val="838787"/>
-                </a:solidFill>
-              </a:defRPr>
-            </a:pPr>
-          </a:p>
-        </p:txBody>
-      </p:sp>
-      <p:sp>
-        <p:nvSpPr>
-          <p:cNvPr id="210" name="Shape 210"/>
-          <p:cNvSpPr/>
-          <p:nvPr/>
-        </p:nvSpPr>
-        <p:spPr>
-          <a:xfrm>
-            <a:off x="5806185" y="1310414"/>
-            <a:ext cx="2313941" cy="1117604"/>
-          </a:xfrm>
-          <a:prstGeom prst="rect">
-            <a:avLst/>
-          </a:prstGeom>
-          <a:solidFill>
-            <a:srgbClr val="000000"/>
-          </a:solidFill>
-          <a:ln w="12700">
-            <a:miter lim="400000"/>
-          </a:ln>
-          <a:extLst>
-            <a:ext uri="{C572A759-6A51-4108-AA02-DFA0A04FC94B}">
-              <ma14:wrappingTextBoxFlag xmlns:ma14="http://schemas.microsoft.com/office/mac/drawingml/2011/main" val="1"/>
-            </a:ext>
-          </a:extLst>
-        </p:spPr>
-        <p:txBody>
-          <a:bodyPr wrap="none" lIns="50800" tIns="50800" rIns="50800" bIns="50800" anchor="ctr">
-            <a:spAutoFit/>
-          </a:bodyPr>
-          <a:lstStyle>
-            <a:lvl1pPr>
-              <a:defRPr sz="8000">
-                <a:solidFill>
-                  <a:schemeClr val="accent6">
-                    <a:lumOff val="-8980"/>
-                  </a:schemeClr>
-                </a:solidFill>
-              </a:defRPr>
-            </a:lvl1pPr>
-          </a:lstStyle>
-          <a:p>
-            <a:pPr/>
-            <a:r>
-              <a:t>P(A&amp;B)</a:t>
-            </a:r>
-          </a:p>
-        </p:txBody>
-      </p:sp>
-      <p:sp>
-        <p:nvSpPr>
-          <p:cNvPr id="211" name="Shape 211"/>
-          <p:cNvSpPr/>
-          <p:nvPr/>
-        </p:nvSpPr>
-        <p:spPr>
-          <a:xfrm>
-            <a:off x="5770033" y="2564408"/>
-            <a:ext cx="5490568" cy="5823216"/>
-          </a:xfrm>
-          <a:prstGeom prst="ellipse">
-            <a:avLst/>
-          </a:prstGeom>
-          <a:solidFill>
-            <a:schemeClr val="accent1">
-              <a:satOff val="-7685"/>
-              <a:lumOff val="-10588"/>
-            </a:schemeClr>
-          </a:solidFill>
-          <a:ln w="12700">
-            <a:miter lim="400000"/>
-          </a:ln>
-        </p:spPr>
-        <p:txBody>
-          <a:bodyPr lIns="50800" tIns="50800" rIns="50800" bIns="50800" anchor="ctr"/>
-          <a:lstStyle/>
-          <a:p>
-            <a:pPr>
-              <a:defRPr>
-                <a:solidFill>
-                  <a:srgbClr val="838787"/>
-                </a:solidFill>
-              </a:defRPr>
-            </a:pPr>
-          </a:p>
-        </p:txBody>
-      </p:sp>
-      <p:sp>
-        <p:nvSpPr>
-          <p:cNvPr id="212" name="Shape 212"/>
-          <p:cNvSpPr/>
-          <p:nvPr/>
-        </p:nvSpPr>
-        <p:spPr>
-          <a:xfrm>
-            <a:off x="5770159" y="3110309"/>
-            <a:ext cx="2289982" cy="4731545"/>
-          </a:xfrm>
-          <a:custGeom>
-            <a:avLst/>
-            <a:gdLst/>
-            <a:ahLst/>
-            <a:cxnLst>
-              <a:cxn ang="0">
-                <a:pos x="wd2" y="hd2"/>
-              </a:cxn>
-              <a:cxn ang="5400000">
-                <a:pos x="wd2" y="hd2"/>
-              </a:cxn>
-              <a:cxn ang="10800000">
-                <a:pos x="wd2" y="hd2"/>
-              </a:cxn>
-              <a:cxn ang="16200000">
-                <a:pos x="wd2" y="hd2"/>
-              </a:cxn>
-            </a:cxnLst>
-            <a:rect l="0" t="0" r="r" b="b"/>
-            <a:pathLst>
-              <a:path w="17503" h="21600" fill="norm" stroke="1" extrusionOk="0">
-                <a:moveTo>
-                  <a:pt x="8751" y="0"/>
-                </a:moveTo>
-                <a:cubicBezTo>
-                  <a:pt x="7839" y="416"/>
-                  <a:pt x="6966" y="881"/>
-                  <a:pt x="6145" y="1401"/>
-                </a:cubicBezTo>
-                <a:cubicBezTo>
-                  <a:pt x="-2049" y="6591"/>
-                  <a:pt x="-2049" y="15007"/>
-                  <a:pt x="6145" y="20198"/>
-                </a:cubicBezTo>
-                <a:cubicBezTo>
-                  <a:pt x="6966" y="20718"/>
-                  <a:pt x="7838" y="21184"/>
-                  <a:pt x="8751" y="21600"/>
-                </a:cubicBezTo>
-                <a:cubicBezTo>
-                  <a:pt x="9664" y="21184"/>
-                  <a:pt x="10536" y="20718"/>
-                  <a:pt x="11357" y="20198"/>
-                </a:cubicBezTo>
-                <a:cubicBezTo>
-                  <a:pt x="19551" y="15007"/>
-                  <a:pt x="19551" y="6591"/>
-                  <a:pt x="11357" y="1401"/>
-                </a:cubicBezTo>
-                <a:cubicBezTo>
-                  <a:pt x="10536" y="881"/>
-                  <a:pt x="9663" y="416"/>
-                  <a:pt x="8751" y="0"/>
-                </a:cubicBezTo>
-                <a:close/>
-              </a:path>
-            </a:pathLst>
-          </a:custGeom>
-          <a:solidFill>
-            <a:schemeClr val="accent6">
-              <a:lumOff val="-8980"/>
-            </a:schemeClr>
-          </a:solidFill>
-          <a:ln w="12700">
-            <a:miter lim="400000"/>
-          </a:ln>
-        </p:spPr>
-        <p:txBody>
-          <a:bodyPr lIns="50800" tIns="50800" rIns="50800" bIns="50800" anchor="ctr"/>
-          <a:lstStyle/>
-          <a:p>
-            <a:pPr>
-              <a:defRPr>
-                <a:solidFill>
-                  <a:srgbClr val="838787"/>
-                </a:solidFill>
-              </a:defRPr>
-            </a:pPr>
-          </a:p>
-        </p:txBody>
-      </p:sp>
+      </p:pic>
     </p:spTree>
   </p:cSld>
   <p:clrMapOvr>

--- a/Session4/Session4_Slides.pptx
+++ b/Session4/Session4_Slides.pptx
@@ -6,7 +6,7 @@
     <p:sldMasterId id="2147483648" r:id="rId2"/>
   </p:sldMasterIdLst>
   <p:notesMasterIdLst>
-    <p:notesMasterId r:id="rId47"/>
+    <p:notesMasterId r:id="rId48"/>
   </p:notesMasterIdLst>
   <p:sldIdLst>
     <p:sldId id="256" r:id="rId3"/>
@@ -16,43 +16,44 @@
     <p:sldId id="260" r:id="rId7"/>
     <p:sldId id="261" r:id="rId8"/>
     <p:sldId id="262" r:id="rId9"/>
-    <p:sldId id="263" r:id="rId10"/>
-    <p:sldId id="264" r:id="rId11"/>
-    <p:sldId id="265" r:id="rId12"/>
-    <p:sldId id="266" r:id="rId13"/>
-    <p:sldId id="267" r:id="rId14"/>
-    <p:sldId id="268" r:id="rId15"/>
-    <p:sldId id="269" r:id="rId16"/>
-    <p:sldId id="301" r:id="rId17"/>
-    <p:sldId id="271" r:id="rId18"/>
-    <p:sldId id="272" r:id="rId19"/>
-    <p:sldId id="302" r:id="rId20"/>
-    <p:sldId id="274" r:id="rId21"/>
-    <p:sldId id="275" r:id="rId22"/>
-    <p:sldId id="276" r:id="rId23"/>
-    <p:sldId id="277" r:id="rId24"/>
-    <p:sldId id="278" r:id="rId25"/>
-    <p:sldId id="279" r:id="rId26"/>
-    <p:sldId id="280" r:id="rId27"/>
-    <p:sldId id="281" r:id="rId28"/>
-    <p:sldId id="282" r:id="rId29"/>
-    <p:sldId id="283" r:id="rId30"/>
-    <p:sldId id="285" r:id="rId31"/>
-    <p:sldId id="286" r:id="rId32"/>
-    <p:sldId id="287" r:id="rId33"/>
-    <p:sldId id="288" r:id="rId34"/>
-    <p:sldId id="289" r:id="rId35"/>
-    <p:sldId id="290" r:id="rId36"/>
-    <p:sldId id="291" r:id="rId37"/>
-    <p:sldId id="292" r:id="rId38"/>
-    <p:sldId id="293" r:id="rId39"/>
-    <p:sldId id="294" r:id="rId40"/>
-    <p:sldId id="295" r:id="rId41"/>
-    <p:sldId id="296" r:id="rId42"/>
-    <p:sldId id="297" r:id="rId43"/>
-    <p:sldId id="298" r:id="rId44"/>
-    <p:sldId id="299" r:id="rId45"/>
-    <p:sldId id="300" r:id="rId46"/>
+    <p:sldId id="303" r:id="rId10"/>
+    <p:sldId id="263" r:id="rId11"/>
+    <p:sldId id="264" r:id="rId12"/>
+    <p:sldId id="265" r:id="rId13"/>
+    <p:sldId id="266" r:id="rId14"/>
+    <p:sldId id="267" r:id="rId15"/>
+    <p:sldId id="268" r:id="rId16"/>
+    <p:sldId id="269" r:id="rId17"/>
+    <p:sldId id="301" r:id="rId18"/>
+    <p:sldId id="271" r:id="rId19"/>
+    <p:sldId id="272" r:id="rId20"/>
+    <p:sldId id="302" r:id="rId21"/>
+    <p:sldId id="274" r:id="rId22"/>
+    <p:sldId id="275" r:id="rId23"/>
+    <p:sldId id="276" r:id="rId24"/>
+    <p:sldId id="277" r:id="rId25"/>
+    <p:sldId id="278" r:id="rId26"/>
+    <p:sldId id="279" r:id="rId27"/>
+    <p:sldId id="280" r:id="rId28"/>
+    <p:sldId id="281" r:id="rId29"/>
+    <p:sldId id="282" r:id="rId30"/>
+    <p:sldId id="283" r:id="rId31"/>
+    <p:sldId id="285" r:id="rId32"/>
+    <p:sldId id="286" r:id="rId33"/>
+    <p:sldId id="287" r:id="rId34"/>
+    <p:sldId id="288" r:id="rId35"/>
+    <p:sldId id="289" r:id="rId36"/>
+    <p:sldId id="290" r:id="rId37"/>
+    <p:sldId id="291" r:id="rId38"/>
+    <p:sldId id="292" r:id="rId39"/>
+    <p:sldId id="293" r:id="rId40"/>
+    <p:sldId id="294" r:id="rId41"/>
+    <p:sldId id="295" r:id="rId42"/>
+    <p:sldId id="296" r:id="rId43"/>
+    <p:sldId id="297" r:id="rId44"/>
+    <p:sldId id="298" r:id="rId45"/>
+    <p:sldId id="299" r:id="rId46"/>
+    <p:sldId id="300" r:id="rId47"/>
   </p:sldIdLst>
   <p:sldSz cx="13004800" cy="9753600"/>
   <p:notesSz cx="6858000" cy="9144000"/>
@@ -672,7 +673,7 @@
                 <a:effectLst/>
                 <a:latin typeface="Arial" panose="020B0604020202020204" pitchFamily="34" charset="0"/>
               </a:rPr>
-              <a:t>False positive rate:</a:t>
+              <a:t>False positive rate = (1 – specificity):</a:t>
             </a:r>
           </a:p>
           <a:p>
@@ -701,7 +702,7 @@
                 <a:effectLst/>
                 <a:latin typeface="Arial" panose="020B0604020202020204" pitchFamily="34" charset="0"/>
               </a:rPr>
-              <a:t>	-Out of all the true negatives, what proportion did fail to identify as such?</a:t>
+              <a:t>	-Out of all the true negatives, what proportion did we fail to identify as such?</a:t>
             </a:r>
             <a:endParaRPr lang="en-US" dirty="0"/>
           </a:p>
@@ -847,7 +848,7 @@
                 <a:effectLst/>
                 <a:latin typeface="Arial" panose="020B0604020202020204" pitchFamily="34" charset="0"/>
               </a:rPr>
-              <a:t>False positive rate:</a:t>
+              <a:t>False positive rate = (1 – specificity):</a:t>
             </a:r>
           </a:p>
           <a:p>
@@ -876,7 +877,7 @@
                 <a:effectLst/>
                 <a:latin typeface="Arial" panose="020B0604020202020204" pitchFamily="34" charset="0"/>
               </a:rPr>
-              <a:t>	-Out of all the true negatives, what proportion did fail to identify as such?</a:t>
+              <a:t>	-Out of all the true negatives, what proportion did we fail to identify as such?</a:t>
             </a:r>
             <a:endParaRPr lang="en-US" dirty="0"/>
           </a:p>
@@ -1022,7 +1023,7 @@
                 <a:effectLst/>
                 <a:latin typeface="Arial" panose="020B0604020202020204" pitchFamily="34" charset="0"/>
               </a:rPr>
-              <a:t>False positive rate:</a:t>
+              <a:t>False positive rate = (1 – specificity):</a:t>
             </a:r>
           </a:p>
           <a:p>
@@ -1051,7 +1052,7 @@
                 <a:effectLst/>
                 <a:latin typeface="Arial" panose="020B0604020202020204" pitchFamily="34" charset="0"/>
               </a:rPr>
-              <a:t>	-Out of all the true negatives, what proportion did fail to identify as such?</a:t>
+              <a:t>	-Out of all the true negatives, what proportion did we fail to identify as such?</a:t>
             </a:r>
             <a:endParaRPr lang="en-US" dirty="0"/>
           </a:p>
@@ -13964,7 +13965,7 @@
           </a:ln>
           <a:extLst>
             <a:ext uri="{C572A759-6A51-4108-AA02-DFA0A04FC94B}">
-              <ma14:wrappingTextBoxFlag xmlns:ma14="http://schemas.microsoft.com/office/mac/drawingml/2011/main" xmlns="" val="1"/>
+              <ma14:wrappingTextBoxFlag xmlns="" xmlns:ma14="http://schemas.microsoft.com/office/mac/drawingml/2011/main" val="1"/>
             </a:ext>
           </a:extLst>
         </p:spPr>
@@ -14003,7 +14004,7 @@
           </a:ln>
           <a:extLst>
             <a:ext uri="{C572A759-6A51-4108-AA02-DFA0A04FC94B}">
-              <ma14:wrappingTextBoxFlag xmlns:ma14="http://schemas.microsoft.com/office/mac/drawingml/2011/main" xmlns="" val="1"/>
+              <ma14:wrappingTextBoxFlag xmlns="" xmlns:ma14="http://schemas.microsoft.com/office/mac/drawingml/2011/main" val="1"/>
             </a:ext>
           </a:extLst>
         </p:spPr>
@@ -15010,6 +15011,228 @@
       </p:grpSpPr>
       <p:sp>
         <p:nvSpPr>
+          <p:cNvPr id="215" name="Shape 215"/>
+          <p:cNvSpPr>
+            <a:spLocks noGrp="1"/>
+          </p:cNvSpPr>
+          <p:nvPr>
+            <p:ph type="ctrTitle"/>
+          </p:nvPr>
+        </p:nvSpPr>
+        <p:spPr>
+          <a:xfrm>
+            <a:off x="406400" y="1536700"/>
+            <a:ext cx="12192000" cy="1169261"/>
+          </a:xfrm>
+          <a:prstGeom prst="rect">
+            <a:avLst/>
+          </a:prstGeom>
+        </p:spPr>
+        <p:txBody>
+          <a:bodyPr/>
+          <a:lstStyle>
+            <a:lvl1pPr defTabSz="403097">
+              <a:spcBef>
+                <a:spcPts val="1900"/>
+              </a:spcBef>
+              <a:defRPr sz="8200"/>
+            </a:lvl1pPr>
+          </a:lstStyle>
+          <a:p>
+            <a:r>
+              <a:t>Odds</a:t>
+            </a:r>
+          </a:p>
+        </p:txBody>
+      </p:sp>
+      <p:sp>
+        <p:nvSpPr>
+          <p:cNvPr id="216" name="Shape 216"/>
+          <p:cNvSpPr>
+            <a:spLocks noGrp="1"/>
+          </p:cNvSpPr>
+          <p:nvPr>
+            <p:ph type="subTitle" sz="quarter" idx="1"/>
+          </p:nvPr>
+        </p:nvSpPr>
+        <p:spPr>
+          <a:xfrm>
+            <a:off x="0" y="3557918"/>
+            <a:ext cx="12192000" cy="1304860"/>
+          </a:xfrm>
+          <a:prstGeom prst="rect">
+            <a:avLst/>
+          </a:prstGeom>
+        </p:spPr>
+        <p:txBody>
+          <a:bodyPr anchor="t"/>
+          <a:lstStyle>
+            <a:lvl1pPr marL="550656" indent="-550656" defTabSz="455674">
+              <a:lnSpc>
+                <a:spcPct val="100000"/>
+              </a:lnSpc>
+              <a:spcBef>
+                <a:spcPts val="2100"/>
+              </a:spcBef>
+              <a:buSzPct val="40000"/>
+              <a:buBlip>
+                <a:blip r:embed="rId2"/>
+              </a:buBlip>
+              <a:defRPr sz="4900" cap="none">
+                <a:solidFill>
+                  <a:srgbClr val="838787"/>
+                </a:solidFill>
+                <a:latin typeface="Avenir Next Medium"/>
+                <a:ea typeface="Avenir Next Medium"/>
+                <a:cs typeface="Avenir Next Medium"/>
+                <a:sym typeface="Avenir Next Medium"/>
+              </a:defRPr>
+            </a:lvl1pPr>
+          </a:lstStyle>
+          <a:p>
+            <a:r>
+              <a:t>Only valid between 0 and 1</a:t>
+            </a:r>
+          </a:p>
+        </p:txBody>
+      </p:sp>
+      <p:pic>
+        <p:nvPicPr>
+          <p:cNvPr id="217" name="Screen Shot 2019-09-17 at 12.15.05 AM.png"/>
+          <p:cNvPicPr>
+            <a:picLocks noChangeAspect="1"/>
+          </p:cNvPicPr>
+          <p:nvPr/>
+        </p:nvPicPr>
+        <p:blipFill>
+          <a:blip r:embed="rId3"/>
+          <a:stretch>
+            <a:fillRect/>
+          </a:stretch>
+        </p:blipFill>
+        <p:spPr>
+          <a:xfrm>
+            <a:off x="-1" y="3133711"/>
+            <a:ext cx="13004801" cy="4968241"/>
+          </a:xfrm>
+          <a:prstGeom prst="rect">
+            <a:avLst/>
+          </a:prstGeom>
+          <a:ln w="12700">
+            <a:miter lim="400000"/>
+          </a:ln>
+        </p:spPr>
+      </p:pic>
+      <p:sp>
+        <p:nvSpPr>
+          <p:cNvPr id="5" name="TextBox 4">
+            <a:extLst>
+              <a:ext uri="{FF2B5EF4-FFF2-40B4-BE49-F238E27FC236}">
+                <a16:creationId xmlns:a16="http://schemas.microsoft.com/office/drawing/2014/main" id="{D87046AF-CF55-1291-1474-E449B3E1AC37}"/>
+              </a:ext>
+            </a:extLst>
+          </p:cNvPr>
+          <p:cNvSpPr txBox="1"/>
+          <p:nvPr/>
+        </p:nvSpPr>
+        <p:spPr>
+          <a:xfrm>
+            <a:off x="406400" y="3190910"/>
+            <a:ext cx="8447825" cy="948978"/>
+          </a:xfrm>
+          <a:prstGeom prst="rect">
+            <a:avLst/>
+          </a:prstGeom>
+          <a:noFill/>
+          <a:ln w="12700" cap="flat">
+            <a:noFill/>
+            <a:miter lim="400000"/>
+          </a:ln>
+          <a:effectLst/>
+          <a:sp3d/>
+        </p:spPr>
+        <p:style>
+          <a:lnRef idx="0">
+            <a:scrgbClr r="0" g="0" b="0"/>
+          </a:lnRef>
+          <a:fillRef idx="0">
+            <a:scrgbClr r="0" g="0" b="0"/>
+          </a:fillRef>
+          <a:effectRef idx="0">
+            <a:scrgbClr r="0" g="0" b="0"/>
+          </a:effectRef>
+          <a:fontRef idx="none"/>
+        </p:style>
+        <p:txBody>
+          <a:bodyPr rot="0" spcFirstLastPara="1" vertOverflow="overflow" horzOverflow="overflow" vert="horz" wrap="none" lIns="50800" tIns="50800" rIns="50800" bIns="50800" numCol="1" spcCol="38100" rtlCol="0" anchor="ctr">
+            <a:spAutoFit/>
+          </a:bodyPr>
+          <a:lstStyle/>
+          <a:p>
+            <a:pPr marL="0" marR="0" indent="0" algn="l" defTabSz="584200" rtl="0" fontAlgn="auto" latinLnBrk="0" hangingPunct="0">
+              <a:lnSpc>
+                <a:spcPct val="100000"/>
+              </a:lnSpc>
+              <a:spcBef>
+                <a:spcPts val="2400"/>
+              </a:spcBef>
+              <a:spcAft>
+                <a:spcPts val="0"/>
+              </a:spcAft>
+              <a:buClrTx/>
+              <a:buSzTx/>
+              <a:buFontTx/>
+              <a:buNone/>
+              <a:tabLst/>
+            </a:pPr>
+            <a:r>
+              <a:rPr kumimoji="0" lang="en-US" sz="3500" b="0" i="0" u="none" strike="noStrike" cap="none" spc="0" normalizeH="0" baseline="0" dirty="0">
+                <a:ln>
+                  <a:noFill/>
+                </a:ln>
+                <a:solidFill>
+                  <a:srgbClr val="222222"/>
+                </a:solidFill>
+                <a:effectLst/>
+                <a:uFillTx/>
+                <a:latin typeface="DIN Condensed"/>
+                <a:ea typeface="DIN Condensed"/>
+                <a:cs typeface="DIN Condensed"/>
+                <a:sym typeface="DIN Condensed"/>
+              </a:rPr>
+              <a:t>In the case where the probability of winning is at least 50%...</a:t>
+            </a:r>
+          </a:p>
+        </p:txBody>
+      </p:sp>
+    </p:spTree>
+  </p:cSld>
+  <p:clrMapOvr>
+    <a:masterClrMapping/>
+  </p:clrMapOvr>
+  <p:transition spd="med"/>
+</p:sld>
+</file>
+
+<file path=ppt/slides/slide11.xml><?xml version="1.0" encoding="utf-8"?>
+<p:sld xmlns:a="http://schemas.openxmlformats.org/drawingml/2006/main" xmlns:r="http://schemas.openxmlformats.org/officeDocument/2006/relationships" xmlns:p="http://schemas.openxmlformats.org/presentationml/2006/main">
+  <p:cSld>
+    <p:spTree>
+      <p:nvGrpSpPr>
+        <p:cNvPr id="1" name=""/>
+        <p:cNvGrpSpPr/>
+        <p:nvPr/>
+      </p:nvGrpSpPr>
+      <p:grpSpPr>
+        <a:xfrm>
+          <a:off x="0" y="0"/>
+          <a:ext cx="0" cy="0"/>
+          <a:chOff x="0" y="0"/>
+          <a:chExt cx="0" cy="0"/>
+        </a:xfrm>
+      </p:grpSpPr>
+      <p:sp>
+        <p:nvSpPr>
           <p:cNvPr id="219" name="Shape 219"/>
           <p:cNvSpPr>
             <a:spLocks noGrp="1"/>
@@ -15050,70 +15273,231 @@
           </a:lstStyle>
           <a:p>
             <a:r>
+              <a:rPr dirty="0"/>
               <a:t>Fix #2: Log()</a:t>
             </a:r>
           </a:p>
         </p:txBody>
       </p:sp>
-      <p:sp>
-        <p:nvSpPr>
-          <p:cNvPr id="220" name="Shape 220"/>
-          <p:cNvSpPr>
-            <a:spLocks noGrp="1"/>
-          </p:cNvSpPr>
-          <p:nvPr>
-            <p:ph type="body" idx="4294967295"/>
-          </p:nvPr>
-        </p:nvSpPr>
-        <p:spPr>
-          <a:xfrm>
-            <a:off x="524933" y="2389518"/>
-            <a:ext cx="12192001" cy="6059357"/>
-          </a:xfrm>
-          <a:prstGeom prst="rect">
-            <a:avLst/>
-          </a:prstGeom>
-        </p:spPr>
-        <p:txBody>
-          <a:bodyPr lIns="50800" tIns="50800" rIns="50800" bIns="50800"/>
-          <a:lstStyle/>
-          <a:p>
-            <a:pPr marL="550656" indent="-550656" defTabSz="455674">
-              <a:spcBef>
-                <a:spcPts val="2100"/>
-              </a:spcBef>
-              <a:buSzPct val="40000"/>
-              <a:buFontTx/>
-              <a:buBlip>
-                <a:blip r:embed="rId2"/>
-              </a:buBlip>
-              <a:defRPr sz="4900">
-                <a:solidFill>
-                  <a:srgbClr val="838787"/>
-                </a:solidFill>
-                <a:latin typeface="Avenir Next Medium"/>
-                <a:ea typeface="Avenir Next Medium"/>
-                <a:cs typeface="Avenir Next Medium"/>
-                <a:sym typeface="Avenir Next Medium"/>
-              </a:defRPr>
-            </a:pPr>
-            <a:r>
-              <a:t>Evens out </a:t>
-            </a:r>
-            <a:r>
-              <a:rPr>
-                <a:solidFill>
-                  <a:schemeClr val="accent3"/>
-                </a:solidFill>
-              </a:rPr>
-              <a:t>scale</a:t>
-            </a:r>
-            <a:r>
-              <a:t> between 0-1 and rest</a:t>
-            </a:r>
-          </a:p>
-        </p:txBody>
-      </p:sp>
+      <mc:AlternateContent xmlns:mc="http://schemas.openxmlformats.org/markup-compatibility/2006">
+        <mc:Choice xmlns:a14="http://schemas.microsoft.com/office/drawing/2010/main" Requires="a14">
+          <p:sp>
+            <p:nvSpPr>
+              <p:cNvPr id="220" name="Shape 220"/>
+              <p:cNvSpPr>
+                <a:spLocks noGrp="1"/>
+              </p:cNvSpPr>
+              <p:nvPr>
+                <p:ph type="body" idx="4294967295"/>
+              </p:nvPr>
+            </p:nvSpPr>
+            <p:spPr>
+              <a:xfrm>
+                <a:off x="524934" y="2231828"/>
+                <a:ext cx="6649590" cy="7172070"/>
+              </a:xfrm>
+              <a:prstGeom prst="rect">
+                <a:avLst/>
+              </a:prstGeom>
+            </p:spPr>
+            <p:txBody>
+              <a:bodyPr lIns="50800" tIns="50800" rIns="50800" bIns="50800">
+                <a:normAutofit/>
+              </a:bodyPr>
+              <a:lstStyle/>
+              <a:p>
+                <a:pPr marL="550656" indent="-550656" defTabSz="455674">
+                  <a:spcBef>
+                    <a:spcPts val="2100"/>
+                  </a:spcBef>
+                  <a:buSzPct val="40000"/>
+                  <a:buFontTx/>
+                  <a:buBlip>
+                    <a:blip r:embed="rId2"/>
+                  </a:buBlip>
+                  <a:defRPr sz="4900">
+                    <a:solidFill>
+                      <a:srgbClr val="838787"/>
+                    </a:solidFill>
+                    <a:latin typeface="Avenir Next Medium"/>
+                    <a:ea typeface="Avenir Next Medium"/>
+                    <a:cs typeface="Avenir Next Medium"/>
+                    <a:sym typeface="Avenir Next Medium"/>
+                  </a:defRPr>
+                </a:pPr>
+                <a:r>
+                  <a:rPr lang="en-US" dirty="0"/>
+                  <a:t>Takes odds that are between 0 and 1</a:t>
+                </a:r>
+              </a:p>
+              <a:p>
+                <a:pPr marL="985403" lvl="1" indent="-550656" defTabSz="455674">
+                  <a:spcBef>
+                    <a:spcPts val="2100"/>
+                  </a:spcBef>
+                  <a:buSzPct val="40000"/>
+                  <a:buFontTx/>
+                  <a:buBlip>
+                    <a:blip r:embed="rId2"/>
+                  </a:buBlip>
+                  <a:defRPr sz="4900">
+                    <a:solidFill>
+                      <a:srgbClr val="838787"/>
+                    </a:solidFill>
+                    <a:latin typeface="Avenir Next Medium"/>
+                    <a:ea typeface="Avenir Next Medium"/>
+                    <a:cs typeface="Avenir Next Medium"/>
+                    <a:sym typeface="Avenir Next Medium"/>
+                  </a:defRPr>
+                </a:pPr>
+                <a:r>
+                  <a:rPr lang="en-US" dirty="0"/>
+                  <a:t>Stretches them from 0 to -</a:t>
+                </a:r>
+                <a14:m>
+                  <m:oMath xmlns:m="http://schemas.openxmlformats.org/officeDocument/2006/math">
+                    <m:r>
+                      <a:rPr lang="en-US" i="1" smtClean="0">
+                        <a:latin typeface="Cambria Math" panose="02040503050406030204" pitchFamily="18" charset="0"/>
+                        <a:ea typeface="Cambria Math" panose="02040503050406030204" pitchFamily="18" charset="0"/>
+                      </a:rPr>
+                      <m:t>∞</m:t>
+                    </m:r>
+                  </m:oMath>
+                </a14:m>
+                <a:r>
+                  <a:rPr lang="en-US" dirty="0"/>
+                  <a:t>. </a:t>
+                </a:r>
+              </a:p>
+              <a:p>
+                <a:pPr marL="550656" indent="-550656" defTabSz="455674">
+                  <a:spcBef>
+                    <a:spcPts val="2100"/>
+                  </a:spcBef>
+                  <a:buSzPct val="40000"/>
+                  <a:buBlip>
+                    <a:blip r:embed="rId2"/>
+                  </a:buBlip>
+                  <a:defRPr sz="4900">
+                    <a:solidFill>
+                      <a:srgbClr val="838787"/>
+                    </a:solidFill>
+                    <a:latin typeface="Avenir Next Medium"/>
+                    <a:ea typeface="Avenir Next Medium"/>
+                    <a:cs typeface="Avenir Next Medium"/>
+                    <a:sym typeface="Avenir Next Medium"/>
+                  </a:defRPr>
+                </a:pPr>
+                <a:r>
+                  <a:rPr lang="en-US" dirty="0"/>
+                  <a:t>Takes odds that are between 1 and</a:t>
+                </a:r>
+                <a:r>
+                  <a:rPr lang="en-US" dirty="0">
+                    <a:ea typeface="Cambria Math" panose="02040503050406030204" pitchFamily="18" charset="0"/>
+                  </a:rPr>
+                  <a:t> </a:t>
+                </a:r>
+                <a14:m>
+                  <m:oMath xmlns:m="http://schemas.openxmlformats.org/officeDocument/2006/math">
+                    <m:r>
+                      <a:rPr lang="en-US" i="1" smtClean="0">
+                        <a:latin typeface="Cambria Math" panose="02040503050406030204" pitchFamily="18" charset="0"/>
+                        <a:ea typeface="Cambria Math" panose="02040503050406030204" pitchFamily="18" charset="0"/>
+                      </a:rPr>
+                      <m:t>∞</m:t>
+                    </m:r>
+                  </m:oMath>
+                </a14:m>
+                <a:endParaRPr lang="en-US" dirty="0">
+                  <a:ea typeface="Cambria Math" panose="02040503050406030204" pitchFamily="18" charset="0"/>
+                </a:endParaRPr>
+              </a:p>
+              <a:p>
+                <a:pPr marL="985403" lvl="1" indent="-550656" defTabSz="455674">
+                  <a:spcBef>
+                    <a:spcPts val="2100"/>
+                  </a:spcBef>
+                  <a:buSzPct val="40000"/>
+                  <a:buBlip>
+                    <a:blip r:embed="rId2"/>
+                  </a:buBlip>
+                  <a:defRPr sz="4900">
+                    <a:solidFill>
+                      <a:srgbClr val="838787"/>
+                    </a:solidFill>
+                    <a:latin typeface="Avenir Next Medium"/>
+                    <a:ea typeface="Avenir Next Medium"/>
+                    <a:cs typeface="Avenir Next Medium"/>
+                    <a:sym typeface="Avenir Next Medium"/>
+                  </a:defRPr>
+                </a:pPr>
+                <a:r>
+                  <a:rPr lang="en-US" dirty="0"/>
+                  <a:t>Shifts them to range from 0 to </a:t>
+                </a:r>
+                <a14:m>
+                  <m:oMath xmlns:m="http://schemas.openxmlformats.org/officeDocument/2006/math">
+                    <m:r>
+                      <a:rPr lang="en-US" i="1" smtClean="0">
+                        <a:latin typeface="Cambria Math" panose="02040503050406030204" pitchFamily="18" charset="0"/>
+                        <a:ea typeface="Cambria Math" panose="02040503050406030204" pitchFamily="18" charset="0"/>
+                      </a:rPr>
+                      <m:t>∞</m:t>
+                    </m:r>
+                  </m:oMath>
+                </a14:m>
+                <a:r>
+                  <a:rPr lang="en-US" dirty="0"/>
+                  <a:t>.</a:t>
+                </a:r>
+                <a:endParaRPr dirty="0"/>
+              </a:p>
+            </p:txBody>
+          </p:sp>
+        </mc:Choice>
+        <mc:Fallback>
+          <p:sp>
+            <p:nvSpPr>
+              <p:cNvPr id="220" name="Shape 220"/>
+              <p:cNvSpPr>
+                <a:spLocks noGrp="1" noRot="1" noChangeAspect="1" noMove="1" noResize="1" noEditPoints="1" noAdjustHandles="1" noChangeArrowheads="1" noChangeShapeType="1" noTextEdit="1"/>
+              </p:cNvSpPr>
+              <p:nvPr>
+                <p:ph type="body" idx="4294967295"/>
+              </p:nvPr>
+            </p:nvSpPr>
+            <p:spPr>
+              <a:xfrm>
+                <a:off x="524934" y="2231828"/>
+                <a:ext cx="6649590" cy="7172070"/>
+              </a:xfrm>
+              <a:prstGeom prst="rect">
+                <a:avLst/>
+              </a:prstGeom>
+              <a:blipFill>
+                <a:blip r:embed="rId3"/>
+                <a:stretch>
+                  <a:fillRect t="-1943" r="-954" b="-707"/>
+                </a:stretch>
+              </a:blipFill>
+            </p:spPr>
+            <p:txBody>
+              <a:bodyPr/>
+              <a:lstStyle/>
+              <a:p>
+                <a:r>
+                  <a:rPr lang="en-US">
+                    <a:noFill/>
+                  </a:rPr>
+                  <a:t> </a:t>
+                </a:r>
+              </a:p>
+            </p:txBody>
+          </p:sp>
+        </mc:Fallback>
+      </mc:AlternateContent>
       <p:pic>
         <p:nvPicPr>
           <p:cNvPr id="221" name="pasted-image.gif"/>
@@ -15123,15 +15507,15 @@
           <p:nvPr/>
         </p:nvPicPr>
         <p:blipFill>
-          <a:blip r:embed="rId3"/>
+          <a:blip r:embed="rId4"/>
           <a:stretch>
             <a:fillRect/>
           </a:stretch>
         </p:blipFill>
         <p:spPr>
           <a:xfrm>
-            <a:off x="1083733" y="3415863"/>
-            <a:ext cx="7996702" cy="6059357"/>
+            <a:off x="7332931" y="2389518"/>
+            <a:ext cx="5384003" cy="4079631"/>
           </a:xfrm>
           <a:prstGeom prst="rect">
             <a:avLst/>
@@ -15150,7 +15534,7 @@
 </p:sld>
 </file>
 
-<file path=ppt/slides/slide11.xml><?xml version="1.0" encoding="utf-8"?>
+<file path=ppt/slides/slide12.xml><?xml version="1.0" encoding="utf-8"?>
 <p:sld xmlns:a="http://schemas.openxmlformats.org/drawingml/2006/main" xmlns:r="http://schemas.openxmlformats.org/officeDocument/2006/relationships" xmlns:p="http://schemas.openxmlformats.org/presentationml/2006/main">
   <p:cSld>
     <p:spTree>
@@ -15249,8 +15633,10 @@
           </a:lstStyle>
           <a:p>
             <a:r>
-              <a:t>Log-Odds</a:t>
-            </a:r>
+              <a:rPr lang="en-US" dirty="0"/>
+              <a:t>Fix #2: Log()</a:t>
+            </a:r>
+            <a:endParaRPr dirty="0"/>
           </a:p>
         </p:txBody>
       </p:sp>
@@ -15263,7 +15649,7 @@
 </p:sld>
 </file>
 
-<file path=ppt/slides/slide12.xml><?xml version="1.0" encoding="utf-8"?>
+<file path=ppt/slides/slide13.xml><?xml version="1.0" encoding="utf-8"?>
 <p:sld xmlns:a="http://schemas.openxmlformats.org/drawingml/2006/main" xmlns:r="http://schemas.openxmlformats.org/officeDocument/2006/relationships" xmlns:p="http://schemas.openxmlformats.org/presentationml/2006/main">
   <p:cSld>
     <p:spTree>
@@ -15346,7 +15732,7 @@
           </a:ln>
           <a:extLst>
             <a:ext uri="{C572A759-6A51-4108-AA02-DFA0A04FC94B}">
-              <ma14:wrappingTextBoxFlag xmlns:ma14="http://schemas.microsoft.com/office/mac/drawingml/2011/main" xmlns="" val="1"/>
+              <ma14:wrappingTextBoxFlag xmlns="" xmlns:ma14="http://schemas.microsoft.com/office/mac/drawingml/2011/main" val="1"/>
             </a:ext>
           </a:extLst>
         </p:spPr>
@@ -15412,7 +15798,7 @@
 </p:sld>
 </file>
 
-<file path=ppt/slides/slide13.xml><?xml version="1.0" encoding="utf-8"?>
+<file path=ppt/slides/slide14.xml><?xml version="1.0" encoding="utf-8"?>
 <p:sld xmlns:a="http://schemas.openxmlformats.org/drawingml/2006/main" xmlns:r="http://schemas.openxmlformats.org/officeDocument/2006/relationships" xmlns:p="http://schemas.openxmlformats.org/presentationml/2006/main">
   <p:cSld>
     <p:bg>
@@ -15473,7 +15859,7 @@
 </p:sld>
 </file>
 
-<file path=ppt/slides/slide14.xml><?xml version="1.0" encoding="utf-8"?>
+<file path=ppt/slides/slide15.xml><?xml version="1.0" encoding="utf-8"?>
 <p:sld xmlns:a="http://schemas.openxmlformats.org/drawingml/2006/main" xmlns:r="http://schemas.openxmlformats.org/officeDocument/2006/relationships" xmlns:p="http://schemas.openxmlformats.org/presentationml/2006/main">
   <p:cSld>
     <p:spTree>
@@ -15617,7 +16003,7 @@
 </p:sld>
 </file>
 
-<file path=ppt/slides/slide15.xml><?xml version="1.0" encoding="utf-8"?>
+<file path=ppt/slides/slide16.xml><?xml version="1.0" encoding="utf-8"?>
 <p:sld xmlns:a="http://schemas.openxmlformats.org/drawingml/2006/main" xmlns:r="http://schemas.openxmlformats.org/officeDocument/2006/relationships" xmlns:p="http://schemas.openxmlformats.org/presentationml/2006/main">
   <p:cSld>
     <p:spTree>
@@ -15736,7 +16122,7 @@
 </p:sld>
 </file>
 
-<file path=ppt/slides/slide16.xml><?xml version="1.0" encoding="utf-8"?>
+<file path=ppt/slides/slide17.xml><?xml version="1.0" encoding="utf-8"?>
 <p:sld xmlns:a="http://schemas.openxmlformats.org/drawingml/2006/main" xmlns:r="http://schemas.openxmlformats.org/officeDocument/2006/relationships" xmlns:p="http://schemas.openxmlformats.org/presentationml/2006/main">
   <p:cSld>
     <p:spTree>
@@ -15910,7 +16296,7 @@
 </p:sld>
 </file>
 
-<file path=ppt/slides/slide17.xml><?xml version="1.0" encoding="utf-8"?>
+<file path=ppt/slides/slide18.xml><?xml version="1.0" encoding="utf-8"?>
 <p:sld xmlns:a="http://schemas.openxmlformats.org/drawingml/2006/main" xmlns:r="http://schemas.openxmlformats.org/officeDocument/2006/relationships" xmlns:p="http://schemas.openxmlformats.org/presentationml/2006/main">
   <p:cSld>
     <p:spTree>
@@ -16090,7 +16476,7 @@
 </p:sld>
 </file>
 
-<file path=ppt/slides/slide18.xml><?xml version="1.0" encoding="utf-8"?>
+<file path=ppt/slides/slide19.xml><?xml version="1.0" encoding="utf-8"?>
 <p:sld xmlns:a="http://schemas.openxmlformats.org/drawingml/2006/main" xmlns:r="http://schemas.openxmlformats.org/officeDocument/2006/relationships" xmlns:p="http://schemas.openxmlformats.org/presentationml/2006/main">
   <p:cSld>
     <p:spTree>
@@ -16324,7 +16710,55 @@
 </p:sld>
 </file>
 
-<file path=ppt/slides/slide19.xml><?xml version="1.0" encoding="utf-8"?>
+<file path=ppt/slides/slide2.xml><?xml version="1.0" encoding="utf-8"?>
+<p:sld xmlns:a="http://schemas.openxmlformats.org/drawingml/2006/main" xmlns:r="http://schemas.openxmlformats.org/officeDocument/2006/relationships" xmlns:p="http://schemas.openxmlformats.org/presentationml/2006/main">
+  <p:cSld>
+    <p:spTree>
+      <p:nvGrpSpPr>
+        <p:cNvPr id="1" name=""/>
+        <p:cNvGrpSpPr/>
+        <p:nvPr/>
+      </p:nvGrpSpPr>
+      <p:grpSpPr>
+        <a:xfrm>
+          <a:off x="0" y="0"/>
+          <a:ext cx="0" cy="0"/>
+          <a:chOff x="0" y="0"/>
+          <a:chExt cx="0" cy="0"/>
+        </a:xfrm>
+      </p:grpSpPr>
+      <p:sp>
+        <p:nvSpPr>
+          <p:cNvPr id="194" name="Shape 194"/>
+          <p:cNvSpPr>
+            <a:spLocks noGrp="1"/>
+          </p:cNvSpPr>
+          <p:nvPr>
+            <p:ph type="title"/>
+          </p:nvPr>
+        </p:nvSpPr>
+        <p:spPr/>
+        <p:txBody>
+          <a:bodyPr/>
+          <a:lstStyle/>
+          <a:p>
+            <a:r>
+              <a:rPr lang="en-US"/>
+              <a:t>Logistic Regression</a:t>
+            </a:r>
+          </a:p>
+        </p:txBody>
+      </p:sp>
+    </p:spTree>
+  </p:cSld>
+  <p:clrMapOvr>
+    <a:masterClrMapping/>
+  </p:clrMapOvr>
+  <p:transition spd="med"/>
+</p:sld>
+</file>
+
+<file path=ppt/slides/slide20.xml><?xml version="1.0" encoding="utf-8"?>
 <p:sld xmlns:a="http://schemas.openxmlformats.org/drawingml/2006/main" xmlns:r="http://schemas.openxmlformats.org/officeDocument/2006/relationships" xmlns:p="http://schemas.openxmlformats.org/presentationml/2006/main">
   <p:cSld>
     <p:spTree>
@@ -16426,55 +16860,7 @@
 </p:sld>
 </file>
 
-<file path=ppt/slides/slide2.xml><?xml version="1.0" encoding="utf-8"?>
-<p:sld xmlns:a="http://schemas.openxmlformats.org/drawingml/2006/main" xmlns:r="http://schemas.openxmlformats.org/officeDocument/2006/relationships" xmlns:p="http://schemas.openxmlformats.org/presentationml/2006/main">
-  <p:cSld>
-    <p:spTree>
-      <p:nvGrpSpPr>
-        <p:cNvPr id="1" name=""/>
-        <p:cNvGrpSpPr/>
-        <p:nvPr/>
-      </p:nvGrpSpPr>
-      <p:grpSpPr>
-        <a:xfrm>
-          <a:off x="0" y="0"/>
-          <a:ext cx="0" cy="0"/>
-          <a:chOff x="0" y="0"/>
-          <a:chExt cx="0" cy="0"/>
-        </a:xfrm>
-      </p:grpSpPr>
-      <p:sp>
-        <p:nvSpPr>
-          <p:cNvPr id="194" name="Shape 194"/>
-          <p:cNvSpPr>
-            <a:spLocks noGrp="1"/>
-          </p:cNvSpPr>
-          <p:nvPr>
-            <p:ph type="title"/>
-          </p:nvPr>
-        </p:nvSpPr>
-        <p:spPr/>
-        <p:txBody>
-          <a:bodyPr/>
-          <a:lstStyle/>
-          <a:p>
-            <a:r>
-              <a:rPr lang="en-US"/>
-              <a:t>Logistic Regression</a:t>
-            </a:r>
-          </a:p>
-        </p:txBody>
-      </p:sp>
-    </p:spTree>
-  </p:cSld>
-  <p:clrMapOvr>
-    <a:masterClrMapping/>
-  </p:clrMapOvr>
-  <p:transition spd="med"/>
-</p:sld>
-</file>
-
-<file path=ppt/slides/slide20.xml><?xml version="1.0" encoding="utf-8"?>
+<file path=ppt/slides/slide21.xml><?xml version="1.0" encoding="utf-8"?>
 <p:sld xmlns:a="http://schemas.openxmlformats.org/drawingml/2006/main" xmlns:r="http://schemas.openxmlformats.org/officeDocument/2006/relationships" xmlns:p="http://schemas.openxmlformats.org/presentationml/2006/main">
   <p:cSld>
     <p:spTree>
@@ -16522,7 +16908,7 @@
 </p:sld>
 </file>
 
-<file path=ppt/slides/slide21.xml><?xml version="1.0" encoding="utf-8"?>
+<file path=ppt/slides/slide22.xml><?xml version="1.0" encoding="utf-8"?>
 <p:sld xmlns:a="http://schemas.openxmlformats.org/drawingml/2006/main" xmlns:r="http://schemas.openxmlformats.org/officeDocument/2006/relationships" xmlns:p="http://schemas.openxmlformats.org/presentationml/2006/main">
   <p:cSld>
     <p:spTree>
@@ -16648,7 +17034,7 @@
 </p:sld>
 </file>
 
-<file path=ppt/slides/slide22.xml><?xml version="1.0" encoding="utf-8"?>
+<file path=ppt/slides/slide23.xml><?xml version="1.0" encoding="utf-8"?>
 <p:sld xmlns:a="http://schemas.openxmlformats.org/drawingml/2006/main" xmlns:r="http://schemas.openxmlformats.org/officeDocument/2006/relationships" xmlns:p="http://schemas.openxmlformats.org/presentationml/2006/main">
   <p:cSld>
     <p:spTree>
@@ -16701,7 +17087,7 @@
 </p:sld>
 </file>
 
-<file path=ppt/slides/slide23.xml><?xml version="1.0" encoding="utf-8"?>
+<file path=ppt/slides/slide24.xml><?xml version="1.0" encoding="utf-8"?>
 <p:sld xmlns:a="http://schemas.openxmlformats.org/drawingml/2006/main" xmlns:r="http://schemas.openxmlformats.org/officeDocument/2006/relationships" xmlns:p="http://schemas.openxmlformats.org/presentationml/2006/main">
   <p:cSld>
     <p:spTree>
@@ -16827,7 +17213,7 @@
 </p:sld>
 </file>
 
-<file path=ppt/slides/slide24.xml><?xml version="1.0" encoding="utf-8"?>
+<file path=ppt/slides/slide25.xml><?xml version="1.0" encoding="utf-8"?>
 <p:sld xmlns:a="http://schemas.openxmlformats.org/drawingml/2006/main" xmlns:r="http://schemas.openxmlformats.org/officeDocument/2006/relationships" xmlns:p="http://schemas.openxmlformats.org/presentationml/2006/main">
   <p:cSld>
     <p:spTree>
@@ -16953,7 +17339,7 @@
 </p:sld>
 </file>
 
-<file path=ppt/slides/slide25.xml><?xml version="1.0" encoding="utf-8"?>
+<file path=ppt/slides/slide26.xml><?xml version="1.0" encoding="utf-8"?>
 <p:sld xmlns:a="http://schemas.openxmlformats.org/drawingml/2006/main" xmlns:r="http://schemas.openxmlformats.org/officeDocument/2006/relationships" xmlns:p="http://schemas.openxmlformats.org/presentationml/2006/main">
   <p:cSld>
     <p:spTree>
@@ -17006,7 +17392,7 @@
 </p:sld>
 </file>
 
-<file path=ppt/slides/slide26.xml><?xml version="1.0" encoding="utf-8"?>
+<file path=ppt/slides/slide27.xml><?xml version="1.0" encoding="utf-8"?>
 <p:sld xmlns:a="http://schemas.openxmlformats.org/drawingml/2006/main" xmlns:r="http://schemas.openxmlformats.org/officeDocument/2006/relationships" xmlns:p="http://schemas.openxmlformats.org/presentationml/2006/main">
   <p:cSld>
     <p:spTree>
@@ -17132,7 +17518,7 @@
 </p:sld>
 </file>
 
-<file path=ppt/slides/slide27.xml><?xml version="1.0" encoding="utf-8"?>
+<file path=ppt/slides/slide28.xml><?xml version="1.0" encoding="utf-8"?>
 <p:sld xmlns:a="http://schemas.openxmlformats.org/drawingml/2006/main" xmlns:r="http://schemas.openxmlformats.org/officeDocument/2006/relationships" xmlns:p="http://schemas.openxmlformats.org/presentationml/2006/main">
   <p:cSld>
     <p:spTree>
@@ -17185,7 +17571,7 @@
 </p:sld>
 </file>
 
-<file path=ppt/slides/slide28.xml><?xml version="1.0" encoding="utf-8"?>
+<file path=ppt/slides/slide29.xml><?xml version="1.0" encoding="utf-8"?>
 <p:sld xmlns:a="http://schemas.openxmlformats.org/drawingml/2006/main" xmlns:r="http://schemas.openxmlformats.org/officeDocument/2006/relationships" xmlns:p="http://schemas.openxmlformats.org/presentationml/2006/main">
   <p:cSld>
     <p:spTree>
@@ -17320,7 +17706,147 @@
 </p:sld>
 </file>
 
-<file path=ppt/slides/slide29.xml><?xml version="1.0" encoding="utf-8"?>
+<file path=ppt/slides/slide3.xml><?xml version="1.0" encoding="utf-8"?>
+<p:sld xmlns:a="http://schemas.openxmlformats.org/drawingml/2006/main" xmlns:r="http://schemas.openxmlformats.org/officeDocument/2006/relationships" xmlns:p="http://schemas.openxmlformats.org/presentationml/2006/main">
+  <p:cSld>
+    <p:spTree>
+      <p:nvGrpSpPr>
+        <p:cNvPr id="1" name=""/>
+        <p:cNvGrpSpPr/>
+        <p:nvPr/>
+      </p:nvGrpSpPr>
+      <p:grpSpPr>
+        <a:xfrm>
+          <a:off x="0" y="0"/>
+          <a:ext cx="0" cy="0"/>
+          <a:chOff x="0" y="0"/>
+          <a:chExt cx="0" cy="0"/>
+        </a:xfrm>
+      </p:grpSpPr>
+      <p:sp>
+        <p:nvSpPr>
+          <p:cNvPr id="196" name="Shape 196"/>
+          <p:cNvSpPr>
+            <a:spLocks noGrp="1"/>
+          </p:cNvSpPr>
+          <p:nvPr>
+            <p:ph type="title"/>
+          </p:nvPr>
+        </p:nvSpPr>
+        <p:spPr>
+          <a:xfrm>
+            <a:off x="406400" y="1536700"/>
+            <a:ext cx="12192000" cy="1169261"/>
+          </a:xfrm>
+          <a:prstGeom prst="rect">
+            <a:avLst/>
+          </a:prstGeom>
+        </p:spPr>
+        <p:txBody>
+          <a:bodyPr/>
+          <a:lstStyle>
+            <a:lvl1pPr defTabSz="403097">
+              <a:spcBef>
+                <a:spcPts val="1900"/>
+              </a:spcBef>
+              <a:defRPr sz="8200"/>
+            </a:lvl1pPr>
+          </a:lstStyle>
+          <a:p>
+            <a:r>
+              <a:t>Logistic Regression</a:t>
+            </a:r>
+          </a:p>
+        </p:txBody>
+      </p:sp>
+      <p:sp>
+        <p:nvSpPr>
+          <p:cNvPr id="197" name="Shape 197"/>
+          <p:cNvSpPr>
+            <a:spLocks noGrp="1"/>
+          </p:cNvSpPr>
+          <p:nvPr>
+            <p:ph type="body" sz="half" idx="1"/>
+          </p:nvPr>
+        </p:nvSpPr>
+        <p:spPr>
+          <a:xfrm>
+            <a:off x="406400" y="4186733"/>
+            <a:ext cx="12192000" cy="4152372"/>
+          </a:xfrm>
+          <a:prstGeom prst="rect">
+            <a:avLst/>
+          </a:prstGeom>
+        </p:spPr>
+        <p:txBody>
+          <a:bodyPr anchor="t"/>
+          <a:lstStyle/>
+          <a:p>
+            <a:pPr marL="550656" indent="-550656" defTabSz="455674">
+              <a:lnSpc>
+                <a:spcPct val="100000"/>
+              </a:lnSpc>
+              <a:spcBef>
+                <a:spcPts val="2100"/>
+              </a:spcBef>
+              <a:buSzPct val="40000"/>
+              <a:buBlip>
+                <a:blip r:embed="rId2"/>
+              </a:buBlip>
+              <a:defRPr sz="4900" cap="none" spc="0">
+                <a:latin typeface="Avenir Next Medium"/>
+                <a:ea typeface="Avenir Next Medium"/>
+                <a:cs typeface="Avenir Next Medium"/>
+                <a:sym typeface="Avenir Next Medium"/>
+              </a:defRPr>
+            </a:pPr>
+            <a:r>
+              <a:rPr>
+                <a:solidFill>
+                  <a:schemeClr val="accent3"/>
+                </a:solidFill>
+              </a:rPr>
+              <a:t>Modify output</a:t>
+            </a:r>
+            <a:r>
+              <a:t> of linear model to be a probability</a:t>
+            </a:r>
+          </a:p>
+          <a:p>
+            <a:pPr marL="550656" indent="-550656" defTabSz="455674">
+              <a:lnSpc>
+                <a:spcPct val="100000"/>
+              </a:lnSpc>
+              <a:spcBef>
+                <a:spcPts val="2100"/>
+              </a:spcBef>
+              <a:buSzPct val="40000"/>
+              <a:buBlip>
+                <a:blip r:embed="rId2"/>
+              </a:buBlip>
+              <a:defRPr sz="4900" cap="none" spc="0">
+                <a:latin typeface="Avenir Next Medium"/>
+                <a:ea typeface="Avenir Next Medium"/>
+                <a:cs typeface="Avenir Next Medium"/>
+                <a:sym typeface="Avenir Next Medium"/>
+              </a:defRPr>
+            </a:pPr>
+            <a:r>
+              <a:t>Used for classification, despite name</a:t>
+            </a:r>
+          </a:p>
+        </p:txBody>
+      </p:sp>
+    </p:spTree>
+  </p:cSld>
+  <p:clrMapOvr>
+    <a:masterClrMapping/>
+  </p:clrMapOvr>
+  <p:transition spd="med"/>
+</p:sld>
+</file>
+
+<file path=ppt/slides/slide30.xml><?xml version="1.0" encoding="utf-8"?>
 <p:sld xmlns:a="http://schemas.openxmlformats.org/drawingml/2006/main" xmlns:r="http://schemas.openxmlformats.org/officeDocument/2006/relationships" xmlns:p="http://schemas.openxmlformats.org/presentationml/2006/main">
   <p:cSld>
     <p:spTree>
@@ -17386,7 +17912,7 @@
           </a:ln>
           <a:extLst>
             <a:ext uri="{C572A759-6A51-4108-AA02-DFA0A04FC94B}">
-              <ma14:wrappingTextBoxFlag xmlns:ma14="http://schemas.microsoft.com/office/mac/drawingml/2011/main" xmlns="" val="1"/>
+              <ma14:wrappingTextBoxFlag xmlns="" xmlns:ma14="http://schemas.microsoft.com/office/mac/drawingml/2011/main" val="1"/>
             </a:ext>
           </a:extLst>
         </p:spPr>
@@ -17429,7 +17955,7 @@
           </a:ln>
           <a:extLst>
             <a:ext uri="{C572A759-6A51-4108-AA02-DFA0A04FC94B}">
-              <ma14:wrappingTextBoxFlag xmlns:ma14="http://schemas.microsoft.com/office/mac/drawingml/2011/main" xmlns="" val="1"/>
+              <ma14:wrappingTextBoxFlag xmlns="" xmlns:ma14="http://schemas.microsoft.com/office/mac/drawingml/2011/main" val="1"/>
             </a:ext>
           </a:extLst>
         </p:spPr>
@@ -17462,147 +17988,7 @@
 </p:sld>
 </file>
 
-<file path=ppt/slides/slide3.xml><?xml version="1.0" encoding="utf-8"?>
-<p:sld xmlns:a="http://schemas.openxmlformats.org/drawingml/2006/main" xmlns:r="http://schemas.openxmlformats.org/officeDocument/2006/relationships" xmlns:p="http://schemas.openxmlformats.org/presentationml/2006/main">
-  <p:cSld>
-    <p:spTree>
-      <p:nvGrpSpPr>
-        <p:cNvPr id="1" name=""/>
-        <p:cNvGrpSpPr/>
-        <p:nvPr/>
-      </p:nvGrpSpPr>
-      <p:grpSpPr>
-        <a:xfrm>
-          <a:off x="0" y="0"/>
-          <a:ext cx="0" cy="0"/>
-          <a:chOff x="0" y="0"/>
-          <a:chExt cx="0" cy="0"/>
-        </a:xfrm>
-      </p:grpSpPr>
-      <p:sp>
-        <p:nvSpPr>
-          <p:cNvPr id="196" name="Shape 196"/>
-          <p:cNvSpPr>
-            <a:spLocks noGrp="1"/>
-          </p:cNvSpPr>
-          <p:nvPr>
-            <p:ph type="title"/>
-          </p:nvPr>
-        </p:nvSpPr>
-        <p:spPr>
-          <a:xfrm>
-            <a:off x="406400" y="1536700"/>
-            <a:ext cx="12192000" cy="1169261"/>
-          </a:xfrm>
-          <a:prstGeom prst="rect">
-            <a:avLst/>
-          </a:prstGeom>
-        </p:spPr>
-        <p:txBody>
-          <a:bodyPr/>
-          <a:lstStyle>
-            <a:lvl1pPr defTabSz="403097">
-              <a:spcBef>
-                <a:spcPts val="1900"/>
-              </a:spcBef>
-              <a:defRPr sz="8200"/>
-            </a:lvl1pPr>
-          </a:lstStyle>
-          <a:p>
-            <a:r>
-              <a:t>Logistic Regression</a:t>
-            </a:r>
-          </a:p>
-        </p:txBody>
-      </p:sp>
-      <p:sp>
-        <p:nvSpPr>
-          <p:cNvPr id="197" name="Shape 197"/>
-          <p:cNvSpPr>
-            <a:spLocks noGrp="1"/>
-          </p:cNvSpPr>
-          <p:nvPr>
-            <p:ph type="body" sz="half" idx="1"/>
-          </p:nvPr>
-        </p:nvSpPr>
-        <p:spPr>
-          <a:xfrm>
-            <a:off x="406400" y="4186733"/>
-            <a:ext cx="12192000" cy="4152372"/>
-          </a:xfrm>
-          <a:prstGeom prst="rect">
-            <a:avLst/>
-          </a:prstGeom>
-        </p:spPr>
-        <p:txBody>
-          <a:bodyPr anchor="t"/>
-          <a:lstStyle/>
-          <a:p>
-            <a:pPr marL="550656" indent="-550656" defTabSz="455674">
-              <a:lnSpc>
-                <a:spcPct val="100000"/>
-              </a:lnSpc>
-              <a:spcBef>
-                <a:spcPts val="2100"/>
-              </a:spcBef>
-              <a:buSzPct val="40000"/>
-              <a:buBlip>
-                <a:blip r:embed="rId2"/>
-              </a:buBlip>
-              <a:defRPr sz="4900" cap="none" spc="0">
-                <a:latin typeface="Avenir Next Medium"/>
-                <a:ea typeface="Avenir Next Medium"/>
-                <a:cs typeface="Avenir Next Medium"/>
-                <a:sym typeface="Avenir Next Medium"/>
-              </a:defRPr>
-            </a:pPr>
-            <a:r>
-              <a:rPr>
-                <a:solidFill>
-                  <a:schemeClr val="accent3"/>
-                </a:solidFill>
-              </a:rPr>
-              <a:t>Modify output</a:t>
-            </a:r>
-            <a:r>
-              <a:t> of linear model to be a probability</a:t>
-            </a:r>
-          </a:p>
-          <a:p>
-            <a:pPr marL="550656" indent="-550656" defTabSz="455674">
-              <a:lnSpc>
-                <a:spcPct val="100000"/>
-              </a:lnSpc>
-              <a:spcBef>
-                <a:spcPts val="2100"/>
-              </a:spcBef>
-              <a:buSzPct val="40000"/>
-              <a:buBlip>
-                <a:blip r:embed="rId2"/>
-              </a:buBlip>
-              <a:defRPr sz="4900" cap="none" spc="0">
-                <a:latin typeface="Avenir Next Medium"/>
-                <a:ea typeface="Avenir Next Medium"/>
-                <a:cs typeface="Avenir Next Medium"/>
-                <a:sym typeface="Avenir Next Medium"/>
-              </a:defRPr>
-            </a:pPr>
-            <a:r>
-              <a:t>Used for classification, despite name</a:t>
-            </a:r>
-          </a:p>
-        </p:txBody>
-      </p:sp>
-    </p:spTree>
-  </p:cSld>
-  <p:clrMapOvr>
-    <a:masterClrMapping/>
-  </p:clrMapOvr>
-  <p:transition spd="med"/>
-</p:sld>
-</file>
-
-<file path=ppt/slides/slide30.xml><?xml version="1.0" encoding="utf-8"?>
+<file path=ppt/slides/slide31.xml><?xml version="1.0" encoding="utf-8"?>
 <p:sld xmlns:a="http://schemas.openxmlformats.org/drawingml/2006/main" xmlns:r="http://schemas.openxmlformats.org/officeDocument/2006/relationships" xmlns:p="http://schemas.openxmlformats.org/presentationml/2006/main">
   <p:cSld>
     <p:spTree>
@@ -17650,7 +18036,7 @@
 </p:sld>
 </file>
 
-<file path=ppt/slides/slide31.xml><?xml version="1.0" encoding="utf-8"?>
+<file path=ppt/slides/slide32.xml><?xml version="1.0" encoding="utf-8"?>
 <p:sld xmlns:a="http://schemas.openxmlformats.org/drawingml/2006/main" xmlns:r="http://schemas.openxmlformats.org/officeDocument/2006/relationships" xmlns:p="http://schemas.openxmlformats.org/presentationml/2006/main">
   <p:cSld>
     <p:spTree>
@@ -17700,7 +18086,7 @@
 </p:sld>
 </file>
 
-<file path=ppt/slides/slide32.xml><?xml version="1.0" encoding="utf-8"?>
+<file path=ppt/slides/slide33.xml><?xml version="1.0" encoding="utf-8"?>
 <p:sld xmlns:a="http://schemas.openxmlformats.org/drawingml/2006/main" xmlns:r="http://schemas.openxmlformats.org/officeDocument/2006/relationships" xmlns:p="http://schemas.openxmlformats.org/presentationml/2006/main">
   <p:cSld>
     <p:spTree>
@@ -17773,7 +18159,9 @@
           </a:prstGeom>
         </p:spPr>
         <p:txBody>
-          <a:bodyPr anchor="t"/>
+          <a:bodyPr anchor="t">
+            <a:normAutofit lnSpcReduction="10000"/>
+          </a:bodyPr>
           <a:lstStyle/>
           <a:p>
             <a:pPr marL="663612" indent="-663612" defTabSz="549148">
@@ -17795,7 +18183,16 @@
               </a:defRPr>
             </a:pPr>
             <a:r>
-              <a:t>Randomly selecting rows USUALLY class proportions</a:t>
+              <a:rPr dirty="0"/>
+              <a:t>Randomly selecting rows USUALLY </a:t>
+            </a:r>
+            <a:r>
+              <a:rPr lang="en-US" dirty="0"/>
+              <a:t>yields the correct </a:t>
+            </a:r>
+            <a:r>
+              <a:rPr dirty="0"/>
+              <a:t>class proportions</a:t>
             </a:r>
           </a:p>
           <a:p>
@@ -17818,6 +18215,7 @@
               </a:defRPr>
             </a:pPr>
             <a:r>
+              <a:rPr dirty="0"/>
               <a:t>However, when positive cases are sparse, LOTS of variance </a:t>
             </a:r>
           </a:p>
@@ -17832,7 +18230,7 @@
 </p:sld>
 </file>
 
-<file path=ppt/slides/slide33.xml><?xml version="1.0" encoding="utf-8"?>
+<file path=ppt/slides/slide34.xml><?xml version="1.0" encoding="utf-8"?>
 <p:sld xmlns:a="http://schemas.openxmlformats.org/drawingml/2006/main" xmlns:r="http://schemas.openxmlformats.org/officeDocument/2006/relationships" xmlns:p="http://schemas.openxmlformats.org/presentationml/2006/main">
   <p:cSld>
     <p:spTree>
@@ -17886,7 +18284,7 @@
 </p:sld>
 </file>
 
-<file path=ppt/slides/slide34.xml><?xml version="1.0" encoding="utf-8"?>
+<file path=ppt/slides/slide35.xml><?xml version="1.0" encoding="utf-8"?>
 <p:sld xmlns:a="http://schemas.openxmlformats.org/drawingml/2006/main" xmlns:r="http://schemas.openxmlformats.org/officeDocument/2006/relationships" xmlns:p="http://schemas.openxmlformats.org/presentationml/2006/main">
   <p:cSld>
     <p:spTree>
@@ -17962,7 +18360,7 @@
 </p:sld>
 </file>
 
-<file path=ppt/slides/slide35.xml><?xml version="1.0" encoding="utf-8"?>
+<file path=ppt/slides/slide36.xml><?xml version="1.0" encoding="utf-8"?>
 <p:sld xmlns:a="http://schemas.openxmlformats.org/drawingml/2006/main" xmlns:r="http://schemas.openxmlformats.org/officeDocument/2006/relationships" xmlns:p="http://schemas.openxmlformats.org/presentationml/2006/main">
   <p:cSld>
     <p:spTree>
@@ -18094,7 +18492,7 @@
 </p:sld>
 </file>
 
-<file path=ppt/slides/slide36.xml><?xml version="1.0" encoding="utf-8"?>
+<file path=ppt/slides/slide37.xml><?xml version="1.0" encoding="utf-8"?>
 <p:sld xmlns:a="http://schemas.openxmlformats.org/drawingml/2006/main" xmlns:r="http://schemas.openxmlformats.org/officeDocument/2006/relationships" xmlns:p="http://schemas.openxmlformats.org/presentationml/2006/main">
   <p:cSld>
     <p:spTree>
@@ -18204,7 +18602,7 @@
 </p:sld>
 </file>
 
-<file path=ppt/slides/slide37.xml><?xml version="1.0" encoding="utf-8"?>
+<file path=ppt/slides/slide38.xml><?xml version="1.0" encoding="utf-8"?>
 <p:sld xmlns:a="http://schemas.openxmlformats.org/drawingml/2006/main" xmlns:r="http://schemas.openxmlformats.org/officeDocument/2006/relationships" xmlns:p="http://schemas.openxmlformats.org/presentationml/2006/main">
   <p:cSld>
     <p:spTree>
@@ -18257,7 +18655,7 @@
 </p:sld>
 </file>
 
-<file path=ppt/slides/slide38.xml><?xml version="1.0" encoding="utf-8"?>
+<file path=ppt/slides/slide39.xml><?xml version="1.0" encoding="utf-8"?>
 <p:sld xmlns:a="http://schemas.openxmlformats.org/drawingml/2006/main" xmlns:r="http://schemas.openxmlformats.org/officeDocument/2006/relationships" xmlns:p="http://schemas.openxmlformats.org/presentationml/2006/main">
   <p:cSld>
     <p:spTree>
@@ -18404,7 +18802,141 @@
 </p:sld>
 </file>
 
-<file path=ppt/slides/slide39.xml><?xml version="1.0" encoding="utf-8"?>
+<file path=ppt/slides/slide4.xml><?xml version="1.0" encoding="utf-8"?>
+<p:sld xmlns:a="http://schemas.openxmlformats.org/drawingml/2006/main" xmlns:r="http://schemas.openxmlformats.org/officeDocument/2006/relationships" xmlns:p="http://schemas.openxmlformats.org/presentationml/2006/main">
+  <p:cSld>
+    <p:spTree>
+      <p:nvGrpSpPr>
+        <p:cNvPr id="1" name=""/>
+        <p:cNvGrpSpPr/>
+        <p:nvPr/>
+      </p:nvGrpSpPr>
+      <p:grpSpPr>
+        <a:xfrm>
+          <a:off x="0" y="0"/>
+          <a:ext cx="0" cy="0"/>
+          <a:chOff x="0" y="0"/>
+          <a:chExt cx="0" cy="0"/>
+        </a:xfrm>
+      </p:grpSpPr>
+      <p:sp>
+        <p:nvSpPr>
+          <p:cNvPr id="199" name="Shape 199"/>
+          <p:cNvSpPr>
+            <a:spLocks noGrp="1"/>
+          </p:cNvSpPr>
+          <p:nvPr>
+            <p:ph type="title"/>
+          </p:nvPr>
+        </p:nvSpPr>
+        <p:spPr>
+          <a:xfrm>
+            <a:off x="406400" y="1536700"/>
+            <a:ext cx="12192000" cy="1169261"/>
+          </a:xfrm>
+          <a:prstGeom prst="rect">
+            <a:avLst/>
+          </a:prstGeom>
+        </p:spPr>
+        <p:txBody>
+          <a:bodyPr>
+            <a:normAutofit/>
+          </a:bodyPr>
+          <a:lstStyle>
+            <a:lvl1pPr defTabSz="403097">
+              <a:spcBef>
+                <a:spcPts val="1900"/>
+              </a:spcBef>
+              <a:defRPr sz="8200"/>
+            </a:lvl1pPr>
+          </a:lstStyle>
+          <a:p>
+            <a:r>
+              <a:t>Problems with Probability</a:t>
+            </a:r>
+          </a:p>
+        </p:txBody>
+      </p:sp>
+      <p:sp>
+        <p:nvSpPr>
+          <p:cNvPr id="200" name="Shape 200"/>
+          <p:cNvSpPr>
+            <a:spLocks noGrp="1"/>
+          </p:cNvSpPr>
+          <p:nvPr>
+            <p:ph type="body" sz="half" idx="1"/>
+          </p:nvPr>
+        </p:nvSpPr>
+        <p:spPr>
+          <a:xfrm>
+            <a:off x="406400" y="4538100"/>
+            <a:ext cx="12192000" cy="2531601"/>
+          </a:xfrm>
+          <a:prstGeom prst="rect">
+            <a:avLst/>
+          </a:prstGeom>
+        </p:spPr>
+        <p:txBody>
+          <a:bodyPr anchor="t"/>
+          <a:lstStyle/>
+          <a:p>
+            <a:pPr marL="550656" indent="-550656" defTabSz="455674">
+              <a:lnSpc>
+                <a:spcPct val="100000"/>
+              </a:lnSpc>
+              <a:spcBef>
+                <a:spcPts val="2100"/>
+              </a:spcBef>
+              <a:buSzPct val="40000"/>
+              <a:buBlip>
+                <a:blip r:embed="rId2"/>
+              </a:buBlip>
+              <a:defRPr sz="4900" cap="none" spc="0">
+                <a:latin typeface="Avenir Next Medium"/>
+                <a:ea typeface="Avenir Next Medium"/>
+                <a:cs typeface="Avenir Next Medium"/>
+                <a:sym typeface="Avenir Next Medium"/>
+              </a:defRPr>
+            </a:pPr>
+            <a:r>
+              <a:t>Positive values only</a:t>
+            </a:r>
+          </a:p>
+          <a:p>
+            <a:pPr marL="550656" indent="-550656" defTabSz="455674">
+              <a:lnSpc>
+                <a:spcPct val="100000"/>
+              </a:lnSpc>
+              <a:spcBef>
+                <a:spcPts val="2100"/>
+              </a:spcBef>
+              <a:buSzPct val="40000"/>
+              <a:buBlip>
+                <a:blip r:embed="rId2"/>
+              </a:buBlip>
+              <a:defRPr sz="4900" cap="none" spc="0">
+                <a:latin typeface="Avenir Next Medium"/>
+                <a:ea typeface="Avenir Next Medium"/>
+                <a:cs typeface="Avenir Next Medium"/>
+                <a:sym typeface="Avenir Next Medium"/>
+              </a:defRPr>
+            </a:pPr>
+            <a:r>
+              <a:t>Must fit between 0 and 1</a:t>
+            </a:r>
+          </a:p>
+        </p:txBody>
+      </p:sp>
+    </p:spTree>
+  </p:cSld>
+  <p:clrMapOvr>
+    <a:masterClrMapping/>
+  </p:clrMapOvr>
+  <p:transition spd="med"/>
+</p:sld>
+</file>
+
+<file path=ppt/slides/slide40.xml><?xml version="1.0" encoding="utf-8"?>
 <p:sld xmlns:a="http://schemas.openxmlformats.org/drawingml/2006/main" xmlns:r="http://schemas.openxmlformats.org/officeDocument/2006/relationships" xmlns:p="http://schemas.openxmlformats.org/presentationml/2006/main">
   <p:cSld>
     <p:spTree>
@@ -18458,141 +18990,7 @@
 </p:sld>
 </file>
 
-<file path=ppt/slides/slide4.xml><?xml version="1.0" encoding="utf-8"?>
-<p:sld xmlns:a="http://schemas.openxmlformats.org/drawingml/2006/main" xmlns:r="http://schemas.openxmlformats.org/officeDocument/2006/relationships" xmlns:p="http://schemas.openxmlformats.org/presentationml/2006/main">
-  <p:cSld>
-    <p:spTree>
-      <p:nvGrpSpPr>
-        <p:cNvPr id="1" name=""/>
-        <p:cNvGrpSpPr/>
-        <p:nvPr/>
-      </p:nvGrpSpPr>
-      <p:grpSpPr>
-        <a:xfrm>
-          <a:off x="0" y="0"/>
-          <a:ext cx="0" cy="0"/>
-          <a:chOff x="0" y="0"/>
-          <a:chExt cx="0" cy="0"/>
-        </a:xfrm>
-      </p:grpSpPr>
-      <p:sp>
-        <p:nvSpPr>
-          <p:cNvPr id="199" name="Shape 199"/>
-          <p:cNvSpPr>
-            <a:spLocks noGrp="1"/>
-          </p:cNvSpPr>
-          <p:nvPr>
-            <p:ph type="title"/>
-          </p:nvPr>
-        </p:nvSpPr>
-        <p:spPr>
-          <a:xfrm>
-            <a:off x="406400" y="1536700"/>
-            <a:ext cx="12192000" cy="1169261"/>
-          </a:xfrm>
-          <a:prstGeom prst="rect">
-            <a:avLst/>
-          </a:prstGeom>
-        </p:spPr>
-        <p:txBody>
-          <a:bodyPr>
-            <a:normAutofit fontScale="90000"/>
-          </a:bodyPr>
-          <a:lstStyle>
-            <a:lvl1pPr defTabSz="403097">
-              <a:spcBef>
-                <a:spcPts val="1900"/>
-              </a:spcBef>
-              <a:defRPr sz="8200"/>
-            </a:lvl1pPr>
-          </a:lstStyle>
-          <a:p>
-            <a:r>
-              <a:t>Problems with Probability</a:t>
-            </a:r>
-          </a:p>
-        </p:txBody>
-      </p:sp>
-      <p:sp>
-        <p:nvSpPr>
-          <p:cNvPr id="200" name="Shape 200"/>
-          <p:cNvSpPr>
-            <a:spLocks noGrp="1"/>
-          </p:cNvSpPr>
-          <p:nvPr>
-            <p:ph type="body" sz="half" idx="1"/>
-          </p:nvPr>
-        </p:nvSpPr>
-        <p:spPr>
-          <a:xfrm>
-            <a:off x="406400" y="4538100"/>
-            <a:ext cx="12192000" cy="2531601"/>
-          </a:xfrm>
-          <a:prstGeom prst="rect">
-            <a:avLst/>
-          </a:prstGeom>
-        </p:spPr>
-        <p:txBody>
-          <a:bodyPr anchor="t"/>
-          <a:lstStyle/>
-          <a:p>
-            <a:pPr marL="550656" indent="-550656" defTabSz="455674">
-              <a:lnSpc>
-                <a:spcPct val="100000"/>
-              </a:lnSpc>
-              <a:spcBef>
-                <a:spcPts val="2100"/>
-              </a:spcBef>
-              <a:buSzPct val="40000"/>
-              <a:buBlip>
-                <a:blip r:embed="rId2"/>
-              </a:buBlip>
-              <a:defRPr sz="4900" cap="none" spc="0">
-                <a:latin typeface="Avenir Next Medium"/>
-                <a:ea typeface="Avenir Next Medium"/>
-                <a:cs typeface="Avenir Next Medium"/>
-                <a:sym typeface="Avenir Next Medium"/>
-              </a:defRPr>
-            </a:pPr>
-            <a:r>
-              <a:t>Positive values only</a:t>
-            </a:r>
-          </a:p>
-          <a:p>
-            <a:pPr marL="550656" indent="-550656" defTabSz="455674">
-              <a:lnSpc>
-                <a:spcPct val="100000"/>
-              </a:lnSpc>
-              <a:spcBef>
-                <a:spcPts val="2100"/>
-              </a:spcBef>
-              <a:buSzPct val="40000"/>
-              <a:buBlip>
-                <a:blip r:embed="rId2"/>
-              </a:buBlip>
-              <a:defRPr sz="4900" cap="none" spc="0">
-                <a:latin typeface="Avenir Next Medium"/>
-                <a:ea typeface="Avenir Next Medium"/>
-                <a:cs typeface="Avenir Next Medium"/>
-                <a:sym typeface="Avenir Next Medium"/>
-              </a:defRPr>
-            </a:pPr>
-            <a:r>
-              <a:t>Must fit between 0 and 1</a:t>
-            </a:r>
-          </a:p>
-        </p:txBody>
-      </p:sp>
-    </p:spTree>
-  </p:cSld>
-  <p:clrMapOvr>
-    <a:masterClrMapping/>
-  </p:clrMapOvr>
-  <p:transition spd="med"/>
-</p:sld>
-</file>
-
-<file path=ppt/slides/slide40.xml><?xml version="1.0" encoding="utf-8"?>
+<file path=ppt/slides/slide41.xml><?xml version="1.0" encoding="utf-8"?>
 <p:sld xmlns:a="http://schemas.openxmlformats.org/drawingml/2006/main" xmlns:r="http://schemas.openxmlformats.org/officeDocument/2006/relationships" xmlns:p="http://schemas.openxmlformats.org/presentationml/2006/main">
   <p:cSld>
     <p:spTree>
@@ -18724,7 +19122,7 @@
 </p:sld>
 </file>
 
-<file path=ppt/slides/slide41.xml><?xml version="1.0" encoding="utf-8"?>
+<file path=ppt/slides/slide42.xml><?xml version="1.0" encoding="utf-8"?>
 <p:sld xmlns:a="http://schemas.openxmlformats.org/drawingml/2006/main" xmlns:r="http://schemas.openxmlformats.org/officeDocument/2006/relationships" xmlns:p="http://schemas.openxmlformats.org/presentationml/2006/main">
   <p:cSld>
     <p:spTree>
@@ -18778,7 +19176,7 @@
 </p:sld>
 </file>
 
-<file path=ppt/slides/slide42.xml><?xml version="1.0" encoding="utf-8"?>
+<file path=ppt/slides/slide43.xml><?xml version="1.0" encoding="utf-8"?>
 <p:sld xmlns:a="http://schemas.openxmlformats.org/drawingml/2006/main" xmlns:r="http://schemas.openxmlformats.org/officeDocument/2006/relationships" xmlns:p="http://schemas.openxmlformats.org/presentationml/2006/main">
   <p:cSld>
     <p:spTree>
@@ -18910,7 +19308,7 @@
 </p:sld>
 </file>
 
-<file path=ppt/slides/slide43.xml><?xml version="1.0" encoding="utf-8"?>
+<file path=ppt/slides/slide44.xml><?xml version="1.0" encoding="utf-8"?>
 <p:sld xmlns:a="http://schemas.openxmlformats.org/drawingml/2006/main" xmlns:r="http://schemas.openxmlformats.org/officeDocument/2006/relationships" xmlns:p="http://schemas.openxmlformats.org/presentationml/2006/main">
   <p:cSld>
     <p:spTree>
@@ -19042,7 +19440,7 @@
 </p:sld>
 </file>
 
-<file path=ppt/slides/slide44.xml><?xml version="1.0" encoding="utf-8"?>
+<file path=ppt/slides/slide45.xml><?xml version="1.0" encoding="utf-8"?>
 <p:sld xmlns:a="http://schemas.openxmlformats.org/drawingml/2006/main" xmlns:r="http://schemas.openxmlformats.org/officeDocument/2006/relationships" xmlns:p="http://schemas.openxmlformats.org/presentationml/2006/main">
   <p:cSld>
     <p:spTree>
@@ -19212,7 +19610,7 @@
         </p:spPr>
         <p:txBody>
           <a:bodyPr>
-            <a:normAutofit fontScale="90000"/>
+            <a:normAutofit/>
           </a:bodyPr>
           <a:lstStyle>
             <a:lvl1pPr defTabSz="391004">
@@ -19654,6 +20052,183 @@
       </p:sp>
       <p:sp>
         <p:nvSpPr>
+          <p:cNvPr id="6" name="TextBox 5">
+            <a:extLst>
+              <a:ext uri="{FF2B5EF4-FFF2-40B4-BE49-F238E27FC236}">
+                <a16:creationId xmlns:a16="http://schemas.microsoft.com/office/drawing/2014/main" id="{F389ACB2-67CB-9CEB-C761-8C2146E07C79}"/>
+              </a:ext>
+            </a:extLst>
+          </p:cNvPr>
+          <p:cNvSpPr txBox="1"/>
+          <p:nvPr/>
+        </p:nvSpPr>
+        <p:spPr>
+          <a:xfrm>
+            <a:off x="406400" y="3190910"/>
+            <a:ext cx="8447825" cy="948978"/>
+          </a:xfrm>
+          <a:prstGeom prst="rect">
+            <a:avLst/>
+          </a:prstGeom>
+          <a:noFill/>
+          <a:ln w="12700" cap="flat">
+            <a:noFill/>
+            <a:miter lim="400000"/>
+          </a:ln>
+          <a:effectLst/>
+          <a:sp3d/>
+        </p:spPr>
+        <p:style>
+          <a:lnRef idx="0">
+            <a:scrgbClr r="0" g="0" b="0"/>
+          </a:lnRef>
+          <a:fillRef idx="0">
+            <a:scrgbClr r="0" g="0" b="0"/>
+          </a:fillRef>
+          <a:effectRef idx="0">
+            <a:scrgbClr r="0" g="0" b="0"/>
+          </a:effectRef>
+          <a:fontRef idx="none"/>
+        </p:style>
+        <p:txBody>
+          <a:bodyPr rot="0" spcFirstLastPara="1" vertOverflow="overflow" horzOverflow="overflow" vert="horz" wrap="none" lIns="50800" tIns="50800" rIns="50800" bIns="50800" numCol="1" spcCol="38100" rtlCol="0" anchor="ctr">
+            <a:spAutoFit/>
+          </a:bodyPr>
+          <a:lstStyle/>
+          <a:p>
+            <a:pPr marL="0" marR="0" indent="0" algn="l" defTabSz="584200" rtl="0" fontAlgn="auto" latinLnBrk="0" hangingPunct="0">
+              <a:lnSpc>
+                <a:spcPct val="100000"/>
+              </a:lnSpc>
+              <a:spcBef>
+                <a:spcPts val="2400"/>
+              </a:spcBef>
+              <a:spcAft>
+                <a:spcPts val="0"/>
+              </a:spcAft>
+              <a:buClrTx/>
+              <a:buSzTx/>
+              <a:buFontTx/>
+              <a:buNone/>
+              <a:tabLst/>
+            </a:pPr>
+            <a:r>
+              <a:rPr kumimoji="0" lang="en-US" sz="3500" b="0" i="0" u="none" strike="noStrike" cap="none" spc="0" normalizeH="0" baseline="0" dirty="0">
+                <a:ln>
+                  <a:noFill/>
+                </a:ln>
+                <a:solidFill>
+                  <a:srgbClr val="222222"/>
+                </a:solidFill>
+                <a:effectLst/>
+                <a:uFillTx/>
+                <a:latin typeface="DIN Condensed"/>
+                <a:ea typeface="DIN Condensed"/>
+                <a:cs typeface="DIN Condensed"/>
+                <a:sym typeface="DIN Condensed"/>
+              </a:rPr>
+              <a:t>In the case where the probability of winning is at least 50%...</a:t>
+            </a:r>
+          </a:p>
+        </p:txBody>
+      </p:sp>
+      <p:sp>
+        <p:nvSpPr>
+          <p:cNvPr id="3" name="Text Placeholder 2">
+            <a:extLst>
+              <a:ext uri="{FF2B5EF4-FFF2-40B4-BE49-F238E27FC236}">
+                <a16:creationId xmlns:a16="http://schemas.microsoft.com/office/drawing/2014/main" id="{07F1C1F7-130D-09C6-F258-C631A127540C}"/>
+              </a:ext>
+            </a:extLst>
+          </p:cNvPr>
+          <p:cNvSpPr>
+            <a:spLocks noGrp="1"/>
+          </p:cNvSpPr>
+          <p:nvPr>
+            <p:ph type="body" sz="quarter" idx="1"/>
+          </p:nvPr>
+        </p:nvSpPr>
+        <p:spPr/>
+        <p:txBody>
+          <a:bodyPr/>
+          <a:lstStyle/>
+          <a:p>
+            <a:r>
+              <a:rPr lang="en-US" dirty="0"/>
+              <a:t>Range from 0 to infinity</a:t>
+            </a:r>
+          </a:p>
+        </p:txBody>
+      </p:sp>
+    </p:spTree>
+    <p:extLst>
+      <p:ext uri="{BB962C8B-B14F-4D97-AF65-F5344CB8AC3E}">
+        <p14:creationId xmlns:p14="http://schemas.microsoft.com/office/powerpoint/2010/main" val="537788539"/>
+      </p:ext>
+    </p:extLst>
+  </p:cSld>
+  <p:clrMapOvr>
+    <a:masterClrMapping/>
+  </p:clrMapOvr>
+  <p:transition spd="med"/>
+</p:sld>
+</file>
+
+<file path=ppt/slides/slide9.xml><?xml version="1.0" encoding="utf-8"?>
+<p:sld xmlns:a="http://schemas.openxmlformats.org/drawingml/2006/main" xmlns:r="http://schemas.openxmlformats.org/officeDocument/2006/relationships" xmlns:p="http://schemas.openxmlformats.org/presentationml/2006/main">
+  <p:cSld>
+    <p:spTree>
+      <p:nvGrpSpPr>
+        <p:cNvPr id="1" name=""/>
+        <p:cNvGrpSpPr/>
+        <p:nvPr/>
+      </p:nvGrpSpPr>
+      <p:grpSpPr>
+        <a:xfrm>
+          <a:off x="0" y="0"/>
+          <a:ext cx="0" cy="0"/>
+          <a:chOff x="0" y="0"/>
+          <a:chExt cx="0" cy="0"/>
+        </a:xfrm>
+      </p:grpSpPr>
+      <p:sp>
+        <p:nvSpPr>
+          <p:cNvPr id="211" name="Shape 211"/>
+          <p:cNvSpPr>
+            <a:spLocks noGrp="1"/>
+          </p:cNvSpPr>
+          <p:nvPr>
+            <p:ph type="ctrTitle"/>
+          </p:nvPr>
+        </p:nvSpPr>
+        <p:spPr>
+          <a:xfrm>
+            <a:off x="406400" y="1536700"/>
+            <a:ext cx="12192000" cy="1169261"/>
+          </a:xfrm>
+          <a:prstGeom prst="rect">
+            <a:avLst/>
+          </a:prstGeom>
+        </p:spPr>
+        <p:txBody>
+          <a:bodyPr/>
+          <a:lstStyle>
+            <a:lvl1pPr defTabSz="403097">
+              <a:spcBef>
+                <a:spcPts val="1900"/>
+              </a:spcBef>
+              <a:defRPr sz="8200"/>
+            </a:lvl1pPr>
+          </a:lstStyle>
+          <a:p>
+            <a:r>
+              <a:t>Odds</a:t>
+            </a:r>
+          </a:p>
+        </p:txBody>
+      </p:sp>
+      <p:sp>
+        <p:nvSpPr>
           <p:cNvPr id="212" name="Shape 212"/>
           <p:cNvSpPr>
             <a:spLocks noGrp="1"/>
@@ -19730,146 +20305,88 @@
           </a:ln>
         </p:spPr>
       </p:pic>
-    </p:spTree>
-  </p:cSld>
-  <p:clrMapOvr>
-    <a:masterClrMapping/>
-  </p:clrMapOvr>
-  <p:transition spd="med"/>
-</p:sld>
-</file>
-
-<file path=ppt/slides/slide9.xml><?xml version="1.0" encoding="utf-8"?>
-<p:sld xmlns:a="http://schemas.openxmlformats.org/drawingml/2006/main" xmlns:r="http://schemas.openxmlformats.org/officeDocument/2006/relationships" xmlns:p="http://schemas.openxmlformats.org/presentationml/2006/main">
-  <p:cSld>
-    <p:spTree>
-      <p:nvGrpSpPr>
-        <p:cNvPr id="1" name=""/>
-        <p:cNvGrpSpPr/>
-        <p:nvPr/>
-      </p:nvGrpSpPr>
-      <p:grpSpPr>
-        <a:xfrm>
-          <a:off x="0" y="0"/>
-          <a:ext cx="0" cy="0"/>
-          <a:chOff x="0" y="0"/>
-          <a:chExt cx="0" cy="0"/>
-        </a:xfrm>
-      </p:grpSpPr>
       <p:sp>
         <p:nvSpPr>
-          <p:cNvPr id="215" name="Shape 215"/>
-          <p:cNvSpPr>
-            <a:spLocks noGrp="1"/>
-          </p:cNvSpPr>
-          <p:nvPr>
-            <p:ph type="ctrTitle"/>
-          </p:nvPr>
+          <p:cNvPr id="6" name="TextBox 5">
+            <a:extLst>
+              <a:ext uri="{FF2B5EF4-FFF2-40B4-BE49-F238E27FC236}">
+                <a16:creationId xmlns:a16="http://schemas.microsoft.com/office/drawing/2014/main" id="{F389ACB2-67CB-9CEB-C761-8C2146E07C79}"/>
+              </a:ext>
+            </a:extLst>
+          </p:cNvPr>
+          <p:cNvSpPr txBox="1"/>
+          <p:nvPr/>
         </p:nvSpPr>
         <p:spPr>
           <a:xfrm>
-            <a:off x="406400" y="1536700"/>
-            <a:ext cx="12192000" cy="1169261"/>
+            <a:off x="406400" y="3190910"/>
+            <a:ext cx="8447825" cy="948978"/>
           </a:xfrm>
           <a:prstGeom prst="rect">
             <a:avLst/>
           </a:prstGeom>
+          <a:noFill/>
+          <a:ln w="12700" cap="flat">
+            <a:noFill/>
+            <a:miter lim="400000"/>
+          </a:ln>
+          <a:effectLst/>
+          <a:sp3d/>
         </p:spPr>
+        <p:style>
+          <a:lnRef idx="0">
+            <a:scrgbClr r="0" g="0" b="0"/>
+          </a:lnRef>
+          <a:fillRef idx="0">
+            <a:scrgbClr r="0" g="0" b="0"/>
+          </a:fillRef>
+          <a:effectRef idx="0">
+            <a:scrgbClr r="0" g="0" b="0"/>
+          </a:effectRef>
+          <a:fontRef idx="none"/>
+        </p:style>
         <p:txBody>
-          <a:bodyPr/>
-          <a:lstStyle>
-            <a:lvl1pPr defTabSz="403097">
-              <a:spcBef>
-                <a:spcPts val="1900"/>
-              </a:spcBef>
-              <a:defRPr sz="8200"/>
-            </a:lvl1pPr>
-          </a:lstStyle>
-          <a:p>
-            <a:r>
-              <a:t>Odds</a:t>
+          <a:bodyPr rot="0" spcFirstLastPara="1" vertOverflow="overflow" horzOverflow="overflow" vert="horz" wrap="none" lIns="50800" tIns="50800" rIns="50800" bIns="50800" numCol="1" spcCol="38100" rtlCol="0" anchor="ctr">
+            <a:spAutoFit/>
+          </a:bodyPr>
+          <a:lstStyle/>
+          <a:p>
+            <a:pPr marL="0" marR="0" indent="0" algn="l" defTabSz="584200" rtl="0" fontAlgn="auto" latinLnBrk="0" hangingPunct="0">
+              <a:lnSpc>
+                <a:spcPct val="100000"/>
+              </a:lnSpc>
+              <a:spcBef>
+                <a:spcPts val="2400"/>
+              </a:spcBef>
+              <a:spcAft>
+                <a:spcPts val="0"/>
+              </a:spcAft>
+              <a:buClrTx/>
+              <a:buSzTx/>
+              <a:buFontTx/>
+              <a:buNone/>
+              <a:tabLst/>
+            </a:pPr>
+            <a:r>
+              <a:rPr kumimoji="0" lang="en-US" sz="3500" b="0" i="0" u="none" strike="noStrike" cap="none" spc="0" normalizeH="0" baseline="0" dirty="0">
+                <a:ln>
+                  <a:noFill/>
+                </a:ln>
+                <a:solidFill>
+                  <a:srgbClr val="222222"/>
+                </a:solidFill>
+                <a:effectLst/>
+                <a:uFillTx/>
+                <a:latin typeface="DIN Condensed"/>
+                <a:ea typeface="DIN Condensed"/>
+                <a:cs typeface="DIN Condensed"/>
+                <a:sym typeface="DIN Condensed"/>
+              </a:rPr>
+              <a:t>In the case where the probability of winning is at least 50%...</a:t>
             </a:r>
           </a:p>
         </p:txBody>
       </p:sp>
-      <p:sp>
-        <p:nvSpPr>
-          <p:cNvPr id="216" name="Shape 216"/>
-          <p:cNvSpPr>
-            <a:spLocks noGrp="1"/>
-          </p:cNvSpPr>
-          <p:nvPr>
-            <p:ph type="subTitle" sz="quarter" idx="1"/>
-          </p:nvPr>
-        </p:nvSpPr>
-        <p:spPr>
-          <a:xfrm>
-            <a:off x="0" y="3557918"/>
-            <a:ext cx="12192000" cy="1304860"/>
-          </a:xfrm>
-          <a:prstGeom prst="rect">
-            <a:avLst/>
-          </a:prstGeom>
-        </p:spPr>
-        <p:txBody>
-          <a:bodyPr anchor="t"/>
-          <a:lstStyle>
-            <a:lvl1pPr marL="550656" indent="-550656" defTabSz="455674">
-              <a:lnSpc>
-                <a:spcPct val="100000"/>
-              </a:lnSpc>
-              <a:spcBef>
-                <a:spcPts val="2100"/>
-              </a:spcBef>
-              <a:buSzPct val="40000"/>
-              <a:buBlip>
-                <a:blip r:embed="rId2"/>
-              </a:buBlip>
-              <a:defRPr sz="4900" cap="none">
-                <a:solidFill>
-                  <a:srgbClr val="838787"/>
-                </a:solidFill>
-                <a:latin typeface="Avenir Next Medium"/>
-                <a:ea typeface="Avenir Next Medium"/>
-                <a:cs typeface="Avenir Next Medium"/>
-                <a:sym typeface="Avenir Next Medium"/>
-              </a:defRPr>
-            </a:lvl1pPr>
-          </a:lstStyle>
-          <a:p>
-            <a:r>
-              <a:t>Only valid between 0 and 1</a:t>
-            </a:r>
-          </a:p>
-        </p:txBody>
-      </p:sp>
-      <p:pic>
-        <p:nvPicPr>
-          <p:cNvPr id="217" name="Screen Shot 2019-09-17 at 12.15.05 AM.png"/>
-          <p:cNvPicPr>
-            <a:picLocks noChangeAspect="1"/>
-          </p:cNvPicPr>
-          <p:nvPr/>
-        </p:nvPicPr>
-        <p:blipFill>
-          <a:blip r:embed="rId3"/>
-          <a:stretch>
-            <a:fillRect/>
-          </a:stretch>
-        </p:blipFill>
-        <p:spPr>
-          <a:xfrm>
-            <a:off x="-1" y="3133711"/>
-            <a:ext cx="13004801" cy="4968241"/>
-          </a:xfrm>
-          <a:prstGeom prst="rect">
-            <a:avLst/>
-          </a:prstGeom>
-          <a:ln w="12700">
-            <a:miter lim="400000"/>
-          </a:ln>
-        </p:spPr>
-      </p:pic>
     </p:spTree>
   </p:cSld>
   <p:clrMapOvr>

--- a/Session4/Session4_Slides.pptx
+++ b/Session4/Session4_Slides.pptx
@@ -644,7 +644,7 @@
                 <a:effectLst/>
                 <a:latin typeface="Arial" panose="020B0604020202020204" pitchFamily="34" charset="0"/>
               </a:rPr>
-              <a:t>	-Out of all the true positives, what proportion did you correctly identify?</a:t>
+              <a:t>	-Out of all the positive samples, what proportion did you *correctly* identify?</a:t>
             </a:r>
           </a:p>
           <a:p>
@@ -702,7 +702,120 @@
                 <a:effectLst/>
                 <a:latin typeface="Arial" panose="020B0604020202020204" pitchFamily="34" charset="0"/>
               </a:rPr>
-              <a:t>	-Out of all the true negatives, what proportion did we fail to identify as such?</a:t>
+              <a:t>	-Out of all the negative samples, what proportion did we *fail* to identify as such?</a:t>
+            </a:r>
+          </a:p>
+          <a:p>
+            <a:pPr marL="0" marR="0" lvl="0" indent="0" defTabSz="457200" eaLnBrk="1" fontAlgn="auto" latinLnBrk="0" hangingPunct="1">
+              <a:lnSpc>
+                <a:spcPct val="117999"/>
+              </a:lnSpc>
+              <a:spcBef>
+                <a:spcPts val="0"/>
+              </a:spcBef>
+              <a:spcAft>
+                <a:spcPts val="0"/>
+              </a:spcAft>
+              <a:buClrTx/>
+              <a:buSzTx/>
+              <a:buFontTx/>
+              <a:buNone/>
+              <a:tabLst/>
+              <a:defRPr/>
+            </a:pPr>
+            <a:r>
+              <a:rPr lang="en-US" b="0" i="0" dirty="0">
+                <a:solidFill>
+                  <a:srgbClr val="202122"/>
+                </a:solidFill>
+                <a:effectLst/>
+                <a:latin typeface="Arial" panose="020B0604020202020204" pitchFamily="34" charset="0"/>
+              </a:rPr>
+              <a:t>	(Specificity is like a recall but for the negative class; what portion of the negative class did we catch / capture?)</a:t>
+            </a:r>
+          </a:p>
+          <a:p>
+            <a:pPr marL="0" marR="0" lvl="0" indent="0" defTabSz="457200" eaLnBrk="1" fontAlgn="auto" latinLnBrk="0" hangingPunct="1">
+              <a:lnSpc>
+                <a:spcPct val="117999"/>
+              </a:lnSpc>
+              <a:spcBef>
+                <a:spcPts val="0"/>
+              </a:spcBef>
+              <a:spcAft>
+                <a:spcPts val="0"/>
+              </a:spcAft>
+              <a:buClrTx/>
+              <a:buSzTx/>
+              <a:buFontTx/>
+              <a:buNone/>
+              <a:tabLst/>
+              <a:defRPr/>
+            </a:pPr>
+            <a:endParaRPr lang="en-US" b="0" i="0" dirty="0">
+              <a:solidFill>
+                <a:srgbClr val="202122"/>
+              </a:solidFill>
+              <a:effectLst/>
+              <a:latin typeface="Arial" panose="020B0604020202020204" pitchFamily="34" charset="0"/>
+            </a:endParaRPr>
+          </a:p>
+          <a:p>
+            <a:pPr marL="0" marR="0" lvl="0" indent="0" defTabSz="457200" eaLnBrk="1" fontAlgn="auto" latinLnBrk="0" hangingPunct="1">
+              <a:lnSpc>
+                <a:spcPct val="117999"/>
+              </a:lnSpc>
+              <a:spcBef>
+                <a:spcPts val="0"/>
+              </a:spcBef>
+              <a:spcAft>
+                <a:spcPts val="0"/>
+              </a:spcAft>
+              <a:buClrTx/>
+              <a:buSzTx/>
+              <a:buFontTx/>
+              <a:buNone/>
+              <a:tabLst/>
+              <a:defRPr/>
+            </a:pPr>
+            <a:r>
+              <a:rPr lang="en-US" b="0" i="0" dirty="0">
+                <a:solidFill>
+                  <a:srgbClr val="202122"/>
+                </a:solidFill>
+                <a:effectLst/>
+                <a:latin typeface="Arial" panose="020B0604020202020204" pitchFamily="34" charset="0"/>
+              </a:rPr>
+              <a:t>The y axis is a success rate.</a:t>
+            </a:r>
+          </a:p>
+          <a:p>
+            <a:pPr marL="0" marR="0" lvl="0" indent="0" defTabSz="457200" eaLnBrk="1" fontAlgn="auto" latinLnBrk="0" hangingPunct="1">
+              <a:lnSpc>
+                <a:spcPct val="117999"/>
+              </a:lnSpc>
+              <a:spcBef>
+                <a:spcPts val="0"/>
+              </a:spcBef>
+              <a:spcAft>
+                <a:spcPts val="0"/>
+              </a:spcAft>
+              <a:buClrTx/>
+              <a:buSzTx/>
+              <a:buFontTx/>
+              <a:buNone/>
+              <a:tabLst/>
+              <a:defRPr/>
+            </a:pPr>
+            <a:r>
+              <a:rPr lang="en-US" b="0" i="0" dirty="0">
+                <a:solidFill>
+                  <a:srgbClr val="202122"/>
+                </a:solidFill>
+                <a:effectLst/>
+                <a:latin typeface="Arial" panose="020B0604020202020204" pitchFamily="34" charset="0"/>
+              </a:rPr>
+              <a:t>The x axis is a failure rate.</a:t>
             </a:r>
             <a:endParaRPr lang="en-US" dirty="0"/>
           </a:p>
@@ -819,7 +932,7 @@
                 <a:effectLst/>
                 <a:latin typeface="Arial" panose="020B0604020202020204" pitchFamily="34" charset="0"/>
               </a:rPr>
-              <a:t>	-Out of all the true positives, what proportion did you correctly identify?</a:t>
+              <a:t>	-Out of all the positive samples, what proportion did you *correctly* identify?</a:t>
             </a:r>
           </a:p>
           <a:p>
@@ -877,7 +990,120 @@
                 <a:effectLst/>
                 <a:latin typeface="Arial" panose="020B0604020202020204" pitchFamily="34" charset="0"/>
               </a:rPr>
-              <a:t>	-Out of all the true negatives, what proportion did we fail to identify as such?</a:t>
+              <a:t>	-Out of all the negative samples, what proportion did we *fail* to identify as such?</a:t>
+            </a:r>
+          </a:p>
+          <a:p>
+            <a:pPr marL="0" marR="0" lvl="0" indent="0" defTabSz="457200" eaLnBrk="1" fontAlgn="auto" latinLnBrk="0" hangingPunct="1">
+              <a:lnSpc>
+                <a:spcPct val="117999"/>
+              </a:lnSpc>
+              <a:spcBef>
+                <a:spcPts val="0"/>
+              </a:spcBef>
+              <a:spcAft>
+                <a:spcPts val="0"/>
+              </a:spcAft>
+              <a:buClrTx/>
+              <a:buSzTx/>
+              <a:buFontTx/>
+              <a:buNone/>
+              <a:tabLst/>
+              <a:defRPr/>
+            </a:pPr>
+            <a:r>
+              <a:rPr lang="en-US" b="0" i="0" dirty="0">
+                <a:solidFill>
+                  <a:srgbClr val="202122"/>
+                </a:solidFill>
+                <a:effectLst/>
+                <a:latin typeface="Arial" panose="020B0604020202020204" pitchFamily="34" charset="0"/>
+              </a:rPr>
+              <a:t>	(Specificity is like a recall but for the negative class; what portion of the negative class did we catch / capture?)</a:t>
+            </a:r>
+          </a:p>
+          <a:p>
+            <a:pPr marL="0" marR="0" lvl="0" indent="0" defTabSz="457200" eaLnBrk="1" fontAlgn="auto" latinLnBrk="0" hangingPunct="1">
+              <a:lnSpc>
+                <a:spcPct val="117999"/>
+              </a:lnSpc>
+              <a:spcBef>
+                <a:spcPts val="0"/>
+              </a:spcBef>
+              <a:spcAft>
+                <a:spcPts val="0"/>
+              </a:spcAft>
+              <a:buClrTx/>
+              <a:buSzTx/>
+              <a:buFontTx/>
+              <a:buNone/>
+              <a:tabLst/>
+              <a:defRPr/>
+            </a:pPr>
+            <a:endParaRPr lang="en-US" b="0" i="0" dirty="0">
+              <a:solidFill>
+                <a:srgbClr val="202122"/>
+              </a:solidFill>
+              <a:effectLst/>
+              <a:latin typeface="Arial" panose="020B0604020202020204" pitchFamily="34" charset="0"/>
+            </a:endParaRPr>
+          </a:p>
+          <a:p>
+            <a:pPr marL="0" marR="0" lvl="0" indent="0" defTabSz="457200" eaLnBrk="1" fontAlgn="auto" latinLnBrk="0" hangingPunct="1">
+              <a:lnSpc>
+                <a:spcPct val="117999"/>
+              </a:lnSpc>
+              <a:spcBef>
+                <a:spcPts val="0"/>
+              </a:spcBef>
+              <a:spcAft>
+                <a:spcPts val="0"/>
+              </a:spcAft>
+              <a:buClrTx/>
+              <a:buSzTx/>
+              <a:buFontTx/>
+              <a:buNone/>
+              <a:tabLst/>
+              <a:defRPr/>
+            </a:pPr>
+            <a:r>
+              <a:rPr lang="en-US" b="0" i="0" dirty="0">
+                <a:solidFill>
+                  <a:srgbClr val="202122"/>
+                </a:solidFill>
+                <a:effectLst/>
+                <a:latin typeface="Arial" panose="020B0604020202020204" pitchFamily="34" charset="0"/>
+              </a:rPr>
+              <a:t>The y axis is a success rate.</a:t>
+            </a:r>
+          </a:p>
+          <a:p>
+            <a:pPr marL="0" marR="0" lvl="0" indent="0" defTabSz="457200" eaLnBrk="1" fontAlgn="auto" latinLnBrk="0" hangingPunct="1">
+              <a:lnSpc>
+                <a:spcPct val="117999"/>
+              </a:lnSpc>
+              <a:spcBef>
+                <a:spcPts val="0"/>
+              </a:spcBef>
+              <a:spcAft>
+                <a:spcPts val="0"/>
+              </a:spcAft>
+              <a:buClrTx/>
+              <a:buSzTx/>
+              <a:buFontTx/>
+              <a:buNone/>
+              <a:tabLst/>
+              <a:defRPr/>
+            </a:pPr>
+            <a:r>
+              <a:rPr lang="en-US" b="0" i="0" dirty="0">
+                <a:solidFill>
+                  <a:srgbClr val="202122"/>
+                </a:solidFill>
+                <a:effectLst/>
+                <a:latin typeface="Arial" panose="020B0604020202020204" pitchFamily="34" charset="0"/>
+              </a:rPr>
+              <a:t>The x axis is a failure rate.</a:t>
             </a:r>
             <a:endParaRPr lang="en-US" dirty="0"/>
           </a:p>
@@ -994,7 +1220,7 @@
                 <a:effectLst/>
                 <a:latin typeface="Arial" panose="020B0604020202020204" pitchFamily="34" charset="0"/>
               </a:rPr>
-              <a:t>	-Out of all the true positives, what proportion did you correctly identify?</a:t>
+              <a:t>	-Out of all the positive samples, what proportion did you *correctly* identify?</a:t>
             </a:r>
           </a:p>
           <a:p>
@@ -1052,7 +1278,120 @@
                 <a:effectLst/>
                 <a:latin typeface="Arial" panose="020B0604020202020204" pitchFamily="34" charset="0"/>
               </a:rPr>
-              <a:t>	-Out of all the true negatives, what proportion did we fail to identify as such?</a:t>
+              <a:t>	-Out of all the negative samples, what proportion did we *fail* to identify as such?</a:t>
+            </a:r>
+          </a:p>
+          <a:p>
+            <a:pPr marL="0" marR="0" lvl="0" indent="0" defTabSz="457200" eaLnBrk="1" fontAlgn="auto" latinLnBrk="0" hangingPunct="1">
+              <a:lnSpc>
+                <a:spcPct val="117999"/>
+              </a:lnSpc>
+              <a:spcBef>
+                <a:spcPts val="0"/>
+              </a:spcBef>
+              <a:spcAft>
+                <a:spcPts val="0"/>
+              </a:spcAft>
+              <a:buClrTx/>
+              <a:buSzTx/>
+              <a:buFontTx/>
+              <a:buNone/>
+              <a:tabLst/>
+              <a:defRPr/>
+            </a:pPr>
+            <a:r>
+              <a:rPr lang="en-US" b="0" i="0" dirty="0">
+                <a:solidFill>
+                  <a:srgbClr val="202122"/>
+                </a:solidFill>
+                <a:effectLst/>
+                <a:latin typeface="Arial" panose="020B0604020202020204" pitchFamily="34" charset="0"/>
+              </a:rPr>
+              <a:t>	(Specificity is like a recall but for the negative class; what portion of the negative class did we catch / capture?)</a:t>
+            </a:r>
+          </a:p>
+          <a:p>
+            <a:pPr marL="0" marR="0" lvl="0" indent="0" defTabSz="457200" eaLnBrk="1" fontAlgn="auto" latinLnBrk="0" hangingPunct="1">
+              <a:lnSpc>
+                <a:spcPct val="117999"/>
+              </a:lnSpc>
+              <a:spcBef>
+                <a:spcPts val="0"/>
+              </a:spcBef>
+              <a:spcAft>
+                <a:spcPts val="0"/>
+              </a:spcAft>
+              <a:buClrTx/>
+              <a:buSzTx/>
+              <a:buFontTx/>
+              <a:buNone/>
+              <a:tabLst/>
+              <a:defRPr/>
+            </a:pPr>
+            <a:endParaRPr lang="en-US" b="0" i="0" dirty="0">
+              <a:solidFill>
+                <a:srgbClr val="202122"/>
+              </a:solidFill>
+              <a:effectLst/>
+              <a:latin typeface="Arial" panose="020B0604020202020204" pitchFamily="34" charset="0"/>
+            </a:endParaRPr>
+          </a:p>
+          <a:p>
+            <a:pPr marL="0" marR="0" lvl="0" indent="0" defTabSz="457200" eaLnBrk="1" fontAlgn="auto" latinLnBrk="0" hangingPunct="1">
+              <a:lnSpc>
+                <a:spcPct val="117999"/>
+              </a:lnSpc>
+              <a:spcBef>
+                <a:spcPts val="0"/>
+              </a:spcBef>
+              <a:spcAft>
+                <a:spcPts val="0"/>
+              </a:spcAft>
+              <a:buClrTx/>
+              <a:buSzTx/>
+              <a:buFontTx/>
+              <a:buNone/>
+              <a:tabLst/>
+              <a:defRPr/>
+            </a:pPr>
+            <a:r>
+              <a:rPr lang="en-US" b="0" i="0" dirty="0">
+                <a:solidFill>
+                  <a:srgbClr val="202122"/>
+                </a:solidFill>
+                <a:effectLst/>
+                <a:latin typeface="Arial" panose="020B0604020202020204" pitchFamily="34" charset="0"/>
+              </a:rPr>
+              <a:t>The y axis is a success rate.</a:t>
+            </a:r>
+          </a:p>
+          <a:p>
+            <a:pPr marL="0" marR="0" lvl="0" indent="0" defTabSz="457200" eaLnBrk="1" fontAlgn="auto" latinLnBrk="0" hangingPunct="1">
+              <a:lnSpc>
+                <a:spcPct val="117999"/>
+              </a:lnSpc>
+              <a:spcBef>
+                <a:spcPts val="0"/>
+              </a:spcBef>
+              <a:spcAft>
+                <a:spcPts val="0"/>
+              </a:spcAft>
+              <a:buClrTx/>
+              <a:buSzTx/>
+              <a:buFontTx/>
+              <a:buNone/>
+              <a:tabLst/>
+              <a:defRPr/>
+            </a:pPr>
+            <a:r>
+              <a:rPr lang="en-US" b="0" i="0" dirty="0">
+                <a:solidFill>
+                  <a:srgbClr val="202122"/>
+                </a:solidFill>
+                <a:effectLst/>
+                <a:latin typeface="Arial" panose="020B0604020202020204" pitchFamily="34" charset="0"/>
+              </a:rPr>
+              <a:t>The x axis is a failure rate.</a:t>
             </a:r>
             <a:endParaRPr lang="en-US" dirty="0"/>
           </a:p>
@@ -1164,7 +1503,7 @@
                 <a:effectLst/>
                 <a:latin typeface="Arial" panose="020B0604020202020204" pitchFamily="34" charset="0"/>
               </a:rPr>
-              <a:t>	-Out of all the true positives, what proportion did you correctly identify?</a:t>
+              <a:t>	-Out of all the positive samples, what proportion did you correctly identify?</a:t>
             </a:r>
           </a:p>
         </p:txBody>
@@ -13965,7 +14304,7 @@
           </a:ln>
           <a:extLst>
             <a:ext uri="{C572A759-6A51-4108-AA02-DFA0A04FC94B}">
-              <ma14:wrappingTextBoxFlag xmlns="" xmlns:ma14="http://schemas.microsoft.com/office/mac/drawingml/2011/main" val="1"/>
+              <ma14:wrappingTextBoxFlag xmlns:ma14="http://schemas.microsoft.com/office/mac/drawingml/2011/main" xmlns="" val="1"/>
             </a:ext>
           </a:extLst>
         </p:spPr>
@@ -14004,7 +14343,7 @@
           </a:ln>
           <a:extLst>
             <a:ext uri="{C572A759-6A51-4108-AA02-DFA0A04FC94B}">
-              <ma14:wrappingTextBoxFlag xmlns="" xmlns:ma14="http://schemas.microsoft.com/office/mac/drawingml/2011/main" val="1"/>
+              <ma14:wrappingTextBoxFlag xmlns:ma14="http://schemas.microsoft.com/office/mac/drawingml/2011/main" xmlns="" val="1"/>
             </a:ext>
           </a:extLst>
         </p:spPr>
@@ -15279,8 +15618,8 @@
           </a:p>
         </p:txBody>
       </p:sp>
-      <mc:AlternateContent xmlns:mc="http://schemas.openxmlformats.org/markup-compatibility/2006">
-        <mc:Choice xmlns:a14="http://schemas.microsoft.com/office/drawing/2010/main" Requires="a14">
+      <mc:AlternateContent xmlns:mc="http://schemas.openxmlformats.org/markup-compatibility/2006" xmlns:a14="http://schemas.microsoft.com/office/drawing/2010/main">
+        <mc:Choice Requires="a14">
           <p:sp>
             <p:nvSpPr>
               <p:cNvPr id="220" name="Shape 220"/>
@@ -15457,7 +15796,7 @@
             </p:txBody>
           </p:sp>
         </mc:Choice>
-        <mc:Fallback>
+        <mc:Fallback xmlns="">
           <p:sp>
             <p:nvSpPr>
               <p:cNvPr id="220" name="Shape 220"/>
@@ -15732,7 +16071,7 @@
           </a:ln>
           <a:extLst>
             <a:ext uri="{C572A759-6A51-4108-AA02-DFA0A04FC94B}">
-              <ma14:wrappingTextBoxFlag xmlns="" xmlns:ma14="http://schemas.microsoft.com/office/mac/drawingml/2011/main" val="1"/>
+              <ma14:wrappingTextBoxFlag xmlns:ma14="http://schemas.microsoft.com/office/mac/drawingml/2011/main" xmlns="" val="1"/>
             </a:ext>
           </a:extLst>
         </p:spPr>
@@ -17477,7 +17816,7 @@
               </a:buBlip>
               <a:defRPr sz="6400"/>
             </a:pPr>
-            <a:endParaRPr/>
+            <a:endParaRPr dirty="0"/>
           </a:p>
           <a:p>
             <a:pPr marL="705970" indent="-705970">
@@ -17490,7 +17829,16 @@
               <a:defRPr sz="6400"/>
             </a:pPr>
             <a:r>
-              <a:t>X-axis is sized relative to POSITIVE class</a:t>
+              <a:rPr dirty="0"/>
+              <a:t>X-axis is sized relative to </a:t>
+            </a:r>
+            <a:r>
+              <a:rPr lang="en-US" dirty="0"/>
+              <a:t>NEGATIVE</a:t>
+            </a:r>
+            <a:r>
+              <a:rPr dirty="0"/>
+              <a:t> class</a:t>
             </a:r>
           </a:p>
           <a:p>
@@ -17504,7 +17852,16 @@
               <a:defRPr sz="6400"/>
             </a:pPr>
             <a:r>
-              <a:t>Y-axis is sized relative to NEGATIVE class</a:t>
+              <a:rPr dirty="0"/>
+              <a:t>Y-axis is sized relative to </a:t>
+            </a:r>
+            <a:r>
+              <a:rPr lang="en-US" dirty="0"/>
+              <a:t>POSITIVE</a:t>
+            </a:r>
+            <a:r>
+              <a:rPr dirty="0"/>
+              <a:t> class</a:t>
             </a:r>
           </a:p>
         </p:txBody>
@@ -17912,7 +18269,7 @@
           </a:ln>
           <a:extLst>
             <a:ext uri="{C572A759-6A51-4108-AA02-DFA0A04FC94B}">
-              <ma14:wrappingTextBoxFlag xmlns="" xmlns:ma14="http://schemas.microsoft.com/office/mac/drawingml/2011/main" val="1"/>
+              <ma14:wrappingTextBoxFlag xmlns:ma14="http://schemas.microsoft.com/office/mac/drawingml/2011/main" xmlns="" val="1"/>
             </a:ext>
           </a:extLst>
         </p:spPr>
@@ -17955,7 +18312,7 @@
           </a:ln>
           <a:extLst>
             <a:ext uri="{C572A759-6A51-4108-AA02-DFA0A04FC94B}">
-              <ma14:wrappingTextBoxFlag xmlns="" xmlns:ma14="http://schemas.microsoft.com/office/mac/drawingml/2011/main" val="1"/>
+              <ma14:wrappingTextBoxFlag xmlns:ma14="http://schemas.microsoft.com/office/mac/drawingml/2011/main" xmlns="" val="1"/>
             </a:ext>
           </a:extLst>
         </p:spPr>

--- a/Session4/Session4_Slides.pptx
+++ b/Session4/Session4_Slides.pptx
@@ -6,54 +6,50 @@
     <p:sldMasterId id="2147483648" r:id="rId2"/>
   </p:sldMasterIdLst>
   <p:notesMasterIdLst>
-    <p:notesMasterId r:id="rId48"/>
+    <p:notesMasterId r:id="rId44"/>
   </p:notesMasterIdLst>
   <p:sldIdLst>
     <p:sldId id="256" r:id="rId3"/>
     <p:sldId id="257" r:id="rId4"/>
-    <p:sldId id="258" r:id="rId5"/>
-    <p:sldId id="259" r:id="rId6"/>
-    <p:sldId id="260" r:id="rId7"/>
-    <p:sldId id="261" r:id="rId8"/>
-    <p:sldId id="262" r:id="rId9"/>
-    <p:sldId id="303" r:id="rId10"/>
-    <p:sldId id="263" r:id="rId11"/>
-    <p:sldId id="264" r:id="rId12"/>
-    <p:sldId id="265" r:id="rId13"/>
-    <p:sldId id="266" r:id="rId14"/>
-    <p:sldId id="267" r:id="rId15"/>
-    <p:sldId id="268" r:id="rId16"/>
-    <p:sldId id="269" r:id="rId17"/>
-    <p:sldId id="301" r:id="rId18"/>
-    <p:sldId id="271" r:id="rId19"/>
-    <p:sldId id="272" r:id="rId20"/>
-    <p:sldId id="302" r:id="rId21"/>
-    <p:sldId id="274" r:id="rId22"/>
-    <p:sldId id="275" r:id="rId23"/>
-    <p:sldId id="276" r:id="rId24"/>
-    <p:sldId id="277" r:id="rId25"/>
-    <p:sldId id="278" r:id="rId26"/>
-    <p:sldId id="279" r:id="rId27"/>
-    <p:sldId id="280" r:id="rId28"/>
-    <p:sldId id="281" r:id="rId29"/>
-    <p:sldId id="282" r:id="rId30"/>
-    <p:sldId id="283" r:id="rId31"/>
-    <p:sldId id="285" r:id="rId32"/>
-    <p:sldId id="286" r:id="rId33"/>
-    <p:sldId id="287" r:id="rId34"/>
-    <p:sldId id="288" r:id="rId35"/>
-    <p:sldId id="289" r:id="rId36"/>
-    <p:sldId id="290" r:id="rId37"/>
-    <p:sldId id="291" r:id="rId38"/>
-    <p:sldId id="292" r:id="rId39"/>
-    <p:sldId id="293" r:id="rId40"/>
-    <p:sldId id="294" r:id="rId41"/>
-    <p:sldId id="295" r:id="rId42"/>
-    <p:sldId id="296" r:id="rId43"/>
-    <p:sldId id="297" r:id="rId44"/>
-    <p:sldId id="298" r:id="rId45"/>
-    <p:sldId id="299" r:id="rId46"/>
-    <p:sldId id="300" r:id="rId47"/>
+    <p:sldId id="305" r:id="rId5"/>
+    <p:sldId id="258" r:id="rId6"/>
+    <p:sldId id="304" r:id="rId7"/>
+    <p:sldId id="262" r:id="rId8"/>
+    <p:sldId id="306" r:id="rId9"/>
+    <p:sldId id="307" r:id="rId10"/>
+    <p:sldId id="308" r:id="rId11"/>
+    <p:sldId id="309" r:id="rId12"/>
+    <p:sldId id="310" r:id="rId13"/>
+    <p:sldId id="301" r:id="rId14"/>
+    <p:sldId id="271" r:id="rId15"/>
+    <p:sldId id="272" r:id="rId16"/>
+    <p:sldId id="302" r:id="rId17"/>
+    <p:sldId id="274" r:id="rId18"/>
+    <p:sldId id="275" r:id="rId19"/>
+    <p:sldId id="276" r:id="rId20"/>
+    <p:sldId id="277" r:id="rId21"/>
+    <p:sldId id="278" r:id="rId22"/>
+    <p:sldId id="279" r:id="rId23"/>
+    <p:sldId id="280" r:id="rId24"/>
+    <p:sldId id="281" r:id="rId25"/>
+    <p:sldId id="282" r:id="rId26"/>
+    <p:sldId id="283" r:id="rId27"/>
+    <p:sldId id="285" r:id="rId28"/>
+    <p:sldId id="286" r:id="rId29"/>
+    <p:sldId id="287" r:id="rId30"/>
+    <p:sldId id="288" r:id="rId31"/>
+    <p:sldId id="289" r:id="rId32"/>
+    <p:sldId id="290" r:id="rId33"/>
+    <p:sldId id="291" r:id="rId34"/>
+    <p:sldId id="292" r:id="rId35"/>
+    <p:sldId id="293" r:id="rId36"/>
+    <p:sldId id="294" r:id="rId37"/>
+    <p:sldId id="295" r:id="rId38"/>
+    <p:sldId id="296" r:id="rId39"/>
+    <p:sldId id="297" r:id="rId40"/>
+    <p:sldId id="298" r:id="rId41"/>
+    <p:sldId id="299" r:id="rId42"/>
+    <p:sldId id="300" r:id="rId43"/>
   </p:sldIdLst>
   <p:sldSz cx="13004800" cy="9753600"/>
   <p:notesSz cx="6858000" cy="9144000"/>
@@ -9917,85 +9913,6 @@
 
 <file path=ppt/slideLayouts/slideLayout34.xml><?xml version="1.0" encoding="utf-8"?>
 <p:sldLayout xmlns:a="http://schemas.openxmlformats.org/drawingml/2006/main" xmlns:r="http://schemas.openxmlformats.org/officeDocument/2006/relationships" xmlns:p="http://schemas.openxmlformats.org/presentationml/2006/main" type="tx">
-  <p:cSld name="Blank Alt">
-    <p:bg>
-      <p:bgPr>
-        <a:solidFill>
-          <a:srgbClr val="FFFFFF"/>
-        </a:solidFill>
-        <a:effectLst/>
-      </p:bgPr>
-    </p:bg>
-    <p:spTree>
-      <p:nvGrpSpPr>
-        <p:cNvPr id="1" name=""/>
-        <p:cNvGrpSpPr/>
-        <p:nvPr/>
-      </p:nvGrpSpPr>
-      <p:grpSpPr>
-        <a:xfrm>
-          <a:off x="0" y="0"/>
-          <a:ext cx="0" cy="0"/>
-          <a:chOff x="0" y="0"/>
-          <a:chExt cx="0" cy="0"/>
-        </a:xfrm>
-      </p:grpSpPr>
-      <p:sp>
-        <p:nvSpPr>
-          <p:cNvPr id="162" name="Shape 162"/>
-          <p:cNvSpPr>
-            <a:spLocks noGrp="1"/>
-          </p:cNvSpPr>
-          <p:nvPr>
-            <p:ph type="sldNum" sz="quarter" idx="2"/>
-          </p:nvPr>
-        </p:nvSpPr>
-        <p:spPr>
-          <a:xfrm>
-            <a:off x="12186622" y="431800"/>
-            <a:ext cx="406897" cy="457200"/>
-          </a:xfrm>
-          <a:prstGeom prst="rect">
-            <a:avLst/>
-          </a:prstGeom>
-        </p:spPr>
-        <p:txBody>
-          <a:bodyPr lIns="50800" tIns="50800" rIns="50800" bIns="50800" anchor="t"/>
-          <a:lstStyle>
-            <a:lvl1pPr defTabSz="584200">
-              <a:lnSpc>
-                <a:spcPct val="80000"/>
-              </a:lnSpc>
-              <a:defRPr sz="2400">
-                <a:solidFill>
-                  <a:srgbClr val="838787"/>
-                </a:solidFill>
-                <a:latin typeface="DIN Alternate"/>
-                <a:ea typeface="DIN Alternate"/>
-                <a:cs typeface="DIN Alternate"/>
-                <a:sym typeface="DIN Alternate"/>
-              </a:defRPr>
-            </a:lvl1pPr>
-          </a:lstStyle>
-          <a:p>
-            <a:fld id="{86CB4B4D-7CA3-9044-876B-883B54F8677D}" type="slidenum">
-              <a:t>‹#›</a:t>
-            </a:fld>
-            <a:endParaRPr/>
-          </a:p>
-        </p:txBody>
-      </p:sp>
-    </p:spTree>
-  </p:cSld>
-  <p:clrMapOvr>
-    <a:masterClrMapping/>
-  </p:clrMapOvr>
-  <p:transition spd="med"/>
-</p:sldLayout>
-</file>
-
-<file path=ppt/slideLayouts/slideLayout35.xml><?xml version="1.0" encoding="utf-8"?>
-<p:sldLayout xmlns:a="http://schemas.openxmlformats.org/drawingml/2006/main" xmlns:r="http://schemas.openxmlformats.org/officeDocument/2006/relationships" xmlns:p="http://schemas.openxmlformats.org/presentationml/2006/main" type="tx">
   <p:cSld name="Title and Content">
     <p:spTree>
       <p:nvGrpSpPr>
@@ -10120,7 +10037,7 @@
 </p:sldLayout>
 </file>
 
-<file path=ppt/slideLayouts/slideLayout36.xml><?xml version="1.0" encoding="utf-8"?>
+<file path=ppt/slideLayouts/slideLayout35.xml><?xml version="1.0" encoding="utf-8"?>
 <p:sldLayout xmlns:a="http://schemas.openxmlformats.org/drawingml/2006/main" xmlns:r="http://schemas.openxmlformats.org/officeDocument/2006/relationships" xmlns:p="http://schemas.openxmlformats.org/presentationml/2006/main" type="tx">
   <p:cSld name="Title &amp; Bullets">
     <p:bg>
@@ -10495,7 +10412,7 @@
 </p:sldLayout>
 </file>
 
-<file path=ppt/slideLayouts/slideLayout37.xml><?xml version="1.0" encoding="utf-8"?>
+<file path=ppt/slideLayouts/slideLayout36.xml><?xml version="1.0" encoding="utf-8"?>
 <p:sldLayout xmlns:a="http://schemas.openxmlformats.org/drawingml/2006/main" xmlns:r="http://schemas.openxmlformats.org/officeDocument/2006/relationships" xmlns:p="http://schemas.openxmlformats.org/presentationml/2006/main" preserve="1" userDrawn="1">
   <p:cSld name="Title_Only">
     <p:bg>
@@ -14304,7 +14221,7 @@
           </a:ln>
           <a:extLst>
             <a:ext uri="{C572A759-6A51-4108-AA02-DFA0A04FC94B}">
-              <ma14:wrappingTextBoxFlag xmlns:ma14="http://schemas.microsoft.com/office/mac/drawingml/2011/main" xmlns="" val="1"/>
+              <ma14:wrappingTextBoxFlag xmlns="" xmlns:ma14="http://schemas.microsoft.com/office/mac/drawingml/2011/main" val="1"/>
             </a:ext>
           </a:extLst>
         </p:spPr>
@@ -14343,7 +14260,7 @@
           </a:ln>
           <a:extLst>
             <a:ext uri="{C572A759-6A51-4108-AA02-DFA0A04FC94B}">
-              <ma14:wrappingTextBoxFlag xmlns:ma14="http://schemas.microsoft.com/office/mac/drawingml/2011/main" xmlns="" val="1"/>
+              <ma14:wrappingTextBoxFlag xmlns="" xmlns:ma14="http://schemas.microsoft.com/office/mac/drawingml/2011/main" val="1"/>
             </a:ext>
           </a:extLst>
         </p:spPr>
@@ -14452,10 +14369,9 @@
     <p:sldLayoutId id="2147483661" r:id="rId13"/>
     <p:sldLayoutId id="2147483662" r:id="rId14"/>
     <p:sldLayoutId id="2147483663" r:id="rId15"/>
-    <p:sldLayoutId id="2147483664" r:id="rId16"/>
-    <p:sldLayoutId id="2147483665" r:id="rId17"/>
-    <p:sldLayoutId id="2147483666" r:id="rId18"/>
-    <p:sldLayoutId id="2147483686" r:id="rId19"/>
+    <p:sldLayoutId id="2147483665" r:id="rId16"/>
+    <p:sldLayoutId id="2147483666" r:id="rId17"/>
+    <p:sldLayoutId id="2147483686" r:id="rId18"/>
   </p:sldLayoutIdLst>
   <p:transition spd="med"/>
   <p:txStyles>
@@ -15350,201 +15266,1105 @@
       </p:grpSpPr>
       <p:sp>
         <p:nvSpPr>
-          <p:cNvPr id="215" name="Shape 215"/>
+          <p:cNvPr id="2" name="Title 1">
+            <a:extLst>
+              <a:ext uri="{FF2B5EF4-FFF2-40B4-BE49-F238E27FC236}">
+                <a16:creationId xmlns:a16="http://schemas.microsoft.com/office/drawing/2014/main" id="{35760439-DEB3-DE3B-FD8B-54AF25F9541C}"/>
+              </a:ext>
+            </a:extLst>
+          </p:cNvPr>
           <p:cNvSpPr>
             <a:spLocks noGrp="1"/>
           </p:cNvSpPr>
           <p:nvPr>
-            <p:ph type="ctrTitle"/>
+            <p:ph type="title"/>
           </p:nvPr>
         </p:nvSpPr>
-        <p:spPr>
-          <a:xfrm>
-            <a:off x="406400" y="1536700"/>
-            <a:ext cx="12192000" cy="1169261"/>
-          </a:xfrm>
-          <a:prstGeom prst="rect">
-            <a:avLst/>
-          </a:prstGeom>
-        </p:spPr>
+        <p:spPr/>
         <p:txBody>
-          <a:bodyPr/>
-          <a:lstStyle>
-            <a:lvl1pPr defTabSz="403097">
-              <a:spcBef>
-                <a:spcPts val="1900"/>
-              </a:spcBef>
-              <a:defRPr sz="8200"/>
-            </a:lvl1pPr>
-          </a:lstStyle>
+          <a:bodyPr wrap="none">
+            <a:normAutofit fontScale="90000"/>
+          </a:bodyPr>
+          <a:lstStyle/>
           <a:p>
             <a:r>
-              <a:t>Odds</a:t>
+              <a:rPr lang="en-US" dirty="0"/>
+              <a:t>So… Will assuming the line is the log odds work?</a:t>
             </a:r>
           </a:p>
         </p:txBody>
       </p:sp>
       <p:sp>
         <p:nvSpPr>
-          <p:cNvPr id="216" name="Shape 216"/>
+          <p:cNvPr id="3" name="Text Placeholder 2">
+            <a:extLst>
+              <a:ext uri="{FF2B5EF4-FFF2-40B4-BE49-F238E27FC236}">
+                <a16:creationId xmlns:a16="http://schemas.microsoft.com/office/drawing/2014/main" id="{B1DDA42A-A3D4-27A7-801E-390DFFE47C7F}"/>
+              </a:ext>
+            </a:extLst>
+          </p:cNvPr>
           <p:cNvSpPr>
             <a:spLocks noGrp="1"/>
           </p:cNvSpPr>
           <p:nvPr>
-            <p:ph type="subTitle" sz="quarter" idx="1"/>
+            <p:ph type="body" sz="quarter" idx="1"/>
           </p:nvPr>
         </p:nvSpPr>
-        <p:spPr>
-          <a:xfrm>
-            <a:off x="0" y="3557918"/>
-            <a:ext cx="12192000" cy="1304860"/>
-          </a:xfrm>
-          <a:prstGeom prst="rect">
-            <a:avLst/>
-          </a:prstGeom>
-        </p:spPr>
+        <p:spPr/>
         <p:txBody>
-          <a:bodyPr anchor="t"/>
-          <a:lstStyle>
-            <a:lvl1pPr marL="550656" indent="-550656" defTabSz="455674">
-              <a:lnSpc>
-                <a:spcPct val="100000"/>
-              </a:lnSpc>
-              <a:spcBef>
-                <a:spcPts val="2100"/>
-              </a:spcBef>
-              <a:buSzPct val="40000"/>
-              <a:buBlip>
-                <a:blip r:embed="rId2"/>
-              </a:buBlip>
-              <a:defRPr sz="4900" cap="none">
-                <a:solidFill>
-                  <a:srgbClr val="838787"/>
-                </a:solidFill>
-                <a:latin typeface="Avenir Next Medium"/>
-                <a:ea typeface="Avenir Next Medium"/>
-                <a:cs typeface="Avenir Next Medium"/>
-                <a:sym typeface="Avenir Next Medium"/>
-              </a:defRPr>
-            </a:lvl1pPr>
-          </a:lstStyle>
-          <a:p>
-            <a:r>
-              <a:t>Only valid between 0 and 1</a:t>
-            </a:r>
+          <a:bodyPr/>
+          <a:lstStyle/>
+          <a:p>
+            <a:endParaRPr lang="en-US"/>
           </a:p>
         </p:txBody>
       </p:sp>
-      <p:pic>
-        <p:nvPicPr>
-          <p:cNvPr id="217" name="Screen Shot 2019-09-17 at 12.15.05 AM.png"/>
-          <p:cNvPicPr>
-            <a:picLocks noChangeAspect="1"/>
-          </p:cNvPicPr>
-          <p:nvPr/>
-        </p:nvPicPr>
-        <p:blipFill>
-          <a:blip r:embed="rId3"/>
-          <a:stretch>
-            <a:fillRect/>
-          </a:stretch>
-        </p:blipFill>
-        <p:spPr>
-          <a:xfrm>
-            <a:off x="-1" y="3133711"/>
-            <a:ext cx="13004801" cy="4968241"/>
-          </a:xfrm>
-          <a:prstGeom prst="rect">
-            <a:avLst/>
-          </a:prstGeom>
-          <a:ln w="12700">
-            <a:miter lim="400000"/>
-          </a:ln>
-        </p:spPr>
-      </p:pic>
-      <p:sp>
-        <p:nvSpPr>
-          <p:cNvPr id="5" name="TextBox 4">
-            <a:extLst>
-              <a:ext uri="{FF2B5EF4-FFF2-40B4-BE49-F238E27FC236}">
-                <a16:creationId xmlns:a16="http://schemas.microsoft.com/office/drawing/2014/main" id="{D87046AF-CF55-1291-1474-E449B3E1AC37}"/>
-              </a:ext>
-            </a:extLst>
-          </p:cNvPr>
-          <p:cNvSpPr txBox="1"/>
-          <p:nvPr/>
-        </p:nvSpPr>
-        <p:spPr>
-          <a:xfrm>
-            <a:off x="406400" y="3190910"/>
-            <a:ext cx="8447825" cy="948978"/>
-          </a:xfrm>
-          <a:prstGeom prst="rect">
-            <a:avLst/>
-          </a:prstGeom>
-          <a:noFill/>
-          <a:ln w="12700" cap="flat">
-            <a:noFill/>
-            <a:miter lim="400000"/>
-          </a:ln>
-          <a:effectLst/>
-          <a:sp3d/>
-        </p:spPr>
-        <p:style>
-          <a:lnRef idx="0">
-            <a:scrgbClr r="0" g="0" b="0"/>
-          </a:lnRef>
-          <a:fillRef idx="0">
-            <a:scrgbClr r="0" g="0" b="0"/>
-          </a:fillRef>
-          <a:effectRef idx="0">
-            <a:scrgbClr r="0" g="0" b="0"/>
-          </a:effectRef>
-          <a:fontRef idx="none"/>
-        </p:style>
-        <p:txBody>
-          <a:bodyPr rot="0" spcFirstLastPara="1" vertOverflow="overflow" horzOverflow="overflow" vert="horz" wrap="none" lIns="50800" tIns="50800" rIns="50800" bIns="50800" numCol="1" spcCol="38100" rtlCol="0" anchor="ctr">
-            <a:spAutoFit/>
-          </a:bodyPr>
-          <a:lstStyle/>
-          <a:p>
-            <a:pPr marL="0" marR="0" indent="0" algn="l" defTabSz="584200" rtl="0" fontAlgn="auto" latinLnBrk="0" hangingPunct="0">
-              <a:lnSpc>
-                <a:spcPct val="100000"/>
-              </a:lnSpc>
-              <a:spcBef>
-                <a:spcPts val="2400"/>
-              </a:spcBef>
-              <a:spcAft>
-                <a:spcPts val="0"/>
-              </a:spcAft>
-              <a:buClrTx/>
-              <a:buSzTx/>
-              <a:buFontTx/>
-              <a:buNone/>
-              <a:tabLst/>
-            </a:pPr>
-            <a:r>
-              <a:rPr kumimoji="0" lang="en-US" sz="3500" b="0" i="0" u="none" strike="noStrike" cap="none" spc="0" normalizeH="0" baseline="0" dirty="0">
-                <a:ln>
-                  <a:noFill/>
-                </a:ln>
-                <a:solidFill>
-                  <a:srgbClr val="222222"/>
-                </a:solidFill>
-                <a:effectLst/>
-                <a:uFillTx/>
-                <a:latin typeface="DIN Condensed"/>
-                <a:ea typeface="DIN Condensed"/>
-                <a:cs typeface="DIN Condensed"/>
-                <a:sym typeface="DIN Condensed"/>
-              </a:rPr>
-              <a:t>In the case where the probability of winning is at least 50%...</a:t>
-            </a:r>
-          </a:p>
-        </p:txBody>
-      </p:sp>
+      <mc:AlternateContent xmlns:mc="http://schemas.openxmlformats.org/markup-compatibility/2006">
+        <mc:Choice xmlns:a14="http://schemas.microsoft.com/office/drawing/2010/main" Requires="a14">
+          <p:sp>
+            <p:nvSpPr>
+              <p:cNvPr id="4" name="Text Placeholder 3">
+                <a:extLst>
+                  <a:ext uri="{FF2B5EF4-FFF2-40B4-BE49-F238E27FC236}">
+                    <a16:creationId xmlns:a16="http://schemas.microsoft.com/office/drawing/2014/main" id="{9CDB1601-67CC-E114-87BC-0AC7C4ACD3DB}"/>
+                  </a:ext>
+                </a:extLst>
+              </p:cNvPr>
+              <p:cNvSpPr>
+                <a:spLocks noGrp="1"/>
+              </p:cNvSpPr>
+              <p:nvPr>
+                <p:ph type="body" sz="quarter" idx="10"/>
+              </p:nvPr>
+            </p:nvSpPr>
+            <p:spPr>
+              <a:xfrm>
+                <a:off x="125506" y="2438400"/>
+                <a:ext cx="6454588" cy="6883400"/>
+              </a:xfrm>
+            </p:spPr>
+            <p:txBody>
+              <a:bodyPr>
+                <a:normAutofit/>
+              </a:bodyPr>
+              <a:lstStyle/>
+              <a:p>
+                <a:r>
+                  <a:rPr lang="en-US" b="0" dirty="0"/>
+                  <a:t>If </a:t>
+                </a:r>
+                <a14:m>
+                  <m:oMath xmlns:m="http://schemas.openxmlformats.org/officeDocument/2006/math">
+                    <m:r>
+                      <a:rPr lang="en-US" b="0" i="1" smtClean="0">
+                        <a:latin typeface="Cambria Math" panose="02040503050406030204" pitchFamily="18" charset="0"/>
+                      </a:rPr>
+                      <m:t>𝑝</m:t>
+                    </m:r>
+                    <m:r>
+                      <a:rPr lang="en-US" b="0" i="1" smtClean="0">
+                        <a:latin typeface="Cambria Math" panose="02040503050406030204" pitchFamily="18" charset="0"/>
+                      </a:rPr>
+                      <m:t>= </m:t>
+                    </m:r>
+                    <m:f>
+                      <m:fPr>
+                        <m:ctrlPr>
+                          <a:rPr lang="en-US" b="0" i="1" smtClean="0">
+                            <a:latin typeface="Cambria Math" panose="02040503050406030204" pitchFamily="18" charset="0"/>
+                          </a:rPr>
+                        </m:ctrlPr>
+                      </m:fPr>
+                      <m:num>
+                        <m:r>
+                          <a:rPr lang="en-US" b="0" i="1" smtClean="0">
+                            <a:latin typeface="Cambria Math" panose="02040503050406030204" pitchFamily="18" charset="0"/>
+                          </a:rPr>
+                          <m:t>1</m:t>
+                        </m:r>
+                      </m:num>
+                      <m:den>
+                        <m:r>
+                          <a:rPr lang="en-US" b="0" i="1" smtClean="0">
+                            <a:latin typeface="Cambria Math" panose="02040503050406030204" pitchFamily="18" charset="0"/>
+                          </a:rPr>
+                          <m:t>1+</m:t>
+                        </m:r>
+                        <m:sSup>
+                          <m:sSupPr>
+                            <m:ctrlPr>
+                              <a:rPr lang="en-US" b="0" i="1" smtClean="0">
+                                <a:latin typeface="Cambria Math" panose="02040503050406030204" pitchFamily="18" charset="0"/>
+                              </a:rPr>
+                            </m:ctrlPr>
+                          </m:sSupPr>
+                          <m:e>
+                            <m:r>
+                              <a:rPr lang="en-US" b="0" i="1" smtClean="0">
+                                <a:latin typeface="Cambria Math" panose="02040503050406030204" pitchFamily="18" charset="0"/>
+                              </a:rPr>
+                              <m:t>𝑒</m:t>
+                            </m:r>
+                          </m:e>
+                          <m:sup>
+                            <m:r>
+                              <a:rPr lang="en-US" b="0" i="1" smtClean="0">
+                                <a:latin typeface="Cambria Math" panose="02040503050406030204" pitchFamily="18" charset="0"/>
+                              </a:rPr>
+                              <m:t>−</m:t>
+                            </m:r>
+                            <m:r>
+                              <a:rPr lang="en-US" b="0" i="1" smtClean="0">
+                                <a:latin typeface="Cambria Math" panose="02040503050406030204" pitchFamily="18" charset="0"/>
+                              </a:rPr>
+                              <m:t>𝑘</m:t>
+                            </m:r>
+                            <m:r>
+                              <a:rPr lang="en-US" b="0" i="1" smtClean="0">
+                                <a:latin typeface="Cambria Math" panose="02040503050406030204" pitchFamily="18" charset="0"/>
+                              </a:rPr>
+                              <m:t>(</m:t>
+                            </m:r>
+                            <m:r>
+                              <a:rPr lang="en-US" b="0" i="1" smtClean="0">
+                                <a:latin typeface="Cambria Math" panose="02040503050406030204" pitchFamily="18" charset="0"/>
+                              </a:rPr>
+                              <m:t>𝑥</m:t>
+                            </m:r>
+                            <m:r>
+                              <a:rPr lang="en-US" b="0" i="1" smtClean="0">
+                                <a:latin typeface="Cambria Math" panose="02040503050406030204" pitchFamily="18" charset="0"/>
+                              </a:rPr>
+                              <m:t>−</m:t>
+                            </m:r>
+                            <m:sSub>
+                              <m:sSubPr>
+                                <m:ctrlPr>
+                                  <a:rPr lang="en-US" b="0" i="1" smtClean="0">
+                                    <a:latin typeface="Cambria Math" panose="02040503050406030204" pitchFamily="18" charset="0"/>
+                                  </a:rPr>
+                                </m:ctrlPr>
+                              </m:sSubPr>
+                              <m:e>
+                                <m:r>
+                                  <a:rPr lang="en-US" b="0" i="1" smtClean="0">
+                                    <a:latin typeface="Cambria Math" panose="02040503050406030204" pitchFamily="18" charset="0"/>
+                                  </a:rPr>
+                                  <m:t>𝑥</m:t>
+                                </m:r>
+                              </m:e>
+                              <m:sub>
+                                <m:r>
+                                  <a:rPr lang="en-US" b="0" i="1" smtClean="0">
+                                    <a:latin typeface="Cambria Math" panose="02040503050406030204" pitchFamily="18" charset="0"/>
+                                  </a:rPr>
+                                  <m:t>0</m:t>
+                                </m:r>
+                              </m:sub>
+                            </m:sSub>
+                            <m:r>
+                              <a:rPr lang="en-US" b="0" i="1" smtClean="0">
+                                <a:latin typeface="Cambria Math" panose="02040503050406030204" pitchFamily="18" charset="0"/>
+                              </a:rPr>
+                              <m:t>)</m:t>
+                            </m:r>
+                          </m:sup>
+                        </m:sSup>
+                      </m:den>
+                    </m:f>
+                  </m:oMath>
+                </a14:m>
+                <a:r>
+                  <a:rPr lang="en-US" dirty="0"/>
+                  <a:t>,</a:t>
+                </a:r>
+                <a:br>
+                  <a:rPr lang="en-US" dirty="0"/>
+                </a:br>
+                <a:endParaRPr lang="en-US" dirty="0"/>
+              </a:p>
+              <a:p>
+                <a:r>
+                  <a:rPr lang="en-US" dirty="0"/>
+                  <a:t>is </a:t>
+                </a:r>
+                <a14:m>
+                  <m:oMath xmlns:m="http://schemas.openxmlformats.org/officeDocument/2006/math">
+                    <m:r>
+                      <m:rPr>
+                        <m:sty m:val="p"/>
+                      </m:rPr>
+                      <a:rPr lang="en-US" b="0" i="0" smtClean="0">
+                        <a:latin typeface="Cambria Math" panose="02040503050406030204" pitchFamily="18" charset="0"/>
+                      </a:rPr>
+                      <m:t>log</m:t>
+                    </m:r>
+                    <m:d>
+                      <m:dPr>
+                        <m:ctrlPr>
+                          <a:rPr lang="en-US" b="0" i="1" smtClean="0">
+                            <a:latin typeface="Cambria Math" panose="02040503050406030204" pitchFamily="18" charset="0"/>
+                          </a:rPr>
+                        </m:ctrlPr>
+                      </m:dPr>
+                      <m:e>
+                        <m:f>
+                          <m:fPr>
+                            <m:ctrlPr>
+                              <a:rPr lang="en-US" i="1">
+                                <a:latin typeface="Cambria Math" panose="02040503050406030204" pitchFamily="18" charset="0"/>
+                              </a:rPr>
+                            </m:ctrlPr>
+                          </m:fPr>
+                          <m:num>
+                            <m:r>
+                              <m:rPr>
+                                <m:sty m:val="p"/>
+                              </m:rPr>
+                              <a:rPr lang="en-US">
+                                <a:latin typeface="Cambria Math" panose="02040503050406030204" pitchFamily="18" charset="0"/>
+                              </a:rPr>
+                              <m:t>probability</m:t>
+                            </m:r>
+                          </m:num>
+                          <m:den>
+                            <m:r>
+                              <a:rPr lang="en-US" i="1">
+                                <a:latin typeface="Cambria Math" panose="02040503050406030204" pitchFamily="18" charset="0"/>
+                              </a:rPr>
+                              <m:t>1−</m:t>
+                            </m:r>
+                            <m:r>
+                              <m:rPr>
+                                <m:sty m:val="p"/>
+                              </m:rPr>
+                              <a:rPr lang="en-US">
+                                <a:latin typeface="Cambria Math" panose="02040503050406030204" pitchFamily="18" charset="0"/>
+                              </a:rPr>
+                              <m:t>probabillity</m:t>
+                            </m:r>
+                          </m:den>
+                        </m:f>
+                      </m:e>
+                    </m:d>
+                  </m:oMath>
+                </a14:m>
+                <a:r>
+                  <a:rPr lang="en-US" dirty="0"/>
+                  <a:t> linear?</a:t>
+                </a:r>
+              </a:p>
+            </p:txBody>
+          </p:sp>
+        </mc:Choice>
+        <mc:Fallback>
+          <p:sp>
+            <p:nvSpPr>
+              <p:cNvPr id="4" name="Text Placeholder 3">
+                <a:extLst>
+                  <a:ext uri="{FF2B5EF4-FFF2-40B4-BE49-F238E27FC236}">
+                    <a16:creationId xmlns:a16="http://schemas.microsoft.com/office/drawing/2014/main" id="{9CDB1601-67CC-E114-87BC-0AC7C4ACD3DB}"/>
+                  </a:ext>
+                </a:extLst>
+              </p:cNvPr>
+              <p:cNvSpPr>
+                <a:spLocks noGrp="1" noRot="1" noChangeAspect="1" noMove="1" noResize="1" noEditPoints="1" noAdjustHandles="1" noChangeArrowheads="1" noChangeShapeType="1" noTextEdit="1"/>
+              </p:cNvSpPr>
+              <p:nvPr>
+                <p:ph type="body" sz="quarter" idx="10"/>
+              </p:nvPr>
+            </p:nvSpPr>
+            <p:spPr>
+              <a:xfrm>
+                <a:off x="125506" y="2438400"/>
+                <a:ext cx="6454588" cy="6883400"/>
+              </a:xfrm>
+              <a:blipFill>
+                <a:blip r:embed="rId2"/>
+                <a:stretch>
+                  <a:fillRect l="-3150"/>
+                </a:stretch>
+              </a:blipFill>
+            </p:spPr>
+            <p:txBody>
+              <a:bodyPr/>
+              <a:lstStyle/>
+              <a:p>
+                <a:r>
+                  <a:rPr lang="en-US">
+                    <a:noFill/>
+                  </a:rPr>
+                  <a:t> </a:t>
+                </a:r>
+              </a:p>
+            </p:txBody>
+          </p:sp>
+        </mc:Fallback>
+      </mc:AlternateContent>
+      <mc:AlternateContent xmlns:mc="http://schemas.openxmlformats.org/markup-compatibility/2006">
+        <mc:Choice xmlns:a14="http://schemas.microsoft.com/office/drawing/2010/main" Requires="a14">
+          <p:sp>
+            <p:nvSpPr>
+              <p:cNvPr id="5" name="Text Placeholder 3">
+                <a:extLst>
+                  <a:ext uri="{FF2B5EF4-FFF2-40B4-BE49-F238E27FC236}">
+                    <a16:creationId xmlns:a16="http://schemas.microsoft.com/office/drawing/2014/main" id="{9137382B-C556-F934-2F19-0D4B7BA08D96}"/>
+                  </a:ext>
+                </a:extLst>
+              </p:cNvPr>
+              <p:cNvSpPr txBox="1">
+                <a:spLocks/>
+              </p:cNvSpPr>
+              <p:nvPr/>
+            </p:nvSpPr>
+            <p:spPr>
+              <a:xfrm>
+                <a:off x="6185646" y="2563906"/>
+                <a:ext cx="6560391" cy="6910293"/>
+              </a:xfrm>
+              <a:prstGeom prst="rect">
+                <a:avLst/>
+              </a:prstGeom>
+            </p:spPr>
+            <p:txBody>
+              <a:bodyPr vert="horz" lIns="91440" tIns="45720" rIns="91440" bIns="45720" rtlCol="0">
+                <a:normAutofit/>
+              </a:bodyPr>
+              <a:lstStyle>
+                <a:lvl1pPr marL="471487" marR="0" indent="-471487" algn="l" defTabSz="650240" rtl="0" latinLnBrk="0">
+                  <a:lnSpc>
+                    <a:spcPct val="100000"/>
+                  </a:lnSpc>
+                  <a:spcBef>
+                    <a:spcPts val="1000"/>
+                  </a:spcBef>
+                  <a:spcAft>
+                    <a:spcPts val="0"/>
+                  </a:spcAft>
+                  <a:buClr>
+                    <a:schemeClr val="accent1"/>
+                  </a:buClr>
+                  <a:buSzPct val="100000"/>
+                  <a:buFont typeface="Webdings" panose="05030102010509060703" pitchFamily="18" charset="2"/>
+                  <a:buChar char=""/>
+                  <a:tabLst/>
+                  <a:defRPr sz="4400" b="0" i="0" u="none" strike="noStrike" cap="none" spc="0" baseline="0">
+                    <a:ln>
+                      <a:noFill/>
+                    </a:ln>
+                    <a:solidFill>
+                      <a:schemeClr val="tx2"/>
+                    </a:solidFill>
+                    <a:uFillTx/>
+                    <a:latin typeface="Calibri"/>
+                    <a:ea typeface="Calibri"/>
+                    <a:cs typeface="Calibri"/>
+                    <a:sym typeface="Calibri"/>
+                  </a:defRPr>
+                </a:lvl1pPr>
+                <a:lvl2pPr marL="904875" marR="0" indent="-447675" algn="l" defTabSz="650240" rtl="0" latinLnBrk="0">
+                  <a:lnSpc>
+                    <a:spcPct val="100000"/>
+                  </a:lnSpc>
+                  <a:spcBef>
+                    <a:spcPts val="1000"/>
+                  </a:spcBef>
+                  <a:spcAft>
+                    <a:spcPts val="0"/>
+                  </a:spcAft>
+                  <a:buClr>
+                    <a:schemeClr val="accent1"/>
+                  </a:buClr>
+                  <a:buSzPct val="100000"/>
+                  <a:buFont typeface="Wingdings" panose="05000000000000000000" pitchFamily="2" charset="2"/>
+                  <a:buChar char="§"/>
+                  <a:tabLst/>
+                  <a:defRPr sz="4400" b="0" i="0" u="none" strike="noStrike" cap="none" spc="0" baseline="0">
+                    <a:ln>
+                      <a:noFill/>
+                    </a:ln>
+                    <a:solidFill>
+                      <a:schemeClr val="tx2"/>
+                    </a:solidFill>
+                    <a:uFillTx/>
+                    <a:latin typeface="Calibri"/>
+                    <a:ea typeface="Calibri"/>
+                    <a:cs typeface="Calibri"/>
+                    <a:sym typeface="Calibri"/>
+                  </a:defRPr>
+                </a:lvl2pPr>
+                <a:lvl3pPr marL="1333500" marR="0" indent="-419100" algn="l" defTabSz="650240" rtl="0" latinLnBrk="0">
+                  <a:lnSpc>
+                    <a:spcPct val="100000"/>
+                  </a:lnSpc>
+                  <a:spcBef>
+                    <a:spcPts val="1000"/>
+                  </a:spcBef>
+                  <a:spcAft>
+                    <a:spcPts val="0"/>
+                  </a:spcAft>
+                  <a:buClrTx/>
+                  <a:buSzPct val="100000"/>
+                  <a:buFont typeface="Arial"/>
+                  <a:buChar char="•"/>
+                  <a:tabLst/>
+                  <a:defRPr sz="4400" b="0" i="0" u="none" strike="noStrike" cap="none" spc="0" baseline="0">
+                    <a:ln>
+                      <a:noFill/>
+                    </a:ln>
+                    <a:solidFill>
+                      <a:schemeClr val="tx2"/>
+                    </a:solidFill>
+                    <a:uFillTx/>
+                    <a:latin typeface="Calibri"/>
+                    <a:ea typeface="Calibri"/>
+                    <a:cs typeface="Calibri"/>
+                    <a:sym typeface="Calibri"/>
+                  </a:defRPr>
+                </a:lvl3pPr>
+                <a:lvl4pPr marL="1874520" marR="0" indent="-502919" algn="l" defTabSz="650240" rtl="0" latinLnBrk="0">
+                  <a:lnSpc>
+                    <a:spcPct val="100000"/>
+                  </a:lnSpc>
+                  <a:spcBef>
+                    <a:spcPts val="1000"/>
+                  </a:spcBef>
+                  <a:spcAft>
+                    <a:spcPts val="0"/>
+                  </a:spcAft>
+                  <a:buClrTx/>
+                  <a:buSzPct val="100000"/>
+                  <a:buFont typeface="Arial"/>
+                  <a:buChar char="–"/>
+                  <a:tabLst/>
+                  <a:defRPr sz="4400" b="0" i="0" u="none" strike="noStrike" cap="none" spc="0" baseline="0">
+                    <a:ln>
+                      <a:noFill/>
+                    </a:ln>
+                    <a:solidFill>
+                      <a:schemeClr val="tx2"/>
+                    </a:solidFill>
+                    <a:uFillTx/>
+                    <a:latin typeface="Calibri"/>
+                    <a:ea typeface="Calibri"/>
+                    <a:cs typeface="Calibri"/>
+                    <a:sym typeface="Calibri"/>
+                  </a:defRPr>
+                </a:lvl4pPr>
+                <a:lvl5pPr marL="2331720" marR="0" indent="-502920" algn="l" defTabSz="650240" rtl="0" latinLnBrk="0">
+                  <a:lnSpc>
+                    <a:spcPct val="100000"/>
+                  </a:lnSpc>
+                  <a:spcBef>
+                    <a:spcPts val="1000"/>
+                  </a:spcBef>
+                  <a:spcAft>
+                    <a:spcPts val="0"/>
+                  </a:spcAft>
+                  <a:buClrTx/>
+                  <a:buSzPct val="100000"/>
+                  <a:buFont typeface="Arial"/>
+                  <a:buChar char="»"/>
+                  <a:tabLst/>
+                  <a:defRPr sz="4400" b="0" i="0" u="none" strike="noStrike" cap="none" spc="0" baseline="0">
+                    <a:ln>
+                      <a:noFill/>
+                    </a:ln>
+                    <a:solidFill>
+                      <a:schemeClr val="tx2"/>
+                    </a:solidFill>
+                    <a:uFillTx/>
+                    <a:latin typeface="Calibri"/>
+                    <a:ea typeface="Calibri"/>
+                    <a:cs typeface="Calibri"/>
+                    <a:sym typeface="Calibri"/>
+                  </a:defRPr>
+                </a:lvl5pPr>
+                <a:lvl6pPr marL="2797735" marR="0" indent="-575235" algn="l" defTabSz="650240" rtl="0" latinLnBrk="0">
+                  <a:lnSpc>
+                    <a:spcPct val="100000"/>
+                  </a:lnSpc>
+                  <a:spcBef>
+                    <a:spcPts val="1000"/>
+                  </a:spcBef>
+                  <a:spcAft>
+                    <a:spcPts val="0"/>
+                  </a:spcAft>
+                  <a:buClrTx/>
+                  <a:buSzPct val="104999"/>
+                  <a:buFont typeface="Arial"/>
+                  <a:buChar char="‣"/>
+                  <a:tabLst/>
+                  <a:defRPr sz="4400" b="0" i="0" u="none" strike="noStrike" cap="none" spc="0" baseline="0">
+                    <a:ln>
+                      <a:noFill/>
+                    </a:ln>
+                    <a:solidFill>
+                      <a:srgbClr val="000000"/>
+                    </a:solidFill>
+                    <a:uFillTx/>
+                    <a:latin typeface="Calibri"/>
+                    <a:ea typeface="Calibri"/>
+                    <a:cs typeface="Calibri"/>
+                    <a:sym typeface="Calibri"/>
+                  </a:defRPr>
+                </a:lvl6pPr>
+                <a:lvl7pPr marL="3242235" marR="0" indent="-575235" algn="l" defTabSz="650240" rtl="0" latinLnBrk="0">
+                  <a:lnSpc>
+                    <a:spcPct val="100000"/>
+                  </a:lnSpc>
+                  <a:spcBef>
+                    <a:spcPts val="1000"/>
+                  </a:spcBef>
+                  <a:spcAft>
+                    <a:spcPts val="0"/>
+                  </a:spcAft>
+                  <a:buClrTx/>
+                  <a:buSzPct val="104999"/>
+                  <a:buFont typeface="Arial"/>
+                  <a:buChar char="‣"/>
+                  <a:tabLst/>
+                  <a:defRPr sz="4400" b="0" i="0" u="none" strike="noStrike" cap="none" spc="0" baseline="0">
+                    <a:ln>
+                      <a:noFill/>
+                    </a:ln>
+                    <a:solidFill>
+                      <a:srgbClr val="000000"/>
+                    </a:solidFill>
+                    <a:uFillTx/>
+                    <a:latin typeface="Calibri"/>
+                    <a:ea typeface="Calibri"/>
+                    <a:cs typeface="Calibri"/>
+                    <a:sym typeface="Calibri"/>
+                  </a:defRPr>
+                </a:lvl7pPr>
+                <a:lvl8pPr marL="3686735" marR="0" indent="-575235" algn="l" defTabSz="650240" rtl="0" latinLnBrk="0">
+                  <a:lnSpc>
+                    <a:spcPct val="100000"/>
+                  </a:lnSpc>
+                  <a:spcBef>
+                    <a:spcPts val="1000"/>
+                  </a:spcBef>
+                  <a:spcAft>
+                    <a:spcPts val="0"/>
+                  </a:spcAft>
+                  <a:buClrTx/>
+                  <a:buSzPct val="104999"/>
+                  <a:buFont typeface="Arial"/>
+                  <a:buChar char="‣"/>
+                  <a:tabLst/>
+                  <a:defRPr sz="4400" b="0" i="0" u="none" strike="noStrike" cap="none" spc="0" baseline="0">
+                    <a:ln>
+                      <a:noFill/>
+                    </a:ln>
+                    <a:solidFill>
+                      <a:srgbClr val="000000"/>
+                    </a:solidFill>
+                    <a:uFillTx/>
+                    <a:latin typeface="Calibri"/>
+                    <a:ea typeface="Calibri"/>
+                    <a:cs typeface="Calibri"/>
+                    <a:sym typeface="Calibri"/>
+                  </a:defRPr>
+                </a:lvl8pPr>
+                <a:lvl9pPr marL="4131235" marR="0" indent="-575235" algn="l" defTabSz="650240" rtl="0" latinLnBrk="0">
+                  <a:lnSpc>
+                    <a:spcPct val="100000"/>
+                  </a:lnSpc>
+                  <a:spcBef>
+                    <a:spcPts val="1000"/>
+                  </a:spcBef>
+                  <a:spcAft>
+                    <a:spcPts val="0"/>
+                  </a:spcAft>
+                  <a:buClrTx/>
+                  <a:buSzPct val="104999"/>
+                  <a:buFont typeface="Arial"/>
+                  <a:buChar char="‣"/>
+                  <a:tabLst/>
+                  <a:defRPr sz="4400" b="0" i="0" u="none" strike="noStrike" cap="none" spc="0" baseline="0">
+                    <a:ln>
+                      <a:noFill/>
+                    </a:ln>
+                    <a:solidFill>
+                      <a:srgbClr val="000000"/>
+                    </a:solidFill>
+                    <a:uFillTx/>
+                    <a:latin typeface="Calibri"/>
+                    <a:ea typeface="Calibri"/>
+                    <a:cs typeface="Calibri"/>
+                    <a:sym typeface="Calibri"/>
+                  </a:defRPr>
+                </a:lvl9pPr>
+              </a:lstStyle>
+              <a:p>
+                <a:pPr marL="0" indent="0" hangingPunct="1">
+                  <a:buFont typeface="Webdings" panose="05030102010509060703" pitchFamily="18" charset="2"/>
+                  <a:buNone/>
+                </a:pPr>
+                <a14:m>
+                  <m:oMathPara xmlns:m="http://schemas.openxmlformats.org/officeDocument/2006/math">
+                    <m:oMathParaPr>
+                      <m:jc m:val="left"/>
+                    </m:oMathParaPr>
+                    <m:oMath xmlns:m="http://schemas.openxmlformats.org/officeDocument/2006/math">
+                      <m:r>
+                        <a:rPr lang="en-US" i="1" smtClean="0">
+                          <a:latin typeface="Cambria Math" panose="02040503050406030204" pitchFamily="18" charset="0"/>
+                        </a:rPr>
+                        <m:t>𝑝</m:t>
+                      </m:r>
+                      <m:r>
+                        <a:rPr lang="en-US" i="1" smtClean="0">
+                          <a:latin typeface="Cambria Math" panose="02040503050406030204" pitchFamily="18" charset="0"/>
+                        </a:rPr>
+                        <m:t>=</m:t>
+                      </m:r>
+                      <m:f>
+                        <m:fPr>
+                          <m:ctrlPr>
+                            <a:rPr lang="en-US" i="1" smtClean="0">
+                              <a:latin typeface="Cambria Math" panose="02040503050406030204" pitchFamily="18" charset="0"/>
+                            </a:rPr>
+                          </m:ctrlPr>
+                        </m:fPr>
+                        <m:num>
+                          <m:r>
+                            <a:rPr lang="en-US" i="1" smtClean="0">
+                              <a:latin typeface="Cambria Math" panose="02040503050406030204" pitchFamily="18" charset="0"/>
+                            </a:rPr>
+                            <m:t>1</m:t>
+                          </m:r>
+                        </m:num>
+                        <m:den>
+                          <m:r>
+                            <a:rPr lang="en-US" i="1" smtClean="0">
+                              <a:latin typeface="Cambria Math" panose="02040503050406030204" pitchFamily="18" charset="0"/>
+                            </a:rPr>
+                            <m:t>1+</m:t>
+                          </m:r>
+                          <m:sSup>
+                            <m:sSupPr>
+                              <m:ctrlPr>
+                                <a:rPr lang="en-US" i="1" smtClean="0">
+                                  <a:latin typeface="Cambria Math" panose="02040503050406030204" pitchFamily="18" charset="0"/>
+                                </a:rPr>
+                              </m:ctrlPr>
+                            </m:sSupPr>
+                            <m:e>
+                              <m:r>
+                                <a:rPr lang="en-US" i="1" smtClean="0">
+                                  <a:latin typeface="Cambria Math" panose="02040503050406030204" pitchFamily="18" charset="0"/>
+                                </a:rPr>
+                                <m:t>𝑒</m:t>
+                              </m:r>
+                            </m:e>
+                            <m:sup>
+                              <m:r>
+                                <a:rPr lang="en-US" i="1" smtClean="0">
+                                  <a:latin typeface="Cambria Math" panose="02040503050406030204" pitchFamily="18" charset="0"/>
+                                </a:rPr>
+                                <m:t>−ℓ</m:t>
+                              </m:r>
+                            </m:sup>
+                          </m:sSup>
+                        </m:den>
+                      </m:f>
+                      <m:r>
+                        <a:rPr lang="en-US" i="1" smtClean="0">
+                          <a:latin typeface="Cambria Math" panose="02040503050406030204" pitchFamily="18" charset="0"/>
+                        </a:rPr>
+                        <m:t>=</m:t>
+                      </m:r>
+                      <m:f>
+                        <m:fPr>
+                          <m:ctrlPr>
+                            <a:rPr lang="en-US" i="1" smtClean="0">
+                              <a:latin typeface="Cambria Math" panose="02040503050406030204" pitchFamily="18" charset="0"/>
+                            </a:rPr>
+                          </m:ctrlPr>
+                        </m:fPr>
+                        <m:num>
+                          <m:sSup>
+                            <m:sSupPr>
+                              <m:ctrlPr>
+                                <a:rPr lang="en-US" i="1" smtClean="0">
+                                  <a:latin typeface="Cambria Math" panose="02040503050406030204" pitchFamily="18" charset="0"/>
+                                </a:rPr>
+                              </m:ctrlPr>
+                            </m:sSupPr>
+                            <m:e>
+                              <m:r>
+                                <a:rPr lang="en-US" i="1" smtClean="0">
+                                  <a:latin typeface="Cambria Math" panose="02040503050406030204" pitchFamily="18" charset="0"/>
+                                </a:rPr>
+                                <m:t>𝑒</m:t>
+                              </m:r>
+                            </m:e>
+                            <m:sup>
+                              <m:r>
+                                <a:rPr lang="en-US" i="1" smtClean="0">
+                                  <a:latin typeface="Cambria Math" panose="02040503050406030204" pitchFamily="18" charset="0"/>
+                                </a:rPr>
+                                <m:t>ℓ</m:t>
+                              </m:r>
+                            </m:sup>
+                          </m:sSup>
+                        </m:num>
+                        <m:den>
+                          <m:sSup>
+                            <m:sSupPr>
+                              <m:ctrlPr>
+                                <a:rPr lang="en-US" i="1" smtClean="0">
+                                  <a:latin typeface="Cambria Math" panose="02040503050406030204" pitchFamily="18" charset="0"/>
+                                </a:rPr>
+                              </m:ctrlPr>
+                            </m:sSupPr>
+                            <m:e>
+                              <m:r>
+                                <a:rPr lang="en-US" i="1" smtClean="0">
+                                  <a:latin typeface="Cambria Math" panose="02040503050406030204" pitchFamily="18" charset="0"/>
+                                </a:rPr>
+                                <m:t>𝑒</m:t>
+                              </m:r>
+                            </m:e>
+                            <m:sup>
+                              <m:r>
+                                <a:rPr lang="en-US" i="1" smtClean="0">
+                                  <a:latin typeface="Cambria Math" panose="02040503050406030204" pitchFamily="18" charset="0"/>
+                                </a:rPr>
+                                <m:t>ℓ</m:t>
+                              </m:r>
+                            </m:sup>
+                          </m:sSup>
+                          <m:r>
+                            <a:rPr lang="en-US" i="1" smtClean="0">
+                              <a:latin typeface="Cambria Math" panose="02040503050406030204" pitchFamily="18" charset="0"/>
+                            </a:rPr>
+                            <m:t>+1</m:t>
+                          </m:r>
+                        </m:den>
+                      </m:f>
+                    </m:oMath>
+                  </m:oMathPara>
+                </a14:m>
+                <a:endParaRPr lang="en-US" dirty="0"/>
+              </a:p>
+              <a:p>
+                <a:pPr marL="0" indent="0" hangingPunct="1">
+                  <a:buFont typeface="Webdings" panose="05030102010509060703" pitchFamily="18" charset="2"/>
+                  <a:buNone/>
+                </a:pPr>
+                <a14:m>
+                  <m:oMathPara xmlns:m="http://schemas.openxmlformats.org/officeDocument/2006/math">
+                    <m:oMathParaPr>
+                      <m:jc m:val="left"/>
+                    </m:oMathParaPr>
+                    <m:oMath xmlns:m="http://schemas.openxmlformats.org/officeDocument/2006/math">
+                      <m:r>
+                        <a:rPr lang="en-US" i="1" smtClean="0">
+                          <a:latin typeface="Cambria Math" panose="02040503050406030204" pitchFamily="18" charset="0"/>
+                        </a:rPr>
+                        <m:t>𝑝</m:t>
+                      </m:r>
+                      <m:d>
+                        <m:dPr>
+                          <m:ctrlPr>
+                            <a:rPr lang="en-US" i="1" smtClean="0">
+                              <a:latin typeface="Cambria Math" panose="02040503050406030204" pitchFamily="18" charset="0"/>
+                            </a:rPr>
+                          </m:ctrlPr>
+                        </m:dPr>
+                        <m:e>
+                          <m:r>
+                            <a:rPr lang="en-US" i="1" smtClean="0">
+                              <a:latin typeface="Cambria Math" panose="02040503050406030204" pitchFamily="18" charset="0"/>
+                            </a:rPr>
+                            <m:t>1+</m:t>
+                          </m:r>
+                          <m:sSup>
+                            <m:sSupPr>
+                              <m:ctrlPr>
+                                <a:rPr lang="en-US" i="1" smtClean="0">
+                                  <a:latin typeface="Cambria Math" panose="02040503050406030204" pitchFamily="18" charset="0"/>
+                                </a:rPr>
+                              </m:ctrlPr>
+                            </m:sSupPr>
+                            <m:e>
+                              <m:r>
+                                <a:rPr lang="en-US" i="1" smtClean="0">
+                                  <a:latin typeface="Cambria Math" panose="02040503050406030204" pitchFamily="18" charset="0"/>
+                                </a:rPr>
+                                <m:t>𝑒</m:t>
+                              </m:r>
+                            </m:e>
+                            <m:sup>
+                              <m:r>
+                                <a:rPr lang="en-US" i="1" smtClean="0">
+                                  <a:latin typeface="Cambria Math" panose="02040503050406030204" pitchFamily="18" charset="0"/>
+                                </a:rPr>
+                                <m:t>ℓ</m:t>
+                              </m:r>
+                            </m:sup>
+                          </m:sSup>
+                        </m:e>
+                      </m:d>
+                      <m:r>
+                        <a:rPr lang="en-US" i="1" smtClean="0">
+                          <a:latin typeface="Cambria Math" panose="02040503050406030204" pitchFamily="18" charset="0"/>
+                        </a:rPr>
+                        <m:t>=</m:t>
+                      </m:r>
+                      <m:sSup>
+                        <m:sSupPr>
+                          <m:ctrlPr>
+                            <a:rPr lang="en-US" i="1" smtClean="0">
+                              <a:latin typeface="Cambria Math" panose="02040503050406030204" pitchFamily="18" charset="0"/>
+                            </a:rPr>
+                          </m:ctrlPr>
+                        </m:sSupPr>
+                        <m:e>
+                          <m:r>
+                            <a:rPr lang="en-US" i="1" smtClean="0">
+                              <a:latin typeface="Cambria Math" panose="02040503050406030204" pitchFamily="18" charset="0"/>
+                            </a:rPr>
+                            <m:t>𝑒</m:t>
+                          </m:r>
+                        </m:e>
+                        <m:sup>
+                          <m:r>
+                            <a:rPr lang="en-US" i="1" smtClean="0">
+                              <a:latin typeface="Cambria Math" panose="02040503050406030204" pitchFamily="18" charset="0"/>
+                            </a:rPr>
+                            <m:t>ℓ</m:t>
+                          </m:r>
+                        </m:sup>
+                      </m:sSup>
+                    </m:oMath>
+                  </m:oMathPara>
+                </a14:m>
+                <a:endParaRPr lang="en-US" dirty="0"/>
+              </a:p>
+              <a:p>
+                <a:pPr marL="0" indent="0" hangingPunct="1">
+                  <a:buFont typeface="Webdings" panose="05030102010509060703" pitchFamily="18" charset="2"/>
+                  <a:buNone/>
+                </a:pPr>
+                <a14:m>
+                  <m:oMathPara xmlns:m="http://schemas.openxmlformats.org/officeDocument/2006/math">
+                    <m:oMathParaPr>
+                      <m:jc m:val="left"/>
+                    </m:oMathParaPr>
+                    <m:oMath xmlns:m="http://schemas.openxmlformats.org/officeDocument/2006/math">
+                      <m:r>
+                        <a:rPr lang="en-US" i="1" smtClean="0">
+                          <a:latin typeface="Cambria Math" panose="02040503050406030204" pitchFamily="18" charset="0"/>
+                        </a:rPr>
+                        <m:t>𝑝</m:t>
+                      </m:r>
+                      <m:r>
+                        <a:rPr lang="en-US" i="1" smtClean="0">
+                          <a:latin typeface="Cambria Math" panose="02040503050406030204" pitchFamily="18" charset="0"/>
+                        </a:rPr>
+                        <m:t>+</m:t>
+                      </m:r>
+                      <m:r>
+                        <a:rPr lang="en-US" i="1" smtClean="0">
+                          <a:latin typeface="Cambria Math" panose="02040503050406030204" pitchFamily="18" charset="0"/>
+                        </a:rPr>
+                        <m:t>𝑝</m:t>
+                      </m:r>
+                      <m:sSup>
+                        <m:sSupPr>
+                          <m:ctrlPr>
+                            <a:rPr lang="en-US" i="1" smtClean="0">
+                              <a:latin typeface="Cambria Math" panose="02040503050406030204" pitchFamily="18" charset="0"/>
+                            </a:rPr>
+                          </m:ctrlPr>
+                        </m:sSupPr>
+                        <m:e>
+                          <m:r>
+                            <a:rPr lang="en-US" i="1" smtClean="0">
+                              <a:latin typeface="Cambria Math" panose="02040503050406030204" pitchFamily="18" charset="0"/>
+                            </a:rPr>
+                            <m:t>𝑒</m:t>
+                          </m:r>
+                        </m:e>
+                        <m:sup>
+                          <m:r>
+                            <a:rPr lang="en-US" i="1" smtClean="0">
+                              <a:latin typeface="Cambria Math" panose="02040503050406030204" pitchFamily="18" charset="0"/>
+                            </a:rPr>
+                            <m:t>ℓ</m:t>
+                          </m:r>
+                        </m:sup>
+                      </m:sSup>
+                      <m:r>
+                        <a:rPr lang="en-US" i="1" smtClean="0">
+                          <a:latin typeface="Cambria Math" panose="02040503050406030204" pitchFamily="18" charset="0"/>
+                        </a:rPr>
+                        <m:t>=</m:t>
+                      </m:r>
+                      <m:sSup>
+                        <m:sSupPr>
+                          <m:ctrlPr>
+                            <a:rPr lang="en-US" i="1" smtClean="0">
+                              <a:latin typeface="Cambria Math" panose="02040503050406030204" pitchFamily="18" charset="0"/>
+                            </a:rPr>
+                          </m:ctrlPr>
+                        </m:sSupPr>
+                        <m:e>
+                          <m:r>
+                            <a:rPr lang="en-US" i="1" smtClean="0">
+                              <a:latin typeface="Cambria Math" panose="02040503050406030204" pitchFamily="18" charset="0"/>
+                            </a:rPr>
+                            <m:t>𝑒</m:t>
+                          </m:r>
+                        </m:e>
+                        <m:sup>
+                          <m:r>
+                            <a:rPr lang="en-US" i="1" smtClean="0">
+                              <a:latin typeface="Cambria Math" panose="02040503050406030204" pitchFamily="18" charset="0"/>
+                            </a:rPr>
+                            <m:t>ℓ</m:t>
+                          </m:r>
+                        </m:sup>
+                      </m:sSup>
+                    </m:oMath>
+                  </m:oMathPara>
+                </a14:m>
+                <a:endParaRPr lang="en-US" dirty="0"/>
+              </a:p>
+              <a:p>
+                <a:pPr marL="0" indent="0" hangingPunct="1">
+                  <a:buFont typeface="Webdings" panose="05030102010509060703" pitchFamily="18" charset="2"/>
+                  <a:buNone/>
+                </a:pPr>
+                <a14:m>
+                  <m:oMathPara xmlns:m="http://schemas.openxmlformats.org/officeDocument/2006/math">
+                    <m:oMathParaPr>
+                      <m:jc m:val="left"/>
+                    </m:oMathParaPr>
+                    <m:oMath xmlns:m="http://schemas.openxmlformats.org/officeDocument/2006/math">
+                      <m:r>
+                        <a:rPr lang="en-US" i="1" smtClean="0">
+                          <a:latin typeface="Cambria Math" panose="02040503050406030204" pitchFamily="18" charset="0"/>
+                        </a:rPr>
+                        <m:t>𝑝</m:t>
+                      </m:r>
+                      <m:r>
+                        <a:rPr lang="en-US" i="1" smtClean="0">
+                          <a:latin typeface="Cambria Math" panose="02040503050406030204" pitchFamily="18" charset="0"/>
+                        </a:rPr>
+                        <m:t>=</m:t>
+                      </m:r>
+                      <m:sSup>
+                        <m:sSupPr>
+                          <m:ctrlPr>
+                            <a:rPr lang="en-US" i="1" smtClean="0">
+                              <a:latin typeface="Cambria Math" panose="02040503050406030204" pitchFamily="18" charset="0"/>
+                            </a:rPr>
+                          </m:ctrlPr>
+                        </m:sSupPr>
+                        <m:e>
+                          <m:r>
+                            <a:rPr lang="en-US" i="1" smtClean="0">
+                              <a:latin typeface="Cambria Math" panose="02040503050406030204" pitchFamily="18" charset="0"/>
+                            </a:rPr>
+                            <m:t>𝑒</m:t>
+                          </m:r>
+                        </m:e>
+                        <m:sup>
+                          <m:r>
+                            <a:rPr lang="en-US" i="1" smtClean="0">
+                              <a:latin typeface="Cambria Math" panose="02040503050406030204" pitchFamily="18" charset="0"/>
+                            </a:rPr>
+                            <m:t>ℓ</m:t>
+                          </m:r>
+                        </m:sup>
+                      </m:sSup>
+                      <m:d>
+                        <m:dPr>
+                          <m:ctrlPr>
+                            <a:rPr lang="en-US" i="1" smtClean="0">
+                              <a:latin typeface="Cambria Math" panose="02040503050406030204" pitchFamily="18" charset="0"/>
+                            </a:rPr>
+                          </m:ctrlPr>
+                        </m:dPr>
+                        <m:e>
+                          <m:r>
+                            <a:rPr lang="en-US" i="1" smtClean="0">
+                              <a:latin typeface="Cambria Math" panose="02040503050406030204" pitchFamily="18" charset="0"/>
+                            </a:rPr>
+                            <m:t>1−</m:t>
+                          </m:r>
+                          <m:r>
+                            <a:rPr lang="en-US" i="1" smtClean="0">
+                              <a:latin typeface="Cambria Math" panose="02040503050406030204" pitchFamily="18" charset="0"/>
+                            </a:rPr>
+                            <m:t>𝑝</m:t>
+                          </m:r>
+                        </m:e>
+                      </m:d>
+                    </m:oMath>
+                  </m:oMathPara>
+                </a14:m>
+                <a:endParaRPr lang="en-US" dirty="0"/>
+              </a:p>
+            </p:txBody>
+          </p:sp>
+        </mc:Choice>
+        <mc:Fallback>
+          <p:sp>
+            <p:nvSpPr>
+              <p:cNvPr id="5" name="Text Placeholder 3">
+                <a:extLst>
+                  <a:ext uri="{FF2B5EF4-FFF2-40B4-BE49-F238E27FC236}">
+                    <a16:creationId xmlns:a16="http://schemas.microsoft.com/office/drawing/2014/main" id="{9137382B-C556-F934-2F19-0D4B7BA08D96}"/>
+                  </a:ext>
+                </a:extLst>
+              </p:cNvPr>
+              <p:cNvSpPr txBox="1">
+                <a:spLocks noRot="1" noChangeAspect="1" noMove="1" noResize="1" noEditPoints="1" noAdjustHandles="1" noChangeArrowheads="1" noChangeShapeType="1" noTextEdit="1"/>
+              </p:cNvSpPr>
+              <p:nvPr/>
+            </p:nvSpPr>
+            <p:spPr>
+              <a:xfrm>
+                <a:off x="6185646" y="2563906"/>
+                <a:ext cx="6560391" cy="6910293"/>
+              </a:xfrm>
+              <a:prstGeom prst="rect">
+                <a:avLst/>
+              </a:prstGeom>
+              <a:blipFill>
+                <a:blip r:embed="rId3"/>
+                <a:stretch>
+                  <a:fillRect l="-1547"/>
+                </a:stretch>
+              </a:blipFill>
+            </p:spPr>
+            <p:txBody>
+              <a:bodyPr/>
+              <a:lstStyle/>
+              <a:p>
+                <a:r>
+                  <a:rPr lang="en-US">
+                    <a:noFill/>
+                  </a:rPr>
+                  <a:t> </a:t>
+                </a:r>
+              </a:p>
+            </p:txBody>
+          </p:sp>
+        </mc:Fallback>
+      </mc:AlternateContent>
     </p:spTree>
+    <p:extLst>
+      <p:ext uri="{BB962C8B-B14F-4D97-AF65-F5344CB8AC3E}">
+        <p14:creationId xmlns:p14="http://schemas.microsoft.com/office/powerpoint/2010/main" val="1675367816"/>
+      </p:ext>
+    </p:extLst>
   </p:cSld>
   <p:clrMapOvr>
     <a:masterClrMapping/>
@@ -15572,253 +16392,323 @@
       </p:grpSpPr>
       <p:sp>
         <p:nvSpPr>
-          <p:cNvPr id="219" name="Shape 219"/>
+          <p:cNvPr id="2" name="Title 1">
+            <a:extLst>
+              <a:ext uri="{FF2B5EF4-FFF2-40B4-BE49-F238E27FC236}">
+                <a16:creationId xmlns:a16="http://schemas.microsoft.com/office/drawing/2014/main" id="{35760439-DEB3-DE3B-FD8B-54AF25F9541C}"/>
+              </a:ext>
+            </a:extLst>
+          </p:cNvPr>
           <p:cNvSpPr>
             <a:spLocks noGrp="1"/>
           </p:cNvSpPr>
           <p:nvPr>
-            <p:ph type="title" idx="4294967295"/>
+            <p:ph type="title"/>
           </p:nvPr>
         </p:nvSpPr>
-        <p:spPr>
-          <a:xfrm>
-            <a:off x="524933" y="1062566"/>
-            <a:ext cx="12192001" cy="1169261"/>
-          </a:xfrm>
-          <a:prstGeom prst="rect">
-            <a:avLst/>
-          </a:prstGeom>
-        </p:spPr>
+        <p:spPr/>
         <p:txBody>
-          <a:bodyPr lIns="50800" tIns="50800" rIns="50800" bIns="50800" anchor="t"/>
-          <a:lstStyle>
-            <a:lvl1pPr algn="l" defTabSz="403097">
-              <a:lnSpc>
-                <a:spcPct val="80000"/>
-              </a:lnSpc>
-              <a:spcBef>
-                <a:spcPts val="1900"/>
-              </a:spcBef>
-              <a:defRPr sz="8200" cap="all">
-                <a:solidFill>
-                  <a:schemeClr val="accent1"/>
-                </a:solidFill>
-                <a:latin typeface="DIN Condensed"/>
-                <a:ea typeface="DIN Condensed"/>
-                <a:cs typeface="DIN Condensed"/>
-                <a:sym typeface="DIN Condensed"/>
-              </a:defRPr>
-            </a:lvl1pPr>
-          </a:lstStyle>
+          <a:bodyPr wrap="none">
+            <a:normAutofit fontScale="90000"/>
+          </a:bodyPr>
+          <a:lstStyle/>
           <a:p>
             <a:r>
-              <a:rPr dirty="0"/>
-              <a:t>Fix #2: Log()</a:t>
+              <a:rPr lang="en-US" dirty="0"/>
+              <a:t>So… Will assuming the line is the log odds work?</a:t>
             </a:r>
           </a:p>
         </p:txBody>
       </p:sp>
-      <mc:AlternateContent xmlns:mc="http://schemas.openxmlformats.org/markup-compatibility/2006" xmlns:a14="http://schemas.microsoft.com/office/drawing/2010/main">
-        <mc:Choice Requires="a14">
+      <p:sp>
+        <p:nvSpPr>
+          <p:cNvPr id="3" name="Text Placeholder 2">
+            <a:extLst>
+              <a:ext uri="{FF2B5EF4-FFF2-40B4-BE49-F238E27FC236}">
+                <a16:creationId xmlns:a16="http://schemas.microsoft.com/office/drawing/2014/main" id="{B1DDA42A-A3D4-27A7-801E-390DFFE47C7F}"/>
+              </a:ext>
+            </a:extLst>
+          </p:cNvPr>
+          <p:cNvSpPr>
+            <a:spLocks noGrp="1"/>
+          </p:cNvSpPr>
+          <p:nvPr>
+            <p:ph type="body" sz="quarter" idx="1"/>
+          </p:nvPr>
+        </p:nvSpPr>
+        <p:spPr/>
+        <p:txBody>
+          <a:bodyPr/>
+          <a:lstStyle/>
+          <a:p>
+            <a:endParaRPr lang="en-US"/>
+          </a:p>
+        </p:txBody>
+      </p:sp>
+      <mc:AlternateContent xmlns:mc="http://schemas.openxmlformats.org/markup-compatibility/2006">
+        <mc:Choice xmlns:a14="http://schemas.microsoft.com/office/drawing/2010/main" Requires="a14">
           <p:sp>
             <p:nvSpPr>
-              <p:cNvPr id="220" name="Shape 220"/>
+              <p:cNvPr id="4" name="Text Placeholder 3">
+                <a:extLst>
+                  <a:ext uri="{FF2B5EF4-FFF2-40B4-BE49-F238E27FC236}">
+                    <a16:creationId xmlns:a16="http://schemas.microsoft.com/office/drawing/2014/main" id="{9CDB1601-67CC-E114-87BC-0AC7C4ACD3DB}"/>
+                  </a:ext>
+                </a:extLst>
+              </p:cNvPr>
               <p:cNvSpPr>
                 <a:spLocks noGrp="1"/>
               </p:cNvSpPr>
               <p:nvPr>
-                <p:ph type="body" idx="4294967295"/>
+                <p:ph type="body" sz="quarter" idx="10"/>
               </p:nvPr>
             </p:nvSpPr>
             <p:spPr>
               <a:xfrm>
-                <a:off x="524934" y="2231828"/>
-                <a:ext cx="6649590" cy="7172070"/>
+                <a:off x="125506" y="2438400"/>
+                <a:ext cx="6454588" cy="6883400"/>
               </a:xfrm>
-              <a:prstGeom prst="rect">
-                <a:avLst/>
-              </a:prstGeom>
             </p:spPr>
             <p:txBody>
-              <a:bodyPr lIns="50800" tIns="50800" rIns="50800" bIns="50800">
+              <a:bodyPr>
                 <a:normAutofit/>
               </a:bodyPr>
               <a:lstStyle/>
               <a:p>
-                <a:pPr marL="550656" indent="-550656" defTabSz="455674">
-                  <a:spcBef>
-                    <a:spcPts val="2100"/>
-                  </a:spcBef>
-                  <a:buSzPct val="40000"/>
-                  <a:buFontTx/>
-                  <a:buBlip>
-                    <a:blip r:embed="rId2"/>
-                  </a:buBlip>
-                  <a:defRPr sz="4900">
-                    <a:solidFill>
-                      <a:srgbClr val="838787"/>
-                    </a:solidFill>
-                    <a:latin typeface="Avenir Next Medium"/>
-                    <a:ea typeface="Avenir Next Medium"/>
-                    <a:cs typeface="Avenir Next Medium"/>
-                    <a:sym typeface="Avenir Next Medium"/>
-                  </a:defRPr>
-                </a:pPr>
                 <a:r>
-                  <a:rPr lang="en-US" dirty="0"/>
-                  <a:t>Takes odds that are between 0 and 1</a:t>
-                </a:r>
-              </a:p>
-              <a:p>
-                <a:pPr marL="985403" lvl="1" indent="-550656" defTabSz="455674">
-                  <a:spcBef>
-                    <a:spcPts val="2100"/>
-                  </a:spcBef>
-                  <a:buSzPct val="40000"/>
-                  <a:buFontTx/>
-                  <a:buBlip>
-                    <a:blip r:embed="rId2"/>
-                  </a:buBlip>
-                  <a:defRPr sz="4900">
-                    <a:solidFill>
-                      <a:srgbClr val="838787"/>
-                    </a:solidFill>
-                    <a:latin typeface="Avenir Next Medium"/>
-                    <a:ea typeface="Avenir Next Medium"/>
-                    <a:cs typeface="Avenir Next Medium"/>
-                    <a:sym typeface="Avenir Next Medium"/>
-                  </a:defRPr>
-                </a:pPr>
-                <a:r>
-                  <a:rPr lang="en-US" dirty="0"/>
-                  <a:t>Stretches them from 0 to -</a:t>
+                  <a:rPr lang="en-US" b="0" dirty="0"/>
+                  <a:t>If </a:t>
                 </a:r>
                 <a14:m>
                   <m:oMath xmlns:m="http://schemas.openxmlformats.org/officeDocument/2006/math">
                     <m:r>
-                      <a:rPr lang="en-US" i="1" smtClean="0">
+                      <a:rPr lang="en-US" b="0" i="1" smtClean="0">
                         <a:latin typeface="Cambria Math" panose="02040503050406030204" pitchFamily="18" charset="0"/>
-                        <a:ea typeface="Cambria Math" panose="02040503050406030204" pitchFamily="18" charset="0"/>
                       </a:rPr>
-                      <m:t>∞</m:t>
+                      <m:t>𝑝</m:t>
                     </m:r>
+                    <m:r>
+                      <a:rPr lang="en-US" b="0" i="1" smtClean="0">
+                        <a:latin typeface="Cambria Math" panose="02040503050406030204" pitchFamily="18" charset="0"/>
+                      </a:rPr>
+                      <m:t>= </m:t>
+                    </m:r>
+                    <m:f>
+                      <m:fPr>
+                        <m:ctrlPr>
+                          <a:rPr lang="en-US" b="0" i="1" smtClean="0">
+                            <a:latin typeface="Cambria Math" panose="02040503050406030204" pitchFamily="18" charset="0"/>
+                          </a:rPr>
+                        </m:ctrlPr>
+                      </m:fPr>
+                      <m:num>
+                        <m:r>
+                          <a:rPr lang="en-US" b="0" i="1" smtClean="0">
+                            <a:latin typeface="Cambria Math" panose="02040503050406030204" pitchFamily="18" charset="0"/>
+                          </a:rPr>
+                          <m:t>1</m:t>
+                        </m:r>
+                      </m:num>
+                      <m:den>
+                        <m:r>
+                          <a:rPr lang="en-US" b="0" i="1" smtClean="0">
+                            <a:latin typeface="Cambria Math" panose="02040503050406030204" pitchFamily="18" charset="0"/>
+                          </a:rPr>
+                          <m:t>1+</m:t>
+                        </m:r>
+                        <m:sSup>
+                          <m:sSupPr>
+                            <m:ctrlPr>
+                              <a:rPr lang="en-US" b="0" i="1" smtClean="0">
+                                <a:latin typeface="Cambria Math" panose="02040503050406030204" pitchFamily="18" charset="0"/>
+                              </a:rPr>
+                            </m:ctrlPr>
+                          </m:sSupPr>
+                          <m:e>
+                            <m:r>
+                              <a:rPr lang="en-US" b="0" i="1" smtClean="0">
+                                <a:latin typeface="Cambria Math" panose="02040503050406030204" pitchFamily="18" charset="0"/>
+                              </a:rPr>
+                              <m:t>𝑒</m:t>
+                            </m:r>
+                          </m:e>
+                          <m:sup>
+                            <m:r>
+                              <a:rPr lang="en-US" b="0" i="1" smtClean="0">
+                                <a:latin typeface="Cambria Math" panose="02040503050406030204" pitchFamily="18" charset="0"/>
+                              </a:rPr>
+                              <m:t>−</m:t>
+                            </m:r>
+                            <m:r>
+                              <a:rPr lang="en-US" b="0" i="1" smtClean="0">
+                                <a:latin typeface="Cambria Math" panose="02040503050406030204" pitchFamily="18" charset="0"/>
+                              </a:rPr>
+                              <m:t>𝑘</m:t>
+                            </m:r>
+                            <m:r>
+                              <a:rPr lang="en-US" b="0" i="1" smtClean="0">
+                                <a:latin typeface="Cambria Math" panose="02040503050406030204" pitchFamily="18" charset="0"/>
+                              </a:rPr>
+                              <m:t>(</m:t>
+                            </m:r>
+                            <m:r>
+                              <a:rPr lang="en-US" b="0" i="1" smtClean="0">
+                                <a:latin typeface="Cambria Math" panose="02040503050406030204" pitchFamily="18" charset="0"/>
+                              </a:rPr>
+                              <m:t>𝑥</m:t>
+                            </m:r>
+                            <m:r>
+                              <a:rPr lang="en-US" b="0" i="1" smtClean="0">
+                                <a:latin typeface="Cambria Math" panose="02040503050406030204" pitchFamily="18" charset="0"/>
+                              </a:rPr>
+                              <m:t>−</m:t>
+                            </m:r>
+                            <m:sSub>
+                              <m:sSubPr>
+                                <m:ctrlPr>
+                                  <a:rPr lang="en-US" b="0" i="1" smtClean="0">
+                                    <a:latin typeface="Cambria Math" panose="02040503050406030204" pitchFamily="18" charset="0"/>
+                                  </a:rPr>
+                                </m:ctrlPr>
+                              </m:sSubPr>
+                              <m:e>
+                                <m:r>
+                                  <a:rPr lang="en-US" b="0" i="1" smtClean="0">
+                                    <a:latin typeface="Cambria Math" panose="02040503050406030204" pitchFamily="18" charset="0"/>
+                                  </a:rPr>
+                                  <m:t>𝑥</m:t>
+                                </m:r>
+                              </m:e>
+                              <m:sub>
+                                <m:r>
+                                  <a:rPr lang="en-US" b="0" i="1" smtClean="0">
+                                    <a:latin typeface="Cambria Math" panose="02040503050406030204" pitchFamily="18" charset="0"/>
+                                  </a:rPr>
+                                  <m:t>0</m:t>
+                                </m:r>
+                              </m:sub>
+                            </m:sSub>
+                            <m:r>
+                              <a:rPr lang="en-US" b="0" i="1" smtClean="0">
+                                <a:latin typeface="Cambria Math" panose="02040503050406030204" pitchFamily="18" charset="0"/>
+                              </a:rPr>
+                              <m:t>)</m:t>
+                            </m:r>
+                          </m:sup>
+                        </m:sSup>
+                      </m:den>
+                    </m:f>
                   </m:oMath>
                 </a14:m>
                 <a:r>
                   <a:rPr lang="en-US" dirty="0"/>
-                  <a:t>. </a:t>
+                  <a:t>,</a:t>
                 </a:r>
+                <a:br>
+                  <a:rPr lang="en-US" dirty="0"/>
+                </a:br>
+                <a:endParaRPr lang="en-US" dirty="0"/>
               </a:p>
               <a:p>
-                <a:pPr marL="550656" indent="-550656" defTabSz="455674">
-                  <a:spcBef>
-                    <a:spcPts val="2100"/>
-                  </a:spcBef>
-                  <a:buSzPct val="40000"/>
-                  <a:buBlip>
-                    <a:blip r:embed="rId2"/>
-                  </a:buBlip>
-                  <a:defRPr sz="4900">
-                    <a:solidFill>
-                      <a:srgbClr val="838787"/>
-                    </a:solidFill>
-                    <a:latin typeface="Avenir Next Medium"/>
-                    <a:ea typeface="Avenir Next Medium"/>
-                    <a:cs typeface="Avenir Next Medium"/>
-                    <a:sym typeface="Avenir Next Medium"/>
-                  </a:defRPr>
-                </a:pPr>
                 <a:r>
                   <a:rPr lang="en-US" dirty="0"/>
-                  <a:t>Takes odds that are between 1 and</a:t>
-                </a:r>
-                <a:r>
-                  <a:rPr lang="en-US" dirty="0">
-                    <a:ea typeface="Cambria Math" panose="02040503050406030204" pitchFamily="18" charset="0"/>
-                  </a:rPr>
-                  <a:t> </a:t>
+                  <a:t>is </a:t>
                 </a:r>
                 <a14:m>
                   <m:oMath xmlns:m="http://schemas.openxmlformats.org/officeDocument/2006/math">
                     <m:r>
-                      <a:rPr lang="en-US" i="1" smtClean="0">
+                      <m:rPr>
+                        <m:sty m:val="p"/>
+                      </m:rPr>
+                      <a:rPr lang="en-US" b="0" i="0" smtClean="0">
                         <a:latin typeface="Cambria Math" panose="02040503050406030204" pitchFamily="18" charset="0"/>
-                        <a:ea typeface="Cambria Math" panose="02040503050406030204" pitchFamily="18" charset="0"/>
                       </a:rPr>
-                      <m:t>∞</m:t>
+                      <m:t>log</m:t>
                     </m:r>
-                  </m:oMath>
-                </a14:m>
-                <a:endParaRPr lang="en-US" dirty="0">
-                  <a:ea typeface="Cambria Math" panose="02040503050406030204" pitchFamily="18" charset="0"/>
-                </a:endParaRPr>
-              </a:p>
-              <a:p>
-                <a:pPr marL="985403" lvl="1" indent="-550656" defTabSz="455674">
-                  <a:spcBef>
-                    <a:spcPts val="2100"/>
-                  </a:spcBef>
-                  <a:buSzPct val="40000"/>
-                  <a:buBlip>
-                    <a:blip r:embed="rId2"/>
-                  </a:buBlip>
-                  <a:defRPr sz="4900">
-                    <a:solidFill>
-                      <a:srgbClr val="838787"/>
-                    </a:solidFill>
-                    <a:latin typeface="Avenir Next Medium"/>
-                    <a:ea typeface="Avenir Next Medium"/>
-                    <a:cs typeface="Avenir Next Medium"/>
-                    <a:sym typeface="Avenir Next Medium"/>
-                  </a:defRPr>
-                </a:pPr>
-                <a:r>
-                  <a:rPr lang="en-US" dirty="0"/>
-                  <a:t>Shifts them to range from 0 to </a:t>
-                </a:r>
-                <a14:m>
-                  <m:oMath xmlns:m="http://schemas.openxmlformats.org/officeDocument/2006/math">
-                    <m:r>
-                      <a:rPr lang="en-US" i="1" smtClean="0">
-                        <a:latin typeface="Cambria Math" panose="02040503050406030204" pitchFamily="18" charset="0"/>
-                        <a:ea typeface="Cambria Math" panose="02040503050406030204" pitchFamily="18" charset="0"/>
-                      </a:rPr>
-                      <m:t>∞</m:t>
-                    </m:r>
+                    <m:d>
+                      <m:dPr>
+                        <m:ctrlPr>
+                          <a:rPr lang="en-US" b="0" i="1" smtClean="0">
+                            <a:latin typeface="Cambria Math" panose="02040503050406030204" pitchFamily="18" charset="0"/>
+                          </a:rPr>
+                        </m:ctrlPr>
+                      </m:dPr>
+                      <m:e>
+                        <m:f>
+                          <m:fPr>
+                            <m:ctrlPr>
+                              <a:rPr lang="en-US" i="1">
+                                <a:latin typeface="Cambria Math" panose="02040503050406030204" pitchFamily="18" charset="0"/>
+                              </a:rPr>
+                            </m:ctrlPr>
+                          </m:fPr>
+                          <m:num>
+                            <m:r>
+                              <m:rPr>
+                                <m:sty m:val="p"/>
+                              </m:rPr>
+                              <a:rPr lang="en-US">
+                                <a:latin typeface="Cambria Math" panose="02040503050406030204" pitchFamily="18" charset="0"/>
+                              </a:rPr>
+                              <m:t>probability</m:t>
+                            </m:r>
+                          </m:num>
+                          <m:den>
+                            <m:r>
+                              <a:rPr lang="en-US" i="1">
+                                <a:latin typeface="Cambria Math" panose="02040503050406030204" pitchFamily="18" charset="0"/>
+                              </a:rPr>
+                              <m:t>1−</m:t>
+                            </m:r>
+                            <m:r>
+                              <m:rPr>
+                                <m:sty m:val="p"/>
+                              </m:rPr>
+                              <a:rPr lang="en-US">
+                                <a:latin typeface="Cambria Math" panose="02040503050406030204" pitchFamily="18" charset="0"/>
+                              </a:rPr>
+                              <m:t>probabillity</m:t>
+                            </m:r>
+                          </m:den>
+                        </m:f>
+                      </m:e>
+                    </m:d>
                   </m:oMath>
                 </a14:m>
                 <a:r>
                   <a:rPr lang="en-US" dirty="0"/>
-                  <a:t>.</a:t>
+                  <a:t> linear?</a:t>
                 </a:r>
-                <a:endParaRPr dirty="0"/>
               </a:p>
             </p:txBody>
           </p:sp>
         </mc:Choice>
-        <mc:Fallback xmlns="">
+        <mc:Fallback>
           <p:sp>
             <p:nvSpPr>
-              <p:cNvPr id="220" name="Shape 220"/>
+              <p:cNvPr id="4" name="Text Placeholder 3">
+                <a:extLst>
+                  <a:ext uri="{FF2B5EF4-FFF2-40B4-BE49-F238E27FC236}">
+                    <a16:creationId xmlns:a16="http://schemas.microsoft.com/office/drawing/2014/main" id="{9CDB1601-67CC-E114-87BC-0AC7C4ACD3DB}"/>
+                  </a:ext>
+                </a:extLst>
+              </p:cNvPr>
               <p:cNvSpPr>
                 <a:spLocks noGrp="1" noRot="1" noChangeAspect="1" noMove="1" noResize="1" noEditPoints="1" noAdjustHandles="1" noChangeArrowheads="1" noChangeShapeType="1" noTextEdit="1"/>
               </p:cNvSpPr>
               <p:nvPr>
-                <p:ph type="body" idx="4294967295"/>
+                <p:ph type="body" sz="quarter" idx="10"/>
               </p:nvPr>
             </p:nvSpPr>
             <p:spPr>
               <a:xfrm>
-                <a:off x="524934" y="2231828"/>
-                <a:ext cx="6649590" cy="7172070"/>
+                <a:off x="125506" y="2438400"/>
+                <a:ext cx="6454588" cy="6883400"/>
               </a:xfrm>
-              <a:prstGeom prst="rect">
-                <a:avLst/>
-              </a:prstGeom>
               <a:blipFill>
-                <a:blip r:embed="rId3"/>
+                <a:blip r:embed="rId2"/>
                 <a:stretch>
-                  <a:fillRect t="-1943" r="-954" b="-707"/>
+                  <a:fillRect l="-3150"/>
                 </a:stretch>
               </a:blipFill>
             </p:spPr>
@@ -15837,34 +16727,981 @@
           </p:sp>
         </mc:Fallback>
       </mc:AlternateContent>
-      <p:pic>
-        <p:nvPicPr>
-          <p:cNvPr id="221" name="pasted-image.gif"/>
-          <p:cNvPicPr>
-            <a:picLocks noChangeAspect="1"/>
-          </p:cNvPicPr>
-          <p:nvPr/>
-        </p:nvPicPr>
-        <p:blipFill>
-          <a:blip r:embed="rId4"/>
-          <a:stretch>
-            <a:fillRect/>
-          </a:stretch>
-        </p:blipFill>
-        <p:spPr>
-          <a:xfrm>
-            <a:off x="7332931" y="2389518"/>
-            <a:ext cx="5384003" cy="4079631"/>
-          </a:xfrm>
-          <a:prstGeom prst="rect">
-            <a:avLst/>
-          </a:prstGeom>
-          <a:ln w="12700">
-            <a:miter lim="400000"/>
-          </a:ln>
-        </p:spPr>
-      </p:pic>
+      <mc:AlternateContent xmlns:mc="http://schemas.openxmlformats.org/markup-compatibility/2006">
+        <mc:Choice xmlns:a14="http://schemas.microsoft.com/office/drawing/2010/main" Requires="a14">
+          <p:sp>
+            <p:nvSpPr>
+              <p:cNvPr id="5" name="Text Placeholder 3">
+                <a:extLst>
+                  <a:ext uri="{FF2B5EF4-FFF2-40B4-BE49-F238E27FC236}">
+                    <a16:creationId xmlns:a16="http://schemas.microsoft.com/office/drawing/2014/main" id="{9137382B-C556-F934-2F19-0D4B7BA08D96}"/>
+                  </a:ext>
+                </a:extLst>
+              </p:cNvPr>
+              <p:cNvSpPr txBox="1">
+                <a:spLocks/>
+              </p:cNvSpPr>
+              <p:nvPr/>
+            </p:nvSpPr>
+            <p:spPr>
+              <a:xfrm>
+                <a:off x="6185646" y="2563906"/>
+                <a:ext cx="6560391" cy="6910293"/>
+              </a:xfrm>
+              <a:prstGeom prst="rect">
+                <a:avLst/>
+              </a:prstGeom>
+            </p:spPr>
+            <p:txBody>
+              <a:bodyPr vert="horz" lIns="91440" tIns="45720" rIns="91440" bIns="45720" rtlCol="0">
+                <a:normAutofit/>
+              </a:bodyPr>
+              <a:lstStyle>
+                <a:lvl1pPr marL="471487" marR="0" indent="-471487" algn="l" defTabSz="650240" rtl="0" latinLnBrk="0">
+                  <a:lnSpc>
+                    <a:spcPct val="100000"/>
+                  </a:lnSpc>
+                  <a:spcBef>
+                    <a:spcPts val="1000"/>
+                  </a:spcBef>
+                  <a:spcAft>
+                    <a:spcPts val="0"/>
+                  </a:spcAft>
+                  <a:buClr>
+                    <a:schemeClr val="accent1"/>
+                  </a:buClr>
+                  <a:buSzPct val="100000"/>
+                  <a:buFont typeface="Webdings" panose="05030102010509060703" pitchFamily="18" charset="2"/>
+                  <a:buChar char=""/>
+                  <a:tabLst/>
+                  <a:defRPr sz="4400" b="0" i="0" u="none" strike="noStrike" cap="none" spc="0" baseline="0">
+                    <a:ln>
+                      <a:noFill/>
+                    </a:ln>
+                    <a:solidFill>
+                      <a:schemeClr val="tx2"/>
+                    </a:solidFill>
+                    <a:uFillTx/>
+                    <a:latin typeface="Calibri"/>
+                    <a:ea typeface="Calibri"/>
+                    <a:cs typeface="Calibri"/>
+                    <a:sym typeface="Calibri"/>
+                  </a:defRPr>
+                </a:lvl1pPr>
+                <a:lvl2pPr marL="904875" marR="0" indent="-447675" algn="l" defTabSz="650240" rtl="0" latinLnBrk="0">
+                  <a:lnSpc>
+                    <a:spcPct val="100000"/>
+                  </a:lnSpc>
+                  <a:spcBef>
+                    <a:spcPts val="1000"/>
+                  </a:spcBef>
+                  <a:spcAft>
+                    <a:spcPts val="0"/>
+                  </a:spcAft>
+                  <a:buClr>
+                    <a:schemeClr val="accent1"/>
+                  </a:buClr>
+                  <a:buSzPct val="100000"/>
+                  <a:buFont typeface="Wingdings" panose="05000000000000000000" pitchFamily="2" charset="2"/>
+                  <a:buChar char="§"/>
+                  <a:tabLst/>
+                  <a:defRPr sz="4400" b="0" i="0" u="none" strike="noStrike" cap="none" spc="0" baseline="0">
+                    <a:ln>
+                      <a:noFill/>
+                    </a:ln>
+                    <a:solidFill>
+                      <a:schemeClr val="tx2"/>
+                    </a:solidFill>
+                    <a:uFillTx/>
+                    <a:latin typeface="Calibri"/>
+                    <a:ea typeface="Calibri"/>
+                    <a:cs typeface="Calibri"/>
+                    <a:sym typeface="Calibri"/>
+                  </a:defRPr>
+                </a:lvl2pPr>
+                <a:lvl3pPr marL="1333500" marR="0" indent="-419100" algn="l" defTabSz="650240" rtl="0" latinLnBrk="0">
+                  <a:lnSpc>
+                    <a:spcPct val="100000"/>
+                  </a:lnSpc>
+                  <a:spcBef>
+                    <a:spcPts val="1000"/>
+                  </a:spcBef>
+                  <a:spcAft>
+                    <a:spcPts val="0"/>
+                  </a:spcAft>
+                  <a:buClrTx/>
+                  <a:buSzPct val="100000"/>
+                  <a:buFont typeface="Arial"/>
+                  <a:buChar char="•"/>
+                  <a:tabLst/>
+                  <a:defRPr sz="4400" b="0" i="0" u="none" strike="noStrike" cap="none" spc="0" baseline="0">
+                    <a:ln>
+                      <a:noFill/>
+                    </a:ln>
+                    <a:solidFill>
+                      <a:schemeClr val="tx2"/>
+                    </a:solidFill>
+                    <a:uFillTx/>
+                    <a:latin typeface="Calibri"/>
+                    <a:ea typeface="Calibri"/>
+                    <a:cs typeface="Calibri"/>
+                    <a:sym typeface="Calibri"/>
+                  </a:defRPr>
+                </a:lvl3pPr>
+                <a:lvl4pPr marL="1874520" marR="0" indent="-502919" algn="l" defTabSz="650240" rtl="0" latinLnBrk="0">
+                  <a:lnSpc>
+                    <a:spcPct val="100000"/>
+                  </a:lnSpc>
+                  <a:spcBef>
+                    <a:spcPts val="1000"/>
+                  </a:spcBef>
+                  <a:spcAft>
+                    <a:spcPts val="0"/>
+                  </a:spcAft>
+                  <a:buClrTx/>
+                  <a:buSzPct val="100000"/>
+                  <a:buFont typeface="Arial"/>
+                  <a:buChar char="–"/>
+                  <a:tabLst/>
+                  <a:defRPr sz="4400" b="0" i="0" u="none" strike="noStrike" cap="none" spc="0" baseline="0">
+                    <a:ln>
+                      <a:noFill/>
+                    </a:ln>
+                    <a:solidFill>
+                      <a:schemeClr val="tx2"/>
+                    </a:solidFill>
+                    <a:uFillTx/>
+                    <a:latin typeface="Calibri"/>
+                    <a:ea typeface="Calibri"/>
+                    <a:cs typeface="Calibri"/>
+                    <a:sym typeface="Calibri"/>
+                  </a:defRPr>
+                </a:lvl4pPr>
+                <a:lvl5pPr marL="2331720" marR="0" indent="-502920" algn="l" defTabSz="650240" rtl="0" latinLnBrk="0">
+                  <a:lnSpc>
+                    <a:spcPct val="100000"/>
+                  </a:lnSpc>
+                  <a:spcBef>
+                    <a:spcPts val="1000"/>
+                  </a:spcBef>
+                  <a:spcAft>
+                    <a:spcPts val="0"/>
+                  </a:spcAft>
+                  <a:buClrTx/>
+                  <a:buSzPct val="100000"/>
+                  <a:buFont typeface="Arial"/>
+                  <a:buChar char="»"/>
+                  <a:tabLst/>
+                  <a:defRPr sz="4400" b="0" i="0" u="none" strike="noStrike" cap="none" spc="0" baseline="0">
+                    <a:ln>
+                      <a:noFill/>
+                    </a:ln>
+                    <a:solidFill>
+                      <a:schemeClr val="tx2"/>
+                    </a:solidFill>
+                    <a:uFillTx/>
+                    <a:latin typeface="Calibri"/>
+                    <a:ea typeface="Calibri"/>
+                    <a:cs typeface="Calibri"/>
+                    <a:sym typeface="Calibri"/>
+                  </a:defRPr>
+                </a:lvl5pPr>
+                <a:lvl6pPr marL="2797735" marR="0" indent="-575235" algn="l" defTabSz="650240" rtl="0" latinLnBrk="0">
+                  <a:lnSpc>
+                    <a:spcPct val="100000"/>
+                  </a:lnSpc>
+                  <a:spcBef>
+                    <a:spcPts val="1000"/>
+                  </a:spcBef>
+                  <a:spcAft>
+                    <a:spcPts val="0"/>
+                  </a:spcAft>
+                  <a:buClrTx/>
+                  <a:buSzPct val="104999"/>
+                  <a:buFont typeface="Arial"/>
+                  <a:buChar char="‣"/>
+                  <a:tabLst/>
+                  <a:defRPr sz="4400" b="0" i="0" u="none" strike="noStrike" cap="none" spc="0" baseline="0">
+                    <a:ln>
+                      <a:noFill/>
+                    </a:ln>
+                    <a:solidFill>
+                      <a:srgbClr val="000000"/>
+                    </a:solidFill>
+                    <a:uFillTx/>
+                    <a:latin typeface="Calibri"/>
+                    <a:ea typeface="Calibri"/>
+                    <a:cs typeface="Calibri"/>
+                    <a:sym typeface="Calibri"/>
+                  </a:defRPr>
+                </a:lvl6pPr>
+                <a:lvl7pPr marL="3242235" marR="0" indent="-575235" algn="l" defTabSz="650240" rtl="0" latinLnBrk="0">
+                  <a:lnSpc>
+                    <a:spcPct val="100000"/>
+                  </a:lnSpc>
+                  <a:spcBef>
+                    <a:spcPts val="1000"/>
+                  </a:spcBef>
+                  <a:spcAft>
+                    <a:spcPts val="0"/>
+                  </a:spcAft>
+                  <a:buClrTx/>
+                  <a:buSzPct val="104999"/>
+                  <a:buFont typeface="Arial"/>
+                  <a:buChar char="‣"/>
+                  <a:tabLst/>
+                  <a:defRPr sz="4400" b="0" i="0" u="none" strike="noStrike" cap="none" spc="0" baseline="0">
+                    <a:ln>
+                      <a:noFill/>
+                    </a:ln>
+                    <a:solidFill>
+                      <a:srgbClr val="000000"/>
+                    </a:solidFill>
+                    <a:uFillTx/>
+                    <a:latin typeface="Calibri"/>
+                    <a:ea typeface="Calibri"/>
+                    <a:cs typeface="Calibri"/>
+                    <a:sym typeface="Calibri"/>
+                  </a:defRPr>
+                </a:lvl7pPr>
+                <a:lvl8pPr marL="3686735" marR="0" indent="-575235" algn="l" defTabSz="650240" rtl="0" latinLnBrk="0">
+                  <a:lnSpc>
+                    <a:spcPct val="100000"/>
+                  </a:lnSpc>
+                  <a:spcBef>
+                    <a:spcPts val="1000"/>
+                  </a:spcBef>
+                  <a:spcAft>
+                    <a:spcPts val="0"/>
+                  </a:spcAft>
+                  <a:buClrTx/>
+                  <a:buSzPct val="104999"/>
+                  <a:buFont typeface="Arial"/>
+                  <a:buChar char="‣"/>
+                  <a:tabLst/>
+                  <a:defRPr sz="4400" b="0" i="0" u="none" strike="noStrike" cap="none" spc="0" baseline="0">
+                    <a:ln>
+                      <a:noFill/>
+                    </a:ln>
+                    <a:solidFill>
+                      <a:srgbClr val="000000"/>
+                    </a:solidFill>
+                    <a:uFillTx/>
+                    <a:latin typeface="Calibri"/>
+                    <a:ea typeface="Calibri"/>
+                    <a:cs typeface="Calibri"/>
+                    <a:sym typeface="Calibri"/>
+                  </a:defRPr>
+                </a:lvl8pPr>
+                <a:lvl9pPr marL="4131235" marR="0" indent="-575235" algn="l" defTabSz="650240" rtl="0" latinLnBrk="0">
+                  <a:lnSpc>
+                    <a:spcPct val="100000"/>
+                  </a:lnSpc>
+                  <a:spcBef>
+                    <a:spcPts val="1000"/>
+                  </a:spcBef>
+                  <a:spcAft>
+                    <a:spcPts val="0"/>
+                  </a:spcAft>
+                  <a:buClrTx/>
+                  <a:buSzPct val="104999"/>
+                  <a:buFont typeface="Arial"/>
+                  <a:buChar char="‣"/>
+                  <a:tabLst/>
+                  <a:defRPr sz="4400" b="0" i="0" u="none" strike="noStrike" cap="none" spc="0" baseline="0">
+                    <a:ln>
+                      <a:noFill/>
+                    </a:ln>
+                    <a:solidFill>
+                      <a:srgbClr val="000000"/>
+                    </a:solidFill>
+                    <a:uFillTx/>
+                    <a:latin typeface="Calibri"/>
+                    <a:ea typeface="Calibri"/>
+                    <a:cs typeface="Calibri"/>
+                    <a:sym typeface="Calibri"/>
+                  </a:defRPr>
+                </a:lvl9pPr>
+              </a:lstStyle>
+              <a:p>
+                <a:pPr marL="0" indent="0" hangingPunct="1">
+                  <a:buFont typeface="Webdings" panose="05030102010509060703" pitchFamily="18" charset="2"/>
+                  <a:buNone/>
+                </a:pPr>
+                <a14:m>
+                  <m:oMathPara xmlns:m="http://schemas.openxmlformats.org/officeDocument/2006/math">
+                    <m:oMathParaPr>
+                      <m:jc m:val="left"/>
+                    </m:oMathParaPr>
+                    <m:oMath xmlns:m="http://schemas.openxmlformats.org/officeDocument/2006/math">
+                      <m:r>
+                        <a:rPr lang="en-US" i="1" smtClean="0">
+                          <a:latin typeface="Cambria Math" panose="02040503050406030204" pitchFamily="18" charset="0"/>
+                        </a:rPr>
+                        <m:t>𝑝</m:t>
+                      </m:r>
+                      <m:r>
+                        <a:rPr lang="en-US" i="1" smtClean="0">
+                          <a:latin typeface="Cambria Math" panose="02040503050406030204" pitchFamily="18" charset="0"/>
+                        </a:rPr>
+                        <m:t>=</m:t>
+                      </m:r>
+                      <m:f>
+                        <m:fPr>
+                          <m:ctrlPr>
+                            <a:rPr lang="en-US" i="1" smtClean="0">
+                              <a:latin typeface="Cambria Math" panose="02040503050406030204" pitchFamily="18" charset="0"/>
+                            </a:rPr>
+                          </m:ctrlPr>
+                        </m:fPr>
+                        <m:num>
+                          <m:r>
+                            <a:rPr lang="en-US" i="1" smtClean="0">
+                              <a:latin typeface="Cambria Math" panose="02040503050406030204" pitchFamily="18" charset="0"/>
+                            </a:rPr>
+                            <m:t>1</m:t>
+                          </m:r>
+                        </m:num>
+                        <m:den>
+                          <m:r>
+                            <a:rPr lang="en-US" i="1" smtClean="0">
+                              <a:latin typeface="Cambria Math" panose="02040503050406030204" pitchFamily="18" charset="0"/>
+                            </a:rPr>
+                            <m:t>1+</m:t>
+                          </m:r>
+                          <m:sSup>
+                            <m:sSupPr>
+                              <m:ctrlPr>
+                                <a:rPr lang="en-US" i="1" smtClean="0">
+                                  <a:latin typeface="Cambria Math" panose="02040503050406030204" pitchFamily="18" charset="0"/>
+                                </a:rPr>
+                              </m:ctrlPr>
+                            </m:sSupPr>
+                            <m:e>
+                              <m:r>
+                                <a:rPr lang="en-US" i="1" smtClean="0">
+                                  <a:latin typeface="Cambria Math" panose="02040503050406030204" pitchFamily="18" charset="0"/>
+                                </a:rPr>
+                                <m:t>𝑒</m:t>
+                              </m:r>
+                            </m:e>
+                            <m:sup>
+                              <m:r>
+                                <a:rPr lang="en-US" i="1" smtClean="0">
+                                  <a:latin typeface="Cambria Math" panose="02040503050406030204" pitchFamily="18" charset="0"/>
+                                </a:rPr>
+                                <m:t>−ℓ</m:t>
+                              </m:r>
+                            </m:sup>
+                          </m:sSup>
+                        </m:den>
+                      </m:f>
+                      <m:r>
+                        <a:rPr lang="en-US" i="1" smtClean="0">
+                          <a:latin typeface="Cambria Math" panose="02040503050406030204" pitchFamily="18" charset="0"/>
+                        </a:rPr>
+                        <m:t>=</m:t>
+                      </m:r>
+                      <m:f>
+                        <m:fPr>
+                          <m:ctrlPr>
+                            <a:rPr lang="en-US" i="1" smtClean="0">
+                              <a:latin typeface="Cambria Math" panose="02040503050406030204" pitchFamily="18" charset="0"/>
+                            </a:rPr>
+                          </m:ctrlPr>
+                        </m:fPr>
+                        <m:num>
+                          <m:sSup>
+                            <m:sSupPr>
+                              <m:ctrlPr>
+                                <a:rPr lang="en-US" i="1" smtClean="0">
+                                  <a:latin typeface="Cambria Math" panose="02040503050406030204" pitchFamily="18" charset="0"/>
+                                </a:rPr>
+                              </m:ctrlPr>
+                            </m:sSupPr>
+                            <m:e>
+                              <m:r>
+                                <a:rPr lang="en-US" i="1" smtClean="0">
+                                  <a:latin typeface="Cambria Math" panose="02040503050406030204" pitchFamily="18" charset="0"/>
+                                </a:rPr>
+                                <m:t>𝑒</m:t>
+                              </m:r>
+                            </m:e>
+                            <m:sup>
+                              <m:r>
+                                <a:rPr lang="en-US" i="1" smtClean="0">
+                                  <a:latin typeface="Cambria Math" panose="02040503050406030204" pitchFamily="18" charset="0"/>
+                                </a:rPr>
+                                <m:t>ℓ</m:t>
+                              </m:r>
+                            </m:sup>
+                          </m:sSup>
+                        </m:num>
+                        <m:den>
+                          <m:sSup>
+                            <m:sSupPr>
+                              <m:ctrlPr>
+                                <a:rPr lang="en-US" i="1" smtClean="0">
+                                  <a:latin typeface="Cambria Math" panose="02040503050406030204" pitchFamily="18" charset="0"/>
+                                </a:rPr>
+                              </m:ctrlPr>
+                            </m:sSupPr>
+                            <m:e>
+                              <m:r>
+                                <a:rPr lang="en-US" i="1" smtClean="0">
+                                  <a:latin typeface="Cambria Math" panose="02040503050406030204" pitchFamily="18" charset="0"/>
+                                </a:rPr>
+                                <m:t>𝑒</m:t>
+                              </m:r>
+                            </m:e>
+                            <m:sup>
+                              <m:r>
+                                <a:rPr lang="en-US" i="1" smtClean="0">
+                                  <a:latin typeface="Cambria Math" panose="02040503050406030204" pitchFamily="18" charset="0"/>
+                                </a:rPr>
+                                <m:t>ℓ</m:t>
+                              </m:r>
+                            </m:sup>
+                          </m:sSup>
+                          <m:r>
+                            <a:rPr lang="en-US" i="1" smtClean="0">
+                              <a:latin typeface="Cambria Math" panose="02040503050406030204" pitchFamily="18" charset="0"/>
+                            </a:rPr>
+                            <m:t>+1</m:t>
+                          </m:r>
+                        </m:den>
+                      </m:f>
+                    </m:oMath>
+                  </m:oMathPara>
+                </a14:m>
+                <a:endParaRPr lang="en-US" dirty="0"/>
+              </a:p>
+              <a:p>
+                <a:pPr marL="0" indent="0" hangingPunct="1">
+                  <a:buFont typeface="Webdings" panose="05030102010509060703" pitchFamily="18" charset="2"/>
+                  <a:buNone/>
+                </a:pPr>
+                <a14:m>
+                  <m:oMathPara xmlns:m="http://schemas.openxmlformats.org/officeDocument/2006/math">
+                    <m:oMathParaPr>
+                      <m:jc m:val="left"/>
+                    </m:oMathParaPr>
+                    <m:oMath xmlns:m="http://schemas.openxmlformats.org/officeDocument/2006/math">
+                      <m:r>
+                        <a:rPr lang="en-US" i="1" smtClean="0">
+                          <a:latin typeface="Cambria Math" panose="02040503050406030204" pitchFamily="18" charset="0"/>
+                        </a:rPr>
+                        <m:t>𝑝</m:t>
+                      </m:r>
+                      <m:d>
+                        <m:dPr>
+                          <m:ctrlPr>
+                            <a:rPr lang="en-US" i="1" smtClean="0">
+                              <a:latin typeface="Cambria Math" panose="02040503050406030204" pitchFamily="18" charset="0"/>
+                            </a:rPr>
+                          </m:ctrlPr>
+                        </m:dPr>
+                        <m:e>
+                          <m:r>
+                            <a:rPr lang="en-US" i="1" smtClean="0">
+                              <a:latin typeface="Cambria Math" panose="02040503050406030204" pitchFamily="18" charset="0"/>
+                            </a:rPr>
+                            <m:t>1+</m:t>
+                          </m:r>
+                          <m:sSup>
+                            <m:sSupPr>
+                              <m:ctrlPr>
+                                <a:rPr lang="en-US" i="1" smtClean="0">
+                                  <a:latin typeface="Cambria Math" panose="02040503050406030204" pitchFamily="18" charset="0"/>
+                                </a:rPr>
+                              </m:ctrlPr>
+                            </m:sSupPr>
+                            <m:e>
+                              <m:r>
+                                <a:rPr lang="en-US" i="1" smtClean="0">
+                                  <a:latin typeface="Cambria Math" panose="02040503050406030204" pitchFamily="18" charset="0"/>
+                                </a:rPr>
+                                <m:t>𝑒</m:t>
+                              </m:r>
+                            </m:e>
+                            <m:sup>
+                              <m:r>
+                                <a:rPr lang="en-US" i="1" smtClean="0">
+                                  <a:latin typeface="Cambria Math" panose="02040503050406030204" pitchFamily="18" charset="0"/>
+                                </a:rPr>
+                                <m:t>ℓ</m:t>
+                              </m:r>
+                            </m:sup>
+                          </m:sSup>
+                        </m:e>
+                      </m:d>
+                      <m:r>
+                        <a:rPr lang="en-US" i="1" smtClean="0">
+                          <a:latin typeface="Cambria Math" panose="02040503050406030204" pitchFamily="18" charset="0"/>
+                        </a:rPr>
+                        <m:t>=</m:t>
+                      </m:r>
+                      <m:sSup>
+                        <m:sSupPr>
+                          <m:ctrlPr>
+                            <a:rPr lang="en-US" i="1" smtClean="0">
+                              <a:latin typeface="Cambria Math" panose="02040503050406030204" pitchFamily="18" charset="0"/>
+                            </a:rPr>
+                          </m:ctrlPr>
+                        </m:sSupPr>
+                        <m:e>
+                          <m:r>
+                            <a:rPr lang="en-US" i="1" smtClean="0">
+                              <a:latin typeface="Cambria Math" panose="02040503050406030204" pitchFamily="18" charset="0"/>
+                            </a:rPr>
+                            <m:t>𝑒</m:t>
+                          </m:r>
+                        </m:e>
+                        <m:sup>
+                          <m:r>
+                            <a:rPr lang="en-US" i="1" smtClean="0">
+                              <a:latin typeface="Cambria Math" panose="02040503050406030204" pitchFamily="18" charset="0"/>
+                            </a:rPr>
+                            <m:t>ℓ</m:t>
+                          </m:r>
+                        </m:sup>
+                      </m:sSup>
+                    </m:oMath>
+                  </m:oMathPara>
+                </a14:m>
+                <a:endParaRPr lang="en-US" dirty="0"/>
+              </a:p>
+              <a:p>
+                <a:pPr marL="0" indent="0" hangingPunct="1">
+                  <a:buFont typeface="Webdings" panose="05030102010509060703" pitchFamily="18" charset="2"/>
+                  <a:buNone/>
+                </a:pPr>
+                <a14:m>
+                  <m:oMathPara xmlns:m="http://schemas.openxmlformats.org/officeDocument/2006/math">
+                    <m:oMathParaPr>
+                      <m:jc m:val="left"/>
+                    </m:oMathParaPr>
+                    <m:oMath xmlns:m="http://schemas.openxmlformats.org/officeDocument/2006/math">
+                      <m:r>
+                        <a:rPr lang="en-US" i="1" smtClean="0">
+                          <a:latin typeface="Cambria Math" panose="02040503050406030204" pitchFamily="18" charset="0"/>
+                        </a:rPr>
+                        <m:t>𝑝</m:t>
+                      </m:r>
+                      <m:r>
+                        <a:rPr lang="en-US" i="1" smtClean="0">
+                          <a:latin typeface="Cambria Math" panose="02040503050406030204" pitchFamily="18" charset="0"/>
+                        </a:rPr>
+                        <m:t>+</m:t>
+                      </m:r>
+                      <m:r>
+                        <a:rPr lang="en-US" i="1" smtClean="0">
+                          <a:latin typeface="Cambria Math" panose="02040503050406030204" pitchFamily="18" charset="0"/>
+                        </a:rPr>
+                        <m:t>𝑝</m:t>
+                      </m:r>
+                      <m:sSup>
+                        <m:sSupPr>
+                          <m:ctrlPr>
+                            <a:rPr lang="en-US" i="1" smtClean="0">
+                              <a:latin typeface="Cambria Math" panose="02040503050406030204" pitchFamily="18" charset="0"/>
+                            </a:rPr>
+                          </m:ctrlPr>
+                        </m:sSupPr>
+                        <m:e>
+                          <m:r>
+                            <a:rPr lang="en-US" i="1" smtClean="0">
+                              <a:latin typeface="Cambria Math" panose="02040503050406030204" pitchFamily="18" charset="0"/>
+                            </a:rPr>
+                            <m:t>𝑒</m:t>
+                          </m:r>
+                        </m:e>
+                        <m:sup>
+                          <m:r>
+                            <a:rPr lang="en-US" i="1" smtClean="0">
+                              <a:latin typeface="Cambria Math" panose="02040503050406030204" pitchFamily="18" charset="0"/>
+                            </a:rPr>
+                            <m:t>ℓ</m:t>
+                          </m:r>
+                        </m:sup>
+                      </m:sSup>
+                      <m:r>
+                        <a:rPr lang="en-US" i="1" smtClean="0">
+                          <a:latin typeface="Cambria Math" panose="02040503050406030204" pitchFamily="18" charset="0"/>
+                        </a:rPr>
+                        <m:t>=</m:t>
+                      </m:r>
+                      <m:sSup>
+                        <m:sSupPr>
+                          <m:ctrlPr>
+                            <a:rPr lang="en-US" i="1" smtClean="0">
+                              <a:latin typeface="Cambria Math" panose="02040503050406030204" pitchFamily="18" charset="0"/>
+                            </a:rPr>
+                          </m:ctrlPr>
+                        </m:sSupPr>
+                        <m:e>
+                          <m:r>
+                            <a:rPr lang="en-US" i="1" smtClean="0">
+                              <a:latin typeface="Cambria Math" panose="02040503050406030204" pitchFamily="18" charset="0"/>
+                            </a:rPr>
+                            <m:t>𝑒</m:t>
+                          </m:r>
+                        </m:e>
+                        <m:sup>
+                          <m:r>
+                            <a:rPr lang="en-US" i="1" smtClean="0">
+                              <a:latin typeface="Cambria Math" panose="02040503050406030204" pitchFamily="18" charset="0"/>
+                            </a:rPr>
+                            <m:t>ℓ</m:t>
+                          </m:r>
+                        </m:sup>
+                      </m:sSup>
+                    </m:oMath>
+                  </m:oMathPara>
+                </a14:m>
+                <a:endParaRPr lang="en-US" dirty="0"/>
+              </a:p>
+              <a:p>
+                <a:pPr marL="0" indent="0" hangingPunct="1">
+                  <a:buFont typeface="Webdings" panose="05030102010509060703" pitchFamily="18" charset="2"/>
+                  <a:buNone/>
+                </a:pPr>
+                <a14:m>
+                  <m:oMathPara xmlns:m="http://schemas.openxmlformats.org/officeDocument/2006/math">
+                    <m:oMathParaPr>
+                      <m:jc m:val="left"/>
+                    </m:oMathParaPr>
+                    <m:oMath xmlns:m="http://schemas.openxmlformats.org/officeDocument/2006/math">
+                      <m:r>
+                        <a:rPr lang="en-US" i="1" smtClean="0">
+                          <a:latin typeface="Cambria Math" panose="02040503050406030204" pitchFamily="18" charset="0"/>
+                        </a:rPr>
+                        <m:t>𝑝</m:t>
+                      </m:r>
+                      <m:r>
+                        <a:rPr lang="en-US" i="1" smtClean="0">
+                          <a:latin typeface="Cambria Math" panose="02040503050406030204" pitchFamily="18" charset="0"/>
+                        </a:rPr>
+                        <m:t>=</m:t>
+                      </m:r>
+                      <m:sSup>
+                        <m:sSupPr>
+                          <m:ctrlPr>
+                            <a:rPr lang="en-US" i="1" smtClean="0">
+                              <a:latin typeface="Cambria Math" panose="02040503050406030204" pitchFamily="18" charset="0"/>
+                            </a:rPr>
+                          </m:ctrlPr>
+                        </m:sSupPr>
+                        <m:e>
+                          <m:r>
+                            <a:rPr lang="en-US" i="1" smtClean="0">
+                              <a:latin typeface="Cambria Math" panose="02040503050406030204" pitchFamily="18" charset="0"/>
+                            </a:rPr>
+                            <m:t>𝑒</m:t>
+                          </m:r>
+                        </m:e>
+                        <m:sup>
+                          <m:r>
+                            <a:rPr lang="en-US" i="1" smtClean="0">
+                              <a:latin typeface="Cambria Math" panose="02040503050406030204" pitchFamily="18" charset="0"/>
+                            </a:rPr>
+                            <m:t>ℓ</m:t>
+                          </m:r>
+                        </m:sup>
+                      </m:sSup>
+                      <m:d>
+                        <m:dPr>
+                          <m:ctrlPr>
+                            <a:rPr lang="en-US" i="1" smtClean="0">
+                              <a:latin typeface="Cambria Math" panose="02040503050406030204" pitchFamily="18" charset="0"/>
+                            </a:rPr>
+                          </m:ctrlPr>
+                        </m:dPr>
+                        <m:e>
+                          <m:r>
+                            <a:rPr lang="en-US" i="1" smtClean="0">
+                              <a:latin typeface="Cambria Math" panose="02040503050406030204" pitchFamily="18" charset="0"/>
+                            </a:rPr>
+                            <m:t>1−</m:t>
+                          </m:r>
+                          <m:r>
+                            <a:rPr lang="en-US" i="1" smtClean="0">
+                              <a:latin typeface="Cambria Math" panose="02040503050406030204" pitchFamily="18" charset="0"/>
+                            </a:rPr>
+                            <m:t>𝑝</m:t>
+                          </m:r>
+                        </m:e>
+                      </m:d>
+                    </m:oMath>
+                  </m:oMathPara>
+                </a14:m>
+                <a:endParaRPr lang="en-US" dirty="0"/>
+              </a:p>
+              <a:p>
+                <a:pPr marL="0" indent="0" hangingPunct="1">
+                  <a:buFont typeface="Webdings" panose="05030102010509060703" pitchFamily="18" charset="2"/>
+                  <a:buNone/>
+                </a:pPr>
+                <a14:m>
+                  <m:oMath xmlns:m="http://schemas.openxmlformats.org/officeDocument/2006/math">
+                    <m:r>
+                      <m:rPr>
+                        <m:sty m:val="p"/>
+                      </m:rPr>
+                      <a:rPr lang="en-US" smtClean="0">
+                        <a:solidFill>
+                          <a:schemeClr val="accent3"/>
+                        </a:solidFill>
+                        <a:latin typeface="Cambria Math" panose="02040503050406030204" pitchFamily="18" charset="0"/>
+                      </a:rPr>
+                      <m:t>log</m:t>
+                    </m:r>
+                    <m:d>
+                      <m:dPr>
+                        <m:ctrlPr>
+                          <a:rPr lang="en-US" i="1" smtClean="0">
+                            <a:solidFill>
+                              <a:schemeClr val="accent3"/>
+                            </a:solidFill>
+                            <a:latin typeface="Cambria Math" panose="02040503050406030204" pitchFamily="18" charset="0"/>
+                          </a:rPr>
+                        </m:ctrlPr>
+                      </m:dPr>
+                      <m:e>
+                        <m:f>
+                          <m:fPr>
+                            <m:ctrlPr>
+                              <a:rPr lang="en-US" i="1" smtClean="0">
+                                <a:solidFill>
+                                  <a:schemeClr val="accent3"/>
+                                </a:solidFill>
+                                <a:latin typeface="Cambria Math" panose="02040503050406030204" pitchFamily="18" charset="0"/>
+                              </a:rPr>
+                            </m:ctrlPr>
+                          </m:fPr>
+                          <m:num>
+                            <m:r>
+                              <a:rPr lang="en-US" i="1" smtClean="0">
+                                <a:solidFill>
+                                  <a:schemeClr val="accent3"/>
+                                </a:solidFill>
+                                <a:latin typeface="Cambria Math" panose="02040503050406030204" pitchFamily="18" charset="0"/>
+                              </a:rPr>
+                              <m:t>𝑝</m:t>
+                            </m:r>
+                          </m:num>
+                          <m:den>
+                            <m:r>
+                              <a:rPr lang="en-US" i="1" smtClean="0">
+                                <a:solidFill>
+                                  <a:schemeClr val="accent3"/>
+                                </a:solidFill>
+                                <a:latin typeface="Cambria Math" panose="02040503050406030204" pitchFamily="18" charset="0"/>
+                              </a:rPr>
+                              <m:t>1−</m:t>
+                            </m:r>
+                            <m:r>
+                              <a:rPr lang="en-US" i="1" smtClean="0">
+                                <a:solidFill>
+                                  <a:schemeClr val="accent3"/>
+                                </a:solidFill>
+                                <a:latin typeface="Cambria Math" panose="02040503050406030204" pitchFamily="18" charset="0"/>
+                              </a:rPr>
+                              <m:t>𝑝</m:t>
+                            </m:r>
+                          </m:den>
+                        </m:f>
+                      </m:e>
+                    </m:d>
+                    <m:r>
+                      <a:rPr lang="en-US" i="1" smtClean="0">
+                        <a:latin typeface="Cambria Math" panose="02040503050406030204" pitchFamily="18" charset="0"/>
+                      </a:rPr>
+                      <m:t>=ℓ</m:t>
+                    </m:r>
+                  </m:oMath>
+                </a14:m>
+                <a:r>
+                  <a:rPr lang="en-US" dirty="0"/>
+                  <a:t> </a:t>
+                </a:r>
+                <a:br>
+                  <a:rPr lang="en-US" dirty="0"/>
+                </a:br>
+                <a:r>
+                  <a:rPr lang="en-US" dirty="0"/>
+                  <a:t>where </a:t>
+                </a:r>
+                <a14:m>
+                  <m:oMath xmlns:m="http://schemas.openxmlformats.org/officeDocument/2006/math">
+                    <m:r>
+                      <a:rPr lang="en-US" i="1" smtClean="0">
+                        <a:latin typeface="Cambria Math" panose="02040503050406030204" pitchFamily="18" charset="0"/>
+                      </a:rPr>
+                      <m:t>ℓ=</m:t>
+                    </m:r>
+                    <m:r>
+                      <a:rPr lang="en-US" i="1" smtClean="0">
+                        <a:latin typeface="Cambria Math" panose="02040503050406030204" pitchFamily="18" charset="0"/>
+                      </a:rPr>
+                      <m:t>𝑘</m:t>
+                    </m:r>
+                    <m:d>
+                      <m:dPr>
+                        <m:ctrlPr>
+                          <a:rPr lang="en-US" i="1" smtClean="0">
+                            <a:latin typeface="Cambria Math" panose="02040503050406030204" pitchFamily="18" charset="0"/>
+                          </a:rPr>
+                        </m:ctrlPr>
+                      </m:dPr>
+                      <m:e>
+                        <m:r>
+                          <a:rPr lang="en-US" i="1" smtClean="0">
+                            <a:latin typeface="Cambria Math" panose="02040503050406030204" pitchFamily="18" charset="0"/>
+                          </a:rPr>
+                          <m:t>𝑥</m:t>
+                        </m:r>
+                        <m:r>
+                          <a:rPr lang="en-US" i="1" smtClean="0">
+                            <a:latin typeface="Cambria Math" panose="02040503050406030204" pitchFamily="18" charset="0"/>
+                          </a:rPr>
+                          <m:t>−</m:t>
+                        </m:r>
+                        <m:sSub>
+                          <m:sSubPr>
+                            <m:ctrlPr>
+                              <a:rPr lang="en-US" i="1" smtClean="0">
+                                <a:latin typeface="Cambria Math" panose="02040503050406030204" pitchFamily="18" charset="0"/>
+                              </a:rPr>
+                            </m:ctrlPr>
+                          </m:sSubPr>
+                          <m:e>
+                            <m:r>
+                              <a:rPr lang="en-US" i="1" smtClean="0">
+                                <a:latin typeface="Cambria Math" panose="02040503050406030204" pitchFamily="18" charset="0"/>
+                              </a:rPr>
+                              <m:t>𝑥</m:t>
+                            </m:r>
+                          </m:e>
+                          <m:sub>
+                            <m:r>
+                              <a:rPr lang="en-US" i="1" smtClean="0">
+                                <a:latin typeface="Cambria Math" panose="02040503050406030204" pitchFamily="18" charset="0"/>
+                              </a:rPr>
+                              <m:t>0</m:t>
+                            </m:r>
+                          </m:sub>
+                        </m:sSub>
+                      </m:e>
+                    </m:d>
+                  </m:oMath>
+                </a14:m>
+                <a:endParaRPr lang="en-US" i="1" dirty="0">
+                  <a:latin typeface="Cambria Math" panose="02040503050406030204" pitchFamily="18" charset="0"/>
+                </a:endParaRPr>
+              </a:p>
+              <a:p>
+                <a:pPr marL="0" indent="0" hangingPunct="1">
+                  <a:buFont typeface="Webdings" panose="05030102010509060703" pitchFamily="18" charset="2"/>
+                  <a:buNone/>
+                </a:pPr>
+                <a:r>
+                  <a:rPr lang="en-US" dirty="0"/>
+                  <a:t>			</a:t>
+                </a:r>
+                <a14:m>
+                  <m:oMath xmlns:m="http://schemas.openxmlformats.org/officeDocument/2006/math">
+                    <m:r>
+                      <a:rPr lang="en-US" i="1" smtClean="0">
+                        <a:latin typeface="Cambria Math" panose="02040503050406030204" pitchFamily="18" charset="0"/>
+                      </a:rPr>
+                      <m:t>=</m:t>
+                    </m:r>
+                    <m:r>
+                      <a:rPr lang="en-US" i="1" smtClean="0">
+                        <a:solidFill>
+                          <a:schemeClr val="accent3"/>
+                        </a:solidFill>
+                        <a:latin typeface="Cambria Math" panose="02040503050406030204" pitchFamily="18" charset="0"/>
+                      </a:rPr>
+                      <m:t>𝑚𝑥</m:t>
+                    </m:r>
+                    <m:r>
+                      <a:rPr lang="en-US" i="1" smtClean="0">
+                        <a:solidFill>
+                          <a:schemeClr val="accent3"/>
+                        </a:solidFill>
+                        <a:latin typeface="Cambria Math" panose="02040503050406030204" pitchFamily="18" charset="0"/>
+                      </a:rPr>
+                      <m:t>+</m:t>
+                    </m:r>
+                    <m:r>
+                      <a:rPr lang="en-US" i="1" smtClean="0">
+                        <a:solidFill>
+                          <a:schemeClr val="accent3"/>
+                        </a:solidFill>
+                        <a:latin typeface="Cambria Math" panose="02040503050406030204" pitchFamily="18" charset="0"/>
+                      </a:rPr>
+                      <m:t>𝑏</m:t>
+                    </m:r>
+                  </m:oMath>
+                </a14:m>
+                <a:endParaRPr lang="en-US" dirty="0"/>
+              </a:p>
+            </p:txBody>
+          </p:sp>
+        </mc:Choice>
+        <mc:Fallback>
+          <p:sp>
+            <p:nvSpPr>
+              <p:cNvPr id="5" name="Text Placeholder 3">
+                <a:extLst>
+                  <a:ext uri="{FF2B5EF4-FFF2-40B4-BE49-F238E27FC236}">
+                    <a16:creationId xmlns:a16="http://schemas.microsoft.com/office/drawing/2014/main" id="{9137382B-C556-F934-2F19-0D4B7BA08D96}"/>
+                  </a:ext>
+                </a:extLst>
+              </p:cNvPr>
+              <p:cNvSpPr txBox="1">
+                <a:spLocks noRot="1" noChangeAspect="1" noMove="1" noResize="1" noEditPoints="1" noAdjustHandles="1" noChangeArrowheads="1" noChangeShapeType="1" noTextEdit="1"/>
+              </p:cNvSpPr>
+              <p:nvPr/>
+            </p:nvSpPr>
+            <p:spPr>
+              <a:xfrm>
+                <a:off x="6185646" y="2563906"/>
+                <a:ext cx="6560391" cy="6910293"/>
+              </a:xfrm>
+              <a:prstGeom prst="rect">
+                <a:avLst/>
+              </a:prstGeom>
+              <a:blipFill>
+                <a:blip r:embed="rId3"/>
+                <a:stretch>
+                  <a:fillRect l="-3868"/>
+                </a:stretch>
+              </a:blipFill>
+            </p:spPr>
+            <p:txBody>
+              <a:bodyPr/>
+              <a:lstStyle/>
+              <a:p>
+                <a:r>
+                  <a:rPr lang="en-US">
+                    <a:noFill/>
+                  </a:rPr>
+                  <a:t> </a:t>
+                </a:r>
+              </a:p>
+            </p:txBody>
+          </p:sp>
+        </mc:Fallback>
+      </mc:AlternateContent>
     </p:spTree>
+    <p:extLst>
+      <p:ext uri="{BB962C8B-B14F-4D97-AF65-F5344CB8AC3E}">
+        <p14:creationId xmlns:p14="http://schemas.microsoft.com/office/powerpoint/2010/main" val="502852430"/>
+      </p:ext>
+    </p:extLst>
   </p:cSld>
   <p:clrMapOvr>
     <a:masterClrMapping/>
@@ -15874,475 +17711,6 @@
 </file>
 
 <file path=ppt/slides/slide12.xml><?xml version="1.0" encoding="utf-8"?>
-<p:sld xmlns:a="http://schemas.openxmlformats.org/drawingml/2006/main" xmlns:r="http://schemas.openxmlformats.org/officeDocument/2006/relationships" xmlns:p="http://schemas.openxmlformats.org/presentationml/2006/main">
-  <p:cSld>
-    <p:spTree>
-      <p:nvGrpSpPr>
-        <p:cNvPr id="1" name=""/>
-        <p:cNvGrpSpPr/>
-        <p:nvPr/>
-      </p:nvGrpSpPr>
-      <p:grpSpPr>
-        <a:xfrm>
-          <a:off x="0" y="0"/>
-          <a:ext cx="0" cy="0"/>
-          <a:chOff x="0" y="0"/>
-          <a:chExt cx="0" cy="0"/>
-        </a:xfrm>
-      </p:grpSpPr>
-      <p:sp>
-        <p:nvSpPr>
-          <p:cNvPr id="223" name="Shape 223"/>
-          <p:cNvSpPr>
-            <a:spLocks noGrp="1"/>
-          </p:cNvSpPr>
-          <p:nvPr>
-            <p:ph type="subTitle" sz="quarter" idx="1"/>
-          </p:nvPr>
-        </p:nvSpPr>
-        <p:spPr>
-          <a:prstGeom prst="rect">
-            <a:avLst/>
-          </a:prstGeom>
-        </p:spPr>
-        <p:txBody>
-          <a:bodyPr/>
-          <a:lstStyle/>
-          <a:p>
-            <a:endParaRPr/>
-          </a:p>
-        </p:txBody>
-      </p:sp>
-      <p:pic>
-        <p:nvPicPr>
-          <p:cNvPr id="224" name="pasted-image.png"/>
-          <p:cNvPicPr>
-            <a:picLocks noChangeAspect="1"/>
-          </p:cNvPicPr>
-          <p:nvPr/>
-        </p:nvPicPr>
-        <p:blipFill>
-          <a:blip r:embed="rId2"/>
-          <a:srcRect l="2575" r="2575"/>
-          <a:stretch>
-            <a:fillRect/>
-          </a:stretch>
-        </p:blipFill>
-        <p:spPr>
-          <a:xfrm>
-            <a:off x="-7938" y="3089764"/>
-            <a:ext cx="13020619" cy="4257714"/>
-          </a:xfrm>
-          <a:prstGeom prst="rect">
-            <a:avLst/>
-          </a:prstGeom>
-          <a:ln w="12700">
-            <a:miter lim="400000"/>
-          </a:ln>
-        </p:spPr>
-      </p:pic>
-      <p:sp>
-        <p:nvSpPr>
-          <p:cNvPr id="225" name="Shape 225"/>
-          <p:cNvSpPr>
-            <a:spLocks noGrp="1"/>
-          </p:cNvSpPr>
-          <p:nvPr>
-            <p:ph type="ctrTitle"/>
-          </p:nvPr>
-        </p:nvSpPr>
-        <p:spPr>
-          <a:xfrm>
-            <a:off x="406400" y="1536700"/>
-            <a:ext cx="12192000" cy="1169261"/>
-          </a:xfrm>
-          <a:prstGeom prst="rect">
-            <a:avLst/>
-          </a:prstGeom>
-        </p:spPr>
-        <p:txBody>
-          <a:bodyPr/>
-          <a:lstStyle>
-            <a:lvl1pPr defTabSz="403097">
-              <a:spcBef>
-                <a:spcPts val="1900"/>
-              </a:spcBef>
-              <a:defRPr sz="8200"/>
-            </a:lvl1pPr>
-          </a:lstStyle>
-          <a:p>
-            <a:r>
-              <a:rPr lang="en-US" dirty="0"/>
-              <a:t>Fix #2: Log()</a:t>
-            </a:r>
-            <a:endParaRPr dirty="0"/>
-          </a:p>
-        </p:txBody>
-      </p:sp>
-    </p:spTree>
-  </p:cSld>
-  <p:clrMapOvr>
-    <a:masterClrMapping/>
-  </p:clrMapOvr>
-  <p:transition spd="med"/>
-</p:sld>
-</file>
-
-<file path=ppt/slides/slide13.xml><?xml version="1.0" encoding="utf-8"?>
-<p:sld xmlns:a="http://schemas.openxmlformats.org/drawingml/2006/main" xmlns:r="http://schemas.openxmlformats.org/officeDocument/2006/relationships" xmlns:p="http://schemas.openxmlformats.org/presentationml/2006/main">
-  <p:cSld>
-    <p:spTree>
-      <p:nvGrpSpPr>
-        <p:cNvPr id="1" name=""/>
-        <p:cNvGrpSpPr/>
-        <p:nvPr/>
-      </p:nvGrpSpPr>
-      <p:grpSpPr>
-        <a:xfrm>
-          <a:off x="0" y="0"/>
-          <a:ext cx="0" cy="0"/>
-          <a:chOff x="0" y="0"/>
-          <a:chExt cx="0" cy="0"/>
-        </a:xfrm>
-      </p:grpSpPr>
-      <p:sp>
-        <p:nvSpPr>
-          <p:cNvPr id="227" name="Shape 227"/>
-          <p:cNvSpPr>
-            <a:spLocks noGrp="1"/>
-          </p:cNvSpPr>
-          <p:nvPr>
-            <p:ph type="title" idx="4294967295"/>
-          </p:nvPr>
-        </p:nvSpPr>
-        <p:spPr>
-          <a:xfrm>
-            <a:off x="524933" y="1062566"/>
-            <a:ext cx="12192001" cy="1169261"/>
-          </a:xfrm>
-          <a:prstGeom prst="rect">
-            <a:avLst/>
-          </a:prstGeom>
-        </p:spPr>
-        <p:txBody>
-          <a:bodyPr lIns="50800" tIns="50800" rIns="50800" bIns="50800" anchor="t"/>
-          <a:lstStyle>
-            <a:lvl1pPr algn="l" defTabSz="403097">
-              <a:lnSpc>
-                <a:spcPct val="80000"/>
-              </a:lnSpc>
-              <a:spcBef>
-                <a:spcPts val="1900"/>
-              </a:spcBef>
-              <a:defRPr sz="8200" cap="all">
-                <a:solidFill>
-                  <a:schemeClr val="accent1"/>
-                </a:solidFill>
-                <a:latin typeface="DIN Condensed"/>
-                <a:ea typeface="DIN Condensed"/>
-                <a:cs typeface="DIN Condensed"/>
-                <a:sym typeface="DIN Condensed"/>
-              </a:defRPr>
-            </a:lvl1pPr>
-          </a:lstStyle>
-          <a:p>
-            <a:r>
-              <a:t>Fix #2: Log()</a:t>
-            </a:r>
-          </a:p>
-        </p:txBody>
-      </p:sp>
-      <p:sp>
-        <p:nvSpPr>
-          <p:cNvPr id="228" name="Shape 228"/>
-          <p:cNvSpPr/>
-          <p:nvPr/>
-        </p:nvSpPr>
-        <p:spPr>
-          <a:xfrm>
-            <a:off x="657871" y="3841750"/>
-            <a:ext cx="7506524" cy="2070101"/>
-          </a:xfrm>
-          <a:prstGeom prst="rect">
-            <a:avLst/>
-          </a:prstGeom>
-          <a:ln w="12700">
-            <a:miter lim="400000"/>
-          </a:ln>
-          <a:extLst>
-            <a:ext uri="{C572A759-6A51-4108-AA02-DFA0A04FC94B}">
-              <ma14:wrappingTextBoxFlag xmlns:ma14="http://schemas.microsoft.com/office/mac/drawingml/2011/main" xmlns="" val="1"/>
-            </a:ext>
-          </a:extLst>
-        </p:spPr>
-        <p:txBody>
-          <a:bodyPr wrap="none" lIns="50800" tIns="50800" rIns="50800" bIns="50800" anchor="ctr">
-            <a:spAutoFit/>
-          </a:bodyPr>
-          <a:lstStyle/>
-          <a:p>
-            <a:pPr marL="550656" indent="-550656" defTabSz="455674">
-              <a:spcBef>
-                <a:spcPts val="2100"/>
-              </a:spcBef>
-              <a:buSzPct val="40000"/>
-              <a:buBlip>
-                <a:blip r:embed="rId2"/>
-              </a:buBlip>
-              <a:defRPr sz="4900">
-                <a:solidFill>
-                  <a:srgbClr val="838787"/>
-                </a:solidFill>
-                <a:latin typeface="Avenir Next Medium"/>
-                <a:ea typeface="Avenir Next Medium"/>
-                <a:cs typeface="Avenir Next Medium"/>
-                <a:sym typeface="Avenir Next Medium"/>
-              </a:defRPr>
-            </a:pPr>
-            <a:r>
-              <a:t>Win = log(4) = 1.39 </a:t>
-            </a:r>
-          </a:p>
-          <a:p>
-            <a:pPr marL="550656" indent="-550656" defTabSz="455674">
-              <a:spcBef>
-                <a:spcPts val="2100"/>
-              </a:spcBef>
-              <a:buSzPct val="40000"/>
-              <a:buBlip>
-                <a:blip r:embed="rId2"/>
-              </a:buBlip>
-              <a:defRPr sz="4900">
-                <a:solidFill>
-                  <a:srgbClr val="838787"/>
-                </a:solidFill>
-                <a:latin typeface="Avenir Next Medium"/>
-                <a:ea typeface="Avenir Next Medium"/>
-                <a:cs typeface="Avenir Next Medium"/>
-                <a:sym typeface="Avenir Next Medium"/>
-              </a:defRPr>
-            </a:pPr>
-            <a:r>
-              <a:t>Lose = log(0.25) = -1.39</a:t>
-            </a:r>
-          </a:p>
-        </p:txBody>
-      </p:sp>
-    </p:spTree>
-  </p:cSld>
-  <p:clrMapOvr>
-    <a:masterClrMapping/>
-  </p:clrMapOvr>
-  <p:transition spd="med"/>
-</p:sld>
-</file>
-
-<file path=ppt/slides/slide14.xml><?xml version="1.0" encoding="utf-8"?>
-<p:sld xmlns:a="http://schemas.openxmlformats.org/drawingml/2006/main" xmlns:r="http://schemas.openxmlformats.org/officeDocument/2006/relationships" xmlns:p="http://schemas.openxmlformats.org/presentationml/2006/main">
-  <p:cSld>
-    <p:bg>
-      <p:bgPr>
-        <a:solidFill>
-          <a:srgbClr val="D2DADD"/>
-        </a:solidFill>
-        <a:effectLst/>
-      </p:bgPr>
-    </p:bg>
-    <p:spTree>
-      <p:nvGrpSpPr>
-        <p:cNvPr id="1" name=""/>
-        <p:cNvGrpSpPr/>
-        <p:nvPr/>
-      </p:nvGrpSpPr>
-      <p:grpSpPr>
-        <a:xfrm>
-          <a:off x="0" y="0"/>
-          <a:ext cx="0" cy="0"/>
-          <a:chOff x="0" y="0"/>
-          <a:chExt cx="0" cy="0"/>
-        </a:xfrm>
-      </p:grpSpPr>
-      <p:pic>
-        <p:nvPicPr>
-          <p:cNvPr id="230" name="pasted-image.png"/>
-          <p:cNvPicPr>
-            <a:picLocks noChangeAspect="1"/>
-          </p:cNvPicPr>
-          <p:nvPr/>
-        </p:nvPicPr>
-        <p:blipFill>
-          <a:blip r:embed="rId2"/>
-          <a:stretch>
-            <a:fillRect/>
-          </a:stretch>
-        </p:blipFill>
-        <p:spPr>
-          <a:xfrm>
-            <a:off x="-82352" y="1700675"/>
-            <a:ext cx="13169422" cy="6041473"/>
-          </a:xfrm>
-          <a:prstGeom prst="rect">
-            <a:avLst/>
-          </a:prstGeom>
-          <a:ln w="12700">
-            <a:miter lim="400000"/>
-          </a:ln>
-        </p:spPr>
-      </p:pic>
-    </p:spTree>
-  </p:cSld>
-  <p:clrMapOvr>
-    <a:masterClrMapping/>
-  </p:clrMapOvr>
-  <p:transition spd="med"/>
-</p:sld>
-</file>
-
-<file path=ppt/slides/slide15.xml><?xml version="1.0" encoding="utf-8"?>
-<p:sld xmlns:a="http://schemas.openxmlformats.org/drawingml/2006/main" xmlns:r="http://schemas.openxmlformats.org/officeDocument/2006/relationships" xmlns:p="http://schemas.openxmlformats.org/presentationml/2006/main">
-  <p:cSld>
-    <p:spTree>
-      <p:nvGrpSpPr>
-        <p:cNvPr id="1" name=""/>
-        <p:cNvGrpSpPr/>
-        <p:nvPr/>
-      </p:nvGrpSpPr>
-      <p:grpSpPr>
-        <a:xfrm>
-          <a:off x="0" y="0"/>
-          <a:ext cx="0" cy="0"/>
-          <a:chOff x="0" y="0"/>
-          <a:chExt cx="0" cy="0"/>
-        </a:xfrm>
-      </p:grpSpPr>
-      <p:sp>
-        <p:nvSpPr>
-          <p:cNvPr id="232" name="Shape 232"/>
-          <p:cNvSpPr>
-            <a:spLocks noGrp="1"/>
-          </p:cNvSpPr>
-          <p:nvPr>
-            <p:ph type="title"/>
-          </p:nvPr>
-        </p:nvSpPr>
-        <p:spPr>
-          <a:xfrm>
-            <a:off x="406400" y="1536700"/>
-            <a:ext cx="12192000" cy="1169261"/>
-          </a:xfrm>
-          <a:prstGeom prst="rect">
-            <a:avLst/>
-          </a:prstGeom>
-        </p:spPr>
-        <p:txBody>
-          <a:bodyPr/>
-          <a:lstStyle>
-            <a:lvl1pPr defTabSz="403097">
-              <a:spcBef>
-                <a:spcPts val="1900"/>
-              </a:spcBef>
-              <a:defRPr sz="8200"/>
-            </a:lvl1pPr>
-          </a:lstStyle>
-          <a:p>
-            <a:r>
-              <a:t>Sigmoid function</a:t>
-            </a:r>
-          </a:p>
-        </p:txBody>
-      </p:sp>
-      <p:sp>
-        <p:nvSpPr>
-          <p:cNvPr id="233" name="Shape 233"/>
-          <p:cNvSpPr>
-            <a:spLocks noGrp="1"/>
-          </p:cNvSpPr>
-          <p:nvPr>
-            <p:ph type="body" sz="quarter" idx="1"/>
-          </p:nvPr>
-        </p:nvSpPr>
-        <p:spPr>
-          <a:xfrm>
-            <a:off x="406400" y="3236536"/>
-            <a:ext cx="12192000" cy="1169261"/>
-          </a:xfrm>
-          <a:prstGeom prst="rect">
-            <a:avLst/>
-          </a:prstGeom>
-        </p:spPr>
-        <p:txBody>
-          <a:bodyPr anchor="t"/>
-          <a:lstStyle/>
-          <a:p>
-            <a:pPr marL="550656" indent="-550656" defTabSz="455674">
-              <a:lnSpc>
-                <a:spcPct val="100000"/>
-              </a:lnSpc>
-              <a:spcBef>
-                <a:spcPts val="2100"/>
-              </a:spcBef>
-              <a:buSzPct val="40000"/>
-              <a:buBlip>
-                <a:blip r:embed="rId2"/>
-              </a:buBlip>
-              <a:defRPr sz="4900" cap="none" spc="0">
-                <a:latin typeface="Avenir Next Medium"/>
-                <a:ea typeface="Avenir Next Medium"/>
-                <a:cs typeface="Avenir Next Medium"/>
-                <a:sym typeface="Avenir Next Medium"/>
-              </a:defRPr>
-            </a:pPr>
-            <a:r>
-              <a:rPr>
-                <a:solidFill>
-                  <a:schemeClr val="accent3"/>
-                </a:solidFill>
-              </a:rPr>
-              <a:t>Translates</a:t>
-            </a:r>
-            <a:r>
-              <a:t> log-odds back to probability</a:t>
-            </a:r>
-          </a:p>
-        </p:txBody>
-      </p:sp>
-      <p:pic>
-        <p:nvPicPr>
-          <p:cNvPr id="234" name="pasted-image.png"/>
-          <p:cNvPicPr>
-            <a:picLocks noChangeAspect="1"/>
-          </p:cNvPicPr>
-          <p:nvPr/>
-        </p:nvPicPr>
-        <p:blipFill>
-          <a:blip r:embed="rId3"/>
-          <a:stretch>
-            <a:fillRect/>
-          </a:stretch>
-        </p:blipFill>
-        <p:spPr>
-          <a:xfrm>
-            <a:off x="506941" y="4369990"/>
-            <a:ext cx="10795001" cy="5067301"/>
-          </a:xfrm>
-          <a:prstGeom prst="rect">
-            <a:avLst/>
-          </a:prstGeom>
-          <a:ln w="12700">
-            <a:miter lim="400000"/>
-          </a:ln>
-        </p:spPr>
-      </p:pic>
-    </p:spTree>
-  </p:cSld>
-  <p:clrMapOvr>
-    <a:masterClrMapping/>
-  </p:clrMapOvr>
-  <p:transition spd="med"/>
-</p:sld>
-</file>
-
-<file path=ppt/slides/slide16.xml><?xml version="1.0" encoding="utf-8"?>
 <p:sld xmlns:a="http://schemas.openxmlformats.org/drawingml/2006/main" xmlns:r="http://schemas.openxmlformats.org/officeDocument/2006/relationships" xmlns:p="http://schemas.openxmlformats.org/presentationml/2006/main">
   <p:cSld>
     <p:spTree>
@@ -16447,6 +17815,1017 @@
           </a:ln>
         </p:spPr>
       </p:pic>
+      <p:cxnSp>
+        <p:nvCxnSpPr>
+          <p:cNvPr id="4" name="Straight Arrow Connector 3">
+            <a:extLst>
+              <a:ext uri="{FF2B5EF4-FFF2-40B4-BE49-F238E27FC236}">
+                <a16:creationId xmlns:a16="http://schemas.microsoft.com/office/drawing/2014/main" id="{0E45F68A-3A34-D9CD-03C0-E6885BC6E4DB}"/>
+              </a:ext>
+            </a:extLst>
+          </p:cNvPr>
+          <p:cNvCxnSpPr/>
+          <p:nvPr/>
+        </p:nvCxnSpPr>
+        <p:spPr>
+          <a:xfrm>
+            <a:off x="7584141" y="2868706"/>
+            <a:ext cx="0" cy="1416423"/>
+          </a:xfrm>
+          <a:prstGeom prst="straightConnector1">
+            <a:avLst/>
+          </a:prstGeom>
+          <a:noFill/>
+          <a:ln w="76200" cap="flat">
+            <a:solidFill>
+              <a:schemeClr val="accent5"/>
+            </a:solidFill>
+            <a:prstDash val="solid"/>
+            <a:round/>
+            <a:tailEnd type="triangle"/>
+          </a:ln>
+          <a:effectLst/>
+          <a:sp3d/>
+        </p:spPr>
+        <p:style>
+          <a:lnRef idx="0">
+            <a:scrgbClr r="0" g="0" b="0"/>
+          </a:lnRef>
+          <a:fillRef idx="0">
+            <a:scrgbClr r="0" g="0" b="0"/>
+          </a:fillRef>
+          <a:effectRef idx="0">
+            <a:scrgbClr r="0" g="0" b="0"/>
+          </a:effectRef>
+          <a:fontRef idx="none"/>
+        </p:style>
+      </p:cxnSp>
+      <p:cxnSp>
+        <p:nvCxnSpPr>
+          <p:cNvPr id="7" name="Straight Arrow Connector 6">
+            <a:extLst>
+              <a:ext uri="{FF2B5EF4-FFF2-40B4-BE49-F238E27FC236}">
+                <a16:creationId xmlns:a16="http://schemas.microsoft.com/office/drawing/2014/main" id="{7AF26D25-B041-5171-C0E9-4A82451A532E}"/>
+              </a:ext>
+            </a:extLst>
+          </p:cNvPr>
+          <p:cNvCxnSpPr>
+            <a:cxnSpLocks/>
+          </p:cNvCxnSpPr>
+          <p:nvPr/>
+        </p:nvCxnSpPr>
+        <p:spPr>
+          <a:xfrm flipH="1">
+            <a:off x="2384612" y="4249271"/>
+            <a:ext cx="5181600" cy="0"/>
+          </a:xfrm>
+          <a:prstGeom prst="straightConnector1">
+            <a:avLst/>
+          </a:prstGeom>
+          <a:noFill/>
+          <a:ln w="76200" cap="flat">
+            <a:solidFill>
+              <a:schemeClr val="accent5"/>
+            </a:solidFill>
+            <a:prstDash val="solid"/>
+            <a:round/>
+            <a:tailEnd type="triangle"/>
+          </a:ln>
+          <a:effectLst/>
+          <a:sp3d/>
+        </p:spPr>
+        <p:style>
+          <a:lnRef idx="0">
+            <a:scrgbClr r="0" g="0" b="0"/>
+          </a:lnRef>
+          <a:fillRef idx="0">
+            <a:scrgbClr r="0" g="0" b="0"/>
+          </a:fillRef>
+          <a:effectRef idx="0">
+            <a:scrgbClr r="0" g="0" b="0"/>
+          </a:effectRef>
+          <a:fontRef idx="none"/>
+        </p:style>
+      </p:cxnSp>
+      <p:sp>
+        <p:nvSpPr>
+          <p:cNvPr id="11" name="TextBox 10">
+            <a:extLst>
+              <a:ext uri="{FF2B5EF4-FFF2-40B4-BE49-F238E27FC236}">
+                <a16:creationId xmlns:a16="http://schemas.microsoft.com/office/drawing/2014/main" id="{33D9F9AD-EEDF-413E-39FC-37C0E8F32F1C}"/>
+              </a:ext>
+            </a:extLst>
+          </p:cNvPr>
+          <p:cNvSpPr txBox="1"/>
+          <p:nvPr/>
+        </p:nvSpPr>
+        <p:spPr>
+          <a:xfrm rot="16200000">
+            <a:off x="-1707451" y="4995526"/>
+            <a:ext cx="5307106" cy="694878"/>
+          </a:xfrm>
+          <a:prstGeom prst="rect">
+            <a:avLst/>
+          </a:prstGeom>
+          <a:solidFill>
+            <a:schemeClr val="tx1"/>
+          </a:solidFill>
+          <a:ln w="12700" cap="flat">
+            <a:noFill/>
+            <a:miter lim="400000"/>
+          </a:ln>
+          <a:effectLst/>
+          <a:sp3d/>
+        </p:spPr>
+        <p:style>
+          <a:lnRef idx="0">
+            <a:scrgbClr r="0" g="0" b="0"/>
+          </a:lnRef>
+          <a:fillRef idx="0">
+            <a:scrgbClr r="0" g="0" b="0"/>
+          </a:fillRef>
+          <a:effectRef idx="0">
+            <a:scrgbClr r="0" g="0" b="0"/>
+          </a:effectRef>
+          <a:fontRef idx="none"/>
+        </p:style>
+        <p:txBody>
+          <a:bodyPr rot="0" spcFirstLastPara="1" vertOverflow="overflow" horzOverflow="overflow" vert="horz" wrap="square" lIns="0" tIns="0" rIns="0" bIns="0" numCol="1" spcCol="38100" rtlCol="0" anchor="ctr">
+            <a:normAutofit fontScale="77500" lnSpcReduction="20000"/>
+          </a:bodyPr>
+          <a:lstStyle/>
+          <a:p>
+            <a:pPr marL="0" marR="0" indent="0" algn="ctr" defTabSz="584200" rtl="0" fontAlgn="auto" latinLnBrk="0" hangingPunct="0">
+              <a:lnSpc>
+                <a:spcPct val="100000"/>
+              </a:lnSpc>
+              <a:spcBef>
+                <a:spcPts val="2400"/>
+              </a:spcBef>
+              <a:spcAft>
+                <a:spcPts val="0"/>
+              </a:spcAft>
+              <a:buClrTx/>
+              <a:buSzTx/>
+              <a:buFontTx/>
+              <a:buNone/>
+              <a:tabLst/>
+            </a:pPr>
+            <a:r>
+              <a:rPr kumimoji="0" lang="en-US" sz="4000" b="0" i="0" u="none" strike="noStrike" cap="none" spc="0" normalizeH="0" baseline="0" dirty="0">
+                <a:ln>
+                  <a:noFill/>
+                </a:ln>
+                <a:solidFill>
+                  <a:srgbClr val="222222"/>
+                </a:solidFill>
+                <a:effectLst/>
+                <a:uFillTx/>
+                <a:latin typeface="+mn-lt"/>
+                <a:ea typeface="DIN Condensed"/>
+                <a:cs typeface="DIN Condensed"/>
+                <a:sym typeface="DIN Condensed"/>
+              </a:rPr>
+              <a:t>Probability of a heart attack</a:t>
+            </a:r>
+          </a:p>
+        </p:txBody>
+      </p:sp>
+      <p:sp>
+        <p:nvSpPr>
+          <p:cNvPr id="14" name="TextBox 13">
+            <a:extLst>
+              <a:ext uri="{FF2B5EF4-FFF2-40B4-BE49-F238E27FC236}">
+                <a16:creationId xmlns:a16="http://schemas.microsoft.com/office/drawing/2014/main" id="{4ABC8CB9-23AD-7F65-4FF4-D10E59D6D437}"/>
+              </a:ext>
+            </a:extLst>
+          </p:cNvPr>
+          <p:cNvSpPr txBox="1"/>
+          <p:nvPr/>
+        </p:nvSpPr>
+        <p:spPr>
+          <a:xfrm>
+            <a:off x="4890354" y="8649409"/>
+            <a:ext cx="5307106" cy="694878"/>
+          </a:xfrm>
+          <a:prstGeom prst="rect">
+            <a:avLst/>
+          </a:prstGeom>
+          <a:solidFill>
+            <a:schemeClr val="tx1"/>
+          </a:solidFill>
+          <a:ln w="12700" cap="flat">
+            <a:noFill/>
+            <a:miter lim="400000"/>
+          </a:ln>
+          <a:effectLst/>
+          <a:sp3d/>
+        </p:spPr>
+        <p:style>
+          <a:lnRef idx="0">
+            <a:scrgbClr r="0" g="0" b="0"/>
+          </a:lnRef>
+          <a:fillRef idx="0">
+            <a:scrgbClr r="0" g="0" b="0"/>
+          </a:fillRef>
+          <a:effectRef idx="0">
+            <a:scrgbClr r="0" g="0" b="0"/>
+          </a:effectRef>
+          <a:fontRef idx="none"/>
+        </p:style>
+        <p:txBody>
+          <a:bodyPr rot="0" spcFirstLastPara="1" vertOverflow="overflow" horzOverflow="overflow" vert="horz" wrap="square" lIns="0" tIns="0" rIns="0" bIns="0" numCol="1" spcCol="38100" rtlCol="0" anchor="ctr">
+            <a:normAutofit fontScale="77500" lnSpcReduction="20000"/>
+          </a:bodyPr>
+          <a:lstStyle/>
+          <a:p>
+            <a:pPr marL="0" marR="0" indent="0" algn="ctr" defTabSz="584200" rtl="0" fontAlgn="auto" latinLnBrk="0" hangingPunct="0">
+              <a:lnSpc>
+                <a:spcPct val="100000"/>
+              </a:lnSpc>
+              <a:spcBef>
+                <a:spcPts val="2400"/>
+              </a:spcBef>
+              <a:spcAft>
+                <a:spcPts val="0"/>
+              </a:spcAft>
+              <a:buClrTx/>
+              <a:buSzTx/>
+              <a:buFontTx/>
+              <a:buNone/>
+              <a:tabLst/>
+            </a:pPr>
+            <a:r>
+              <a:rPr kumimoji="0" lang="en-US" sz="4000" b="0" i="0" u="none" strike="noStrike" cap="none" spc="0" normalizeH="0" baseline="0" dirty="0">
+                <a:ln>
+                  <a:noFill/>
+                </a:ln>
+                <a:solidFill>
+                  <a:srgbClr val="222222"/>
+                </a:solidFill>
+                <a:effectLst/>
+                <a:uFillTx/>
+                <a:latin typeface="+mn-lt"/>
+                <a:ea typeface="DIN Condensed"/>
+                <a:cs typeface="DIN Condensed"/>
+                <a:sym typeface="DIN Condensed"/>
+              </a:rPr>
+              <a:t>Age</a:t>
+            </a:r>
+          </a:p>
+        </p:txBody>
+      </p:sp>
+      <mc:AlternateContent xmlns:mc="http://schemas.openxmlformats.org/markup-compatibility/2006">
+        <mc:Choice xmlns:a14="http://schemas.microsoft.com/office/drawing/2010/main" Requires="a14">
+          <p:sp>
+            <p:nvSpPr>
+              <p:cNvPr id="12" name="TextBox 11">
+                <a:extLst>
+                  <a:ext uri="{FF2B5EF4-FFF2-40B4-BE49-F238E27FC236}">
+                    <a16:creationId xmlns:a16="http://schemas.microsoft.com/office/drawing/2014/main" id="{14193825-C562-925F-54A8-8118ACA3C429}"/>
+                  </a:ext>
+                </a:extLst>
+              </p:cNvPr>
+              <p:cNvSpPr txBox="1"/>
+              <p:nvPr/>
+            </p:nvSpPr>
+            <p:spPr>
+              <a:xfrm>
+                <a:off x="1664050" y="3716410"/>
+                <a:ext cx="718082" cy="769441"/>
+              </a:xfrm>
+              <a:prstGeom prst="rect">
+                <a:avLst/>
+              </a:prstGeom>
+              <a:noFill/>
+              <a:ln w="12700" cap="flat">
+                <a:noFill/>
+                <a:miter lim="400000"/>
+              </a:ln>
+              <a:effectLst/>
+              <a:sp3d/>
+            </p:spPr>
+            <p:style>
+              <a:lnRef idx="0">
+                <a:scrgbClr r="0" g="0" b="0"/>
+              </a:lnRef>
+              <a:fillRef idx="0">
+                <a:scrgbClr r="0" g="0" b="0"/>
+              </a:fillRef>
+              <a:effectRef idx="0">
+                <a:scrgbClr r="0" g="0" b="0"/>
+              </a:effectRef>
+              <a:fontRef idx="none"/>
+            </p:style>
+            <p:txBody>
+              <a:bodyPr rot="0" spcFirstLastPara="1" vertOverflow="overflow" horzOverflow="overflow" vert="horz" wrap="none" lIns="0" tIns="0" rIns="0" bIns="0" numCol="1" spcCol="38100" rtlCol="0" anchor="ctr">
+                <a:spAutoFit/>
+              </a:bodyPr>
+              <a:lstStyle/>
+              <a:p>
+                <a:pPr marL="0" marR="0" indent="0" algn="l" defTabSz="584200" rtl="0" fontAlgn="auto" latinLnBrk="0" hangingPunct="0">
+                  <a:lnSpc>
+                    <a:spcPct val="100000"/>
+                  </a:lnSpc>
+                  <a:spcBef>
+                    <a:spcPts val="2400"/>
+                  </a:spcBef>
+                  <a:spcAft>
+                    <a:spcPts val="0"/>
+                  </a:spcAft>
+                  <a:buClrTx/>
+                  <a:buSzTx/>
+                  <a:buFontTx/>
+                  <a:buNone/>
+                  <a:tabLst/>
+                </a:pPr>
+                <a14:m>
+                  <m:oMathPara xmlns:m="http://schemas.openxmlformats.org/officeDocument/2006/math">
+                    <m:oMathParaPr>
+                      <m:jc m:val="centerGroup"/>
+                    </m:oMathParaPr>
+                    <m:oMath xmlns:m="http://schemas.openxmlformats.org/officeDocument/2006/math">
+                      <m:sSub>
+                        <m:sSubPr>
+                          <m:ctrlPr>
+                            <a:rPr kumimoji="0" lang="en-US" sz="5000" b="0" i="1" u="none" strike="noStrike" cap="none" spc="0" normalizeH="0" baseline="0" smtClean="0">
+                              <a:ln>
+                                <a:noFill/>
+                              </a:ln>
+                              <a:solidFill>
+                                <a:schemeClr val="accent5"/>
+                              </a:solidFill>
+                              <a:effectLst/>
+                              <a:uFillTx/>
+                              <a:latin typeface="Cambria Math" panose="02040503050406030204" pitchFamily="18" charset="0"/>
+                              <a:ea typeface="Cambria Math" panose="02040503050406030204" pitchFamily="18" charset="0"/>
+                              <a:sym typeface="DIN Condensed"/>
+                            </a:rPr>
+                          </m:ctrlPr>
+                        </m:sSubPr>
+                        <m:e>
+                          <m:r>
+                            <a:rPr kumimoji="0" lang="en-US" sz="5000" b="0" i="1" u="none" strike="noStrike" cap="none" spc="0" normalizeH="0" baseline="0" smtClean="0">
+                              <a:ln>
+                                <a:noFill/>
+                              </a:ln>
+                              <a:solidFill>
+                                <a:schemeClr val="accent5"/>
+                              </a:solidFill>
+                              <a:effectLst/>
+                              <a:uFillTx/>
+                              <a:latin typeface="Cambria Math" panose="02040503050406030204" pitchFamily="18" charset="0"/>
+                              <a:ea typeface="Cambria Math" panose="02040503050406030204" pitchFamily="18" charset="0"/>
+                              <a:sym typeface="DIN Condensed"/>
+                            </a:rPr>
+                            <m:t>ℒ</m:t>
+                          </m:r>
+                        </m:e>
+                        <m:sub>
+                          <m:r>
+                            <a:rPr kumimoji="0" lang="en-US" sz="5000" b="0" i="1" u="none" strike="noStrike" cap="none" spc="0" normalizeH="0" baseline="0" smtClean="0">
+                              <a:ln>
+                                <a:noFill/>
+                              </a:ln>
+                              <a:solidFill>
+                                <a:schemeClr val="accent5"/>
+                              </a:solidFill>
+                              <a:effectLst/>
+                              <a:uFillTx/>
+                              <a:latin typeface="Cambria Math" panose="02040503050406030204" pitchFamily="18" charset="0"/>
+                              <a:ea typeface="Cambria Math" panose="02040503050406030204" pitchFamily="18" charset="0"/>
+                              <a:sym typeface="DIN Condensed"/>
+                            </a:rPr>
+                            <m:t>𝑖</m:t>
+                          </m:r>
+                        </m:sub>
+                      </m:sSub>
+                    </m:oMath>
+                  </m:oMathPara>
+                </a14:m>
+                <a:endParaRPr kumimoji="0" lang="en-US" sz="5000" b="0" i="0" u="none" strike="noStrike" cap="none" spc="0" normalizeH="0" baseline="0" dirty="0">
+                  <a:ln>
+                    <a:noFill/>
+                  </a:ln>
+                  <a:solidFill>
+                    <a:schemeClr val="accent5"/>
+                  </a:solidFill>
+                  <a:effectLst/>
+                  <a:uFillTx/>
+                  <a:sym typeface="DIN Condensed"/>
+                </a:endParaRPr>
+              </a:p>
+            </p:txBody>
+          </p:sp>
+        </mc:Choice>
+        <mc:Fallback>
+          <p:sp>
+            <p:nvSpPr>
+              <p:cNvPr id="12" name="TextBox 11">
+                <a:extLst>
+                  <a:ext uri="{FF2B5EF4-FFF2-40B4-BE49-F238E27FC236}">
+                    <a16:creationId xmlns:a16="http://schemas.microsoft.com/office/drawing/2014/main" id="{14193825-C562-925F-54A8-8118ACA3C429}"/>
+                  </a:ext>
+                </a:extLst>
+              </p:cNvPr>
+              <p:cNvSpPr txBox="1">
+                <a:spLocks noRot="1" noChangeAspect="1" noMove="1" noResize="1" noEditPoints="1" noAdjustHandles="1" noChangeArrowheads="1" noChangeShapeType="1" noTextEdit="1"/>
+              </p:cNvSpPr>
+              <p:nvPr/>
+            </p:nvSpPr>
+            <p:spPr>
+              <a:xfrm>
+                <a:off x="1664050" y="3716410"/>
+                <a:ext cx="718082" cy="769441"/>
+              </a:xfrm>
+              <a:prstGeom prst="rect">
+                <a:avLst/>
+              </a:prstGeom>
+              <a:blipFill>
+                <a:blip r:embed="rId3"/>
+                <a:stretch>
+                  <a:fillRect l="-22807" r="-7018" b="-14516"/>
+                </a:stretch>
+              </a:blipFill>
+              <a:ln w="12700" cap="flat">
+                <a:noFill/>
+                <a:miter lim="400000"/>
+              </a:ln>
+              <a:effectLst/>
+            </p:spPr>
+            <p:txBody>
+              <a:bodyPr/>
+              <a:lstStyle/>
+              <a:p>
+                <a:r>
+                  <a:rPr lang="en-US">
+                    <a:noFill/>
+                  </a:rPr>
+                  <a:t> </a:t>
+                </a:r>
+              </a:p>
+            </p:txBody>
+          </p:sp>
+        </mc:Fallback>
+      </mc:AlternateContent>
+      <p:cxnSp>
+        <p:nvCxnSpPr>
+          <p:cNvPr id="15" name="Straight Arrow Connector 14">
+            <a:extLst>
+              <a:ext uri="{FF2B5EF4-FFF2-40B4-BE49-F238E27FC236}">
+                <a16:creationId xmlns:a16="http://schemas.microsoft.com/office/drawing/2014/main" id="{D4BC6DE7-F1BF-6947-B941-F8C973205FAD}"/>
+              </a:ext>
+            </a:extLst>
+          </p:cNvPr>
+          <p:cNvCxnSpPr>
+            <a:cxnSpLocks/>
+          </p:cNvCxnSpPr>
+          <p:nvPr/>
+        </p:nvCxnSpPr>
+        <p:spPr>
+          <a:xfrm flipV="1">
+            <a:off x="6586167" y="6708780"/>
+            <a:ext cx="0" cy="739155"/>
+          </a:xfrm>
+          <a:prstGeom prst="straightConnector1">
+            <a:avLst/>
+          </a:prstGeom>
+          <a:noFill/>
+          <a:ln w="76200" cap="flat">
+            <a:solidFill>
+              <a:schemeClr val="accent5"/>
+            </a:solidFill>
+            <a:prstDash val="solid"/>
+            <a:round/>
+            <a:tailEnd type="triangle"/>
+          </a:ln>
+          <a:effectLst/>
+          <a:sp3d/>
+        </p:spPr>
+        <p:style>
+          <a:lnRef idx="0">
+            <a:scrgbClr r="0" g="0" b="0"/>
+          </a:lnRef>
+          <a:fillRef idx="0">
+            <a:scrgbClr r="0" g="0" b="0"/>
+          </a:fillRef>
+          <a:effectRef idx="0">
+            <a:scrgbClr r="0" g="0" b="0"/>
+          </a:effectRef>
+          <a:fontRef idx="none"/>
+        </p:style>
+      </p:cxnSp>
+      <p:cxnSp>
+        <p:nvCxnSpPr>
+          <p:cNvPr id="16" name="Straight Arrow Connector 15">
+            <a:extLst>
+              <a:ext uri="{FF2B5EF4-FFF2-40B4-BE49-F238E27FC236}">
+                <a16:creationId xmlns:a16="http://schemas.microsoft.com/office/drawing/2014/main" id="{0B8782E8-216A-E263-9215-D7269C3DA1E5}"/>
+              </a:ext>
+            </a:extLst>
+          </p:cNvPr>
+          <p:cNvCxnSpPr>
+            <a:cxnSpLocks/>
+          </p:cNvCxnSpPr>
+          <p:nvPr/>
+        </p:nvCxnSpPr>
+        <p:spPr>
+          <a:xfrm flipH="1">
+            <a:off x="2359742" y="6672922"/>
+            <a:ext cx="4208496" cy="0"/>
+          </a:xfrm>
+          <a:prstGeom prst="straightConnector1">
+            <a:avLst/>
+          </a:prstGeom>
+          <a:noFill/>
+          <a:ln w="76200" cap="flat">
+            <a:solidFill>
+              <a:schemeClr val="accent5"/>
+            </a:solidFill>
+            <a:prstDash val="solid"/>
+            <a:round/>
+            <a:tailEnd type="triangle"/>
+          </a:ln>
+          <a:effectLst/>
+          <a:sp3d/>
+        </p:spPr>
+        <p:style>
+          <a:lnRef idx="0">
+            <a:scrgbClr r="0" g="0" b="0"/>
+          </a:lnRef>
+          <a:fillRef idx="0">
+            <a:scrgbClr r="0" g="0" b="0"/>
+          </a:fillRef>
+          <a:effectRef idx="0">
+            <a:scrgbClr r="0" g="0" b="0"/>
+          </a:effectRef>
+          <a:fontRef idx="none"/>
+        </p:style>
+      </p:cxnSp>
+      <mc:AlternateContent xmlns:mc="http://schemas.openxmlformats.org/markup-compatibility/2006">
+        <mc:Choice xmlns:a14="http://schemas.microsoft.com/office/drawing/2010/main" Requires="a14">
+          <p:sp>
+            <p:nvSpPr>
+              <p:cNvPr id="21" name="TextBox 20">
+                <a:extLst>
+                  <a:ext uri="{FF2B5EF4-FFF2-40B4-BE49-F238E27FC236}">
+                    <a16:creationId xmlns:a16="http://schemas.microsoft.com/office/drawing/2014/main" id="{D884CC53-E9B4-76B0-E6C6-E54814DE2806}"/>
+                  </a:ext>
+                </a:extLst>
+              </p:cNvPr>
+              <p:cNvSpPr txBox="1"/>
+              <p:nvPr/>
+            </p:nvSpPr>
+            <p:spPr>
+              <a:xfrm>
+                <a:off x="2332644" y="5710917"/>
+                <a:ext cx="1835567" cy="831318"/>
+              </a:xfrm>
+              <a:prstGeom prst="rect">
+                <a:avLst/>
+              </a:prstGeom>
+              <a:noFill/>
+              <a:ln w="12700" cap="flat">
+                <a:noFill/>
+                <a:miter lim="400000"/>
+              </a:ln>
+              <a:effectLst/>
+              <a:sp3d/>
+            </p:spPr>
+            <p:style>
+              <a:lnRef idx="0">
+                <a:scrgbClr r="0" g="0" b="0"/>
+              </a:lnRef>
+              <a:fillRef idx="0">
+                <a:scrgbClr r="0" g="0" b="0"/>
+              </a:fillRef>
+              <a:effectRef idx="0">
+                <a:scrgbClr r="0" g="0" b="0"/>
+              </a:effectRef>
+              <a:fontRef idx="none"/>
+            </p:style>
+            <p:txBody>
+              <a:bodyPr rot="0" spcFirstLastPara="1" vertOverflow="overflow" horzOverflow="overflow" vert="horz" wrap="none" lIns="0" tIns="0" rIns="0" bIns="0" numCol="1" spcCol="38100" rtlCol="0" anchor="ctr">
+                <a:spAutoFit/>
+              </a:bodyPr>
+              <a:lstStyle/>
+              <a:p>
+                <a:pPr marL="0" marR="0" indent="0" algn="l" defTabSz="584200" rtl="0" fontAlgn="auto" latinLnBrk="0" hangingPunct="0">
+                  <a:lnSpc>
+                    <a:spcPct val="100000"/>
+                  </a:lnSpc>
+                  <a:spcBef>
+                    <a:spcPts val="2400"/>
+                  </a:spcBef>
+                  <a:spcAft>
+                    <a:spcPts val="0"/>
+                  </a:spcAft>
+                  <a:buClrTx/>
+                  <a:buSzTx/>
+                  <a:buFontTx/>
+                  <a:buNone/>
+                  <a:tabLst/>
+                </a:pPr>
+                <a14:m>
+                  <m:oMathPara xmlns:m="http://schemas.openxmlformats.org/officeDocument/2006/math">
+                    <m:oMathParaPr>
+                      <m:jc m:val="centerGroup"/>
+                    </m:oMathParaPr>
+                    <m:oMath xmlns:m="http://schemas.openxmlformats.org/officeDocument/2006/math">
+                      <m:sSub>
+                        <m:sSubPr>
+                          <m:ctrlPr>
+                            <a:rPr kumimoji="0" lang="en-US" sz="5000" b="0" i="1" u="none" strike="noStrike" cap="none" spc="0" normalizeH="0" baseline="0" smtClean="0">
+                              <a:ln>
+                                <a:noFill/>
+                              </a:ln>
+                              <a:solidFill>
+                                <a:schemeClr val="accent5"/>
+                              </a:solidFill>
+                              <a:effectLst/>
+                              <a:uFillTx/>
+                              <a:latin typeface="Cambria Math" panose="02040503050406030204" pitchFamily="18" charset="0"/>
+                              <a:ea typeface="Cambria Math" panose="02040503050406030204" pitchFamily="18" charset="0"/>
+                              <a:sym typeface="DIN Condensed"/>
+                            </a:rPr>
+                          </m:ctrlPr>
+                        </m:sSubPr>
+                        <m:e>
+                          <m:r>
+                            <a:rPr kumimoji="0" lang="en-US" sz="5000" b="0" i="1" u="none" strike="noStrike" cap="none" spc="0" normalizeH="0" baseline="0" smtClean="0">
+                              <a:ln>
+                                <a:noFill/>
+                              </a:ln>
+                              <a:solidFill>
+                                <a:schemeClr val="accent5"/>
+                              </a:solidFill>
+                              <a:effectLst/>
+                              <a:uFillTx/>
+                              <a:latin typeface="Cambria Math" panose="02040503050406030204" pitchFamily="18" charset="0"/>
+                              <a:ea typeface="Cambria Math" panose="02040503050406030204" pitchFamily="18" charset="0"/>
+                              <a:sym typeface="DIN Condensed"/>
+                            </a:rPr>
+                            <m:t>1−</m:t>
+                          </m:r>
+                          <m:r>
+                            <a:rPr kumimoji="0" lang="en-US" sz="5000" b="0" i="1" u="none" strike="noStrike" cap="none" spc="0" normalizeH="0" baseline="0" smtClean="0">
+                              <a:ln>
+                                <a:noFill/>
+                              </a:ln>
+                              <a:solidFill>
+                                <a:schemeClr val="accent5"/>
+                              </a:solidFill>
+                              <a:effectLst/>
+                              <a:uFillTx/>
+                              <a:latin typeface="Cambria Math" panose="02040503050406030204" pitchFamily="18" charset="0"/>
+                              <a:ea typeface="Cambria Math" panose="02040503050406030204" pitchFamily="18" charset="0"/>
+                              <a:sym typeface="DIN Condensed"/>
+                            </a:rPr>
+                            <m:t>ℒ</m:t>
+                          </m:r>
+                        </m:e>
+                        <m:sub>
+                          <m:r>
+                            <a:rPr kumimoji="0" lang="en-US" sz="5000" b="0" i="1" u="none" strike="noStrike" cap="none" spc="0" normalizeH="0" baseline="0" smtClean="0">
+                              <a:ln>
+                                <a:noFill/>
+                              </a:ln>
+                              <a:solidFill>
+                                <a:schemeClr val="accent5"/>
+                              </a:solidFill>
+                              <a:effectLst/>
+                              <a:uFillTx/>
+                              <a:latin typeface="Cambria Math" panose="02040503050406030204" pitchFamily="18" charset="0"/>
+                              <a:ea typeface="Cambria Math" panose="02040503050406030204" pitchFamily="18" charset="0"/>
+                              <a:sym typeface="DIN Condensed"/>
+                            </a:rPr>
+                            <m:t>𝑗</m:t>
+                          </m:r>
+                        </m:sub>
+                      </m:sSub>
+                    </m:oMath>
+                  </m:oMathPara>
+                </a14:m>
+                <a:endParaRPr kumimoji="0" lang="en-US" sz="5000" b="0" i="0" u="none" strike="noStrike" cap="none" spc="0" normalizeH="0" baseline="0" dirty="0">
+                  <a:ln>
+                    <a:noFill/>
+                  </a:ln>
+                  <a:solidFill>
+                    <a:schemeClr val="accent5"/>
+                  </a:solidFill>
+                  <a:effectLst/>
+                  <a:uFillTx/>
+                  <a:sym typeface="DIN Condensed"/>
+                </a:endParaRPr>
+              </a:p>
+            </p:txBody>
+          </p:sp>
+        </mc:Choice>
+        <mc:Fallback>
+          <p:sp>
+            <p:nvSpPr>
+              <p:cNvPr id="21" name="TextBox 20">
+                <a:extLst>
+                  <a:ext uri="{FF2B5EF4-FFF2-40B4-BE49-F238E27FC236}">
+                    <a16:creationId xmlns:a16="http://schemas.microsoft.com/office/drawing/2014/main" id="{D884CC53-E9B4-76B0-E6C6-E54814DE2806}"/>
+                  </a:ext>
+                </a:extLst>
+              </p:cNvPr>
+              <p:cNvSpPr txBox="1">
+                <a:spLocks noRot="1" noChangeAspect="1" noMove="1" noResize="1" noEditPoints="1" noAdjustHandles="1" noChangeArrowheads="1" noChangeShapeType="1" noTextEdit="1"/>
+              </p:cNvSpPr>
+              <p:nvPr/>
+            </p:nvSpPr>
+            <p:spPr>
+              <a:xfrm>
+                <a:off x="2332644" y="5710917"/>
+                <a:ext cx="1835567" cy="831318"/>
+              </a:xfrm>
+              <a:prstGeom prst="rect">
+                <a:avLst/>
+              </a:prstGeom>
+              <a:blipFill>
+                <a:blip r:embed="rId4"/>
+                <a:stretch>
+                  <a:fillRect l="-8219" r="-4795" b="-23881"/>
+                </a:stretch>
+              </a:blipFill>
+              <a:ln w="12700" cap="flat">
+                <a:noFill/>
+                <a:miter lim="400000"/>
+              </a:ln>
+              <a:effectLst/>
+            </p:spPr>
+            <p:txBody>
+              <a:bodyPr/>
+              <a:lstStyle/>
+              <a:p>
+                <a:r>
+                  <a:rPr lang="en-US">
+                    <a:noFill/>
+                  </a:rPr>
+                  <a:t> </a:t>
+                </a:r>
+              </a:p>
+            </p:txBody>
+          </p:sp>
+        </mc:Fallback>
+      </mc:AlternateContent>
+      <mc:AlternateContent xmlns:mc="http://schemas.openxmlformats.org/markup-compatibility/2006">
+        <mc:Choice xmlns:a14="http://schemas.microsoft.com/office/drawing/2010/main" Requires="a14">
+          <p:sp>
+            <p:nvSpPr>
+              <p:cNvPr id="22" name="TextBox 21">
+                <a:extLst>
+                  <a:ext uri="{FF2B5EF4-FFF2-40B4-BE49-F238E27FC236}">
+                    <a16:creationId xmlns:a16="http://schemas.microsoft.com/office/drawing/2014/main" id="{0B973B64-59CE-9FAF-C2A1-95BF5561428A}"/>
+                  </a:ext>
+                </a:extLst>
+              </p:cNvPr>
+              <p:cNvSpPr txBox="1"/>
+              <p:nvPr/>
+            </p:nvSpPr>
+            <p:spPr>
+              <a:xfrm>
+                <a:off x="8025521" y="5261707"/>
+                <a:ext cx="4408451" cy="2231188"/>
+              </a:xfrm>
+              <a:prstGeom prst="rect">
+                <a:avLst/>
+              </a:prstGeom>
+              <a:noFill/>
+              <a:ln w="12700" cap="flat">
+                <a:noFill/>
+                <a:miter lim="400000"/>
+              </a:ln>
+              <a:effectLst/>
+              <a:sp3d/>
+            </p:spPr>
+            <p:style>
+              <a:lnRef idx="0">
+                <a:scrgbClr r="0" g="0" b="0"/>
+              </a:lnRef>
+              <a:fillRef idx="0">
+                <a:scrgbClr r="0" g="0" b="0"/>
+              </a:fillRef>
+              <a:effectRef idx="0">
+                <a:scrgbClr r="0" g="0" b="0"/>
+              </a:effectRef>
+              <a:fontRef idx="none"/>
+            </p:style>
+            <p:txBody>
+              <a:bodyPr rot="0" spcFirstLastPara="1" vertOverflow="overflow" horzOverflow="overflow" vert="horz" wrap="none" lIns="0" tIns="0" rIns="0" bIns="0" numCol="1" spcCol="38100" rtlCol="0" anchor="ctr">
+                <a:spAutoFit/>
+              </a:bodyPr>
+              <a:lstStyle/>
+              <a:p>
+                <a14:m>
+                  <m:oMathPara xmlns:m="http://schemas.openxmlformats.org/officeDocument/2006/math">
+                    <m:oMathParaPr>
+                      <m:jc m:val="centerGroup"/>
+                    </m:oMathParaPr>
+                    <m:oMath xmlns:m="http://schemas.openxmlformats.org/officeDocument/2006/math">
+                      <m:r>
+                        <m:rPr>
+                          <m:sty m:val="p"/>
+                        </m:rPr>
+                        <a:rPr kumimoji="0" lang="en-US" sz="5000" b="0" i="0" u="none" strike="noStrike" cap="none" spc="0" normalizeH="0" baseline="0" smtClean="0">
+                          <a:ln>
+                            <a:noFill/>
+                          </a:ln>
+                          <a:solidFill>
+                            <a:schemeClr val="accent5"/>
+                          </a:solidFill>
+                          <a:effectLst/>
+                          <a:uFillTx/>
+                          <a:latin typeface="Cambria Math" panose="02040503050406030204" pitchFamily="18" charset="0"/>
+                          <a:ea typeface="Cambria Math" panose="02040503050406030204" pitchFamily="18" charset="0"/>
+                          <a:sym typeface="DIN Condensed"/>
+                        </a:rPr>
+                        <m:t>log</m:t>
+                      </m:r>
+                      <m:r>
+                        <a:rPr kumimoji="0" lang="en-US" sz="5000" b="0" i="1" u="none" strike="noStrike" cap="none" spc="0" normalizeH="0" baseline="0" smtClean="0">
+                          <a:ln>
+                            <a:noFill/>
+                          </a:ln>
+                          <a:solidFill>
+                            <a:schemeClr val="accent5"/>
+                          </a:solidFill>
+                          <a:effectLst/>
+                          <a:uFillTx/>
+                          <a:latin typeface="Cambria Math" panose="02040503050406030204" pitchFamily="18" charset="0"/>
+                          <a:ea typeface="Cambria Math" panose="02040503050406030204" pitchFamily="18" charset="0"/>
+                          <a:sym typeface="DIN Condensed"/>
+                        </a:rPr>
+                        <m:t>ℒ</m:t>
+                      </m:r>
+                      <m:r>
+                        <a:rPr kumimoji="0" lang="en-US" sz="5000" b="0" i="1" u="none" strike="noStrike" cap="none" spc="0" normalizeH="0" baseline="0" smtClean="0">
+                          <a:ln>
+                            <a:noFill/>
+                          </a:ln>
+                          <a:solidFill>
+                            <a:schemeClr val="accent5"/>
+                          </a:solidFill>
+                          <a:effectLst/>
+                          <a:uFillTx/>
+                          <a:latin typeface="Cambria Math" panose="02040503050406030204" pitchFamily="18" charset="0"/>
+                          <a:ea typeface="Cambria Math" panose="02040503050406030204" pitchFamily="18" charset="0"/>
+                          <a:sym typeface="DIN Condensed"/>
+                        </a:rPr>
+                        <m:t>=</m:t>
+                      </m:r>
+                      <m:nary>
+                        <m:naryPr>
+                          <m:chr m:val="∑"/>
+                          <m:ctrlPr>
+                            <a:rPr lang="en-US" sz="5000" i="1">
+                              <a:solidFill>
+                                <a:schemeClr val="accent5"/>
+                              </a:solidFill>
+                              <a:latin typeface="Cambria Math" panose="02040503050406030204" pitchFamily="18" charset="0"/>
+                              <a:ea typeface="Cambria Math" panose="02040503050406030204" pitchFamily="18" charset="0"/>
+                            </a:rPr>
+                          </m:ctrlPr>
+                        </m:naryPr>
+                        <m:sub>
+                          <m:r>
+                            <m:rPr>
+                              <m:brk m:alnAt="23"/>
+                            </m:rPr>
+                            <a:rPr lang="en-US" sz="5000" i="1">
+                              <a:solidFill>
+                                <a:schemeClr val="accent5"/>
+                              </a:solidFill>
+                              <a:latin typeface="Cambria Math" panose="02040503050406030204" pitchFamily="18" charset="0"/>
+                              <a:ea typeface="Cambria Math" panose="02040503050406030204" pitchFamily="18" charset="0"/>
+                            </a:rPr>
+                            <m:t>𝑑</m:t>
+                          </m:r>
+                        </m:sub>
+                        <m:sup/>
+                        <m:e>
+                          <m:r>
+                            <m:rPr>
+                              <m:sty m:val="p"/>
+                            </m:rPr>
+                            <a:rPr lang="en-US" sz="5000">
+                              <a:solidFill>
+                                <a:schemeClr val="accent5"/>
+                              </a:solidFill>
+                              <a:latin typeface="Cambria Math" panose="02040503050406030204" pitchFamily="18" charset="0"/>
+                              <a:ea typeface="Cambria Math" panose="02040503050406030204" pitchFamily="18" charset="0"/>
+                            </a:rPr>
+                            <m:t>ln</m:t>
+                          </m:r>
+                          <m:sSub>
+                            <m:sSubPr>
+                              <m:ctrlPr>
+                                <a:rPr lang="en-US" sz="5000" i="1">
+                                  <a:solidFill>
+                                    <a:schemeClr val="accent5"/>
+                                  </a:solidFill>
+                                  <a:latin typeface="Cambria Math" panose="02040503050406030204" pitchFamily="18" charset="0"/>
+                                  <a:ea typeface="Cambria Math" panose="02040503050406030204" pitchFamily="18" charset="0"/>
+                                </a:rPr>
+                              </m:ctrlPr>
+                            </m:sSubPr>
+                            <m:e>
+                              <m:r>
+                                <a:rPr lang="en-US" sz="5000" i="1">
+                                  <a:solidFill>
+                                    <a:schemeClr val="accent5"/>
+                                  </a:solidFill>
+                                  <a:latin typeface="Cambria Math" panose="02040503050406030204" pitchFamily="18" charset="0"/>
+                                  <a:ea typeface="Cambria Math" panose="02040503050406030204" pitchFamily="18" charset="0"/>
+                                </a:rPr>
+                                <m:t>ℒ</m:t>
+                              </m:r>
+                            </m:e>
+                            <m:sub>
+                              <m:r>
+                                <a:rPr lang="en-US" sz="5000" i="1">
+                                  <a:solidFill>
+                                    <a:schemeClr val="accent5"/>
+                                  </a:solidFill>
+                                  <a:latin typeface="Cambria Math" panose="02040503050406030204" pitchFamily="18" charset="0"/>
+                                  <a:ea typeface="Cambria Math" panose="02040503050406030204" pitchFamily="18" charset="0"/>
+                                </a:rPr>
+                                <m:t>𝑑</m:t>
+                              </m:r>
+                            </m:sub>
+                          </m:sSub>
+                        </m:e>
+                      </m:nary>
+                    </m:oMath>
+                  </m:oMathPara>
+                </a14:m>
+                <a:endParaRPr kumimoji="0" lang="en-US" sz="5000" b="0" i="0" u="none" strike="noStrike" cap="none" spc="0" normalizeH="0" baseline="0" dirty="0">
+                  <a:ln>
+                    <a:noFill/>
+                  </a:ln>
+                  <a:solidFill>
+                    <a:schemeClr val="accent5"/>
+                  </a:solidFill>
+                  <a:effectLst/>
+                  <a:uFillTx/>
+                  <a:sym typeface="DIN Condensed"/>
+                </a:endParaRPr>
+              </a:p>
+            </p:txBody>
+          </p:sp>
+        </mc:Choice>
+        <mc:Fallback>
+          <p:sp>
+            <p:nvSpPr>
+              <p:cNvPr id="22" name="TextBox 21">
+                <a:extLst>
+                  <a:ext uri="{FF2B5EF4-FFF2-40B4-BE49-F238E27FC236}">
+                    <a16:creationId xmlns:a16="http://schemas.microsoft.com/office/drawing/2014/main" id="{0B973B64-59CE-9FAF-C2A1-95BF5561428A}"/>
+                  </a:ext>
+                </a:extLst>
+              </p:cNvPr>
+              <p:cNvSpPr txBox="1">
+                <a:spLocks noRot="1" noChangeAspect="1" noMove="1" noResize="1" noEditPoints="1" noAdjustHandles="1" noChangeArrowheads="1" noChangeShapeType="1" noTextEdit="1"/>
+              </p:cNvSpPr>
+              <p:nvPr/>
+            </p:nvSpPr>
+            <p:spPr>
+              <a:xfrm>
+                <a:off x="8025521" y="5261707"/>
+                <a:ext cx="4408451" cy="2231188"/>
+              </a:xfrm>
+              <a:prstGeom prst="rect">
+                <a:avLst/>
+              </a:prstGeom>
+              <a:blipFill>
+                <a:blip r:embed="rId5"/>
+                <a:stretch>
+                  <a:fillRect l="-6609" t="-106818" r="-3161" b="-171591"/>
+                </a:stretch>
+              </a:blipFill>
+              <a:ln w="12700" cap="flat">
+                <a:noFill/>
+                <a:miter lim="400000"/>
+              </a:ln>
+              <a:effectLst/>
+            </p:spPr>
+            <p:txBody>
+              <a:bodyPr/>
+              <a:lstStyle/>
+              <a:p>
+                <a:r>
+                  <a:rPr lang="en-US">
+                    <a:noFill/>
+                  </a:rPr>
+                  <a:t> </a:t>
+                </a:r>
+              </a:p>
+            </p:txBody>
+          </p:sp>
+        </mc:Fallback>
+      </mc:AlternateContent>
     </p:spTree>
     <p:extLst>
       <p:ext uri="{BB962C8B-B14F-4D97-AF65-F5344CB8AC3E}">
@@ -16461,7 +18840,7 @@
 </p:sld>
 </file>
 
-<file path=ppt/slides/slide17.xml><?xml version="1.0" encoding="utf-8"?>
+<file path=ppt/slides/slide13.xml><?xml version="1.0" encoding="utf-8"?>
 <p:sld xmlns:a="http://schemas.openxmlformats.org/drawingml/2006/main" xmlns:r="http://schemas.openxmlformats.org/officeDocument/2006/relationships" xmlns:p="http://schemas.openxmlformats.org/presentationml/2006/main">
   <p:cSld>
     <p:spTree>
@@ -16635,7 +19014,7 @@
 </p:sld>
 </file>
 
-<file path=ppt/slides/slide18.xml><?xml version="1.0" encoding="utf-8"?>
+<file path=ppt/slides/slide14.xml><?xml version="1.0" encoding="utf-8"?>
 <p:sld xmlns:a="http://schemas.openxmlformats.org/drawingml/2006/main" xmlns:r="http://schemas.openxmlformats.org/officeDocument/2006/relationships" xmlns:p="http://schemas.openxmlformats.org/presentationml/2006/main">
   <p:cSld>
     <p:spTree>
@@ -16815,7 +19194,7 @@
 </p:sld>
 </file>
 
-<file path=ppt/slides/slide19.xml><?xml version="1.0" encoding="utf-8"?>
+<file path=ppt/slides/slide15.xml><?xml version="1.0" encoding="utf-8"?>
 <p:sld xmlns:a="http://schemas.openxmlformats.org/drawingml/2006/main" xmlns:r="http://schemas.openxmlformats.org/officeDocument/2006/relationships" xmlns:p="http://schemas.openxmlformats.org/presentationml/2006/main">
   <p:cSld>
     <p:spTree>
@@ -17049,55 +19428,7 @@
 </p:sld>
 </file>
 
-<file path=ppt/slides/slide2.xml><?xml version="1.0" encoding="utf-8"?>
-<p:sld xmlns:a="http://schemas.openxmlformats.org/drawingml/2006/main" xmlns:r="http://schemas.openxmlformats.org/officeDocument/2006/relationships" xmlns:p="http://schemas.openxmlformats.org/presentationml/2006/main">
-  <p:cSld>
-    <p:spTree>
-      <p:nvGrpSpPr>
-        <p:cNvPr id="1" name=""/>
-        <p:cNvGrpSpPr/>
-        <p:nvPr/>
-      </p:nvGrpSpPr>
-      <p:grpSpPr>
-        <a:xfrm>
-          <a:off x="0" y="0"/>
-          <a:ext cx="0" cy="0"/>
-          <a:chOff x="0" y="0"/>
-          <a:chExt cx="0" cy="0"/>
-        </a:xfrm>
-      </p:grpSpPr>
-      <p:sp>
-        <p:nvSpPr>
-          <p:cNvPr id="194" name="Shape 194"/>
-          <p:cNvSpPr>
-            <a:spLocks noGrp="1"/>
-          </p:cNvSpPr>
-          <p:nvPr>
-            <p:ph type="title"/>
-          </p:nvPr>
-        </p:nvSpPr>
-        <p:spPr/>
-        <p:txBody>
-          <a:bodyPr/>
-          <a:lstStyle/>
-          <a:p>
-            <a:r>
-              <a:rPr lang="en-US"/>
-              <a:t>Logistic Regression</a:t>
-            </a:r>
-          </a:p>
-        </p:txBody>
-      </p:sp>
-    </p:spTree>
-  </p:cSld>
-  <p:clrMapOvr>
-    <a:masterClrMapping/>
-  </p:clrMapOvr>
-  <p:transition spd="med"/>
-</p:sld>
-</file>
-
-<file path=ppt/slides/slide20.xml><?xml version="1.0" encoding="utf-8"?>
+<file path=ppt/slides/slide16.xml><?xml version="1.0" encoding="utf-8"?>
 <p:sld xmlns:a="http://schemas.openxmlformats.org/drawingml/2006/main" xmlns:r="http://schemas.openxmlformats.org/officeDocument/2006/relationships" xmlns:p="http://schemas.openxmlformats.org/presentationml/2006/main">
   <p:cSld>
     <p:spTree>
@@ -17199,7 +19530,7 @@
 </p:sld>
 </file>
 
-<file path=ppt/slides/slide21.xml><?xml version="1.0" encoding="utf-8"?>
+<file path=ppt/slides/slide17.xml><?xml version="1.0" encoding="utf-8"?>
 <p:sld xmlns:a="http://schemas.openxmlformats.org/drawingml/2006/main" xmlns:r="http://schemas.openxmlformats.org/officeDocument/2006/relationships" xmlns:p="http://schemas.openxmlformats.org/presentationml/2006/main">
   <p:cSld>
     <p:spTree>
@@ -17247,7 +19578,7 @@
 </p:sld>
 </file>
 
-<file path=ppt/slides/slide22.xml><?xml version="1.0" encoding="utf-8"?>
+<file path=ppt/slides/slide18.xml><?xml version="1.0" encoding="utf-8"?>
 <p:sld xmlns:a="http://schemas.openxmlformats.org/drawingml/2006/main" xmlns:r="http://schemas.openxmlformats.org/officeDocument/2006/relationships" xmlns:p="http://schemas.openxmlformats.org/presentationml/2006/main">
   <p:cSld>
     <p:spTree>
@@ -17373,7 +19704,7 @@
 </p:sld>
 </file>
 
-<file path=ppt/slides/slide23.xml><?xml version="1.0" encoding="utf-8"?>
+<file path=ppt/slides/slide19.xml><?xml version="1.0" encoding="utf-8"?>
 <p:sld xmlns:a="http://schemas.openxmlformats.org/drawingml/2006/main" xmlns:r="http://schemas.openxmlformats.org/officeDocument/2006/relationships" xmlns:p="http://schemas.openxmlformats.org/presentationml/2006/main">
   <p:cSld>
     <p:spTree>
@@ -17426,7 +19757,55 @@
 </p:sld>
 </file>
 
-<file path=ppt/slides/slide24.xml><?xml version="1.0" encoding="utf-8"?>
+<file path=ppt/slides/slide2.xml><?xml version="1.0" encoding="utf-8"?>
+<p:sld xmlns:a="http://schemas.openxmlformats.org/drawingml/2006/main" xmlns:r="http://schemas.openxmlformats.org/officeDocument/2006/relationships" xmlns:p="http://schemas.openxmlformats.org/presentationml/2006/main">
+  <p:cSld>
+    <p:spTree>
+      <p:nvGrpSpPr>
+        <p:cNvPr id="1" name=""/>
+        <p:cNvGrpSpPr/>
+        <p:nvPr/>
+      </p:nvGrpSpPr>
+      <p:grpSpPr>
+        <a:xfrm>
+          <a:off x="0" y="0"/>
+          <a:ext cx="0" cy="0"/>
+          <a:chOff x="0" y="0"/>
+          <a:chExt cx="0" cy="0"/>
+        </a:xfrm>
+      </p:grpSpPr>
+      <p:sp>
+        <p:nvSpPr>
+          <p:cNvPr id="194" name="Shape 194"/>
+          <p:cNvSpPr>
+            <a:spLocks noGrp="1"/>
+          </p:cNvSpPr>
+          <p:nvPr>
+            <p:ph type="title"/>
+          </p:nvPr>
+        </p:nvSpPr>
+        <p:spPr/>
+        <p:txBody>
+          <a:bodyPr/>
+          <a:lstStyle/>
+          <a:p>
+            <a:r>
+              <a:rPr lang="en-US"/>
+              <a:t>Logistic Regression</a:t>
+            </a:r>
+          </a:p>
+        </p:txBody>
+      </p:sp>
+    </p:spTree>
+  </p:cSld>
+  <p:clrMapOvr>
+    <a:masterClrMapping/>
+  </p:clrMapOvr>
+  <p:transition spd="med"/>
+</p:sld>
+</file>
+
+<file path=ppt/slides/slide20.xml><?xml version="1.0" encoding="utf-8"?>
 <p:sld xmlns:a="http://schemas.openxmlformats.org/drawingml/2006/main" xmlns:r="http://schemas.openxmlformats.org/officeDocument/2006/relationships" xmlns:p="http://schemas.openxmlformats.org/presentationml/2006/main">
   <p:cSld>
     <p:spTree>
@@ -17552,7 +19931,7 @@
 </p:sld>
 </file>
 
-<file path=ppt/slides/slide25.xml><?xml version="1.0" encoding="utf-8"?>
+<file path=ppt/slides/slide21.xml><?xml version="1.0" encoding="utf-8"?>
 <p:sld xmlns:a="http://schemas.openxmlformats.org/drawingml/2006/main" xmlns:r="http://schemas.openxmlformats.org/officeDocument/2006/relationships" xmlns:p="http://schemas.openxmlformats.org/presentationml/2006/main">
   <p:cSld>
     <p:spTree>
@@ -17678,7 +20057,7 @@
 </p:sld>
 </file>
 
-<file path=ppt/slides/slide26.xml><?xml version="1.0" encoding="utf-8"?>
+<file path=ppt/slides/slide22.xml><?xml version="1.0" encoding="utf-8"?>
 <p:sld xmlns:a="http://schemas.openxmlformats.org/drawingml/2006/main" xmlns:r="http://schemas.openxmlformats.org/officeDocument/2006/relationships" xmlns:p="http://schemas.openxmlformats.org/presentationml/2006/main">
   <p:cSld>
     <p:spTree>
@@ -17731,7 +20110,7 @@
 </p:sld>
 </file>
 
-<file path=ppt/slides/slide27.xml><?xml version="1.0" encoding="utf-8"?>
+<file path=ppt/slides/slide23.xml><?xml version="1.0" encoding="utf-8"?>
 <p:sld xmlns:a="http://schemas.openxmlformats.org/drawingml/2006/main" xmlns:r="http://schemas.openxmlformats.org/officeDocument/2006/relationships" xmlns:p="http://schemas.openxmlformats.org/presentationml/2006/main">
   <p:cSld>
     <p:spTree>
@@ -17875,7 +20254,7 @@
 </p:sld>
 </file>
 
-<file path=ppt/slides/slide28.xml><?xml version="1.0" encoding="utf-8"?>
+<file path=ppt/slides/slide24.xml><?xml version="1.0" encoding="utf-8"?>
 <p:sld xmlns:a="http://schemas.openxmlformats.org/drawingml/2006/main" xmlns:r="http://schemas.openxmlformats.org/officeDocument/2006/relationships" xmlns:p="http://schemas.openxmlformats.org/presentationml/2006/main">
   <p:cSld>
     <p:spTree>
@@ -17928,7 +20307,7 @@
 </p:sld>
 </file>
 
-<file path=ppt/slides/slide29.xml><?xml version="1.0" encoding="utf-8"?>
+<file path=ppt/slides/slide25.xml><?xml version="1.0" encoding="utf-8"?>
 <p:sld xmlns:a="http://schemas.openxmlformats.org/drawingml/2006/main" xmlns:r="http://schemas.openxmlformats.org/officeDocument/2006/relationships" xmlns:p="http://schemas.openxmlformats.org/presentationml/2006/main">
   <p:cSld>
     <p:spTree>
@@ -18063,147 +20442,7 @@
 </p:sld>
 </file>
 
-<file path=ppt/slides/slide3.xml><?xml version="1.0" encoding="utf-8"?>
-<p:sld xmlns:a="http://schemas.openxmlformats.org/drawingml/2006/main" xmlns:r="http://schemas.openxmlformats.org/officeDocument/2006/relationships" xmlns:p="http://schemas.openxmlformats.org/presentationml/2006/main">
-  <p:cSld>
-    <p:spTree>
-      <p:nvGrpSpPr>
-        <p:cNvPr id="1" name=""/>
-        <p:cNvGrpSpPr/>
-        <p:nvPr/>
-      </p:nvGrpSpPr>
-      <p:grpSpPr>
-        <a:xfrm>
-          <a:off x="0" y="0"/>
-          <a:ext cx="0" cy="0"/>
-          <a:chOff x="0" y="0"/>
-          <a:chExt cx="0" cy="0"/>
-        </a:xfrm>
-      </p:grpSpPr>
-      <p:sp>
-        <p:nvSpPr>
-          <p:cNvPr id="196" name="Shape 196"/>
-          <p:cNvSpPr>
-            <a:spLocks noGrp="1"/>
-          </p:cNvSpPr>
-          <p:nvPr>
-            <p:ph type="title"/>
-          </p:nvPr>
-        </p:nvSpPr>
-        <p:spPr>
-          <a:xfrm>
-            <a:off x="406400" y="1536700"/>
-            <a:ext cx="12192000" cy="1169261"/>
-          </a:xfrm>
-          <a:prstGeom prst="rect">
-            <a:avLst/>
-          </a:prstGeom>
-        </p:spPr>
-        <p:txBody>
-          <a:bodyPr/>
-          <a:lstStyle>
-            <a:lvl1pPr defTabSz="403097">
-              <a:spcBef>
-                <a:spcPts val="1900"/>
-              </a:spcBef>
-              <a:defRPr sz="8200"/>
-            </a:lvl1pPr>
-          </a:lstStyle>
-          <a:p>
-            <a:r>
-              <a:t>Logistic Regression</a:t>
-            </a:r>
-          </a:p>
-        </p:txBody>
-      </p:sp>
-      <p:sp>
-        <p:nvSpPr>
-          <p:cNvPr id="197" name="Shape 197"/>
-          <p:cNvSpPr>
-            <a:spLocks noGrp="1"/>
-          </p:cNvSpPr>
-          <p:nvPr>
-            <p:ph type="body" sz="half" idx="1"/>
-          </p:nvPr>
-        </p:nvSpPr>
-        <p:spPr>
-          <a:xfrm>
-            <a:off x="406400" y="4186733"/>
-            <a:ext cx="12192000" cy="4152372"/>
-          </a:xfrm>
-          <a:prstGeom prst="rect">
-            <a:avLst/>
-          </a:prstGeom>
-        </p:spPr>
-        <p:txBody>
-          <a:bodyPr anchor="t"/>
-          <a:lstStyle/>
-          <a:p>
-            <a:pPr marL="550656" indent="-550656" defTabSz="455674">
-              <a:lnSpc>
-                <a:spcPct val="100000"/>
-              </a:lnSpc>
-              <a:spcBef>
-                <a:spcPts val="2100"/>
-              </a:spcBef>
-              <a:buSzPct val="40000"/>
-              <a:buBlip>
-                <a:blip r:embed="rId2"/>
-              </a:buBlip>
-              <a:defRPr sz="4900" cap="none" spc="0">
-                <a:latin typeface="Avenir Next Medium"/>
-                <a:ea typeface="Avenir Next Medium"/>
-                <a:cs typeface="Avenir Next Medium"/>
-                <a:sym typeface="Avenir Next Medium"/>
-              </a:defRPr>
-            </a:pPr>
-            <a:r>
-              <a:rPr>
-                <a:solidFill>
-                  <a:schemeClr val="accent3"/>
-                </a:solidFill>
-              </a:rPr>
-              <a:t>Modify output</a:t>
-            </a:r>
-            <a:r>
-              <a:t> of linear model to be a probability</a:t>
-            </a:r>
-          </a:p>
-          <a:p>
-            <a:pPr marL="550656" indent="-550656" defTabSz="455674">
-              <a:lnSpc>
-                <a:spcPct val="100000"/>
-              </a:lnSpc>
-              <a:spcBef>
-                <a:spcPts val="2100"/>
-              </a:spcBef>
-              <a:buSzPct val="40000"/>
-              <a:buBlip>
-                <a:blip r:embed="rId2"/>
-              </a:buBlip>
-              <a:defRPr sz="4900" cap="none" spc="0">
-                <a:latin typeface="Avenir Next Medium"/>
-                <a:ea typeface="Avenir Next Medium"/>
-                <a:cs typeface="Avenir Next Medium"/>
-                <a:sym typeface="Avenir Next Medium"/>
-              </a:defRPr>
-            </a:pPr>
-            <a:r>
-              <a:t>Used for classification, despite name</a:t>
-            </a:r>
-          </a:p>
-        </p:txBody>
-      </p:sp>
-    </p:spTree>
-  </p:cSld>
-  <p:clrMapOvr>
-    <a:masterClrMapping/>
-  </p:clrMapOvr>
-  <p:transition spd="med"/>
-</p:sld>
-</file>
-
-<file path=ppt/slides/slide30.xml><?xml version="1.0" encoding="utf-8"?>
+<file path=ppt/slides/slide26.xml><?xml version="1.0" encoding="utf-8"?>
 <p:sld xmlns:a="http://schemas.openxmlformats.org/drawingml/2006/main" xmlns:r="http://schemas.openxmlformats.org/officeDocument/2006/relationships" xmlns:p="http://schemas.openxmlformats.org/presentationml/2006/main">
   <p:cSld>
     <p:spTree>
@@ -18269,7 +20508,7 @@
           </a:ln>
           <a:extLst>
             <a:ext uri="{C572A759-6A51-4108-AA02-DFA0A04FC94B}">
-              <ma14:wrappingTextBoxFlag xmlns:ma14="http://schemas.microsoft.com/office/mac/drawingml/2011/main" xmlns="" val="1"/>
+              <ma14:wrappingTextBoxFlag xmlns="" xmlns:ma14="http://schemas.microsoft.com/office/mac/drawingml/2011/main" val="1"/>
             </a:ext>
           </a:extLst>
         </p:spPr>
@@ -18312,7 +20551,7 @@
           </a:ln>
           <a:extLst>
             <a:ext uri="{C572A759-6A51-4108-AA02-DFA0A04FC94B}">
-              <ma14:wrappingTextBoxFlag xmlns:ma14="http://schemas.microsoft.com/office/mac/drawingml/2011/main" xmlns="" val="1"/>
+              <ma14:wrappingTextBoxFlag xmlns="" xmlns:ma14="http://schemas.microsoft.com/office/mac/drawingml/2011/main" val="1"/>
             </a:ext>
           </a:extLst>
         </p:spPr>
@@ -18345,7 +20584,7 @@
 </p:sld>
 </file>
 
-<file path=ppt/slides/slide31.xml><?xml version="1.0" encoding="utf-8"?>
+<file path=ppt/slides/slide27.xml><?xml version="1.0" encoding="utf-8"?>
 <p:sld xmlns:a="http://schemas.openxmlformats.org/drawingml/2006/main" xmlns:r="http://schemas.openxmlformats.org/officeDocument/2006/relationships" xmlns:p="http://schemas.openxmlformats.org/presentationml/2006/main">
   <p:cSld>
     <p:spTree>
@@ -18393,7 +20632,7 @@
 </p:sld>
 </file>
 
-<file path=ppt/slides/slide32.xml><?xml version="1.0" encoding="utf-8"?>
+<file path=ppt/slides/slide28.xml><?xml version="1.0" encoding="utf-8"?>
 <p:sld xmlns:a="http://schemas.openxmlformats.org/drawingml/2006/main" xmlns:r="http://schemas.openxmlformats.org/officeDocument/2006/relationships" xmlns:p="http://schemas.openxmlformats.org/presentationml/2006/main">
   <p:cSld>
     <p:spTree>
@@ -18443,7 +20682,7 @@
 </p:sld>
 </file>
 
-<file path=ppt/slides/slide33.xml><?xml version="1.0" encoding="utf-8"?>
+<file path=ppt/slides/slide29.xml><?xml version="1.0" encoding="utf-8"?>
 <p:sld xmlns:a="http://schemas.openxmlformats.org/drawingml/2006/main" xmlns:r="http://schemas.openxmlformats.org/officeDocument/2006/relationships" xmlns:p="http://schemas.openxmlformats.org/presentationml/2006/main">
   <p:cSld>
     <p:spTree>
@@ -18587,7 +20826,691 @@
 </p:sld>
 </file>
 
-<file path=ppt/slides/slide34.xml><?xml version="1.0" encoding="utf-8"?>
+<file path=ppt/slides/slide3.xml><?xml version="1.0" encoding="utf-8"?>
+<p:sld xmlns:a="http://schemas.openxmlformats.org/drawingml/2006/main" xmlns:r="http://schemas.openxmlformats.org/officeDocument/2006/relationships" xmlns:p="http://schemas.openxmlformats.org/presentationml/2006/main">
+  <p:cSld>
+    <p:spTree>
+      <p:nvGrpSpPr>
+        <p:cNvPr id="1" name=""/>
+        <p:cNvGrpSpPr/>
+        <p:nvPr/>
+      </p:nvGrpSpPr>
+      <p:grpSpPr>
+        <a:xfrm>
+          <a:off x="0" y="0"/>
+          <a:ext cx="0" cy="0"/>
+          <a:chOff x="0" y="0"/>
+          <a:chExt cx="0" cy="0"/>
+        </a:xfrm>
+      </p:grpSpPr>
+      <p:sp>
+        <p:nvSpPr>
+          <p:cNvPr id="2" name="Title 1">
+            <a:extLst>
+              <a:ext uri="{FF2B5EF4-FFF2-40B4-BE49-F238E27FC236}">
+                <a16:creationId xmlns:a16="http://schemas.microsoft.com/office/drawing/2014/main" id="{18E87888-A78E-81A4-7708-E81AB137276F}"/>
+              </a:ext>
+            </a:extLst>
+          </p:cNvPr>
+          <p:cNvSpPr>
+            <a:spLocks noGrp="1"/>
+          </p:cNvSpPr>
+          <p:nvPr>
+            <p:ph type="title"/>
+          </p:nvPr>
+        </p:nvSpPr>
+        <p:spPr/>
+        <p:txBody>
+          <a:bodyPr>
+            <a:normAutofit fontScale="90000"/>
+          </a:bodyPr>
+          <a:lstStyle/>
+          <a:p>
+            <a:r>
+              <a:rPr lang="en-US" dirty="0"/>
+              <a:t>Assume Probability can be modeled with a</a:t>
+            </a:r>
+            <a:br>
+              <a:rPr lang="en-US" dirty="0"/>
+            </a:br>
+            <a:r>
+              <a:rPr lang="en-US" dirty="0">
+                <a:solidFill>
+                  <a:schemeClr val="accent3"/>
+                </a:solidFill>
+              </a:rPr>
+              <a:t>logistic curve</a:t>
+            </a:r>
+          </a:p>
+        </p:txBody>
+      </p:sp>
+      <mc:AlternateContent xmlns:mc="http://schemas.openxmlformats.org/markup-compatibility/2006">
+        <mc:Choice xmlns:a14="http://schemas.microsoft.com/office/drawing/2010/main" Requires="a14">
+          <p:sp>
+            <p:nvSpPr>
+              <p:cNvPr id="8" name="Text Placeholder 7">
+                <a:extLst>
+                  <a:ext uri="{FF2B5EF4-FFF2-40B4-BE49-F238E27FC236}">
+                    <a16:creationId xmlns:a16="http://schemas.microsoft.com/office/drawing/2014/main" id="{C6F5AF94-687B-1C16-E2D5-B943846F9A0C}"/>
+                  </a:ext>
+                </a:extLst>
+              </p:cNvPr>
+              <p:cNvSpPr>
+                <a:spLocks noGrp="1"/>
+              </p:cNvSpPr>
+              <p:nvPr>
+                <p:ph type="body" sz="quarter" idx="10"/>
+              </p:nvPr>
+            </p:nvSpPr>
+            <p:spPr>
+              <a:xfrm>
+                <a:off x="401637" y="4572000"/>
+                <a:ext cx="5488799" cy="4749800"/>
+              </a:xfrm>
+            </p:spPr>
+            <p:txBody>
+              <a:bodyPr/>
+              <a:lstStyle/>
+              <a:p>
+                <a:pPr marL="0" indent="0">
+                  <a:buNone/>
+                </a:pPr>
+                <a14:m>
+                  <m:oMathPara xmlns:m="http://schemas.openxmlformats.org/officeDocument/2006/math">
+                    <m:oMathParaPr>
+                      <m:jc m:val="left"/>
+                    </m:oMathParaPr>
+                    <m:oMath xmlns:m="http://schemas.openxmlformats.org/officeDocument/2006/math">
+                      <m:r>
+                        <a:rPr lang="en-US" b="0" i="1" smtClean="0">
+                          <a:latin typeface="Cambria Math" panose="02040503050406030204" pitchFamily="18" charset="0"/>
+                        </a:rPr>
+                        <m:t>𝑓</m:t>
+                      </m:r>
+                      <m:d>
+                        <m:dPr>
+                          <m:ctrlPr>
+                            <a:rPr lang="en-US" b="0" i="1" smtClean="0">
+                              <a:latin typeface="Cambria Math" panose="02040503050406030204" pitchFamily="18" charset="0"/>
+                            </a:rPr>
+                          </m:ctrlPr>
+                        </m:dPr>
+                        <m:e>
+                          <m:r>
+                            <a:rPr lang="en-US" b="0" i="1" smtClean="0">
+                              <a:latin typeface="Cambria Math" panose="02040503050406030204" pitchFamily="18" charset="0"/>
+                            </a:rPr>
+                            <m:t>𝑥</m:t>
+                          </m:r>
+                        </m:e>
+                      </m:d>
+                      <m:r>
+                        <a:rPr lang="en-US" b="0" i="1" smtClean="0">
+                          <a:latin typeface="Cambria Math" panose="02040503050406030204" pitchFamily="18" charset="0"/>
+                        </a:rPr>
+                        <m:t>= </m:t>
+                      </m:r>
+                      <m:f>
+                        <m:fPr>
+                          <m:ctrlPr>
+                            <a:rPr lang="en-US" b="0" i="1" smtClean="0">
+                              <a:latin typeface="Cambria Math" panose="02040503050406030204" pitchFamily="18" charset="0"/>
+                            </a:rPr>
+                          </m:ctrlPr>
+                        </m:fPr>
+                        <m:num>
+                          <m:r>
+                            <a:rPr lang="en-US" b="0" i="1" smtClean="0">
+                              <a:latin typeface="Cambria Math" panose="02040503050406030204" pitchFamily="18" charset="0"/>
+                            </a:rPr>
+                            <m:t>𝐿</m:t>
+                          </m:r>
+                        </m:num>
+                        <m:den>
+                          <m:r>
+                            <a:rPr lang="en-US" b="0" i="1" smtClean="0">
+                              <a:latin typeface="Cambria Math" panose="02040503050406030204" pitchFamily="18" charset="0"/>
+                            </a:rPr>
+                            <m:t>1+</m:t>
+                          </m:r>
+                          <m:sSup>
+                            <m:sSupPr>
+                              <m:ctrlPr>
+                                <a:rPr lang="en-US" b="0" i="1" smtClean="0">
+                                  <a:latin typeface="Cambria Math" panose="02040503050406030204" pitchFamily="18" charset="0"/>
+                                </a:rPr>
+                              </m:ctrlPr>
+                            </m:sSupPr>
+                            <m:e>
+                              <m:r>
+                                <a:rPr lang="en-US" b="0" i="1" smtClean="0">
+                                  <a:latin typeface="Cambria Math" panose="02040503050406030204" pitchFamily="18" charset="0"/>
+                                </a:rPr>
+                                <m:t>𝑒</m:t>
+                              </m:r>
+                            </m:e>
+                            <m:sup>
+                              <m:r>
+                                <a:rPr lang="en-US" b="0" i="1" smtClean="0">
+                                  <a:latin typeface="Cambria Math" panose="02040503050406030204" pitchFamily="18" charset="0"/>
+                                </a:rPr>
+                                <m:t>−</m:t>
+                              </m:r>
+                              <m:r>
+                                <a:rPr lang="en-US" b="0" i="1" smtClean="0">
+                                  <a:latin typeface="Cambria Math" panose="02040503050406030204" pitchFamily="18" charset="0"/>
+                                </a:rPr>
+                                <m:t>𝑘</m:t>
+                              </m:r>
+                              <m:r>
+                                <a:rPr lang="en-US" b="0" i="1" smtClean="0">
+                                  <a:latin typeface="Cambria Math" panose="02040503050406030204" pitchFamily="18" charset="0"/>
+                                </a:rPr>
+                                <m:t>(</m:t>
+                              </m:r>
+                              <m:r>
+                                <a:rPr lang="en-US" b="0" i="1" smtClean="0">
+                                  <a:latin typeface="Cambria Math" panose="02040503050406030204" pitchFamily="18" charset="0"/>
+                                </a:rPr>
+                                <m:t>𝑥</m:t>
+                              </m:r>
+                              <m:r>
+                                <a:rPr lang="en-US" b="0" i="1" smtClean="0">
+                                  <a:latin typeface="Cambria Math" panose="02040503050406030204" pitchFamily="18" charset="0"/>
+                                </a:rPr>
+                                <m:t>−</m:t>
+                              </m:r>
+                              <m:sSub>
+                                <m:sSubPr>
+                                  <m:ctrlPr>
+                                    <a:rPr lang="en-US" b="0" i="1" smtClean="0">
+                                      <a:latin typeface="Cambria Math" panose="02040503050406030204" pitchFamily="18" charset="0"/>
+                                    </a:rPr>
+                                  </m:ctrlPr>
+                                </m:sSubPr>
+                                <m:e>
+                                  <m:r>
+                                    <a:rPr lang="en-US" b="0" i="1" smtClean="0">
+                                      <a:latin typeface="Cambria Math" panose="02040503050406030204" pitchFamily="18" charset="0"/>
+                                    </a:rPr>
+                                    <m:t>𝑥</m:t>
+                                  </m:r>
+                                </m:e>
+                                <m:sub>
+                                  <m:r>
+                                    <a:rPr lang="en-US" b="0" i="1" smtClean="0">
+                                      <a:latin typeface="Cambria Math" panose="02040503050406030204" pitchFamily="18" charset="0"/>
+                                    </a:rPr>
+                                    <m:t>0</m:t>
+                                  </m:r>
+                                </m:sub>
+                              </m:sSub>
+                              <m:r>
+                                <a:rPr lang="en-US" b="0" i="1" smtClean="0">
+                                  <a:latin typeface="Cambria Math" panose="02040503050406030204" pitchFamily="18" charset="0"/>
+                                </a:rPr>
+                                <m:t>)</m:t>
+                              </m:r>
+                            </m:sup>
+                          </m:sSup>
+                        </m:den>
+                      </m:f>
+                    </m:oMath>
+                  </m:oMathPara>
+                </a14:m>
+                <a:endParaRPr lang="en-US" dirty="0"/>
+              </a:p>
+            </p:txBody>
+          </p:sp>
+        </mc:Choice>
+        <mc:Fallback>
+          <p:sp>
+            <p:nvSpPr>
+              <p:cNvPr id="8" name="Text Placeholder 7">
+                <a:extLst>
+                  <a:ext uri="{FF2B5EF4-FFF2-40B4-BE49-F238E27FC236}">
+                    <a16:creationId xmlns:a16="http://schemas.microsoft.com/office/drawing/2014/main" id="{C6F5AF94-687B-1C16-E2D5-B943846F9A0C}"/>
+                  </a:ext>
+                </a:extLst>
+              </p:cNvPr>
+              <p:cNvSpPr>
+                <a:spLocks noGrp="1" noRot="1" noChangeAspect="1" noMove="1" noResize="1" noEditPoints="1" noAdjustHandles="1" noChangeArrowheads="1" noChangeShapeType="1" noTextEdit="1"/>
+              </p:cNvSpPr>
+              <p:nvPr>
+                <p:ph type="body" sz="quarter" idx="10"/>
+              </p:nvPr>
+            </p:nvSpPr>
+            <p:spPr>
+              <a:xfrm>
+                <a:off x="401637" y="4572000"/>
+                <a:ext cx="5488799" cy="4749800"/>
+              </a:xfrm>
+              <a:blipFill>
+                <a:blip r:embed="rId2"/>
+                <a:stretch>
+                  <a:fillRect l="-3002"/>
+                </a:stretch>
+              </a:blipFill>
+            </p:spPr>
+            <p:txBody>
+              <a:bodyPr/>
+              <a:lstStyle/>
+              <a:p>
+                <a:r>
+                  <a:rPr lang="en-US">
+                    <a:noFill/>
+                  </a:rPr>
+                  <a:t> </a:t>
+                </a:r>
+              </a:p>
+            </p:txBody>
+          </p:sp>
+        </mc:Fallback>
+      </mc:AlternateContent>
+      <p:sp>
+        <p:nvSpPr>
+          <p:cNvPr id="7" name="Text Placeholder 6">
+            <a:extLst>
+              <a:ext uri="{FF2B5EF4-FFF2-40B4-BE49-F238E27FC236}">
+                <a16:creationId xmlns:a16="http://schemas.microsoft.com/office/drawing/2014/main" id="{32D61EFF-98C0-392D-D5F6-1092F0176505}"/>
+              </a:ext>
+            </a:extLst>
+          </p:cNvPr>
+          <p:cNvSpPr>
+            <a:spLocks noGrp="1"/>
+          </p:cNvSpPr>
+          <p:nvPr>
+            <p:ph type="body" sz="quarter" idx="1"/>
+          </p:nvPr>
+        </p:nvSpPr>
+        <p:spPr/>
+        <p:txBody>
+          <a:bodyPr/>
+          <a:lstStyle/>
+          <a:p>
+            <a:endParaRPr lang="en-US"/>
+          </a:p>
+        </p:txBody>
+      </p:sp>
+      <p:pic>
+        <p:nvPicPr>
+          <p:cNvPr id="9" name="pasted-image.png">
+            <a:extLst>
+              <a:ext uri="{FF2B5EF4-FFF2-40B4-BE49-F238E27FC236}">
+                <a16:creationId xmlns:a16="http://schemas.microsoft.com/office/drawing/2014/main" id="{16FBBFA3-3415-3120-C826-57744C83A910}"/>
+              </a:ext>
+            </a:extLst>
+          </p:cNvPr>
+          <p:cNvPicPr>
+            <a:picLocks noChangeAspect="1"/>
+          </p:cNvPicPr>
+          <p:nvPr/>
+        </p:nvPicPr>
+        <p:blipFill rotWithShape="1">
+          <a:blip r:embed="rId3"/>
+          <a:srcRect r="29692"/>
+          <a:stretch/>
+        </p:blipFill>
+        <p:spPr>
+          <a:xfrm>
+            <a:off x="6091776" y="3407080"/>
+            <a:ext cx="6322099" cy="4220980"/>
+          </a:xfrm>
+          <a:prstGeom prst="rect">
+            <a:avLst/>
+          </a:prstGeom>
+          <a:ln w="12700">
+            <a:miter lim="400000"/>
+          </a:ln>
+        </p:spPr>
+      </p:pic>
+      <mc:AlternateContent xmlns:mc="http://schemas.openxmlformats.org/markup-compatibility/2006">
+        <mc:Choice xmlns:a14="http://schemas.microsoft.com/office/drawing/2010/main" Requires="a14">
+          <p:sp>
+            <p:nvSpPr>
+              <p:cNvPr id="10" name="TextBox 9">
+                <a:extLst>
+                  <a:ext uri="{FF2B5EF4-FFF2-40B4-BE49-F238E27FC236}">
+                    <a16:creationId xmlns:a16="http://schemas.microsoft.com/office/drawing/2014/main" id="{59A3E9ED-C852-FF51-5E79-69126D1B97BB}"/>
+                  </a:ext>
+                </a:extLst>
+              </p:cNvPr>
+              <p:cNvSpPr txBox="1"/>
+              <p:nvPr/>
+            </p:nvSpPr>
+            <p:spPr>
+              <a:xfrm>
+                <a:off x="7252569" y="7422433"/>
+                <a:ext cx="6303504" cy="872034"/>
+              </a:xfrm>
+              <a:prstGeom prst="rect">
+                <a:avLst/>
+              </a:prstGeom>
+              <a:noFill/>
+              <a:ln w="12700" cap="flat">
+                <a:noFill/>
+                <a:miter lim="400000"/>
+              </a:ln>
+              <a:effectLst/>
+              <a:sp3d/>
+            </p:spPr>
+            <p:style>
+              <a:lnRef idx="0">
+                <a:scrgbClr r="0" g="0" b="0"/>
+              </a:lnRef>
+              <a:fillRef idx="0">
+                <a:scrgbClr r="0" g="0" b="0"/>
+              </a:fillRef>
+              <a:effectRef idx="0">
+                <a:scrgbClr r="0" g="0" b="0"/>
+              </a:effectRef>
+              <a:fontRef idx="none"/>
+            </p:style>
+            <p:txBody>
+              <a:bodyPr rot="0" spcFirstLastPara="1" vertOverflow="overflow" horzOverflow="overflow" vert="horz" wrap="square" lIns="50800" tIns="50800" rIns="50800" bIns="50800" numCol="1" spcCol="38100" rtlCol="0" anchor="ctr">
+                <a:spAutoFit/>
+              </a:bodyPr>
+              <a:lstStyle/>
+              <a:p>
+                <a:pPr marL="0" marR="0" indent="0" algn="l" defTabSz="584200" rtl="0" fontAlgn="auto" latinLnBrk="0" hangingPunct="0">
+                  <a:lnSpc>
+                    <a:spcPct val="100000"/>
+                  </a:lnSpc>
+                  <a:spcBef>
+                    <a:spcPts val="2400"/>
+                  </a:spcBef>
+                  <a:spcAft>
+                    <a:spcPts val="0"/>
+                  </a:spcAft>
+                  <a:buClrTx/>
+                  <a:buSzTx/>
+                  <a:buFontTx/>
+                  <a:buNone/>
+                  <a:tabLst/>
+                </a:pPr>
+                <a14:m>
+                  <m:oMath xmlns:m="http://schemas.openxmlformats.org/officeDocument/2006/math">
+                    <m:r>
+                      <a:rPr kumimoji="0" lang="en-US" sz="3000" b="0" i="1" u="none" strike="noStrike" cap="none" spc="0" normalizeH="0" baseline="0" smtClean="0">
+                        <a:ln>
+                          <a:noFill/>
+                        </a:ln>
+                        <a:solidFill>
+                          <a:schemeClr val="tx2">
+                            <a:lumMod val="20000"/>
+                            <a:lumOff val="80000"/>
+                          </a:schemeClr>
+                        </a:solidFill>
+                        <a:effectLst/>
+                        <a:uFillTx/>
+                        <a:latin typeface="+mj-lt"/>
+                        <a:sym typeface="DIN Condensed"/>
+                      </a:rPr>
+                      <m:t>𝐿</m:t>
+                    </m:r>
+                    <m:r>
+                      <a:rPr kumimoji="0" lang="en-US" sz="3000" b="0" i="1" u="none" strike="noStrike" cap="none" spc="0" normalizeH="0" baseline="0" smtClean="0">
+                        <a:ln>
+                          <a:noFill/>
+                        </a:ln>
+                        <a:solidFill>
+                          <a:schemeClr val="tx2">
+                            <a:lumMod val="20000"/>
+                            <a:lumOff val="80000"/>
+                          </a:schemeClr>
+                        </a:solidFill>
+                        <a:effectLst/>
+                        <a:uFillTx/>
+                        <a:latin typeface="+mj-lt"/>
+                        <a:sym typeface="DIN Condensed"/>
+                      </a:rPr>
+                      <m:t>=1</m:t>
+                    </m:r>
+                  </m:oMath>
+                </a14:m>
+                <a:r>
+                  <a:rPr kumimoji="0" lang="en-US" sz="3000" b="0" i="0" u="none" strike="noStrike" cap="none" spc="0" normalizeH="0" baseline="0" dirty="0">
+                    <a:ln>
+                      <a:noFill/>
+                    </a:ln>
+                    <a:solidFill>
+                      <a:schemeClr val="tx2">
+                        <a:lumMod val="20000"/>
+                        <a:lumOff val="80000"/>
+                      </a:schemeClr>
+                    </a:solidFill>
+                    <a:effectLst/>
+                    <a:uFillTx/>
+                    <a:latin typeface="+mj-lt"/>
+                    <a:sym typeface="DIN Condensed"/>
+                  </a:rPr>
+                  <a:t>, </a:t>
+                </a:r>
+                <a14:m>
+                  <m:oMath xmlns:m="http://schemas.openxmlformats.org/officeDocument/2006/math">
+                    <m:r>
+                      <a:rPr kumimoji="0" lang="en-US" sz="3000" b="0" i="1" u="none" strike="noStrike" cap="none" spc="0" normalizeH="0" baseline="0" smtClean="0">
+                        <a:ln>
+                          <a:noFill/>
+                        </a:ln>
+                        <a:solidFill>
+                          <a:schemeClr val="tx2">
+                            <a:lumMod val="20000"/>
+                            <a:lumOff val="80000"/>
+                          </a:schemeClr>
+                        </a:solidFill>
+                        <a:effectLst/>
+                        <a:uFillTx/>
+                        <a:latin typeface="+mj-lt"/>
+                        <a:sym typeface="DIN Condensed"/>
+                      </a:rPr>
+                      <m:t>𝑘</m:t>
+                    </m:r>
+                    <m:r>
+                      <a:rPr kumimoji="0" lang="en-US" sz="3000" b="0" i="1" u="none" strike="noStrike" cap="none" spc="0" normalizeH="0" baseline="0" smtClean="0">
+                        <a:ln>
+                          <a:noFill/>
+                        </a:ln>
+                        <a:solidFill>
+                          <a:schemeClr val="tx2">
+                            <a:lumMod val="20000"/>
+                            <a:lumOff val="80000"/>
+                          </a:schemeClr>
+                        </a:solidFill>
+                        <a:effectLst/>
+                        <a:uFillTx/>
+                        <a:latin typeface="+mj-lt"/>
+                        <a:sym typeface="DIN Condensed"/>
+                      </a:rPr>
+                      <m:t>=1</m:t>
+                    </m:r>
+                  </m:oMath>
+                </a14:m>
+                <a:r>
+                  <a:rPr kumimoji="0" lang="en-US" sz="3000" b="0" i="0" u="none" strike="noStrike" cap="none" spc="0" normalizeH="0" baseline="0" dirty="0">
+                    <a:ln>
+                      <a:noFill/>
+                    </a:ln>
+                    <a:solidFill>
+                      <a:schemeClr val="tx2">
+                        <a:lumMod val="20000"/>
+                        <a:lumOff val="80000"/>
+                      </a:schemeClr>
+                    </a:solidFill>
+                    <a:effectLst/>
+                    <a:uFillTx/>
+                    <a:latin typeface="+mj-lt"/>
+                    <a:sym typeface="DIN Condensed"/>
+                  </a:rPr>
+                  <a:t>, and </a:t>
+                </a:r>
+                <a14:m>
+                  <m:oMath xmlns:m="http://schemas.openxmlformats.org/officeDocument/2006/math">
+                    <m:sSub>
+                      <m:sSubPr>
+                        <m:ctrlPr>
+                          <a:rPr kumimoji="0" lang="en-US" sz="3000" b="0" i="1" u="none" strike="noStrike" cap="none" spc="0" normalizeH="0" baseline="0" smtClean="0">
+                            <a:ln>
+                              <a:noFill/>
+                            </a:ln>
+                            <a:solidFill>
+                              <a:schemeClr val="tx2">
+                                <a:lumMod val="20000"/>
+                                <a:lumOff val="80000"/>
+                              </a:schemeClr>
+                            </a:solidFill>
+                            <a:effectLst/>
+                            <a:uFillTx/>
+                            <a:latin typeface="+mj-lt"/>
+                            <a:sym typeface="DIN Condensed"/>
+                          </a:rPr>
+                        </m:ctrlPr>
+                      </m:sSubPr>
+                      <m:e>
+                        <m:r>
+                          <a:rPr kumimoji="0" lang="en-US" sz="3000" b="0" i="1" u="none" strike="noStrike" cap="none" spc="0" normalizeH="0" baseline="0" smtClean="0">
+                            <a:ln>
+                              <a:noFill/>
+                            </a:ln>
+                            <a:solidFill>
+                              <a:schemeClr val="tx2">
+                                <a:lumMod val="20000"/>
+                                <a:lumOff val="80000"/>
+                              </a:schemeClr>
+                            </a:solidFill>
+                            <a:effectLst/>
+                            <a:uFillTx/>
+                            <a:latin typeface="+mj-lt"/>
+                            <a:sym typeface="DIN Condensed"/>
+                          </a:rPr>
+                          <m:t>𝑥</m:t>
+                        </m:r>
+                      </m:e>
+                      <m:sub>
+                        <m:r>
+                          <a:rPr kumimoji="0" lang="en-US" sz="3000" b="0" i="1" u="none" strike="noStrike" cap="none" spc="0" normalizeH="0" baseline="0" smtClean="0">
+                            <a:ln>
+                              <a:noFill/>
+                            </a:ln>
+                            <a:solidFill>
+                              <a:schemeClr val="tx2">
+                                <a:lumMod val="20000"/>
+                                <a:lumOff val="80000"/>
+                              </a:schemeClr>
+                            </a:solidFill>
+                            <a:effectLst/>
+                            <a:uFillTx/>
+                            <a:latin typeface="+mj-lt"/>
+                            <a:sym typeface="DIN Condensed"/>
+                          </a:rPr>
+                          <m:t>0</m:t>
+                        </m:r>
+                      </m:sub>
+                    </m:sSub>
+                    <m:r>
+                      <a:rPr kumimoji="0" lang="en-US" sz="3000" b="0" i="1" u="none" strike="noStrike" cap="none" spc="0" normalizeH="0" baseline="0" smtClean="0">
+                        <a:ln>
+                          <a:noFill/>
+                        </a:ln>
+                        <a:solidFill>
+                          <a:schemeClr val="tx2">
+                            <a:lumMod val="20000"/>
+                            <a:lumOff val="80000"/>
+                          </a:schemeClr>
+                        </a:solidFill>
+                        <a:effectLst/>
+                        <a:uFillTx/>
+                        <a:latin typeface="+mj-lt"/>
+                        <a:sym typeface="DIN Condensed"/>
+                      </a:rPr>
+                      <m:t>=0</m:t>
+                    </m:r>
+                  </m:oMath>
+                </a14:m>
+                <a:endParaRPr kumimoji="0" lang="en-US" sz="3000" b="0" i="0" u="none" strike="noStrike" cap="none" spc="0" normalizeH="0" baseline="0" dirty="0">
+                  <a:ln>
+                    <a:noFill/>
+                  </a:ln>
+                  <a:solidFill>
+                    <a:schemeClr val="tx2">
+                      <a:lumMod val="20000"/>
+                      <a:lumOff val="80000"/>
+                    </a:schemeClr>
+                  </a:solidFill>
+                  <a:effectLst/>
+                  <a:uFillTx/>
+                  <a:latin typeface="+mj-lt"/>
+                  <a:sym typeface="DIN Condensed"/>
+                </a:endParaRPr>
+              </a:p>
+            </p:txBody>
+          </p:sp>
+        </mc:Choice>
+        <mc:Fallback>
+          <p:sp>
+            <p:nvSpPr>
+              <p:cNvPr id="10" name="TextBox 9">
+                <a:extLst>
+                  <a:ext uri="{FF2B5EF4-FFF2-40B4-BE49-F238E27FC236}">
+                    <a16:creationId xmlns:a16="http://schemas.microsoft.com/office/drawing/2014/main" id="{59A3E9ED-C852-FF51-5E79-69126D1B97BB}"/>
+                  </a:ext>
+                </a:extLst>
+              </p:cNvPr>
+              <p:cNvSpPr txBox="1">
+                <a:spLocks noRot="1" noChangeAspect="1" noMove="1" noResize="1" noEditPoints="1" noAdjustHandles="1" noChangeArrowheads="1" noChangeShapeType="1" noTextEdit="1"/>
+              </p:cNvSpPr>
+              <p:nvPr/>
+            </p:nvSpPr>
+            <p:spPr>
+              <a:xfrm>
+                <a:off x="7252569" y="7422433"/>
+                <a:ext cx="6303504" cy="872034"/>
+              </a:xfrm>
+              <a:prstGeom prst="rect">
+                <a:avLst/>
+              </a:prstGeom>
+              <a:blipFill>
+                <a:blip r:embed="rId4"/>
+                <a:stretch>
+                  <a:fillRect l="-1408" b="-20000"/>
+                </a:stretch>
+              </a:blipFill>
+              <a:ln w="12700" cap="flat">
+                <a:noFill/>
+                <a:miter lim="400000"/>
+              </a:ln>
+              <a:effectLst/>
+            </p:spPr>
+            <p:txBody>
+              <a:bodyPr/>
+              <a:lstStyle/>
+              <a:p>
+                <a:r>
+                  <a:rPr lang="en-US">
+                    <a:noFill/>
+                  </a:rPr>
+                  <a:t> </a:t>
+                </a:r>
+              </a:p>
+            </p:txBody>
+          </p:sp>
+        </mc:Fallback>
+      </mc:AlternateContent>
+    </p:spTree>
+    <p:extLst>
+      <p:ext uri="{BB962C8B-B14F-4D97-AF65-F5344CB8AC3E}">
+        <p14:creationId xmlns:p14="http://schemas.microsoft.com/office/powerpoint/2010/main" val="298120267"/>
+      </p:ext>
+    </p:extLst>
+  </p:cSld>
+  <p:clrMapOvr>
+    <a:masterClrMapping/>
+  </p:clrMapOvr>
+  <p:transition spd="med"/>
+</p:sld>
+</file>
+
+<file path=ppt/slides/slide30.xml><?xml version="1.0" encoding="utf-8"?>
 <p:sld xmlns:a="http://schemas.openxmlformats.org/drawingml/2006/main" xmlns:r="http://schemas.openxmlformats.org/officeDocument/2006/relationships" xmlns:p="http://schemas.openxmlformats.org/presentationml/2006/main">
   <p:cSld>
     <p:spTree>
@@ -18641,7 +21564,7 @@
 </p:sld>
 </file>
 
-<file path=ppt/slides/slide35.xml><?xml version="1.0" encoding="utf-8"?>
+<file path=ppt/slides/slide31.xml><?xml version="1.0" encoding="utf-8"?>
 <p:sld xmlns:a="http://schemas.openxmlformats.org/drawingml/2006/main" xmlns:r="http://schemas.openxmlformats.org/officeDocument/2006/relationships" xmlns:p="http://schemas.openxmlformats.org/presentationml/2006/main">
   <p:cSld>
     <p:spTree>
@@ -18717,7 +21640,7 @@
 </p:sld>
 </file>
 
-<file path=ppt/slides/slide36.xml><?xml version="1.0" encoding="utf-8"?>
+<file path=ppt/slides/slide32.xml><?xml version="1.0" encoding="utf-8"?>
 <p:sld xmlns:a="http://schemas.openxmlformats.org/drawingml/2006/main" xmlns:r="http://schemas.openxmlformats.org/officeDocument/2006/relationships" xmlns:p="http://schemas.openxmlformats.org/presentationml/2006/main">
   <p:cSld>
     <p:spTree>
@@ -18849,7 +21772,7 @@
 </p:sld>
 </file>
 
-<file path=ppt/slides/slide37.xml><?xml version="1.0" encoding="utf-8"?>
+<file path=ppt/slides/slide33.xml><?xml version="1.0" encoding="utf-8"?>
 <p:sld xmlns:a="http://schemas.openxmlformats.org/drawingml/2006/main" xmlns:r="http://schemas.openxmlformats.org/officeDocument/2006/relationships" xmlns:p="http://schemas.openxmlformats.org/presentationml/2006/main">
   <p:cSld>
     <p:spTree>
@@ -18959,7 +21882,7 @@
 </p:sld>
 </file>
 
-<file path=ppt/slides/slide38.xml><?xml version="1.0" encoding="utf-8"?>
+<file path=ppt/slides/slide34.xml><?xml version="1.0" encoding="utf-8"?>
 <p:sld xmlns:a="http://schemas.openxmlformats.org/drawingml/2006/main" xmlns:r="http://schemas.openxmlformats.org/officeDocument/2006/relationships" xmlns:p="http://schemas.openxmlformats.org/presentationml/2006/main">
   <p:cSld>
     <p:spTree>
@@ -19012,7 +21935,7 @@
 </p:sld>
 </file>
 
-<file path=ppt/slides/slide39.xml><?xml version="1.0" encoding="utf-8"?>
+<file path=ppt/slides/slide35.xml><?xml version="1.0" encoding="utf-8"?>
 <p:sld xmlns:a="http://schemas.openxmlformats.org/drawingml/2006/main" xmlns:r="http://schemas.openxmlformats.org/officeDocument/2006/relationships" xmlns:p="http://schemas.openxmlformats.org/presentationml/2006/main">
   <p:cSld>
     <p:spTree>
@@ -19159,141 +22082,7 @@
 </p:sld>
 </file>
 
-<file path=ppt/slides/slide4.xml><?xml version="1.0" encoding="utf-8"?>
-<p:sld xmlns:a="http://schemas.openxmlformats.org/drawingml/2006/main" xmlns:r="http://schemas.openxmlformats.org/officeDocument/2006/relationships" xmlns:p="http://schemas.openxmlformats.org/presentationml/2006/main">
-  <p:cSld>
-    <p:spTree>
-      <p:nvGrpSpPr>
-        <p:cNvPr id="1" name=""/>
-        <p:cNvGrpSpPr/>
-        <p:nvPr/>
-      </p:nvGrpSpPr>
-      <p:grpSpPr>
-        <a:xfrm>
-          <a:off x="0" y="0"/>
-          <a:ext cx="0" cy="0"/>
-          <a:chOff x="0" y="0"/>
-          <a:chExt cx="0" cy="0"/>
-        </a:xfrm>
-      </p:grpSpPr>
-      <p:sp>
-        <p:nvSpPr>
-          <p:cNvPr id="199" name="Shape 199"/>
-          <p:cNvSpPr>
-            <a:spLocks noGrp="1"/>
-          </p:cNvSpPr>
-          <p:nvPr>
-            <p:ph type="title"/>
-          </p:nvPr>
-        </p:nvSpPr>
-        <p:spPr>
-          <a:xfrm>
-            <a:off x="406400" y="1536700"/>
-            <a:ext cx="12192000" cy="1169261"/>
-          </a:xfrm>
-          <a:prstGeom prst="rect">
-            <a:avLst/>
-          </a:prstGeom>
-        </p:spPr>
-        <p:txBody>
-          <a:bodyPr>
-            <a:normAutofit/>
-          </a:bodyPr>
-          <a:lstStyle>
-            <a:lvl1pPr defTabSz="403097">
-              <a:spcBef>
-                <a:spcPts val="1900"/>
-              </a:spcBef>
-              <a:defRPr sz="8200"/>
-            </a:lvl1pPr>
-          </a:lstStyle>
-          <a:p>
-            <a:r>
-              <a:t>Problems with Probability</a:t>
-            </a:r>
-          </a:p>
-        </p:txBody>
-      </p:sp>
-      <p:sp>
-        <p:nvSpPr>
-          <p:cNvPr id="200" name="Shape 200"/>
-          <p:cNvSpPr>
-            <a:spLocks noGrp="1"/>
-          </p:cNvSpPr>
-          <p:nvPr>
-            <p:ph type="body" sz="half" idx="1"/>
-          </p:nvPr>
-        </p:nvSpPr>
-        <p:spPr>
-          <a:xfrm>
-            <a:off x="406400" y="4538100"/>
-            <a:ext cx="12192000" cy="2531601"/>
-          </a:xfrm>
-          <a:prstGeom prst="rect">
-            <a:avLst/>
-          </a:prstGeom>
-        </p:spPr>
-        <p:txBody>
-          <a:bodyPr anchor="t"/>
-          <a:lstStyle/>
-          <a:p>
-            <a:pPr marL="550656" indent="-550656" defTabSz="455674">
-              <a:lnSpc>
-                <a:spcPct val="100000"/>
-              </a:lnSpc>
-              <a:spcBef>
-                <a:spcPts val="2100"/>
-              </a:spcBef>
-              <a:buSzPct val="40000"/>
-              <a:buBlip>
-                <a:blip r:embed="rId2"/>
-              </a:buBlip>
-              <a:defRPr sz="4900" cap="none" spc="0">
-                <a:latin typeface="Avenir Next Medium"/>
-                <a:ea typeface="Avenir Next Medium"/>
-                <a:cs typeface="Avenir Next Medium"/>
-                <a:sym typeface="Avenir Next Medium"/>
-              </a:defRPr>
-            </a:pPr>
-            <a:r>
-              <a:t>Positive values only</a:t>
-            </a:r>
-          </a:p>
-          <a:p>
-            <a:pPr marL="550656" indent="-550656" defTabSz="455674">
-              <a:lnSpc>
-                <a:spcPct val="100000"/>
-              </a:lnSpc>
-              <a:spcBef>
-                <a:spcPts val="2100"/>
-              </a:spcBef>
-              <a:buSzPct val="40000"/>
-              <a:buBlip>
-                <a:blip r:embed="rId2"/>
-              </a:buBlip>
-              <a:defRPr sz="4900" cap="none" spc="0">
-                <a:latin typeface="Avenir Next Medium"/>
-                <a:ea typeface="Avenir Next Medium"/>
-                <a:cs typeface="Avenir Next Medium"/>
-                <a:sym typeface="Avenir Next Medium"/>
-              </a:defRPr>
-            </a:pPr>
-            <a:r>
-              <a:t>Must fit between 0 and 1</a:t>
-            </a:r>
-          </a:p>
-        </p:txBody>
-      </p:sp>
-    </p:spTree>
-  </p:cSld>
-  <p:clrMapOvr>
-    <a:masterClrMapping/>
-  </p:clrMapOvr>
-  <p:transition spd="med"/>
-</p:sld>
-</file>
-
-<file path=ppt/slides/slide40.xml><?xml version="1.0" encoding="utf-8"?>
+<file path=ppt/slides/slide36.xml><?xml version="1.0" encoding="utf-8"?>
 <p:sld xmlns:a="http://schemas.openxmlformats.org/drawingml/2006/main" xmlns:r="http://schemas.openxmlformats.org/officeDocument/2006/relationships" xmlns:p="http://schemas.openxmlformats.org/presentationml/2006/main">
   <p:cSld>
     <p:spTree>
@@ -19347,7 +22136,7 @@
 </p:sld>
 </file>
 
-<file path=ppt/slides/slide41.xml><?xml version="1.0" encoding="utf-8"?>
+<file path=ppt/slides/slide37.xml><?xml version="1.0" encoding="utf-8"?>
 <p:sld xmlns:a="http://schemas.openxmlformats.org/drawingml/2006/main" xmlns:r="http://schemas.openxmlformats.org/officeDocument/2006/relationships" xmlns:p="http://schemas.openxmlformats.org/presentationml/2006/main">
   <p:cSld>
     <p:spTree>
@@ -19479,7 +22268,7 @@
 </p:sld>
 </file>
 
-<file path=ppt/slides/slide42.xml><?xml version="1.0" encoding="utf-8"?>
+<file path=ppt/slides/slide38.xml><?xml version="1.0" encoding="utf-8"?>
 <p:sld xmlns:a="http://schemas.openxmlformats.org/drawingml/2006/main" xmlns:r="http://schemas.openxmlformats.org/officeDocument/2006/relationships" xmlns:p="http://schemas.openxmlformats.org/presentationml/2006/main">
   <p:cSld>
     <p:spTree>
@@ -19533,7 +22322,7 @@
 </p:sld>
 </file>
 
-<file path=ppt/slides/slide43.xml><?xml version="1.0" encoding="utf-8"?>
+<file path=ppt/slides/slide39.xml><?xml version="1.0" encoding="utf-8"?>
 <p:sld xmlns:a="http://schemas.openxmlformats.org/drawingml/2006/main" xmlns:r="http://schemas.openxmlformats.org/officeDocument/2006/relationships" xmlns:p="http://schemas.openxmlformats.org/presentationml/2006/main">
   <p:cSld>
     <p:spTree>
@@ -19665,7 +22454,196 @@
 </p:sld>
 </file>
 
-<file path=ppt/slides/slide44.xml><?xml version="1.0" encoding="utf-8"?>
+<file path=ppt/slides/slide4.xml><?xml version="1.0" encoding="utf-8"?>
+<p:sld xmlns:a="http://schemas.openxmlformats.org/drawingml/2006/main" xmlns:r="http://schemas.openxmlformats.org/officeDocument/2006/relationships" xmlns:p="http://schemas.openxmlformats.org/presentationml/2006/main">
+  <p:cSld>
+    <p:spTree>
+      <p:nvGrpSpPr>
+        <p:cNvPr id="1" name=""/>
+        <p:cNvGrpSpPr/>
+        <p:nvPr/>
+      </p:nvGrpSpPr>
+      <p:grpSpPr>
+        <a:xfrm>
+          <a:off x="0" y="0"/>
+          <a:ext cx="0" cy="0"/>
+          <a:chOff x="0" y="0"/>
+          <a:chExt cx="0" cy="0"/>
+        </a:xfrm>
+      </p:grpSpPr>
+      <p:sp>
+        <p:nvSpPr>
+          <p:cNvPr id="196" name="Shape 196"/>
+          <p:cNvSpPr>
+            <a:spLocks noGrp="1"/>
+          </p:cNvSpPr>
+          <p:nvPr>
+            <p:ph type="title"/>
+          </p:nvPr>
+        </p:nvSpPr>
+        <p:spPr>
+          <a:xfrm>
+            <a:off x="406400" y="1536700"/>
+            <a:ext cx="12192000" cy="1169261"/>
+          </a:xfrm>
+          <a:prstGeom prst="rect">
+            <a:avLst/>
+          </a:prstGeom>
+        </p:spPr>
+        <p:txBody>
+          <a:bodyPr/>
+          <a:lstStyle>
+            <a:lvl1pPr defTabSz="403097">
+              <a:spcBef>
+                <a:spcPts val="1900"/>
+              </a:spcBef>
+              <a:defRPr sz="8200"/>
+            </a:lvl1pPr>
+          </a:lstStyle>
+          <a:p>
+            <a:r>
+              <a:t>Logistic Regression</a:t>
+            </a:r>
+          </a:p>
+        </p:txBody>
+      </p:sp>
+      <p:sp>
+        <p:nvSpPr>
+          <p:cNvPr id="197" name="Shape 197"/>
+          <p:cNvSpPr>
+            <a:spLocks noGrp="1"/>
+          </p:cNvSpPr>
+          <p:nvPr>
+            <p:ph type="body" sz="half" idx="1"/>
+          </p:nvPr>
+        </p:nvSpPr>
+        <p:spPr>
+          <a:xfrm>
+            <a:off x="406400" y="4186733"/>
+            <a:ext cx="12192000" cy="4152372"/>
+          </a:xfrm>
+          <a:prstGeom prst="rect">
+            <a:avLst/>
+          </a:prstGeom>
+        </p:spPr>
+        <p:txBody>
+          <a:bodyPr anchor="t"/>
+          <a:lstStyle/>
+          <a:p>
+            <a:pPr marL="550656" indent="-550656" defTabSz="455674">
+              <a:lnSpc>
+                <a:spcPct val="100000"/>
+              </a:lnSpc>
+              <a:spcBef>
+                <a:spcPts val="2100"/>
+              </a:spcBef>
+              <a:buSzPct val="40000"/>
+              <a:buBlip>
+                <a:blip r:embed="rId2"/>
+              </a:buBlip>
+              <a:defRPr sz="4900" cap="none" spc="0">
+                <a:latin typeface="Avenir Next Medium"/>
+                <a:ea typeface="Avenir Next Medium"/>
+                <a:cs typeface="Avenir Next Medium"/>
+                <a:sym typeface="Avenir Next Medium"/>
+              </a:defRPr>
+            </a:pPr>
+            <a:r>
+              <a:rPr lang="en-US" sz="4900" cap="none" spc="0" dirty="0">
+                <a:latin typeface="Avenir Next Medium"/>
+              </a:rPr>
+              <a:t>Try different parameters for a line</a:t>
+            </a:r>
+          </a:p>
+          <a:p>
+            <a:pPr marL="550656" indent="-550656" defTabSz="455674">
+              <a:lnSpc>
+                <a:spcPct val="100000"/>
+              </a:lnSpc>
+              <a:spcBef>
+                <a:spcPts val="2100"/>
+              </a:spcBef>
+              <a:buSzPct val="40000"/>
+              <a:buBlip>
+                <a:blip r:embed="rId2"/>
+              </a:buBlip>
+              <a:defRPr sz="4900" cap="none" spc="0">
+                <a:latin typeface="Avenir Next Medium"/>
+                <a:ea typeface="Avenir Next Medium"/>
+                <a:cs typeface="Avenir Next Medium"/>
+                <a:sym typeface="Avenir Next Medium"/>
+              </a:defRPr>
+            </a:pPr>
+            <a:r>
+              <a:rPr dirty="0">
+                <a:solidFill>
+                  <a:schemeClr val="accent3"/>
+                </a:solidFill>
+              </a:rPr>
+              <a:t>Modify output</a:t>
+            </a:r>
+            <a:r>
+              <a:rPr dirty="0"/>
+              <a:t> of </a:t>
+            </a:r>
+            <a:r>
+              <a:rPr lang="en-US" dirty="0"/>
+              <a:t>that </a:t>
+            </a:r>
+            <a:r>
+              <a:rPr dirty="0"/>
+              <a:t>linear model to be a </a:t>
+            </a:r>
+            <a:r>
+              <a:rPr lang="en-US" dirty="0">
+                <a:solidFill>
+                  <a:schemeClr val="accent3"/>
+                </a:solidFill>
+              </a:rPr>
+              <a:t>logistic curve</a:t>
+            </a:r>
+            <a:endParaRPr dirty="0">
+              <a:solidFill>
+                <a:schemeClr val="accent3"/>
+              </a:solidFill>
+            </a:endParaRPr>
+          </a:p>
+          <a:p>
+            <a:pPr marL="550656" indent="-550656" defTabSz="455674">
+              <a:lnSpc>
+                <a:spcPct val="100000"/>
+              </a:lnSpc>
+              <a:spcBef>
+                <a:spcPts val="2100"/>
+              </a:spcBef>
+              <a:buSzPct val="40000"/>
+              <a:buBlip>
+                <a:blip r:embed="rId2"/>
+              </a:buBlip>
+              <a:defRPr sz="4900" cap="none" spc="0">
+                <a:latin typeface="Avenir Next Medium"/>
+                <a:ea typeface="Avenir Next Medium"/>
+                <a:cs typeface="Avenir Next Medium"/>
+                <a:sym typeface="Avenir Next Medium"/>
+              </a:defRPr>
+            </a:pPr>
+            <a:r>
+              <a:rPr dirty="0"/>
+              <a:t>Used for classification, despite name</a:t>
+            </a:r>
+          </a:p>
+        </p:txBody>
+      </p:sp>
+    </p:spTree>
+  </p:cSld>
+  <p:clrMapOvr>
+    <a:masterClrMapping/>
+  </p:clrMapOvr>
+  <p:transition spd="med"/>
+</p:sld>
+</file>
+
+<file path=ppt/slides/slide40.xml><?xml version="1.0" encoding="utf-8"?>
 <p:sld xmlns:a="http://schemas.openxmlformats.org/drawingml/2006/main" xmlns:r="http://schemas.openxmlformats.org/officeDocument/2006/relationships" xmlns:p="http://schemas.openxmlformats.org/presentationml/2006/main">
   <p:cSld>
     <p:spTree>
@@ -19797,7 +22775,7 @@
 </p:sld>
 </file>
 
-<file path=ppt/slides/slide45.xml><?xml version="1.0" encoding="utf-8"?>
+<file path=ppt/slides/slide41.xml><?xml version="1.0" encoding="utf-8"?>
 <p:sld xmlns:a="http://schemas.openxmlformats.org/drawingml/2006/main" xmlns:r="http://schemas.openxmlformats.org/officeDocument/2006/relationships" xmlns:p="http://schemas.openxmlformats.org/presentationml/2006/main">
   <p:cSld>
     <p:spTree>
@@ -19948,7 +22926,13 @@
       </p:grpSpPr>
       <p:sp>
         <p:nvSpPr>
-          <p:cNvPr id="202" name="Shape 202"/>
+          <p:cNvPr id="5" name="Title 4">
+            <a:extLst>
+              <a:ext uri="{FF2B5EF4-FFF2-40B4-BE49-F238E27FC236}">
+                <a16:creationId xmlns:a16="http://schemas.microsoft.com/office/drawing/2014/main" id="{821C602A-7B9B-54EB-CC5F-CDAA16C0678F}"/>
+              </a:ext>
+            </a:extLst>
+          </p:cNvPr>
           <p:cNvSpPr>
             <a:spLocks noGrp="1"/>
           </p:cNvSpPr>
@@ -19956,105 +22940,90 @@
             <p:ph type="title"/>
           </p:nvPr>
         </p:nvSpPr>
+        <p:spPr/>
+        <p:txBody>
+          <a:bodyPr>
+            <a:normAutofit fontScale="90000"/>
+          </a:bodyPr>
+          <a:lstStyle/>
+          <a:p>
+            <a:pPr marL="2925763" indent="-2914650"/>
+            <a:r>
+              <a:rPr lang="en-US" dirty="0"/>
+              <a:t>First Step:	How to go back and forth between Logistic curve and a line?</a:t>
+            </a:r>
+          </a:p>
+        </p:txBody>
+      </p:sp>
+      <p:sp>
+        <p:nvSpPr>
+          <p:cNvPr id="7" name="Text Placeholder 6">
+            <a:extLst>
+              <a:ext uri="{FF2B5EF4-FFF2-40B4-BE49-F238E27FC236}">
+                <a16:creationId xmlns:a16="http://schemas.microsoft.com/office/drawing/2014/main" id="{90385CFC-2EE3-C107-E059-273EDF9194F0}"/>
+              </a:ext>
+            </a:extLst>
+          </p:cNvPr>
+          <p:cNvSpPr>
+            <a:spLocks noGrp="1"/>
+          </p:cNvSpPr>
+          <p:nvPr>
+            <p:ph type="body" sz="quarter" idx="10"/>
+          </p:nvPr>
+        </p:nvSpPr>
         <p:spPr>
           <a:xfrm>
-            <a:off x="406400" y="1536700"/>
-            <a:ext cx="12192000" cy="1169261"/>
+            <a:off x="401638" y="3783106"/>
+            <a:ext cx="12192000" cy="5538694"/>
           </a:xfrm>
-          <a:prstGeom prst="rect">
-            <a:avLst/>
-          </a:prstGeom>
         </p:spPr>
         <p:txBody>
           <a:bodyPr>
             <a:normAutofit/>
           </a:bodyPr>
-          <a:lstStyle>
-            <a:lvl1pPr defTabSz="391004">
-              <a:spcBef>
-                <a:spcPts val="1800"/>
-              </a:spcBef>
-              <a:defRPr sz="7954"/>
-            </a:lvl1pPr>
-          </a:lstStyle>
-          <a:p>
+          <a:lstStyle/>
+          <a:p>
+            <a:pPr marL="0" indent="0">
+              <a:buNone/>
+            </a:pPr>
             <a:r>
-              <a:t>Solution: Output something easier</a:t>
+              <a:rPr lang="en-US" sz="6000" dirty="0"/>
+              <a:t>Assume the line represents the log odds!</a:t>
             </a:r>
           </a:p>
         </p:txBody>
       </p:sp>
       <p:sp>
         <p:nvSpPr>
-          <p:cNvPr id="203" name="Shape 203"/>
+          <p:cNvPr id="6" name="Text Placeholder 5">
+            <a:extLst>
+              <a:ext uri="{FF2B5EF4-FFF2-40B4-BE49-F238E27FC236}">
+                <a16:creationId xmlns:a16="http://schemas.microsoft.com/office/drawing/2014/main" id="{92905C17-5AFA-D86D-BA9A-ABA1D14A6E03}"/>
+              </a:ext>
+            </a:extLst>
+          </p:cNvPr>
           <p:cNvSpPr>
             <a:spLocks noGrp="1"/>
           </p:cNvSpPr>
           <p:nvPr>
-            <p:ph type="body" sz="half" idx="1"/>
+            <p:ph type="body" sz="quarter" idx="1"/>
           </p:nvPr>
         </p:nvSpPr>
-        <p:spPr>
-          <a:xfrm>
-            <a:off x="406400" y="4538100"/>
-            <a:ext cx="12192000" cy="2531601"/>
-          </a:xfrm>
-          <a:prstGeom prst="rect">
-            <a:avLst/>
-          </a:prstGeom>
-        </p:spPr>
+        <p:spPr/>
         <p:txBody>
-          <a:bodyPr anchor="t"/>
+          <a:bodyPr/>
           <a:lstStyle/>
           <a:p>
-            <a:pPr marL="550656" indent="-550656" defTabSz="455674">
-              <a:lnSpc>
-                <a:spcPct val="100000"/>
-              </a:lnSpc>
-              <a:spcBef>
-                <a:spcPts val="2100"/>
-              </a:spcBef>
-              <a:buSzPct val="40000"/>
-              <a:buBlip>
-                <a:blip r:embed="rId2"/>
-              </a:buBlip>
-              <a:defRPr sz="4900" cap="none" spc="0">
-                <a:latin typeface="Avenir Next Medium"/>
-                <a:ea typeface="Avenir Next Medium"/>
-                <a:cs typeface="Avenir Next Medium"/>
-                <a:sym typeface="Avenir Next Medium"/>
-              </a:defRPr>
-            </a:pPr>
-            <a:r>
-              <a:t>Output something more line-friendly</a:t>
-            </a:r>
-          </a:p>
-          <a:p>
-            <a:pPr marL="550656" indent="-550656" defTabSz="455674">
-              <a:lnSpc>
-                <a:spcPct val="100000"/>
-              </a:lnSpc>
-              <a:spcBef>
-                <a:spcPts val="2100"/>
-              </a:spcBef>
-              <a:buSzPct val="40000"/>
-              <a:buBlip>
-                <a:blip r:embed="rId2"/>
-              </a:buBlip>
-              <a:defRPr sz="4900" cap="none" spc="0">
-                <a:latin typeface="Avenir Next Medium"/>
-                <a:ea typeface="Avenir Next Medium"/>
-                <a:cs typeface="Avenir Next Medium"/>
-                <a:sym typeface="Avenir Next Medium"/>
-              </a:defRPr>
-            </a:pPr>
-            <a:r>
-              <a:t>Translate back to probability later</a:t>
-            </a:r>
+            <a:endParaRPr lang="en-US"/>
           </a:p>
         </p:txBody>
       </p:sp>
     </p:spTree>
+    <p:extLst>
+      <p:ext uri="{BB962C8B-B14F-4D97-AF65-F5344CB8AC3E}">
+        <p14:creationId xmlns:p14="http://schemas.microsoft.com/office/powerpoint/2010/main" val="3653087997"/>
+      </p:ext>
+    </p:extLst>
   </p:cSld>
   <p:clrMapOvr>
     <a:masterClrMapping/>
@@ -20064,82 +23033,6 @@
 </file>
 
 <file path=ppt/slides/slide6.xml><?xml version="1.0" encoding="utf-8"?>
-<p:sld xmlns:a="http://schemas.openxmlformats.org/drawingml/2006/main" xmlns:r="http://schemas.openxmlformats.org/officeDocument/2006/relationships" xmlns:p="http://schemas.openxmlformats.org/presentationml/2006/main" show="0">
-  <p:cSld>
-    <p:spTree>
-      <p:nvGrpSpPr>
-        <p:cNvPr id="1" name=""/>
-        <p:cNvGrpSpPr/>
-        <p:nvPr/>
-      </p:nvGrpSpPr>
-      <p:grpSpPr>
-        <a:xfrm>
-          <a:off x="0" y="0"/>
-          <a:ext cx="0" cy="0"/>
-          <a:chOff x="0" y="0"/>
-          <a:chExt cx="0" cy="0"/>
-        </a:xfrm>
-      </p:grpSpPr>
-      <p:sp>
-        <p:nvSpPr>
-          <p:cNvPr id="205" name="Shape 205"/>
-          <p:cNvSpPr>
-            <a:spLocks noGrp="1"/>
-          </p:cNvSpPr>
-          <p:nvPr>
-            <p:ph type="subTitle" sz="quarter" idx="1"/>
-          </p:nvPr>
-        </p:nvSpPr>
-        <p:spPr>
-          <a:prstGeom prst="rect">
-            <a:avLst/>
-          </a:prstGeom>
-        </p:spPr>
-        <p:txBody>
-          <a:bodyPr/>
-          <a:lstStyle/>
-          <a:p>
-            <a:endParaRPr/>
-          </a:p>
-        </p:txBody>
-      </p:sp>
-      <p:pic>
-        <p:nvPicPr>
-          <p:cNvPr id="206" name="pasted-image.png"/>
-          <p:cNvPicPr>
-            <a:picLocks noChangeAspect="1"/>
-          </p:cNvPicPr>
-          <p:nvPr/>
-        </p:nvPicPr>
-        <p:blipFill>
-          <a:blip r:embed="rId2"/>
-          <a:stretch>
-            <a:fillRect/>
-          </a:stretch>
-        </p:blipFill>
-        <p:spPr>
-          <a:xfrm>
-            <a:off x="309033" y="884766"/>
-            <a:ext cx="12386734" cy="7452600"/>
-          </a:xfrm>
-          <a:prstGeom prst="rect">
-            <a:avLst/>
-          </a:prstGeom>
-          <a:ln w="12700">
-            <a:miter lim="400000"/>
-          </a:ln>
-        </p:spPr>
-      </p:pic>
-    </p:spTree>
-  </p:cSld>
-  <p:clrMapOvr>
-    <a:masterClrMapping/>
-  </p:clrMapOvr>
-  <p:transition spd="med"/>
-</p:sld>
-</file>
-
-<file path=ppt/slides/slide7.xml><?xml version="1.0" encoding="utf-8"?>
 <p:sld xmlns:a="http://schemas.openxmlformats.org/drawingml/2006/main" xmlns:r="http://schemas.openxmlformats.org/officeDocument/2006/relationships" xmlns:p="http://schemas.openxmlformats.org/presentationml/2006/main">
   <p:cSld>
     <p:spTree>
@@ -20198,154 +23091,1151 @@
           </a:lstStyle>
           <a:p>
             <a:r>
-              <a:t>Fix #1: Odds</a:t>
+              <a:rPr dirty="0"/>
+              <a:t>Odds</a:t>
+            </a:r>
+          </a:p>
+        </p:txBody>
+      </p:sp>
+      <mc:AlternateContent xmlns:mc="http://schemas.openxmlformats.org/markup-compatibility/2006">
+        <mc:Choice xmlns:a14="http://schemas.microsoft.com/office/drawing/2010/main" Requires="a14">
+          <p:sp>
+            <p:nvSpPr>
+              <p:cNvPr id="209" name="Shape 209"/>
+              <p:cNvSpPr>
+                <a:spLocks noGrp="1"/>
+              </p:cNvSpPr>
+              <p:nvPr>
+                <p:ph type="body" idx="4294967295"/>
+              </p:nvPr>
+            </p:nvSpPr>
+            <p:spPr>
+              <a:xfrm>
+                <a:off x="524933" y="2880584"/>
+                <a:ext cx="12192001" cy="6059357"/>
+              </a:xfrm>
+              <a:prstGeom prst="rect">
+                <a:avLst/>
+              </a:prstGeom>
+            </p:spPr>
+            <p:txBody>
+              <a:bodyPr lIns="50800" tIns="50800" rIns="50800" bIns="50800">
+                <a:normAutofit fontScale="92500"/>
+              </a:bodyPr>
+              <a:lstStyle/>
+              <a:p>
+                <a:pPr marL="550656" indent="-550656" defTabSz="455674">
+                  <a:spcBef>
+                    <a:spcPts val="2100"/>
+                  </a:spcBef>
+                  <a:buSzPct val="40000"/>
+                  <a:buFontTx/>
+                  <a:buBlip>
+                    <a:blip r:embed="rId2"/>
+                  </a:buBlip>
+                  <a:defRPr sz="4900">
+                    <a:solidFill>
+                      <a:srgbClr val="838787"/>
+                    </a:solidFill>
+                    <a:latin typeface="Avenir Next Medium"/>
+                    <a:ea typeface="Avenir Next Medium"/>
+                    <a:cs typeface="Avenir Next Medium"/>
+                    <a:sym typeface="Avenir Next Medium"/>
+                  </a:defRPr>
+                </a:pPr>
+                <a:r>
+                  <a:rPr lang="en-US" dirty="0"/>
+                  <a:t>Ratio of two probabilities</a:t>
+                </a:r>
+              </a:p>
+              <a:p>
+                <a:pPr marL="434747" lvl="1" indent="0" defTabSz="455674">
+                  <a:spcBef>
+                    <a:spcPts val="2100"/>
+                  </a:spcBef>
+                  <a:buSzPct val="40000"/>
+                  <a:buNone/>
+                  <a:defRPr sz="4900">
+                    <a:solidFill>
+                      <a:srgbClr val="838787"/>
+                    </a:solidFill>
+                    <a:latin typeface="Avenir Next Medium"/>
+                    <a:ea typeface="Avenir Next Medium"/>
+                    <a:cs typeface="Avenir Next Medium"/>
+                    <a:sym typeface="Avenir Next Medium"/>
+                  </a:defRPr>
+                </a:pPr>
+                <a14:m>
+                  <m:oMathPara xmlns:m="http://schemas.openxmlformats.org/officeDocument/2006/math">
+                    <m:oMathParaPr>
+                      <m:jc m:val="centerGroup"/>
+                    </m:oMathParaPr>
+                    <m:oMath xmlns:m="http://schemas.openxmlformats.org/officeDocument/2006/math">
+                      <m:r>
+                        <m:rPr>
+                          <m:sty m:val="p"/>
+                        </m:rPr>
+                        <a:rPr lang="en-US" b="0" i="0" smtClean="0">
+                          <a:latin typeface="Cambria Math" panose="02040503050406030204" pitchFamily="18" charset="0"/>
+                        </a:rPr>
+                        <m:t>odds</m:t>
+                      </m:r>
+                      <m:r>
+                        <a:rPr lang="en-US" b="0" i="1" smtClean="0">
+                          <a:latin typeface="Cambria Math" panose="02040503050406030204" pitchFamily="18" charset="0"/>
+                        </a:rPr>
+                        <m:t>= </m:t>
+                      </m:r>
+                      <m:f>
+                        <m:fPr>
+                          <m:ctrlPr>
+                            <a:rPr lang="en-US" b="0" i="1" smtClean="0">
+                              <a:latin typeface="Cambria Math" panose="02040503050406030204" pitchFamily="18" charset="0"/>
+                            </a:rPr>
+                          </m:ctrlPr>
+                        </m:fPr>
+                        <m:num>
+                          <m:r>
+                            <m:rPr>
+                              <m:sty m:val="p"/>
+                            </m:rPr>
+                            <a:rPr lang="en-US" b="0" i="0" smtClean="0">
+                              <a:latin typeface="Cambria Math" panose="02040503050406030204" pitchFamily="18" charset="0"/>
+                            </a:rPr>
+                            <m:t>probability</m:t>
+                          </m:r>
+                        </m:num>
+                        <m:den>
+                          <m:r>
+                            <a:rPr lang="en-US" b="0" i="1" smtClean="0">
+                              <a:latin typeface="Cambria Math" panose="02040503050406030204" pitchFamily="18" charset="0"/>
+                            </a:rPr>
+                            <m:t>1−</m:t>
+                          </m:r>
+                          <m:r>
+                            <m:rPr>
+                              <m:sty m:val="p"/>
+                            </m:rPr>
+                            <a:rPr lang="en-US" b="0" i="0" smtClean="0">
+                              <a:latin typeface="Cambria Math" panose="02040503050406030204" pitchFamily="18" charset="0"/>
+                            </a:rPr>
+                            <m:t>probabillity</m:t>
+                          </m:r>
+                        </m:den>
+                      </m:f>
+                    </m:oMath>
+                  </m:oMathPara>
+                </a14:m>
+                <a:endParaRPr lang="en-US" dirty="0"/>
+              </a:p>
+              <a:p>
+                <a:pPr marL="550656" indent="-550656" defTabSz="455674">
+                  <a:spcBef>
+                    <a:spcPts val="2100"/>
+                  </a:spcBef>
+                  <a:buSzPct val="40000"/>
+                  <a:buFontTx/>
+                  <a:buBlip>
+                    <a:blip r:embed="rId2"/>
+                  </a:buBlip>
+                  <a:defRPr sz="4900">
+                    <a:solidFill>
+                      <a:srgbClr val="838787"/>
+                    </a:solidFill>
+                    <a:latin typeface="Avenir Next Medium"/>
+                    <a:ea typeface="Avenir Next Medium"/>
+                    <a:cs typeface="Avenir Next Medium"/>
+                    <a:sym typeface="Avenir Next Medium"/>
+                  </a:defRPr>
+                </a:pPr>
+                <a:r>
+                  <a:rPr lang="en-US" dirty="0"/>
+                  <a:t>e.g. P(Win) = 0.8, P(Lose) =0.2</a:t>
+                </a:r>
+              </a:p>
+              <a:p>
+                <a:pPr marL="550656" indent="-550656" defTabSz="455674">
+                  <a:spcBef>
+                    <a:spcPts val="2100"/>
+                  </a:spcBef>
+                  <a:buSzPct val="40000"/>
+                  <a:buFontTx/>
+                  <a:buBlip>
+                    <a:blip r:embed="rId2"/>
+                  </a:buBlip>
+                  <a:defRPr sz="4900">
+                    <a:solidFill>
+                      <a:srgbClr val="838787"/>
+                    </a:solidFill>
+                    <a:latin typeface="Avenir Next Medium"/>
+                    <a:ea typeface="Avenir Next Medium"/>
+                    <a:cs typeface="Avenir Next Medium"/>
+                    <a:sym typeface="Avenir Next Medium"/>
+                  </a:defRPr>
+                </a:pPr>
+                <a:endParaRPr lang="en-US" dirty="0"/>
+              </a:p>
+              <a:p>
+                <a:pPr marL="550656" indent="-550656" defTabSz="455674">
+                  <a:spcBef>
+                    <a:spcPts val="2100"/>
+                  </a:spcBef>
+                  <a:buSzPct val="40000"/>
+                  <a:buFontTx/>
+                  <a:buBlip>
+                    <a:blip r:embed="rId2"/>
+                  </a:buBlip>
+                  <a:defRPr sz="4900">
+                    <a:solidFill>
+                      <a:srgbClr val="838787"/>
+                    </a:solidFill>
+                    <a:latin typeface="Avenir Next Medium"/>
+                    <a:ea typeface="Avenir Next Medium"/>
+                    <a:cs typeface="Avenir Next Medium"/>
+                    <a:sym typeface="Avenir Next Medium"/>
+                  </a:defRPr>
+                </a:pPr>
+                <a:r>
+                  <a:rPr lang="en-US" dirty="0"/>
+                  <a:t>Odds of winning = 0.8/0.2 = 4 </a:t>
+                </a:r>
+              </a:p>
+              <a:p>
+                <a:pPr marL="550656" indent="-550656" defTabSz="455674">
+                  <a:spcBef>
+                    <a:spcPts val="2100"/>
+                  </a:spcBef>
+                  <a:buSzPct val="40000"/>
+                  <a:buFontTx/>
+                  <a:buBlip>
+                    <a:blip r:embed="rId2"/>
+                  </a:buBlip>
+                  <a:defRPr sz="4900">
+                    <a:solidFill>
+                      <a:srgbClr val="838787"/>
+                    </a:solidFill>
+                    <a:latin typeface="Avenir Next Medium"/>
+                    <a:ea typeface="Avenir Next Medium"/>
+                    <a:cs typeface="Avenir Next Medium"/>
+                    <a:sym typeface="Avenir Next Medium"/>
+                  </a:defRPr>
+                </a:pPr>
+                <a:r>
+                  <a:rPr lang="en-US" dirty="0"/>
+                  <a:t>Odds of losing = 0.2/0.8 = 0.25</a:t>
+                </a:r>
+                <a:endParaRPr dirty="0"/>
+              </a:p>
+            </p:txBody>
+          </p:sp>
+        </mc:Choice>
+        <mc:Fallback>
+          <p:sp>
+            <p:nvSpPr>
+              <p:cNvPr id="209" name="Shape 209"/>
+              <p:cNvSpPr>
+                <a:spLocks noGrp="1" noRot="1" noChangeAspect="1" noMove="1" noResize="1" noEditPoints="1" noAdjustHandles="1" noChangeArrowheads="1" noChangeShapeType="1" noTextEdit="1"/>
+              </p:cNvSpPr>
+              <p:nvPr>
+                <p:ph type="body" idx="4294967295"/>
+              </p:nvPr>
+            </p:nvSpPr>
+            <p:spPr>
+              <a:xfrm>
+                <a:off x="524933" y="2880584"/>
+                <a:ext cx="12192001" cy="6059357"/>
+              </a:xfrm>
+              <a:prstGeom prst="rect">
+                <a:avLst/>
+              </a:prstGeom>
+              <a:blipFill>
+                <a:blip r:embed="rId3"/>
+                <a:stretch>
+                  <a:fillRect t="-2301" b="-3766"/>
+                </a:stretch>
+              </a:blipFill>
+            </p:spPr>
+            <p:txBody>
+              <a:bodyPr/>
+              <a:lstStyle/>
+              <a:p>
+                <a:r>
+                  <a:rPr lang="en-US">
+                    <a:noFill/>
+                  </a:rPr>
+                  <a:t> </a:t>
+                </a:r>
+              </a:p>
+            </p:txBody>
+          </p:sp>
+        </mc:Fallback>
+      </mc:AlternateContent>
+    </p:spTree>
+  </p:cSld>
+  <p:clrMapOvr>
+    <a:masterClrMapping/>
+  </p:clrMapOvr>
+  <p:transition spd="med"/>
+</p:sld>
+</file>
+
+<file path=ppt/slides/slide7.xml><?xml version="1.0" encoding="utf-8"?>
+<p:sld xmlns:a="http://schemas.openxmlformats.org/drawingml/2006/main" xmlns:r="http://schemas.openxmlformats.org/officeDocument/2006/relationships" xmlns:p="http://schemas.openxmlformats.org/presentationml/2006/main">
+  <p:cSld>
+    <p:spTree>
+      <p:nvGrpSpPr>
+        <p:cNvPr id="1" name=""/>
+        <p:cNvGrpSpPr/>
+        <p:nvPr/>
+      </p:nvGrpSpPr>
+      <p:grpSpPr>
+        <a:xfrm>
+          <a:off x="0" y="0"/>
+          <a:ext cx="0" cy="0"/>
+          <a:chOff x="0" y="0"/>
+          <a:chExt cx="0" cy="0"/>
+        </a:xfrm>
+      </p:grpSpPr>
+      <p:sp>
+        <p:nvSpPr>
+          <p:cNvPr id="2" name="Title 1">
+            <a:extLst>
+              <a:ext uri="{FF2B5EF4-FFF2-40B4-BE49-F238E27FC236}">
+                <a16:creationId xmlns:a16="http://schemas.microsoft.com/office/drawing/2014/main" id="{35760439-DEB3-DE3B-FD8B-54AF25F9541C}"/>
+              </a:ext>
+            </a:extLst>
+          </p:cNvPr>
+          <p:cNvSpPr>
+            <a:spLocks noGrp="1"/>
+          </p:cNvSpPr>
+          <p:nvPr>
+            <p:ph type="title"/>
+          </p:nvPr>
+        </p:nvSpPr>
+        <p:spPr/>
+        <p:txBody>
+          <a:bodyPr wrap="none">
+            <a:normAutofit fontScale="90000"/>
+          </a:bodyPr>
+          <a:lstStyle/>
+          <a:p>
+            <a:r>
+              <a:rPr lang="en-US" dirty="0"/>
+              <a:t>So… Will assuming the line is the log odds work?</a:t>
             </a:r>
           </a:p>
         </p:txBody>
       </p:sp>
       <p:sp>
         <p:nvSpPr>
-          <p:cNvPr id="209" name="Shape 209"/>
+          <p:cNvPr id="3" name="Text Placeholder 2">
+            <a:extLst>
+              <a:ext uri="{FF2B5EF4-FFF2-40B4-BE49-F238E27FC236}">
+                <a16:creationId xmlns:a16="http://schemas.microsoft.com/office/drawing/2014/main" id="{B1DDA42A-A3D4-27A7-801E-390DFFE47C7F}"/>
+              </a:ext>
+            </a:extLst>
+          </p:cNvPr>
           <p:cNvSpPr>
             <a:spLocks noGrp="1"/>
           </p:cNvSpPr>
           <p:nvPr>
-            <p:ph type="body" idx="4294967295"/>
+            <p:ph type="body" sz="quarter" idx="1"/>
           </p:nvPr>
         </p:nvSpPr>
-        <p:spPr>
-          <a:xfrm>
-            <a:off x="524933" y="2880584"/>
-            <a:ext cx="12192001" cy="6059357"/>
-          </a:xfrm>
-          <a:prstGeom prst="rect">
-            <a:avLst/>
-          </a:prstGeom>
-        </p:spPr>
+        <p:spPr/>
         <p:txBody>
-          <a:bodyPr lIns="50800" tIns="50800" rIns="50800" bIns="50800"/>
+          <a:bodyPr/>
           <a:lstStyle/>
           <a:p>
-            <a:pPr marL="550656" indent="-550656" defTabSz="455674">
-              <a:spcBef>
-                <a:spcPts val="2100"/>
-              </a:spcBef>
-              <a:buSzPct val="40000"/>
-              <a:buFontTx/>
-              <a:buBlip>
-                <a:blip r:embed="rId2"/>
-              </a:buBlip>
-              <a:defRPr sz="4900">
-                <a:solidFill>
-                  <a:srgbClr val="838787"/>
-                </a:solidFill>
-                <a:latin typeface="Avenir Next Medium"/>
-                <a:ea typeface="Avenir Next Medium"/>
-                <a:cs typeface="Avenir Next Medium"/>
-                <a:sym typeface="Avenir Next Medium"/>
-              </a:defRPr>
-            </a:pPr>
-            <a:r>
-              <a:t>Ratio of two probabilities</a:t>
-            </a:r>
-          </a:p>
-          <a:p>
-            <a:pPr marL="550656" indent="-550656" defTabSz="455674">
-              <a:spcBef>
-                <a:spcPts val="2100"/>
-              </a:spcBef>
-              <a:buSzPct val="40000"/>
-              <a:buFontTx/>
-              <a:buBlip>
-                <a:blip r:embed="rId2"/>
-              </a:buBlip>
-              <a:defRPr sz="4900">
-                <a:solidFill>
-                  <a:srgbClr val="838787"/>
-                </a:solidFill>
-                <a:latin typeface="Avenir Next Medium"/>
-                <a:ea typeface="Avenir Next Medium"/>
-                <a:cs typeface="Avenir Next Medium"/>
-                <a:sym typeface="Avenir Next Medium"/>
-              </a:defRPr>
-            </a:pPr>
-            <a:r>
-              <a:t>e.g. P(Win) = 0.8, P(Lose) =0.2</a:t>
-            </a:r>
-          </a:p>
-          <a:p>
-            <a:pPr marL="550656" indent="-550656" defTabSz="455674">
-              <a:spcBef>
-                <a:spcPts val="2100"/>
-              </a:spcBef>
-              <a:buSzPct val="40000"/>
-              <a:buFontTx/>
-              <a:buBlip>
-                <a:blip r:embed="rId2"/>
-              </a:buBlip>
-              <a:defRPr sz="4900">
-                <a:solidFill>
-                  <a:srgbClr val="838787"/>
-                </a:solidFill>
-                <a:latin typeface="Avenir Next Medium"/>
-                <a:ea typeface="Avenir Next Medium"/>
-                <a:cs typeface="Avenir Next Medium"/>
-                <a:sym typeface="Avenir Next Medium"/>
-              </a:defRPr>
-            </a:pPr>
-            <a:endParaRPr/>
-          </a:p>
-          <a:p>
-            <a:pPr marL="550656" indent="-550656" defTabSz="455674">
-              <a:spcBef>
-                <a:spcPts val="2100"/>
-              </a:spcBef>
-              <a:buSzPct val="40000"/>
-              <a:buFontTx/>
-              <a:buBlip>
-                <a:blip r:embed="rId2"/>
-              </a:buBlip>
-              <a:defRPr sz="4900">
-                <a:solidFill>
-                  <a:srgbClr val="838787"/>
-                </a:solidFill>
-                <a:latin typeface="Avenir Next Medium"/>
-                <a:ea typeface="Avenir Next Medium"/>
-                <a:cs typeface="Avenir Next Medium"/>
-                <a:sym typeface="Avenir Next Medium"/>
-              </a:defRPr>
-            </a:pPr>
-            <a:r>
-              <a:t>Odds of winning = 0.8/0.2 = 4 </a:t>
-            </a:r>
-          </a:p>
-          <a:p>
-            <a:pPr marL="550656" indent="-550656" defTabSz="455674">
-              <a:spcBef>
-                <a:spcPts val="2100"/>
-              </a:spcBef>
-              <a:buSzPct val="40000"/>
-              <a:buFontTx/>
-              <a:buBlip>
-                <a:blip r:embed="rId2"/>
-              </a:buBlip>
-              <a:defRPr sz="4900">
-                <a:solidFill>
-                  <a:srgbClr val="838787"/>
-                </a:solidFill>
-                <a:latin typeface="Avenir Next Medium"/>
-                <a:ea typeface="Avenir Next Medium"/>
-                <a:cs typeface="Avenir Next Medium"/>
-                <a:sym typeface="Avenir Next Medium"/>
-              </a:defRPr>
-            </a:pPr>
-            <a:r>
-              <a:t>Odds of losing = 0.2/0.8 = 0.25</a:t>
-            </a:r>
+            <a:endParaRPr lang="en-US"/>
           </a:p>
         </p:txBody>
       </p:sp>
+      <mc:AlternateContent xmlns:mc="http://schemas.openxmlformats.org/markup-compatibility/2006">
+        <mc:Choice xmlns:a14="http://schemas.microsoft.com/office/drawing/2010/main" Requires="a14">
+          <p:sp>
+            <p:nvSpPr>
+              <p:cNvPr id="4" name="Text Placeholder 3">
+                <a:extLst>
+                  <a:ext uri="{FF2B5EF4-FFF2-40B4-BE49-F238E27FC236}">
+                    <a16:creationId xmlns:a16="http://schemas.microsoft.com/office/drawing/2014/main" id="{9CDB1601-67CC-E114-87BC-0AC7C4ACD3DB}"/>
+                  </a:ext>
+                </a:extLst>
+              </p:cNvPr>
+              <p:cNvSpPr>
+                <a:spLocks noGrp="1"/>
+              </p:cNvSpPr>
+              <p:nvPr>
+                <p:ph type="body" sz="quarter" idx="10"/>
+              </p:nvPr>
+            </p:nvSpPr>
+            <p:spPr>
+              <a:xfrm>
+                <a:off x="125506" y="2438400"/>
+                <a:ext cx="6454588" cy="6883400"/>
+              </a:xfrm>
+            </p:spPr>
+            <p:txBody>
+              <a:bodyPr>
+                <a:normAutofit/>
+              </a:bodyPr>
+              <a:lstStyle/>
+              <a:p>
+                <a:r>
+                  <a:rPr lang="en-US" b="0" dirty="0"/>
+                  <a:t>If </a:t>
+                </a:r>
+                <a14:m>
+                  <m:oMath xmlns:m="http://schemas.openxmlformats.org/officeDocument/2006/math">
+                    <m:r>
+                      <a:rPr lang="en-US" b="0" i="1" smtClean="0">
+                        <a:latin typeface="Cambria Math" panose="02040503050406030204" pitchFamily="18" charset="0"/>
+                      </a:rPr>
+                      <m:t>𝑝</m:t>
+                    </m:r>
+                    <m:r>
+                      <a:rPr lang="en-US" b="0" i="1" smtClean="0">
+                        <a:latin typeface="Cambria Math" panose="02040503050406030204" pitchFamily="18" charset="0"/>
+                      </a:rPr>
+                      <m:t>= </m:t>
+                    </m:r>
+                    <m:f>
+                      <m:fPr>
+                        <m:ctrlPr>
+                          <a:rPr lang="en-US" b="0" i="1" smtClean="0">
+                            <a:latin typeface="Cambria Math" panose="02040503050406030204" pitchFamily="18" charset="0"/>
+                          </a:rPr>
+                        </m:ctrlPr>
+                      </m:fPr>
+                      <m:num>
+                        <m:r>
+                          <a:rPr lang="en-US" b="0" i="1" smtClean="0">
+                            <a:latin typeface="Cambria Math" panose="02040503050406030204" pitchFamily="18" charset="0"/>
+                          </a:rPr>
+                          <m:t>1</m:t>
+                        </m:r>
+                      </m:num>
+                      <m:den>
+                        <m:r>
+                          <a:rPr lang="en-US" b="0" i="1" smtClean="0">
+                            <a:latin typeface="Cambria Math" panose="02040503050406030204" pitchFamily="18" charset="0"/>
+                          </a:rPr>
+                          <m:t>1+</m:t>
+                        </m:r>
+                        <m:sSup>
+                          <m:sSupPr>
+                            <m:ctrlPr>
+                              <a:rPr lang="en-US" b="0" i="1" smtClean="0">
+                                <a:latin typeface="Cambria Math" panose="02040503050406030204" pitchFamily="18" charset="0"/>
+                              </a:rPr>
+                            </m:ctrlPr>
+                          </m:sSupPr>
+                          <m:e>
+                            <m:r>
+                              <a:rPr lang="en-US" b="0" i="1" smtClean="0">
+                                <a:latin typeface="Cambria Math" panose="02040503050406030204" pitchFamily="18" charset="0"/>
+                              </a:rPr>
+                              <m:t>𝑒</m:t>
+                            </m:r>
+                          </m:e>
+                          <m:sup>
+                            <m:r>
+                              <a:rPr lang="en-US" b="0" i="1" smtClean="0">
+                                <a:latin typeface="Cambria Math" panose="02040503050406030204" pitchFamily="18" charset="0"/>
+                              </a:rPr>
+                              <m:t>−</m:t>
+                            </m:r>
+                            <m:r>
+                              <a:rPr lang="en-US" b="0" i="1" smtClean="0">
+                                <a:latin typeface="Cambria Math" panose="02040503050406030204" pitchFamily="18" charset="0"/>
+                              </a:rPr>
+                              <m:t>𝑘</m:t>
+                            </m:r>
+                            <m:r>
+                              <a:rPr lang="en-US" b="0" i="1" smtClean="0">
+                                <a:latin typeface="Cambria Math" panose="02040503050406030204" pitchFamily="18" charset="0"/>
+                              </a:rPr>
+                              <m:t>(</m:t>
+                            </m:r>
+                            <m:r>
+                              <a:rPr lang="en-US" b="0" i="1" smtClean="0">
+                                <a:latin typeface="Cambria Math" panose="02040503050406030204" pitchFamily="18" charset="0"/>
+                              </a:rPr>
+                              <m:t>𝑥</m:t>
+                            </m:r>
+                            <m:r>
+                              <a:rPr lang="en-US" b="0" i="1" smtClean="0">
+                                <a:latin typeface="Cambria Math" panose="02040503050406030204" pitchFamily="18" charset="0"/>
+                              </a:rPr>
+                              <m:t>−</m:t>
+                            </m:r>
+                            <m:sSub>
+                              <m:sSubPr>
+                                <m:ctrlPr>
+                                  <a:rPr lang="en-US" b="0" i="1" smtClean="0">
+                                    <a:latin typeface="Cambria Math" panose="02040503050406030204" pitchFamily="18" charset="0"/>
+                                  </a:rPr>
+                                </m:ctrlPr>
+                              </m:sSubPr>
+                              <m:e>
+                                <m:r>
+                                  <a:rPr lang="en-US" b="0" i="1" smtClean="0">
+                                    <a:latin typeface="Cambria Math" panose="02040503050406030204" pitchFamily="18" charset="0"/>
+                                  </a:rPr>
+                                  <m:t>𝑥</m:t>
+                                </m:r>
+                              </m:e>
+                              <m:sub>
+                                <m:r>
+                                  <a:rPr lang="en-US" b="0" i="1" smtClean="0">
+                                    <a:latin typeface="Cambria Math" panose="02040503050406030204" pitchFamily="18" charset="0"/>
+                                  </a:rPr>
+                                  <m:t>0</m:t>
+                                </m:r>
+                              </m:sub>
+                            </m:sSub>
+                            <m:r>
+                              <a:rPr lang="en-US" b="0" i="1" smtClean="0">
+                                <a:latin typeface="Cambria Math" panose="02040503050406030204" pitchFamily="18" charset="0"/>
+                              </a:rPr>
+                              <m:t>)</m:t>
+                            </m:r>
+                          </m:sup>
+                        </m:sSup>
+                      </m:den>
+                    </m:f>
+                  </m:oMath>
+                </a14:m>
+                <a:r>
+                  <a:rPr lang="en-US" dirty="0"/>
+                  <a:t>,</a:t>
+                </a:r>
+                <a:br>
+                  <a:rPr lang="en-US" dirty="0"/>
+                </a:br>
+                <a:endParaRPr lang="en-US" dirty="0"/>
+              </a:p>
+              <a:p>
+                <a:r>
+                  <a:rPr lang="en-US" dirty="0"/>
+                  <a:t>is </a:t>
+                </a:r>
+                <a14:m>
+                  <m:oMath xmlns:m="http://schemas.openxmlformats.org/officeDocument/2006/math">
+                    <m:r>
+                      <m:rPr>
+                        <m:sty m:val="p"/>
+                      </m:rPr>
+                      <a:rPr lang="en-US" b="0" i="0" smtClean="0">
+                        <a:latin typeface="Cambria Math" panose="02040503050406030204" pitchFamily="18" charset="0"/>
+                      </a:rPr>
+                      <m:t>log</m:t>
+                    </m:r>
+                    <m:d>
+                      <m:dPr>
+                        <m:ctrlPr>
+                          <a:rPr lang="en-US" b="0" i="1" smtClean="0">
+                            <a:latin typeface="Cambria Math" panose="02040503050406030204" pitchFamily="18" charset="0"/>
+                          </a:rPr>
+                        </m:ctrlPr>
+                      </m:dPr>
+                      <m:e>
+                        <m:f>
+                          <m:fPr>
+                            <m:ctrlPr>
+                              <a:rPr lang="en-US" i="1">
+                                <a:latin typeface="Cambria Math" panose="02040503050406030204" pitchFamily="18" charset="0"/>
+                              </a:rPr>
+                            </m:ctrlPr>
+                          </m:fPr>
+                          <m:num>
+                            <m:r>
+                              <m:rPr>
+                                <m:sty m:val="p"/>
+                              </m:rPr>
+                              <a:rPr lang="en-US">
+                                <a:latin typeface="Cambria Math" panose="02040503050406030204" pitchFamily="18" charset="0"/>
+                              </a:rPr>
+                              <m:t>probability</m:t>
+                            </m:r>
+                          </m:num>
+                          <m:den>
+                            <m:r>
+                              <a:rPr lang="en-US" i="1">
+                                <a:latin typeface="Cambria Math" panose="02040503050406030204" pitchFamily="18" charset="0"/>
+                              </a:rPr>
+                              <m:t>1−</m:t>
+                            </m:r>
+                            <m:r>
+                              <m:rPr>
+                                <m:sty m:val="p"/>
+                              </m:rPr>
+                              <a:rPr lang="en-US">
+                                <a:latin typeface="Cambria Math" panose="02040503050406030204" pitchFamily="18" charset="0"/>
+                              </a:rPr>
+                              <m:t>probabillity</m:t>
+                            </m:r>
+                          </m:den>
+                        </m:f>
+                      </m:e>
+                    </m:d>
+                  </m:oMath>
+                </a14:m>
+                <a:r>
+                  <a:rPr lang="en-US" dirty="0"/>
+                  <a:t> linear?</a:t>
+                </a:r>
+              </a:p>
+            </p:txBody>
+          </p:sp>
+        </mc:Choice>
+        <mc:Fallback>
+          <p:sp>
+            <p:nvSpPr>
+              <p:cNvPr id="4" name="Text Placeholder 3">
+                <a:extLst>
+                  <a:ext uri="{FF2B5EF4-FFF2-40B4-BE49-F238E27FC236}">
+                    <a16:creationId xmlns:a16="http://schemas.microsoft.com/office/drawing/2014/main" id="{9CDB1601-67CC-E114-87BC-0AC7C4ACD3DB}"/>
+                  </a:ext>
+                </a:extLst>
+              </p:cNvPr>
+              <p:cNvSpPr>
+                <a:spLocks noGrp="1" noRot="1" noChangeAspect="1" noMove="1" noResize="1" noEditPoints="1" noAdjustHandles="1" noChangeArrowheads="1" noChangeShapeType="1" noTextEdit="1"/>
+              </p:cNvSpPr>
+              <p:nvPr>
+                <p:ph type="body" sz="quarter" idx="10"/>
+              </p:nvPr>
+            </p:nvSpPr>
+            <p:spPr>
+              <a:xfrm>
+                <a:off x="125506" y="2438400"/>
+                <a:ext cx="6454588" cy="6883400"/>
+              </a:xfrm>
+              <a:blipFill>
+                <a:blip r:embed="rId2"/>
+                <a:stretch>
+                  <a:fillRect l="-3150"/>
+                </a:stretch>
+              </a:blipFill>
+            </p:spPr>
+            <p:txBody>
+              <a:bodyPr/>
+              <a:lstStyle/>
+              <a:p>
+                <a:r>
+                  <a:rPr lang="en-US">
+                    <a:noFill/>
+                  </a:rPr>
+                  <a:t> </a:t>
+                </a:r>
+              </a:p>
+            </p:txBody>
+          </p:sp>
+        </mc:Fallback>
+      </mc:AlternateContent>
+      <mc:AlternateContent xmlns:mc="http://schemas.openxmlformats.org/markup-compatibility/2006">
+        <mc:Choice xmlns:a14="http://schemas.microsoft.com/office/drawing/2010/main" Requires="a14">
+          <p:sp>
+            <p:nvSpPr>
+              <p:cNvPr id="5" name="Text Placeholder 3">
+                <a:extLst>
+                  <a:ext uri="{FF2B5EF4-FFF2-40B4-BE49-F238E27FC236}">
+                    <a16:creationId xmlns:a16="http://schemas.microsoft.com/office/drawing/2014/main" id="{9137382B-C556-F934-2F19-0D4B7BA08D96}"/>
+                  </a:ext>
+                </a:extLst>
+              </p:cNvPr>
+              <p:cNvSpPr txBox="1">
+                <a:spLocks/>
+              </p:cNvSpPr>
+              <p:nvPr/>
+            </p:nvSpPr>
+            <p:spPr>
+              <a:xfrm>
+                <a:off x="6185646" y="2563906"/>
+                <a:ext cx="6560391" cy="6910293"/>
+              </a:xfrm>
+              <a:prstGeom prst="rect">
+                <a:avLst/>
+              </a:prstGeom>
+            </p:spPr>
+            <p:txBody>
+              <a:bodyPr vert="horz" lIns="91440" tIns="45720" rIns="91440" bIns="45720" rtlCol="0">
+                <a:normAutofit/>
+              </a:bodyPr>
+              <a:lstStyle>
+                <a:lvl1pPr marL="471487" marR="0" indent="-471487" algn="l" defTabSz="650240" rtl="0" latinLnBrk="0">
+                  <a:lnSpc>
+                    <a:spcPct val="100000"/>
+                  </a:lnSpc>
+                  <a:spcBef>
+                    <a:spcPts val="1000"/>
+                  </a:spcBef>
+                  <a:spcAft>
+                    <a:spcPts val="0"/>
+                  </a:spcAft>
+                  <a:buClr>
+                    <a:schemeClr val="accent1"/>
+                  </a:buClr>
+                  <a:buSzPct val="100000"/>
+                  <a:buFont typeface="Webdings" panose="05030102010509060703" pitchFamily="18" charset="2"/>
+                  <a:buChar char=""/>
+                  <a:tabLst/>
+                  <a:defRPr sz="4400" b="0" i="0" u="none" strike="noStrike" cap="none" spc="0" baseline="0">
+                    <a:ln>
+                      <a:noFill/>
+                    </a:ln>
+                    <a:solidFill>
+                      <a:schemeClr val="tx2"/>
+                    </a:solidFill>
+                    <a:uFillTx/>
+                    <a:latin typeface="Calibri"/>
+                    <a:ea typeface="Calibri"/>
+                    <a:cs typeface="Calibri"/>
+                    <a:sym typeface="Calibri"/>
+                  </a:defRPr>
+                </a:lvl1pPr>
+                <a:lvl2pPr marL="904875" marR="0" indent="-447675" algn="l" defTabSz="650240" rtl="0" latinLnBrk="0">
+                  <a:lnSpc>
+                    <a:spcPct val="100000"/>
+                  </a:lnSpc>
+                  <a:spcBef>
+                    <a:spcPts val="1000"/>
+                  </a:spcBef>
+                  <a:spcAft>
+                    <a:spcPts val="0"/>
+                  </a:spcAft>
+                  <a:buClr>
+                    <a:schemeClr val="accent1"/>
+                  </a:buClr>
+                  <a:buSzPct val="100000"/>
+                  <a:buFont typeface="Wingdings" panose="05000000000000000000" pitchFamily="2" charset="2"/>
+                  <a:buChar char="§"/>
+                  <a:tabLst/>
+                  <a:defRPr sz="4400" b="0" i="0" u="none" strike="noStrike" cap="none" spc="0" baseline="0">
+                    <a:ln>
+                      <a:noFill/>
+                    </a:ln>
+                    <a:solidFill>
+                      <a:schemeClr val="tx2"/>
+                    </a:solidFill>
+                    <a:uFillTx/>
+                    <a:latin typeface="Calibri"/>
+                    <a:ea typeface="Calibri"/>
+                    <a:cs typeface="Calibri"/>
+                    <a:sym typeface="Calibri"/>
+                  </a:defRPr>
+                </a:lvl2pPr>
+                <a:lvl3pPr marL="1333500" marR="0" indent="-419100" algn="l" defTabSz="650240" rtl="0" latinLnBrk="0">
+                  <a:lnSpc>
+                    <a:spcPct val="100000"/>
+                  </a:lnSpc>
+                  <a:spcBef>
+                    <a:spcPts val="1000"/>
+                  </a:spcBef>
+                  <a:spcAft>
+                    <a:spcPts val="0"/>
+                  </a:spcAft>
+                  <a:buClrTx/>
+                  <a:buSzPct val="100000"/>
+                  <a:buFont typeface="Arial"/>
+                  <a:buChar char="•"/>
+                  <a:tabLst/>
+                  <a:defRPr sz="4400" b="0" i="0" u="none" strike="noStrike" cap="none" spc="0" baseline="0">
+                    <a:ln>
+                      <a:noFill/>
+                    </a:ln>
+                    <a:solidFill>
+                      <a:schemeClr val="tx2"/>
+                    </a:solidFill>
+                    <a:uFillTx/>
+                    <a:latin typeface="Calibri"/>
+                    <a:ea typeface="Calibri"/>
+                    <a:cs typeface="Calibri"/>
+                    <a:sym typeface="Calibri"/>
+                  </a:defRPr>
+                </a:lvl3pPr>
+                <a:lvl4pPr marL="1874520" marR="0" indent="-502919" algn="l" defTabSz="650240" rtl="0" latinLnBrk="0">
+                  <a:lnSpc>
+                    <a:spcPct val="100000"/>
+                  </a:lnSpc>
+                  <a:spcBef>
+                    <a:spcPts val="1000"/>
+                  </a:spcBef>
+                  <a:spcAft>
+                    <a:spcPts val="0"/>
+                  </a:spcAft>
+                  <a:buClrTx/>
+                  <a:buSzPct val="100000"/>
+                  <a:buFont typeface="Arial"/>
+                  <a:buChar char="–"/>
+                  <a:tabLst/>
+                  <a:defRPr sz="4400" b="0" i="0" u="none" strike="noStrike" cap="none" spc="0" baseline="0">
+                    <a:ln>
+                      <a:noFill/>
+                    </a:ln>
+                    <a:solidFill>
+                      <a:schemeClr val="tx2"/>
+                    </a:solidFill>
+                    <a:uFillTx/>
+                    <a:latin typeface="Calibri"/>
+                    <a:ea typeface="Calibri"/>
+                    <a:cs typeface="Calibri"/>
+                    <a:sym typeface="Calibri"/>
+                  </a:defRPr>
+                </a:lvl4pPr>
+                <a:lvl5pPr marL="2331720" marR="0" indent="-502920" algn="l" defTabSz="650240" rtl="0" latinLnBrk="0">
+                  <a:lnSpc>
+                    <a:spcPct val="100000"/>
+                  </a:lnSpc>
+                  <a:spcBef>
+                    <a:spcPts val="1000"/>
+                  </a:spcBef>
+                  <a:spcAft>
+                    <a:spcPts val="0"/>
+                  </a:spcAft>
+                  <a:buClrTx/>
+                  <a:buSzPct val="100000"/>
+                  <a:buFont typeface="Arial"/>
+                  <a:buChar char="»"/>
+                  <a:tabLst/>
+                  <a:defRPr sz="4400" b="0" i="0" u="none" strike="noStrike" cap="none" spc="0" baseline="0">
+                    <a:ln>
+                      <a:noFill/>
+                    </a:ln>
+                    <a:solidFill>
+                      <a:schemeClr val="tx2"/>
+                    </a:solidFill>
+                    <a:uFillTx/>
+                    <a:latin typeface="Calibri"/>
+                    <a:ea typeface="Calibri"/>
+                    <a:cs typeface="Calibri"/>
+                    <a:sym typeface="Calibri"/>
+                  </a:defRPr>
+                </a:lvl5pPr>
+                <a:lvl6pPr marL="2797735" marR="0" indent="-575235" algn="l" defTabSz="650240" rtl="0" latinLnBrk="0">
+                  <a:lnSpc>
+                    <a:spcPct val="100000"/>
+                  </a:lnSpc>
+                  <a:spcBef>
+                    <a:spcPts val="1000"/>
+                  </a:spcBef>
+                  <a:spcAft>
+                    <a:spcPts val="0"/>
+                  </a:spcAft>
+                  <a:buClrTx/>
+                  <a:buSzPct val="104999"/>
+                  <a:buFont typeface="Arial"/>
+                  <a:buChar char="‣"/>
+                  <a:tabLst/>
+                  <a:defRPr sz="4400" b="0" i="0" u="none" strike="noStrike" cap="none" spc="0" baseline="0">
+                    <a:ln>
+                      <a:noFill/>
+                    </a:ln>
+                    <a:solidFill>
+                      <a:srgbClr val="000000"/>
+                    </a:solidFill>
+                    <a:uFillTx/>
+                    <a:latin typeface="Calibri"/>
+                    <a:ea typeface="Calibri"/>
+                    <a:cs typeface="Calibri"/>
+                    <a:sym typeface="Calibri"/>
+                  </a:defRPr>
+                </a:lvl6pPr>
+                <a:lvl7pPr marL="3242235" marR="0" indent="-575235" algn="l" defTabSz="650240" rtl="0" latinLnBrk="0">
+                  <a:lnSpc>
+                    <a:spcPct val="100000"/>
+                  </a:lnSpc>
+                  <a:spcBef>
+                    <a:spcPts val="1000"/>
+                  </a:spcBef>
+                  <a:spcAft>
+                    <a:spcPts val="0"/>
+                  </a:spcAft>
+                  <a:buClrTx/>
+                  <a:buSzPct val="104999"/>
+                  <a:buFont typeface="Arial"/>
+                  <a:buChar char="‣"/>
+                  <a:tabLst/>
+                  <a:defRPr sz="4400" b="0" i="0" u="none" strike="noStrike" cap="none" spc="0" baseline="0">
+                    <a:ln>
+                      <a:noFill/>
+                    </a:ln>
+                    <a:solidFill>
+                      <a:srgbClr val="000000"/>
+                    </a:solidFill>
+                    <a:uFillTx/>
+                    <a:latin typeface="Calibri"/>
+                    <a:ea typeface="Calibri"/>
+                    <a:cs typeface="Calibri"/>
+                    <a:sym typeface="Calibri"/>
+                  </a:defRPr>
+                </a:lvl7pPr>
+                <a:lvl8pPr marL="3686735" marR="0" indent="-575235" algn="l" defTabSz="650240" rtl="0" latinLnBrk="0">
+                  <a:lnSpc>
+                    <a:spcPct val="100000"/>
+                  </a:lnSpc>
+                  <a:spcBef>
+                    <a:spcPts val="1000"/>
+                  </a:spcBef>
+                  <a:spcAft>
+                    <a:spcPts val="0"/>
+                  </a:spcAft>
+                  <a:buClrTx/>
+                  <a:buSzPct val="104999"/>
+                  <a:buFont typeface="Arial"/>
+                  <a:buChar char="‣"/>
+                  <a:tabLst/>
+                  <a:defRPr sz="4400" b="0" i="0" u="none" strike="noStrike" cap="none" spc="0" baseline="0">
+                    <a:ln>
+                      <a:noFill/>
+                    </a:ln>
+                    <a:solidFill>
+                      <a:srgbClr val="000000"/>
+                    </a:solidFill>
+                    <a:uFillTx/>
+                    <a:latin typeface="Calibri"/>
+                    <a:ea typeface="Calibri"/>
+                    <a:cs typeface="Calibri"/>
+                    <a:sym typeface="Calibri"/>
+                  </a:defRPr>
+                </a:lvl8pPr>
+                <a:lvl9pPr marL="4131235" marR="0" indent="-575235" algn="l" defTabSz="650240" rtl="0" latinLnBrk="0">
+                  <a:lnSpc>
+                    <a:spcPct val="100000"/>
+                  </a:lnSpc>
+                  <a:spcBef>
+                    <a:spcPts val="1000"/>
+                  </a:spcBef>
+                  <a:spcAft>
+                    <a:spcPts val="0"/>
+                  </a:spcAft>
+                  <a:buClrTx/>
+                  <a:buSzPct val="104999"/>
+                  <a:buFont typeface="Arial"/>
+                  <a:buChar char="‣"/>
+                  <a:tabLst/>
+                  <a:defRPr sz="4400" b="0" i="0" u="none" strike="noStrike" cap="none" spc="0" baseline="0">
+                    <a:ln>
+                      <a:noFill/>
+                    </a:ln>
+                    <a:solidFill>
+                      <a:srgbClr val="000000"/>
+                    </a:solidFill>
+                    <a:uFillTx/>
+                    <a:latin typeface="Calibri"/>
+                    <a:ea typeface="Calibri"/>
+                    <a:cs typeface="Calibri"/>
+                    <a:sym typeface="Calibri"/>
+                  </a:defRPr>
+                </a:lvl9pPr>
+              </a:lstStyle>
+              <a:p>
+                <a:pPr marL="0" indent="0" hangingPunct="1">
+                  <a:buFont typeface="Webdings" panose="05030102010509060703" pitchFamily="18" charset="2"/>
+                  <a:buNone/>
+                </a:pPr>
+                <a14:m>
+                  <m:oMathPara xmlns:m="http://schemas.openxmlformats.org/officeDocument/2006/math">
+                    <m:oMathParaPr>
+                      <m:jc m:val="left"/>
+                    </m:oMathParaPr>
+                    <m:oMath xmlns:m="http://schemas.openxmlformats.org/officeDocument/2006/math">
+                      <m:r>
+                        <a:rPr lang="en-US" i="1" smtClean="0">
+                          <a:latin typeface="Cambria Math" panose="02040503050406030204" pitchFamily="18" charset="0"/>
+                        </a:rPr>
+                        <m:t>𝑝</m:t>
+                      </m:r>
+                      <m:r>
+                        <a:rPr lang="en-US" i="1" smtClean="0">
+                          <a:latin typeface="Cambria Math" panose="02040503050406030204" pitchFamily="18" charset="0"/>
+                        </a:rPr>
+                        <m:t>=</m:t>
+                      </m:r>
+                      <m:f>
+                        <m:fPr>
+                          <m:ctrlPr>
+                            <a:rPr lang="en-US" i="1" smtClean="0">
+                              <a:latin typeface="Cambria Math" panose="02040503050406030204" pitchFamily="18" charset="0"/>
+                            </a:rPr>
+                          </m:ctrlPr>
+                        </m:fPr>
+                        <m:num>
+                          <m:r>
+                            <a:rPr lang="en-US" i="1" smtClean="0">
+                              <a:latin typeface="Cambria Math" panose="02040503050406030204" pitchFamily="18" charset="0"/>
+                            </a:rPr>
+                            <m:t>1</m:t>
+                          </m:r>
+                        </m:num>
+                        <m:den>
+                          <m:r>
+                            <a:rPr lang="en-US" i="1" smtClean="0">
+                              <a:latin typeface="Cambria Math" panose="02040503050406030204" pitchFamily="18" charset="0"/>
+                            </a:rPr>
+                            <m:t>1+</m:t>
+                          </m:r>
+                          <m:sSup>
+                            <m:sSupPr>
+                              <m:ctrlPr>
+                                <a:rPr lang="en-US" i="1" smtClean="0">
+                                  <a:latin typeface="Cambria Math" panose="02040503050406030204" pitchFamily="18" charset="0"/>
+                                </a:rPr>
+                              </m:ctrlPr>
+                            </m:sSupPr>
+                            <m:e>
+                              <m:r>
+                                <a:rPr lang="en-US" i="1" smtClean="0">
+                                  <a:latin typeface="Cambria Math" panose="02040503050406030204" pitchFamily="18" charset="0"/>
+                                </a:rPr>
+                                <m:t>𝑒</m:t>
+                              </m:r>
+                            </m:e>
+                            <m:sup>
+                              <m:r>
+                                <a:rPr lang="en-US" i="1" smtClean="0">
+                                  <a:latin typeface="Cambria Math" panose="02040503050406030204" pitchFamily="18" charset="0"/>
+                                </a:rPr>
+                                <m:t>−ℓ</m:t>
+                              </m:r>
+                            </m:sup>
+                          </m:sSup>
+                        </m:den>
+                      </m:f>
+                      <m:r>
+                        <a:rPr lang="en-US" i="1" smtClean="0">
+                          <a:latin typeface="Cambria Math" panose="02040503050406030204" pitchFamily="18" charset="0"/>
+                        </a:rPr>
+                        <m:t>=</m:t>
+                      </m:r>
+                      <m:f>
+                        <m:fPr>
+                          <m:ctrlPr>
+                            <a:rPr lang="en-US" i="1" smtClean="0">
+                              <a:latin typeface="Cambria Math" panose="02040503050406030204" pitchFamily="18" charset="0"/>
+                            </a:rPr>
+                          </m:ctrlPr>
+                        </m:fPr>
+                        <m:num>
+                          <m:sSup>
+                            <m:sSupPr>
+                              <m:ctrlPr>
+                                <a:rPr lang="en-US" i="1" smtClean="0">
+                                  <a:latin typeface="Cambria Math" panose="02040503050406030204" pitchFamily="18" charset="0"/>
+                                </a:rPr>
+                              </m:ctrlPr>
+                            </m:sSupPr>
+                            <m:e>
+                              <m:r>
+                                <a:rPr lang="en-US" i="1" smtClean="0">
+                                  <a:latin typeface="Cambria Math" panose="02040503050406030204" pitchFamily="18" charset="0"/>
+                                </a:rPr>
+                                <m:t>𝑒</m:t>
+                              </m:r>
+                            </m:e>
+                            <m:sup>
+                              <m:r>
+                                <a:rPr lang="en-US" i="1" smtClean="0">
+                                  <a:latin typeface="Cambria Math" panose="02040503050406030204" pitchFamily="18" charset="0"/>
+                                </a:rPr>
+                                <m:t>ℓ</m:t>
+                              </m:r>
+                            </m:sup>
+                          </m:sSup>
+                        </m:num>
+                        <m:den>
+                          <m:sSup>
+                            <m:sSupPr>
+                              <m:ctrlPr>
+                                <a:rPr lang="en-US" i="1" smtClean="0">
+                                  <a:latin typeface="Cambria Math" panose="02040503050406030204" pitchFamily="18" charset="0"/>
+                                </a:rPr>
+                              </m:ctrlPr>
+                            </m:sSupPr>
+                            <m:e>
+                              <m:r>
+                                <a:rPr lang="en-US" i="1" smtClean="0">
+                                  <a:latin typeface="Cambria Math" panose="02040503050406030204" pitchFamily="18" charset="0"/>
+                                </a:rPr>
+                                <m:t>𝑒</m:t>
+                              </m:r>
+                            </m:e>
+                            <m:sup>
+                              <m:r>
+                                <a:rPr lang="en-US" i="1" smtClean="0">
+                                  <a:latin typeface="Cambria Math" panose="02040503050406030204" pitchFamily="18" charset="0"/>
+                                </a:rPr>
+                                <m:t>ℓ</m:t>
+                              </m:r>
+                            </m:sup>
+                          </m:sSup>
+                          <m:r>
+                            <a:rPr lang="en-US" i="1" smtClean="0">
+                              <a:latin typeface="Cambria Math" panose="02040503050406030204" pitchFamily="18" charset="0"/>
+                            </a:rPr>
+                            <m:t>+1</m:t>
+                          </m:r>
+                        </m:den>
+                      </m:f>
+                    </m:oMath>
+                  </m:oMathPara>
+                </a14:m>
+                <a:endParaRPr lang="en-US" dirty="0"/>
+              </a:p>
+            </p:txBody>
+          </p:sp>
+        </mc:Choice>
+        <mc:Fallback>
+          <p:sp>
+            <p:nvSpPr>
+              <p:cNvPr id="5" name="Text Placeholder 3">
+                <a:extLst>
+                  <a:ext uri="{FF2B5EF4-FFF2-40B4-BE49-F238E27FC236}">
+                    <a16:creationId xmlns:a16="http://schemas.microsoft.com/office/drawing/2014/main" id="{9137382B-C556-F934-2F19-0D4B7BA08D96}"/>
+                  </a:ext>
+                </a:extLst>
+              </p:cNvPr>
+              <p:cNvSpPr txBox="1">
+                <a:spLocks noRot="1" noChangeAspect="1" noMove="1" noResize="1" noEditPoints="1" noAdjustHandles="1" noChangeArrowheads="1" noChangeShapeType="1" noTextEdit="1"/>
+              </p:cNvSpPr>
+              <p:nvPr/>
+            </p:nvSpPr>
+            <p:spPr>
+              <a:xfrm>
+                <a:off x="6185646" y="2563906"/>
+                <a:ext cx="6560391" cy="6910293"/>
+              </a:xfrm>
+              <a:prstGeom prst="rect">
+                <a:avLst/>
+              </a:prstGeom>
+              <a:blipFill>
+                <a:blip r:embed="rId3"/>
+                <a:stretch>
+                  <a:fillRect l="-1547"/>
+                </a:stretch>
+              </a:blipFill>
+            </p:spPr>
+            <p:txBody>
+              <a:bodyPr/>
+              <a:lstStyle/>
+              <a:p>
+                <a:r>
+                  <a:rPr lang="en-US">
+                    <a:noFill/>
+                  </a:rPr>
+                  <a:t> </a:t>
+                </a:r>
+              </a:p>
+            </p:txBody>
+          </p:sp>
+        </mc:Fallback>
+      </mc:AlternateContent>
     </p:spTree>
+    <p:extLst>
+      <p:ext uri="{BB962C8B-B14F-4D97-AF65-F5344CB8AC3E}">
+        <p14:creationId xmlns:p14="http://schemas.microsoft.com/office/powerpoint/2010/main" val="2529931833"/>
+      </p:ext>
+    </p:extLst>
   </p:cSld>
   <p:clrMapOvr>
     <a:masterClrMapping/>
@@ -20373,118 +24263,30 @@
       </p:grpSpPr>
       <p:sp>
         <p:nvSpPr>
-          <p:cNvPr id="211" name="Shape 211"/>
+          <p:cNvPr id="2" name="Title 1">
+            <a:extLst>
+              <a:ext uri="{FF2B5EF4-FFF2-40B4-BE49-F238E27FC236}">
+                <a16:creationId xmlns:a16="http://schemas.microsoft.com/office/drawing/2014/main" id="{35760439-DEB3-DE3B-FD8B-54AF25F9541C}"/>
+              </a:ext>
+            </a:extLst>
+          </p:cNvPr>
           <p:cNvSpPr>
             <a:spLocks noGrp="1"/>
           </p:cNvSpPr>
           <p:nvPr>
-            <p:ph type="ctrTitle"/>
+            <p:ph type="title"/>
           </p:nvPr>
         </p:nvSpPr>
-        <p:spPr>
-          <a:xfrm>
-            <a:off x="406400" y="1536700"/>
-            <a:ext cx="12192000" cy="1169261"/>
-          </a:xfrm>
-          <a:prstGeom prst="rect">
-            <a:avLst/>
-          </a:prstGeom>
-        </p:spPr>
+        <p:spPr/>
         <p:txBody>
-          <a:bodyPr/>
-          <a:lstStyle>
-            <a:lvl1pPr defTabSz="403097">
-              <a:spcBef>
-                <a:spcPts val="1900"/>
-              </a:spcBef>
-              <a:defRPr sz="8200"/>
-            </a:lvl1pPr>
-          </a:lstStyle>
-          <a:p>
-            <a:r>
-              <a:t>Odds</a:t>
-            </a:r>
-          </a:p>
-        </p:txBody>
-      </p:sp>
-      <p:sp>
-        <p:nvSpPr>
-          <p:cNvPr id="6" name="TextBox 5">
-            <a:extLst>
-              <a:ext uri="{FF2B5EF4-FFF2-40B4-BE49-F238E27FC236}">
-                <a16:creationId xmlns:a16="http://schemas.microsoft.com/office/drawing/2014/main" id="{F389ACB2-67CB-9CEB-C761-8C2146E07C79}"/>
-              </a:ext>
-            </a:extLst>
-          </p:cNvPr>
-          <p:cNvSpPr txBox="1"/>
-          <p:nvPr/>
-        </p:nvSpPr>
-        <p:spPr>
-          <a:xfrm>
-            <a:off x="406400" y="3190910"/>
-            <a:ext cx="8447825" cy="948978"/>
-          </a:xfrm>
-          <a:prstGeom prst="rect">
-            <a:avLst/>
-          </a:prstGeom>
-          <a:noFill/>
-          <a:ln w="12700" cap="flat">
-            <a:noFill/>
-            <a:miter lim="400000"/>
-          </a:ln>
-          <a:effectLst/>
-          <a:sp3d/>
-        </p:spPr>
-        <p:style>
-          <a:lnRef idx="0">
-            <a:scrgbClr r="0" g="0" b="0"/>
-          </a:lnRef>
-          <a:fillRef idx="0">
-            <a:scrgbClr r="0" g="0" b="0"/>
-          </a:fillRef>
-          <a:effectRef idx="0">
-            <a:scrgbClr r="0" g="0" b="0"/>
-          </a:effectRef>
-          <a:fontRef idx="none"/>
-        </p:style>
-        <p:txBody>
-          <a:bodyPr rot="0" spcFirstLastPara="1" vertOverflow="overflow" horzOverflow="overflow" vert="horz" wrap="none" lIns="50800" tIns="50800" rIns="50800" bIns="50800" numCol="1" spcCol="38100" rtlCol="0" anchor="ctr">
-            <a:spAutoFit/>
+          <a:bodyPr wrap="none">
+            <a:normAutofit fontScale="90000"/>
           </a:bodyPr>
           <a:lstStyle/>
           <a:p>
-            <a:pPr marL="0" marR="0" indent="0" algn="l" defTabSz="584200" rtl="0" fontAlgn="auto" latinLnBrk="0" hangingPunct="0">
-              <a:lnSpc>
-                <a:spcPct val="100000"/>
-              </a:lnSpc>
-              <a:spcBef>
-                <a:spcPts val="2400"/>
-              </a:spcBef>
-              <a:spcAft>
-                <a:spcPts val="0"/>
-              </a:spcAft>
-              <a:buClrTx/>
-              <a:buSzTx/>
-              <a:buFontTx/>
-              <a:buNone/>
-              <a:tabLst/>
-            </a:pPr>
             <a:r>
-              <a:rPr kumimoji="0" lang="en-US" sz="3500" b="0" i="0" u="none" strike="noStrike" cap="none" spc="0" normalizeH="0" baseline="0" dirty="0">
-                <a:ln>
-                  <a:noFill/>
-                </a:ln>
-                <a:solidFill>
-                  <a:srgbClr val="222222"/>
-                </a:solidFill>
-                <a:effectLst/>
-                <a:uFillTx/>
-                <a:latin typeface="DIN Condensed"/>
-                <a:ea typeface="DIN Condensed"/>
-                <a:cs typeface="DIN Condensed"/>
-                <a:sym typeface="DIN Condensed"/>
-              </a:rPr>
-              <a:t>In the case where the probability of winning is at least 50%...</a:t>
+              <a:rPr lang="en-US" dirty="0"/>
+              <a:t>So… Will assuming the line is the log odds work?</a:t>
             </a:r>
           </a:p>
         </p:txBody>
@@ -20494,7 +24296,7 @@
           <p:cNvPr id="3" name="Text Placeholder 2">
             <a:extLst>
               <a:ext uri="{FF2B5EF4-FFF2-40B4-BE49-F238E27FC236}">
-                <a16:creationId xmlns:a16="http://schemas.microsoft.com/office/drawing/2014/main" id="{07F1C1F7-130D-09C6-F258-C631A127540C}"/>
+                <a16:creationId xmlns:a16="http://schemas.microsoft.com/office/drawing/2014/main" id="{B1DDA42A-A3D4-27A7-801E-390DFFE47C7F}"/>
               </a:ext>
             </a:extLst>
           </p:cNvPr>
@@ -20510,17 +24312,888 @@
           <a:bodyPr/>
           <a:lstStyle/>
           <a:p>
-            <a:r>
-              <a:rPr lang="en-US" dirty="0"/>
-              <a:t>Range from 0 to infinity</a:t>
-            </a:r>
+            <a:endParaRPr lang="en-US"/>
           </a:p>
         </p:txBody>
       </p:sp>
+      <mc:AlternateContent xmlns:mc="http://schemas.openxmlformats.org/markup-compatibility/2006">
+        <mc:Choice xmlns:a14="http://schemas.microsoft.com/office/drawing/2010/main" Requires="a14">
+          <p:sp>
+            <p:nvSpPr>
+              <p:cNvPr id="4" name="Text Placeholder 3">
+                <a:extLst>
+                  <a:ext uri="{FF2B5EF4-FFF2-40B4-BE49-F238E27FC236}">
+                    <a16:creationId xmlns:a16="http://schemas.microsoft.com/office/drawing/2014/main" id="{9CDB1601-67CC-E114-87BC-0AC7C4ACD3DB}"/>
+                  </a:ext>
+                </a:extLst>
+              </p:cNvPr>
+              <p:cNvSpPr>
+                <a:spLocks noGrp="1"/>
+              </p:cNvSpPr>
+              <p:nvPr>
+                <p:ph type="body" sz="quarter" idx="10"/>
+              </p:nvPr>
+            </p:nvSpPr>
+            <p:spPr>
+              <a:xfrm>
+                <a:off x="125506" y="2438400"/>
+                <a:ext cx="6454588" cy="6883400"/>
+              </a:xfrm>
+            </p:spPr>
+            <p:txBody>
+              <a:bodyPr>
+                <a:normAutofit/>
+              </a:bodyPr>
+              <a:lstStyle/>
+              <a:p>
+                <a:r>
+                  <a:rPr lang="en-US" b="0" dirty="0"/>
+                  <a:t>If </a:t>
+                </a:r>
+                <a14:m>
+                  <m:oMath xmlns:m="http://schemas.openxmlformats.org/officeDocument/2006/math">
+                    <m:r>
+                      <a:rPr lang="en-US" b="0" i="1" smtClean="0">
+                        <a:latin typeface="Cambria Math" panose="02040503050406030204" pitchFamily="18" charset="0"/>
+                      </a:rPr>
+                      <m:t>𝑝</m:t>
+                    </m:r>
+                    <m:r>
+                      <a:rPr lang="en-US" b="0" i="1" smtClean="0">
+                        <a:latin typeface="Cambria Math" panose="02040503050406030204" pitchFamily="18" charset="0"/>
+                      </a:rPr>
+                      <m:t>= </m:t>
+                    </m:r>
+                    <m:f>
+                      <m:fPr>
+                        <m:ctrlPr>
+                          <a:rPr lang="en-US" b="0" i="1" smtClean="0">
+                            <a:latin typeface="Cambria Math" panose="02040503050406030204" pitchFamily="18" charset="0"/>
+                          </a:rPr>
+                        </m:ctrlPr>
+                      </m:fPr>
+                      <m:num>
+                        <m:r>
+                          <a:rPr lang="en-US" b="0" i="1" smtClean="0">
+                            <a:latin typeface="Cambria Math" panose="02040503050406030204" pitchFamily="18" charset="0"/>
+                          </a:rPr>
+                          <m:t>1</m:t>
+                        </m:r>
+                      </m:num>
+                      <m:den>
+                        <m:r>
+                          <a:rPr lang="en-US" b="0" i="1" smtClean="0">
+                            <a:latin typeface="Cambria Math" panose="02040503050406030204" pitchFamily="18" charset="0"/>
+                          </a:rPr>
+                          <m:t>1+</m:t>
+                        </m:r>
+                        <m:sSup>
+                          <m:sSupPr>
+                            <m:ctrlPr>
+                              <a:rPr lang="en-US" b="0" i="1" smtClean="0">
+                                <a:latin typeface="Cambria Math" panose="02040503050406030204" pitchFamily="18" charset="0"/>
+                              </a:rPr>
+                            </m:ctrlPr>
+                          </m:sSupPr>
+                          <m:e>
+                            <m:r>
+                              <a:rPr lang="en-US" b="0" i="1" smtClean="0">
+                                <a:latin typeface="Cambria Math" panose="02040503050406030204" pitchFamily="18" charset="0"/>
+                              </a:rPr>
+                              <m:t>𝑒</m:t>
+                            </m:r>
+                          </m:e>
+                          <m:sup>
+                            <m:r>
+                              <a:rPr lang="en-US" b="0" i="1" smtClean="0">
+                                <a:latin typeface="Cambria Math" panose="02040503050406030204" pitchFamily="18" charset="0"/>
+                              </a:rPr>
+                              <m:t>−</m:t>
+                            </m:r>
+                            <m:r>
+                              <a:rPr lang="en-US" b="0" i="1" smtClean="0">
+                                <a:latin typeface="Cambria Math" panose="02040503050406030204" pitchFamily="18" charset="0"/>
+                              </a:rPr>
+                              <m:t>𝑘</m:t>
+                            </m:r>
+                            <m:r>
+                              <a:rPr lang="en-US" b="0" i="1" smtClean="0">
+                                <a:latin typeface="Cambria Math" panose="02040503050406030204" pitchFamily="18" charset="0"/>
+                              </a:rPr>
+                              <m:t>(</m:t>
+                            </m:r>
+                            <m:r>
+                              <a:rPr lang="en-US" b="0" i="1" smtClean="0">
+                                <a:latin typeface="Cambria Math" panose="02040503050406030204" pitchFamily="18" charset="0"/>
+                              </a:rPr>
+                              <m:t>𝑥</m:t>
+                            </m:r>
+                            <m:r>
+                              <a:rPr lang="en-US" b="0" i="1" smtClean="0">
+                                <a:latin typeface="Cambria Math" panose="02040503050406030204" pitchFamily="18" charset="0"/>
+                              </a:rPr>
+                              <m:t>−</m:t>
+                            </m:r>
+                            <m:sSub>
+                              <m:sSubPr>
+                                <m:ctrlPr>
+                                  <a:rPr lang="en-US" b="0" i="1" smtClean="0">
+                                    <a:latin typeface="Cambria Math" panose="02040503050406030204" pitchFamily="18" charset="0"/>
+                                  </a:rPr>
+                                </m:ctrlPr>
+                              </m:sSubPr>
+                              <m:e>
+                                <m:r>
+                                  <a:rPr lang="en-US" b="0" i="1" smtClean="0">
+                                    <a:latin typeface="Cambria Math" panose="02040503050406030204" pitchFamily="18" charset="0"/>
+                                  </a:rPr>
+                                  <m:t>𝑥</m:t>
+                                </m:r>
+                              </m:e>
+                              <m:sub>
+                                <m:r>
+                                  <a:rPr lang="en-US" b="0" i="1" smtClean="0">
+                                    <a:latin typeface="Cambria Math" panose="02040503050406030204" pitchFamily="18" charset="0"/>
+                                  </a:rPr>
+                                  <m:t>0</m:t>
+                                </m:r>
+                              </m:sub>
+                            </m:sSub>
+                            <m:r>
+                              <a:rPr lang="en-US" b="0" i="1" smtClean="0">
+                                <a:latin typeface="Cambria Math" panose="02040503050406030204" pitchFamily="18" charset="0"/>
+                              </a:rPr>
+                              <m:t>)</m:t>
+                            </m:r>
+                          </m:sup>
+                        </m:sSup>
+                      </m:den>
+                    </m:f>
+                  </m:oMath>
+                </a14:m>
+                <a:r>
+                  <a:rPr lang="en-US" dirty="0"/>
+                  <a:t>,</a:t>
+                </a:r>
+                <a:br>
+                  <a:rPr lang="en-US" dirty="0"/>
+                </a:br>
+                <a:endParaRPr lang="en-US" dirty="0"/>
+              </a:p>
+              <a:p>
+                <a:r>
+                  <a:rPr lang="en-US" dirty="0"/>
+                  <a:t>is </a:t>
+                </a:r>
+                <a14:m>
+                  <m:oMath xmlns:m="http://schemas.openxmlformats.org/officeDocument/2006/math">
+                    <m:r>
+                      <m:rPr>
+                        <m:sty m:val="p"/>
+                      </m:rPr>
+                      <a:rPr lang="en-US" b="0" i="0" smtClean="0">
+                        <a:latin typeface="Cambria Math" panose="02040503050406030204" pitchFamily="18" charset="0"/>
+                      </a:rPr>
+                      <m:t>log</m:t>
+                    </m:r>
+                    <m:d>
+                      <m:dPr>
+                        <m:ctrlPr>
+                          <a:rPr lang="en-US" b="0" i="1" smtClean="0">
+                            <a:latin typeface="Cambria Math" panose="02040503050406030204" pitchFamily="18" charset="0"/>
+                          </a:rPr>
+                        </m:ctrlPr>
+                      </m:dPr>
+                      <m:e>
+                        <m:f>
+                          <m:fPr>
+                            <m:ctrlPr>
+                              <a:rPr lang="en-US" i="1">
+                                <a:latin typeface="Cambria Math" panose="02040503050406030204" pitchFamily="18" charset="0"/>
+                              </a:rPr>
+                            </m:ctrlPr>
+                          </m:fPr>
+                          <m:num>
+                            <m:r>
+                              <m:rPr>
+                                <m:sty m:val="p"/>
+                              </m:rPr>
+                              <a:rPr lang="en-US">
+                                <a:latin typeface="Cambria Math" panose="02040503050406030204" pitchFamily="18" charset="0"/>
+                              </a:rPr>
+                              <m:t>probability</m:t>
+                            </m:r>
+                          </m:num>
+                          <m:den>
+                            <m:r>
+                              <a:rPr lang="en-US" i="1">
+                                <a:latin typeface="Cambria Math" panose="02040503050406030204" pitchFamily="18" charset="0"/>
+                              </a:rPr>
+                              <m:t>1−</m:t>
+                            </m:r>
+                            <m:r>
+                              <m:rPr>
+                                <m:sty m:val="p"/>
+                              </m:rPr>
+                              <a:rPr lang="en-US">
+                                <a:latin typeface="Cambria Math" panose="02040503050406030204" pitchFamily="18" charset="0"/>
+                              </a:rPr>
+                              <m:t>probabillity</m:t>
+                            </m:r>
+                          </m:den>
+                        </m:f>
+                      </m:e>
+                    </m:d>
+                  </m:oMath>
+                </a14:m>
+                <a:r>
+                  <a:rPr lang="en-US" dirty="0"/>
+                  <a:t> linear?</a:t>
+                </a:r>
+              </a:p>
+            </p:txBody>
+          </p:sp>
+        </mc:Choice>
+        <mc:Fallback>
+          <p:sp>
+            <p:nvSpPr>
+              <p:cNvPr id="4" name="Text Placeholder 3">
+                <a:extLst>
+                  <a:ext uri="{FF2B5EF4-FFF2-40B4-BE49-F238E27FC236}">
+                    <a16:creationId xmlns:a16="http://schemas.microsoft.com/office/drawing/2014/main" id="{9CDB1601-67CC-E114-87BC-0AC7C4ACD3DB}"/>
+                  </a:ext>
+                </a:extLst>
+              </p:cNvPr>
+              <p:cNvSpPr>
+                <a:spLocks noGrp="1" noRot="1" noChangeAspect="1" noMove="1" noResize="1" noEditPoints="1" noAdjustHandles="1" noChangeArrowheads="1" noChangeShapeType="1" noTextEdit="1"/>
+              </p:cNvSpPr>
+              <p:nvPr>
+                <p:ph type="body" sz="quarter" idx="10"/>
+              </p:nvPr>
+            </p:nvSpPr>
+            <p:spPr>
+              <a:xfrm>
+                <a:off x="125506" y="2438400"/>
+                <a:ext cx="6454588" cy="6883400"/>
+              </a:xfrm>
+              <a:blipFill>
+                <a:blip r:embed="rId2"/>
+                <a:stretch>
+                  <a:fillRect l="-3150"/>
+                </a:stretch>
+              </a:blipFill>
+            </p:spPr>
+            <p:txBody>
+              <a:bodyPr/>
+              <a:lstStyle/>
+              <a:p>
+                <a:r>
+                  <a:rPr lang="en-US">
+                    <a:noFill/>
+                  </a:rPr>
+                  <a:t> </a:t>
+                </a:r>
+              </a:p>
+            </p:txBody>
+          </p:sp>
+        </mc:Fallback>
+      </mc:AlternateContent>
+      <mc:AlternateContent xmlns:mc="http://schemas.openxmlformats.org/markup-compatibility/2006">
+        <mc:Choice xmlns:a14="http://schemas.microsoft.com/office/drawing/2010/main" Requires="a14">
+          <p:sp>
+            <p:nvSpPr>
+              <p:cNvPr id="5" name="Text Placeholder 3">
+                <a:extLst>
+                  <a:ext uri="{FF2B5EF4-FFF2-40B4-BE49-F238E27FC236}">
+                    <a16:creationId xmlns:a16="http://schemas.microsoft.com/office/drawing/2014/main" id="{9137382B-C556-F934-2F19-0D4B7BA08D96}"/>
+                  </a:ext>
+                </a:extLst>
+              </p:cNvPr>
+              <p:cNvSpPr txBox="1">
+                <a:spLocks/>
+              </p:cNvSpPr>
+              <p:nvPr/>
+            </p:nvSpPr>
+            <p:spPr>
+              <a:xfrm>
+                <a:off x="6185646" y="2563906"/>
+                <a:ext cx="6560391" cy="6910293"/>
+              </a:xfrm>
+              <a:prstGeom prst="rect">
+                <a:avLst/>
+              </a:prstGeom>
+            </p:spPr>
+            <p:txBody>
+              <a:bodyPr vert="horz" lIns="91440" tIns="45720" rIns="91440" bIns="45720" rtlCol="0">
+                <a:normAutofit/>
+              </a:bodyPr>
+              <a:lstStyle>
+                <a:lvl1pPr marL="471487" marR="0" indent="-471487" algn="l" defTabSz="650240" rtl="0" latinLnBrk="0">
+                  <a:lnSpc>
+                    <a:spcPct val="100000"/>
+                  </a:lnSpc>
+                  <a:spcBef>
+                    <a:spcPts val="1000"/>
+                  </a:spcBef>
+                  <a:spcAft>
+                    <a:spcPts val="0"/>
+                  </a:spcAft>
+                  <a:buClr>
+                    <a:schemeClr val="accent1"/>
+                  </a:buClr>
+                  <a:buSzPct val="100000"/>
+                  <a:buFont typeface="Webdings" panose="05030102010509060703" pitchFamily="18" charset="2"/>
+                  <a:buChar char=""/>
+                  <a:tabLst/>
+                  <a:defRPr sz="4400" b="0" i="0" u="none" strike="noStrike" cap="none" spc="0" baseline="0">
+                    <a:ln>
+                      <a:noFill/>
+                    </a:ln>
+                    <a:solidFill>
+                      <a:schemeClr val="tx2"/>
+                    </a:solidFill>
+                    <a:uFillTx/>
+                    <a:latin typeface="Calibri"/>
+                    <a:ea typeface="Calibri"/>
+                    <a:cs typeface="Calibri"/>
+                    <a:sym typeface="Calibri"/>
+                  </a:defRPr>
+                </a:lvl1pPr>
+                <a:lvl2pPr marL="904875" marR="0" indent="-447675" algn="l" defTabSz="650240" rtl="0" latinLnBrk="0">
+                  <a:lnSpc>
+                    <a:spcPct val="100000"/>
+                  </a:lnSpc>
+                  <a:spcBef>
+                    <a:spcPts val="1000"/>
+                  </a:spcBef>
+                  <a:spcAft>
+                    <a:spcPts val="0"/>
+                  </a:spcAft>
+                  <a:buClr>
+                    <a:schemeClr val="accent1"/>
+                  </a:buClr>
+                  <a:buSzPct val="100000"/>
+                  <a:buFont typeface="Wingdings" panose="05000000000000000000" pitchFamily="2" charset="2"/>
+                  <a:buChar char="§"/>
+                  <a:tabLst/>
+                  <a:defRPr sz="4400" b="0" i="0" u="none" strike="noStrike" cap="none" spc="0" baseline="0">
+                    <a:ln>
+                      <a:noFill/>
+                    </a:ln>
+                    <a:solidFill>
+                      <a:schemeClr val="tx2"/>
+                    </a:solidFill>
+                    <a:uFillTx/>
+                    <a:latin typeface="Calibri"/>
+                    <a:ea typeface="Calibri"/>
+                    <a:cs typeface="Calibri"/>
+                    <a:sym typeface="Calibri"/>
+                  </a:defRPr>
+                </a:lvl2pPr>
+                <a:lvl3pPr marL="1333500" marR="0" indent="-419100" algn="l" defTabSz="650240" rtl="0" latinLnBrk="0">
+                  <a:lnSpc>
+                    <a:spcPct val="100000"/>
+                  </a:lnSpc>
+                  <a:spcBef>
+                    <a:spcPts val="1000"/>
+                  </a:spcBef>
+                  <a:spcAft>
+                    <a:spcPts val="0"/>
+                  </a:spcAft>
+                  <a:buClrTx/>
+                  <a:buSzPct val="100000"/>
+                  <a:buFont typeface="Arial"/>
+                  <a:buChar char="•"/>
+                  <a:tabLst/>
+                  <a:defRPr sz="4400" b="0" i="0" u="none" strike="noStrike" cap="none" spc="0" baseline="0">
+                    <a:ln>
+                      <a:noFill/>
+                    </a:ln>
+                    <a:solidFill>
+                      <a:schemeClr val="tx2"/>
+                    </a:solidFill>
+                    <a:uFillTx/>
+                    <a:latin typeface="Calibri"/>
+                    <a:ea typeface="Calibri"/>
+                    <a:cs typeface="Calibri"/>
+                    <a:sym typeface="Calibri"/>
+                  </a:defRPr>
+                </a:lvl3pPr>
+                <a:lvl4pPr marL="1874520" marR="0" indent="-502919" algn="l" defTabSz="650240" rtl="0" latinLnBrk="0">
+                  <a:lnSpc>
+                    <a:spcPct val="100000"/>
+                  </a:lnSpc>
+                  <a:spcBef>
+                    <a:spcPts val="1000"/>
+                  </a:spcBef>
+                  <a:spcAft>
+                    <a:spcPts val="0"/>
+                  </a:spcAft>
+                  <a:buClrTx/>
+                  <a:buSzPct val="100000"/>
+                  <a:buFont typeface="Arial"/>
+                  <a:buChar char="–"/>
+                  <a:tabLst/>
+                  <a:defRPr sz="4400" b="0" i="0" u="none" strike="noStrike" cap="none" spc="0" baseline="0">
+                    <a:ln>
+                      <a:noFill/>
+                    </a:ln>
+                    <a:solidFill>
+                      <a:schemeClr val="tx2"/>
+                    </a:solidFill>
+                    <a:uFillTx/>
+                    <a:latin typeface="Calibri"/>
+                    <a:ea typeface="Calibri"/>
+                    <a:cs typeface="Calibri"/>
+                    <a:sym typeface="Calibri"/>
+                  </a:defRPr>
+                </a:lvl4pPr>
+                <a:lvl5pPr marL="2331720" marR="0" indent="-502920" algn="l" defTabSz="650240" rtl="0" latinLnBrk="0">
+                  <a:lnSpc>
+                    <a:spcPct val="100000"/>
+                  </a:lnSpc>
+                  <a:spcBef>
+                    <a:spcPts val="1000"/>
+                  </a:spcBef>
+                  <a:spcAft>
+                    <a:spcPts val="0"/>
+                  </a:spcAft>
+                  <a:buClrTx/>
+                  <a:buSzPct val="100000"/>
+                  <a:buFont typeface="Arial"/>
+                  <a:buChar char="»"/>
+                  <a:tabLst/>
+                  <a:defRPr sz="4400" b="0" i="0" u="none" strike="noStrike" cap="none" spc="0" baseline="0">
+                    <a:ln>
+                      <a:noFill/>
+                    </a:ln>
+                    <a:solidFill>
+                      <a:schemeClr val="tx2"/>
+                    </a:solidFill>
+                    <a:uFillTx/>
+                    <a:latin typeface="Calibri"/>
+                    <a:ea typeface="Calibri"/>
+                    <a:cs typeface="Calibri"/>
+                    <a:sym typeface="Calibri"/>
+                  </a:defRPr>
+                </a:lvl5pPr>
+                <a:lvl6pPr marL="2797735" marR="0" indent="-575235" algn="l" defTabSz="650240" rtl="0" latinLnBrk="0">
+                  <a:lnSpc>
+                    <a:spcPct val="100000"/>
+                  </a:lnSpc>
+                  <a:spcBef>
+                    <a:spcPts val="1000"/>
+                  </a:spcBef>
+                  <a:spcAft>
+                    <a:spcPts val="0"/>
+                  </a:spcAft>
+                  <a:buClrTx/>
+                  <a:buSzPct val="104999"/>
+                  <a:buFont typeface="Arial"/>
+                  <a:buChar char="‣"/>
+                  <a:tabLst/>
+                  <a:defRPr sz="4400" b="0" i="0" u="none" strike="noStrike" cap="none" spc="0" baseline="0">
+                    <a:ln>
+                      <a:noFill/>
+                    </a:ln>
+                    <a:solidFill>
+                      <a:srgbClr val="000000"/>
+                    </a:solidFill>
+                    <a:uFillTx/>
+                    <a:latin typeface="Calibri"/>
+                    <a:ea typeface="Calibri"/>
+                    <a:cs typeface="Calibri"/>
+                    <a:sym typeface="Calibri"/>
+                  </a:defRPr>
+                </a:lvl6pPr>
+                <a:lvl7pPr marL="3242235" marR="0" indent="-575235" algn="l" defTabSz="650240" rtl="0" latinLnBrk="0">
+                  <a:lnSpc>
+                    <a:spcPct val="100000"/>
+                  </a:lnSpc>
+                  <a:spcBef>
+                    <a:spcPts val="1000"/>
+                  </a:spcBef>
+                  <a:spcAft>
+                    <a:spcPts val="0"/>
+                  </a:spcAft>
+                  <a:buClrTx/>
+                  <a:buSzPct val="104999"/>
+                  <a:buFont typeface="Arial"/>
+                  <a:buChar char="‣"/>
+                  <a:tabLst/>
+                  <a:defRPr sz="4400" b="0" i="0" u="none" strike="noStrike" cap="none" spc="0" baseline="0">
+                    <a:ln>
+                      <a:noFill/>
+                    </a:ln>
+                    <a:solidFill>
+                      <a:srgbClr val="000000"/>
+                    </a:solidFill>
+                    <a:uFillTx/>
+                    <a:latin typeface="Calibri"/>
+                    <a:ea typeface="Calibri"/>
+                    <a:cs typeface="Calibri"/>
+                    <a:sym typeface="Calibri"/>
+                  </a:defRPr>
+                </a:lvl7pPr>
+                <a:lvl8pPr marL="3686735" marR="0" indent="-575235" algn="l" defTabSz="650240" rtl="0" latinLnBrk="0">
+                  <a:lnSpc>
+                    <a:spcPct val="100000"/>
+                  </a:lnSpc>
+                  <a:spcBef>
+                    <a:spcPts val="1000"/>
+                  </a:spcBef>
+                  <a:spcAft>
+                    <a:spcPts val="0"/>
+                  </a:spcAft>
+                  <a:buClrTx/>
+                  <a:buSzPct val="104999"/>
+                  <a:buFont typeface="Arial"/>
+                  <a:buChar char="‣"/>
+                  <a:tabLst/>
+                  <a:defRPr sz="4400" b="0" i="0" u="none" strike="noStrike" cap="none" spc="0" baseline="0">
+                    <a:ln>
+                      <a:noFill/>
+                    </a:ln>
+                    <a:solidFill>
+                      <a:srgbClr val="000000"/>
+                    </a:solidFill>
+                    <a:uFillTx/>
+                    <a:latin typeface="Calibri"/>
+                    <a:ea typeface="Calibri"/>
+                    <a:cs typeface="Calibri"/>
+                    <a:sym typeface="Calibri"/>
+                  </a:defRPr>
+                </a:lvl8pPr>
+                <a:lvl9pPr marL="4131235" marR="0" indent="-575235" algn="l" defTabSz="650240" rtl="0" latinLnBrk="0">
+                  <a:lnSpc>
+                    <a:spcPct val="100000"/>
+                  </a:lnSpc>
+                  <a:spcBef>
+                    <a:spcPts val="1000"/>
+                  </a:spcBef>
+                  <a:spcAft>
+                    <a:spcPts val="0"/>
+                  </a:spcAft>
+                  <a:buClrTx/>
+                  <a:buSzPct val="104999"/>
+                  <a:buFont typeface="Arial"/>
+                  <a:buChar char="‣"/>
+                  <a:tabLst/>
+                  <a:defRPr sz="4400" b="0" i="0" u="none" strike="noStrike" cap="none" spc="0" baseline="0">
+                    <a:ln>
+                      <a:noFill/>
+                    </a:ln>
+                    <a:solidFill>
+                      <a:srgbClr val="000000"/>
+                    </a:solidFill>
+                    <a:uFillTx/>
+                    <a:latin typeface="Calibri"/>
+                    <a:ea typeface="Calibri"/>
+                    <a:cs typeface="Calibri"/>
+                    <a:sym typeface="Calibri"/>
+                  </a:defRPr>
+                </a:lvl9pPr>
+              </a:lstStyle>
+              <a:p>
+                <a:pPr marL="0" indent="0" hangingPunct="1">
+                  <a:buFont typeface="Webdings" panose="05030102010509060703" pitchFamily="18" charset="2"/>
+                  <a:buNone/>
+                </a:pPr>
+                <a14:m>
+                  <m:oMathPara xmlns:m="http://schemas.openxmlformats.org/officeDocument/2006/math">
+                    <m:oMathParaPr>
+                      <m:jc m:val="left"/>
+                    </m:oMathParaPr>
+                    <m:oMath xmlns:m="http://schemas.openxmlformats.org/officeDocument/2006/math">
+                      <m:r>
+                        <a:rPr lang="en-US" i="1" smtClean="0">
+                          <a:latin typeface="Cambria Math" panose="02040503050406030204" pitchFamily="18" charset="0"/>
+                        </a:rPr>
+                        <m:t>𝑝</m:t>
+                      </m:r>
+                      <m:r>
+                        <a:rPr lang="en-US" i="1" smtClean="0">
+                          <a:latin typeface="Cambria Math" panose="02040503050406030204" pitchFamily="18" charset="0"/>
+                        </a:rPr>
+                        <m:t>=</m:t>
+                      </m:r>
+                      <m:f>
+                        <m:fPr>
+                          <m:ctrlPr>
+                            <a:rPr lang="en-US" i="1" smtClean="0">
+                              <a:latin typeface="Cambria Math" panose="02040503050406030204" pitchFamily="18" charset="0"/>
+                            </a:rPr>
+                          </m:ctrlPr>
+                        </m:fPr>
+                        <m:num>
+                          <m:r>
+                            <a:rPr lang="en-US" i="1" smtClean="0">
+                              <a:latin typeface="Cambria Math" panose="02040503050406030204" pitchFamily="18" charset="0"/>
+                            </a:rPr>
+                            <m:t>1</m:t>
+                          </m:r>
+                        </m:num>
+                        <m:den>
+                          <m:r>
+                            <a:rPr lang="en-US" i="1" smtClean="0">
+                              <a:latin typeface="Cambria Math" panose="02040503050406030204" pitchFamily="18" charset="0"/>
+                            </a:rPr>
+                            <m:t>1+</m:t>
+                          </m:r>
+                          <m:sSup>
+                            <m:sSupPr>
+                              <m:ctrlPr>
+                                <a:rPr lang="en-US" i="1" smtClean="0">
+                                  <a:latin typeface="Cambria Math" panose="02040503050406030204" pitchFamily="18" charset="0"/>
+                                </a:rPr>
+                              </m:ctrlPr>
+                            </m:sSupPr>
+                            <m:e>
+                              <m:r>
+                                <a:rPr lang="en-US" i="1" smtClean="0">
+                                  <a:latin typeface="Cambria Math" panose="02040503050406030204" pitchFamily="18" charset="0"/>
+                                </a:rPr>
+                                <m:t>𝑒</m:t>
+                              </m:r>
+                            </m:e>
+                            <m:sup>
+                              <m:r>
+                                <a:rPr lang="en-US" i="1" smtClean="0">
+                                  <a:latin typeface="Cambria Math" panose="02040503050406030204" pitchFamily="18" charset="0"/>
+                                </a:rPr>
+                                <m:t>−ℓ</m:t>
+                              </m:r>
+                            </m:sup>
+                          </m:sSup>
+                        </m:den>
+                      </m:f>
+                      <m:r>
+                        <a:rPr lang="en-US" i="1" smtClean="0">
+                          <a:latin typeface="Cambria Math" panose="02040503050406030204" pitchFamily="18" charset="0"/>
+                        </a:rPr>
+                        <m:t>=</m:t>
+                      </m:r>
+                      <m:f>
+                        <m:fPr>
+                          <m:ctrlPr>
+                            <a:rPr lang="en-US" i="1" smtClean="0">
+                              <a:latin typeface="Cambria Math" panose="02040503050406030204" pitchFamily="18" charset="0"/>
+                            </a:rPr>
+                          </m:ctrlPr>
+                        </m:fPr>
+                        <m:num>
+                          <m:sSup>
+                            <m:sSupPr>
+                              <m:ctrlPr>
+                                <a:rPr lang="en-US" i="1" smtClean="0">
+                                  <a:latin typeface="Cambria Math" panose="02040503050406030204" pitchFamily="18" charset="0"/>
+                                </a:rPr>
+                              </m:ctrlPr>
+                            </m:sSupPr>
+                            <m:e>
+                              <m:r>
+                                <a:rPr lang="en-US" i="1" smtClean="0">
+                                  <a:latin typeface="Cambria Math" panose="02040503050406030204" pitchFamily="18" charset="0"/>
+                                </a:rPr>
+                                <m:t>𝑒</m:t>
+                              </m:r>
+                            </m:e>
+                            <m:sup>
+                              <m:r>
+                                <a:rPr lang="en-US" i="1" smtClean="0">
+                                  <a:latin typeface="Cambria Math" panose="02040503050406030204" pitchFamily="18" charset="0"/>
+                                </a:rPr>
+                                <m:t>ℓ</m:t>
+                              </m:r>
+                            </m:sup>
+                          </m:sSup>
+                        </m:num>
+                        <m:den>
+                          <m:sSup>
+                            <m:sSupPr>
+                              <m:ctrlPr>
+                                <a:rPr lang="en-US" i="1" smtClean="0">
+                                  <a:latin typeface="Cambria Math" panose="02040503050406030204" pitchFamily="18" charset="0"/>
+                                </a:rPr>
+                              </m:ctrlPr>
+                            </m:sSupPr>
+                            <m:e>
+                              <m:r>
+                                <a:rPr lang="en-US" i="1" smtClean="0">
+                                  <a:latin typeface="Cambria Math" panose="02040503050406030204" pitchFamily="18" charset="0"/>
+                                </a:rPr>
+                                <m:t>𝑒</m:t>
+                              </m:r>
+                            </m:e>
+                            <m:sup>
+                              <m:r>
+                                <a:rPr lang="en-US" i="1" smtClean="0">
+                                  <a:latin typeface="Cambria Math" panose="02040503050406030204" pitchFamily="18" charset="0"/>
+                                </a:rPr>
+                                <m:t>ℓ</m:t>
+                              </m:r>
+                            </m:sup>
+                          </m:sSup>
+                          <m:r>
+                            <a:rPr lang="en-US" i="1" smtClean="0">
+                              <a:latin typeface="Cambria Math" panose="02040503050406030204" pitchFamily="18" charset="0"/>
+                            </a:rPr>
+                            <m:t>+1</m:t>
+                          </m:r>
+                        </m:den>
+                      </m:f>
+                    </m:oMath>
+                  </m:oMathPara>
+                </a14:m>
+                <a:endParaRPr lang="en-US" dirty="0"/>
+              </a:p>
+              <a:p>
+                <a:pPr marL="0" indent="0" hangingPunct="1">
+                  <a:buFont typeface="Webdings" panose="05030102010509060703" pitchFamily="18" charset="2"/>
+                  <a:buNone/>
+                </a:pPr>
+                <a14:m>
+                  <m:oMathPara xmlns:m="http://schemas.openxmlformats.org/officeDocument/2006/math">
+                    <m:oMathParaPr>
+                      <m:jc m:val="left"/>
+                    </m:oMathParaPr>
+                    <m:oMath xmlns:m="http://schemas.openxmlformats.org/officeDocument/2006/math">
+                      <m:r>
+                        <a:rPr lang="en-US" i="1" smtClean="0">
+                          <a:latin typeface="Cambria Math" panose="02040503050406030204" pitchFamily="18" charset="0"/>
+                        </a:rPr>
+                        <m:t>𝑝</m:t>
+                      </m:r>
+                      <m:d>
+                        <m:dPr>
+                          <m:ctrlPr>
+                            <a:rPr lang="en-US" i="1" smtClean="0">
+                              <a:latin typeface="Cambria Math" panose="02040503050406030204" pitchFamily="18" charset="0"/>
+                            </a:rPr>
+                          </m:ctrlPr>
+                        </m:dPr>
+                        <m:e>
+                          <m:r>
+                            <a:rPr lang="en-US" i="1" smtClean="0">
+                              <a:latin typeface="Cambria Math" panose="02040503050406030204" pitchFamily="18" charset="0"/>
+                            </a:rPr>
+                            <m:t>1+</m:t>
+                          </m:r>
+                          <m:sSup>
+                            <m:sSupPr>
+                              <m:ctrlPr>
+                                <a:rPr lang="en-US" i="1" smtClean="0">
+                                  <a:latin typeface="Cambria Math" panose="02040503050406030204" pitchFamily="18" charset="0"/>
+                                </a:rPr>
+                              </m:ctrlPr>
+                            </m:sSupPr>
+                            <m:e>
+                              <m:r>
+                                <a:rPr lang="en-US" i="1" smtClean="0">
+                                  <a:latin typeface="Cambria Math" panose="02040503050406030204" pitchFamily="18" charset="0"/>
+                                </a:rPr>
+                                <m:t>𝑒</m:t>
+                              </m:r>
+                            </m:e>
+                            <m:sup>
+                              <m:r>
+                                <a:rPr lang="en-US" i="1" smtClean="0">
+                                  <a:latin typeface="Cambria Math" panose="02040503050406030204" pitchFamily="18" charset="0"/>
+                                </a:rPr>
+                                <m:t>ℓ</m:t>
+                              </m:r>
+                            </m:sup>
+                          </m:sSup>
+                        </m:e>
+                      </m:d>
+                      <m:r>
+                        <a:rPr lang="en-US" i="1" smtClean="0">
+                          <a:latin typeface="Cambria Math" panose="02040503050406030204" pitchFamily="18" charset="0"/>
+                        </a:rPr>
+                        <m:t>=</m:t>
+                      </m:r>
+                      <m:sSup>
+                        <m:sSupPr>
+                          <m:ctrlPr>
+                            <a:rPr lang="en-US" i="1" smtClean="0">
+                              <a:latin typeface="Cambria Math" panose="02040503050406030204" pitchFamily="18" charset="0"/>
+                            </a:rPr>
+                          </m:ctrlPr>
+                        </m:sSupPr>
+                        <m:e>
+                          <m:r>
+                            <a:rPr lang="en-US" i="1" smtClean="0">
+                              <a:latin typeface="Cambria Math" panose="02040503050406030204" pitchFamily="18" charset="0"/>
+                            </a:rPr>
+                            <m:t>𝑒</m:t>
+                          </m:r>
+                        </m:e>
+                        <m:sup>
+                          <m:r>
+                            <a:rPr lang="en-US" i="1" smtClean="0">
+                              <a:latin typeface="Cambria Math" panose="02040503050406030204" pitchFamily="18" charset="0"/>
+                            </a:rPr>
+                            <m:t>ℓ</m:t>
+                          </m:r>
+                        </m:sup>
+                      </m:sSup>
+                    </m:oMath>
+                  </m:oMathPara>
+                </a14:m>
+                <a:endParaRPr lang="en-US" dirty="0"/>
+              </a:p>
+            </p:txBody>
+          </p:sp>
+        </mc:Choice>
+        <mc:Fallback>
+          <p:sp>
+            <p:nvSpPr>
+              <p:cNvPr id="5" name="Text Placeholder 3">
+                <a:extLst>
+                  <a:ext uri="{FF2B5EF4-FFF2-40B4-BE49-F238E27FC236}">
+                    <a16:creationId xmlns:a16="http://schemas.microsoft.com/office/drawing/2014/main" id="{9137382B-C556-F934-2F19-0D4B7BA08D96}"/>
+                  </a:ext>
+                </a:extLst>
+              </p:cNvPr>
+              <p:cNvSpPr txBox="1">
+                <a:spLocks noRot="1" noChangeAspect="1" noMove="1" noResize="1" noEditPoints="1" noAdjustHandles="1" noChangeArrowheads="1" noChangeShapeType="1" noTextEdit="1"/>
+              </p:cNvSpPr>
+              <p:nvPr/>
+            </p:nvSpPr>
+            <p:spPr>
+              <a:xfrm>
+                <a:off x="6185646" y="2563906"/>
+                <a:ext cx="6560391" cy="6910293"/>
+              </a:xfrm>
+              <a:prstGeom prst="rect">
+                <a:avLst/>
+              </a:prstGeom>
+              <a:blipFill>
+                <a:blip r:embed="rId3"/>
+                <a:stretch>
+                  <a:fillRect l="-1547"/>
+                </a:stretch>
+              </a:blipFill>
+            </p:spPr>
+            <p:txBody>
+              <a:bodyPr/>
+              <a:lstStyle/>
+              <a:p>
+                <a:r>
+                  <a:rPr lang="en-US">
+                    <a:noFill/>
+                  </a:rPr>
+                  <a:t> </a:t>
+                </a:r>
+              </a:p>
+            </p:txBody>
+          </p:sp>
+        </mc:Fallback>
+      </mc:AlternateContent>
     </p:spTree>
     <p:extLst>
       <p:ext uri="{BB962C8B-B14F-4D97-AF65-F5344CB8AC3E}">
-        <p14:creationId xmlns:p14="http://schemas.microsoft.com/office/powerpoint/2010/main" val="537788539"/>
+        <p14:creationId xmlns:p14="http://schemas.microsoft.com/office/powerpoint/2010/main" val="2386225957"/>
       </p:ext>
     </p:extLst>
   </p:cSld>
@@ -20550,201 +25223,1029 @@
       </p:grpSpPr>
       <p:sp>
         <p:nvSpPr>
-          <p:cNvPr id="211" name="Shape 211"/>
+          <p:cNvPr id="2" name="Title 1">
+            <a:extLst>
+              <a:ext uri="{FF2B5EF4-FFF2-40B4-BE49-F238E27FC236}">
+                <a16:creationId xmlns:a16="http://schemas.microsoft.com/office/drawing/2014/main" id="{35760439-DEB3-DE3B-FD8B-54AF25F9541C}"/>
+              </a:ext>
+            </a:extLst>
+          </p:cNvPr>
           <p:cNvSpPr>
             <a:spLocks noGrp="1"/>
           </p:cNvSpPr>
           <p:nvPr>
-            <p:ph type="ctrTitle"/>
+            <p:ph type="title"/>
           </p:nvPr>
         </p:nvSpPr>
-        <p:spPr>
-          <a:xfrm>
-            <a:off x="406400" y="1536700"/>
-            <a:ext cx="12192000" cy="1169261"/>
-          </a:xfrm>
-          <a:prstGeom prst="rect">
-            <a:avLst/>
-          </a:prstGeom>
-        </p:spPr>
+        <p:spPr/>
         <p:txBody>
-          <a:bodyPr/>
-          <a:lstStyle>
-            <a:lvl1pPr defTabSz="403097">
-              <a:spcBef>
-                <a:spcPts val="1900"/>
-              </a:spcBef>
-              <a:defRPr sz="8200"/>
-            </a:lvl1pPr>
-          </a:lstStyle>
+          <a:bodyPr wrap="none">
+            <a:normAutofit fontScale="90000"/>
+          </a:bodyPr>
+          <a:lstStyle/>
           <a:p>
             <a:r>
-              <a:t>Odds</a:t>
+              <a:rPr lang="en-US" dirty="0"/>
+              <a:t>So… Will assuming the line is the log odds work?</a:t>
             </a:r>
           </a:p>
         </p:txBody>
       </p:sp>
       <p:sp>
         <p:nvSpPr>
-          <p:cNvPr id="212" name="Shape 212"/>
+          <p:cNvPr id="3" name="Text Placeholder 2">
+            <a:extLst>
+              <a:ext uri="{FF2B5EF4-FFF2-40B4-BE49-F238E27FC236}">
+                <a16:creationId xmlns:a16="http://schemas.microsoft.com/office/drawing/2014/main" id="{B1DDA42A-A3D4-27A7-801E-390DFFE47C7F}"/>
+              </a:ext>
+            </a:extLst>
+          </p:cNvPr>
           <p:cNvSpPr>
             <a:spLocks noGrp="1"/>
           </p:cNvSpPr>
           <p:nvPr>
-            <p:ph type="subTitle" sz="quarter" idx="1"/>
+            <p:ph type="body" sz="quarter" idx="1"/>
           </p:nvPr>
         </p:nvSpPr>
-        <p:spPr>
-          <a:xfrm>
-            <a:off x="0" y="3557918"/>
-            <a:ext cx="12192000" cy="1304860"/>
-          </a:xfrm>
-          <a:prstGeom prst="rect">
-            <a:avLst/>
-          </a:prstGeom>
-        </p:spPr>
+        <p:spPr/>
         <p:txBody>
-          <a:bodyPr anchor="t"/>
-          <a:lstStyle>
-            <a:lvl1pPr marL="550656" indent="-550656" defTabSz="455674">
-              <a:lnSpc>
-                <a:spcPct val="100000"/>
-              </a:lnSpc>
-              <a:spcBef>
-                <a:spcPts val="2100"/>
-              </a:spcBef>
-              <a:buSzPct val="40000"/>
-              <a:buBlip>
-                <a:blip r:embed="rId2"/>
-              </a:buBlip>
-              <a:defRPr sz="4900" cap="none">
-                <a:solidFill>
-                  <a:srgbClr val="838787"/>
-                </a:solidFill>
-                <a:latin typeface="Avenir Next Medium"/>
-                <a:ea typeface="Avenir Next Medium"/>
-                <a:cs typeface="Avenir Next Medium"/>
-                <a:sym typeface="Avenir Next Medium"/>
-              </a:defRPr>
-            </a:lvl1pPr>
-          </a:lstStyle>
-          <a:p>
-            <a:r>
-              <a:t>Only valid between 0 and 1</a:t>
-            </a:r>
+          <a:bodyPr/>
+          <a:lstStyle/>
+          <a:p>
+            <a:endParaRPr lang="en-US"/>
           </a:p>
         </p:txBody>
       </p:sp>
-      <p:pic>
-        <p:nvPicPr>
-          <p:cNvPr id="213" name="Screen Shot 2019-09-17 at 12.14.43 AM.png"/>
-          <p:cNvPicPr>
-            <a:picLocks noChangeAspect="1"/>
-          </p:cNvPicPr>
-          <p:nvPr/>
-        </p:nvPicPr>
-        <p:blipFill>
-          <a:blip r:embed="rId3"/>
-          <a:stretch>
-            <a:fillRect/>
-          </a:stretch>
-        </p:blipFill>
-        <p:spPr>
-          <a:xfrm>
-            <a:off x="-1" y="2935591"/>
-            <a:ext cx="13004801" cy="5313681"/>
-          </a:xfrm>
-          <a:prstGeom prst="rect">
-            <a:avLst/>
-          </a:prstGeom>
-          <a:ln w="12700">
-            <a:miter lim="400000"/>
-          </a:ln>
-        </p:spPr>
-      </p:pic>
-      <p:sp>
-        <p:nvSpPr>
-          <p:cNvPr id="6" name="TextBox 5">
-            <a:extLst>
-              <a:ext uri="{FF2B5EF4-FFF2-40B4-BE49-F238E27FC236}">
-                <a16:creationId xmlns:a16="http://schemas.microsoft.com/office/drawing/2014/main" id="{F389ACB2-67CB-9CEB-C761-8C2146E07C79}"/>
-              </a:ext>
-            </a:extLst>
-          </p:cNvPr>
-          <p:cNvSpPr txBox="1"/>
-          <p:nvPr/>
-        </p:nvSpPr>
-        <p:spPr>
-          <a:xfrm>
-            <a:off x="406400" y="3190910"/>
-            <a:ext cx="8447825" cy="948978"/>
-          </a:xfrm>
-          <a:prstGeom prst="rect">
-            <a:avLst/>
-          </a:prstGeom>
-          <a:noFill/>
-          <a:ln w="12700" cap="flat">
-            <a:noFill/>
-            <a:miter lim="400000"/>
-          </a:ln>
-          <a:effectLst/>
-          <a:sp3d/>
-        </p:spPr>
-        <p:style>
-          <a:lnRef idx="0">
-            <a:scrgbClr r="0" g="0" b="0"/>
-          </a:lnRef>
-          <a:fillRef idx="0">
-            <a:scrgbClr r="0" g="0" b="0"/>
-          </a:fillRef>
-          <a:effectRef idx="0">
-            <a:scrgbClr r="0" g="0" b="0"/>
-          </a:effectRef>
-          <a:fontRef idx="none"/>
-        </p:style>
-        <p:txBody>
-          <a:bodyPr rot="0" spcFirstLastPara="1" vertOverflow="overflow" horzOverflow="overflow" vert="horz" wrap="none" lIns="50800" tIns="50800" rIns="50800" bIns="50800" numCol="1" spcCol="38100" rtlCol="0" anchor="ctr">
-            <a:spAutoFit/>
-          </a:bodyPr>
-          <a:lstStyle/>
-          <a:p>
-            <a:pPr marL="0" marR="0" indent="0" algn="l" defTabSz="584200" rtl="0" fontAlgn="auto" latinLnBrk="0" hangingPunct="0">
-              <a:lnSpc>
-                <a:spcPct val="100000"/>
-              </a:lnSpc>
-              <a:spcBef>
-                <a:spcPts val="2400"/>
-              </a:spcBef>
-              <a:spcAft>
-                <a:spcPts val="0"/>
-              </a:spcAft>
-              <a:buClrTx/>
-              <a:buSzTx/>
-              <a:buFontTx/>
-              <a:buNone/>
-              <a:tabLst/>
-            </a:pPr>
-            <a:r>
-              <a:rPr kumimoji="0" lang="en-US" sz="3500" b="0" i="0" u="none" strike="noStrike" cap="none" spc="0" normalizeH="0" baseline="0" dirty="0">
-                <a:ln>
-                  <a:noFill/>
-                </a:ln>
-                <a:solidFill>
-                  <a:srgbClr val="222222"/>
-                </a:solidFill>
-                <a:effectLst/>
-                <a:uFillTx/>
-                <a:latin typeface="DIN Condensed"/>
-                <a:ea typeface="DIN Condensed"/>
-                <a:cs typeface="DIN Condensed"/>
-                <a:sym typeface="DIN Condensed"/>
-              </a:rPr>
-              <a:t>In the case where the probability of winning is at least 50%...</a:t>
-            </a:r>
-          </a:p>
-        </p:txBody>
-      </p:sp>
+      <mc:AlternateContent xmlns:mc="http://schemas.openxmlformats.org/markup-compatibility/2006">
+        <mc:Choice xmlns:a14="http://schemas.microsoft.com/office/drawing/2010/main" Requires="a14">
+          <p:sp>
+            <p:nvSpPr>
+              <p:cNvPr id="4" name="Text Placeholder 3">
+                <a:extLst>
+                  <a:ext uri="{FF2B5EF4-FFF2-40B4-BE49-F238E27FC236}">
+                    <a16:creationId xmlns:a16="http://schemas.microsoft.com/office/drawing/2014/main" id="{9CDB1601-67CC-E114-87BC-0AC7C4ACD3DB}"/>
+                  </a:ext>
+                </a:extLst>
+              </p:cNvPr>
+              <p:cNvSpPr>
+                <a:spLocks noGrp="1"/>
+              </p:cNvSpPr>
+              <p:nvPr>
+                <p:ph type="body" sz="quarter" idx="10"/>
+              </p:nvPr>
+            </p:nvSpPr>
+            <p:spPr>
+              <a:xfrm>
+                <a:off x="125506" y="2438400"/>
+                <a:ext cx="6454588" cy="6883400"/>
+              </a:xfrm>
+            </p:spPr>
+            <p:txBody>
+              <a:bodyPr>
+                <a:normAutofit/>
+              </a:bodyPr>
+              <a:lstStyle/>
+              <a:p>
+                <a:r>
+                  <a:rPr lang="en-US" b="0" dirty="0"/>
+                  <a:t>If </a:t>
+                </a:r>
+                <a14:m>
+                  <m:oMath xmlns:m="http://schemas.openxmlformats.org/officeDocument/2006/math">
+                    <m:r>
+                      <a:rPr lang="en-US" b="0" i="1" smtClean="0">
+                        <a:latin typeface="Cambria Math" panose="02040503050406030204" pitchFamily="18" charset="0"/>
+                      </a:rPr>
+                      <m:t>𝑝</m:t>
+                    </m:r>
+                    <m:r>
+                      <a:rPr lang="en-US" b="0" i="1" smtClean="0">
+                        <a:latin typeface="Cambria Math" panose="02040503050406030204" pitchFamily="18" charset="0"/>
+                      </a:rPr>
+                      <m:t>= </m:t>
+                    </m:r>
+                    <m:f>
+                      <m:fPr>
+                        <m:ctrlPr>
+                          <a:rPr lang="en-US" b="0" i="1" smtClean="0">
+                            <a:latin typeface="Cambria Math" panose="02040503050406030204" pitchFamily="18" charset="0"/>
+                          </a:rPr>
+                        </m:ctrlPr>
+                      </m:fPr>
+                      <m:num>
+                        <m:r>
+                          <a:rPr lang="en-US" b="0" i="1" smtClean="0">
+                            <a:latin typeface="Cambria Math" panose="02040503050406030204" pitchFamily="18" charset="0"/>
+                          </a:rPr>
+                          <m:t>1</m:t>
+                        </m:r>
+                      </m:num>
+                      <m:den>
+                        <m:r>
+                          <a:rPr lang="en-US" b="0" i="1" smtClean="0">
+                            <a:latin typeface="Cambria Math" panose="02040503050406030204" pitchFamily="18" charset="0"/>
+                          </a:rPr>
+                          <m:t>1+</m:t>
+                        </m:r>
+                        <m:sSup>
+                          <m:sSupPr>
+                            <m:ctrlPr>
+                              <a:rPr lang="en-US" b="0" i="1" smtClean="0">
+                                <a:latin typeface="Cambria Math" panose="02040503050406030204" pitchFamily="18" charset="0"/>
+                              </a:rPr>
+                            </m:ctrlPr>
+                          </m:sSupPr>
+                          <m:e>
+                            <m:r>
+                              <a:rPr lang="en-US" b="0" i="1" smtClean="0">
+                                <a:latin typeface="Cambria Math" panose="02040503050406030204" pitchFamily="18" charset="0"/>
+                              </a:rPr>
+                              <m:t>𝑒</m:t>
+                            </m:r>
+                          </m:e>
+                          <m:sup>
+                            <m:r>
+                              <a:rPr lang="en-US" b="0" i="1" smtClean="0">
+                                <a:latin typeface="Cambria Math" panose="02040503050406030204" pitchFamily="18" charset="0"/>
+                              </a:rPr>
+                              <m:t>−</m:t>
+                            </m:r>
+                            <m:r>
+                              <a:rPr lang="en-US" b="0" i="1" smtClean="0">
+                                <a:latin typeface="Cambria Math" panose="02040503050406030204" pitchFamily="18" charset="0"/>
+                              </a:rPr>
+                              <m:t>𝑘</m:t>
+                            </m:r>
+                            <m:r>
+                              <a:rPr lang="en-US" b="0" i="1" smtClean="0">
+                                <a:latin typeface="Cambria Math" panose="02040503050406030204" pitchFamily="18" charset="0"/>
+                              </a:rPr>
+                              <m:t>(</m:t>
+                            </m:r>
+                            <m:r>
+                              <a:rPr lang="en-US" b="0" i="1" smtClean="0">
+                                <a:latin typeface="Cambria Math" panose="02040503050406030204" pitchFamily="18" charset="0"/>
+                              </a:rPr>
+                              <m:t>𝑥</m:t>
+                            </m:r>
+                            <m:r>
+                              <a:rPr lang="en-US" b="0" i="1" smtClean="0">
+                                <a:latin typeface="Cambria Math" panose="02040503050406030204" pitchFamily="18" charset="0"/>
+                              </a:rPr>
+                              <m:t>−</m:t>
+                            </m:r>
+                            <m:sSub>
+                              <m:sSubPr>
+                                <m:ctrlPr>
+                                  <a:rPr lang="en-US" b="0" i="1" smtClean="0">
+                                    <a:latin typeface="Cambria Math" panose="02040503050406030204" pitchFamily="18" charset="0"/>
+                                  </a:rPr>
+                                </m:ctrlPr>
+                              </m:sSubPr>
+                              <m:e>
+                                <m:r>
+                                  <a:rPr lang="en-US" b="0" i="1" smtClean="0">
+                                    <a:latin typeface="Cambria Math" panose="02040503050406030204" pitchFamily="18" charset="0"/>
+                                  </a:rPr>
+                                  <m:t>𝑥</m:t>
+                                </m:r>
+                              </m:e>
+                              <m:sub>
+                                <m:r>
+                                  <a:rPr lang="en-US" b="0" i="1" smtClean="0">
+                                    <a:latin typeface="Cambria Math" panose="02040503050406030204" pitchFamily="18" charset="0"/>
+                                  </a:rPr>
+                                  <m:t>0</m:t>
+                                </m:r>
+                              </m:sub>
+                            </m:sSub>
+                            <m:r>
+                              <a:rPr lang="en-US" b="0" i="1" smtClean="0">
+                                <a:latin typeface="Cambria Math" panose="02040503050406030204" pitchFamily="18" charset="0"/>
+                              </a:rPr>
+                              <m:t>)</m:t>
+                            </m:r>
+                          </m:sup>
+                        </m:sSup>
+                      </m:den>
+                    </m:f>
+                  </m:oMath>
+                </a14:m>
+                <a:r>
+                  <a:rPr lang="en-US" dirty="0"/>
+                  <a:t>,</a:t>
+                </a:r>
+                <a:br>
+                  <a:rPr lang="en-US" dirty="0"/>
+                </a:br>
+                <a:endParaRPr lang="en-US" dirty="0"/>
+              </a:p>
+              <a:p>
+                <a:r>
+                  <a:rPr lang="en-US" dirty="0"/>
+                  <a:t>is </a:t>
+                </a:r>
+                <a14:m>
+                  <m:oMath xmlns:m="http://schemas.openxmlformats.org/officeDocument/2006/math">
+                    <m:r>
+                      <m:rPr>
+                        <m:sty m:val="p"/>
+                      </m:rPr>
+                      <a:rPr lang="en-US" b="0" i="0" smtClean="0">
+                        <a:latin typeface="Cambria Math" panose="02040503050406030204" pitchFamily="18" charset="0"/>
+                      </a:rPr>
+                      <m:t>log</m:t>
+                    </m:r>
+                    <m:d>
+                      <m:dPr>
+                        <m:ctrlPr>
+                          <a:rPr lang="en-US" b="0" i="1" smtClean="0">
+                            <a:latin typeface="Cambria Math" panose="02040503050406030204" pitchFamily="18" charset="0"/>
+                          </a:rPr>
+                        </m:ctrlPr>
+                      </m:dPr>
+                      <m:e>
+                        <m:f>
+                          <m:fPr>
+                            <m:ctrlPr>
+                              <a:rPr lang="en-US" i="1">
+                                <a:latin typeface="Cambria Math" panose="02040503050406030204" pitchFamily="18" charset="0"/>
+                              </a:rPr>
+                            </m:ctrlPr>
+                          </m:fPr>
+                          <m:num>
+                            <m:r>
+                              <m:rPr>
+                                <m:sty m:val="p"/>
+                              </m:rPr>
+                              <a:rPr lang="en-US">
+                                <a:latin typeface="Cambria Math" panose="02040503050406030204" pitchFamily="18" charset="0"/>
+                              </a:rPr>
+                              <m:t>probability</m:t>
+                            </m:r>
+                          </m:num>
+                          <m:den>
+                            <m:r>
+                              <a:rPr lang="en-US" i="1">
+                                <a:latin typeface="Cambria Math" panose="02040503050406030204" pitchFamily="18" charset="0"/>
+                              </a:rPr>
+                              <m:t>1−</m:t>
+                            </m:r>
+                            <m:r>
+                              <m:rPr>
+                                <m:sty m:val="p"/>
+                              </m:rPr>
+                              <a:rPr lang="en-US">
+                                <a:latin typeface="Cambria Math" panose="02040503050406030204" pitchFamily="18" charset="0"/>
+                              </a:rPr>
+                              <m:t>probabillity</m:t>
+                            </m:r>
+                          </m:den>
+                        </m:f>
+                      </m:e>
+                    </m:d>
+                  </m:oMath>
+                </a14:m>
+                <a:r>
+                  <a:rPr lang="en-US" dirty="0"/>
+                  <a:t> linear?</a:t>
+                </a:r>
+              </a:p>
+            </p:txBody>
+          </p:sp>
+        </mc:Choice>
+        <mc:Fallback>
+          <p:sp>
+            <p:nvSpPr>
+              <p:cNvPr id="4" name="Text Placeholder 3">
+                <a:extLst>
+                  <a:ext uri="{FF2B5EF4-FFF2-40B4-BE49-F238E27FC236}">
+                    <a16:creationId xmlns:a16="http://schemas.microsoft.com/office/drawing/2014/main" id="{9CDB1601-67CC-E114-87BC-0AC7C4ACD3DB}"/>
+                  </a:ext>
+                </a:extLst>
+              </p:cNvPr>
+              <p:cNvSpPr>
+                <a:spLocks noGrp="1" noRot="1" noChangeAspect="1" noMove="1" noResize="1" noEditPoints="1" noAdjustHandles="1" noChangeArrowheads="1" noChangeShapeType="1" noTextEdit="1"/>
+              </p:cNvSpPr>
+              <p:nvPr>
+                <p:ph type="body" sz="quarter" idx="10"/>
+              </p:nvPr>
+            </p:nvSpPr>
+            <p:spPr>
+              <a:xfrm>
+                <a:off x="125506" y="2438400"/>
+                <a:ext cx="6454588" cy="6883400"/>
+              </a:xfrm>
+              <a:blipFill>
+                <a:blip r:embed="rId2"/>
+                <a:stretch>
+                  <a:fillRect l="-3150"/>
+                </a:stretch>
+              </a:blipFill>
+            </p:spPr>
+            <p:txBody>
+              <a:bodyPr/>
+              <a:lstStyle/>
+              <a:p>
+                <a:r>
+                  <a:rPr lang="en-US">
+                    <a:noFill/>
+                  </a:rPr>
+                  <a:t> </a:t>
+                </a:r>
+              </a:p>
+            </p:txBody>
+          </p:sp>
+        </mc:Fallback>
+      </mc:AlternateContent>
+      <mc:AlternateContent xmlns:mc="http://schemas.openxmlformats.org/markup-compatibility/2006">
+        <mc:Choice xmlns:a14="http://schemas.microsoft.com/office/drawing/2010/main" Requires="a14">
+          <p:sp>
+            <p:nvSpPr>
+              <p:cNvPr id="5" name="Text Placeholder 3">
+                <a:extLst>
+                  <a:ext uri="{FF2B5EF4-FFF2-40B4-BE49-F238E27FC236}">
+                    <a16:creationId xmlns:a16="http://schemas.microsoft.com/office/drawing/2014/main" id="{9137382B-C556-F934-2F19-0D4B7BA08D96}"/>
+                  </a:ext>
+                </a:extLst>
+              </p:cNvPr>
+              <p:cNvSpPr txBox="1">
+                <a:spLocks/>
+              </p:cNvSpPr>
+              <p:nvPr/>
+            </p:nvSpPr>
+            <p:spPr>
+              <a:xfrm>
+                <a:off x="6185646" y="2563906"/>
+                <a:ext cx="6560391" cy="6910293"/>
+              </a:xfrm>
+              <a:prstGeom prst="rect">
+                <a:avLst/>
+              </a:prstGeom>
+            </p:spPr>
+            <p:txBody>
+              <a:bodyPr vert="horz" lIns="91440" tIns="45720" rIns="91440" bIns="45720" rtlCol="0">
+                <a:normAutofit/>
+              </a:bodyPr>
+              <a:lstStyle>
+                <a:lvl1pPr marL="471487" marR="0" indent="-471487" algn="l" defTabSz="650240" rtl="0" latinLnBrk="0">
+                  <a:lnSpc>
+                    <a:spcPct val="100000"/>
+                  </a:lnSpc>
+                  <a:spcBef>
+                    <a:spcPts val="1000"/>
+                  </a:spcBef>
+                  <a:spcAft>
+                    <a:spcPts val="0"/>
+                  </a:spcAft>
+                  <a:buClr>
+                    <a:schemeClr val="accent1"/>
+                  </a:buClr>
+                  <a:buSzPct val="100000"/>
+                  <a:buFont typeface="Webdings" panose="05030102010509060703" pitchFamily="18" charset="2"/>
+                  <a:buChar char=""/>
+                  <a:tabLst/>
+                  <a:defRPr sz="4400" b="0" i="0" u="none" strike="noStrike" cap="none" spc="0" baseline="0">
+                    <a:ln>
+                      <a:noFill/>
+                    </a:ln>
+                    <a:solidFill>
+                      <a:schemeClr val="tx2"/>
+                    </a:solidFill>
+                    <a:uFillTx/>
+                    <a:latin typeface="Calibri"/>
+                    <a:ea typeface="Calibri"/>
+                    <a:cs typeface="Calibri"/>
+                    <a:sym typeface="Calibri"/>
+                  </a:defRPr>
+                </a:lvl1pPr>
+                <a:lvl2pPr marL="904875" marR="0" indent="-447675" algn="l" defTabSz="650240" rtl="0" latinLnBrk="0">
+                  <a:lnSpc>
+                    <a:spcPct val="100000"/>
+                  </a:lnSpc>
+                  <a:spcBef>
+                    <a:spcPts val="1000"/>
+                  </a:spcBef>
+                  <a:spcAft>
+                    <a:spcPts val="0"/>
+                  </a:spcAft>
+                  <a:buClr>
+                    <a:schemeClr val="accent1"/>
+                  </a:buClr>
+                  <a:buSzPct val="100000"/>
+                  <a:buFont typeface="Wingdings" panose="05000000000000000000" pitchFamily="2" charset="2"/>
+                  <a:buChar char="§"/>
+                  <a:tabLst/>
+                  <a:defRPr sz="4400" b="0" i="0" u="none" strike="noStrike" cap="none" spc="0" baseline="0">
+                    <a:ln>
+                      <a:noFill/>
+                    </a:ln>
+                    <a:solidFill>
+                      <a:schemeClr val="tx2"/>
+                    </a:solidFill>
+                    <a:uFillTx/>
+                    <a:latin typeface="Calibri"/>
+                    <a:ea typeface="Calibri"/>
+                    <a:cs typeface="Calibri"/>
+                    <a:sym typeface="Calibri"/>
+                  </a:defRPr>
+                </a:lvl2pPr>
+                <a:lvl3pPr marL="1333500" marR="0" indent="-419100" algn="l" defTabSz="650240" rtl="0" latinLnBrk="0">
+                  <a:lnSpc>
+                    <a:spcPct val="100000"/>
+                  </a:lnSpc>
+                  <a:spcBef>
+                    <a:spcPts val="1000"/>
+                  </a:spcBef>
+                  <a:spcAft>
+                    <a:spcPts val="0"/>
+                  </a:spcAft>
+                  <a:buClrTx/>
+                  <a:buSzPct val="100000"/>
+                  <a:buFont typeface="Arial"/>
+                  <a:buChar char="•"/>
+                  <a:tabLst/>
+                  <a:defRPr sz="4400" b="0" i="0" u="none" strike="noStrike" cap="none" spc="0" baseline="0">
+                    <a:ln>
+                      <a:noFill/>
+                    </a:ln>
+                    <a:solidFill>
+                      <a:schemeClr val="tx2"/>
+                    </a:solidFill>
+                    <a:uFillTx/>
+                    <a:latin typeface="Calibri"/>
+                    <a:ea typeface="Calibri"/>
+                    <a:cs typeface="Calibri"/>
+                    <a:sym typeface="Calibri"/>
+                  </a:defRPr>
+                </a:lvl3pPr>
+                <a:lvl4pPr marL="1874520" marR="0" indent="-502919" algn="l" defTabSz="650240" rtl="0" latinLnBrk="0">
+                  <a:lnSpc>
+                    <a:spcPct val="100000"/>
+                  </a:lnSpc>
+                  <a:spcBef>
+                    <a:spcPts val="1000"/>
+                  </a:spcBef>
+                  <a:spcAft>
+                    <a:spcPts val="0"/>
+                  </a:spcAft>
+                  <a:buClrTx/>
+                  <a:buSzPct val="100000"/>
+                  <a:buFont typeface="Arial"/>
+                  <a:buChar char="–"/>
+                  <a:tabLst/>
+                  <a:defRPr sz="4400" b="0" i="0" u="none" strike="noStrike" cap="none" spc="0" baseline="0">
+                    <a:ln>
+                      <a:noFill/>
+                    </a:ln>
+                    <a:solidFill>
+                      <a:schemeClr val="tx2"/>
+                    </a:solidFill>
+                    <a:uFillTx/>
+                    <a:latin typeface="Calibri"/>
+                    <a:ea typeface="Calibri"/>
+                    <a:cs typeface="Calibri"/>
+                    <a:sym typeface="Calibri"/>
+                  </a:defRPr>
+                </a:lvl4pPr>
+                <a:lvl5pPr marL="2331720" marR="0" indent="-502920" algn="l" defTabSz="650240" rtl="0" latinLnBrk="0">
+                  <a:lnSpc>
+                    <a:spcPct val="100000"/>
+                  </a:lnSpc>
+                  <a:spcBef>
+                    <a:spcPts val="1000"/>
+                  </a:spcBef>
+                  <a:spcAft>
+                    <a:spcPts val="0"/>
+                  </a:spcAft>
+                  <a:buClrTx/>
+                  <a:buSzPct val="100000"/>
+                  <a:buFont typeface="Arial"/>
+                  <a:buChar char="»"/>
+                  <a:tabLst/>
+                  <a:defRPr sz="4400" b="0" i="0" u="none" strike="noStrike" cap="none" spc="0" baseline="0">
+                    <a:ln>
+                      <a:noFill/>
+                    </a:ln>
+                    <a:solidFill>
+                      <a:schemeClr val="tx2"/>
+                    </a:solidFill>
+                    <a:uFillTx/>
+                    <a:latin typeface="Calibri"/>
+                    <a:ea typeface="Calibri"/>
+                    <a:cs typeface="Calibri"/>
+                    <a:sym typeface="Calibri"/>
+                  </a:defRPr>
+                </a:lvl5pPr>
+                <a:lvl6pPr marL="2797735" marR="0" indent="-575235" algn="l" defTabSz="650240" rtl="0" latinLnBrk="0">
+                  <a:lnSpc>
+                    <a:spcPct val="100000"/>
+                  </a:lnSpc>
+                  <a:spcBef>
+                    <a:spcPts val="1000"/>
+                  </a:spcBef>
+                  <a:spcAft>
+                    <a:spcPts val="0"/>
+                  </a:spcAft>
+                  <a:buClrTx/>
+                  <a:buSzPct val="104999"/>
+                  <a:buFont typeface="Arial"/>
+                  <a:buChar char="‣"/>
+                  <a:tabLst/>
+                  <a:defRPr sz="4400" b="0" i="0" u="none" strike="noStrike" cap="none" spc="0" baseline="0">
+                    <a:ln>
+                      <a:noFill/>
+                    </a:ln>
+                    <a:solidFill>
+                      <a:srgbClr val="000000"/>
+                    </a:solidFill>
+                    <a:uFillTx/>
+                    <a:latin typeface="Calibri"/>
+                    <a:ea typeface="Calibri"/>
+                    <a:cs typeface="Calibri"/>
+                    <a:sym typeface="Calibri"/>
+                  </a:defRPr>
+                </a:lvl6pPr>
+                <a:lvl7pPr marL="3242235" marR="0" indent="-575235" algn="l" defTabSz="650240" rtl="0" latinLnBrk="0">
+                  <a:lnSpc>
+                    <a:spcPct val="100000"/>
+                  </a:lnSpc>
+                  <a:spcBef>
+                    <a:spcPts val="1000"/>
+                  </a:spcBef>
+                  <a:spcAft>
+                    <a:spcPts val="0"/>
+                  </a:spcAft>
+                  <a:buClrTx/>
+                  <a:buSzPct val="104999"/>
+                  <a:buFont typeface="Arial"/>
+                  <a:buChar char="‣"/>
+                  <a:tabLst/>
+                  <a:defRPr sz="4400" b="0" i="0" u="none" strike="noStrike" cap="none" spc="0" baseline="0">
+                    <a:ln>
+                      <a:noFill/>
+                    </a:ln>
+                    <a:solidFill>
+                      <a:srgbClr val="000000"/>
+                    </a:solidFill>
+                    <a:uFillTx/>
+                    <a:latin typeface="Calibri"/>
+                    <a:ea typeface="Calibri"/>
+                    <a:cs typeface="Calibri"/>
+                    <a:sym typeface="Calibri"/>
+                  </a:defRPr>
+                </a:lvl7pPr>
+                <a:lvl8pPr marL="3686735" marR="0" indent="-575235" algn="l" defTabSz="650240" rtl="0" latinLnBrk="0">
+                  <a:lnSpc>
+                    <a:spcPct val="100000"/>
+                  </a:lnSpc>
+                  <a:spcBef>
+                    <a:spcPts val="1000"/>
+                  </a:spcBef>
+                  <a:spcAft>
+                    <a:spcPts val="0"/>
+                  </a:spcAft>
+                  <a:buClrTx/>
+                  <a:buSzPct val="104999"/>
+                  <a:buFont typeface="Arial"/>
+                  <a:buChar char="‣"/>
+                  <a:tabLst/>
+                  <a:defRPr sz="4400" b="0" i="0" u="none" strike="noStrike" cap="none" spc="0" baseline="0">
+                    <a:ln>
+                      <a:noFill/>
+                    </a:ln>
+                    <a:solidFill>
+                      <a:srgbClr val="000000"/>
+                    </a:solidFill>
+                    <a:uFillTx/>
+                    <a:latin typeface="Calibri"/>
+                    <a:ea typeface="Calibri"/>
+                    <a:cs typeface="Calibri"/>
+                    <a:sym typeface="Calibri"/>
+                  </a:defRPr>
+                </a:lvl8pPr>
+                <a:lvl9pPr marL="4131235" marR="0" indent="-575235" algn="l" defTabSz="650240" rtl="0" latinLnBrk="0">
+                  <a:lnSpc>
+                    <a:spcPct val="100000"/>
+                  </a:lnSpc>
+                  <a:spcBef>
+                    <a:spcPts val="1000"/>
+                  </a:spcBef>
+                  <a:spcAft>
+                    <a:spcPts val="0"/>
+                  </a:spcAft>
+                  <a:buClrTx/>
+                  <a:buSzPct val="104999"/>
+                  <a:buFont typeface="Arial"/>
+                  <a:buChar char="‣"/>
+                  <a:tabLst/>
+                  <a:defRPr sz="4400" b="0" i="0" u="none" strike="noStrike" cap="none" spc="0" baseline="0">
+                    <a:ln>
+                      <a:noFill/>
+                    </a:ln>
+                    <a:solidFill>
+                      <a:srgbClr val="000000"/>
+                    </a:solidFill>
+                    <a:uFillTx/>
+                    <a:latin typeface="Calibri"/>
+                    <a:ea typeface="Calibri"/>
+                    <a:cs typeface="Calibri"/>
+                    <a:sym typeface="Calibri"/>
+                  </a:defRPr>
+                </a:lvl9pPr>
+              </a:lstStyle>
+              <a:p>
+                <a:pPr marL="0" indent="0" hangingPunct="1">
+                  <a:buFont typeface="Webdings" panose="05030102010509060703" pitchFamily="18" charset="2"/>
+                  <a:buNone/>
+                </a:pPr>
+                <a14:m>
+                  <m:oMathPara xmlns:m="http://schemas.openxmlformats.org/officeDocument/2006/math">
+                    <m:oMathParaPr>
+                      <m:jc m:val="left"/>
+                    </m:oMathParaPr>
+                    <m:oMath xmlns:m="http://schemas.openxmlformats.org/officeDocument/2006/math">
+                      <m:r>
+                        <a:rPr lang="en-US" i="1" smtClean="0">
+                          <a:latin typeface="Cambria Math" panose="02040503050406030204" pitchFamily="18" charset="0"/>
+                        </a:rPr>
+                        <m:t>𝑝</m:t>
+                      </m:r>
+                      <m:r>
+                        <a:rPr lang="en-US" i="1" smtClean="0">
+                          <a:latin typeface="Cambria Math" panose="02040503050406030204" pitchFamily="18" charset="0"/>
+                        </a:rPr>
+                        <m:t>=</m:t>
+                      </m:r>
+                      <m:f>
+                        <m:fPr>
+                          <m:ctrlPr>
+                            <a:rPr lang="en-US" i="1" smtClean="0">
+                              <a:latin typeface="Cambria Math" panose="02040503050406030204" pitchFamily="18" charset="0"/>
+                            </a:rPr>
+                          </m:ctrlPr>
+                        </m:fPr>
+                        <m:num>
+                          <m:r>
+                            <a:rPr lang="en-US" i="1" smtClean="0">
+                              <a:latin typeface="Cambria Math" panose="02040503050406030204" pitchFamily="18" charset="0"/>
+                            </a:rPr>
+                            <m:t>1</m:t>
+                          </m:r>
+                        </m:num>
+                        <m:den>
+                          <m:r>
+                            <a:rPr lang="en-US" i="1" smtClean="0">
+                              <a:latin typeface="Cambria Math" panose="02040503050406030204" pitchFamily="18" charset="0"/>
+                            </a:rPr>
+                            <m:t>1+</m:t>
+                          </m:r>
+                          <m:sSup>
+                            <m:sSupPr>
+                              <m:ctrlPr>
+                                <a:rPr lang="en-US" i="1" smtClean="0">
+                                  <a:latin typeface="Cambria Math" panose="02040503050406030204" pitchFamily="18" charset="0"/>
+                                </a:rPr>
+                              </m:ctrlPr>
+                            </m:sSupPr>
+                            <m:e>
+                              <m:r>
+                                <a:rPr lang="en-US" i="1" smtClean="0">
+                                  <a:latin typeface="Cambria Math" panose="02040503050406030204" pitchFamily="18" charset="0"/>
+                                </a:rPr>
+                                <m:t>𝑒</m:t>
+                              </m:r>
+                            </m:e>
+                            <m:sup>
+                              <m:r>
+                                <a:rPr lang="en-US" i="1" smtClean="0">
+                                  <a:latin typeface="Cambria Math" panose="02040503050406030204" pitchFamily="18" charset="0"/>
+                                </a:rPr>
+                                <m:t>−ℓ</m:t>
+                              </m:r>
+                            </m:sup>
+                          </m:sSup>
+                        </m:den>
+                      </m:f>
+                      <m:r>
+                        <a:rPr lang="en-US" i="1" smtClean="0">
+                          <a:latin typeface="Cambria Math" panose="02040503050406030204" pitchFamily="18" charset="0"/>
+                        </a:rPr>
+                        <m:t>=</m:t>
+                      </m:r>
+                      <m:f>
+                        <m:fPr>
+                          <m:ctrlPr>
+                            <a:rPr lang="en-US" i="1" smtClean="0">
+                              <a:latin typeface="Cambria Math" panose="02040503050406030204" pitchFamily="18" charset="0"/>
+                            </a:rPr>
+                          </m:ctrlPr>
+                        </m:fPr>
+                        <m:num>
+                          <m:sSup>
+                            <m:sSupPr>
+                              <m:ctrlPr>
+                                <a:rPr lang="en-US" i="1" smtClean="0">
+                                  <a:latin typeface="Cambria Math" panose="02040503050406030204" pitchFamily="18" charset="0"/>
+                                </a:rPr>
+                              </m:ctrlPr>
+                            </m:sSupPr>
+                            <m:e>
+                              <m:r>
+                                <a:rPr lang="en-US" i="1" smtClean="0">
+                                  <a:latin typeface="Cambria Math" panose="02040503050406030204" pitchFamily="18" charset="0"/>
+                                </a:rPr>
+                                <m:t>𝑒</m:t>
+                              </m:r>
+                            </m:e>
+                            <m:sup>
+                              <m:r>
+                                <a:rPr lang="en-US" i="1" smtClean="0">
+                                  <a:latin typeface="Cambria Math" panose="02040503050406030204" pitchFamily="18" charset="0"/>
+                                </a:rPr>
+                                <m:t>ℓ</m:t>
+                              </m:r>
+                            </m:sup>
+                          </m:sSup>
+                        </m:num>
+                        <m:den>
+                          <m:sSup>
+                            <m:sSupPr>
+                              <m:ctrlPr>
+                                <a:rPr lang="en-US" i="1" smtClean="0">
+                                  <a:latin typeface="Cambria Math" panose="02040503050406030204" pitchFamily="18" charset="0"/>
+                                </a:rPr>
+                              </m:ctrlPr>
+                            </m:sSupPr>
+                            <m:e>
+                              <m:r>
+                                <a:rPr lang="en-US" i="1" smtClean="0">
+                                  <a:latin typeface="Cambria Math" panose="02040503050406030204" pitchFamily="18" charset="0"/>
+                                </a:rPr>
+                                <m:t>𝑒</m:t>
+                              </m:r>
+                            </m:e>
+                            <m:sup>
+                              <m:r>
+                                <a:rPr lang="en-US" i="1" smtClean="0">
+                                  <a:latin typeface="Cambria Math" panose="02040503050406030204" pitchFamily="18" charset="0"/>
+                                </a:rPr>
+                                <m:t>ℓ</m:t>
+                              </m:r>
+                            </m:sup>
+                          </m:sSup>
+                          <m:r>
+                            <a:rPr lang="en-US" i="1" smtClean="0">
+                              <a:latin typeface="Cambria Math" panose="02040503050406030204" pitchFamily="18" charset="0"/>
+                            </a:rPr>
+                            <m:t>+1</m:t>
+                          </m:r>
+                        </m:den>
+                      </m:f>
+                    </m:oMath>
+                  </m:oMathPara>
+                </a14:m>
+                <a:endParaRPr lang="en-US" dirty="0"/>
+              </a:p>
+              <a:p>
+                <a:pPr marL="0" indent="0" hangingPunct="1">
+                  <a:buFont typeface="Webdings" panose="05030102010509060703" pitchFamily="18" charset="2"/>
+                  <a:buNone/>
+                </a:pPr>
+                <a14:m>
+                  <m:oMathPara xmlns:m="http://schemas.openxmlformats.org/officeDocument/2006/math">
+                    <m:oMathParaPr>
+                      <m:jc m:val="left"/>
+                    </m:oMathParaPr>
+                    <m:oMath xmlns:m="http://schemas.openxmlformats.org/officeDocument/2006/math">
+                      <m:r>
+                        <a:rPr lang="en-US" i="1" smtClean="0">
+                          <a:latin typeface="Cambria Math" panose="02040503050406030204" pitchFamily="18" charset="0"/>
+                        </a:rPr>
+                        <m:t>𝑝</m:t>
+                      </m:r>
+                      <m:d>
+                        <m:dPr>
+                          <m:ctrlPr>
+                            <a:rPr lang="en-US" i="1" smtClean="0">
+                              <a:latin typeface="Cambria Math" panose="02040503050406030204" pitchFamily="18" charset="0"/>
+                            </a:rPr>
+                          </m:ctrlPr>
+                        </m:dPr>
+                        <m:e>
+                          <m:r>
+                            <a:rPr lang="en-US" i="1" smtClean="0">
+                              <a:latin typeface="Cambria Math" panose="02040503050406030204" pitchFamily="18" charset="0"/>
+                            </a:rPr>
+                            <m:t>1+</m:t>
+                          </m:r>
+                          <m:sSup>
+                            <m:sSupPr>
+                              <m:ctrlPr>
+                                <a:rPr lang="en-US" i="1" smtClean="0">
+                                  <a:latin typeface="Cambria Math" panose="02040503050406030204" pitchFamily="18" charset="0"/>
+                                </a:rPr>
+                              </m:ctrlPr>
+                            </m:sSupPr>
+                            <m:e>
+                              <m:r>
+                                <a:rPr lang="en-US" i="1" smtClean="0">
+                                  <a:latin typeface="Cambria Math" panose="02040503050406030204" pitchFamily="18" charset="0"/>
+                                </a:rPr>
+                                <m:t>𝑒</m:t>
+                              </m:r>
+                            </m:e>
+                            <m:sup>
+                              <m:r>
+                                <a:rPr lang="en-US" i="1" smtClean="0">
+                                  <a:latin typeface="Cambria Math" panose="02040503050406030204" pitchFamily="18" charset="0"/>
+                                </a:rPr>
+                                <m:t>ℓ</m:t>
+                              </m:r>
+                            </m:sup>
+                          </m:sSup>
+                        </m:e>
+                      </m:d>
+                      <m:r>
+                        <a:rPr lang="en-US" i="1" smtClean="0">
+                          <a:latin typeface="Cambria Math" panose="02040503050406030204" pitchFamily="18" charset="0"/>
+                        </a:rPr>
+                        <m:t>=</m:t>
+                      </m:r>
+                      <m:sSup>
+                        <m:sSupPr>
+                          <m:ctrlPr>
+                            <a:rPr lang="en-US" i="1" smtClean="0">
+                              <a:latin typeface="Cambria Math" panose="02040503050406030204" pitchFamily="18" charset="0"/>
+                            </a:rPr>
+                          </m:ctrlPr>
+                        </m:sSupPr>
+                        <m:e>
+                          <m:r>
+                            <a:rPr lang="en-US" i="1" smtClean="0">
+                              <a:latin typeface="Cambria Math" panose="02040503050406030204" pitchFamily="18" charset="0"/>
+                            </a:rPr>
+                            <m:t>𝑒</m:t>
+                          </m:r>
+                        </m:e>
+                        <m:sup>
+                          <m:r>
+                            <a:rPr lang="en-US" i="1" smtClean="0">
+                              <a:latin typeface="Cambria Math" panose="02040503050406030204" pitchFamily="18" charset="0"/>
+                            </a:rPr>
+                            <m:t>ℓ</m:t>
+                          </m:r>
+                        </m:sup>
+                      </m:sSup>
+                    </m:oMath>
+                  </m:oMathPara>
+                </a14:m>
+                <a:endParaRPr lang="en-US" dirty="0"/>
+              </a:p>
+              <a:p>
+                <a:pPr marL="0" indent="0" hangingPunct="1">
+                  <a:buFont typeface="Webdings" panose="05030102010509060703" pitchFamily="18" charset="2"/>
+                  <a:buNone/>
+                </a:pPr>
+                <a14:m>
+                  <m:oMathPara xmlns:m="http://schemas.openxmlformats.org/officeDocument/2006/math">
+                    <m:oMathParaPr>
+                      <m:jc m:val="left"/>
+                    </m:oMathParaPr>
+                    <m:oMath xmlns:m="http://schemas.openxmlformats.org/officeDocument/2006/math">
+                      <m:r>
+                        <a:rPr lang="en-US" i="1" smtClean="0">
+                          <a:latin typeface="Cambria Math" panose="02040503050406030204" pitchFamily="18" charset="0"/>
+                        </a:rPr>
+                        <m:t>𝑝</m:t>
+                      </m:r>
+                      <m:r>
+                        <a:rPr lang="en-US" i="1" smtClean="0">
+                          <a:latin typeface="Cambria Math" panose="02040503050406030204" pitchFamily="18" charset="0"/>
+                        </a:rPr>
+                        <m:t>+</m:t>
+                      </m:r>
+                      <m:r>
+                        <a:rPr lang="en-US" i="1" smtClean="0">
+                          <a:latin typeface="Cambria Math" panose="02040503050406030204" pitchFamily="18" charset="0"/>
+                        </a:rPr>
+                        <m:t>𝑝</m:t>
+                      </m:r>
+                      <m:sSup>
+                        <m:sSupPr>
+                          <m:ctrlPr>
+                            <a:rPr lang="en-US" i="1" smtClean="0">
+                              <a:latin typeface="Cambria Math" panose="02040503050406030204" pitchFamily="18" charset="0"/>
+                            </a:rPr>
+                          </m:ctrlPr>
+                        </m:sSupPr>
+                        <m:e>
+                          <m:r>
+                            <a:rPr lang="en-US" i="1" smtClean="0">
+                              <a:latin typeface="Cambria Math" panose="02040503050406030204" pitchFamily="18" charset="0"/>
+                            </a:rPr>
+                            <m:t>𝑒</m:t>
+                          </m:r>
+                        </m:e>
+                        <m:sup>
+                          <m:r>
+                            <a:rPr lang="en-US" i="1" smtClean="0">
+                              <a:latin typeface="Cambria Math" panose="02040503050406030204" pitchFamily="18" charset="0"/>
+                            </a:rPr>
+                            <m:t>ℓ</m:t>
+                          </m:r>
+                        </m:sup>
+                      </m:sSup>
+                      <m:r>
+                        <a:rPr lang="en-US" i="1" smtClean="0">
+                          <a:latin typeface="Cambria Math" panose="02040503050406030204" pitchFamily="18" charset="0"/>
+                        </a:rPr>
+                        <m:t>=</m:t>
+                      </m:r>
+                      <m:sSup>
+                        <m:sSupPr>
+                          <m:ctrlPr>
+                            <a:rPr lang="en-US" i="1" smtClean="0">
+                              <a:latin typeface="Cambria Math" panose="02040503050406030204" pitchFamily="18" charset="0"/>
+                            </a:rPr>
+                          </m:ctrlPr>
+                        </m:sSupPr>
+                        <m:e>
+                          <m:r>
+                            <a:rPr lang="en-US" i="1" smtClean="0">
+                              <a:latin typeface="Cambria Math" panose="02040503050406030204" pitchFamily="18" charset="0"/>
+                            </a:rPr>
+                            <m:t>𝑒</m:t>
+                          </m:r>
+                        </m:e>
+                        <m:sup>
+                          <m:r>
+                            <a:rPr lang="en-US" i="1" smtClean="0">
+                              <a:latin typeface="Cambria Math" panose="02040503050406030204" pitchFamily="18" charset="0"/>
+                            </a:rPr>
+                            <m:t>ℓ</m:t>
+                          </m:r>
+                        </m:sup>
+                      </m:sSup>
+                    </m:oMath>
+                  </m:oMathPara>
+                </a14:m>
+                <a:endParaRPr lang="en-US" dirty="0"/>
+              </a:p>
+            </p:txBody>
+          </p:sp>
+        </mc:Choice>
+        <mc:Fallback>
+          <p:sp>
+            <p:nvSpPr>
+              <p:cNvPr id="5" name="Text Placeholder 3">
+                <a:extLst>
+                  <a:ext uri="{FF2B5EF4-FFF2-40B4-BE49-F238E27FC236}">
+                    <a16:creationId xmlns:a16="http://schemas.microsoft.com/office/drawing/2014/main" id="{9137382B-C556-F934-2F19-0D4B7BA08D96}"/>
+                  </a:ext>
+                </a:extLst>
+              </p:cNvPr>
+              <p:cNvSpPr txBox="1">
+                <a:spLocks noRot="1" noChangeAspect="1" noMove="1" noResize="1" noEditPoints="1" noAdjustHandles="1" noChangeArrowheads="1" noChangeShapeType="1" noTextEdit="1"/>
+              </p:cNvSpPr>
+              <p:nvPr/>
+            </p:nvSpPr>
+            <p:spPr>
+              <a:xfrm>
+                <a:off x="6185646" y="2563906"/>
+                <a:ext cx="6560391" cy="6910293"/>
+              </a:xfrm>
+              <a:prstGeom prst="rect">
+                <a:avLst/>
+              </a:prstGeom>
+              <a:blipFill>
+                <a:blip r:embed="rId3"/>
+                <a:stretch>
+                  <a:fillRect l="-1547"/>
+                </a:stretch>
+              </a:blipFill>
+            </p:spPr>
+            <p:txBody>
+              <a:bodyPr/>
+              <a:lstStyle/>
+              <a:p>
+                <a:r>
+                  <a:rPr lang="en-US">
+                    <a:noFill/>
+                  </a:rPr>
+                  <a:t> </a:t>
+                </a:r>
+              </a:p>
+            </p:txBody>
+          </p:sp>
+        </mc:Fallback>
+      </mc:AlternateContent>
     </p:spTree>
+    <p:extLst>
+      <p:ext uri="{BB962C8B-B14F-4D97-AF65-F5344CB8AC3E}">
+        <p14:creationId xmlns:p14="http://schemas.microsoft.com/office/powerpoint/2010/main" val="3632252248"/>
+      </p:ext>
+    </p:extLst>
   </p:cSld>
   <p:clrMapOvr>
     <a:masterClrMapping/>
